--- a/lectures3/Pythonlearn-14-Objects.pptx
+++ b/lectures3/Pythonlearn-14-Objects.pptx
@@ -598,8 +598,8 @@
         </p:nvSpPr>
         <p:spPr>
           <a:xfrm>
-            <a:off x="889000" y="685800"/>
-            <a:ext cx="5080000" cy="3429000"/>
+            <a:off x="381000" y="685800"/>
+            <a:ext cx="6096000" cy="3429000"/>
           </a:xfrm>
           <a:custGeom>
             <a:avLst/>
@@ -708,8 +708,8 @@
         </p:nvSpPr>
         <p:spPr>
           <a:xfrm>
-            <a:off x="889000" y="685800"/>
-            <a:ext cx="5080000" cy="3429000"/>
+            <a:off x="381000" y="685800"/>
+            <a:ext cx="6096000" cy="3429000"/>
           </a:xfrm>
           <a:custGeom>
             <a:avLst/>
@@ -818,8 +818,8 @@
         </p:nvSpPr>
         <p:spPr>
           <a:xfrm>
-            <a:off x="889000" y="685800"/>
-            <a:ext cx="5080000" cy="3429000"/>
+            <a:off x="381000" y="685800"/>
+            <a:ext cx="6096000" cy="3429000"/>
           </a:xfrm>
           <a:custGeom>
             <a:avLst/>
@@ -928,8 +928,8 @@
         </p:nvSpPr>
         <p:spPr>
           <a:xfrm>
-            <a:off x="889000" y="685800"/>
-            <a:ext cx="5079900" cy="3429000"/>
+            <a:off x="381000" y="685800"/>
+            <a:ext cx="6096000" cy="3429000"/>
           </a:xfrm>
           <a:custGeom>
             <a:avLst/>
@@ -1038,8 +1038,8 @@
         </p:nvSpPr>
         <p:spPr>
           <a:xfrm>
-            <a:off x="889000" y="685800"/>
-            <a:ext cx="5079900" cy="3429000"/>
+            <a:off x="381000" y="685800"/>
+            <a:ext cx="6096000" cy="3429000"/>
           </a:xfrm>
           <a:custGeom>
             <a:avLst/>
@@ -1148,8 +1148,8 @@
         </p:nvSpPr>
         <p:spPr>
           <a:xfrm>
-            <a:off x="889000" y="685800"/>
-            <a:ext cx="5079900" cy="3429000"/>
+            <a:off x="381000" y="685800"/>
+            <a:ext cx="6096000" cy="3429000"/>
           </a:xfrm>
           <a:custGeom>
             <a:avLst/>
@@ -1258,8 +1258,8 @@
         </p:nvSpPr>
         <p:spPr>
           <a:xfrm>
-            <a:off x="889000" y="685800"/>
-            <a:ext cx="5080000" cy="3429000"/>
+            <a:off x="381000" y="685800"/>
+            <a:ext cx="6096000" cy="3429000"/>
           </a:xfrm>
           <a:custGeom>
             <a:avLst/>
@@ -1368,8 +1368,8 @@
         </p:nvSpPr>
         <p:spPr>
           <a:xfrm>
-            <a:off x="889000" y="685800"/>
-            <a:ext cx="5080000" cy="3429000"/>
+            <a:off x="381000" y="685800"/>
+            <a:ext cx="6096000" cy="3429000"/>
           </a:xfrm>
           <a:custGeom>
             <a:avLst/>
@@ -1478,8 +1478,8 @@
         </p:nvSpPr>
         <p:spPr>
           <a:xfrm>
-            <a:off x="889000" y="685800"/>
-            <a:ext cx="5080000" cy="3429000"/>
+            <a:off x="381000" y="685800"/>
+            <a:ext cx="6096000" cy="3429000"/>
           </a:xfrm>
           <a:custGeom>
             <a:avLst/>
@@ -1588,8 +1588,8 @@
         </p:nvSpPr>
         <p:spPr>
           <a:xfrm>
-            <a:off x="889000" y="685800"/>
-            <a:ext cx="5080000" cy="3429000"/>
+            <a:off x="381000" y="685800"/>
+            <a:ext cx="6096000" cy="3429000"/>
           </a:xfrm>
           <a:custGeom>
             <a:avLst/>
@@ -1698,8 +1698,8 @@
         </p:nvSpPr>
         <p:spPr>
           <a:xfrm>
-            <a:off x="889000" y="685800"/>
-            <a:ext cx="5080000" cy="3429000"/>
+            <a:off x="381000" y="685800"/>
+            <a:ext cx="6096000" cy="3429000"/>
           </a:xfrm>
           <a:custGeom>
             <a:avLst/>
@@ -1808,8 +1808,8 @@
         </p:nvSpPr>
         <p:spPr>
           <a:xfrm>
-            <a:off x="889000" y="685800"/>
-            <a:ext cx="5080000" cy="3429000"/>
+            <a:off x="381000" y="685800"/>
+            <a:ext cx="6096000" cy="3429000"/>
           </a:xfrm>
           <a:custGeom>
             <a:avLst/>
@@ -1918,8 +1918,8 @@
         </p:nvSpPr>
         <p:spPr>
           <a:xfrm>
-            <a:off x="889000" y="685800"/>
-            <a:ext cx="5080000" cy="3429000"/>
+            <a:off x="381000" y="685800"/>
+            <a:ext cx="6096000" cy="3429000"/>
           </a:xfrm>
           <a:custGeom>
             <a:avLst/>
@@ -2028,8 +2028,8 @@
         </p:nvSpPr>
         <p:spPr>
           <a:xfrm>
-            <a:off x="889000" y="685800"/>
-            <a:ext cx="5080000" cy="3429000"/>
+            <a:off x="381000" y="685800"/>
+            <a:ext cx="6096000" cy="3429000"/>
           </a:xfrm>
           <a:custGeom>
             <a:avLst/>
@@ -2138,8 +2138,8 @@
         </p:nvSpPr>
         <p:spPr>
           <a:xfrm>
-            <a:off x="889000" y="685800"/>
-            <a:ext cx="5080000" cy="3429000"/>
+            <a:off x="381000" y="685800"/>
+            <a:ext cx="6096000" cy="3429000"/>
           </a:xfrm>
           <a:custGeom>
             <a:avLst/>
@@ -2248,8 +2248,8 @@
         </p:nvSpPr>
         <p:spPr>
           <a:xfrm>
-            <a:off x="889000" y="685800"/>
-            <a:ext cx="5080000" cy="3429000"/>
+            <a:off x="381000" y="685800"/>
+            <a:ext cx="6096000" cy="3429000"/>
           </a:xfrm>
           <a:custGeom>
             <a:avLst/>
@@ -2358,8 +2358,8 @@
         </p:nvSpPr>
         <p:spPr>
           <a:xfrm>
-            <a:off x="889000" y="685800"/>
-            <a:ext cx="5080000" cy="3429000"/>
+            <a:off x="381000" y="685800"/>
+            <a:ext cx="6096000" cy="3429000"/>
           </a:xfrm>
           <a:custGeom>
             <a:avLst/>
@@ -2468,8 +2468,8 @@
         </p:nvSpPr>
         <p:spPr>
           <a:xfrm>
-            <a:off x="889000" y="685800"/>
-            <a:ext cx="5080000" cy="3429000"/>
+            <a:off x="381000" y="685800"/>
+            <a:ext cx="6096000" cy="3429000"/>
           </a:xfrm>
           <a:custGeom>
             <a:avLst/>
@@ -2578,8 +2578,8 @@
         </p:nvSpPr>
         <p:spPr>
           <a:xfrm>
-            <a:off x="889000" y="685800"/>
-            <a:ext cx="5080000" cy="3429000"/>
+            <a:off x="381000" y="685800"/>
+            <a:ext cx="6096000" cy="3429000"/>
           </a:xfrm>
           <a:custGeom>
             <a:avLst/>
@@ -2688,8 +2688,8 @@
         </p:nvSpPr>
         <p:spPr>
           <a:xfrm>
-            <a:off x="889000" y="685800"/>
-            <a:ext cx="5080000" cy="3429000"/>
+            <a:off x="381000" y="685800"/>
+            <a:ext cx="6096000" cy="3429000"/>
           </a:xfrm>
           <a:custGeom>
             <a:avLst/>
@@ -2798,8 +2798,8 @@
         </p:nvSpPr>
         <p:spPr>
           <a:xfrm>
-            <a:off x="889000" y="685800"/>
-            <a:ext cx="5080000" cy="3429000"/>
+            <a:off x="381000" y="685800"/>
+            <a:ext cx="6096000" cy="3429000"/>
           </a:xfrm>
           <a:custGeom>
             <a:avLst/>
@@ -2908,8 +2908,8 @@
         </p:nvSpPr>
         <p:spPr>
           <a:xfrm>
-            <a:off x="889000" y="685800"/>
-            <a:ext cx="5080000" cy="3429000"/>
+            <a:off x="381000" y="685800"/>
+            <a:ext cx="6096000" cy="3429000"/>
           </a:xfrm>
           <a:custGeom>
             <a:avLst/>
@@ -3018,8 +3018,8 @@
         </p:nvSpPr>
         <p:spPr>
           <a:xfrm>
-            <a:off x="889000" y="685800"/>
-            <a:ext cx="5080000" cy="3429000"/>
+            <a:off x="381000" y="685800"/>
+            <a:ext cx="6096000" cy="3429000"/>
           </a:xfrm>
           <a:custGeom>
             <a:avLst/>
@@ -3128,8 +3128,8 @@
         </p:nvSpPr>
         <p:spPr>
           <a:xfrm>
-            <a:off x="889000" y="685800"/>
-            <a:ext cx="5080000" cy="3429000"/>
+            <a:off x="381000" y="685800"/>
+            <a:ext cx="6096000" cy="3429000"/>
           </a:xfrm>
           <a:custGeom>
             <a:avLst/>
@@ -3238,8 +3238,8 @@
         </p:nvSpPr>
         <p:spPr>
           <a:xfrm>
-            <a:off x="889000" y="685800"/>
-            <a:ext cx="5080000" cy="3429000"/>
+            <a:off x="381000" y="685800"/>
+            <a:ext cx="6096000" cy="3429000"/>
           </a:xfrm>
           <a:custGeom>
             <a:avLst/>
@@ -3348,8 +3348,8 @@
         </p:nvSpPr>
         <p:spPr>
           <a:xfrm>
-            <a:off x="889000" y="685800"/>
-            <a:ext cx="5080000" cy="3429000"/>
+            <a:off x="381000" y="685800"/>
+            <a:ext cx="6096000" cy="3429000"/>
           </a:xfrm>
           <a:custGeom>
             <a:avLst/>
@@ -3458,8 +3458,8 @@
         </p:nvSpPr>
         <p:spPr>
           <a:xfrm>
-            <a:off x="889000" y="685800"/>
-            <a:ext cx="5080000" cy="3429000"/>
+            <a:off x="381000" y="685800"/>
+            <a:ext cx="6096000" cy="3429000"/>
           </a:xfrm>
           <a:custGeom>
             <a:avLst/>
@@ -3568,8 +3568,8 @@
         </p:nvSpPr>
         <p:spPr>
           <a:xfrm>
-            <a:off x="889000" y="685800"/>
-            <a:ext cx="5080000" cy="3429000"/>
+            <a:off x="381000" y="685800"/>
+            <a:ext cx="6096000" cy="3429000"/>
           </a:xfrm>
           <a:custGeom>
             <a:avLst/>
@@ -3678,8 +3678,8 @@
         </p:nvSpPr>
         <p:spPr>
           <a:xfrm>
-            <a:off x="889000" y="685800"/>
-            <a:ext cx="5080000" cy="3429000"/>
+            <a:off x="381000" y="685800"/>
+            <a:ext cx="6096000" cy="3429000"/>
           </a:xfrm>
           <a:custGeom>
             <a:avLst/>
@@ -3788,8 +3788,8 @@
         </p:nvSpPr>
         <p:spPr>
           <a:xfrm>
-            <a:off x="889000" y="685800"/>
-            <a:ext cx="5080000" cy="3429000"/>
+            <a:off x="381000" y="685800"/>
+            <a:ext cx="6096000" cy="3429000"/>
           </a:xfrm>
           <a:custGeom>
             <a:avLst/>
@@ -3898,8 +3898,8 @@
         </p:nvSpPr>
         <p:spPr>
           <a:xfrm>
-            <a:off x="889000" y="685800"/>
-            <a:ext cx="5080000" cy="3429000"/>
+            <a:off x="381000" y="685800"/>
+            <a:ext cx="6096000" cy="3429000"/>
           </a:xfrm>
           <a:custGeom>
             <a:avLst/>
@@ -4008,8 +4008,8 @@
         </p:nvSpPr>
         <p:spPr>
           <a:xfrm>
-            <a:off x="889000" y="685800"/>
-            <a:ext cx="5080000" cy="3429000"/>
+            <a:off x="381000" y="685800"/>
+            <a:ext cx="6096000" cy="3429000"/>
           </a:xfrm>
           <a:custGeom>
             <a:avLst/>
@@ -4118,8 +4118,8 @@
         </p:nvSpPr>
         <p:spPr>
           <a:xfrm>
-            <a:off x="889000" y="685800"/>
-            <a:ext cx="5080000" cy="3429000"/>
+            <a:off x="381000" y="685800"/>
+            <a:ext cx="6096000" cy="3429000"/>
           </a:xfrm>
           <a:custGeom>
             <a:avLst/>
@@ -4228,8 +4228,8 @@
         </p:nvSpPr>
         <p:spPr>
           <a:xfrm>
-            <a:off x="889000" y="685800"/>
-            <a:ext cx="5080000" cy="3429000"/>
+            <a:off x="381000" y="685800"/>
+            <a:ext cx="6096000" cy="3429000"/>
           </a:xfrm>
           <a:custGeom>
             <a:avLst/>
@@ -4338,8 +4338,8 @@
         </p:nvSpPr>
         <p:spPr>
           <a:xfrm>
-            <a:off x="889000" y="685800"/>
-            <a:ext cx="5080000" cy="3429000"/>
+            <a:off x="381000" y="685800"/>
+            <a:ext cx="6096000" cy="3429000"/>
           </a:xfrm>
           <a:custGeom>
             <a:avLst/>
@@ -4448,8 +4448,8 @@
         </p:nvSpPr>
         <p:spPr>
           <a:xfrm>
-            <a:off x="889000" y="685800"/>
-            <a:ext cx="5080000" cy="3429000"/>
+            <a:off x="381000" y="685800"/>
+            <a:ext cx="6096000" cy="3429000"/>
           </a:xfrm>
           <a:custGeom>
             <a:avLst/>
@@ -4558,8 +4558,8 @@
         </p:nvSpPr>
         <p:spPr>
           <a:xfrm>
-            <a:off x="889000" y="685800"/>
-            <a:ext cx="5080000" cy="3429000"/>
+            <a:off x="381000" y="685800"/>
+            <a:ext cx="6096000" cy="3429000"/>
           </a:xfrm>
           <a:custGeom>
             <a:avLst/>
@@ -4668,8 +4668,8 @@
         </p:nvSpPr>
         <p:spPr>
           <a:xfrm>
-            <a:off x="889000" y="685800"/>
-            <a:ext cx="5080000" cy="3429000"/>
+            <a:off x="381000" y="685800"/>
+            <a:ext cx="6096000" cy="3429000"/>
           </a:xfrm>
           <a:custGeom>
             <a:avLst/>
@@ -4778,8 +4778,8 @@
         </p:nvSpPr>
         <p:spPr>
           <a:xfrm>
-            <a:off x="889000" y="685800"/>
-            <a:ext cx="5080000" cy="3429000"/>
+            <a:off x="381000" y="685800"/>
+            <a:ext cx="6096000" cy="3429000"/>
           </a:xfrm>
           <a:custGeom>
             <a:avLst/>
@@ -4888,8 +4888,8 @@
         </p:nvSpPr>
         <p:spPr>
           <a:xfrm>
-            <a:off x="889000" y="685800"/>
-            <a:ext cx="5080000" cy="3429000"/>
+            <a:off x="381000" y="685800"/>
+            <a:ext cx="6096000" cy="3429000"/>
           </a:xfrm>
           <a:custGeom>
             <a:avLst/>
@@ -5124,8 +5124,8 @@
         </p:nvSpPr>
         <p:spPr>
           <a:xfrm>
-            <a:off x="889000" y="685800"/>
-            <a:ext cx="5080000" cy="3429000"/>
+            <a:off x="381000" y="685800"/>
+            <a:ext cx="6096000" cy="3429000"/>
           </a:xfrm>
           <a:custGeom>
             <a:avLst/>
@@ -5353,8 +5353,8 @@
         </p:nvSpPr>
         <p:spPr>
           <a:xfrm>
-            <a:off x="889000" y="685800"/>
-            <a:ext cx="5080000" cy="3429000"/>
+            <a:off x="381000" y="685800"/>
+            <a:ext cx="6096000" cy="3429000"/>
           </a:xfrm>
           <a:custGeom>
             <a:avLst/>
@@ -5463,8 +5463,8 @@
         </p:nvSpPr>
         <p:spPr>
           <a:xfrm>
-            <a:off x="889000" y="685800"/>
-            <a:ext cx="5080000" cy="3429000"/>
+            <a:off x="381000" y="685800"/>
+            <a:ext cx="6096000" cy="3429000"/>
           </a:xfrm>
           <a:custGeom>
             <a:avLst/>
@@ -5573,8 +5573,8 @@
         </p:nvSpPr>
         <p:spPr>
           <a:xfrm>
-            <a:off x="889000" y="685800"/>
-            <a:ext cx="5079900" cy="3429000"/>
+            <a:off x="381000" y="685800"/>
+            <a:ext cx="6096000" cy="3429000"/>
           </a:xfrm>
           <a:custGeom>
             <a:avLst/>
@@ -6287,9 +6287,9 @@
                 <a:solidFill>
                   <a:srgbClr val="FFFFFF"/>
                 </a:solidFill>
-                <a:latin typeface="Cabin"/>
-                <a:ea typeface="Cabin"/>
-                <a:cs typeface="Cabin"/>
+                <a:latin typeface="Arial" charset="0"/>
+                <a:ea typeface="Arial" charset="0"/>
+                <a:cs typeface="Arial" charset="0"/>
                 <a:sym typeface="Cabin"/>
               </a:defRPr>
             </a:lvl1pPr>
@@ -6531,7 +6531,11 @@
               </a:spcBef>
               <a:buFont typeface="Cabin"/>
               <a:buNone/>
-              <a:defRPr sz="2000"/>
+              <a:defRPr sz="2000" b="0" i="0">
+                <a:latin typeface="Arial" charset="0"/>
+                <a:ea typeface="Arial" charset="0"/>
+                <a:cs typeface="Arial" charset="0"/>
+              </a:defRPr>
             </a:lvl1pPr>
             <a:lvl2pPr marL="0" lvl="1" indent="0" algn="ctr" rtl="0">
               <a:spcBef>
@@ -6654,18 +6658,17 @@
           <a:bodyPr lIns="26300" tIns="26300" rIns="26300" bIns="26300" anchor="t" anchorCtr="0">
             <a:noAutofit/>
           </a:bodyPr>
-          <a:lstStyle/>
-          <a:p>
-            <a:pPr marL="0" marR="0" lvl="0" indent="0" algn="ctr" rtl="0">
-              <a:lnSpc>
-                <a:spcPct val="100000"/>
-              </a:lnSpc>
-              <a:spcBef>
-                <a:spcPts val="0"/>
-              </a:spcBef>
-              <a:spcAft>
-                <a:spcPts val="0"/>
-              </a:spcAft>
+          <a:lstStyle>
+            <a:lvl1pPr>
+              <a:defRPr b="0" i="0">
+                <a:latin typeface="Arial" charset="0"/>
+                <a:ea typeface="Arial" charset="0"/>
+                <a:cs typeface="Arial" charset="0"/>
+              </a:defRPr>
+            </a:lvl1pPr>
+          </a:lstStyle>
+          <a:p>
+            <a:pPr algn="ctr">
               <a:buClr>
                 <a:srgbClr val="FFFFFF"/>
               </a:buClr>
@@ -6674,24 +6677,26 @@
               <a:buNone/>
             </a:pPr>
             <a:fld id="{00000000-1234-1234-1234-123412341234}" type="slidenum">
-              <a:rPr lang="en" sz="1000" b="0" i="0" u="none" strike="noStrike" cap="none">
-                <a:solidFill>
-                  <a:srgbClr val="FFFFFF"/>
-                </a:solidFill>
-                <a:latin typeface="Cabin"/>
-                <a:ea typeface="Cabin"/>
-                <a:cs typeface="Cabin"/>
-                <a:sym typeface="Cabin"/>
-              </a:rPr>
+              <a:rPr lang="en" sz="1000" smtClean="0">
+                <a:solidFill>
+                  <a:srgbClr val="FFFFFF"/>
+                </a:solidFill>
+                <a:sym typeface="Cabin"/>
+              </a:rPr>
+              <a:pPr algn="ctr">
+                <a:buClr>
+                  <a:srgbClr val="FFFFFF"/>
+                </a:buClr>
+                <a:buSzPct val="25000"/>
+                <a:buFont typeface="Cabin"/>
+                <a:buNone/>
+              </a:pPr>
               <a:t>‹#›</a:t>
             </a:fld>
-            <a:endParaRPr lang="en" sz="1000" b="0" i="0" u="none" strike="noStrike" cap="none">
+            <a:endParaRPr lang="en" sz="1000">
               <a:solidFill>
                 <a:srgbClr val="FFFFFF"/>
               </a:solidFill>
-              <a:latin typeface="Cabin"/>
-              <a:ea typeface="Cabin"/>
-              <a:cs typeface="Cabin"/>
               <a:sym typeface="Cabin"/>
             </a:endParaRPr>
           </a:p>
@@ -6767,9 +6772,9 @@
                 <a:solidFill>
                   <a:srgbClr val="FFFFFF"/>
                 </a:solidFill>
-                <a:latin typeface="Cabin"/>
-                <a:ea typeface="Cabin"/>
-                <a:cs typeface="Cabin"/>
+                <a:latin typeface="Arial" charset="0"/>
+                <a:ea typeface="Arial" charset="0"/>
+                <a:cs typeface="Arial" charset="0"/>
                 <a:sym typeface="Cabin"/>
               </a:defRPr>
             </a:lvl1pPr>
@@ -7013,9 +7018,9 @@
                 <a:solidFill>
                   <a:srgbClr val="FFFFFF"/>
                 </a:solidFill>
-                <a:latin typeface="Cabin"/>
-                <a:ea typeface="Cabin"/>
-                <a:cs typeface="Cabin"/>
+                <a:latin typeface="Arial" charset="0"/>
+                <a:ea typeface="Arial" charset="0"/>
+                <a:cs typeface="Arial" charset="0"/>
                 <a:sym typeface="Cabin"/>
               </a:defRPr>
             </a:lvl1pPr>
@@ -7164,18 +7169,17 @@
           <a:bodyPr lIns="26300" tIns="26300" rIns="26300" bIns="26300" anchor="t" anchorCtr="0">
             <a:noAutofit/>
           </a:bodyPr>
-          <a:lstStyle/>
-          <a:p>
-            <a:pPr marL="0" marR="0" lvl="0" indent="0" algn="ctr" rtl="0">
-              <a:lnSpc>
-                <a:spcPct val="100000"/>
-              </a:lnSpc>
-              <a:spcBef>
-                <a:spcPts val="0"/>
-              </a:spcBef>
-              <a:spcAft>
-                <a:spcPts val="0"/>
-              </a:spcAft>
+          <a:lstStyle>
+            <a:lvl1pPr>
+              <a:defRPr b="0" i="0">
+                <a:latin typeface="Arial" charset="0"/>
+                <a:ea typeface="Arial" charset="0"/>
+                <a:cs typeface="Arial" charset="0"/>
+              </a:defRPr>
+            </a:lvl1pPr>
+          </a:lstStyle>
+          <a:p>
+            <a:pPr algn="ctr">
               <a:buClr>
                 <a:srgbClr val="FFFFFF"/>
               </a:buClr>
@@ -7184,24 +7188,26 @@
               <a:buNone/>
             </a:pPr>
             <a:fld id="{00000000-1234-1234-1234-123412341234}" type="slidenum">
-              <a:rPr lang="en" sz="1000" b="0" i="0" u="none" strike="noStrike" cap="none">
-                <a:solidFill>
-                  <a:srgbClr val="FFFFFF"/>
-                </a:solidFill>
-                <a:latin typeface="Cabin"/>
-                <a:ea typeface="Cabin"/>
-                <a:cs typeface="Cabin"/>
-                <a:sym typeface="Cabin"/>
-              </a:rPr>
+              <a:rPr lang="en" sz="1000" smtClean="0">
+                <a:solidFill>
+                  <a:srgbClr val="FFFFFF"/>
+                </a:solidFill>
+                <a:sym typeface="Cabin"/>
+              </a:rPr>
+              <a:pPr algn="ctr">
+                <a:buClr>
+                  <a:srgbClr val="FFFFFF"/>
+                </a:buClr>
+                <a:buSzPct val="25000"/>
+                <a:buFont typeface="Cabin"/>
+                <a:buNone/>
+              </a:pPr>
               <a:t>‹#›</a:t>
             </a:fld>
-            <a:endParaRPr lang="en" sz="1000" b="0" i="0" u="none" strike="noStrike" cap="none">
+            <a:endParaRPr lang="en" sz="1000">
               <a:solidFill>
                 <a:srgbClr val="FFFFFF"/>
               </a:solidFill>
-              <a:latin typeface="Cabin"/>
-              <a:ea typeface="Cabin"/>
-              <a:cs typeface="Cabin"/>
               <a:sym typeface="Cabin"/>
             </a:endParaRPr>
           </a:p>
@@ -7262,7 +7268,11 @@
               <a:spcBef>
                 <a:spcPts val="0"/>
               </a:spcBef>
-              <a:defRPr sz="4600"/>
+              <a:defRPr sz="4600" b="0" i="0">
+                <a:latin typeface="Arial" charset="0"/>
+                <a:ea typeface="Arial" charset="0"/>
+                <a:cs typeface="Arial" charset="0"/>
+              </a:defRPr>
             </a:lvl1pPr>
             <a:lvl2pPr lvl="1" rtl="0">
               <a:spcBef>
@@ -7412,7 +7422,11 @@
               <a:spcBef>
                 <a:spcPts val="2100"/>
               </a:spcBef>
-              <a:defRPr sz="2200"/>
+              <a:defRPr sz="2200" b="0" i="0">
+                <a:latin typeface="Arial" charset="0"/>
+                <a:ea typeface="Arial" charset="0"/>
+                <a:cs typeface="Arial" charset="0"/>
+              </a:defRPr>
             </a:lvl1pPr>
             <a:lvl2pPr marL="431800" lvl="1" indent="-215900" rtl="0">
               <a:spcBef>
@@ -7527,18 +7541,17 @@
           <a:bodyPr lIns="15775" tIns="15775" rIns="15775" bIns="15775" anchor="t" anchorCtr="0">
             <a:noAutofit/>
           </a:bodyPr>
-          <a:lstStyle/>
-          <a:p>
-            <a:pPr marL="0" marR="0" lvl="0" indent="0" algn="ctr" rtl="0">
-              <a:lnSpc>
-                <a:spcPct val="100000"/>
-              </a:lnSpc>
-              <a:spcBef>
-                <a:spcPts val="0"/>
-              </a:spcBef>
-              <a:spcAft>
-                <a:spcPts val="0"/>
-              </a:spcAft>
+          <a:lstStyle>
+            <a:lvl1pPr>
+              <a:defRPr b="0" i="0">
+                <a:latin typeface="Arial" charset="0"/>
+                <a:ea typeface="Arial" charset="0"/>
+                <a:cs typeface="Arial" charset="0"/>
+              </a:defRPr>
+            </a:lvl1pPr>
+          </a:lstStyle>
+          <a:p>
+            <a:pPr algn="ctr">
               <a:buClr>
                 <a:srgbClr val="FFFFFF"/>
               </a:buClr>
@@ -7547,24 +7560,26 @@
               <a:buNone/>
             </a:pPr>
             <a:fld id="{00000000-1234-1234-1234-123412341234}" type="slidenum">
-              <a:rPr lang="en" sz="900" b="0" i="0" u="none" strike="noStrike" cap="none">
-                <a:solidFill>
-                  <a:srgbClr val="FFFFFF"/>
-                </a:solidFill>
-                <a:latin typeface="Cabin"/>
-                <a:ea typeface="Cabin"/>
-                <a:cs typeface="Cabin"/>
-                <a:sym typeface="Cabin"/>
-              </a:rPr>
+              <a:rPr lang="en" sz="900" smtClean="0">
+                <a:solidFill>
+                  <a:srgbClr val="FFFFFF"/>
+                </a:solidFill>
+                <a:sym typeface="Cabin"/>
+              </a:rPr>
+              <a:pPr algn="ctr">
+                <a:buClr>
+                  <a:srgbClr val="FFFFFF"/>
+                </a:buClr>
+                <a:buSzPct val="25000"/>
+                <a:buFont typeface="Cabin"/>
+                <a:buNone/>
+              </a:pPr>
               <a:t>‹#›</a:t>
             </a:fld>
-            <a:endParaRPr lang="en" sz="900" b="0" i="0" u="none" strike="noStrike" cap="none">
+            <a:endParaRPr lang="en" sz="900">
               <a:solidFill>
                 <a:srgbClr val="FFFFFF"/>
               </a:solidFill>
-              <a:latin typeface="Cabin"/>
-              <a:ea typeface="Cabin"/>
-              <a:cs typeface="Cabin"/>
               <a:sym typeface="Cabin"/>
             </a:endParaRPr>
           </a:p>
@@ -7625,7 +7640,11 @@
               <a:spcBef>
                 <a:spcPts val="0"/>
               </a:spcBef>
-              <a:defRPr sz="4600"/>
+              <a:defRPr sz="4600" b="0" i="0">
+                <a:latin typeface="Arial" charset="0"/>
+                <a:ea typeface="Arial" charset="0"/>
+                <a:cs typeface="Arial" charset="0"/>
+              </a:defRPr>
             </a:lvl1pPr>
             <a:lvl2pPr lvl="1" rtl="0">
               <a:spcBef>
@@ -7775,7 +7794,11 @@
               <a:spcBef>
                 <a:spcPts val="2100"/>
               </a:spcBef>
-              <a:defRPr sz="2200"/>
+              <a:defRPr sz="2200" b="0" i="0">
+                <a:latin typeface="Arial" charset="0"/>
+                <a:ea typeface="Arial" charset="0"/>
+                <a:cs typeface="Arial" charset="0"/>
+              </a:defRPr>
             </a:lvl1pPr>
             <a:lvl2pPr marL="431800" lvl="1" indent="-215900" rtl="0">
               <a:spcBef>
@@ -7890,18 +7913,17 @@
           <a:bodyPr lIns="15775" tIns="15775" rIns="15775" bIns="15775" anchor="t" anchorCtr="0">
             <a:noAutofit/>
           </a:bodyPr>
-          <a:lstStyle/>
-          <a:p>
-            <a:pPr marL="0" marR="0" lvl="0" indent="0" algn="ctr" rtl="0">
-              <a:lnSpc>
-                <a:spcPct val="100000"/>
-              </a:lnSpc>
-              <a:spcBef>
-                <a:spcPts val="0"/>
-              </a:spcBef>
-              <a:spcAft>
-                <a:spcPts val="0"/>
-              </a:spcAft>
+          <a:lstStyle>
+            <a:lvl1pPr>
+              <a:defRPr b="0" i="0">
+                <a:latin typeface="Arial" charset="0"/>
+                <a:ea typeface="Arial" charset="0"/>
+                <a:cs typeface="Arial" charset="0"/>
+              </a:defRPr>
+            </a:lvl1pPr>
+          </a:lstStyle>
+          <a:p>
+            <a:pPr algn="ctr">
               <a:buClr>
                 <a:srgbClr val="FFFFFF"/>
               </a:buClr>
@@ -7910,24 +7932,26 @@
               <a:buNone/>
             </a:pPr>
             <a:fld id="{00000000-1234-1234-1234-123412341234}" type="slidenum">
-              <a:rPr lang="en" sz="900" b="0" i="0" u="none" strike="noStrike" cap="none">
-                <a:solidFill>
-                  <a:srgbClr val="FFFFFF"/>
-                </a:solidFill>
-                <a:latin typeface="Cabin"/>
-                <a:ea typeface="Cabin"/>
-                <a:cs typeface="Cabin"/>
-                <a:sym typeface="Cabin"/>
-              </a:rPr>
+              <a:rPr lang="en" sz="900" smtClean="0">
+                <a:solidFill>
+                  <a:srgbClr val="FFFFFF"/>
+                </a:solidFill>
+                <a:sym typeface="Cabin"/>
+              </a:rPr>
+              <a:pPr algn="ctr">
+                <a:buClr>
+                  <a:srgbClr val="FFFFFF"/>
+                </a:buClr>
+                <a:buSzPct val="25000"/>
+                <a:buFont typeface="Cabin"/>
+                <a:buNone/>
+              </a:pPr>
               <a:t>‹#›</a:t>
             </a:fld>
-            <a:endParaRPr lang="en" sz="900" b="0" i="0" u="none" strike="noStrike" cap="none">
+            <a:endParaRPr lang="en" sz="900">
               <a:solidFill>
                 <a:srgbClr val="FFFFFF"/>
               </a:solidFill>
-              <a:latin typeface="Cabin"/>
-              <a:ea typeface="Cabin"/>
-              <a:cs typeface="Cabin"/>
               <a:sym typeface="Cabin"/>
             </a:endParaRPr>
           </a:p>
@@ -7988,7 +8012,11 @@
               <a:spcBef>
                 <a:spcPts val="0"/>
               </a:spcBef>
-              <a:defRPr sz="4600"/>
+              <a:defRPr sz="4600" b="0" i="0">
+                <a:latin typeface="Arial" charset="0"/>
+                <a:ea typeface="Arial" charset="0"/>
+                <a:cs typeface="Arial" charset="0"/>
+              </a:defRPr>
             </a:lvl1pPr>
             <a:lvl2pPr lvl="1" rtl="0">
               <a:spcBef>
@@ -8138,7 +8166,11 @@
               <a:spcBef>
                 <a:spcPts val="2100"/>
               </a:spcBef>
-              <a:defRPr sz="2200"/>
+              <a:defRPr sz="2200" b="0" i="0">
+                <a:latin typeface="Arial" charset="0"/>
+                <a:ea typeface="Arial" charset="0"/>
+                <a:cs typeface="Arial" charset="0"/>
+              </a:defRPr>
             </a:lvl1pPr>
             <a:lvl2pPr marL="431800" lvl="1" indent="-215900" rtl="0">
               <a:spcBef>
@@ -8253,18 +8285,17 @@
           <a:bodyPr lIns="15775" tIns="15775" rIns="15775" bIns="15775" anchor="t" anchorCtr="0">
             <a:noAutofit/>
           </a:bodyPr>
-          <a:lstStyle/>
-          <a:p>
-            <a:pPr marL="0" marR="0" lvl="0" indent="0" algn="ctr" rtl="0">
-              <a:lnSpc>
-                <a:spcPct val="100000"/>
-              </a:lnSpc>
-              <a:spcBef>
-                <a:spcPts val="0"/>
-              </a:spcBef>
-              <a:spcAft>
-                <a:spcPts val="0"/>
-              </a:spcAft>
+          <a:lstStyle>
+            <a:lvl1pPr>
+              <a:defRPr b="0" i="0">
+                <a:latin typeface="Arial" charset="0"/>
+                <a:ea typeface="Arial" charset="0"/>
+                <a:cs typeface="Arial" charset="0"/>
+              </a:defRPr>
+            </a:lvl1pPr>
+          </a:lstStyle>
+          <a:p>
+            <a:pPr algn="ctr">
               <a:buClr>
                 <a:srgbClr val="FFFFFF"/>
               </a:buClr>
@@ -8273,24 +8304,26 @@
               <a:buNone/>
             </a:pPr>
             <a:fld id="{00000000-1234-1234-1234-123412341234}" type="slidenum">
-              <a:rPr lang="en" sz="900" b="0" i="0" u="none" strike="noStrike" cap="none">
-                <a:solidFill>
-                  <a:srgbClr val="FFFFFF"/>
-                </a:solidFill>
-                <a:latin typeface="Cabin"/>
-                <a:ea typeface="Cabin"/>
-                <a:cs typeface="Cabin"/>
-                <a:sym typeface="Cabin"/>
-              </a:rPr>
+              <a:rPr lang="en" sz="900" smtClean="0">
+                <a:solidFill>
+                  <a:srgbClr val="FFFFFF"/>
+                </a:solidFill>
+                <a:sym typeface="Cabin"/>
+              </a:rPr>
+              <a:pPr algn="ctr">
+                <a:buClr>
+                  <a:srgbClr val="FFFFFF"/>
+                </a:buClr>
+                <a:buSzPct val="25000"/>
+                <a:buFont typeface="Cabin"/>
+                <a:buNone/>
+              </a:pPr>
               <a:t>‹#›</a:t>
             </a:fld>
-            <a:endParaRPr lang="en" sz="900" b="0" i="0" u="none" strike="noStrike" cap="none">
+            <a:endParaRPr lang="en" sz="900">
               <a:solidFill>
                 <a:srgbClr val="FFFFFF"/>
               </a:solidFill>
-              <a:latin typeface="Cabin"/>
-              <a:ea typeface="Cabin"/>
-              <a:cs typeface="Cabin"/>
               <a:sym typeface="Cabin"/>
             </a:endParaRPr>
           </a:p>
@@ -8354,7 +8387,11 @@
               <a:spcAft>
                 <a:spcPts val="0"/>
               </a:spcAft>
-              <a:defRPr/>
+              <a:defRPr b="0" i="0">
+                <a:latin typeface="Arial" charset="0"/>
+                <a:ea typeface="Arial" charset="0"/>
+                <a:cs typeface="Arial" charset="0"/>
+              </a:defRPr>
             </a:lvl1pPr>
             <a:lvl2pPr lvl="1" algn="ctr" rtl="0">
               <a:spcBef>
@@ -8472,7 +8509,11 @@
               </a:buClr>
               <a:buFont typeface="Cabin"/>
               <a:buChar char="•"/>
-              <a:defRPr/>
+              <a:defRPr b="0" i="0">
+                <a:latin typeface="Arial" charset="0"/>
+                <a:ea typeface="Arial" charset="0"/>
+                <a:cs typeface="Arial" charset="0"/>
+              </a:defRPr>
             </a:lvl1pPr>
             <a:lvl2pPr marL="571500" lvl="1" indent="63500" algn="l" rtl="0">
               <a:spcBef>
@@ -8662,9 +8703,9 @@
                 <a:solidFill>
                   <a:srgbClr val="FFFFFF"/>
                 </a:solidFill>
-                <a:latin typeface="Cabin"/>
-                <a:ea typeface="Cabin"/>
-                <a:cs typeface="Cabin"/>
+                <a:latin typeface="Arial" charset="0"/>
+                <a:ea typeface="Arial" charset="0"/>
+                <a:cs typeface="Arial" charset="0"/>
                 <a:sym typeface="Cabin"/>
               </a:defRPr>
             </a:lvl1pPr>
@@ -8904,7 +8945,11 @@
               <a:spcBef>
                 <a:spcPts val="2200"/>
               </a:spcBef>
-              <a:defRPr sz="1700"/>
+              <a:defRPr sz="1700" b="0" i="0">
+                <a:latin typeface="Arial" charset="0"/>
+                <a:ea typeface="Arial" charset="0"/>
+                <a:cs typeface="Arial" charset="0"/>
+              </a:defRPr>
             </a:lvl1pPr>
             <a:lvl2pPr marL="596900" lvl="1" indent="-279400" rtl="0">
               <a:spcBef>
@@ -9019,18 +9064,17 @@
           <a:bodyPr lIns="26300" tIns="26300" rIns="26300" bIns="26300" anchor="t" anchorCtr="0">
             <a:noAutofit/>
           </a:bodyPr>
-          <a:lstStyle/>
-          <a:p>
-            <a:pPr marL="0" marR="0" lvl="0" indent="0" algn="ctr" rtl="0">
-              <a:lnSpc>
-                <a:spcPct val="100000"/>
-              </a:lnSpc>
-              <a:spcBef>
-                <a:spcPts val="0"/>
-              </a:spcBef>
-              <a:spcAft>
-                <a:spcPts val="0"/>
-              </a:spcAft>
+          <a:lstStyle>
+            <a:lvl1pPr>
+              <a:defRPr b="0" i="0">
+                <a:latin typeface="Arial" charset="0"/>
+                <a:ea typeface="Arial" charset="0"/>
+                <a:cs typeface="Arial" charset="0"/>
+              </a:defRPr>
+            </a:lvl1pPr>
+          </a:lstStyle>
+          <a:p>
+            <a:pPr algn="ctr">
               <a:buClr>
                 <a:srgbClr val="FFFFFF"/>
               </a:buClr>
@@ -9039,24 +9083,26 @@
               <a:buNone/>
             </a:pPr>
             <a:fld id="{00000000-1234-1234-1234-123412341234}" type="slidenum">
-              <a:rPr lang="en" sz="1000" b="0" i="0" u="none" strike="noStrike" cap="none">
-                <a:solidFill>
-                  <a:srgbClr val="FFFFFF"/>
-                </a:solidFill>
-                <a:latin typeface="Cabin"/>
-                <a:ea typeface="Cabin"/>
-                <a:cs typeface="Cabin"/>
-                <a:sym typeface="Cabin"/>
-              </a:rPr>
+              <a:rPr lang="en" sz="1000" smtClean="0">
+                <a:solidFill>
+                  <a:srgbClr val="FFFFFF"/>
+                </a:solidFill>
+                <a:sym typeface="Cabin"/>
+              </a:rPr>
+              <a:pPr algn="ctr">
+                <a:buClr>
+                  <a:srgbClr val="FFFFFF"/>
+                </a:buClr>
+                <a:buSzPct val="25000"/>
+                <a:buFont typeface="Cabin"/>
+                <a:buNone/>
+              </a:pPr>
               <a:t>‹#›</a:t>
             </a:fld>
-            <a:endParaRPr lang="en" sz="1000" b="0" i="0" u="none" strike="noStrike" cap="none">
+            <a:endParaRPr lang="en" sz="1000">
               <a:solidFill>
                 <a:srgbClr val="FFFFFF"/>
               </a:solidFill>
-              <a:latin typeface="Cabin"/>
-              <a:ea typeface="Cabin"/>
-              <a:cs typeface="Cabin"/>
               <a:sym typeface="Cabin"/>
             </a:endParaRPr>
           </a:p>
@@ -9132,9 +9178,9 @@
                 <a:solidFill>
                   <a:srgbClr val="FFFFFF"/>
                 </a:solidFill>
-                <a:latin typeface="Cabin"/>
-                <a:ea typeface="Cabin"/>
-                <a:cs typeface="Cabin"/>
+                <a:latin typeface="Arial" charset="0"/>
+                <a:ea typeface="Arial" charset="0"/>
+                <a:cs typeface="Arial" charset="0"/>
                 <a:sym typeface="Cabin"/>
               </a:defRPr>
             </a:lvl1pPr>
@@ -9371,18 +9417,17 @@
           <a:bodyPr lIns="26300" tIns="26300" rIns="26300" bIns="26300" anchor="t" anchorCtr="0">
             <a:noAutofit/>
           </a:bodyPr>
-          <a:lstStyle/>
-          <a:p>
-            <a:pPr marL="0" marR="0" lvl="0" indent="0" algn="ctr" rtl="0">
-              <a:lnSpc>
-                <a:spcPct val="100000"/>
-              </a:lnSpc>
-              <a:spcBef>
-                <a:spcPts val="0"/>
-              </a:spcBef>
-              <a:spcAft>
-                <a:spcPts val="0"/>
-              </a:spcAft>
+          <a:lstStyle>
+            <a:lvl1pPr>
+              <a:defRPr b="0" i="0">
+                <a:latin typeface="Arial" charset="0"/>
+                <a:ea typeface="Arial" charset="0"/>
+                <a:cs typeface="Arial" charset="0"/>
+              </a:defRPr>
+            </a:lvl1pPr>
+          </a:lstStyle>
+          <a:p>
+            <a:pPr algn="ctr">
               <a:buClr>
                 <a:srgbClr val="FFFFFF"/>
               </a:buClr>
@@ -9391,24 +9436,26 @@
               <a:buNone/>
             </a:pPr>
             <a:fld id="{00000000-1234-1234-1234-123412341234}" type="slidenum">
-              <a:rPr lang="en" sz="1000" b="0" i="0" u="none" strike="noStrike" cap="none">
-                <a:solidFill>
-                  <a:srgbClr val="FFFFFF"/>
-                </a:solidFill>
-                <a:latin typeface="Cabin"/>
-                <a:ea typeface="Cabin"/>
-                <a:cs typeface="Cabin"/>
-                <a:sym typeface="Cabin"/>
-              </a:rPr>
+              <a:rPr lang="en" sz="1000" smtClean="0">
+                <a:solidFill>
+                  <a:srgbClr val="FFFFFF"/>
+                </a:solidFill>
+                <a:sym typeface="Cabin"/>
+              </a:rPr>
+              <a:pPr algn="ctr">
+                <a:buClr>
+                  <a:srgbClr val="FFFFFF"/>
+                </a:buClr>
+                <a:buSzPct val="25000"/>
+                <a:buFont typeface="Cabin"/>
+                <a:buNone/>
+              </a:pPr>
               <a:t>‹#›</a:t>
             </a:fld>
-            <a:endParaRPr lang="en" sz="1000" b="0" i="0" u="none" strike="noStrike" cap="none">
+            <a:endParaRPr lang="en" sz="1000">
               <a:solidFill>
                 <a:srgbClr val="FFFFFF"/>
               </a:solidFill>
-              <a:latin typeface="Cabin"/>
-              <a:ea typeface="Cabin"/>
-              <a:cs typeface="Cabin"/>
               <a:sym typeface="Cabin"/>
             </a:endParaRPr>
           </a:p>
@@ -9621,18 +9668,17 @@
           <a:bodyPr lIns="26300" tIns="26300" rIns="26300" bIns="26300" anchor="t" anchorCtr="0">
             <a:noAutofit/>
           </a:bodyPr>
-          <a:lstStyle/>
-          <a:p>
-            <a:pPr marL="0" marR="0" lvl="0" indent="0" algn="ctr" rtl="0">
-              <a:lnSpc>
-                <a:spcPct val="100000"/>
-              </a:lnSpc>
-              <a:spcBef>
-                <a:spcPts val="0"/>
-              </a:spcBef>
-              <a:spcAft>
-                <a:spcPts val="0"/>
-              </a:spcAft>
+          <a:lstStyle>
+            <a:lvl1pPr>
+              <a:defRPr b="0" i="0">
+                <a:latin typeface="Arial" charset="0"/>
+                <a:ea typeface="Arial" charset="0"/>
+                <a:cs typeface="Arial" charset="0"/>
+              </a:defRPr>
+            </a:lvl1pPr>
+          </a:lstStyle>
+          <a:p>
+            <a:pPr algn="ctr">
               <a:buClr>
                 <a:srgbClr val="FFFFFF"/>
               </a:buClr>
@@ -9641,24 +9687,26 @@
               <a:buNone/>
             </a:pPr>
             <a:fld id="{00000000-1234-1234-1234-123412341234}" type="slidenum">
-              <a:rPr lang="en" sz="1000" b="0" i="0" u="none" strike="noStrike" cap="none">
-                <a:solidFill>
-                  <a:srgbClr val="FFFFFF"/>
-                </a:solidFill>
-                <a:latin typeface="Cabin"/>
-                <a:ea typeface="Cabin"/>
-                <a:cs typeface="Cabin"/>
-                <a:sym typeface="Cabin"/>
-              </a:rPr>
+              <a:rPr lang="en" sz="1000" smtClean="0">
+                <a:solidFill>
+                  <a:srgbClr val="FFFFFF"/>
+                </a:solidFill>
+                <a:sym typeface="Cabin"/>
+              </a:rPr>
+              <a:pPr algn="ctr">
+                <a:buClr>
+                  <a:srgbClr val="FFFFFF"/>
+                </a:buClr>
+                <a:buSzPct val="25000"/>
+                <a:buFont typeface="Cabin"/>
+                <a:buNone/>
+              </a:pPr>
               <a:t>‹#›</a:t>
             </a:fld>
-            <a:endParaRPr lang="en" sz="1000" b="0" i="0" u="none" strike="noStrike" cap="none">
+            <a:endParaRPr lang="en" sz="1000">
               <a:solidFill>
                 <a:srgbClr val="FFFFFF"/>
               </a:solidFill>
-              <a:latin typeface="Cabin"/>
-              <a:ea typeface="Cabin"/>
-              <a:cs typeface="Cabin"/>
               <a:sym typeface="Cabin"/>
             </a:endParaRPr>
           </a:p>
@@ -9734,9 +9782,9 @@
                 <a:solidFill>
                   <a:srgbClr val="FFFFFF"/>
                 </a:solidFill>
-                <a:latin typeface="Cabin"/>
-                <a:ea typeface="Cabin"/>
-                <a:cs typeface="Cabin"/>
+                <a:latin typeface="Arial" charset="0"/>
+                <a:ea typeface="Arial" charset="0"/>
+                <a:cs typeface="Arial" charset="0"/>
                 <a:sym typeface="Cabin"/>
               </a:defRPr>
             </a:lvl1pPr>
@@ -9973,18 +10021,17 @@
           <a:bodyPr lIns="26300" tIns="26300" rIns="26300" bIns="26300" anchor="t" anchorCtr="0">
             <a:noAutofit/>
           </a:bodyPr>
-          <a:lstStyle/>
-          <a:p>
-            <a:pPr marL="0" marR="0" lvl="0" indent="0" algn="ctr" rtl="0">
-              <a:lnSpc>
-                <a:spcPct val="100000"/>
-              </a:lnSpc>
-              <a:spcBef>
-                <a:spcPts val="0"/>
-              </a:spcBef>
-              <a:spcAft>
-                <a:spcPts val="0"/>
-              </a:spcAft>
+          <a:lstStyle>
+            <a:lvl1pPr>
+              <a:defRPr b="0" i="0">
+                <a:latin typeface="Arial" charset="0"/>
+                <a:ea typeface="Arial" charset="0"/>
+                <a:cs typeface="Arial" charset="0"/>
+              </a:defRPr>
+            </a:lvl1pPr>
+          </a:lstStyle>
+          <a:p>
+            <a:pPr algn="ctr">
               <a:buClr>
                 <a:srgbClr val="FFFFFF"/>
               </a:buClr>
@@ -9993,24 +10040,26 @@
               <a:buNone/>
             </a:pPr>
             <a:fld id="{00000000-1234-1234-1234-123412341234}" type="slidenum">
-              <a:rPr lang="en" sz="1000" b="0" i="0" u="none" strike="noStrike" cap="none">
-                <a:solidFill>
-                  <a:srgbClr val="FFFFFF"/>
-                </a:solidFill>
-                <a:latin typeface="Cabin"/>
-                <a:ea typeface="Cabin"/>
-                <a:cs typeface="Cabin"/>
-                <a:sym typeface="Cabin"/>
-              </a:rPr>
+              <a:rPr lang="en" sz="1000" smtClean="0">
+                <a:solidFill>
+                  <a:srgbClr val="FFFFFF"/>
+                </a:solidFill>
+                <a:sym typeface="Cabin"/>
+              </a:rPr>
+              <a:pPr algn="ctr">
+                <a:buClr>
+                  <a:srgbClr val="FFFFFF"/>
+                </a:buClr>
+                <a:buSzPct val="25000"/>
+                <a:buFont typeface="Cabin"/>
+                <a:buNone/>
+              </a:pPr>
               <a:t>‹#›</a:t>
             </a:fld>
-            <a:endParaRPr lang="en" sz="1000" b="0" i="0" u="none" strike="noStrike" cap="none">
+            <a:endParaRPr lang="en" sz="1000">
               <a:solidFill>
                 <a:srgbClr val="FFFFFF"/>
               </a:solidFill>
-              <a:latin typeface="Cabin"/>
-              <a:ea typeface="Cabin"/>
-              <a:cs typeface="Cabin"/>
               <a:sym typeface="Cabin"/>
             </a:endParaRPr>
           </a:p>
@@ -10086,9 +10135,9 @@
                 <a:solidFill>
                   <a:srgbClr val="FFFFFF"/>
                 </a:solidFill>
-                <a:latin typeface="Cabin"/>
-                <a:ea typeface="Cabin"/>
-                <a:cs typeface="Cabin"/>
+                <a:latin typeface="Arial" charset="0"/>
+                <a:ea typeface="Arial" charset="0"/>
+                <a:cs typeface="Arial" charset="0"/>
                 <a:sym typeface="Cabin"/>
               </a:defRPr>
             </a:lvl1pPr>
@@ -10325,18 +10374,17 @@
           <a:bodyPr lIns="26300" tIns="26300" rIns="26300" bIns="26300" anchor="t" anchorCtr="0">
             <a:noAutofit/>
           </a:bodyPr>
-          <a:lstStyle/>
-          <a:p>
-            <a:pPr marL="0" marR="0" lvl="0" indent="0" algn="ctr" rtl="0">
-              <a:lnSpc>
-                <a:spcPct val="100000"/>
-              </a:lnSpc>
-              <a:spcBef>
-                <a:spcPts val="0"/>
-              </a:spcBef>
-              <a:spcAft>
-                <a:spcPts val="0"/>
-              </a:spcAft>
+          <a:lstStyle>
+            <a:lvl1pPr>
+              <a:defRPr b="0" i="0">
+                <a:latin typeface="Arial" charset="0"/>
+                <a:ea typeface="Arial" charset="0"/>
+                <a:cs typeface="Arial" charset="0"/>
+              </a:defRPr>
+            </a:lvl1pPr>
+          </a:lstStyle>
+          <a:p>
+            <a:pPr algn="ctr">
               <a:buClr>
                 <a:srgbClr val="FFFFFF"/>
               </a:buClr>
@@ -10345,24 +10393,26 @@
               <a:buNone/>
             </a:pPr>
             <a:fld id="{00000000-1234-1234-1234-123412341234}" type="slidenum">
-              <a:rPr lang="en" sz="1000" b="0" i="0" u="none" strike="noStrike" cap="none">
-                <a:solidFill>
-                  <a:srgbClr val="FFFFFF"/>
-                </a:solidFill>
-                <a:latin typeface="Cabin"/>
-                <a:ea typeface="Cabin"/>
-                <a:cs typeface="Cabin"/>
-                <a:sym typeface="Cabin"/>
-              </a:rPr>
+              <a:rPr lang="en" sz="1000" smtClean="0">
+                <a:solidFill>
+                  <a:srgbClr val="FFFFFF"/>
+                </a:solidFill>
+                <a:sym typeface="Cabin"/>
+              </a:rPr>
+              <a:pPr algn="ctr">
+                <a:buClr>
+                  <a:srgbClr val="FFFFFF"/>
+                </a:buClr>
+                <a:buSzPct val="25000"/>
+                <a:buFont typeface="Cabin"/>
+                <a:buNone/>
+              </a:pPr>
               <a:t>‹#›</a:t>
             </a:fld>
-            <a:endParaRPr lang="en" sz="1000" b="0" i="0" u="none" strike="noStrike" cap="none">
+            <a:endParaRPr lang="en" sz="1000">
               <a:solidFill>
                 <a:srgbClr val="FFFFFF"/>
               </a:solidFill>
-              <a:latin typeface="Cabin"/>
-              <a:ea typeface="Cabin"/>
-              <a:cs typeface="Cabin"/>
               <a:sym typeface="Cabin"/>
             </a:endParaRPr>
           </a:p>
@@ -10473,9 +10523,9 @@
                 <a:solidFill>
                   <a:srgbClr val="FFFFFF"/>
                 </a:solidFill>
-                <a:latin typeface="Cabin"/>
-                <a:ea typeface="Cabin"/>
-                <a:cs typeface="Cabin"/>
+                <a:latin typeface="Arial" charset="0"/>
+                <a:ea typeface="Arial" charset="0"/>
+                <a:cs typeface="Arial" charset="0"/>
                 <a:sym typeface="Cabin"/>
               </a:defRPr>
             </a:lvl1pPr>
@@ -10712,18 +10762,17 @@
           <a:bodyPr lIns="26300" tIns="26300" rIns="26300" bIns="26300" anchor="t" anchorCtr="0">
             <a:noAutofit/>
           </a:bodyPr>
-          <a:lstStyle/>
-          <a:p>
-            <a:pPr marL="0" marR="0" lvl="0" indent="0" algn="ctr" rtl="0">
-              <a:lnSpc>
-                <a:spcPct val="100000"/>
-              </a:lnSpc>
-              <a:spcBef>
-                <a:spcPts val="0"/>
-              </a:spcBef>
-              <a:spcAft>
-                <a:spcPts val="0"/>
-              </a:spcAft>
+          <a:lstStyle>
+            <a:lvl1pPr>
+              <a:defRPr b="0" i="0">
+                <a:latin typeface="Arial" charset="0"/>
+                <a:ea typeface="Arial" charset="0"/>
+                <a:cs typeface="Arial" charset="0"/>
+              </a:defRPr>
+            </a:lvl1pPr>
+          </a:lstStyle>
+          <a:p>
+            <a:pPr algn="ctr">
               <a:buClr>
                 <a:srgbClr val="FFFFFF"/>
               </a:buClr>
@@ -10732,24 +10781,26 @@
               <a:buNone/>
             </a:pPr>
             <a:fld id="{00000000-1234-1234-1234-123412341234}" type="slidenum">
-              <a:rPr lang="en" sz="1000" b="0" i="0" u="none" strike="noStrike" cap="none">
-                <a:solidFill>
-                  <a:srgbClr val="FFFFFF"/>
-                </a:solidFill>
-                <a:latin typeface="Cabin"/>
-                <a:ea typeface="Cabin"/>
-                <a:cs typeface="Cabin"/>
-                <a:sym typeface="Cabin"/>
-              </a:rPr>
+              <a:rPr lang="en" sz="1000" smtClean="0">
+                <a:solidFill>
+                  <a:srgbClr val="FFFFFF"/>
+                </a:solidFill>
+                <a:sym typeface="Cabin"/>
+              </a:rPr>
+              <a:pPr algn="ctr">
+                <a:buClr>
+                  <a:srgbClr val="FFFFFF"/>
+                </a:buClr>
+                <a:buSzPct val="25000"/>
+                <a:buFont typeface="Cabin"/>
+                <a:buNone/>
+              </a:pPr>
               <a:t>‹#›</a:t>
             </a:fld>
-            <a:endParaRPr lang="en" sz="1000" b="0" i="0" u="none" strike="noStrike" cap="none">
+            <a:endParaRPr lang="en" sz="1000">
               <a:solidFill>
                 <a:srgbClr val="FFFFFF"/>
               </a:solidFill>
-              <a:latin typeface="Cabin"/>
-              <a:ea typeface="Cabin"/>
-              <a:cs typeface="Cabin"/>
               <a:sym typeface="Cabin"/>
             </a:endParaRPr>
           </a:p>
@@ -10825,9 +10876,9 @@
                 <a:solidFill>
                   <a:srgbClr val="FFFFFF"/>
                 </a:solidFill>
-                <a:latin typeface="Cabin"/>
-                <a:ea typeface="Cabin"/>
-                <a:cs typeface="Cabin"/>
+                <a:latin typeface="Arial" charset="0"/>
+                <a:ea typeface="Arial" charset="0"/>
+                <a:cs typeface="Arial" charset="0"/>
                 <a:sym typeface="Cabin"/>
               </a:defRPr>
             </a:lvl1pPr>
@@ -11064,18 +11115,17 @@
           <a:bodyPr lIns="26300" tIns="26300" rIns="26300" bIns="26300" anchor="t" anchorCtr="0">
             <a:noAutofit/>
           </a:bodyPr>
-          <a:lstStyle/>
-          <a:p>
-            <a:pPr marL="0" marR="0" lvl="0" indent="0" algn="ctr" rtl="0">
-              <a:lnSpc>
-                <a:spcPct val="100000"/>
-              </a:lnSpc>
-              <a:spcBef>
-                <a:spcPts val="0"/>
-              </a:spcBef>
-              <a:spcAft>
-                <a:spcPts val="0"/>
-              </a:spcAft>
+          <a:lstStyle>
+            <a:lvl1pPr>
+              <a:defRPr b="0" i="0">
+                <a:latin typeface="Arial" charset="0"/>
+                <a:ea typeface="Arial" charset="0"/>
+                <a:cs typeface="Arial" charset="0"/>
+              </a:defRPr>
+            </a:lvl1pPr>
+          </a:lstStyle>
+          <a:p>
+            <a:pPr algn="ctr">
               <a:buClr>
                 <a:srgbClr val="FFFFFF"/>
               </a:buClr>
@@ -11084,24 +11134,26 @@
               <a:buNone/>
             </a:pPr>
             <a:fld id="{00000000-1234-1234-1234-123412341234}" type="slidenum">
-              <a:rPr lang="en" sz="1000" b="0" i="0" u="none" strike="noStrike" cap="none">
-                <a:solidFill>
-                  <a:srgbClr val="FFFFFF"/>
-                </a:solidFill>
-                <a:latin typeface="Cabin"/>
-                <a:ea typeface="Cabin"/>
-                <a:cs typeface="Cabin"/>
-                <a:sym typeface="Cabin"/>
-              </a:rPr>
+              <a:rPr lang="en" sz="1000" smtClean="0">
+                <a:solidFill>
+                  <a:srgbClr val="FFFFFF"/>
+                </a:solidFill>
+                <a:sym typeface="Cabin"/>
+              </a:rPr>
+              <a:pPr algn="ctr">
+                <a:buClr>
+                  <a:srgbClr val="FFFFFF"/>
+                </a:buClr>
+                <a:buSzPct val="25000"/>
+                <a:buFont typeface="Cabin"/>
+                <a:buNone/>
+              </a:pPr>
               <a:t>‹#›</a:t>
             </a:fld>
-            <a:endParaRPr lang="en" sz="1000" b="0" i="0" u="none" strike="noStrike" cap="none">
+            <a:endParaRPr lang="en" sz="1000">
               <a:solidFill>
                 <a:srgbClr val="FFFFFF"/>
               </a:solidFill>
-              <a:latin typeface="Cabin"/>
-              <a:ea typeface="Cabin"/>
-              <a:cs typeface="Cabin"/>
               <a:sym typeface="Cabin"/>
             </a:endParaRPr>
           </a:p>
@@ -11197,7 +11249,11 @@
               <a:spcBef>
                 <a:spcPts val="0"/>
               </a:spcBef>
-              <a:defRPr sz="3900"/>
+              <a:defRPr sz="3900" b="0" i="0">
+                <a:latin typeface="Arial" charset="0"/>
+                <a:ea typeface="Arial" charset="0"/>
+                <a:cs typeface="Arial" charset="0"/>
+              </a:defRPr>
             </a:lvl1pPr>
             <a:lvl2pPr lvl="1" rtl="0">
               <a:spcBef>
@@ -11349,7 +11405,11 @@
               </a:spcBef>
               <a:buFont typeface="Cabin"/>
               <a:buNone/>
-              <a:defRPr sz="2100"/>
+              <a:defRPr sz="2100" b="0" i="0">
+                <a:latin typeface="Arial" charset="0"/>
+                <a:ea typeface="Arial" charset="0"/>
+                <a:cs typeface="Arial" charset="0"/>
+              </a:defRPr>
             </a:lvl1pPr>
             <a:lvl2pPr marL="0" lvl="1" indent="0" algn="ctr" rtl="0">
               <a:spcBef>
@@ -11472,18 +11532,17 @@
           <a:bodyPr lIns="26300" tIns="26300" rIns="26300" bIns="26300" anchor="t" anchorCtr="0">
             <a:noAutofit/>
           </a:bodyPr>
-          <a:lstStyle/>
-          <a:p>
-            <a:pPr marL="0" marR="0" lvl="0" indent="0" algn="ctr" rtl="0">
-              <a:lnSpc>
-                <a:spcPct val="100000"/>
-              </a:lnSpc>
-              <a:spcBef>
-                <a:spcPts val="0"/>
-              </a:spcBef>
-              <a:spcAft>
-                <a:spcPts val="0"/>
-              </a:spcAft>
+          <a:lstStyle>
+            <a:lvl1pPr>
+              <a:defRPr b="0" i="0">
+                <a:latin typeface="Arial" charset="0"/>
+                <a:ea typeface="Arial" charset="0"/>
+                <a:cs typeface="Arial" charset="0"/>
+              </a:defRPr>
+            </a:lvl1pPr>
+          </a:lstStyle>
+          <a:p>
+            <a:pPr algn="ctr">
               <a:buClr>
                 <a:srgbClr val="FFFFFF"/>
               </a:buClr>
@@ -11492,24 +11551,26 @@
               <a:buNone/>
             </a:pPr>
             <a:fld id="{00000000-1234-1234-1234-123412341234}" type="slidenum">
-              <a:rPr lang="en" sz="1000" b="0" i="0" u="none" strike="noStrike" cap="none">
-                <a:solidFill>
-                  <a:srgbClr val="FFFFFF"/>
-                </a:solidFill>
-                <a:latin typeface="Cabin"/>
-                <a:ea typeface="Cabin"/>
-                <a:cs typeface="Cabin"/>
-                <a:sym typeface="Cabin"/>
-              </a:rPr>
+              <a:rPr lang="en" sz="1000" smtClean="0">
+                <a:solidFill>
+                  <a:srgbClr val="FFFFFF"/>
+                </a:solidFill>
+                <a:sym typeface="Cabin"/>
+              </a:rPr>
+              <a:pPr algn="ctr">
+                <a:buClr>
+                  <a:srgbClr val="FFFFFF"/>
+                </a:buClr>
+                <a:buSzPct val="25000"/>
+                <a:buFont typeface="Cabin"/>
+                <a:buNone/>
+              </a:pPr>
               <a:t>‹#›</a:t>
             </a:fld>
-            <a:endParaRPr lang="en" sz="1000" b="0" i="0" u="none" strike="noStrike" cap="none">
+            <a:endParaRPr lang="en" sz="1000">
               <a:solidFill>
                 <a:srgbClr val="FFFFFF"/>
               </a:solidFill>
-              <a:latin typeface="Cabin"/>
-              <a:ea typeface="Cabin"/>
-              <a:cs typeface="Cabin"/>
               <a:sym typeface="Cabin"/>
             </a:endParaRPr>
           </a:p>
@@ -11570,7 +11631,11 @@
               <a:spcBef>
                 <a:spcPts val="0"/>
               </a:spcBef>
-              <a:defRPr sz="3900"/>
+              <a:defRPr sz="3900" b="0" i="0">
+                <a:latin typeface="Arial" charset="0"/>
+                <a:ea typeface="Arial" charset="0"/>
+                <a:cs typeface="Arial" charset="0"/>
+              </a:defRPr>
             </a:lvl1pPr>
             <a:lvl2pPr lvl="1" rtl="0">
               <a:spcBef>
@@ -11722,7 +11787,11 @@
               </a:spcBef>
               <a:buFont typeface="Cabin"/>
               <a:buNone/>
-              <a:defRPr sz="2100"/>
+              <a:defRPr sz="2100" b="0" i="0">
+                <a:latin typeface="Arial" charset="0"/>
+                <a:ea typeface="Arial" charset="0"/>
+                <a:cs typeface="Arial" charset="0"/>
+              </a:defRPr>
             </a:lvl1pPr>
             <a:lvl2pPr marL="0" lvl="1" indent="0" algn="ctr" rtl="0">
               <a:spcBef>
@@ -11845,18 +11914,17 @@
           <a:bodyPr lIns="26300" tIns="26300" rIns="26300" bIns="26300" anchor="t" anchorCtr="0">
             <a:noAutofit/>
           </a:bodyPr>
-          <a:lstStyle/>
-          <a:p>
-            <a:pPr marL="0" marR="0" lvl="0" indent="0" algn="ctr" rtl="0">
-              <a:lnSpc>
-                <a:spcPct val="100000"/>
-              </a:lnSpc>
-              <a:spcBef>
-                <a:spcPts val="0"/>
-              </a:spcBef>
-              <a:spcAft>
-                <a:spcPts val="0"/>
-              </a:spcAft>
+          <a:lstStyle>
+            <a:lvl1pPr>
+              <a:defRPr b="0" i="0">
+                <a:latin typeface="Arial" charset="0"/>
+                <a:ea typeface="Arial" charset="0"/>
+                <a:cs typeface="Arial" charset="0"/>
+              </a:defRPr>
+            </a:lvl1pPr>
+          </a:lstStyle>
+          <a:p>
+            <a:pPr algn="ctr">
               <a:buClr>
                 <a:srgbClr val="FFFFFF"/>
               </a:buClr>
@@ -11865,24 +11933,26 @@
               <a:buNone/>
             </a:pPr>
             <a:fld id="{00000000-1234-1234-1234-123412341234}" type="slidenum">
-              <a:rPr lang="en" sz="1000" b="0" i="0" u="none" strike="noStrike" cap="none">
-                <a:solidFill>
-                  <a:srgbClr val="FFFFFF"/>
-                </a:solidFill>
-                <a:latin typeface="Cabin"/>
-                <a:ea typeface="Cabin"/>
-                <a:cs typeface="Cabin"/>
-                <a:sym typeface="Cabin"/>
-              </a:rPr>
+              <a:rPr lang="en" sz="1000" smtClean="0">
+                <a:solidFill>
+                  <a:srgbClr val="FFFFFF"/>
+                </a:solidFill>
+                <a:sym typeface="Cabin"/>
+              </a:rPr>
+              <a:pPr algn="ctr">
+                <a:buClr>
+                  <a:srgbClr val="FFFFFF"/>
+                </a:buClr>
+                <a:buSzPct val="25000"/>
+                <a:buFont typeface="Cabin"/>
+                <a:buNone/>
+              </a:pPr>
               <a:t>‹#›</a:t>
             </a:fld>
-            <a:endParaRPr lang="en" sz="1000" b="0" i="0" u="none" strike="noStrike" cap="none">
+            <a:endParaRPr lang="en" sz="1000">
               <a:solidFill>
                 <a:srgbClr val="FFFFFF"/>
               </a:solidFill>
-              <a:latin typeface="Cabin"/>
-              <a:ea typeface="Cabin"/>
-              <a:cs typeface="Cabin"/>
               <a:sym typeface="Cabin"/>
             </a:endParaRPr>
           </a:p>
@@ -11993,9 +12063,9 @@
                 <a:solidFill>
                   <a:srgbClr val="FFFFFF"/>
                 </a:solidFill>
-                <a:latin typeface="Cabin"/>
-                <a:ea typeface="Cabin"/>
-                <a:cs typeface="Cabin"/>
+                <a:latin typeface="Arial" charset="0"/>
+                <a:ea typeface="Arial" charset="0"/>
+                <a:cs typeface="Arial" charset="0"/>
                 <a:sym typeface="Cabin"/>
               </a:defRPr>
             </a:lvl1pPr>
@@ -12235,7 +12305,11 @@
               <a:spcBef>
                 <a:spcPts val="2200"/>
               </a:spcBef>
-              <a:defRPr sz="1700"/>
+              <a:defRPr sz="1700" b="0" i="0">
+                <a:latin typeface="Arial" charset="0"/>
+                <a:ea typeface="Arial" charset="0"/>
+                <a:cs typeface="Arial" charset="0"/>
+              </a:defRPr>
             </a:lvl1pPr>
             <a:lvl2pPr marL="596900" lvl="1" indent="-279400" rtl="0">
               <a:spcBef>
@@ -12350,18 +12424,17 @@
           <a:bodyPr lIns="26300" tIns="26300" rIns="26300" bIns="26300" anchor="t" anchorCtr="0">
             <a:noAutofit/>
           </a:bodyPr>
-          <a:lstStyle/>
-          <a:p>
-            <a:pPr marL="0" marR="0" lvl="0" indent="0" algn="ctr" rtl="0">
-              <a:lnSpc>
-                <a:spcPct val="100000"/>
-              </a:lnSpc>
-              <a:spcBef>
-                <a:spcPts val="0"/>
-              </a:spcBef>
-              <a:spcAft>
-                <a:spcPts val="0"/>
-              </a:spcAft>
+          <a:lstStyle>
+            <a:lvl1pPr>
+              <a:defRPr b="0" i="0">
+                <a:latin typeface="Arial" charset="0"/>
+                <a:ea typeface="Arial" charset="0"/>
+                <a:cs typeface="Arial" charset="0"/>
+              </a:defRPr>
+            </a:lvl1pPr>
+          </a:lstStyle>
+          <a:p>
+            <a:pPr algn="ctr">
               <a:buClr>
                 <a:srgbClr val="FFFFFF"/>
               </a:buClr>
@@ -12370,24 +12443,26 @@
               <a:buNone/>
             </a:pPr>
             <a:fld id="{00000000-1234-1234-1234-123412341234}" type="slidenum">
-              <a:rPr lang="en" sz="1000" b="0" i="0" u="none" strike="noStrike" cap="none">
-                <a:solidFill>
-                  <a:srgbClr val="FFFFFF"/>
-                </a:solidFill>
-                <a:latin typeface="Cabin"/>
-                <a:ea typeface="Cabin"/>
-                <a:cs typeface="Cabin"/>
-                <a:sym typeface="Cabin"/>
-              </a:rPr>
+              <a:rPr lang="en" sz="1000" smtClean="0">
+                <a:solidFill>
+                  <a:srgbClr val="FFFFFF"/>
+                </a:solidFill>
+                <a:sym typeface="Cabin"/>
+              </a:rPr>
+              <a:pPr algn="ctr">
+                <a:buClr>
+                  <a:srgbClr val="FFFFFF"/>
+                </a:buClr>
+                <a:buSzPct val="25000"/>
+                <a:buFont typeface="Cabin"/>
+                <a:buNone/>
+              </a:pPr>
               <a:t>‹#›</a:t>
             </a:fld>
-            <a:endParaRPr lang="en" sz="1000" b="0" i="0" u="none" strike="noStrike" cap="none">
+            <a:endParaRPr lang="en" sz="1000">
               <a:solidFill>
                 <a:srgbClr val="FFFFFF"/>
               </a:solidFill>
-              <a:latin typeface="Cabin"/>
-              <a:ea typeface="Cabin"/>
-              <a:cs typeface="Cabin"/>
               <a:sym typeface="Cabin"/>
             </a:endParaRPr>
           </a:p>
@@ -12463,9 +12538,9 @@
                 <a:solidFill>
                   <a:srgbClr val="FFFFFF"/>
                 </a:solidFill>
-                <a:latin typeface="Cabin"/>
-                <a:ea typeface="Cabin"/>
-                <a:cs typeface="Cabin"/>
+                <a:latin typeface="Arial" charset="0"/>
+                <a:ea typeface="Arial" charset="0"/>
+                <a:cs typeface="Arial" charset="0"/>
                 <a:sym typeface="Cabin"/>
               </a:defRPr>
             </a:lvl1pPr>
@@ -12705,7 +12780,11 @@
               <a:spcBef>
                 <a:spcPts val="2200"/>
               </a:spcBef>
-              <a:defRPr sz="1700"/>
+              <a:defRPr sz="1700" b="0" i="0">
+                <a:latin typeface="Arial" charset="0"/>
+                <a:ea typeface="Arial" charset="0"/>
+                <a:cs typeface="Arial" charset="0"/>
+              </a:defRPr>
             </a:lvl1pPr>
             <a:lvl2pPr marL="596900" lvl="1" indent="-279400" rtl="0">
               <a:spcBef>
@@ -12820,18 +12899,17 @@
           <a:bodyPr lIns="26300" tIns="26300" rIns="26300" bIns="26300" anchor="t" anchorCtr="0">
             <a:noAutofit/>
           </a:bodyPr>
-          <a:lstStyle/>
-          <a:p>
-            <a:pPr marL="0" marR="0" lvl="0" indent="0" algn="ctr" rtl="0">
-              <a:lnSpc>
-                <a:spcPct val="100000"/>
-              </a:lnSpc>
-              <a:spcBef>
-                <a:spcPts val="0"/>
-              </a:spcBef>
-              <a:spcAft>
-                <a:spcPts val="0"/>
-              </a:spcAft>
+          <a:lstStyle>
+            <a:lvl1pPr>
+              <a:defRPr b="0" i="0">
+                <a:latin typeface="Arial" charset="0"/>
+                <a:ea typeface="Arial" charset="0"/>
+                <a:cs typeface="Arial" charset="0"/>
+              </a:defRPr>
+            </a:lvl1pPr>
+          </a:lstStyle>
+          <a:p>
+            <a:pPr algn="ctr">
               <a:buClr>
                 <a:srgbClr val="FFFFFF"/>
               </a:buClr>
@@ -12840,24 +12918,26 @@
               <a:buNone/>
             </a:pPr>
             <a:fld id="{00000000-1234-1234-1234-123412341234}" type="slidenum">
-              <a:rPr lang="en" sz="1000" b="0" i="0" u="none" strike="noStrike" cap="none">
-                <a:solidFill>
-                  <a:srgbClr val="FFFFFF"/>
-                </a:solidFill>
-                <a:latin typeface="Cabin"/>
-                <a:ea typeface="Cabin"/>
-                <a:cs typeface="Cabin"/>
-                <a:sym typeface="Cabin"/>
-              </a:rPr>
+              <a:rPr lang="en" sz="1000" smtClean="0">
+                <a:solidFill>
+                  <a:srgbClr val="FFFFFF"/>
+                </a:solidFill>
+                <a:sym typeface="Cabin"/>
+              </a:rPr>
+              <a:pPr algn="ctr">
+                <a:buClr>
+                  <a:srgbClr val="FFFFFF"/>
+                </a:buClr>
+                <a:buSzPct val="25000"/>
+                <a:buFont typeface="Cabin"/>
+                <a:buNone/>
+              </a:pPr>
               <a:t>‹#›</a:t>
             </a:fld>
-            <a:endParaRPr lang="en" sz="1000" b="0" i="0" u="none" strike="noStrike" cap="none">
+            <a:endParaRPr lang="en" sz="1000">
               <a:solidFill>
                 <a:srgbClr val="FFFFFF"/>
               </a:solidFill>
-              <a:latin typeface="Cabin"/>
-              <a:ea typeface="Cabin"/>
-              <a:cs typeface="Cabin"/>
               <a:sym typeface="Cabin"/>
             </a:endParaRPr>
           </a:p>
@@ -12933,9 +13013,9 @@
                 <a:solidFill>
                   <a:srgbClr val="FFFFFF"/>
                 </a:solidFill>
-                <a:latin typeface="Cabin"/>
-                <a:ea typeface="Cabin"/>
-                <a:cs typeface="Cabin"/>
+                <a:latin typeface="Arial" charset="0"/>
+                <a:ea typeface="Arial" charset="0"/>
+                <a:cs typeface="Arial" charset="0"/>
                 <a:sym typeface="Cabin"/>
               </a:defRPr>
             </a:lvl1pPr>
@@ -13175,7 +13255,11 @@
               <a:spcBef>
                 <a:spcPts val="2200"/>
               </a:spcBef>
-              <a:defRPr sz="1700"/>
+              <a:defRPr sz="1700" b="0" i="0">
+                <a:latin typeface="Arial" charset="0"/>
+                <a:ea typeface="Arial" charset="0"/>
+                <a:cs typeface="Arial" charset="0"/>
+              </a:defRPr>
             </a:lvl1pPr>
             <a:lvl2pPr marL="596900" lvl="1" indent="-279400" rtl="0">
               <a:spcBef>
@@ -13290,18 +13374,17 @@
           <a:bodyPr lIns="26300" tIns="26300" rIns="26300" bIns="26300" anchor="t" anchorCtr="0">
             <a:noAutofit/>
           </a:bodyPr>
-          <a:lstStyle/>
-          <a:p>
-            <a:pPr marL="0" marR="0" lvl="0" indent="0" algn="ctr" rtl="0">
-              <a:lnSpc>
-                <a:spcPct val="100000"/>
-              </a:lnSpc>
-              <a:spcBef>
-                <a:spcPts val="0"/>
-              </a:spcBef>
-              <a:spcAft>
-                <a:spcPts val="0"/>
-              </a:spcAft>
+          <a:lstStyle>
+            <a:lvl1pPr>
+              <a:defRPr b="0" i="0">
+                <a:latin typeface="Arial" charset="0"/>
+                <a:ea typeface="Arial" charset="0"/>
+                <a:cs typeface="Arial" charset="0"/>
+              </a:defRPr>
+            </a:lvl1pPr>
+          </a:lstStyle>
+          <a:p>
+            <a:pPr algn="ctr">
               <a:buClr>
                 <a:srgbClr val="FFFFFF"/>
               </a:buClr>
@@ -13310,24 +13393,26 @@
               <a:buNone/>
             </a:pPr>
             <a:fld id="{00000000-1234-1234-1234-123412341234}" type="slidenum">
-              <a:rPr lang="en" sz="1000" b="0" i="0" u="none" strike="noStrike" cap="none">
-                <a:solidFill>
-                  <a:srgbClr val="FFFFFF"/>
-                </a:solidFill>
-                <a:latin typeface="Cabin"/>
-                <a:ea typeface="Cabin"/>
-                <a:cs typeface="Cabin"/>
-                <a:sym typeface="Cabin"/>
-              </a:rPr>
+              <a:rPr lang="en" sz="1000" smtClean="0">
+                <a:solidFill>
+                  <a:srgbClr val="FFFFFF"/>
+                </a:solidFill>
+                <a:sym typeface="Cabin"/>
+              </a:rPr>
+              <a:pPr algn="ctr">
+                <a:buClr>
+                  <a:srgbClr val="FFFFFF"/>
+                </a:buClr>
+                <a:buSzPct val="25000"/>
+                <a:buFont typeface="Cabin"/>
+                <a:buNone/>
+              </a:pPr>
               <a:t>‹#›</a:t>
             </a:fld>
-            <a:endParaRPr lang="en" sz="1000" b="0" i="0" u="none" strike="noStrike" cap="none">
+            <a:endParaRPr lang="en" sz="1000">
               <a:solidFill>
                 <a:srgbClr val="FFFFFF"/>
               </a:solidFill>
-              <a:latin typeface="Cabin"/>
-              <a:ea typeface="Cabin"/>
-              <a:cs typeface="Cabin"/>
               <a:sym typeface="Cabin"/>
             </a:endParaRPr>
           </a:p>
@@ -13616,7 +13701,11 @@
               <a:spcBef>
                 <a:spcPts val="0"/>
               </a:spcBef>
-              <a:defRPr sz="4600"/>
+              <a:defRPr sz="4600" b="0" i="0">
+                <a:latin typeface="Arial" charset="0"/>
+                <a:ea typeface="Arial" charset="0"/>
+                <a:cs typeface="Arial" charset="0"/>
+              </a:defRPr>
             </a:lvl1pPr>
             <a:lvl2pPr lvl="1" rtl="0">
               <a:spcBef>
@@ -13763,18 +13852,17 @@
           <a:bodyPr lIns="15775" tIns="15775" rIns="15775" bIns="15775" anchor="t" anchorCtr="0">
             <a:noAutofit/>
           </a:bodyPr>
-          <a:lstStyle/>
-          <a:p>
-            <a:pPr marL="0" marR="0" lvl="0" indent="0" algn="ctr" rtl="0">
-              <a:lnSpc>
-                <a:spcPct val="100000"/>
-              </a:lnSpc>
-              <a:spcBef>
-                <a:spcPts val="0"/>
-              </a:spcBef>
-              <a:spcAft>
-                <a:spcPts val="0"/>
-              </a:spcAft>
+          <a:lstStyle>
+            <a:lvl1pPr>
+              <a:defRPr b="0" i="0">
+                <a:latin typeface="Arial" charset="0"/>
+                <a:ea typeface="Arial" charset="0"/>
+                <a:cs typeface="Arial" charset="0"/>
+              </a:defRPr>
+            </a:lvl1pPr>
+          </a:lstStyle>
+          <a:p>
+            <a:pPr algn="ctr">
               <a:buClr>
                 <a:srgbClr val="FFFFFF"/>
               </a:buClr>
@@ -13783,24 +13871,26 @@
               <a:buNone/>
             </a:pPr>
             <a:fld id="{00000000-1234-1234-1234-123412341234}" type="slidenum">
-              <a:rPr lang="en" sz="900" b="0" i="0" u="none" strike="noStrike" cap="none">
-                <a:solidFill>
-                  <a:srgbClr val="FFFFFF"/>
-                </a:solidFill>
-                <a:latin typeface="Cabin"/>
-                <a:ea typeface="Cabin"/>
-                <a:cs typeface="Cabin"/>
-                <a:sym typeface="Cabin"/>
-              </a:rPr>
+              <a:rPr lang="en" sz="900" smtClean="0">
+                <a:solidFill>
+                  <a:srgbClr val="FFFFFF"/>
+                </a:solidFill>
+                <a:sym typeface="Cabin"/>
+              </a:rPr>
+              <a:pPr algn="ctr">
+                <a:buClr>
+                  <a:srgbClr val="FFFFFF"/>
+                </a:buClr>
+                <a:buSzPct val="25000"/>
+                <a:buFont typeface="Cabin"/>
+                <a:buNone/>
+              </a:pPr>
               <a:t>‹#›</a:t>
             </a:fld>
-            <a:endParaRPr lang="en" sz="900" b="0" i="0" u="none" strike="noStrike" cap="none">
+            <a:endParaRPr lang="en" sz="900">
               <a:solidFill>
                 <a:srgbClr val="FFFFFF"/>
               </a:solidFill>
-              <a:latin typeface="Cabin"/>
-              <a:ea typeface="Cabin"/>
-              <a:cs typeface="Cabin"/>
               <a:sym typeface="Cabin"/>
             </a:endParaRPr>
           </a:p>
@@ -13861,7 +13951,11 @@
               <a:spcBef>
                 <a:spcPts val="0"/>
               </a:spcBef>
-              <a:defRPr sz="4600"/>
+              <a:defRPr sz="4600" b="0" i="0">
+                <a:latin typeface="Arial" charset="0"/>
+                <a:ea typeface="Arial" charset="0"/>
+                <a:cs typeface="Arial" charset="0"/>
+              </a:defRPr>
             </a:lvl1pPr>
             <a:lvl2pPr lvl="1" rtl="0">
               <a:spcBef>
@@ -14011,7 +14105,11 @@
               <a:spcBef>
                 <a:spcPts val="2100"/>
               </a:spcBef>
-              <a:defRPr sz="2200"/>
+              <a:defRPr sz="2200" b="0" i="0">
+                <a:latin typeface="Arial" charset="0"/>
+                <a:ea typeface="Arial" charset="0"/>
+                <a:cs typeface="Arial" charset="0"/>
+              </a:defRPr>
             </a:lvl1pPr>
             <a:lvl2pPr marL="431800" lvl="1" indent="-215900" rtl="0">
               <a:spcBef>
@@ -14126,18 +14224,17 @@
           <a:bodyPr lIns="15775" tIns="15775" rIns="15775" bIns="15775" anchor="t" anchorCtr="0">
             <a:noAutofit/>
           </a:bodyPr>
-          <a:lstStyle/>
-          <a:p>
-            <a:pPr marL="0" marR="0" lvl="0" indent="0" algn="ctr" rtl="0">
-              <a:lnSpc>
-                <a:spcPct val="100000"/>
-              </a:lnSpc>
-              <a:spcBef>
-                <a:spcPts val="0"/>
-              </a:spcBef>
-              <a:spcAft>
-                <a:spcPts val="0"/>
-              </a:spcAft>
+          <a:lstStyle>
+            <a:lvl1pPr>
+              <a:defRPr b="0" i="0">
+                <a:latin typeface="Arial" charset="0"/>
+                <a:ea typeface="Arial" charset="0"/>
+                <a:cs typeface="Arial" charset="0"/>
+              </a:defRPr>
+            </a:lvl1pPr>
+          </a:lstStyle>
+          <a:p>
+            <a:pPr algn="ctr">
               <a:buClr>
                 <a:srgbClr val="FFFFFF"/>
               </a:buClr>
@@ -14146,24 +14243,26 @@
               <a:buNone/>
             </a:pPr>
             <a:fld id="{00000000-1234-1234-1234-123412341234}" type="slidenum">
-              <a:rPr lang="en" sz="900" b="0" i="0" u="none" strike="noStrike" cap="none">
-                <a:solidFill>
-                  <a:srgbClr val="FFFFFF"/>
-                </a:solidFill>
-                <a:latin typeface="Cabin"/>
-                <a:ea typeface="Cabin"/>
-                <a:cs typeface="Cabin"/>
-                <a:sym typeface="Cabin"/>
-              </a:rPr>
+              <a:rPr lang="en" sz="900" smtClean="0">
+                <a:solidFill>
+                  <a:srgbClr val="FFFFFF"/>
+                </a:solidFill>
+                <a:sym typeface="Cabin"/>
+              </a:rPr>
+              <a:pPr algn="ctr">
+                <a:buClr>
+                  <a:srgbClr val="FFFFFF"/>
+                </a:buClr>
+                <a:buSzPct val="25000"/>
+                <a:buFont typeface="Cabin"/>
+                <a:buNone/>
+              </a:pPr>
               <a:t>‹#›</a:t>
             </a:fld>
-            <a:endParaRPr lang="en" sz="900" b="0" i="0" u="none" strike="noStrike" cap="none">
+            <a:endParaRPr lang="en" sz="900">
               <a:solidFill>
                 <a:srgbClr val="FFFFFF"/>
               </a:solidFill>
-              <a:latin typeface="Cabin"/>
-              <a:ea typeface="Cabin"/>
-              <a:cs typeface="Cabin"/>
               <a:sym typeface="Cabin"/>
             </a:endParaRPr>
           </a:p>
@@ -14224,7 +14323,11 @@
               <a:spcBef>
                 <a:spcPts val="0"/>
               </a:spcBef>
-              <a:defRPr sz="4600"/>
+              <a:defRPr sz="4600" b="0" i="0">
+                <a:latin typeface="Arial" charset="0"/>
+                <a:ea typeface="Arial" charset="0"/>
+                <a:cs typeface="Arial" charset="0"/>
+              </a:defRPr>
             </a:lvl1pPr>
             <a:lvl2pPr lvl="1" rtl="0">
               <a:spcBef>
@@ -14374,7 +14477,11 @@
               <a:spcBef>
                 <a:spcPts val="2100"/>
               </a:spcBef>
-              <a:defRPr sz="2200"/>
+              <a:defRPr sz="2200" b="0" i="0">
+                <a:latin typeface="Arial" charset="0"/>
+                <a:ea typeface="Arial" charset="0"/>
+                <a:cs typeface="Arial" charset="0"/>
+              </a:defRPr>
             </a:lvl1pPr>
             <a:lvl2pPr marL="431800" lvl="1" indent="-215900" rtl="0">
               <a:spcBef>
@@ -14489,18 +14596,17 @@
           <a:bodyPr lIns="15775" tIns="15775" rIns="15775" bIns="15775" anchor="t" anchorCtr="0">
             <a:noAutofit/>
           </a:bodyPr>
-          <a:lstStyle/>
-          <a:p>
-            <a:pPr marL="0" marR="0" lvl="0" indent="0" algn="ctr" rtl="0">
-              <a:lnSpc>
-                <a:spcPct val="100000"/>
-              </a:lnSpc>
-              <a:spcBef>
-                <a:spcPts val="0"/>
-              </a:spcBef>
-              <a:spcAft>
-                <a:spcPts val="0"/>
-              </a:spcAft>
+          <a:lstStyle>
+            <a:lvl1pPr>
+              <a:defRPr b="0" i="0">
+                <a:latin typeface="Arial" charset="0"/>
+                <a:ea typeface="Arial" charset="0"/>
+                <a:cs typeface="Arial" charset="0"/>
+              </a:defRPr>
+            </a:lvl1pPr>
+          </a:lstStyle>
+          <a:p>
+            <a:pPr algn="ctr">
               <a:buClr>
                 <a:srgbClr val="FFFFFF"/>
               </a:buClr>
@@ -14509,24 +14615,26 @@
               <a:buNone/>
             </a:pPr>
             <a:fld id="{00000000-1234-1234-1234-123412341234}" type="slidenum">
-              <a:rPr lang="en" sz="900" b="0" i="0" u="none" strike="noStrike" cap="none">
-                <a:solidFill>
-                  <a:srgbClr val="FFFFFF"/>
-                </a:solidFill>
-                <a:latin typeface="Cabin"/>
-                <a:ea typeface="Cabin"/>
-                <a:cs typeface="Cabin"/>
-                <a:sym typeface="Cabin"/>
-              </a:rPr>
+              <a:rPr lang="en" sz="900" smtClean="0">
+                <a:solidFill>
+                  <a:srgbClr val="FFFFFF"/>
+                </a:solidFill>
+                <a:sym typeface="Cabin"/>
+              </a:rPr>
+              <a:pPr algn="ctr">
+                <a:buClr>
+                  <a:srgbClr val="FFFFFF"/>
+                </a:buClr>
+                <a:buSzPct val="25000"/>
+                <a:buFont typeface="Cabin"/>
+                <a:buNone/>
+              </a:pPr>
               <a:t>‹#›</a:t>
             </a:fld>
-            <a:endParaRPr lang="en" sz="900" b="0" i="0" u="none" strike="noStrike" cap="none">
+            <a:endParaRPr lang="en" sz="900">
               <a:solidFill>
                 <a:srgbClr val="FFFFFF"/>
               </a:solidFill>
-              <a:latin typeface="Cabin"/>
-              <a:ea typeface="Cabin"/>
-              <a:cs typeface="Cabin"/>
               <a:sym typeface="Cabin"/>
             </a:endParaRPr>
           </a:p>
@@ -14587,7 +14695,11 @@
               <a:spcBef>
                 <a:spcPts val="0"/>
               </a:spcBef>
-              <a:defRPr sz="4600"/>
+              <a:defRPr sz="4600" b="0" i="0">
+                <a:latin typeface="Arial" charset="0"/>
+                <a:ea typeface="Arial" charset="0"/>
+                <a:cs typeface="Arial" charset="0"/>
+              </a:defRPr>
             </a:lvl1pPr>
             <a:lvl2pPr lvl="1" rtl="0">
               <a:spcBef>
@@ -14734,18 +14846,17 @@
           <a:bodyPr lIns="15775" tIns="15775" rIns="15775" bIns="15775" anchor="t" anchorCtr="0">
             <a:noAutofit/>
           </a:bodyPr>
-          <a:lstStyle/>
-          <a:p>
-            <a:pPr marL="0" marR="0" lvl="0" indent="0" algn="ctr" rtl="0">
-              <a:lnSpc>
-                <a:spcPct val="100000"/>
-              </a:lnSpc>
-              <a:spcBef>
-                <a:spcPts val="0"/>
-              </a:spcBef>
-              <a:spcAft>
-                <a:spcPts val="0"/>
-              </a:spcAft>
+          <a:lstStyle>
+            <a:lvl1pPr>
+              <a:defRPr b="0" i="0">
+                <a:latin typeface="Arial" charset="0"/>
+                <a:ea typeface="Arial" charset="0"/>
+                <a:cs typeface="Arial" charset="0"/>
+              </a:defRPr>
+            </a:lvl1pPr>
+          </a:lstStyle>
+          <a:p>
+            <a:pPr algn="ctr">
               <a:buClr>
                 <a:srgbClr val="FFFFFF"/>
               </a:buClr>
@@ -14754,24 +14865,26 @@
               <a:buNone/>
             </a:pPr>
             <a:fld id="{00000000-1234-1234-1234-123412341234}" type="slidenum">
-              <a:rPr lang="en" sz="900" b="0" i="0" u="none" strike="noStrike" cap="none">
-                <a:solidFill>
-                  <a:srgbClr val="FFFFFF"/>
-                </a:solidFill>
-                <a:latin typeface="Cabin"/>
-                <a:ea typeface="Cabin"/>
-                <a:cs typeface="Cabin"/>
-                <a:sym typeface="Cabin"/>
-              </a:rPr>
+              <a:rPr lang="en" sz="900" smtClean="0">
+                <a:solidFill>
+                  <a:srgbClr val="FFFFFF"/>
+                </a:solidFill>
+                <a:sym typeface="Cabin"/>
+              </a:rPr>
+              <a:pPr algn="ctr">
+                <a:buClr>
+                  <a:srgbClr val="FFFFFF"/>
+                </a:buClr>
+                <a:buSzPct val="25000"/>
+                <a:buFont typeface="Cabin"/>
+                <a:buNone/>
+              </a:pPr>
               <a:t>‹#›</a:t>
             </a:fld>
-            <a:endParaRPr lang="en" sz="900" b="0" i="0" u="none" strike="noStrike" cap="none">
+            <a:endParaRPr lang="en" sz="900">
               <a:solidFill>
                 <a:srgbClr val="FFFFFF"/>
               </a:solidFill>
-              <a:latin typeface="Cabin"/>
-              <a:ea typeface="Cabin"/>
-              <a:cs typeface="Cabin"/>
               <a:sym typeface="Cabin"/>
             </a:endParaRPr>
           </a:p>
@@ -14832,7 +14945,11 @@
               <a:spcBef>
                 <a:spcPts val="0"/>
               </a:spcBef>
-              <a:defRPr sz="4600"/>
+              <a:defRPr sz="4600" b="0" i="0">
+                <a:latin typeface="Arial" charset="0"/>
+                <a:ea typeface="Arial" charset="0"/>
+                <a:cs typeface="Arial" charset="0"/>
+              </a:defRPr>
             </a:lvl1pPr>
             <a:lvl2pPr lvl="1" rtl="0">
               <a:spcBef>
@@ -14982,7 +15099,11 @@
               <a:spcBef>
                 <a:spcPts val="2100"/>
               </a:spcBef>
-              <a:defRPr sz="2200"/>
+              <a:defRPr sz="2200" b="0" i="0">
+                <a:latin typeface="Arial" charset="0"/>
+                <a:ea typeface="Arial" charset="0"/>
+                <a:cs typeface="Arial" charset="0"/>
+              </a:defRPr>
             </a:lvl1pPr>
             <a:lvl2pPr marL="431800" lvl="1" indent="-215900" rtl="0">
               <a:spcBef>
@@ -15097,18 +15218,17 @@
           <a:bodyPr lIns="15775" tIns="15775" rIns="15775" bIns="15775" anchor="t" anchorCtr="0">
             <a:noAutofit/>
           </a:bodyPr>
-          <a:lstStyle/>
-          <a:p>
-            <a:pPr marL="0" marR="0" lvl="0" indent="0" algn="ctr" rtl="0">
-              <a:lnSpc>
-                <a:spcPct val="100000"/>
-              </a:lnSpc>
-              <a:spcBef>
-                <a:spcPts val="0"/>
-              </a:spcBef>
-              <a:spcAft>
-                <a:spcPts val="0"/>
-              </a:spcAft>
+          <a:lstStyle>
+            <a:lvl1pPr>
+              <a:defRPr b="0" i="0">
+                <a:latin typeface="Arial" charset="0"/>
+                <a:ea typeface="Arial" charset="0"/>
+                <a:cs typeface="Arial" charset="0"/>
+              </a:defRPr>
+            </a:lvl1pPr>
+          </a:lstStyle>
+          <a:p>
+            <a:pPr algn="ctr">
               <a:buClr>
                 <a:srgbClr val="FFFFFF"/>
               </a:buClr>
@@ -15117,24 +15237,26 @@
               <a:buNone/>
             </a:pPr>
             <a:fld id="{00000000-1234-1234-1234-123412341234}" type="slidenum">
-              <a:rPr lang="en" sz="900" b="0" i="0" u="none" strike="noStrike" cap="none">
-                <a:solidFill>
-                  <a:srgbClr val="FFFFFF"/>
-                </a:solidFill>
-                <a:latin typeface="Cabin"/>
-                <a:ea typeface="Cabin"/>
-                <a:cs typeface="Cabin"/>
-                <a:sym typeface="Cabin"/>
-              </a:rPr>
+              <a:rPr lang="en" sz="900" smtClean="0">
+                <a:solidFill>
+                  <a:srgbClr val="FFFFFF"/>
+                </a:solidFill>
+                <a:sym typeface="Cabin"/>
+              </a:rPr>
+              <a:pPr algn="ctr">
+                <a:buClr>
+                  <a:srgbClr val="FFFFFF"/>
+                </a:buClr>
+                <a:buSzPct val="25000"/>
+                <a:buFont typeface="Cabin"/>
+                <a:buNone/>
+              </a:pPr>
               <a:t>‹#›</a:t>
             </a:fld>
-            <a:endParaRPr lang="en" sz="900" b="0" i="0" u="none" strike="noStrike" cap="none">
+            <a:endParaRPr lang="en" sz="900">
               <a:solidFill>
                 <a:srgbClr val="FFFFFF"/>
               </a:solidFill>
-              <a:latin typeface="Cabin"/>
-              <a:ea typeface="Cabin"/>
-              <a:cs typeface="Cabin"/>
               <a:sym typeface="Cabin"/>
             </a:endParaRPr>
           </a:p>
@@ -18047,18 +18169,17 @@
           <a:bodyPr lIns="26300" tIns="26300" rIns="26300" bIns="26300" anchor="t" anchorCtr="0">
             <a:noAutofit/>
           </a:bodyPr>
-          <a:lstStyle/>
-          <a:p>
-            <a:pPr marL="0" marR="0" lvl="0" indent="0" algn="ctr" rtl="0">
-              <a:lnSpc>
-                <a:spcPct val="100000"/>
-              </a:lnSpc>
-              <a:spcBef>
-                <a:spcPts val="0"/>
-              </a:spcBef>
-              <a:spcAft>
-                <a:spcPts val="0"/>
-              </a:spcAft>
+          <a:lstStyle>
+            <a:lvl1pPr>
+              <a:defRPr b="0" i="0">
+                <a:latin typeface="Arial" charset="0"/>
+                <a:ea typeface="Arial" charset="0"/>
+                <a:cs typeface="Arial" charset="0"/>
+              </a:defRPr>
+            </a:lvl1pPr>
+          </a:lstStyle>
+          <a:p>
+            <a:pPr algn="ctr">
               <a:buClr>
                 <a:srgbClr val="FFFFFF"/>
               </a:buClr>
@@ -18067,24 +18188,26 @@
               <a:buNone/>
             </a:pPr>
             <a:fld id="{00000000-1234-1234-1234-123412341234}" type="slidenum">
-              <a:rPr lang="en" sz="1000" b="0" i="0" u="none" strike="noStrike" cap="none">
-                <a:solidFill>
-                  <a:srgbClr val="FFFFFF"/>
-                </a:solidFill>
-                <a:latin typeface="Cabin"/>
-                <a:ea typeface="Cabin"/>
-                <a:cs typeface="Cabin"/>
-                <a:sym typeface="Cabin"/>
-              </a:rPr>
+              <a:rPr lang="en" sz="1000" smtClean="0">
+                <a:solidFill>
+                  <a:srgbClr val="FFFFFF"/>
+                </a:solidFill>
+                <a:sym typeface="Cabin"/>
+              </a:rPr>
+              <a:pPr algn="ctr">
+                <a:buClr>
+                  <a:srgbClr val="FFFFFF"/>
+                </a:buClr>
+                <a:buSzPct val="25000"/>
+                <a:buFont typeface="Cabin"/>
+                <a:buNone/>
+              </a:pPr>
               <a:t>‹#›</a:t>
             </a:fld>
-            <a:endParaRPr lang="en" sz="1000" b="0" i="0" u="none" strike="noStrike" cap="none">
+            <a:endParaRPr lang="en" sz="1000">
               <a:solidFill>
                 <a:srgbClr val="FFFFFF"/>
               </a:solidFill>
-              <a:latin typeface="Cabin"/>
-              <a:ea typeface="Cabin"/>
-              <a:cs typeface="Cabin"/>
               <a:sym typeface="Cabin"/>
             </a:endParaRPr>
           </a:p>
@@ -18147,9 +18270,9 @@
           <a:solidFill>
             <a:srgbClr val="000000"/>
           </a:solidFill>
-          <a:latin typeface="Arial"/>
-          <a:ea typeface="Arial"/>
-          <a:cs typeface="Arial"/>
+          <a:latin typeface="Arial" charset="0"/>
+          <a:ea typeface="Arial" charset="0"/>
+          <a:cs typeface="Arial" charset="0"/>
           <a:sym typeface="Arial"/>
         </a:defRPr>
       </a:lvl1pPr>
@@ -18181,9 +18304,9 @@
           <a:solidFill>
             <a:srgbClr val="000000"/>
           </a:solidFill>
-          <a:latin typeface="Arial"/>
-          <a:ea typeface="Arial"/>
-          <a:cs typeface="Arial"/>
+          <a:latin typeface="Arial" charset="0"/>
+          <a:ea typeface="Arial" charset="0"/>
+          <a:cs typeface="Arial" charset="0"/>
           <a:sym typeface="Arial"/>
         </a:defRPr>
       </a:lvl1pPr>
@@ -18626,13 +18749,13 @@
               <a:buNone/>
             </a:pPr>
             <a:r>
-              <a:rPr lang="en" sz="4700" b="1" i="0" u="none" strike="noStrike" cap="none">
+              <a:rPr lang="en" sz="4700" u="none" strike="noStrike" cap="none">
                 <a:solidFill>
                   <a:srgbClr val="FFD966"/>
                 </a:solidFill>
-                <a:latin typeface="Cabin"/>
-                <a:ea typeface="Cabin"/>
-                <a:cs typeface="Cabin"/>
+                <a:latin typeface="Arial" charset="0"/>
+                <a:ea typeface="Arial" charset="0"/>
+                <a:cs typeface="Arial" charset="0"/>
                 <a:sym typeface="Cabin"/>
               </a:rPr>
               <a:t>Python Objects</a:t>
@@ -18687,13 +18810,13 @@
               <a:buNone/>
             </a:pPr>
             <a:r>
-              <a:rPr lang="en" sz="2000" b="0" i="0" u="none" strike="noStrike" cap="none">
+              <a:rPr lang="en" sz="2000" u="none" strike="noStrike" cap="none">
                 <a:solidFill>
                   <a:srgbClr val="FFFB00"/>
                 </a:solidFill>
-                <a:latin typeface="Cabin"/>
-                <a:ea typeface="Cabin"/>
-                <a:cs typeface="Cabin"/>
+                <a:latin typeface="Arial" charset="0"/>
+                <a:ea typeface="Arial" charset="0"/>
+                <a:cs typeface="Arial" charset="0"/>
                 <a:sym typeface="Cabin"/>
               </a:rPr>
               <a:t>Charles Severance</a:t>
@@ -18718,13 +18841,13 @@
               <a:buNone/>
             </a:pPr>
             <a:r>
-              <a:rPr lang="en" sz="2000" b="0" i="0" u="none" strike="noStrike" cap="none">
+              <a:rPr lang="en" sz="2000" u="none" strike="noStrike" cap="none">
                 <a:solidFill>
                   <a:srgbClr val="FFFB00"/>
                 </a:solidFill>
-                <a:latin typeface="Cabin"/>
-                <a:ea typeface="Cabin"/>
-                <a:cs typeface="Cabin"/>
+                <a:latin typeface="Arial" charset="0"/>
+                <a:ea typeface="Arial" charset="0"/>
+                <a:cs typeface="Arial" charset="0"/>
                 <a:sym typeface="Cabin"/>
               </a:rPr>
               <a:t>www.pythonlearn.com</a:t>
@@ -18748,13 +18871,13 @@
               <a:buFont typeface="Cabin"/>
               <a:buNone/>
             </a:pPr>
-            <a:endParaRPr sz="2000" b="0" i="0" u="none" strike="noStrike" cap="none">
+            <a:endParaRPr sz="2000" u="none" strike="noStrike" cap="none">
               <a:solidFill>
                 <a:srgbClr val="FFFFFF"/>
               </a:solidFill>
-              <a:latin typeface="Cabin"/>
-              <a:ea typeface="Cabin"/>
-              <a:cs typeface="Cabin"/>
+              <a:latin typeface="Arial" charset="0"/>
+              <a:ea typeface="Arial" charset="0"/>
+              <a:cs typeface="Arial" charset="0"/>
               <a:sym typeface="Cabin"/>
             </a:endParaRPr>
           </a:p>
@@ -18777,13 +18900,13 @@
               <a:buNone/>
             </a:pPr>
             <a:r>
-              <a:rPr lang="en" sz="2000" b="0" i="0" u="none" strike="noStrike" cap="none">
+              <a:rPr lang="en" sz="2000" u="none" strike="noStrike" cap="none">
                 <a:solidFill>
                   <a:srgbClr val="FFFB00"/>
                 </a:solidFill>
-                <a:latin typeface="Cabin"/>
-                <a:ea typeface="Cabin"/>
-                <a:cs typeface="Cabin"/>
+                <a:latin typeface="Arial" charset="0"/>
+                <a:ea typeface="Arial" charset="0"/>
+                <a:cs typeface="Arial" charset="0"/>
                 <a:sym typeface="Cabin"/>
               </a:rPr>
               <a:t>http://en.wikipedia.org/wiki/Object-oriented_programming</a:t>
@@ -19354,13 +19477,13 @@
               <a:buNone/>
             </a:pPr>
             <a:r>
-              <a:rPr lang="en" sz="2600" b="0" i="0" u="none" strike="noStrike" cap="none">
-                <a:solidFill>
-                  <a:srgbClr val="FFFFFF"/>
-                </a:solidFill>
-                <a:latin typeface="Cabin"/>
-                <a:ea typeface="Cabin"/>
-                <a:cs typeface="Cabin"/>
+              <a:rPr lang="en" sz="2600" u="none" strike="noStrike" cap="none">
+                <a:solidFill>
+                  <a:srgbClr val="FFFFFF"/>
+                </a:solidFill>
+                <a:latin typeface="Arial" charset="0"/>
+                <a:ea typeface="Arial" charset="0"/>
+                <a:cs typeface="Arial" charset="0"/>
                 <a:sym typeface="Cabin"/>
               </a:rPr>
               <a:t>Object</a:t>
@@ -19413,13 +19536,13 @@
               <a:buNone/>
             </a:pPr>
             <a:r>
-              <a:rPr lang="en" sz="2600" b="0" i="0" u="none" strike="noStrike" cap="none">
+              <a:rPr lang="en" sz="2600" u="none" strike="noStrike" cap="none">
                 <a:solidFill>
                   <a:schemeClr val="dk1"/>
                 </a:solidFill>
-                <a:latin typeface="Cabin"/>
-                <a:ea typeface="Cabin"/>
-                <a:cs typeface="Cabin"/>
+                <a:latin typeface="Arial" charset="0"/>
+                <a:ea typeface="Arial" charset="0"/>
+                <a:cs typeface="Arial" charset="0"/>
                 <a:sym typeface="Cabin"/>
               </a:rPr>
               <a:t>Input</a:t>
@@ -19472,13 +19595,13 @@
               <a:buNone/>
             </a:pPr>
             <a:r>
-              <a:rPr lang="en" sz="2600" b="0" i="0" u="none" strike="noStrike" cap="none">
+              <a:rPr lang="en" sz="2600" u="none" strike="noStrike" cap="none">
                 <a:solidFill>
                   <a:srgbClr val="000000"/>
                 </a:solidFill>
-                <a:latin typeface="Cabin"/>
-                <a:ea typeface="Cabin"/>
-                <a:cs typeface="Cabin"/>
+                <a:latin typeface="Arial" charset="0"/>
+                <a:ea typeface="Arial" charset="0"/>
+                <a:cs typeface="Arial" charset="0"/>
                 <a:sym typeface="Cabin"/>
               </a:rPr>
               <a:t>Output</a:t>
@@ -19531,13 +19654,13 @@
               <a:buNone/>
             </a:pPr>
             <a:r>
-              <a:rPr lang="en" sz="2600" b="0" i="0" u="none" strike="noStrike" cap="none">
-                <a:solidFill>
-                  <a:srgbClr val="FFFFFF"/>
-                </a:solidFill>
-                <a:latin typeface="Cabin"/>
-                <a:ea typeface="Cabin"/>
-                <a:cs typeface="Cabin"/>
+              <a:rPr lang="en" sz="2600" u="none" strike="noStrike" cap="none">
+                <a:solidFill>
+                  <a:srgbClr val="FFFFFF"/>
+                </a:solidFill>
+                <a:latin typeface="Arial" charset="0"/>
+                <a:ea typeface="Arial" charset="0"/>
+                <a:cs typeface="Arial" charset="0"/>
                 <a:sym typeface="Cabin"/>
               </a:rPr>
               <a:t>String</a:t>
@@ -19590,13 +19713,13 @@
               <a:buNone/>
             </a:pPr>
             <a:r>
-              <a:rPr lang="en" sz="2600" b="0" i="0" u="none" strike="noStrike" cap="none">
-                <a:solidFill>
-                  <a:srgbClr val="FFFFFF"/>
-                </a:solidFill>
-                <a:latin typeface="Cabin"/>
-                <a:ea typeface="Cabin"/>
-                <a:cs typeface="Cabin"/>
+              <a:rPr lang="en" sz="2600" u="none" strike="noStrike" cap="none">
+                <a:solidFill>
+                  <a:srgbClr val="FFFFFF"/>
+                </a:solidFill>
+                <a:latin typeface="Arial" charset="0"/>
+                <a:ea typeface="Arial" charset="0"/>
+                <a:cs typeface="Arial" charset="0"/>
                 <a:sym typeface="Cabin"/>
               </a:rPr>
               <a:t>Object</a:t>
@@ -19649,13 +19772,13 @@
               <a:buNone/>
             </a:pPr>
             <a:r>
-              <a:rPr lang="en" sz="2300" b="0" i="0" u="none" strike="noStrike" cap="none">
-                <a:solidFill>
-                  <a:srgbClr val="FFFFFF"/>
-                </a:solidFill>
-                <a:latin typeface="Cabin"/>
-                <a:ea typeface="Cabin"/>
-                <a:cs typeface="Cabin"/>
+              <a:rPr lang="en" sz="2300" u="none" strike="noStrike" cap="none">
+                <a:solidFill>
+                  <a:srgbClr val="FFFFFF"/>
+                </a:solidFill>
+                <a:latin typeface="Arial" charset="0"/>
+                <a:ea typeface="Arial" charset="0"/>
+                <a:cs typeface="Arial" charset="0"/>
                 <a:sym typeface="Cabin"/>
               </a:rPr>
               <a:t>Dictionary</a:t>
@@ -19888,13 +20011,13 @@
               <a:buNone/>
             </a:pPr>
             <a:r>
-              <a:rPr lang="en" sz="2300" b="0" i="0" u="none" strike="noStrike" cap="none">
-                <a:solidFill>
-                  <a:srgbClr val="FFFFFF"/>
-                </a:solidFill>
-                <a:latin typeface="Cabin"/>
-                <a:ea typeface="Cabin"/>
-                <a:cs typeface="Cabin"/>
+              <a:rPr lang="en" sz="2300" u="none" strike="noStrike" cap="none">
+                <a:solidFill>
+                  <a:srgbClr val="FFFFFF"/>
+                </a:solidFill>
+                <a:latin typeface="Arial" charset="0"/>
+                <a:ea typeface="Arial" charset="0"/>
+                <a:cs typeface="Arial" charset="0"/>
                 <a:sym typeface="Cabin"/>
               </a:rPr>
               <a:t>Objects get created and used</a:t>
@@ -19999,13 +20122,13 @@
               <a:buNone/>
             </a:pPr>
             <a:r>
-              <a:rPr lang="en" sz="2400" b="0" i="0" u="none" strike="noStrike" cap="none">
-                <a:solidFill>
-                  <a:srgbClr val="FFFFFF"/>
-                </a:solidFill>
-                <a:latin typeface="Cabin"/>
-                <a:ea typeface="Cabin"/>
-                <a:cs typeface="Cabin"/>
+              <a:rPr lang="en" sz="2400" u="none" strike="noStrike" cap="none">
+                <a:solidFill>
+                  <a:srgbClr val="FFFFFF"/>
+                </a:solidFill>
+                <a:latin typeface="Arial" charset="0"/>
+                <a:ea typeface="Arial" charset="0"/>
+                <a:cs typeface="Arial" charset="0"/>
                 <a:sym typeface="Cabin"/>
               </a:rPr>
               <a:t>Code/Data</a:t>
@@ -20058,13 +20181,13 @@
               <a:buNone/>
             </a:pPr>
             <a:r>
-              <a:rPr lang="en" sz="2600" b="0" i="0" u="none" strike="noStrike" cap="none">
+              <a:rPr lang="en" sz="2600" u="none" strike="noStrike" cap="none">
                 <a:solidFill>
                   <a:srgbClr val="000000"/>
                 </a:solidFill>
-                <a:latin typeface="Cabin"/>
-                <a:ea typeface="Cabin"/>
-                <a:cs typeface="Cabin"/>
+                <a:latin typeface="Arial" charset="0"/>
+                <a:ea typeface="Arial" charset="0"/>
+                <a:cs typeface="Arial" charset="0"/>
                 <a:sym typeface="Cabin"/>
               </a:rPr>
               <a:t>Input</a:t>
@@ -20117,13 +20240,13 @@
               <a:buNone/>
             </a:pPr>
             <a:r>
-              <a:rPr lang="en" sz="2600" b="0" i="0" u="none" strike="noStrike" cap="none">
+              <a:rPr lang="en" sz="2600" u="none" strike="noStrike" cap="none">
                 <a:solidFill>
                   <a:srgbClr val="000000"/>
                 </a:solidFill>
-                <a:latin typeface="Cabin"/>
-                <a:ea typeface="Cabin"/>
-                <a:cs typeface="Cabin"/>
+                <a:latin typeface="Arial" charset="0"/>
+                <a:ea typeface="Arial" charset="0"/>
+                <a:cs typeface="Arial" charset="0"/>
                 <a:sym typeface="Cabin"/>
               </a:rPr>
               <a:t>Output</a:t>
@@ -20176,13 +20299,13 @@
               <a:buNone/>
             </a:pPr>
             <a:r>
-              <a:rPr lang="en" sz="2400" b="0" i="0" u="none" strike="noStrike" cap="none">
-                <a:solidFill>
-                  <a:srgbClr val="FFFFFF"/>
-                </a:solidFill>
-                <a:latin typeface="Cabin"/>
-                <a:ea typeface="Cabin"/>
-                <a:cs typeface="Cabin"/>
+              <a:rPr lang="en" sz="2400" u="none" strike="noStrike" cap="none">
+                <a:solidFill>
+                  <a:srgbClr val="FFFFFF"/>
+                </a:solidFill>
+                <a:latin typeface="Arial" charset="0"/>
+                <a:ea typeface="Arial" charset="0"/>
+                <a:cs typeface="Arial" charset="0"/>
                 <a:sym typeface="Cabin"/>
               </a:rPr>
               <a:t>Code/Data</a:t>
@@ -20235,13 +20358,13 @@
               <a:buNone/>
             </a:pPr>
             <a:r>
-              <a:rPr lang="en" sz="2400" b="0" i="0" u="none" strike="noStrike" cap="none">
-                <a:solidFill>
-                  <a:srgbClr val="FFFFFF"/>
-                </a:solidFill>
-                <a:latin typeface="Cabin"/>
-                <a:ea typeface="Cabin"/>
-                <a:cs typeface="Cabin"/>
+              <a:rPr lang="en" sz="2400" u="none" strike="noStrike" cap="none">
+                <a:solidFill>
+                  <a:srgbClr val="FFFFFF"/>
+                </a:solidFill>
+                <a:latin typeface="Arial" charset="0"/>
+                <a:ea typeface="Arial" charset="0"/>
+                <a:cs typeface="Arial" charset="0"/>
                 <a:sym typeface="Cabin"/>
               </a:rPr>
               <a:t>Code/Data</a:t>
@@ -20294,13 +20417,13 @@
               <a:buNone/>
             </a:pPr>
             <a:r>
-              <a:rPr lang="en" sz="2400" b="0" i="0" u="none" strike="noStrike" cap="none">
-                <a:solidFill>
-                  <a:srgbClr val="FFFFFF"/>
-                </a:solidFill>
-                <a:latin typeface="Cabin"/>
-                <a:ea typeface="Cabin"/>
-                <a:cs typeface="Cabin"/>
+              <a:rPr lang="en" sz="2400" u="none" strike="noStrike" cap="none">
+                <a:solidFill>
+                  <a:srgbClr val="FFFFFF"/>
+                </a:solidFill>
+                <a:latin typeface="Arial" charset="0"/>
+                <a:ea typeface="Arial" charset="0"/>
+                <a:cs typeface="Arial" charset="0"/>
                 <a:sym typeface="Cabin"/>
               </a:rPr>
               <a:t>Code/Data</a:t>
@@ -20533,13 +20656,13 @@
               <a:buNone/>
             </a:pPr>
             <a:r>
-              <a:rPr lang="en" sz="2300" b="0" i="0" u="none" strike="noStrike" cap="none">
-                <a:solidFill>
-                  <a:srgbClr val="FFFFFF"/>
-                </a:solidFill>
-                <a:latin typeface="Cabin"/>
-                <a:ea typeface="Cabin"/>
-                <a:cs typeface="Cabin"/>
+              <a:rPr lang="en" sz="2300" u="none" strike="noStrike" cap="none">
+                <a:solidFill>
+                  <a:srgbClr val="FFFFFF"/>
+                </a:solidFill>
+                <a:latin typeface="Arial" charset="0"/>
+                <a:ea typeface="Arial" charset="0"/>
+                <a:cs typeface="Arial" charset="0"/>
                 <a:sym typeface="Cabin"/>
               </a:rPr>
               <a:t>Objects are bits of code and data</a:t>
@@ -20644,13 +20767,13 @@
               <a:buNone/>
             </a:pPr>
             <a:r>
-              <a:rPr lang="en" sz="2400" b="0" i="0" u="none" strike="noStrike" cap="none">
-                <a:solidFill>
-                  <a:srgbClr val="FFFFFF"/>
-                </a:solidFill>
-                <a:latin typeface="Cabin"/>
-                <a:ea typeface="Cabin"/>
-                <a:cs typeface="Cabin"/>
+              <a:rPr lang="en" sz="2400" u="none" strike="noStrike" cap="none">
+                <a:solidFill>
+                  <a:srgbClr val="FFFFFF"/>
+                </a:solidFill>
+                <a:latin typeface="Arial" charset="0"/>
+                <a:ea typeface="Arial" charset="0"/>
+                <a:cs typeface="Arial" charset="0"/>
                 <a:sym typeface="Cabin"/>
               </a:rPr>
               <a:t>Code/Data</a:t>
@@ -20703,13 +20826,13 @@
               <a:buNone/>
             </a:pPr>
             <a:r>
-              <a:rPr lang="en" sz="2600" b="0" i="0" u="none" strike="noStrike" cap="none">
+              <a:rPr lang="en" sz="2600" u="none" strike="noStrike" cap="none">
                 <a:solidFill>
                   <a:srgbClr val="000000"/>
                 </a:solidFill>
-                <a:latin typeface="Cabin"/>
-                <a:ea typeface="Cabin"/>
-                <a:cs typeface="Cabin"/>
+                <a:latin typeface="Arial" charset="0"/>
+                <a:ea typeface="Arial" charset="0"/>
+                <a:cs typeface="Arial" charset="0"/>
                 <a:sym typeface="Cabin"/>
               </a:rPr>
               <a:t>Input</a:t>
@@ -20762,13 +20885,13 @@
               <a:buNone/>
             </a:pPr>
             <a:r>
-              <a:rPr lang="en" sz="2600" b="0" i="0" u="none" strike="noStrike" cap="none">
+              <a:rPr lang="en" sz="2600" u="none" strike="noStrike" cap="none">
                 <a:solidFill>
                   <a:srgbClr val="000000"/>
                 </a:solidFill>
-                <a:latin typeface="Cabin"/>
-                <a:ea typeface="Cabin"/>
-                <a:cs typeface="Cabin"/>
+                <a:latin typeface="Arial" charset="0"/>
+                <a:ea typeface="Arial" charset="0"/>
+                <a:cs typeface="Arial" charset="0"/>
                 <a:sym typeface="Cabin"/>
               </a:rPr>
               <a:t>Output</a:t>
@@ -20821,13 +20944,13 @@
               <a:buNone/>
             </a:pPr>
             <a:r>
-              <a:rPr lang="en" sz="2400" b="0" i="0" u="none" strike="noStrike" cap="none">
-                <a:solidFill>
-                  <a:srgbClr val="FFFFFF"/>
-                </a:solidFill>
-                <a:latin typeface="Cabin"/>
-                <a:ea typeface="Cabin"/>
-                <a:cs typeface="Cabin"/>
+              <a:rPr lang="en" sz="2400" u="none" strike="noStrike" cap="none">
+                <a:solidFill>
+                  <a:srgbClr val="FFFFFF"/>
+                </a:solidFill>
+                <a:latin typeface="Arial" charset="0"/>
+                <a:ea typeface="Arial" charset="0"/>
+                <a:cs typeface="Arial" charset="0"/>
                 <a:sym typeface="Cabin"/>
               </a:rPr>
               <a:t>Code/Data</a:t>
@@ -20880,13 +21003,13 @@
               <a:buNone/>
             </a:pPr>
             <a:r>
-              <a:rPr lang="en" sz="2400" b="0" i="0" u="none" strike="noStrike" cap="none">
-                <a:solidFill>
-                  <a:srgbClr val="FFFFFF"/>
-                </a:solidFill>
-                <a:latin typeface="Cabin"/>
-                <a:ea typeface="Cabin"/>
-                <a:cs typeface="Cabin"/>
+              <a:rPr lang="en" sz="2400" u="none" strike="noStrike" cap="none">
+                <a:solidFill>
+                  <a:srgbClr val="FFFFFF"/>
+                </a:solidFill>
+                <a:latin typeface="Arial" charset="0"/>
+                <a:ea typeface="Arial" charset="0"/>
+                <a:cs typeface="Arial" charset="0"/>
                 <a:sym typeface="Cabin"/>
               </a:rPr>
               <a:t>Code/Data</a:t>
@@ -20939,13 +21062,13 @@
               <a:buNone/>
             </a:pPr>
             <a:r>
-              <a:rPr lang="en" sz="2400" b="0" i="0" u="none" strike="noStrike" cap="none">
-                <a:solidFill>
-                  <a:srgbClr val="FFFFFF"/>
-                </a:solidFill>
-                <a:latin typeface="Cabin"/>
-                <a:ea typeface="Cabin"/>
-                <a:cs typeface="Cabin"/>
+              <a:rPr lang="en" sz="2400" u="none" strike="noStrike" cap="none">
+                <a:solidFill>
+                  <a:srgbClr val="FFFFFF"/>
+                </a:solidFill>
+                <a:latin typeface="Arial" charset="0"/>
+                <a:ea typeface="Arial" charset="0"/>
+                <a:cs typeface="Arial" charset="0"/>
                 <a:sym typeface="Cabin"/>
               </a:rPr>
               <a:t>Code/Data</a:t>
@@ -21180,13 +21303,13 @@
               <a:buFont typeface="Cabin"/>
               <a:buNone/>
             </a:pPr>
-            <a:endParaRPr sz="2300" b="0" i="0" u="none" strike="noStrike" cap="none">
+            <a:endParaRPr sz="2300" u="none" strike="noStrike" cap="none">
               <a:solidFill>
                 <a:srgbClr val="FFFFFF"/>
               </a:solidFill>
-              <a:latin typeface="Cabin"/>
-              <a:ea typeface="Cabin"/>
-              <a:cs typeface="Cabin"/>
+              <a:latin typeface="Arial" charset="0"/>
+              <a:ea typeface="Arial" charset="0"/>
+              <a:cs typeface="Arial" charset="0"/>
               <a:sym typeface="Cabin"/>
             </a:endParaRPr>
           </a:p>
@@ -21237,13 +21360,13 @@
               <a:buFont typeface="Cabin"/>
               <a:buNone/>
             </a:pPr>
-            <a:endParaRPr sz="2300" b="0" i="0" u="none" strike="noStrike" cap="none">
+            <a:endParaRPr sz="2300" u="none" strike="noStrike" cap="none">
               <a:solidFill>
                 <a:srgbClr val="FFFFFF"/>
               </a:solidFill>
-              <a:latin typeface="Cabin"/>
-              <a:ea typeface="Cabin"/>
-              <a:cs typeface="Cabin"/>
+              <a:latin typeface="Arial" charset="0"/>
+              <a:ea typeface="Arial" charset="0"/>
+              <a:cs typeface="Arial" charset="0"/>
               <a:sym typeface="Cabin"/>
             </a:endParaRPr>
           </a:p>
@@ -21294,13 +21417,13 @@
               <a:buFont typeface="Cabin"/>
               <a:buNone/>
             </a:pPr>
-            <a:endParaRPr sz="2300" b="0" i="0" u="none" strike="noStrike" cap="none">
+            <a:endParaRPr sz="2300" u="none" strike="noStrike" cap="none">
               <a:solidFill>
                 <a:srgbClr val="FFFFFF"/>
               </a:solidFill>
-              <a:latin typeface="Cabin"/>
-              <a:ea typeface="Cabin"/>
-              <a:cs typeface="Cabin"/>
+              <a:latin typeface="Arial" charset="0"/>
+              <a:ea typeface="Arial" charset="0"/>
+              <a:cs typeface="Arial" charset="0"/>
               <a:sym typeface="Cabin"/>
             </a:endParaRPr>
           </a:p>
@@ -21351,13 +21474,13 @@
               <a:buFont typeface="Cabin"/>
               <a:buNone/>
             </a:pPr>
-            <a:endParaRPr sz="2300" b="0" i="0" u="none" strike="noStrike" cap="none">
+            <a:endParaRPr sz="2300" u="none" strike="noStrike" cap="none">
               <a:solidFill>
                 <a:srgbClr val="FFFFFF"/>
               </a:solidFill>
-              <a:latin typeface="Cabin"/>
-              <a:ea typeface="Cabin"/>
-              <a:cs typeface="Cabin"/>
+              <a:latin typeface="Arial" charset="0"/>
+              <a:ea typeface="Arial" charset="0"/>
+              <a:cs typeface="Arial" charset="0"/>
               <a:sym typeface="Cabin"/>
             </a:endParaRPr>
           </a:p>
@@ -21406,13 +21529,13 @@
               <a:buNone/>
             </a:pPr>
             <a:r>
-              <a:rPr lang="en" sz="2300" b="0" i="0" u="none" strike="noStrike" cap="none">
-                <a:solidFill>
-                  <a:srgbClr val="FFFFFF"/>
-                </a:solidFill>
-                <a:latin typeface="Cabin"/>
-                <a:ea typeface="Cabin"/>
-                <a:cs typeface="Cabin"/>
+              <a:rPr lang="en" sz="2300" u="none" strike="noStrike" cap="none">
+                <a:solidFill>
+                  <a:srgbClr val="FFFFFF"/>
+                </a:solidFill>
+                <a:latin typeface="Arial" charset="0"/>
+                <a:ea typeface="Arial" charset="0"/>
+                <a:cs typeface="Arial" charset="0"/>
                 <a:sym typeface="Cabin"/>
               </a:rPr>
               <a:t>Objects hide detail - they allow us to ignore the detail of the “rest of the program”.</a:t>
@@ -21517,13 +21640,13 @@
               <a:buNone/>
             </a:pPr>
             <a:r>
-              <a:rPr lang="en" sz="2400" b="0" i="0" u="none" strike="noStrike" cap="none">
-                <a:solidFill>
-                  <a:srgbClr val="FFFFFF"/>
-                </a:solidFill>
-                <a:latin typeface="Cabin"/>
-                <a:ea typeface="Cabin"/>
-                <a:cs typeface="Cabin"/>
+              <a:rPr lang="en" sz="2400" u="none" strike="noStrike" cap="none">
+                <a:solidFill>
+                  <a:srgbClr val="FFFFFF"/>
+                </a:solidFill>
+                <a:latin typeface="Arial" charset="0"/>
+                <a:ea typeface="Arial" charset="0"/>
+                <a:cs typeface="Arial" charset="0"/>
                 <a:sym typeface="Cabin"/>
               </a:rPr>
               <a:t>Code/Data</a:t>
@@ -21576,13 +21699,13 @@
               <a:buNone/>
             </a:pPr>
             <a:r>
-              <a:rPr lang="en" sz="2600" b="0" i="0" u="none" strike="noStrike" cap="none">
+              <a:rPr lang="en" sz="2600" u="none" strike="noStrike" cap="none">
                 <a:solidFill>
                   <a:srgbClr val="000000"/>
                 </a:solidFill>
-                <a:latin typeface="Cabin"/>
-                <a:ea typeface="Cabin"/>
-                <a:cs typeface="Cabin"/>
+                <a:latin typeface="Arial" charset="0"/>
+                <a:ea typeface="Arial" charset="0"/>
+                <a:cs typeface="Arial" charset="0"/>
                 <a:sym typeface="Cabin"/>
               </a:rPr>
               <a:t>Input</a:t>
@@ -21635,13 +21758,13 @@
               <a:buNone/>
             </a:pPr>
             <a:r>
-              <a:rPr lang="en" sz="2600" b="0" i="0" u="none" strike="noStrike" cap="none">
+              <a:rPr lang="en" sz="2600" u="none" strike="noStrike" cap="none">
                 <a:solidFill>
                   <a:srgbClr val="000000"/>
                 </a:solidFill>
-                <a:latin typeface="Cabin"/>
-                <a:ea typeface="Cabin"/>
-                <a:cs typeface="Cabin"/>
+                <a:latin typeface="Arial" charset="0"/>
+                <a:ea typeface="Arial" charset="0"/>
+                <a:cs typeface="Arial" charset="0"/>
                 <a:sym typeface="Cabin"/>
               </a:rPr>
               <a:t>Output</a:t>
@@ -21694,13 +21817,13 @@
               <a:buNone/>
             </a:pPr>
             <a:r>
-              <a:rPr lang="en" sz="2400" b="0" i="0" u="none" strike="noStrike" cap="none">
-                <a:solidFill>
-                  <a:srgbClr val="FFFFFF"/>
-                </a:solidFill>
-                <a:latin typeface="Cabin"/>
-                <a:ea typeface="Cabin"/>
-                <a:cs typeface="Cabin"/>
+              <a:rPr lang="en" sz="2400" u="none" strike="noStrike" cap="none">
+                <a:solidFill>
+                  <a:srgbClr val="FFFFFF"/>
+                </a:solidFill>
+                <a:latin typeface="Arial" charset="0"/>
+                <a:ea typeface="Arial" charset="0"/>
+                <a:cs typeface="Arial" charset="0"/>
                 <a:sym typeface="Cabin"/>
               </a:rPr>
               <a:t>Code/Data</a:t>
@@ -21753,13 +21876,13 @@
               <a:buNone/>
             </a:pPr>
             <a:r>
-              <a:rPr lang="en" sz="2400" b="0" i="0" u="none" strike="noStrike" cap="none">
-                <a:solidFill>
-                  <a:srgbClr val="FFFFFF"/>
-                </a:solidFill>
-                <a:latin typeface="Cabin"/>
-                <a:ea typeface="Cabin"/>
-                <a:cs typeface="Cabin"/>
+              <a:rPr lang="en" sz="2400" u="none" strike="noStrike" cap="none">
+                <a:solidFill>
+                  <a:srgbClr val="FFFFFF"/>
+                </a:solidFill>
+                <a:latin typeface="Arial" charset="0"/>
+                <a:ea typeface="Arial" charset="0"/>
+                <a:cs typeface="Arial" charset="0"/>
                 <a:sym typeface="Cabin"/>
               </a:rPr>
               <a:t>Code/Data</a:t>
@@ -21812,13 +21935,13 @@
               <a:buNone/>
             </a:pPr>
             <a:r>
-              <a:rPr lang="en" sz="2400" b="0" i="0" u="none" strike="noStrike" cap="none">
-                <a:solidFill>
-                  <a:srgbClr val="FFFFFF"/>
-                </a:solidFill>
-                <a:latin typeface="Cabin"/>
-                <a:ea typeface="Cabin"/>
-                <a:cs typeface="Cabin"/>
+              <a:rPr lang="en" sz="2400" u="none" strike="noStrike" cap="none">
+                <a:solidFill>
+                  <a:srgbClr val="FFFFFF"/>
+                </a:solidFill>
+                <a:latin typeface="Arial" charset="0"/>
+                <a:ea typeface="Arial" charset="0"/>
+                <a:cs typeface="Arial" charset="0"/>
                 <a:sym typeface="Cabin"/>
               </a:rPr>
               <a:t>Code/Data</a:t>
@@ -22053,13 +22176,13 @@
               <a:buFont typeface="Cabin"/>
               <a:buNone/>
             </a:pPr>
-            <a:endParaRPr sz="2300" b="0" i="0" u="none" strike="noStrike" cap="none">
+            <a:endParaRPr sz="2300" u="none" strike="noStrike" cap="none">
               <a:solidFill>
                 <a:srgbClr val="FFFFFF"/>
               </a:solidFill>
-              <a:latin typeface="Cabin"/>
-              <a:ea typeface="Cabin"/>
-              <a:cs typeface="Cabin"/>
+              <a:latin typeface="Arial" charset="0"/>
+              <a:ea typeface="Arial" charset="0"/>
+              <a:cs typeface="Arial" charset="0"/>
               <a:sym typeface="Cabin"/>
             </a:endParaRPr>
           </a:p>
@@ -22108,13 +22231,13 @@
               <a:buNone/>
             </a:pPr>
             <a:r>
-              <a:rPr lang="en" sz="2300" b="0" i="0" u="none" strike="noStrike" cap="none">
-                <a:solidFill>
-                  <a:srgbClr val="FFFFFF"/>
-                </a:solidFill>
-                <a:latin typeface="Cabin"/>
-                <a:ea typeface="Cabin"/>
-                <a:cs typeface="Cabin"/>
+              <a:rPr lang="en" sz="2300" u="none" strike="noStrike" cap="none">
+                <a:solidFill>
+                  <a:srgbClr val="FFFFFF"/>
+                </a:solidFill>
+                <a:latin typeface="Arial" charset="0"/>
+                <a:ea typeface="Arial" charset="0"/>
+                <a:cs typeface="Arial" charset="0"/>
                 <a:sym typeface="Cabin"/>
               </a:rPr>
               <a:t>Objects hide detail - they allow the “rest of the program” to ignore the detail about “us”.</a:t>
@@ -22194,13 +22317,10 @@
               <a:buNone/>
             </a:pPr>
             <a:r>
-              <a:rPr lang="en" sz="4700" b="0" i="0" u="none" strike="noStrike" cap="none">
+              <a:rPr lang="en" sz="4700" u="none" strike="noStrike" cap="none">
                 <a:solidFill>
                   <a:srgbClr val="FFD966"/>
                 </a:solidFill>
-                <a:latin typeface="Cabin"/>
-                <a:ea typeface="Cabin"/>
-                <a:cs typeface="Cabin"/>
                 <a:sym typeface="Cabin"/>
               </a:rPr>
               <a:t>Definitions</a:t>
@@ -22251,25 +22371,19 @@
               <a:buFont typeface="Cabin"/>
             </a:pPr>
             <a:r>
-              <a:rPr lang="en" sz="2300" b="0" i="0" u="none" strike="noStrike" cap="none">
+              <a:rPr lang="en" sz="2300" u="none" strike="noStrike" cap="none">
                 <a:solidFill>
                   <a:srgbClr val="FF9300"/>
                 </a:solidFill>
-                <a:latin typeface="Cabin"/>
-                <a:ea typeface="Cabin"/>
-                <a:cs typeface="Cabin"/>
                 <a:sym typeface="Cabin"/>
               </a:rPr>
               <a:t>Class</a:t>
             </a:r>
             <a:r>
-              <a:rPr lang="en" sz="2300" b="0" i="0" u="none" strike="noStrike" cap="none">
-                <a:solidFill>
-                  <a:srgbClr val="FFFFFF"/>
-                </a:solidFill>
-                <a:latin typeface="Cabin"/>
-                <a:ea typeface="Cabin"/>
-                <a:cs typeface="Cabin"/>
+              <a:rPr lang="en" sz="2300" u="none" strike="noStrike" cap="none">
+                <a:solidFill>
+                  <a:srgbClr val="FFFFFF"/>
+                </a:solidFill>
                 <a:sym typeface="Cabin"/>
               </a:rPr>
               <a:t> - a template - Dog</a:t>
@@ -22290,25 +22404,19 @@
               <a:buFont typeface="Cabin"/>
             </a:pPr>
             <a:r>
-              <a:rPr lang="en" sz="2300" b="0" i="0" u="none" strike="noStrike" cap="none">
+              <a:rPr lang="en" sz="2300" u="none" strike="noStrike" cap="none">
                 <a:solidFill>
                   <a:srgbClr val="FF9300"/>
                 </a:solidFill>
-                <a:latin typeface="Cabin"/>
-                <a:ea typeface="Cabin"/>
-                <a:cs typeface="Cabin"/>
                 <a:sym typeface="Cabin"/>
               </a:rPr>
               <a:t>Method or Message </a:t>
             </a:r>
             <a:r>
-              <a:rPr lang="en" sz="2300" b="0" i="0" u="none" strike="noStrike" cap="none">
-                <a:solidFill>
-                  <a:srgbClr val="FFFFFF"/>
-                </a:solidFill>
-                <a:latin typeface="Cabin"/>
-                <a:ea typeface="Cabin"/>
-                <a:cs typeface="Cabin"/>
+              <a:rPr lang="en" sz="2300" u="none" strike="noStrike" cap="none">
+                <a:solidFill>
+                  <a:srgbClr val="FFFFFF"/>
+                </a:solidFill>
                 <a:sym typeface="Cabin"/>
               </a:rPr>
               <a:t>- A defined capability of a class - bark()</a:t>
@@ -22329,25 +22437,19 @@
               <a:buFont typeface="Cabin"/>
             </a:pPr>
             <a:r>
-              <a:rPr lang="en" sz="2300" b="0" i="0" u="none" strike="noStrike" cap="none">
+              <a:rPr lang="en" sz="2300" u="none" strike="noStrike" cap="none">
                 <a:solidFill>
                   <a:srgbClr val="FF9300"/>
                 </a:solidFill>
-                <a:latin typeface="Cabin"/>
-                <a:ea typeface="Cabin"/>
-                <a:cs typeface="Cabin"/>
                 <a:sym typeface="Cabin"/>
               </a:rPr>
               <a:t>Field or attribute</a:t>
             </a:r>
             <a:r>
-              <a:rPr lang="en" sz="2300" b="0" i="0" u="none" strike="noStrike" cap="none">
-                <a:solidFill>
-                  <a:srgbClr val="FFFFFF"/>
-                </a:solidFill>
-                <a:latin typeface="Cabin"/>
-                <a:ea typeface="Cabin"/>
-                <a:cs typeface="Cabin"/>
+              <a:rPr lang="en" sz="2300" u="none" strike="noStrike" cap="none">
+                <a:solidFill>
+                  <a:srgbClr val="FFFFFF"/>
+                </a:solidFill>
                 <a:sym typeface="Cabin"/>
               </a:rPr>
               <a:t>- A bit of data in a class - length</a:t>
@@ -22368,25 +22470,19 @@
               <a:buFont typeface="Cabin"/>
             </a:pPr>
             <a:r>
-              <a:rPr lang="en" sz="2300" b="0" i="0" u="none" strike="noStrike" cap="none">
+              <a:rPr lang="en" sz="2300" u="none" strike="noStrike" cap="none">
                 <a:solidFill>
                   <a:srgbClr val="FF9300"/>
                 </a:solidFill>
-                <a:latin typeface="Cabin"/>
-                <a:ea typeface="Cabin"/>
-                <a:cs typeface="Cabin"/>
                 <a:sym typeface="Cabin"/>
               </a:rPr>
               <a:t>Object or Instance</a:t>
             </a:r>
             <a:r>
-              <a:rPr lang="en" sz="2300" b="0" i="0" u="none" strike="noStrike" cap="none">
-                <a:solidFill>
-                  <a:srgbClr val="FFFFFF"/>
-                </a:solidFill>
-                <a:latin typeface="Cabin"/>
-                <a:ea typeface="Cabin"/>
-                <a:cs typeface="Cabin"/>
+              <a:rPr lang="en" sz="2300" u="none" strike="noStrike" cap="none">
+                <a:solidFill>
+                  <a:srgbClr val="FFFFFF"/>
+                </a:solidFill>
                 <a:sym typeface="Cabin"/>
               </a:rPr>
               <a:t> - A particular instance of a class - Lassie</a:t>
@@ -22493,25 +22589,19 @@
               <a:buNone/>
             </a:pPr>
             <a:r>
-              <a:rPr lang="en" sz="4700" b="0" i="0" u="none" strike="noStrike" cap="none">
-                <a:solidFill>
-                  <a:srgbClr val="FFFFFF"/>
-                </a:solidFill>
-                <a:latin typeface="Cabin"/>
-                <a:ea typeface="Cabin"/>
-                <a:cs typeface="Cabin"/>
+              <a:rPr lang="en" sz="4700" u="none" strike="noStrike" cap="none">
+                <a:solidFill>
+                  <a:srgbClr val="FFFFFF"/>
+                </a:solidFill>
                 <a:sym typeface="Cabin"/>
               </a:rPr>
               <a:t>Terminology: </a:t>
             </a:r>
             <a:r>
-              <a:rPr lang="en" sz="4700" b="0" i="0" u="none" strike="noStrike" cap="none">
+              <a:rPr lang="en" sz="4700" u="none" strike="noStrike" cap="none">
                 <a:solidFill>
                   <a:srgbClr val="FF9300"/>
                 </a:solidFill>
-                <a:latin typeface="Cabin"/>
-                <a:ea typeface="Cabin"/>
-                <a:cs typeface="Cabin"/>
                 <a:sym typeface="Cabin"/>
               </a:rPr>
               <a:t>Class</a:t>
@@ -22562,13 +22652,13 @@
               <a:buNone/>
             </a:pPr>
             <a:r>
-              <a:rPr lang="en" sz="2300" b="0" i="0" u="none" strike="noStrike" cap="none">
-                <a:solidFill>
-                  <a:srgbClr val="FFFFFF"/>
-                </a:solidFill>
-                <a:latin typeface="Cabin"/>
-                <a:ea typeface="Cabin"/>
-                <a:cs typeface="Cabin"/>
+              <a:rPr lang="en" sz="2300" u="none" strike="noStrike" cap="none">
+                <a:solidFill>
+                  <a:srgbClr val="FFFFFF"/>
+                </a:solidFill>
+                <a:latin typeface="Arial" charset="0"/>
+                <a:ea typeface="Arial" charset="0"/>
+                <a:cs typeface="Arial" charset="0"/>
                 <a:sym typeface="Cabin"/>
               </a:rPr>
               <a:t>http://en.wikipedia.org/wiki/Object-oriented_programming</a:t>
@@ -22619,157 +22709,157 @@
               <a:buNone/>
             </a:pPr>
             <a:r>
-              <a:rPr lang="en" sz="2300" b="0" i="0" u="none" strike="noStrike" cap="none">
-                <a:solidFill>
-                  <a:srgbClr val="FFFFFF"/>
-                </a:solidFill>
-                <a:latin typeface="Cabin"/>
-                <a:ea typeface="Cabin"/>
-                <a:cs typeface="Cabin"/>
+              <a:rPr lang="en" sz="2300" u="none" strike="noStrike" cap="none">
+                <a:solidFill>
+                  <a:srgbClr val="FFFFFF"/>
+                </a:solidFill>
+                <a:latin typeface="Arial" charset="0"/>
+                <a:ea typeface="Arial" charset="0"/>
+                <a:cs typeface="Arial" charset="0"/>
                 <a:sym typeface="Cabin"/>
               </a:rPr>
               <a:t>Defines the abstract characteristics of a thing (object), including the thing's characteristics (its attributes, </a:t>
             </a:r>
             <a:r>
-              <a:rPr lang="en" sz="2300" b="0" i="0" u="none" strike="noStrike" cap="none">
+              <a:rPr lang="en" sz="2300" u="none" strike="noStrike" cap="none">
                 <a:solidFill>
                   <a:srgbClr val="1DFF63"/>
                 </a:solidFill>
-                <a:latin typeface="Cabin"/>
-                <a:ea typeface="Cabin"/>
-                <a:cs typeface="Cabin"/>
+                <a:latin typeface="Arial" charset="0"/>
+                <a:ea typeface="Arial" charset="0"/>
+                <a:cs typeface="Arial" charset="0"/>
                 <a:sym typeface="Cabin"/>
               </a:rPr>
               <a:t>fields</a:t>
             </a:r>
             <a:r>
-              <a:rPr lang="en" sz="2300" b="0" i="0" u="none" strike="noStrike" cap="none">
-                <a:solidFill>
-                  <a:srgbClr val="FFFFFF"/>
-                </a:solidFill>
-                <a:latin typeface="Cabin"/>
-                <a:ea typeface="Cabin"/>
-                <a:cs typeface="Cabin"/>
+              <a:rPr lang="en" sz="2300" u="none" strike="noStrike" cap="none">
+                <a:solidFill>
+                  <a:srgbClr val="FFFFFF"/>
+                </a:solidFill>
+                <a:latin typeface="Arial" charset="0"/>
+                <a:ea typeface="Arial" charset="0"/>
+                <a:cs typeface="Arial" charset="0"/>
                 <a:sym typeface="Cabin"/>
               </a:rPr>
               <a:t> or </a:t>
             </a:r>
             <a:r>
-              <a:rPr lang="en" sz="2300" b="0" i="0" u="none" strike="noStrike" cap="none">
+              <a:rPr lang="en" sz="2300" u="none" strike="noStrike" cap="none">
                 <a:solidFill>
                   <a:srgbClr val="1FFF66"/>
                 </a:solidFill>
-                <a:latin typeface="Cabin"/>
-                <a:ea typeface="Cabin"/>
-                <a:cs typeface="Cabin"/>
+                <a:latin typeface="Arial" charset="0"/>
+                <a:ea typeface="Arial" charset="0"/>
+                <a:cs typeface="Arial" charset="0"/>
                 <a:sym typeface="Cabin"/>
               </a:rPr>
               <a:t>properties</a:t>
             </a:r>
             <a:r>
-              <a:rPr lang="en" sz="2300" b="0" i="0" u="none" strike="noStrike" cap="none">
-                <a:solidFill>
-                  <a:srgbClr val="FFFFFF"/>
-                </a:solidFill>
-                <a:latin typeface="Cabin"/>
-                <a:ea typeface="Cabin"/>
-                <a:cs typeface="Cabin"/>
+              <a:rPr lang="en" sz="2300" u="none" strike="noStrike" cap="none">
+                <a:solidFill>
+                  <a:srgbClr val="FFFFFF"/>
+                </a:solidFill>
+                <a:latin typeface="Arial" charset="0"/>
+                <a:ea typeface="Arial" charset="0"/>
+                <a:cs typeface="Arial" charset="0"/>
                 <a:sym typeface="Cabin"/>
               </a:rPr>
               <a:t>) and the thing's behaviors (the things it can do, or </a:t>
             </a:r>
             <a:r>
-              <a:rPr lang="en" sz="2300" b="0" i="0" u="none" strike="noStrike" cap="none">
+              <a:rPr lang="en" sz="2300" u="none" strike="noStrike" cap="none">
                 <a:solidFill>
                   <a:srgbClr val="1FFF66"/>
                 </a:solidFill>
-                <a:latin typeface="Cabin"/>
-                <a:ea typeface="Cabin"/>
-                <a:cs typeface="Cabin"/>
+                <a:latin typeface="Arial" charset="0"/>
+                <a:ea typeface="Arial" charset="0"/>
+                <a:cs typeface="Arial" charset="0"/>
                 <a:sym typeface="Cabin"/>
               </a:rPr>
               <a:t>methods</a:t>
             </a:r>
             <a:r>
-              <a:rPr lang="en" sz="2300" b="0" i="0" u="none" strike="noStrike" cap="none">
-                <a:solidFill>
-                  <a:srgbClr val="FFFFFF"/>
-                </a:solidFill>
-                <a:latin typeface="Cabin"/>
-                <a:ea typeface="Cabin"/>
-                <a:cs typeface="Cabin"/>
+              <a:rPr lang="en" sz="2300" u="none" strike="noStrike" cap="none">
+                <a:solidFill>
+                  <a:srgbClr val="FFFFFF"/>
+                </a:solidFill>
+                <a:latin typeface="Arial" charset="0"/>
+                <a:ea typeface="Arial" charset="0"/>
+                <a:cs typeface="Arial" charset="0"/>
                 <a:sym typeface="Cabin"/>
               </a:rPr>
               <a:t>, operations or features). One might say that a </a:t>
             </a:r>
             <a:r>
-              <a:rPr lang="en" sz="2300" b="0" i="0" u="none" strike="noStrike" cap="none">
+              <a:rPr lang="en" sz="2300" u="none" strike="noStrike" cap="none">
                 <a:solidFill>
                   <a:srgbClr val="FF9300"/>
                 </a:solidFill>
-                <a:latin typeface="Cabin"/>
-                <a:ea typeface="Cabin"/>
-                <a:cs typeface="Cabin"/>
+                <a:latin typeface="Arial" charset="0"/>
+                <a:ea typeface="Arial" charset="0"/>
+                <a:cs typeface="Arial" charset="0"/>
                 <a:sym typeface="Cabin"/>
               </a:rPr>
               <a:t>class</a:t>
             </a:r>
             <a:r>
-              <a:rPr lang="en" sz="2300" b="0" i="0" u="none" strike="noStrike" cap="none">
-                <a:solidFill>
-                  <a:srgbClr val="FFFFFF"/>
-                </a:solidFill>
-                <a:latin typeface="Cabin"/>
-                <a:ea typeface="Cabin"/>
-                <a:cs typeface="Cabin"/>
+              <a:rPr lang="en" sz="2300" u="none" strike="noStrike" cap="none">
+                <a:solidFill>
+                  <a:srgbClr val="FFFFFF"/>
+                </a:solidFill>
+                <a:latin typeface="Arial" charset="0"/>
+                <a:ea typeface="Arial" charset="0"/>
+                <a:cs typeface="Arial" charset="0"/>
                 <a:sym typeface="Cabin"/>
               </a:rPr>
               <a:t> is a </a:t>
             </a:r>
             <a:r>
-              <a:rPr lang="en" sz="2300" b="0" i="0" u="none" strike="noStrike" cap="none">
+              <a:rPr lang="en" sz="2300" u="none" strike="noStrike" cap="none">
                 <a:solidFill>
                   <a:srgbClr val="FF9300"/>
                 </a:solidFill>
-                <a:latin typeface="Cabin"/>
-                <a:ea typeface="Cabin"/>
-                <a:cs typeface="Cabin"/>
+                <a:latin typeface="Arial" charset="0"/>
+                <a:ea typeface="Arial" charset="0"/>
+                <a:cs typeface="Arial" charset="0"/>
                 <a:sym typeface="Cabin"/>
               </a:rPr>
               <a:t>blueprint</a:t>
             </a:r>
             <a:r>
-              <a:rPr lang="en" sz="2300" b="0" i="0" u="none" strike="noStrike" cap="none">
-                <a:solidFill>
-                  <a:srgbClr val="FFFFFF"/>
-                </a:solidFill>
-                <a:latin typeface="Cabin"/>
-                <a:ea typeface="Cabin"/>
-                <a:cs typeface="Cabin"/>
+              <a:rPr lang="en" sz="2300" u="none" strike="noStrike" cap="none">
+                <a:solidFill>
+                  <a:srgbClr val="FFFFFF"/>
+                </a:solidFill>
+                <a:latin typeface="Arial" charset="0"/>
+                <a:ea typeface="Arial" charset="0"/>
+                <a:cs typeface="Arial" charset="0"/>
                 <a:sym typeface="Cabin"/>
               </a:rPr>
               <a:t> or factory that describes the nature of something. For example, the </a:t>
             </a:r>
             <a:r>
-              <a:rPr lang="en" sz="2300" b="0" i="0" u="none" strike="noStrike" cap="none">
+              <a:rPr lang="en" sz="2300" u="none" strike="noStrike" cap="none">
                 <a:solidFill>
                   <a:srgbClr val="FF9300"/>
                 </a:solidFill>
-                <a:latin typeface="Cabin"/>
-                <a:ea typeface="Cabin"/>
-                <a:cs typeface="Cabin"/>
+                <a:latin typeface="Arial" charset="0"/>
+                <a:ea typeface="Arial" charset="0"/>
+                <a:cs typeface="Arial" charset="0"/>
                 <a:sym typeface="Cabin"/>
               </a:rPr>
               <a:t>class</a:t>
             </a:r>
             <a:r>
-              <a:rPr lang="en" sz="2300" b="0" i="0" u="none" strike="noStrike" cap="none">
-                <a:solidFill>
-                  <a:srgbClr val="FFFFFF"/>
-                </a:solidFill>
-                <a:latin typeface="Cabin"/>
-                <a:ea typeface="Cabin"/>
-                <a:cs typeface="Cabin"/>
+              <a:rPr lang="en" sz="2300" u="none" strike="noStrike" cap="none">
+                <a:solidFill>
+                  <a:srgbClr val="FFFFFF"/>
+                </a:solidFill>
+                <a:latin typeface="Arial" charset="0"/>
+                <a:ea typeface="Arial" charset="0"/>
+                <a:cs typeface="Arial" charset="0"/>
                 <a:sym typeface="Cabin"/>
               </a:rPr>
               <a:t> Dog would consist of traits shared by all dogs, such as breed and fur color (characteristics), and the ability to bark and sit (behaviors).</a:t>
@@ -22876,25 +22966,19 @@
               <a:buNone/>
             </a:pPr>
             <a:r>
-              <a:rPr lang="en" sz="4700" b="0" i="0" u="none" strike="noStrike" cap="none">
-                <a:solidFill>
-                  <a:srgbClr val="FFFFFF"/>
-                </a:solidFill>
-                <a:latin typeface="Cabin"/>
-                <a:ea typeface="Cabin"/>
-                <a:cs typeface="Cabin"/>
+              <a:rPr lang="en" sz="4700" u="none" strike="noStrike" cap="none">
+                <a:solidFill>
+                  <a:srgbClr val="FFFFFF"/>
+                </a:solidFill>
                 <a:sym typeface="Cabin"/>
               </a:rPr>
               <a:t>Terminology: </a:t>
             </a:r>
             <a:r>
-              <a:rPr lang="en" sz="4700" b="0" i="0" u="none" strike="noStrike" cap="none">
+              <a:rPr lang="en" sz="4700" u="none" strike="noStrike" cap="none">
                 <a:solidFill>
                   <a:srgbClr val="FF9300"/>
                 </a:solidFill>
-                <a:latin typeface="Cabin"/>
-                <a:ea typeface="Cabin"/>
-                <a:cs typeface="Cabin"/>
                 <a:sym typeface="Cabin"/>
               </a:rPr>
               <a:t>Class</a:t>
@@ -22945,13 +23029,13 @@
               <a:buNone/>
             </a:pPr>
             <a:r>
-              <a:rPr lang="en" sz="2300" b="0" i="0" u="none" strike="noStrike" cap="none">
-                <a:solidFill>
-                  <a:srgbClr val="FFFFFF"/>
-                </a:solidFill>
-                <a:latin typeface="Cabin"/>
-                <a:ea typeface="Cabin"/>
-                <a:cs typeface="Cabin"/>
+              <a:rPr lang="en" sz="2300" u="none" strike="noStrike" cap="none">
+                <a:solidFill>
+                  <a:srgbClr val="FFFFFF"/>
+                </a:solidFill>
+                <a:latin typeface="Arial" charset="0"/>
+                <a:ea typeface="Arial" charset="0"/>
+                <a:cs typeface="Arial" charset="0"/>
                 <a:sym typeface="Cabin"/>
               </a:rPr>
               <a:t>http://en.wikipedia.org/wiki/Object-oriented_programming</a:t>
@@ -23002,61 +23086,61 @@
               <a:buNone/>
             </a:pPr>
             <a:r>
-              <a:rPr lang="en" sz="2300" b="0" i="0" u="none" strike="noStrike" cap="none">
-                <a:solidFill>
-                  <a:srgbClr val="FFFFFF"/>
-                </a:solidFill>
-                <a:latin typeface="Cabin"/>
-                <a:ea typeface="Cabin"/>
-                <a:cs typeface="Cabin"/>
+              <a:rPr lang="en" sz="2300" u="none" strike="noStrike" cap="none">
+                <a:solidFill>
+                  <a:srgbClr val="FFFFFF"/>
+                </a:solidFill>
+                <a:latin typeface="Arial" charset="0"/>
+                <a:ea typeface="Arial" charset="0"/>
+                <a:cs typeface="Arial" charset="0"/>
                 <a:sym typeface="Cabin"/>
               </a:rPr>
               <a:t>A pattern (exemplar) of a </a:t>
             </a:r>
             <a:r>
-              <a:rPr lang="en" sz="2300" b="0" i="0" u="none" strike="noStrike" cap="none">
+              <a:rPr lang="en" sz="2300" u="none" strike="noStrike" cap="none">
                 <a:solidFill>
                   <a:srgbClr val="FF9300"/>
                 </a:solidFill>
-                <a:latin typeface="Cabin"/>
-                <a:ea typeface="Cabin"/>
-                <a:cs typeface="Cabin"/>
+                <a:latin typeface="Arial" charset="0"/>
+                <a:ea typeface="Arial" charset="0"/>
+                <a:cs typeface="Arial" charset="0"/>
                 <a:sym typeface="Cabin"/>
               </a:rPr>
               <a:t>class</a:t>
             </a:r>
             <a:r>
-              <a:rPr lang="en" sz="2300" b="0" i="0" u="none" strike="noStrike" cap="none">
-                <a:solidFill>
-                  <a:srgbClr val="FFFFFF"/>
-                </a:solidFill>
-                <a:latin typeface="Cabin"/>
-                <a:ea typeface="Cabin"/>
-                <a:cs typeface="Cabin"/>
+              <a:rPr lang="en" sz="2300" u="none" strike="noStrike" cap="none">
+                <a:solidFill>
+                  <a:srgbClr val="FFFFFF"/>
+                </a:solidFill>
+                <a:latin typeface="Arial" charset="0"/>
+                <a:ea typeface="Arial" charset="0"/>
+                <a:cs typeface="Arial" charset="0"/>
                 <a:sym typeface="Cabin"/>
               </a:rPr>
               <a:t>. The </a:t>
             </a:r>
             <a:r>
-              <a:rPr lang="en" sz="2300" b="0" i="0" u="none" strike="noStrike" cap="none">
+              <a:rPr lang="en" sz="2300" u="none" strike="noStrike" cap="none">
                 <a:solidFill>
                   <a:srgbClr val="FF9300"/>
                 </a:solidFill>
-                <a:latin typeface="Cabin"/>
-                <a:ea typeface="Cabin"/>
-                <a:cs typeface="Cabin"/>
+                <a:latin typeface="Arial" charset="0"/>
+                <a:ea typeface="Arial" charset="0"/>
+                <a:cs typeface="Arial" charset="0"/>
                 <a:sym typeface="Cabin"/>
               </a:rPr>
               <a:t>class</a:t>
             </a:r>
             <a:r>
-              <a:rPr lang="en" sz="2300" b="0" i="0" u="none" strike="noStrike" cap="none">
-                <a:solidFill>
-                  <a:srgbClr val="FFFFFF"/>
-                </a:solidFill>
-                <a:latin typeface="Cabin"/>
-                <a:ea typeface="Cabin"/>
-                <a:cs typeface="Cabin"/>
+              <a:rPr lang="en" sz="2300" u="none" strike="noStrike" cap="none">
+                <a:solidFill>
+                  <a:srgbClr val="FFFFFF"/>
+                </a:solidFill>
+                <a:latin typeface="Arial" charset="0"/>
+                <a:ea typeface="Arial" charset="0"/>
+                <a:cs typeface="Arial" charset="0"/>
                 <a:sym typeface="Cabin"/>
               </a:rPr>
               <a:t> of Dog defines all possible dogs by listing the characteristics and behaviors they can have; the object Lassie is one particular dog, with particular versions of the characteristics. A Dog has fur; Lassie has brown-and-white fur.</a:t>
@@ -23190,25 +23274,19 @@
               <a:buNone/>
             </a:pPr>
             <a:r>
-              <a:rPr lang="en" sz="4700" b="0" i="0" u="none" strike="noStrike" cap="none">
-                <a:solidFill>
-                  <a:srgbClr val="FFFFFF"/>
-                </a:solidFill>
-                <a:latin typeface="Cabin"/>
-                <a:ea typeface="Cabin"/>
-                <a:cs typeface="Cabin"/>
+              <a:rPr lang="en" sz="4700" u="none" strike="noStrike" cap="none">
+                <a:solidFill>
+                  <a:srgbClr val="FFFFFF"/>
+                </a:solidFill>
                 <a:sym typeface="Cabin"/>
               </a:rPr>
               <a:t>Terminology: </a:t>
             </a:r>
             <a:r>
-              <a:rPr lang="en" sz="4700" b="0" i="0" u="none" strike="noStrike" cap="none">
+              <a:rPr lang="en" sz="4700" u="none" strike="noStrike" cap="none">
                 <a:solidFill>
                   <a:srgbClr val="FF40FF"/>
                 </a:solidFill>
-                <a:latin typeface="Cabin"/>
-                <a:ea typeface="Cabin"/>
-                <a:cs typeface="Cabin"/>
                 <a:sym typeface="Cabin"/>
               </a:rPr>
               <a:t>Instance</a:t>
@@ -23259,13 +23337,13 @@
               <a:buNone/>
             </a:pPr>
             <a:r>
-              <a:rPr lang="en" sz="2300" b="0" i="0" u="none" strike="noStrike" cap="none">
-                <a:solidFill>
-                  <a:srgbClr val="FFFFFF"/>
-                </a:solidFill>
-                <a:latin typeface="Cabin"/>
-                <a:ea typeface="Cabin"/>
-                <a:cs typeface="Cabin"/>
+              <a:rPr lang="en" sz="2300" u="none" strike="noStrike" cap="none">
+                <a:solidFill>
+                  <a:srgbClr val="FFFFFF"/>
+                </a:solidFill>
+                <a:latin typeface="Arial" charset="0"/>
+                <a:ea typeface="Arial" charset="0"/>
+                <a:cs typeface="Arial" charset="0"/>
                 <a:sym typeface="Cabin"/>
               </a:rPr>
               <a:t>http://en.wikipedia.org/wiki/Object-oriented_programming</a:t>
@@ -23316,157 +23394,157 @@
               <a:buNone/>
             </a:pPr>
             <a:r>
-              <a:rPr lang="en" sz="2300" b="0" i="0" u="none" strike="noStrike" cap="none">
-                <a:solidFill>
-                  <a:srgbClr val="FFFFFF"/>
-                </a:solidFill>
-                <a:latin typeface="Cabin"/>
-                <a:ea typeface="Cabin"/>
-                <a:cs typeface="Cabin"/>
+              <a:rPr lang="en" sz="2300" u="none" strike="noStrike" cap="none">
+                <a:solidFill>
+                  <a:srgbClr val="FFFFFF"/>
+                </a:solidFill>
+                <a:latin typeface="Arial" charset="0"/>
+                <a:ea typeface="Arial" charset="0"/>
+                <a:cs typeface="Arial" charset="0"/>
                 <a:sym typeface="Cabin"/>
               </a:rPr>
               <a:t>One can have an </a:t>
             </a:r>
             <a:r>
-              <a:rPr lang="en" sz="2300" b="0" i="0" u="none" strike="noStrike" cap="none">
+              <a:rPr lang="en" sz="2300" u="none" strike="noStrike" cap="none">
                 <a:solidFill>
                   <a:srgbClr val="FF40FF"/>
                 </a:solidFill>
-                <a:latin typeface="Cabin"/>
-                <a:ea typeface="Cabin"/>
-                <a:cs typeface="Cabin"/>
+                <a:latin typeface="Arial" charset="0"/>
+                <a:ea typeface="Arial" charset="0"/>
+                <a:cs typeface="Arial" charset="0"/>
                 <a:sym typeface="Cabin"/>
               </a:rPr>
               <a:t>instance</a:t>
             </a:r>
             <a:r>
-              <a:rPr lang="en" sz="2300" b="0" i="0" u="none" strike="noStrike" cap="none">
-                <a:solidFill>
-                  <a:srgbClr val="FFFFFF"/>
-                </a:solidFill>
-                <a:latin typeface="Cabin"/>
-                <a:ea typeface="Cabin"/>
-                <a:cs typeface="Cabin"/>
+              <a:rPr lang="en" sz="2300" u="none" strike="noStrike" cap="none">
+                <a:solidFill>
+                  <a:srgbClr val="FFFFFF"/>
+                </a:solidFill>
+                <a:latin typeface="Arial" charset="0"/>
+                <a:ea typeface="Arial" charset="0"/>
+                <a:cs typeface="Arial" charset="0"/>
                 <a:sym typeface="Cabin"/>
               </a:rPr>
               <a:t> of a class or a particular object. The </a:t>
             </a:r>
             <a:r>
-              <a:rPr lang="en" sz="2300" b="0" i="0" u="none" strike="noStrike" cap="none">
+              <a:rPr lang="en" sz="2300" u="none" strike="noStrike" cap="none">
                 <a:solidFill>
                   <a:srgbClr val="FF40FF"/>
                 </a:solidFill>
-                <a:latin typeface="Cabin"/>
-                <a:ea typeface="Cabin"/>
-                <a:cs typeface="Cabin"/>
+                <a:latin typeface="Arial" charset="0"/>
+                <a:ea typeface="Arial" charset="0"/>
+                <a:cs typeface="Arial" charset="0"/>
                 <a:sym typeface="Cabin"/>
               </a:rPr>
               <a:t>instance</a:t>
             </a:r>
             <a:r>
-              <a:rPr lang="en" sz="2300" b="0" i="0" u="none" strike="noStrike" cap="none">
-                <a:solidFill>
-                  <a:srgbClr val="FFFFFF"/>
-                </a:solidFill>
-                <a:latin typeface="Cabin"/>
-                <a:ea typeface="Cabin"/>
-                <a:cs typeface="Cabin"/>
+              <a:rPr lang="en" sz="2300" u="none" strike="noStrike" cap="none">
+                <a:solidFill>
+                  <a:srgbClr val="FFFFFF"/>
+                </a:solidFill>
+                <a:latin typeface="Arial" charset="0"/>
+                <a:ea typeface="Arial" charset="0"/>
+                <a:cs typeface="Arial" charset="0"/>
                 <a:sym typeface="Cabin"/>
               </a:rPr>
               <a:t> is the actual object created at runtime. In programmer jargon, the Lassie object is an </a:t>
             </a:r>
             <a:r>
-              <a:rPr lang="en" sz="2300" b="0" i="0" u="none" strike="noStrike" cap="none">
+              <a:rPr lang="en" sz="2300" u="none" strike="noStrike" cap="none">
                 <a:solidFill>
                   <a:srgbClr val="FF40FF"/>
                 </a:solidFill>
-                <a:latin typeface="Cabin"/>
-                <a:ea typeface="Cabin"/>
-                <a:cs typeface="Cabin"/>
+                <a:latin typeface="Arial" charset="0"/>
+                <a:ea typeface="Arial" charset="0"/>
+                <a:cs typeface="Arial" charset="0"/>
                 <a:sym typeface="Cabin"/>
               </a:rPr>
               <a:t>instance</a:t>
             </a:r>
             <a:r>
-              <a:rPr lang="en" sz="2300" b="0" i="0" u="none" strike="noStrike" cap="none">
-                <a:solidFill>
-                  <a:srgbClr val="FFFFFF"/>
-                </a:solidFill>
-                <a:latin typeface="Cabin"/>
-                <a:ea typeface="Cabin"/>
-                <a:cs typeface="Cabin"/>
+              <a:rPr lang="en" sz="2300" u="none" strike="noStrike" cap="none">
+                <a:solidFill>
+                  <a:srgbClr val="FFFFFF"/>
+                </a:solidFill>
+                <a:latin typeface="Arial" charset="0"/>
+                <a:ea typeface="Arial" charset="0"/>
+                <a:cs typeface="Arial" charset="0"/>
                 <a:sym typeface="Cabin"/>
               </a:rPr>
               <a:t> of the Dog class. The set of values of the attributes of a particular </a:t>
             </a:r>
             <a:r>
-              <a:rPr lang="en" sz="2300" b="0" i="0" u="none" strike="noStrike" cap="none">
+              <a:rPr lang="en" sz="2300" u="none" strike="noStrike" cap="none">
                 <a:solidFill>
                   <a:srgbClr val="FF40FF"/>
                 </a:solidFill>
-                <a:latin typeface="Cabin"/>
-                <a:ea typeface="Cabin"/>
-                <a:cs typeface="Cabin"/>
+                <a:latin typeface="Arial" charset="0"/>
+                <a:ea typeface="Arial" charset="0"/>
+                <a:cs typeface="Arial" charset="0"/>
                 <a:sym typeface="Cabin"/>
               </a:rPr>
               <a:t>object</a:t>
             </a:r>
             <a:r>
-              <a:rPr lang="en" sz="2300" b="0" i="0" u="none" strike="noStrike" cap="none">
-                <a:solidFill>
-                  <a:srgbClr val="FFFFFF"/>
-                </a:solidFill>
-                <a:latin typeface="Cabin"/>
-                <a:ea typeface="Cabin"/>
-                <a:cs typeface="Cabin"/>
+              <a:rPr lang="en" sz="2300" u="none" strike="noStrike" cap="none">
+                <a:solidFill>
+                  <a:srgbClr val="FFFFFF"/>
+                </a:solidFill>
+                <a:latin typeface="Arial" charset="0"/>
+                <a:ea typeface="Arial" charset="0"/>
+                <a:cs typeface="Arial" charset="0"/>
                 <a:sym typeface="Cabin"/>
               </a:rPr>
               <a:t> is called its </a:t>
             </a:r>
             <a:r>
-              <a:rPr lang="en" sz="2300" b="0" i="0" u="none" strike="noStrike" cap="none">
+              <a:rPr lang="en" sz="2300" u="none" strike="noStrike" cap="none">
                 <a:solidFill>
                   <a:srgbClr val="1FFF66"/>
                 </a:solidFill>
-                <a:latin typeface="Cabin"/>
-                <a:ea typeface="Cabin"/>
-                <a:cs typeface="Cabin"/>
+                <a:latin typeface="Arial" charset="0"/>
+                <a:ea typeface="Arial" charset="0"/>
+                <a:cs typeface="Arial" charset="0"/>
                 <a:sym typeface="Cabin"/>
               </a:rPr>
               <a:t>state</a:t>
             </a:r>
             <a:r>
-              <a:rPr lang="en" sz="2300" b="0" i="0" u="none" strike="noStrike" cap="none">
-                <a:solidFill>
-                  <a:srgbClr val="FFFFFF"/>
-                </a:solidFill>
-                <a:latin typeface="Cabin"/>
-                <a:ea typeface="Cabin"/>
-                <a:cs typeface="Cabin"/>
+              <a:rPr lang="en" sz="2300" u="none" strike="noStrike" cap="none">
+                <a:solidFill>
+                  <a:srgbClr val="FFFFFF"/>
+                </a:solidFill>
+                <a:latin typeface="Arial" charset="0"/>
+                <a:ea typeface="Arial" charset="0"/>
+                <a:cs typeface="Arial" charset="0"/>
                 <a:sym typeface="Cabin"/>
               </a:rPr>
               <a:t>. The </a:t>
             </a:r>
             <a:r>
-              <a:rPr lang="en" sz="2300" b="0" i="0" u="none" strike="noStrike" cap="none">
+              <a:rPr lang="en" sz="2300" u="none" strike="noStrike" cap="none">
                 <a:solidFill>
                   <a:srgbClr val="FF40FF"/>
                 </a:solidFill>
-                <a:latin typeface="Cabin"/>
-                <a:ea typeface="Cabin"/>
-                <a:cs typeface="Cabin"/>
+                <a:latin typeface="Arial" charset="0"/>
+                <a:ea typeface="Arial" charset="0"/>
+                <a:cs typeface="Arial" charset="0"/>
                 <a:sym typeface="Cabin"/>
               </a:rPr>
               <a:t>object</a:t>
             </a:r>
             <a:r>
-              <a:rPr lang="en" sz="2300" b="0" i="0" u="none" strike="noStrike" cap="none">
-                <a:solidFill>
-                  <a:srgbClr val="FFFFFF"/>
-                </a:solidFill>
-                <a:latin typeface="Cabin"/>
-                <a:ea typeface="Cabin"/>
-                <a:cs typeface="Cabin"/>
+              <a:rPr lang="en" sz="2300" u="none" strike="noStrike" cap="none">
+                <a:solidFill>
+                  <a:srgbClr val="FFFFFF"/>
+                </a:solidFill>
+                <a:latin typeface="Arial" charset="0"/>
+                <a:ea typeface="Arial" charset="0"/>
+                <a:cs typeface="Arial" charset="0"/>
                 <a:sym typeface="Cabin"/>
               </a:rPr>
               <a:t> consists of state and the behavior that's defined in the object's class.</a:t>
@@ -23517,13 +23595,13 @@
               <a:buNone/>
             </a:pPr>
             <a:r>
-              <a:rPr lang="en" sz="1900" b="0" i="0" u="none" strike="noStrike" cap="none">
+              <a:rPr lang="en" sz="1900" u="none" strike="noStrike" cap="none">
                 <a:solidFill>
                   <a:srgbClr val="FFFB00"/>
                 </a:solidFill>
-                <a:latin typeface="Cabin"/>
-                <a:ea typeface="Cabin"/>
-                <a:cs typeface="Cabin"/>
+                <a:latin typeface="Arial" charset="0"/>
+                <a:ea typeface="Arial" charset="0"/>
+                <a:cs typeface="Arial" charset="0"/>
                 <a:sym typeface="Cabin"/>
               </a:rPr>
               <a:t>Object and Instance are often used interchangeably.</a:t>
@@ -23630,25 +23708,19 @@
               <a:buNone/>
             </a:pPr>
             <a:r>
-              <a:rPr lang="en" sz="4700" b="0" i="0" u="none" strike="noStrike" cap="none">
-                <a:solidFill>
-                  <a:srgbClr val="FFFFFF"/>
-                </a:solidFill>
-                <a:latin typeface="Cabin"/>
-                <a:ea typeface="Cabin"/>
-                <a:cs typeface="Cabin"/>
+              <a:rPr lang="en" sz="4700" u="none" strike="noStrike" cap="none">
+                <a:solidFill>
+                  <a:srgbClr val="FFFFFF"/>
+                </a:solidFill>
                 <a:sym typeface="Cabin"/>
               </a:rPr>
               <a:t>Terminology: </a:t>
             </a:r>
             <a:r>
-              <a:rPr lang="en" sz="4700" b="0" i="0" u="none" strike="noStrike" cap="none">
+              <a:rPr lang="en" sz="4700" u="none" strike="noStrike" cap="none">
                 <a:solidFill>
                   <a:srgbClr val="00F900"/>
                 </a:solidFill>
-                <a:latin typeface="Cabin"/>
-                <a:ea typeface="Cabin"/>
-                <a:cs typeface="Cabin"/>
                 <a:sym typeface="Cabin"/>
               </a:rPr>
               <a:t>Method</a:t>
@@ -23699,13 +23771,13 @@
               <a:buNone/>
             </a:pPr>
             <a:r>
-              <a:rPr lang="en" sz="2300" b="0" i="0" u="none" strike="noStrike" cap="none">
-                <a:solidFill>
-                  <a:srgbClr val="FFFFFF"/>
-                </a:solidFill>
-                <a:latin typeface="Cabin"/>
-                <a:ea typeface="Cabin"/>
-                <a:cs typeface="Cabin"/>
+              <a:rPr lang="en" sz="2300" u="none" strike="noStrike" cap="none">
+                <a:solidFill>
+                  <a:srgbClr val="FFFFFF"/>
+                </a:solidFill>
+                <a:latin typeface="Arial" charset="0"/>
+                <a:ea typeface="Arial" charset="0"/>
+                <a:cs typeface="Arial" charset="0"/>
                 <a:sym typeface="Cabin"/>
               </a:rPr>
               <a:t>http://en.wikipedia.org/wiki/Object-oriented_programming</a:t>
@@ -23756,85 +23828,85 @@
               <a:buNone/>
             </a:pPr>
             <a:r>
-              <a:rPr lang="en" sz="2300" b="0" i="0" u="none" strike="noStrike" cap="none">
-                <a:solidFill>
-                  <a:srgbClr val="FFFFFF"/>
-                </a:solidFill>
-                <a:latin typeface="Cabin"/>
-                <a:ea typeface="Cabin"/>
-                <a:cs typeface="Cabin"/>
+              <a:rPr lang="en" sz="2300" u="none" strike="noStrike" cap="none">
+                <a:solidFill>
+                  <a:srgbClr val="FFFFFF"/>
+                </a:solidFill>
+                <a:latin typeface="Arial" charset="0"/>
+                <a:ea typeface="Arial" charset="0"/>
+                <a:cs typeface="Arial" charset="0"/>
                 <a:sym typeface="Cabin"/>
               </a:rPr>
               <a:t>An object's abilities. In language, </a:t>
             </a:r>
             <a:r>
-              <a:rPr lang="en" sz="2300" b="0" i="0" u="none" strike="noStrike" cap="none">
+              <a:rPr lang="en" sz="2300" u="none" strike="noStrike" cap="none">
                 <a:solidFill>
                   <a:srgbClr val="00F900"/>
                 </a:solidFill>
-                <a:latin typeface="Cabin"/>
-                <a:ea typeface="Cabin"/>
-                <a:cs typeface="Cabin"/>
+                <a:latin typeface="Arial" charset="0"/>
+                <a:ea typeface="Arial" charset="0"/>
+                <a:cs typeface="Arial" charset="0"/>
                 <a:sym typeface="Cabin"/>
               </a:rPr>
               <a:t>methods</a:t>
             </a:r>
             <a:r>
-              <a:rPr lang="en" sz="2300" b="0" i="0" u="none" strike="noStrike" cap="none">
-                <a:solidFill>
-                  <a:srgbClr val="FFFFFF"/>
-                </a:solidFill>
-                <a:latin typeface="Cabin"/>
-                <a:ea typeface="Cabin"/>
-                <a:cs typeface="Cabin"/>
+              <a:rPr lang="en" sz="2300" u="none" strike="noStrike" cap="none">
+                <a:solidFill>
+                  <a:srgbClr val="FFFFFF"/>
+                </a:solidFill>
+                <a:latin typeface="Arial" charset="0"/>
+                <a:ea typeface="Arial" charset="0"/>
+                <a:cs typeface="Arial" charset="0"/>
                 <a:sym typeface="Cabin"/>
               </a:rPr>
               <a:t> are verbs. Lassie, being a Dog, has the ability to bark. So bark() is one of Lassie's methods. She may have other </a:t>
             </a:r>
             <a:r>
-              <a:rPr lang="en" sz="2300" b="0" i="0" u="none" strike="noStrike" cap="none">
+              <a:rPr lang="en" sz="2300" u="none" strike="noStrike" cap="none">
                 <a:solidFill>
                   <a:srgbClr val="00F900"/>
                 </a:solidFill>
-                <a:latin typeface="Cabin"/>
-                <a:ea typeface="Cabin"/>
-                <a:cs typeface="Cabin"/>
+                <a:latin typeface="Arial" charset="0"/>
+                <a:ea typeface="Arial" charset="0"/>
+                <a:cs typeface="Arial" charset="0"/>
                 <a:sym typeface="Cabin"/>
               </a:rPr>
               <a:t>methods</a:t>
             </a:r>
             <a:r>
-              <a:rPr lang="en" sz="2300" b="0" i="0" u="none" strike="noStrike" cap="none">
-                <a:solidFill>
-                  <a:srgbClr val="FFFFFF"/>
-                </a:solidFill>
-                <a:latin typeface="Cabin"/>
-                <a:ea typeface="Cabin"/>
-                <a:cs typeface="Cabin"/>
+              <a:rPr lang="en" sz="2300" u="none" strike="noStrike" cap="none">
+                <a:solidFill>
+                  <a:srgbClr val="FFFFFF"/>
+                </a:solidFill>
+                <a:latin typeface="Arial" charset="0"/>
+                <a:ea typeface="Arial" charset="0"/>
+                <a:cs typeface="Arial" charset="0"/>
                 <a:sym typeface="Cabin"/>
               </a:rPr>
               <a:t> as well, for example sit() or eat() or walk() or save_timmy(). Within the program, using a </a:t>
             </a:r>
             <a:r>
-              <a:rPr lang="en" sz="2300" b="0" i="0" u="none" strike="noStrike" cap="none">
+              <a:rPr lang="en" sz="2300" u="none" strike="noStrike" cap="none">
                 <a:solidFill>
                   <a:srgbClr val="00F900"/>
                 </a:solidFill>
-                <a:latin typeface="Cabin"/>
-                <a:ea typeface="Cabin"/>
-                <a:cs typeface="Cabin"/>
+                <a:latin typeface="Arial" charset="0"/>
+                <a:ea typeface="Arial" charset="0"/>
+                <a:cs typeface="Arial" charset="0"/>
                 <a:sym typeface="Cabin"/>
               </a:rPr>
               <a:t>method</a:t>
             </a:r>
             <a:r>
-              <a:rPr lang="en" sz="2300" b="0" i="0" u="none" strike="noStrike" cap="none">
-                <a:solidFill>
-                  <a:srgbClr val="FFFFFF"/>
-                </a:solidFill>
-                <a:latin typeface="Cabin"/>
-                <a:ea typeface="Cabin"/>
-                <a:cs typeface="Cabin"/>
+              <a:rPr lang="en" sz="2300" u="none" strike="noStrike" cap="none">
+                <a:solidFill>
+                  <a:srgbClr val="FFFFFF"/>
+                </a:solidFill>
+                <a:latin typeface="Arial" charset="0"/>
+                <a:ea typeface="Arial" charset="0"/>
+                <a:cs typeface="Arial" charset="0"/>
                 <a:sym typeface="Cabin"/>
               </a:rPr>
               <a:t> usually affects only one particular object; all Dogs can bark, but you need only one particular dog to do the barking</a:t>
@@ -23885,13 +23957,13 @@
               <a:buNone/>
             </a:pPr>
             <a:r>
-              <a:rPr lang="en" sz="1900" b="0" i="0" u="none" strike="noStrike" cap="none">
+              <a:rPr lang="en" sz="1900" u="none" strike="noStrike" cap="none">
                 <a:solidFill>
                   <a:srgbClr val="FFFB00"/>
                 </a:solidFill>
-                <a:latin typeface="Cabin"/>
-                <a:ea typeface="Cabin"/>
-                <a:cs typeface="Cabin"/>
+                <a:latin typeface="Arial" charset="0"/>
+                <a:ea typeface="Arial" charset="0"/>
+                <a:cs typeface="Arial" charset="0"/>
                 <a:sym typeface="Cabin"/>
               </a:rPr>
               <a:t>Method and Message are often used interchangeably.</a:t>
@@ -23998,13 +24070,10 @@
               <a:buNone/>
             </a:pPr>
             <a:r>
-              <a:rPr lang="en" sz="4700" b="1" i="0" u="none" strike="noStrike" cap="none">
+              <a:rPr lang="en" sz="4700" u="none" strike="noStrike" cap="none">
                 <a:solidFill>
                   <a:schemeClr val="accent4"/>
                 </a:solidFill>
-                <a:latin typeface="Cabin"/>
-                <a:ea typeface="Cabin"/>
-                <a:cs typeface="Cabin"/>
                 <a:sym typeface="Cabin"/>
               </a:rPr>
               <a:t>Warning</a:t>
@@ -24058,13 +24127,10 @@
               <a:buFont typeface="Cabin"/>
             </a:pPr>
             <a:r>
-              <a:rPr lang="en" sz="2300" b="0" i="0" u="none" strike="noStrike" cap="none">
-                <a:solidFill>
-                  <a:srgbClr val="FFFFFF"/>
-                </a:solidFill>
-                <a:latin typeface="Cabin"/>
-                <a:ea typeface="Cabin"/>
-                <a:cs typeface="Cabin"/>
+              <a:rPr lang="en" sz="2300" u="none" strike="noStrike" cap="none">
+                <a:solidFill>
+                  <a:srgbClr val="FFFFFF"/>
+                </a:solidFill>
                 <a:sym typeface="Cabin"/>
               </a:rPr>
               <a:t>This lecture is very much about definitions and mechanics for objects</a:t>
@@ -24088,13 +24154,10 @@
               <a:buFont typeface="Cabin"/>
             </a:pPr>
             <a:r>
-              <a:rPr lang="en" sz="2300" b="0" i="0" u="none" strike="noStrike" cap="none">
-                <a:solidFill>
-                  <a:srgbClr val="FFFFFF"/>
-                </a:solidFill>
-                <a:latin typeface="Cabin"/>
-                <a:ea typeface="Cabin"/>
-                <a:cs typeface="Cabin"/>
+              <a:rPr lang="en" sz="2300" u="none" strike="noStrike" cap="none">
+                <a:solidFill>
+                  <a:srgbClr val="FFFFFF"/>
+                </a:solidFill>
                 <a:sym typeface="Cabin"/>
               </a:rPr>
               <a:t>This lecture is a lot more about “how it works” and less about “how you use it”</a:t>
@@ -24118,13 +24181,10 @@
               <a:buFont typeface="Cabin"/>
             </a:pPr>
             <a:r>
-              <a:rPr lang="en" sz="2300" b="0" i="0" u="none" strike="noStrike" cap="none">
-                <a:solidFill>
-                  <a:srgbClr val="FFFFFF"/>
-                </a:solidFill>
-                <a:latin typeface="Cabin"/>
-                <a:ea typeface="Cabin"/>
-                <a:cs typeface="Cabin"/>
+              <a:rPr lang="en" sz="2300" u="none" strike="noStrike" cap="none">
+                <a:solidFill>
+                  <a:srgbClr val="FFFFFF"/>
+                </a:solidFill>
                 <a:sym typeface="Cabin"/>
               </a:rPr>
               <a:t>You won’t get the entire picture until this is all looked at in the context of a real problem</a:t>
@@ -24148,13 +24208,10 @@
               <a:buFont typeface="Cabin"/>
             </a:pPr>
             <a:r>
-              <a:rPr lang="en" sz="2300" b="0" i="0" u="none" strike="noStrike" cap="none">
-                <a:solidFill>
-                  <a:srgbClr val="FFFFFF"/>
-                </a:solidFill>
-                <a:latin typeface="Cabin"/>
-                <a:ea typeface="Cabin"/>
-                <a:cs typeface="Cabin"/>
+              <a:rPr lang="en" sz="2300" u="none" strike="noStrike" cap="none">
+                <a:solidFill>
+                  <a:srgbClr val="FFFFFF"/>
+                </a:solidFill>
                 <a:sym typeface="Cabin"/>
               </a:rPr>
               <a:t>So please suspend disbelief and learn technique for the next 50 or so slides..</a:t>
@@ -24234,13 +24291,13 @@
               <a:buNone/>
             </a:pPr>
             <a:r>
-              <a:rPr lang="en" sz="4700" b="0" i="0" u="none" strike="noStrike" cap="none">
+              <a:rPr lang="en" sz="4700" u="none" strike="noStrike" cap="none">
                 <a:solidFill>
                   <a:srgbClr val="FFD966"/>
                 </a:solidFill>
-                <a:latin typeface="Cabin"/>
-                <a:ea typeface="Cabin"/>
-                <a:cs typeface="Cabin"/>
+                <a:latin typeface="Arial" charset="0"/>
+                <a:ea typeface="Arial" charset="0"/>
+                <a:cs typeface="Arial" charset="0"/>
                 <a:sym typeface="Cabin"/>
               </a:rPr>
               <a:t>A Sample Class</a:t>
@@ -24353,45 +24410,45 @@
                 <a:solidFill>
                   <a:srgbClr val="FFFFFF"/>
                 </a:solidFill>
-                <a:latin typeface="Cabin"/>
-                <a:ea typeface="Cabin"/>
-                <a:cs typeface="Cabin"/>
+                <a:latin typeface="Arial" charset="0"/>
+                <a:ea typeface="Arial" charset="0"/>
+                <a:cs typeface="Arial" charset="0"/>
                 <a:sym typeface="Cabin"/>
               </a:rPr>
               <a:t> </a:t>
             </a:r>
             <a:r>
-              <a:rPr lang="en" sz="2300" b="0" i="0" u="none" strike="noStrike" cap="none">
-                <a:solidFill>
-                  <a:srgbClr val="FFFFFF"/>
-                </a:solidFill>
-                <a:latin typeface="Cabin"/>
-                <a:ea typeface="Cabin"/>
-                <a:cs typeface="Cabin"/>
+              <a:rPr lang="en" sz="2300" u="none" strike="noStrike" cap="none">
+                <a:solidFill>
+                  <a:srgbClr val="FFFFFF"/>
+                </a:solidFill>
+                <a:latin typeface="Arial" charset="0"/>
+                <a:ea typeface="Arial" charset="0"/>
+                <a:cs typeface="Arial" charset="0"/>
                 <a:sym typeface="Cabin"/>
               </a:rPr>
               <a:t>class</a:t>
             </a:r>
             <a:r>
-              <a:rPr lang="en" sz="2300" b="0" i="0" u="none" strike="noStrike" cap="none">
+              <a:rPr lang="en" sz="2300" u="none" strike="noStrike" cap="none">
                 <a:solidFill>
                   <a:srgbClr val="FF2600"/>
                 </a:solidFill>
-                <a:latin typeface="Cabin"/>
-                <a:ea typeface="Cabin"/>
-                <a:cs typeface="Cabin"/>
+                <a:latin typeface="Arial" charset="0"/>
+                <a:ea typeface="Arial" charset="0"/>
+                <a:cs typeface="Arial" charset="0"/>
                 <a:sym typeface="Cabin"/>
               </a:rPr>
               <a:t> </a:t>
             </a:r>
             <a:r>
-              <a:rPr lang="en" sz="2300" b="0" i="0" u="none" strike="noStrike" cap="none">
+              <a:rPr lang="en" sz="2300" u="none" strike="noStrike" cap="none">
                 <a:solidFill>
                   <a:srgbClr val="00FDFF"/>
                 </a:solidFill>
-                <a:latin typeface="Cabin"/>
-                <a:ea typeface="Cabin"/>
-                <a:cs typeface="Cabin"/>
+                <a:latin typeface="Arial" charset="0"/>
+                <a:ea typeface="Arial" charset="0"/>
+                <a:cs typeface="Arial" charset="0"/>
                 <a:sym typeface="Cabin"/>
               </a:rPr>
               <a:t>PartyAnimal:</a:t>
@@ -24416,13 +24473,13 @@
               <a:buNone/>
             </a:pPr>
             <a:r>
-              <a:rPr lang="en" sz="2300" b="0" i="0" u="none" strike="noStrike" cap="none">
+              <a:rPr lang="en" sz="2300" u="none" strike="noStrike" cap="none">
                 <a:solidFill>
                   <a:srgbClr val="FFFB00"/>
                 </a:solidFill>
-                <a:latin typeface="Cabin"/>
-                <a:ea typeface="Cabin"/>
-                <a:cs typeface="Cabin"/>
+                <a:latin typeface="Arial" charset="0"/>
+                <a:ea typeface="Arial" charset="0"/>
+                <a:cs typeface="Arial" charset="0"/>
                 <a:sym typeface="Cabin"/>
               </a:rPr>
               <a:t>    x = 0</a:t>
@@ -24445,13 +24502,13 @@
               <a:buFont typeface="Cabin"/>
               <a:buNone/>
             </a:pPr>
-            <a:endParaRPr sz="2300" b="0" i="0" u="none" strike="noStrike" cap="none">
+            <a:endParaRPr sz="2300" u="none" strike="noStrike" cap="none">
               <a:solidFill>
                 <a:srgbClr val="FFFFFF"/>
               </a:solidFill>
-              <a:latin typeface="Cabin"/>
-              <a:ea typeface="Cabin"/>
-              <a:cs typeface="Cabin"/>
+              <a:latin typeface="Arial" charset="0"/>
+              <a:ea typeface="Arial" charset="0"/>
+              <a:cs typeface="Arial" charset="0"/>
               <a:sym typeface="Cabin"/>
             </a:endParaRPr>
           </a:p>
@@ -24474,13 +24531,13 @@
               <a:buNone/>
             </a:pPr>
             <a:r>
-              <a:rPr lang="en" sz="2300" b="0" i="0" u="none" strike="noStrike" cap="none">
+              <a:rPr lang="en" sz="2300" u="none" strike="noStrike" cap="none">
                 <a:solidFill>
                   <a:srgbClr val="00F900"/>
                 </a:solidFill>
-                <a:latin typeface="Cabin"/>
-                <a:ea typeface="Cabin"/>
-                <a:cs typeface="Cabin"/>
+                <a:latin typeface="Arial" charset="0"/>
+                <a:ea typeface="Arial" charset="0"/>
+                <a:cs typeface="Arial" charset="0"/>
                 <a:sym typeface="Cabin"/>
               </a:rPr>
               <a:t>    def party(self) :</a:t>
@@ -24505,13 +24562,13 @@
               <a:buNone/>
             </a:pPr>
             <a:r>
-              <a:rPr lang="en" sz="2300" b="0" i="0" u="none" strike="noStrike" cap="none">
+              <a:rPr lang="en" sz="2300" u="none" strike="noStrike" cap="none">
                 <a:solidFill>
                   <a:srgbClr val="00F900"/>
                 </a:solidFill>
-                <a:latin typeface="Cabin"/>
-                <a:ea typeface="Cabin"/>
-                <a:cs typeface="Cabin"/>
+                <a:latin typeface="Arial" charset="0"/>
+                <a:ea typeface="Arial" charset="0"/>
+                <a:cs typeface="Arial" charset="0"/>
                 <a:sym typeface="Cabin"/>
               </a:rPr>
               <a:t>      self.x = self.x + 1</a:t>
@@ -24536,13 +24593,13 @@
               <a:buNone/>
             </a:pPr>
             <a:r>
-              <a:rPr lang="en" sz="2300" b="0" i="0" u="none" strike="noStrike" cap="none">
+              <a:rPr lang="en" sz="2300" u="none" strike="noStrike" cap="none">
                 <a:solidFill>
                   <a:srgbClr val="00F900"/>
                 </a:solidFill>
-                <a:latin typeface="Cabin"/>
-                <a:ea typeface="Cabin"/>
-                <a:cs typeface="Cabin"/>
+                <a:latin typeface="Arial" charset="0"/>
+                <a:ea typeface="Arial" charset="0"/>
+                <a:cs typeface="Arial" charset="0"/>
                 <a:sym typeface="Cabin"/>
               </a:rPr>
               <a:t>      print "So far",self.x</a:t>
@@ -24565,13 +24622,13 @@
               <a:buFont typeface="Cabin"/>
               <a:buNone/>
             </a:pPr>
-            <a:endParaRPr sz="2300" b="0" i="0" u="none" strike="noStrike" cap="none">
+            <a:endParaRPr sz="2300" u="none" strike="noStrike" cap="none">
               <a:solidFill>
                 <a:srgbClr val="FFFFFF"/>
               </a:solidFill>
-              <a:latin typeface="Cabin"/>
-              <a:ea typeface="Cabin"/>
-              <a:cs typeface="Cabin"/>
+              <a:latin typeface="Arial" charset="0"/>
+              <a:ea typeface="Arial" charset="0"/>
+              <a:cs typeface="Arial" charset="0"/>
               <a:sym typeface="Cabin"/>
             </a:endParaRPr>
           </a:p>
@@ -24598,21 +24655,21 @@
                 <a:solidFill>
                   <a:srgbClr val="FF9300"/>
                 </a:solidFill>
-                <a:latin typeface="Cabin"/>
-                <a:ea typeface="Cabin"/>
-                <a:cs typeface="Cabin"/>
+                <a:latin typeface="Arial" charset="0"/>
+                <a:ea typeface="Arial" charset="0"/>
+                <a:cs typeface="Arial" charset="0"/>
                 <a:sym typeface="Cabin"/>
               </a:rPr>
               <a:t> </a:t>
             </a:r>
             <a:r>
-              <a:rPr lang="en" sz="2300" b="0" i="0" u="none" strike="noStrike" cap="none">
+              <a:rPr lang="en" sz="2300" u="none" strike="noStrike" cap="none">
                 <a:solidFill>
                   <a:srgbClr val="FF9300"/>
                 </a:solidFill>
-                <a:latin typeface="Cabin"/>
-                <a:ea typeface="Cabin"/>
-                <a:cs typeface="Cabin"/>
+                <a:latin typeface="Arial" charset="0"/>
+                <a:ea typeface="Arial" charset="0"/>
+                <a:cs typeface="Arial" charset="0"/>
                 <a:sym typeface="Cabin"/>
               </a:rPr>
               <a:t>an = PartyAnimal()</a:t>
@@ -24635,13 +24692,13 @@
               <a:buFont typeface="Cabin"/>
               <a:buNone/>
             </a:pPr>
-            <a:endParaRPr sz="2300" b="0" i="0" u="none" strike="noStrike" cap="none">
+            <a:endParaRPr sz="2300" u="none" strike="noStrike" cap="none">
               <a:solidFill>
                 <a:srgbClr val="FF9300"/>
               </a:solidFill>
-              <a:latin typeface="Cabin"/>
-              <a:ea typeface="Cabin"/>
-              <a:cs typeface="Cabin"/>
+              <a:latin typeface="Arial" charset="0"/>
+              <a:ea typeface="Arial" charset="0"/>
+              <a:cs typeface="Arial" charset="0"/>
               <a:sym typeface="Cabin"/>
             </a:endParaRPr>
           </a:p>
@@ -24668,21 +24725,21 @@
                 <a:solidFill>
                   <a:srgbClr val="FF40FF"/>
                 </a:solidFill>
-                <a:latin typeface="Cabin"/>
-                <a:ea typeface="Cabin"/>
-                <a:cs typeface="Cabin"/>
+                <a:latin typeface="Arial" charset="0"/>
+                <a:ea typeface="Arial" charset="0"/>
+                <a:cs typeface="Arial" charset="0"/>
                 <a:sym typeface="Cabin"/>
               </a:rPr>
               <a:t> </a:t>
             </a:r>
             <a:r>
-              <a:rPr lang="en" sz="2300" b="0" i="0" u="none" strike="noStrike" cap="none">
+              <a:rPr lang="en" sz="2300" u="none" strike="noStrike" cap="none">
                 <a:solidFill>
                   <a:srgbClr val="FF40FF"/>
                 </a:solidFill>
-                <a:latin typeface="Cabin"/>
-                <a:ea typeface="Cabin"/>
-                <a:cs typeface="Cabin"/>
+                <a:latin typeface="Arial" charset="0"/>
+                <a:ea typeface="Arial" charset="0"/>
+                <a:cs typeface="Arial" charset="0"/>
                 <a:sym typeface="Cabin"/>
               </a:rPr>
               <a:t>an.party()</a:t>
@@ -24711,21 +24768,21 @@
                 <a:solidFill>
                   <a:srgbClr val="FF40FF"/>
                 </a:solidFill>
-                <a:latin typeface="Cabin"/>
-                <a:ea typeface="Cabin"/>
-                <a:cs typeface="Cabin"/>
+                <a:latin typeface="Arial" charset="0"/>
+                <a:ea typeface="Arial" charset="0"/>
+                <a:cs typeface="Arial" charset="0"/>
                 <a:sym typeface="Cabin"/>
               </a:rPr>
               <a:t> </a:t>
             </a:r>
             <a:r>
-              <a:rPr lang="en" sz="2300" b="0" i="0" u="none" strike="noStrike" cap="none">
+              <a:rPr lang="en" sz="2300" u="none" strike="noStrike" cap="none">
                 <a:solidFill>
                   <a:srgbClr val="FF40FF"/>
                 </a:solidFill>
-                <a:latin typeface="Cabin"/>
-                <a:ea typeface="Cabin"/>
-                <a:cs typeface="Cabin"/>
+                <a:latin typeface="Arial" charset="0"/>
+                <a:ea typeface="Arial" charset="0"/>
+                <a:cs typeface="Arial" charset="0"/>
                 <a:sym typeface="Cabin"/>
               </a:rPr>
               <a:t>an.party()</a:t>
@@ -24754,21 +24811,21 @@
                 <a:solidFill>
                   <a:srgbClr val="FF40FF"/>
                 </a:solidFill>
-                <a:latin typeface="Cabin"/>
-                <a:ea typeface="Cabin"/>
-                <a:cs typeface="Cabin"/>
+                <a:latin typeface="Arial" charset="0"/>
+                <a:ea typeface="Arial" charset="0"/>
+                <a:cs typeface="Arial" charset="0"/>
                 <a:sym typeface="Cabin"/>
               </a:rPr>
               <a:t> </a:t>
             </a:r>
             <a:r>
-              <a:rPr lang="en" sz="2300" b="0" i="0" u="none" strike="noStrike" cap="none">
+              <a:rPr lang="en" sz="2300" u="none" strike="noStrike" cap="none">
                 <a:solidFill>
                   <a:srgbClr val="FF40FF"/>
                 </a:solidFill>
-                <a:latin typeface="Cabin"/>
-                <a:ea typeface="Cabin"/>
-                <a:cs typeface="Cabin"/>
+                <a:latin typeface="Arial" charset="0"/>
+                <a:ea typeface="Arial" charset="0"/>
+                <a:cs typeface="Arial" charset="0"/>
                 <a:sym typeface="Cabin"/>
               </a:rPr>
               <a:t>an.party()</a:t>
@@ -24819,13 +24876,13 @@
               <a:buNone/>
             </a:pPr>
             <a:r>
-              <a:rPr lang="en" sz="2300" b="0" i="0" u="none" strike="noStrike" cap="none">
+              <a:rPr lang="en" sz="2300" u="none" strike="noStrike" cap="none">
                 <a:solidFill>
                   <a:srgbClr val="00FDFF"/>
                 </a:solidFill>
-                <a:latin typeface="Cabin"/>
-                <a:ea typeface="Cabin"/>
-                <a:cs typeface="Cabin"/>
+                <a:latin typeface="Arial" charset="0"/>
+                <a:ea typeface="Arial" charset="0"/>
+                <a:cs typeface="Arial" charset="0"/>
                 <a:sym typeface="Cabin"/>
               </a:rPr>
               <a:t>This is the template for making PartyAnimal objects.</a:t>
@@ -24876,13 +24933,13 @@
               <a:buNone/>
             </a:pPr>
             <a:r>
-              <a:rPr lang="en" sz="2300" b="0" i="0" u="none" strike="noStrike" cap="none">
-                <a:solidFill>
-                  <a:srgbClr val="FFFFFF"/>
-                </a:solidFill>
-                <a:latin typeface="Cabin"/>
-                <a:ea typeface="Cabin"/>
-                <a:cs typeface="Cabin"/>
+              <a:rPr lang="en" sz="2300" u="none" strike="noStrike" cap="none">
+                <a:solidFill>
+                  <a:srgbClr val="FFFFFF"/>
+                </a:solidFill>
+                <a:latin typeface="Arial" charset="0"/>
+                <a:ea typeface="Arial" charset="0"/>
+                <a:cs typeface="Arial" charset="0"/>
                 <a:sym typeface="Cabin"/>
               </a:rPr>
               <a:t>class is a reserved word.</a:t>
@@ -24933,13 +24990,13 @@
               <a:buNone/>
             </a:pPr>
             <a:r>
-              <a:rPr lang="en" sz="2300" b="0" i="0" u="none" strike="noStrike" cap="none">
+              <a:rPr lang="en" sz="2300" u="none" strike="noStrike" cap="none">
                 <a:solidFill>
                   <a:srgbClr val="FFFB00"/>
                 </a:solidFill>
-                <a:latin typeface="Cabin"/>
-                <a:ea typeface="Cabin"/>
-                <a:cs typeface="Cabin"/>
+                <a:latin typeface="Arial" charset="0"/>
+                <a:ea typeface="Arial" charset="0"/>
+                <a:cs typeface="Arial" charset="0"/>
                 <a:sym typeface="Cabin"/>
               </a:rPr>
               <a:t>Each PartyAnimal object has a bit of data.</a:t>
@@ -24990,13 +25047,13 @@
               <a:buNone/>
             </a:pPr>
             <a:r>
-              <a:rPr lang="en" sz="2300" b="0" i="0" u="none" strike="noStrike" cap="none">
+              <a:rPr lang="en" sz="2300" u="none" strike="noStrike" cap="none">
                 <a:solidFill>
                   <a:srgbClr val="00F900"/>
                 </a:solidFill>
-                <a:latin typeface="Cabin"/>
-                <a:ea typeface="Cabin"/>
-                <a:cs typeface="Cabin"/>
+                <a:latin typeface="Arial" charset="0"/>
+                <a:ea typeface="Arial" charset="0"/>
+                <a:cs typeface="Arial" charset="0"/>
                 <a:sym typeface="Cabin"/>
               </a:rPr>
               <a:t>Each PartyAnimal object has a bit of code.</a:t>
@@ -25047,13 +25104,13 @@
               <a:buNone/>
             </a:pPr>
             <a:r>
-              <a:rPr lang="en" sz="2300" b="0" i="0" u="none" strike="noStrike" cap="none">
+              <a:rPr lang="en" sz="2300" u="none" strike="noStrike" cap="none">
                 <a:solidFill>
                   <a:srgbClr val="FF9300"/>
                 </a:solidFill>
-                <a:latin typeface="Cabin"/>
-                <a:ea typeface="Cabin"/>
-                <a:cs typeface="Cabin"/>
+                <a:latin typeface="Arial" charset="0"/>
+                <a:ea typeface="Arial" charset="0"/>
+                <a:cs typeface="Arial" charset="0"/>
                 <a:sym typeface="Cabin"/>
               </a:rPr>
               <a:t>Create a PartyAnimal object.</a:t>
@@ -25104,13 +25161,13 @@
               <a:buNone/>
             </a:pPr>
             <a:r>
-              <a:rPr lang="en" sz="2300" b="0" i="0" u="none" strike="noStrike" cap="none">
+              <a:rPr lang="en" sz="2300" u="none" strike="noStrike" cap="none">
                 <a:solidFill>
                   <a:srgbClr val="FF40FF"/>
                 </a:solidFill>
-                <a:latin typeface="Cabin"/>
-                <a:ea typeface="Cabin"/>
-                <a:cs typeface="Cabin"/>
+                <a:latin typeface="Arial" charset="0"/>
+                <a:ea typeface="Arial" charset="0"/>
+                <a:cs typeface="Arial" charset="0"/>
                 <a:sym typeface="Cabin"/>
               </a:rPr>
               <a:t>Tell the object to run the party() code.</a:t>
@@ -25187,25 +25244,25 @@
               <a:buNone/>
             </a:pPr>
             <a:r>
-              <a:rPr lang="en" sz="2300" b="0" i="0" u="none" strike="noStrike" cap="none">
-                <a:solidFill>
-                  <a:srgbClr val="FFFFFF"/>
-                </a:solidFill>
-                <a:latin typeface="Cabin"/>
-                <a:ea typeface="Cabin"/>
-                <a:cs typeface="Cabin"/>
+              <a:rPr lang="en" sz="2300" u="none" strike="noStrike" cap="none">
+                <a:solidFill>
+                  <a:srgbClr val="FFFFFF"/>
+                </a:solidFill>
+                <a:latin typeface="Arial" charset="0"/>
+                <a:ea typeface="Arial" charset="0"/>
+                <a:cs typeface="Arial" charset="0"/>
                 <a:sym typeface="Cabin"/>
               </a:rPr>
               <a:t>run party() *within* the object </a:t>
             </a:r>
             <a:r>
-              <a:rPr lang="en" sz="2300" b="0" i="0" u="none" strike="noStrike" cap="none">
+              <a:rPr lang="en" sz="2300" u="none" strike="noStrike" cap="none">
                 <a:solidFill>
                   <a:srgbClr val="FF40FF"/>
                 </a:solidFill>
-                <a:latin typeface="Cabin"/>
-                <a:ea typeface="Cabin"/>
-                <a:cs typeface="Cabin"/>
+                <a:latin typeface="Arial" charset="0"/>
+                <a:ea typeface="Arial" charset="0"/>
+                <a:cs typeface="Arial" charset="0"/>
                 <a:sym typeface="Cabin"/>
               </a:rPr>
               <a:t>an</a:t>
@@ -25256,73 +25313,73 @@
               <a:buNone/>
             </a:pPr>
             <a:r>
-              <a:rPr lang="en" sz="2300" b="0" i="0" u="none" strike="noStrike" cap="none">
+              <a:rPr lang="en" sz="2300" u="none" strike="noStrike" cap="none">
                 <a:solidFill>
                   <a:srgbClr val="00FDFF"/>
                 </a:solidFill>
-                <a:latin typeface="Cabin"/>
-                <a:ea typeface="Cabin"/>
-                <a:cs typeface="Cabin"/>
+                <a:latin typeface="Arial" charset="0"/>
+                <a:ea typeface="Arial" charset="0"/>
+                <a:cs typeface="Arial" charset="0"/>
                 <a:sym typeface="Cabin"/>
               </a:rPr>
               <a:t>PartyAnimal</a:t>
             </a:r>
             <a:r>
-              <a:rPr lang="en" sz="2300" b="0" i="0" u="none" strike="noStrike" cap="none">
-                <a:solidFill>
-                  <a:srgbClr val="FFFFFF"/>
-                </a:solidFill>
-                <a:latin typeface="Cabin"/>
-                <a:ea typeface="Cabin"/>
-                <a:cs typeface="Cabin"/>
+              <a:rPr lang="en" sz="2300" u="none" strike="noStrike" cap="none">
+                <a:solidFill>
+                  <a:srgbClr val="FFFFFF"/>
+                </a:solidFill>
+                <a:latin typeface="Arial" charset="0"/>
+                <a:ea typeface="Arial" charset="0"/>
+                <a:cs typeface="Arial" charset="0"/>
                 <a:sym typeface="Cabin"/>
               </a:rPr>
               <a:t>.</a:t>
             </a:r>
             <a:r>
-              <a:rPr lang="en" sz="2300" b="0" i="0" u="none" strike="noStrike" cap="none">
+              <a:rPr lang="en" sz="2300" u="none" strike="noStrike" cap="none">
                 <a:solidFill>
                   <a:srgbClr val="00F900"/>
                 </a:solidFill>
-                <a:latin typeface="Cabin"/>
-                <a:ea typeface="Cabin"/>
-                <a:cs typeface="Cabin"/>
+                <a:latin typeface="Arial" charset="0"/>
+                <a:ea typeface="Arial" charset="0"/>
+                <a:cs typeface="Arial" charset="0"/>
                 <a:sym typeface="Cabin"/>
               </a:rPr>
               <a:t>party</a:t>
             </a:r>
             <a:r>
-              <a:rPr lang="en" sz="2300" b="0" i="0" u="none" strike="noStrike" cap="none">
-                <a:solidFill>
-                  <a:srgbClr val="FFFFFF"/>
-                </a:solidFill>
-                <a:latin typeface="Cabin"/>
-                <a:ea typeface="Cabin"/>
-                <a:cs typeface="Cabin"/>
+              <a:rPr lang="en" sz="2300" u="none" strike="noStrike" cap="none">
+                <a:solidFill>
+                  <a:srgbClr val="FFFFFF"/>
+                </a:solidFill>
+                <a:latin typeface="Arial" charset="0"/>
+                <a:ea typeface="Arial" charset="0"/>
+                <a:cs typeface="Arial" charset="0"/>
                 <a:sym typeface="Cabin"/>
               </a:rPr>
               <a:t>(</a:t>
             </a:r>
             <a:r>
-              <a:rPr lang="en" sz="2300" b="0" i="0" u="none" strike="noStrike" cap="none">
+              <a:rPr lang="en" sz="2300" u="none" strike="noStrike" cap="none">
                 <a:solidFill>
                   <a:srgbClr val="FF40FF"/>
                 </a:solidFill>
-                <a:latin typeface="Cabin"/>
-                <a:ea typeface="Cabin"/>
-                <a:cs typeface="Cabin"/>
+                <a:latin typeface="Arial" charset="0"/>
+                <a:ea typeface="Arial" charset="0"/>
+                <a:cs typeface="Arial" charset="0"/>
                 <a:sym typeface="Cabin"/>
               </a:rPr>
               <a:t>an</a:t>
             </a:r>
             <a:r>
-              <a:rPr lang="en" sz="2300" b="0" i="0" u="none" strike="noStrike" cap="none">
-                <a:solidFill>
-                  <a:srgbClr val="FFFFFF"/>
-                </a:solidFill>
-                <a:latin typeface="Cabin"/>
-                <a:ea typeface="Cabin"/>
-                <a:cs typeface="Cabin"/>
+              <a:rPr lang="en" sz="2300" u="none" strike="noStrike" cap="none">
+                <a:solidFill>
+                  <a:srgbClr val="FFFFFF"/>
+                </a:solidFill>
+                <a:latin typeface="Arial" charset="0"/>
+                <a:ea typeface="Arial" charset="0"/>
+                <a:cs typeface="Arial" charset="0"/>
                 <a:sym typeface="Cabin"/>
               </a:rPr>
               <a:t>)</a:t>
@@ -25430,13 +25487,13 @@
               <a:buNone/>
             </a:pPr>
             <a:r>
-              <a:rPr lang="en" sz="2300" b="0" i="0" u="none" strike="noStrike" cap="none">
+              <a:rPr lang="en" sz="2300" u="none" strike="noStrike" cap="none">
                 <a:solidFill>
                   <a:srgbClr val="00FDFF"/>
                 </a:solidFill>
-                <a:latin typeface="Cabin"/>
-                <a:ea typeface="Cabin"/>
-                <a:cs typeface="Cabin"/>
+                <a:latin typeface="Arial" charset="0"/>
+                <a:ea typeface="Arial" charset="0"/>
+                <a:cs typeface="Arial" charset="0"/>
                 <a:sym typeface="Cabin"/>
               </a:rPr>
               <a:t> class PartyAnimal:</a:t>
@@ -25461,13 +25518,13 @@
               <a:buNone/>
             </a:pPr>
             <a:r>
-              <a:rPr lang="en" sz="2300" b="0" i="0" u="none" strike="noStrike" cap="none">
+              <a:rPr lang="en" sz="2300" u="none" strike="noStrike" cap="none">
                 <a:solidFill>
                   <a:srgbClr val="FFFB00"/>
                 </a:solidFill>
-                <a:latin typeface="Cabin"/>
-                <a:ea typeface="Cabin"/>
-                <a:cs typeface="Cabin"/>
+                <a:latin typeface="Arial" charset="0"/>
+                <a:ea typeface="Arial" charset="0"/>
+                <a:cs typeface="Arial" charset="0"/>
                 <a:sym typeface="Cabin"/>
               </a:rPr>
               <a:t>   x = 0</a:t>
@@ -25490,13 +25547,13 @@
               <a:buFont typeface="Cabin"/>
               <a:buNone/>
             </a:pPr>
-            <a:endParaRPr sz="2300" b="0" i="0" u="none" strike="noStrike" cap="none">
+            <a:endParaRPr sz="2300" u="none" strike="noStrike" cap="none">
               <a:solidFill>
                 <a:srgbClr val="FFFFFF"/>
               </a:solidFill>
-              <a:latin typeface="Cabin"/>
-              <a:ea typeface="Cabin"/>
-              <a:cs typeface="Cabin"/>
+              <a:latin typeface="Arial" charset="0"/>
+              <a:ea typeface="Arial" charset="0"/>
+              <a:cs typeface="Arial" charset="0"/>
               <a:sym typeface="Cabin"/>
             </a:endParaRPr>
           </a:p>
@@ -25519,13 +25576,13 @@
               <a:buNone/>
             </a:pPr>
             <a:r>
-              <a:rPr lang="en" sz="2300" b="0" i="0" u="none" strike="noStrike" cap="none">
+              <a:rPr lang="en" sz="2300" u="none" strike="noStrike" cap="none">
                 <a:solidFill>
                   <a:srgbClr val="00F900"/>
                 </a:solidFill>
-                <a:latin typeface="Cabin"/>
-                <a:ea typeface="Cabin"/>
-                <a:cs typeface="Cabin"/>
+                <a:latin typeface="Arial" charset="0"/>
+                <a:ea typeface="Arial" charset="0"/>
+                <a:cs typeface="Arial" charset="0"/>
                 <a:sym typeface="Cabin"/>
               </a:rPr>
               <a:t>   def party(self) :</a:t>
@@ -25550,13 +25607,13 @@
               <a:buNone/>
             </a:pPr>
             <a:r>
-              <a:rPr lang="en" sz="2300" b="0" i="0" u="none" strike="noStrike" cap="none">
+              <a:rPr lang="en" sz="2300" u="none" strike="noStrike" cap="none">
                 <a:solidFill>
                   <a:srgbClr val="00F900"/>
                 </a:solidFill>
-                <a:latin typeface="Cabin"/>
-                <a:ea typeface="Cabin"/>
-                <a:cs typeface="Cabin"/>
+                <a:latin typeface="Arial" charset="0"/>
+                <a:ea typeface="Arial" charset="0"/>
+                <a:cs typeface="Arial" charset="0"/>
                 <a:sym typeface="Cabin"/>
               </a:rPr>
               <a:t>     self.x = self.x + 1</a:t>
@@ -25581,13 +25638,13 @@
               <a:buNone/>
             </a:pPr>
             <a:r>
-              <a:rPr lang="en" sz="2300" b="0" i="0" u="none" strike="noStrike" cap="none">
+              <a:rPr lang="en" sz="2300" u="none" strike="noStrike" cap="none">
                 <a:solidFill>
                   <a:srgbClr val="00F900"/>
                 </a:solidFill>
-                <a:latin typeface="Cabin"/>
-                <a:ea typeface="Cabin"/>
-                <a:cs typeface="Cabin"/>
+                <a:latin typeface="Arial" charset="0"/>
+                <a:ea typeface="Arial" charset="0"/>
+                <a:cs typeface="Arial" charset="0"/>
                 <a:sym typeface="Cabin"/>
               </a:rPr>
               <a:t>     print "So far",self.x</a:t>
@@ -25610,13 +25667,13 @@
               <a:buFont typeface="Cabin"/>
               <a:buNone/>
             </a:pPr>
-            <a:endParaRPr sz="2300" b="0" i="0" u="none" strike="noStrike" cap="none">
+            <a:endParaRPr sz="2300" u="none" strike="noStrike" cap="none">
               <a:solidFill>
                 <a:srgbClr val="FFFFFF"/>
               </a:solidFill>
-              <a:latin typeface="Cabin"/>
-              <a:ea typeface="Cabin"/>
-              <a:cs typeface="Cabin"/>
+              <a:latin typeface="Arial" charset="0"/>
+              <a:ea typeface="Arial" charset="0"/>
+              <a:cs typeface="Arial" charset="0"/>
               <a:sym typeface="Cabin"/>
             </a:endParaRPr>
           </a:p>
@@ -25639,13 +25696,13 @@
               <a:buNone/>
             </a:pPr>
             <a:r>
-              <a:rPr lang="en" sz="2300" b="0" i="0" u="none" strike="noStrike" cap="none">
+              <a:rPr lang="en" sz="2300" u="none" strike="noStrike" cap="none">
                 <a:solidFill>
                   <a:srgbClr val="FF9300"/>
                 </a:solidFill>
-                <a:latin typeface="Cabin"/>
-                <a:ea typeface="Cabin"/>
-                <a:cs typeface="Cabin"/>
+                <a:latin typeface="Arial" charset="0"/>
+                <a:ea typeface="Arial" charset="0"/>
+                <a:cs typeface="Arial" charset="0"/>
                 <a:sym typeface="Cabin"/>
               </a:rPr>
               <a:t> an = PartyAnimal()</a:t>
@@ -25668,13 +25725,13 @@
               <a:buFont typeface="Cabin"/>
               <a:buNone/>
             </a:pPr>
-            <a:endParaRPr sz="2300" b="0" i="0" u="none" strike="noStrike" cap="none">
+            <a:endParaRPr sz="2300" u="none" strike="noStrike" cap="none">
               <a:solidFill>
                 <a:srgbClr val="FF9300"/>
               </a:solidFill>
-              <a:latin typeface="Cabin"/>
-              <a:ea typeface="Cabin"/>
-              <a:cs typeface="Cabin"/>
+              <a:latin typeface="Arial" charset="0"/>
+              <a:ea typeface="Arial" charset="0"/>
+              <a:cs typeface="Arial" charset="0"/>
               <a:sym typeface="Cabin"/>
             </a:endParaRPr>
           </a:p>
@@ -25697,13 +25754,13 @@
               <a:buNone/>
             </a:pPr>
             <a:r>
-              <a:rPr lang="en" sz="2300" b="0" i="0" u="none" strike="noStrike" cap="none">
+              <a:rPr lang="en" sz="2300" u="none" strike="noStrike" cap="none">
                 <a:solidFill>
                   <a:srgbClr val="FF40FF"/>
                 </a:solidFill>
-                <a:latin typeface="Cabin"/>
-                <a:ea typeface="Cabin"/>
-                <a:cs typeface="Cabin"/>
+                <a:latin typeface="Arial" charset="0"/>
+                <a:ea typeface="Arial" charset="0"/>
+                <a:cs typeface="Arial" charset="0"/>
                 <a:sym typeface="Cabin"/>
               </a:rPr>
               <a:t> an.party()</a:t>
@@ -25728,13 +25785,13 @@
               <a:buNone/>
             </a:pPr>
             <a:r>
-              <a:rPr lang="en" sz="2300" b="0" i="0" u="none" strike="noStrike" cap="none">
+              <a:rPr lang="en" sz="2300" u="none" strike="noStrike" cap="none">
                 <a:solidFill>
                   <a:srgbClr val="FF40FF"/>
                 </a:solidFill>
-                <a:latin typeface="Cabin"/>
-                <a:ea typeface="Cabin"/>
-                <a:cs typeface="Cabin"/>
+                <a:latin typeface="Arial" charset="0"/>
+                <a:ea typeface="Arial" charset="0"/>
+                <a:cs typeface="Arial" charset="0"/>
                 <a:sym typeface="Cabin"/>
               </a:rPr>
               <a:t> an.party()</a:t>
@@ -25759,13 +25816,13 @@
               <a:buNone/>
             </a:pPr>
             <a:r>
-              <a:rPr lang="en" sz="2300" b="0" i="0" u="none" strike="noStrike" cap="none">
+              <a:rPr lang="en" sz="2300" u="none" strike="noStrike" cap="none">
                 <a:solidFill>
                   <a:srgbClr val="FF40FF"/>
                 </a:solidFill>
-                <a:latin typeface="Cabin"/>
-                <a:ea typeface="Cabin"/>
-                <a:cs typeface="Cabin"/>
+                <a:latin typeface="Arial" charset="0"/>
+                <a:ea typeface="Arial" charset="0"/>
+                <a:cs typeface="Arial" charset="0"/>
                 <a:sym typeface="Cabin"/>
               </a:rPr>
               <a:t> an.party()</a:t>
@@ -25816,37 +25873,37 @@
               <a:buNone/>
             </a:pPr>
             <a:r>
-              <a:rPr lang="en" sz="2300" b="0" i="0" u="none" strike="noStrike" cap="none">
-                <a:solidFill>
-                  <a:srgbClr val="FFFFFF"/>
-                </a:solidFill>
-                <a:latin typeface="Cabin"/>
-                <a:ea typeface="Cabin"/>
-                <a:cs typeface="Cabin"/>
+              <a:rPr lang="en" sz="2300" u="none" strike="noStrike" cap="none">
+                <a:solidFill>
+                  <a:srgbClr val="FFFFFF"/>
+                </a:solidFill>
+                <a:latin typeface="Arial" charset="0"/>
+                <a:ea typeface="Arial" charset="0"/>
+                <a:cs typeface="Arial" charset="0"/>
                 <a:sym typeface="Cabin"/>
               </a:rPr>
               <a:t>$</a:t>
             </a:r>
             <a:r>
-              <a:rPr lang="en" sz="2400" b="0" i="0" u="none" strike="noStrike" cap="none">
-                <a:solidFill>
-                  <a:srgbClr val="FFFFFF"/>
-                </a:solidFill>
-                <a:latin typeface="Cabin"/>
-                <a:ea typeface="Cabin"/>
-                <a:cs typeface="Cabin"/>
+              <a:rPr lang="en" sz="2400" u="none" strike="noStrike" cap="none">
+                <a:solidFill>
+                  <a:srgbClr val="FFFFFF"/>
+                </a:solidFill>
+                <a:latin typeface="Arial" charset="0"/>
+                <a:ea typeface="Arial" charset="0"/>
+                <a:cs typeface="Arial" charset="0"/>
                 <a:sym typeface="Cabin"/>
               </a:rPr>
               <a:t> </a:t>
             </a:r>
             <a:r>
-              <a:rPr lang="en" sz="2400" b="0" i="0" u="none" strike="noStrike" cap="none">
+              <a:rPr lang="en" sz="2400" u="none" strike="noStrike" cap="none">
                 <a:solidFill>
                   <a:srgbClr val="FFFB00"/>
                 </a:solidFill>
-                <a:latin typeface="Cabin"/>
-                <a:ea typeface="Cabin"/>
-                <a:cs typeface="Cabin"/>
+                <a:latin typeface="Arial" charset="0"/>
+                <a:ea typeface="Arial" charset="0"/>
+                <a:cs typeface="Arial" charset="0"/>
                 <a:sym typeface="Cabin"/>
               </a:rPr>
               <a:t>python party1.py</a:t>
@@ -25871,13 +25928,13 @@
               <a:buNone/>
             </a:pPr>
             <a:r>
-              <a:rPr lang="en" sz="2300" b="0" i="0" u="none" strike="noStrike" cap="none">
-                <a:solidFill>
-                  <a:srgbClr val="FFFFFF"/>
-                </a:solidFill>
-                <a:latin typeface="Cabin"/>
-                <a:ea typeface="Cabin"/>
-                <a:cs typeface="Cabin"/>
+              <a:rPr lang="en" sz="2300" u="none" strike="noStrike" cap="none">
+                <a:solidFill>
+                  <a:srgbClr val="FFFFFF"/>
+                </a:solidFill>
+                <a:latin typeface="Arial" charset="0"/>
+                <a:ea typeface="Arial" charset="0"/>
+                <a:cs typeface="Arial" charset="0"/>
                 <a:sym typeface="Cabin"/>
               </a:rPr>
               <a:t>So far 1</a:t>
@@ -25902,13 +25959,13 @@
               <a:buNone/>
             </a:pPr>
             <a:r>
-              <a:rPr lang="en" sz="2300" b="0" i="0" u="none" strike="noStrike" cap="none">
-                <a:solidFill>
-                  <a:srgbClr val="FFFFFF"/>
-                </a:solidFill>
-                <a:latin typeface="Cabin"/>
-                <a:ea typeface="Cabin"/>
-                <a:cs typeface="Cabin"/>
+              <a:rPr lang="en" sz="2300" u="none" strike="noStrike" cap="none">
+                <a:solidFill>
+                  <a:srgbClr val="FFFFFF"/>
+                </a:solidFill>
+                <a:latin typeface="Arial" charset="0"/>
+                <a:ea typeface="Arial" charset="0"/>
+                <a:cs typeface="Arial" charset="0"/>
                 <a:sym typeface="Cabin"/>
               </a:rPr>
               <a:t>So far 2</a:t>
@@ -25933,13 +25990,13 @@
               <a:buNone/>
             </a:pPr>
             <a:r>
-              <a:rPr lang="en" sz="2300" b="0" i="0" u="none" strike="noStrike" cap="none">
-                <a:solidFill>
-                  <a:srgbClr val="FFFFFF"/>
-                </a:solidFill>
-                <a:latin typeface="Cabin"/>
-                <a:ea typeface="Cabin"/>
-                <a:cs typeface="Cabin"/>
+              <a:rPr lang="en" sz="2300" u="none" strike="noStrike" cap="none">
+                <a:solidFill>
+                  <a:srgbClr val="FFFFFF"/>
+                </a:solidFill>
+                <a:latin typeface="Arial" charset="0"/>
+                <a:ea typeface="Arial" charset="0"/>
+                <a:cs typeface="Arial" charset="0"/>
                 <a:sym typeface="Cabin"/>
               </a:rPr>
               <a:t>So far 3</a:t>
@@ -26014,21 +26071,21 @@
                   <a:solidFill>
                     <a:srgbClr val="FFFFFF"/>
                   </a:solidFill>
-                  <a:latin typeface="Cabin"/>
-                  <a:ea typeface="Cabin"/>
-                  <a:cs typeface="Cabin"/>
+                  <a:latin typeface="Arial" charset="0"/>
+                  <a:ea typeface="Arial" charset="0"/>
+                  <a:cs typeface="Arial" charset="0"/>
                   <a:sym typeface="Cabin"/>
                 </a:rPr>
                 <a:t> </a:t>
               </a:r>
               <a:r>
-                <a:rPr lang="en" sz="2400" b="0" i="0" u="none" strike="noStrike" cap="none">
+                <a:rPr lang="en" sz="2400" u="none" strike="noStrike" cap="none">
                   <a:solidFill>
                     <a:srgbClr val="FFFFFF"/>
                   </a:solidFill>
-                  <a:latin typeface="Cabin"/>
-                  <a:ea typeface="Cabin"/>
-                  <a:cs typeface="Cabin"/>
+                  <a:latin typeface="Arial" charset="0"/>
+                  <a:ea typeface="Arial" charset="0"/>
+                  <a:cs typeface="Arial" charset="0"/>
                   <a:sym typeface="Cabin"/>
                 </a:rPr>
                 <a:t>an</a:t>
@@ -26082,21 +26139,21 @@
               </a:pPr>
               <a:r>
                 <a:rPr lang="en" sz="2900">
-                  <a:latin typeface="Cabin"/>
-                  <a:ea typeface="Cabin"/>
-                  <a:cs typeface="Cabin"/>
+                  <a:latin typeface="Arial" charset="0"/>
+                  <a:ea typeface="Arial" charset="0"/>
+                  <a:cs typeface="Arial" charset="0"/>
                   <a:sym typeface="Cabin"/>
                 </a:rPr>
                 <a:t> </a:t>
               </a:r>
               <a:r>
-                <a:rPr lang="en" sz="2900" b="0" i="0" u="none" strike="noStrike" cap="none">
+                <a:rPr lang="en" sz="2900" u="none" strike="noStrike" cap="none">
                   <a:solidFill>
                     <a:srgbClr val="000000"/>
                   </a:solidFill>
-                  <a:latin typeface="Cabin"/>
-                  <a:ea typeface="Cabin"/>
-                  <a:cs typeface="Cabin"/>
+                  <a:latin typeface="Arial" charset="0"/>
+                  <a:ea typeface="Arial" charset="0"/>
+                  <a:cs typeface="Arial" charset="0"/>
                   <a:sym typeface="Cabin"/>
                 </a:rPr>
                 <a:t>x</a:t>
@@ -26150,21 +26207,21 @@
               </a:pPr>
               <a:r>
                 <a:rPr lang="en" sz="2400">
-                  <a:latin typeface="Cabin"/>
-                  <a:ea typeface="Cabin"/>
-                  <a:cs typeface="Cabin"/>
+                  <a:latin typeface="Arial" charset="0"/>
+                  <a:ea typeface="Arial" charset="0"/>
+                  <a:cs typeface="Arial" charset="0"/>
                   <a:sym typeface="Cabin"/>
                 </a:rPr>
                 <a:t> </a:t>
               </a:r>
               <a:r>
-                <a:rPr lang="en" sz="2400" b="0" i="0" u="none" strike="noStrike" cap="none">
+                <a:rPr lang="en" sz="2400" u="none" strike="noStrike" cap="none">
                   <a:solidFill>
                     <a:srgbClr val="000000"/>
                   </a:solidFill>
-                  <a:latin typeface="Cabin"/>
-                  <a:ea typeface="Cabin"/>
-                  <a:cs typeface="Cabin"/>
+                  <a:latin typeface="Arial" charset="0"/>
+                  <a:ea typeface="Arial" charset="0"/>
+                  <a:cs typeface="Arial" charset="0"/>
                   <a:sym typeface="Cabin"/>
                 </a:rPr>
                 <a:t>party()</a:t>
@@ -26216,13 +26273,13 @@
               <a:buNone/>
             </a:pPr>
             <a:r>
-              <a:rPr lang="en" sz="2300" b="0" i="0" u="none" strike="noStrike" cap="none">
+              <a:rPr lang="en" sz="2300" u="none" strike="noStrike" cap="none">
                 <a:solidFill>
                   <a:srgbClr val="000000"/>
                 </a:solidFill>
-                <a:latin typeface="Cabin"/>
-                <a:ea typeface="Cabin"/>
-                <a:cs typeface="Cabin"/>
+                <a:latin typeface="Arial" charset="0"/>
+                <a:ea typeface="Arial" charset="0"/>
+                <a:cs typeface="Arial" charset="0"/>
                 <a:sym typeface="Cabin"/>
               </a:rPr>
               <a:t>0</a:t>
@@ -26281,13 +26338,13 @@
               <a:buFont typeface="Cabin"/>
               <a:buNone/>
             </a:pPr>
-            <a:endParaRPr sz="2300" b="0" i="0" u="none" strike="noStrike" cap="none">
+            <a:endParaRPr sz="2300" u="none" strike="noStrike" cap="none">
               <a:solidFill>
                 <a:srgbClr val="FFFFFF"/>
               </a:solidFill>
-              <a:latin typeface="Cabin"/>
-              <a:ea typeface="Cabin"/>
-              <a:cs typeface="Cabin"/>
+              <a:latin typeface="Arial" charset="0"/>
+              <a:ea typeface="Arial" charset="0"/>
+              <a:cs typeface="Arial" charset="0"/>
               <a:sym typeface="Cabin"/>
             </a:endParaRPr>
           </a:p>
@@ -26344,13 +26401,13 @@
               <a:buFont typeface="Cabin"/>
               <a:buNone/>
             </a:pPr>
-            <a:endParaRPr sz="2300" b="0" i="0" u="none" strike="noStrike" cap="none">
+            <a:endParaRPr sz="2300" u="none" strike="noStrike" cap="none">
               <a:solidFill>
                 <a:srgbClr val="FFFFFF"/>
               </a:solidFill>
-              <a:latin typeface="Cabin"/>
-              <a:ea typeface="Cabin"/>
-              <a:cs typeface="Cabin"/>
+              <a:latin typeface="Arial" charset="0"/>
+              <a:ea typeface="Arial" charset="0"/>
+              <a:cs typeface="Arial" charset="0"/>
               <a:sym typeface="Cabin"/>
             </a:endParaRPr>
           </a:p>
@@ -26399,13 +26456,13 @@
               <a:buFont typeface="Cabin"/>
               <a:buNone/>
             </a:pPr>
-            <a:endParaRPr sz="2300" b="0" i="0" u="none" strike="noStrike" cap="none">
+            <a:endParaRPr sz="2300" u="none" strike="noStrike" cap="none">
               <a:solidFill>
                 <a:srgbClr val="FFFFFF"/>
               </a:solidFill>
-              <a:latin typeface="Cabin"/>
-              <a:ea typeface="Cabin"/>
-              <a:cs typeface="Cabin"/>
+              <a:latin typeface="Arial" charset="0"/>
+              <a:ea typeface="Arial" charset="0"/>
+              <a:cs typeface="Arial" charset="0"/>
               <a:sym typeface="Cabin"/>
             </a:endParaRPr>
           </a:p>
@@ -26454,13 +26511,13 @@
               <a:buFont typeface="Cabin"/>
               <a:buNone/>
             </a:pPr>
-            <a:endParaRPr sz="2300" b="0" i="0" u="none" strike="noStrike" cap="none">
+            <a:endParaRPr sz="2300" u="none" strike="noStrike" cap="none">
               <a:solidFill>
                 <a:srgbClr val="FFFFFF"/>
               </a:solidFill>
-              <a:latin typeface="Cabin"/>
-              <a:ea typeface="Cabin"/>
-              <a:cs typeface="Cabin"/>
+              <a:latin typeface="Arial" charset="0"/>
+              <a:ea typeface="Arial" charset="0"/>
+              <a:cs typeface="Arial" charset="0"/>
               <a:sym typeface="Cabin"/>
             </a:endParaRPr>
           </a:p>
@@ -26509,13 +26566,13 @@
               <a:buFont typeface="Cabin"/>
               <a:buNone/>
             </a:pPr>
-            <a:endParaRPr sz="2300" b="0" i="0" u="none" strike="noStrike" cap="none">
+            <a:endParaRPr sz="2300" u="none" strike="noStrike" cap="none">
               <a:solidFill>
                 <a:srgbClr val="FFFFFF"/>
               </a:solidFill>
-              <a:latin typeface="Cabin"/>
-              <a:ea typeface="Cabin"/>
-              <a:cs typeface="Cabin"/>
+              <a:latin typeface="Arial" charset="0"/>
+              <a:ea typeface="Arial" charset="0"/>
+              <a:cs typeface="Arial" charset="0"/>
               <a:sym typeface="Cabin"/>
             </a:endParaRPr>
           </a:p>
@@ -26678,13 +26735,13 @@
               <a:buNone/>
             </a:pPr>
             <a:r>
-              <a:rPr lang="en" sz="2300" b="0" i="0" u="none" strike="noStrike" cap="none">
+              <a:rPr lang="en" sz="2300" u="none" strike="noStrike" cap="none">
                 <a:solidFill>
                   <a:srgbClr val="00FDFF"/>
                 </a:solidFill>
-                <a:latin typeface="Cabin"/>
-                <a:ea typeface="Cabin"/>
-                <a:cs typeface="Cabin"/>
+                <a:latin typeface="Arial" charset="0"/>
+                <a:ea typeface="Arial" charset="0"/>
+                <a:cs typeface="Arial" charset="0"/>
                 <a:sym typeface="Cabin"/>
               </a:rPr>
               <a:t> class PartyAnimal:</a:t>
@@ -26709,13 +26766,13 @@
               <a:buNone/>
             </a:pPr>
             <a:r>
-              <a:rPr lang="en" sz="2300" b="0" i="0" u="none" strike="noStrike" cap="none">
+              <a:rPr lang="en" sz="2300" u="none" strike="noStrike" cap="none">
                 <a:solidFill>
                   <a:srgbClr val="FFFB00"/>
                 </a:solidFill>
-                <a:latin typeface="Cabin"/>
-                <a:ea typeface="Cabin"/>
-                <a:cs typeface="Cabin"/>
+                <a:latin typeface="Arial" charset="0"/>
+                <a:ea typeface="Arial" charset="0"/>
+                <a:cs typeface="Arial" charset="0"/>
                 <a:sym typeface="Cabin"/>
               </a:rPr>
               <a:t>   x = 0</a:t>
@@ -26738,13 +26795,13 @@
               <a:buFont typeface="Cabin"/>
               <a:buNone/>
             </a:pPr>
-            <a:endParaRPr sz="2300" b="0" i="0" u="none" strike="noStrike" cap="none">
+            <a:endParaRPr sz="2300" u="none" strike="noStrike" cap="none">
               <a:solidFill>
                 <a:srgbClr val="FFFFFF"/>
               </a:solidFill>
-              <a:latin typeface="Cabin"/>
-              <a:ea typeface="Cabin"/>
-              <a:cs typeface="Cabin"/>
+              <a:latin typeface="Arial" charset="0"/>
+              <a:ea typeface="Arial" charset="0"/>
+              <a:cs typeface="Arial" charset="0"/>
               <a:sym typeface="Cabin"/>
             </a:endParaRPr>
           </a:p>
@@ -26767,13 +26824,13 @@
               <a:buNone/>
             </a:pPr>
             <a:r>
-              <a:rPr lang="en" sz="2300" b="0" i="0" u="none" strike="noStrike" cap="none">
+              <a:rPr lang="en" sz="2300" u="none" strike="noStrike" cap="none">
                 <a:solidFill>
                   <a:srgbClr val="00F900"/>
                 </a:solidFill>
-                <a:latin typeface="Cabin"/>
-                <a:ea typeface="Cabin"/>
-                <a:cs typeface="Cabin"/>
+                <a:latin typeface="Arial" charset="0"/>
+                <a:ea typeface="Arial" charset="0"/>
+                <a:cs typeface="Arial" charset="0"/>
                 <a:sym typeface="Cabin"/>
               </a:rPr>
               <a:t>   def party(self) :</a:t>
@@ -26798,13 +26855,13 @@
               <a:buNone/>
             </a:pPr>
             <a:r>
-              <a:rPr lang="en" sz="2300" b="0" i="0" u="none" strike="noStrike" cap="none">
+              <a:rPr lang="en" sz="2300" u="none" strike="noStrike" cap="none">
                 <a:solidFill>
                   <a:srgbClr val="00F900"/>
                 </a:solidFill>
-                <a:latin typeface="Cabin"/>
-                <a:ea typeface="Cabin"/>
-                <a:cs typeface="Cabin"/>
+                <a:latin typeface="Arial" charset="0"/>
+                <a:ea typeface="Arial" charset="0"/>
+                <a:cs typeface="Arial" charset="0"/>
                 <a:sym typeface="Cabin"/>
               </a:rPr>
               <a:t>     self.x = self.x + 1</a:t>
@@ -26829,13 +26886,13 @@
               <a:buNone/>
             </a:pPr>
             <a:r>
-              <a:rPr lang="en" sz="2300" b="0" i="0" u="none" strike="noStrike" cap="none">
+              <a:rPr lang="en" sz="2300" u="none" strike="noStrike" cap="none">
                 <a:solidFill>
                   <a:srgbClr val="00F900"/>
                 </a:solidFill>
-                <a:latin typeface="Cabin"/>
-                <a:ea typeface="Cabin"/>
-                <a:cs typeface="Cabin"/>
+                <a:latin typeface="Arial" charset="0"/>
+                <a:ea typeface="Arial" charset="0"/>
+                <a:cs typeface="Arial" charset="0"/>
                 <a:sym typeface="Cabin"/>
               </a:rPr>
               <a:t>     print "So far",self.x</a:t>
@@ -26858,13 +26915,13 @@
               <a:buFont typeface="Cabin"/>
               <a:buNone/>
             </a:pPr>
-            <a:endParaRPr sz="2300" b="0" i="0" u="none" strike="noStrike" cap="none">
+            <a:endParaRPr sz="2300" u="none" strike="noStrike" cap="none">
               <a:solidFill>
                 <a:srgbClr val="FFFFFF"/>
               </a:solidFill>
-              <a:latin typeface="Cabin"/>
-              <a:ea typeface="Cabin"/>
-              <a:cs typeface="Cabin"/>
+              <a:latin typeface="Arial" charset="0"/>
+              <a:ea typeface="Arial" charset="0"/>
+              <a:cs typeface="Arial" charset="0"/>
               <a:sym typeface="Cabin"/>
             </a:endParaRPr>
           </a:p>
@@ -26887,13 +26944,13 @@
               <a:buNone/>
             </a:pPr>
             <a:r>
-              <a:rPr lang="en" sz="2300" b="0" i="0" u="none" strike="noStrike" cap="none">
+              <a:rPr lang="en" sz="2300" u="none" strike="noStrike" cap="none">
                 <a:solidFill>
                   <a:srgbClr val="FF9300"/>
                 </a:solidFill>
-                <a:latin typeface="Cabin"/>
-                <a:ea typeface="Cabin"/>
-                <a:cs typeface="Cabin"/>
+                <a:latin typeface="Arial" charset="0"/>
+                <a:ea typeface="Arial" charset="0"/>
+                <a:cs typeface="Arial" charset="0"/>
                 <a:sym typeface="Cabin"/>
               </a:rPr>
               <a:t> an = PartyAnimal()</a:t>
@@ -26916,13 +26973,13 @@
               <a:buFont typeface="Cabin"/>
               <a:buNone/>
             </a:pPr>
-            <a:endParaRPr sz="2300" b="0" i="0" u="none" strike="noStrike" cap="none">
+            <a:endParaRPr sz="2300" u="none" strike="noStrike" cap="none">
               <a:solidFill>
                 <a:srgbClr val="FF9300"/>
               </a:solidFill>
-              <a:latin typeface="Cabin"/>
-              <a:ea typeface="Cabin"/>
-              <a:cs typeface="Cabin"/>
+              <a:latin typeface="Arial" charset="0"/>
+              <a:ea typeface="Arial" charset="0"/>
+              <a:cs typeface="Arial" charset="0"/>
               <a:sym typeface="Cabin"/>
             </a:endParaRPr>
           </a:p>
@@ -26945,13 +27002,13 @@
               <a:buNone/>
             </a:pPr>
             <a:r>
-              <a:rPr lang="en" sz="2300" b="0" i="0" u="none" strike="noStrike" cap="none">
+              <a:rPr lang="en" sz="2300" u="none" strike="noStrike" cap="none">
                 <a:solidFill>
                   <a:srgbClr val="FF40FF"/>
                 </a:solidFill>
-                <a:latin typeface="Cabin"/>
-                <a:ea typeface="Cabin"/>
-                <a:cs typeface="Cabin"/>
+                <a:latin typeface="Arial" charset="0"/>
+                <a:ea typeface="Arial" charset="0"/>
+                <a:cs typeface="Arial" charset="0"/>
                 <a:sym typeface="Cabin"/>
               </a:rPr>
               <a:t> an.party()</a:t>
@@ -26976,13 +27033,13 @@
               <a:buNone/>
             </a:pPr>
             <a:r>
-              <a:rPr lang="en" sz="2300" b="0" i="0" u="none" strike="noStrike" cap="none">
+              <a:rPr lang="en" sz="2300" u="none" strike="noStrike" cap="none">
                 <a:solidFill>
                   <a:srgbClr val="FF40FF"/>
                 </a:solidFill>
-                <a:latin typeface="Cabin"/>
-                <a:ea typeface="Cabin"/>
-                <a:cs typeface="Cabin"/>
+                <a:latin typeface="Arial" charset="0"/>
+                <a:ea typeface="Arial" charset="0"/>
+                <a:cs typeface="Arial" charset="0"/>
                 <a:sym typeface="Cabin"/>
               </a:rPr>
               <a:t> an.party()</a:t>
@@ -27007,13 +27064,13 @@
               <a:buNone/>
             </a:pPr>
             <a:r>
-              <a:rPr lang="en" sz="2300" b="0" i="0" u="none" strike="noStrike" cap="none">
+              <a:rPr lang="en" sz="2300" u="none" strike="noStrike" cap="none">
                 <a:solidFill>
                   <a:srgbClr val="FF40FF"/>
                 </a:solidFill>
-                <a:latin typeface="Cabin"/>
-                <a:ea typeface="Cabin"/>
-                <a:cs typeface="Cabin"/>
+                <a:latin typeface="Arial" charset="0"/>
+                <a:ea typeface="Arial" charset="0"/>
+                <a:cs typeface="Arial" charset="0"/>
                 <a:sym typeface="Cabin"/>
               </a:rPr>
               <a:t> an.party()</a:t>
@@ -27088,21 +27145,21 @@
                   <a:solidFill>
                     <a:srgbClr val="FFFFFF"/>
                   </a:solidFill>
-                  <a:latin typeface="Cabin"/>
-                  <a:ea typeface="Cabin"/>
-                  <a:cs typeface="Cabin"/>
+                  <a:latin typeface="Arial" charset="0"/>
+                  <a:ea typeface="Arial" charset="0"/>
+                  <a:cs typeface="Arial" charset="0"/>
                   <a:sym typeface="Cabin"/>
                 </a:rPr>
                 <a:t> </a:t>
               </a:r>
               <a:r>
-                <a:rPr lang="en" sz="2500" b="0" i="0" u="none" strike="noStrike" cap="none">
+                <a:rPr lang="en" sz="2500" u="none" strike="noStrike" cap="none">
                   <a:solidFill>
                     <a:srgbClr val="FFFFFF"/>
                   </a:solidFill>
-                  <a:latin typeface="Cabin"/>
-                  <a:ea typeface="Cabin"/>
-                  <a:cs typeface="Cabin"/>
+                  <a:latin typeface="Arial" charset="0"/>
+                  <a:ea typeface="Arial" charset="0"/>
+                  <a:cs typeface="Arial" charset="0"/>
                   <a:sym typeface="Cabin"/>
                 </a:rPr>
                 <a:t>an</a:t>
@@ -27156,21 +27213,21 @@
               </a:pPr>
               <a:r>
                 <a:rPr lang="en" sz="2900">
-                  <a:latin typeface="Cabin"/>
-                  <a:ea typeface="Cabin"/>
-                  <a:cs typeface="Cabin"/>
+                  <a:latin typeface="Arial" charset="0"/>
+                  <a:ea typeface="Arial" charset="0"/>
+                  <a:cs typeface="Arial" charset="0"/>
                   <a:sym typeface="Cabin"/>
                 </a:rPr>
                 <a:t> </a:t>
               </a:r>
               <a:r>
-                <a:rPr lang="en" sz="2900" b="0" i="0" u="none" strike="noStrike" cap="none">
+                <a:rPr lang="en" sz="2900" u="none" strike="noStrike" cap="none">
                   <a:solidFill>
                     <a:srgbClr val="000000"/>
                   </a:solidFill>
-                  <a:latin typeface="Cabin"/>
-                  <a:ea typeface="Cabin"/>
-                  <a:cs typeface="Cabin"/>
+                  <a:latin typeface="Arial" charset="0"/>
+                  <a:ea typeface="Arial" charset="0"/>
+                  <a:cs typeface="Arial" charset="0"/>
                   <a:sym typeface="Cabin"/>
                 </a:rPr>
                 <a:t>x</a:t>
@@ -27224,21 +27281,21 @@
               </a:pPr>
               <a:r>
                 <a:rPr lang="en" sz="2400">
-                  <a:latin typeface="Cabin"/>
-                  <a:ea typeface="Cabin"/>
-                  <a:cs typeface="Cabin"/>
+                  <a:latin typeface="Arial" charset="0"/>
+                  <a:ea typeface="Arial" charset="0"/>
+                  <a:cs typeface="Arial" charset="0"/>
                   <a:sym typeface="Cabin"/>
                 </a:rPr>
                 <a:t> </a:t>
               </a:r>
               <a:r>
-                <a:rPr lang="en" sz="2400" b="0" i="0" u="none" strike="noStrike" cap="none">
+                <a:rPr lang="en" sz="2400" u="none" strike="noStrike" cap="none">
                   <a:solidFill>
                     <a:srgbClr val="000000"/>
                   </a:solidFill>
-                  <a:latin typeface="Cabin"/>
-                  <a:ea typeface="Cabin"/>
-                  <a:cs typeface="Cabin"/>
+                  <a:latin typeface="Arial" charset="0"/>
+                  <a:ea typeface="Arial" charset="0"/>
+                  <a:cs typeface="Arial" charset="0"/>
                   <a:sym typeface="Cabin"/>
                 </a:rPr>
                 <a:t>party()</a:t>
@@ -27290,13 +27347,13 @@
               <a:buNone/>
             </a:pPr>
             <a:r>
-              <a:rPr lang="en" sz="2300" b="0" i="0" u="none" strike="noStrike" cap="none">
+              <a:rPr lang="en" sz="2300" u="none" strike="noStrike" cap="none">
                 <a:solidFill>
                   <a:srgbClr val="000000"/>
                 </a:solidFill>
-                <a:latin typeface="Cabin"/>
-                <a:ea typeface="Cabin"/>
-                <a:cs typeface="Cabin"/>
+                <a:latin typeface="Arial" charset="0"/>
+                <a:ea typeface="Arial" charset="0"/>
+                <a:cs typeface="Arial" charset="0"/>
                 <a:sym typeface="Cabin"/>
               </a:rPr>
               <a:t>0</a:t>
@@ -27355,13 +27412,13 @@
               <a:buFont typeface="Cabin"/>
               <a:buNone/>
             </a:pPr>
-            <a:endParaRPr sz="2300" b="0" i="0" u="none" strike="noStrike" cap="none">
+            <a:endParaRPr sz="2300" u="none" strike="noStrike" cap="none">
               <a:solidFill>
                 <a:srgbClr val="FFFFFF"/>
               </a:solidFill>
-              <a:latin typeface="Cabin"/>
-              <a:ea typeface="Cabin"/>
-              <a:cs typeface="Cabin"/>
+              <a:latin typeface="Arial" charset="0"/>
+              <a:ea typeface="Arial" charset="0"/>
+              <a:cs typeface="Arial" charset="0"/>
               <a:sym typeface="Cabin"/>
             </a:endParaRPr>
           </a:p>
@@ -27418,13 +27475,13 @@
               <a:buFont typeface="Cabin"/>
               <a:buNone/>
             </a:pPr>
-            <a:endParaRPr sz="2300" b="0" i="0" u="none" strike="noStrike" cap="none">
+            <a:endParaRPr sz="2300" u="none" strike="noStrike" cap="none">
               <a:solidFill>
                 <a:srgbClr val="FFFFFF"/>
               </a:solidFill>
-              <a:latin typeface="Cabin"/>
-              <a:ea typeface="Cabin"/>
-              <a:cs typeface="Cabin"/>
+              <a:latin typeface="Arial" charset="0"/>
+              <a:ea typeface="Arial" charset="0"/>
+              <a:cs typeface="Arial" charset="0"/>
               <a:sym typeface="Cabin"/>
             </a:endParaRPr>
           </a:p>
@@ -27473,37 +27530,37 @@
               <a:buNone/>
             </a:pPr>
             <a:r>
-              <a:rPr lang="en" sz="2300" b="0" i="0" u="none" strike="noStrike" cap="none">
-                <a:solidFill>
-                  <a:srgbClr val="FFFFFF"/>
-                </a:solidFill>
-                <a:latin typeface="Cabin"/>
-                <a:ea typeface="Cabin"/>
-                <a:cs typeface="Cabin"/>
+              <a:rPr lang="en" sz="2300" u="none" strike="noStrike" cap="none">
+                <a:solidFill>
+                  <a:srgbClr val="FFFFFF"/>
+                </a:solidFill>
+                <a:latin typeface="Arial" charset="0"/>
+                <a:ea typeface="Arial" charset="0"/>
+                <a:cs typeface="Arial" charset="0"/>
                 <a:sym typeface="Cabin"/>
               </a:rPr>
               <a:t>“</a:t>
             </a:r>
             <a:r>
-              <a:rPr lang="en" sz="2300" b="0" i="0" u="none" strike="noStrike" cap="none">
+              <a:rPr lang="en" sz="2300" u="none" strike="noStrike" cap="none">
                 <a:solidFill>
                   <a:srgbClr val="00F900"/>
                 </a:solidFill>
-                <a:latin typeface="Cabin"/>
-                <a:ea typeface="Cabin"/>
-                <a:cs typeface="Cabin"/>
+                <a:latin typeface="Arial" charset="0"/>
+                <a:ea typeface="Arial" charset="0"/>
+                <a:cs typeface="Arial" charset="0"/>
                 <a:sym typeface="Cabin"/>
               </a:rPr>
               <a:t>self</a:t>
             </a:r>
             <a:r>
-              <a:rPr lang="en" sz="2300" b="0" i="0" u="none" strike="noStrike" cap="none">
-                <a:solidFill>
-                  <a:srgbClr val="FFFFFF"/>
-                </a:solidFill>
-                <a:latin typeface="Cabin"/>
-                <a:ea typeface="Cabin"/>
-                <a:cs typeface="Cabin"/>
+              <a:rPr lang="en" sz="2300" u="none" strike="noStrike" cap="none">
+                <a:solidFill>
+                  <a:srgbClr val="FFFFFF"/>
+                </a:solidFill>
+                <a:latin typeface="Arial" charset="0"/>
+                <a:ea typeface="Arial" charset="0"/>
+                <a:cs typeface="Arial" charset="0"/>
                 <a:sym typeface="Cabin"/>
               </a:rPr>
               <a:t>” is a formal argument that refers to the object itself.</a:t>
@@ -27558,21 +27615,21 @@
                 <a:solidFill>
                   <a:srgbClr val="00F900"/>
                 </a:solidFill>
-                <a:latin typeface="Cabin"/>
-                <a:ea typeface="Cabin"/>
-                <a:cs typeface="Cabin"/>
+                <a:latin typeface="Arial" charset="0"/>
+                <a:ea typeface="Arial" charset="0"/>
+                <a:cs typeface="Arial" charset="0"/>
                 <a:sym typeface="Cabin"/>
               </a:rPr>
               <a:t> </a:t>
             </a:r>
             <a:r>
-              <a:rPr lang="en" sz="2300" b="0" i="0" u="none" strike="noStrike" cap="none">
+              <a:rPr lang="en" sz="2300" u="none" strike="noStrike" cap="none">
                 <a:solidFill>
                   <a:srgbClr val="00F900"/>
                 </a:solidFill>
-                <a:latin typeface="Cabin"/>
-                <a:ea typeface="Cabin"/>
-                <a:cs typeface="Cabin"/>
+                <a:latin typeface="Arial" charset="0"/>
+                <a:ea typeface="Arial" charset="0"/>
+                <a:cs typeface="Arial" charset="0"/>
                 <a:sym typeface="Cabin"/>
               </a:rPr>
               <a:t>self</a:t>
@@ -27623,49 +27680,49 @@
               <a:buNone/>
             </a:pPr>
             <a:r>
-              <a:rPr lang="en" sz="2300" b="0" i="0" u="none" strike="noStrike" cap="none">
+              <a:rPr lang="en" sz="2300" u="none" strike="noStrike" cap="none">
                 <a:solidFill>
                   <a:srgbClr val="FF9300"/>
                 </a:solidFill>
-                <a:latin typeface="Cabin"/>
-                <a:ea typeface="Cabin"/>
-                <a:cs typeface="Cabin"/>
+                <a:latin typeface="Arial" charset="0"/>
+                <a:ea typeface="Arial" charset="0"/>
+                <a:cs typeface="Arial" charset="0"/>
                 <a:sym typeface="Cabin"/>
               </a:rPr>
               <a:t>self.x</a:t>
             </a:r>
             <a:r>
-              <a:rPr lang="en" sz="2300" b="0" i="0" u="none" strike="noStrike" cap="none">
-                <a:solidFill>
-                  <a:srgbClr val="FFFFFF"/>
-                </a:solidFill>
-                <a:latin typeface="Cabin"/>
-                <a:ea typeface="Cabin"/>
-                <a:cs typeface="Cabin"/>
+              <a:rPr lang="en" sz="2300" u="none" strike="noStrike" cap="none">
+                <a:solidFill>
+                  <a:srgbClr val="FFFFFF"/>
+                </a:solidFill>
+                <a:latin typeface="Arial" charset="0"/>
+                <a:ea typeface="Arial" charset="0"/>
+                <a:cs typeface="Arial" charset="0"/>
                 <a:sym typeface="Cabin"/>
               </a:rPr>
               <a:t> is saying “</a:t>
             </a:r>
             <a:r>
-              <a:rPr lang="en" sz="2300" b="0" i="0" u="none" strike="noStrike" cap="none">
+              <a:rPr lang="en" sz="2300" u="none" strike="noStrike" cap="none">
                 <a:solidFill>
                   <a:srgbClr val="FF9300"/>
                 </a:solidFill>
-                <a:latin typeface="Cabin"/>
-                <a:ea typeface="Cabin"/>
-                <a:cs typeface="Cabin"/>
+                <a:latin typeface="Arial" charset="0"/>
+                <a:ea typeface="Arial" charset="0"/>
+                <a:cs typeface="Arial" charset="0"/>
                 <a:sym typeface="Cabin"/>
               </a:rPr>
               <a:t>x within self</a:t>
             </a:r>
             <a:r>
-              <a:rPr lang="en" sz="2300" b="0" i="0" u="none" strike="noStrike" cap="none">
-                <a:solidFill>
-                  <a:srgbClr val="FFFFFF"/>
-                </a:solidFill>
-                <a:latin typeface="Cabin"/>
-                <a:ea typeface="Cabin"/>
-                <a:cs typeface="Cabin"/>
+              <a:rPr lang="en" sz="2300" u="none" strike="noStrike" cap="none">
+                <a:solidFill>
+                  <a:srgbClr val="FFFFFF"/>
+                </a:solidFill>
+                <a:latin typeface="Arial" charset="0"/>
+                <a:ea typeface="Arial" charset="0"/>
+                <a:cs typeface="Arial" charset="0"/>
                 <a:sym typeface="Cabin"/>
               </a:rPr>
               <a:t>”</a:t>
@@ -27716,25 +27773,25 @@
               <a:buNone/>
             </a:pPr>
             <a:r>
-              <a:rPr lang="en" sz="2300" b="0" i="0" u="none" strike="noStrike" cap="none">
+              <a:rPr lang="en" sz="2300" u="none" strike="noStrike" cap="none">
                 <a:solidFill>
                   <a:srgbClr val="00F900"/>
                 </a:solidFill>
-                <a:latin typeface="Cabin"/>
-                <a:ea typeface="Cabin"/>
-                <a:cs typeface="Cabin"/>
+                <a:latin typeface="Arial" charset="0"/>
+                <a:ea typeface="Arial" charset="0"/>
+                <a:cs typeface="Arial" charset="0"/>
                 <a:sym typeface="Cabin"/>
               </a:rPr>
               <a:t>self</a:t>
             </a:r>
             <a:r>
-              <a:rPr lang="en" sz="2300" b="0" i="0" u="none" strike="noStrike" cap="none">
-                <a:solidFill>
-                  <a:srgbClr val="FFFFFF"/>
-                </a:solidFill>
-                <a:latin typeface="Cabin"/>
-                <a:ea typeface="Cabin"/>
-                <a:cs typeface="Cabin"/>
+              <a:rPr lang="en" sz="2300" u="none" strike="noStrike" cap="none">
+                <a:solidFill>
+                  <a:srgbClr val="FFFFFF"/>
+                </a:solidFill>
+                <a:latin typeface="Arial" charset="0"/>
+                <a:ea typeface="Arial" charset="0"/>
+                <a:cs typeface="Arial" charset="0"/>
                 <a:sym typeface="Cabin"/>
               </a:rPr>
               <a:t> is “global within this object”</a:t>
@@ -27814,13 +27871,10 @@
               <a:buNone/>
             </a:pPr>
             <a:r>
-              <a:rPr lang="en" sz="4700" b="0" i="0" u="none" strike="noStrike" cap="none">
+              <a:rPr lang="en" sz="4700" u="none" strike="noStrike" cap="none">
                 <a:solidFill>
                   <a:srgbClr val="FFD966"/>
                 </a:solidFill>
-                <a:latin typeface="Cabin"/>
-                <a:ea typeface="Cabin"/>
-                <a:cs typeface="Cabin"/>
                 <a:sym typeface="Cabin"/>
               </a:rPr>
               <a:t>Definitions Review</a:t>
@@ -27871,25 +27925,19 @@
               <a:buFont typeface="Cabin"/>
             </a:pPr>
             <a:r>
-              <a:rPr lang="en" sz="2300" b="0" i="0" u="none" strike="noStrike" cap="none">
+              <a:rPr lang="en" sz="2300" u="none" strike="noStrike" cap="none">
                 <a:solidFill>
                   <a:srgbClr val="FF9300"/>
                 </a:solidFill>
-                <a:latin typeface="Cabin"/>
-                <a:ea typeface="Cabin"/>
-                <a:cs typeface="Cabin"/>
                 <a:sym typeface="Cabin"/>
               </a:rPr>
               <a:t>Class</a:t>
             </a:r>
             <a:r>
-              <a:rPr lang="en" sz="2300" b="0" i="0" u="none" strike="noStrike" cap="none">
-                <a:solidFill>
-                  <a:srgbClr val="FFFFFF"/>
-                </a:solidFill>
-                <a:latin typeface="Cabin"/>
-                <a:ea typeface="Cabin"/>
-                <a:cs typeface="Cabin"/>
+              <a:rPr lang="en" sz="2300" u="none" strike="noStrike" cap="none">
+                <a:solidFill>
+                  <a:srgbClr val="FFFFFF"/>
+                </a:solidFill>
                 <a:sym typeface="Cabin"/>
               </a:rPr>
               <a:t> - a template - Dog</a:t>
@@ -27910,25 +27958,19 @@
               <a:buFont typeface="Cabin"/>
             </a:pPr>
             <a:r>
-              <a:rPr lang="en" sz="2300" b="0" i="0" u="none" strike="noStrike" cap="none">
+              <a:rPr lang="en" sz="2300" u="none" strike="noStrike" cap="none">
                 <a:solidFill>
                   <a:srgbClr val="FF9300"/>
                 </a:solidFill>
-                <a:latin typeface="Cabin"/>
-                <a:ea typeface="Cabin"/>
-                <a:cs typeface="Cabin"/>
                 <a:sym typeface="Cabin"/>
               </a:rPr>
               <a:t>Method or Message </a:t>
             </a:r>
             <a:r>
-              <a:rPr lang="en" sz="2300" b="0" i="0" u="none" strike="noStrike" cap="none">
-                <a:solidFill>
-                  <a:srgbClr val="FFFFFF"/>
-                </a:solidFill>
-                <a:latin typeface="Cabin"/>
-                <a:ea typeface="Cabin"/>
-                <a:cs typeface="Cabin"/>
+              <a:rPr lang="en" sz="2300" u="none" strike="noStrike" cap="none">
+                <a:solidFill>
+                  <a:srgbClr val="FFFFFF"/>
+                </a:solidFill>
                 <a:sym typeface="Cabin"/>
               </a:rPr>
               <a:t>- A defined capability of a class - bark()</a:t>
@@ -27949,25 +27991,19 @@
               <a:buFont typeface="Cabin"/>
             </a:pPr>
             <a:r>
-              <a:rPr lang="en" sz="2300" b="0" i="0" u="none" strike="noStrike" cap="none">
+              <a:rPr lang="en" sz="2300" u="none" strike="noStrike" cap="none">
                 <a:solidFill>
                   <a:srgbClr val="FF9300"/>
                 </a:solidFill>
-                <a:latin typeface="Cabin"/>
-                <a:ea typeface="Cabin"/>
-                <a:cs typeface="Cabin"/>
                 <a:sym typeface="Cabin"/>
               </a:rPr>
               <a:t>Object or Instance</a:t>
             </a:r>
             <a:r>
-              <a:rPr lang="en" sz="2300" b="0" i="0" u="none" strike="noStrike" cap="none">
-                <a:solidFill>
-                  <a:srgbClr val="FFFFFF"/>
-                </a:solidFill>
-                <a:latin typeface="Cabin"/>
-                <a:ea typeface="Cabin"/>
-                <a:cs typeface="Cabin"/>
+              <a:rPr lang="en" sz="2300" u="none" strike="noStrike" cap="none">
+                <a:solidFill>
+                  <a:srgbClr val="FFFFFF"/>
+                </a:solidFill>
                 <a:sym typeface="Cabin"/>
               </a:rPr>
               <a:t> - A particular instance of a class - Lassie</a:t>
@@ -28074,13 +28110,13 @@
               <a:buNone/>
             </a:pPr>
             <a:r>
-              <a:rPr lang="en" sz="4700" b="0" i="0" u="none" strike="noStrike" cap="none">
+              <a:rPr lang="en" sz="4700" u="none" strike="noStrike" cap="none">
                 <a:solidFill>
                   <a:srgbClr val="FFD966"/>
                 </a:solidFill>
-                <a:latin typeface="Cabin"/>
-                <a:ea typeface="Cabin"/>
-                <a:cs typeface="Cabin"/>
+                <a:latin typeface="Arial" charset="0"/>
+                <a:ea typeface="Arial" charset="0"/>
+                <a:cs typeface="Arial" charset="0"/>
                 <a:sym typeface="Cabin"/>
               </a:rPr>
               <a:t>Playing with dir() and type()</a:t>
@@ -28160,13 +28196,10 @@
               <a:buNone/>
             </a:pPr>
             <a:r>
-              <a:rPr lang="en" sz="4100" b="0" i="0" u="none" strike="noStrike" cap="none">
+              <a:rPr lang="en" sz="4100" u="none" strike="noStrike" cap="none">
                 <a:solidFill>
                   <a:srgbClr val="FFD966"/>
                 </a:solidFill>
-                <a:latin typeface="Cabin"/>
-                <a:ea typeface="Cabin"/>
-                <a:cs typeface="Cabin"/>
                 <a:sym typeface="Cabin"/>
               </a:rPr>
               <a:t>A Nerdy Way to Find Capabilities</a:t>
@@ -28217,37 +28250,28 @@
               <a:buFont typeface="Cabin"/>
             </a:pPr>
             <a:r>
-              <a:rPr lang="en" sz="2000" b="0" i="0" u="none" strike="noStrike" cap="none">
-                <a:solidFill>
-                  <a:srgbClr val="FFFFFF"/>
-                </a:solidFill>
-                <a:latin typeface="Cabin"/>
-                <a:ea typeface="Cabin"/>
-                <a:cs typeface="Cabin"/>
+              <a:rPr lang="en" sz="2000" u="none" strike="noStrike" cap="none">
+                <a:solidFill>
+                  <a:srgbClr val="FFFFFF"/>
+                </a:solidFill>
                 <a:sym typeface="Cabin"/>
               </a:rPr>
               <a:t>The </a:t>
             </a:r>
             <a:r>
-              <a:rPr lang="en" sz="2000" b="0" i="0" u="none" strike="noStrike" cap="none">
+              <a:rPr lang="en" sz="2000" u="none" strike="noStrike" cap="none">
                 <a:solidFill>
                   <a:srgbClr val="DE6A10"/>
                 </a:solidFill>
-                <a:latin typeface="Cabin"/>
-                <a:ea typeface="Cabin"/>
-                <a:cs typeface="Cabin"/>
                 <a:sym typeface="Cabin"/>
               </a:rPr>
               <a:t>dir()</a:t>
             </a:r>
             <a:r>
-              <a:rPr lang="en" sz="2000" b="0" i="0" u="none" strike="noStrike" cap="none">
-                <a:solidFill>
-                  <a:srgbClr val="FFFFFF"/>
-                </a:solidFill>
-                <a:latin typeface="Cabin"/>
-                <a:ea typeface="Cabin"/>
-                <a:cs typeface="Cabin"/>
+              <a:rPr lang="en" sz="2000" u="none" strike="noStrike" cap="none">
+                <a:solidFill>
+                  <a:srgbClr val="FFFFFF"/>
+                </a:solidFill>
                 <a:sym typeface="Cabin"/>
               </a:rPr>
               <a:t> command lists capabilities</a:t>
@@ -28271,13 +28295,10 @@
               <a:buFont typeface="Cabin"/>
             </a:pPr>
             <a:r>
-              <a:rPr lang="en" sz="2000" b="0" i="0" u="none" strike="noStrike" cap="none">
+              <a:rPr lang="en" sz="2000" u="none" strike="noStrike" cap="none">
                 <a:solidFill>
                   <a:srgbClr val="00FDFF"/>
                 </a:solidFill>
-                <a:latin typeface="Cabin"/>
-                <a:ea typeface="Cabin"/>
-                <a:cs typeface="Cabin"/>
                 <a:sym typeface="Cabin"/>
               </a:rPr>
               <a:t>Ignore the ones with underscores - these are used by Python itself</a:t>
@@ -28301,13 +28322,10 @@
               <a:buFont typeface="Cabin"/>
             </a:pPr>
             <a:r>
-              <a:rPr lang="en" sz="2000" b="0" i="0" u="none" strike="noStrike" cap="none">
+              <a:rPr lang="en" sz="2000" u="none" strike="noStrike" cap="none">
                 <a:solidFill>
                   <a:srgbClr val="00F900"/>
                 </a:solidFill>
-                <a:latin typeface="Cabin"/>
-                <a:ea typeface="Cabin"/>
-                <a:cs typeface="Cabin"/>
                 <a:sym typeface="Cabin"/>
               </a:rPr>
               <a:t>The rest are real operations that the object can perform</a:t>
@@ -28331,13 +28349,10 @@
               <a:buFont typeface="Cabin"/>
             </a:pPr>
             <a:r>
-              <a:rPr lang="en" sz="2000" b="0" i="0" u="none" strike="noStrike" cap="none">
-                <a:solidFill>
-                  <a:srgbClr val="FFFFFF"/>
-                </a:solidFill>
-                <a:latin typeface="Cabin"/>
-                <a:ea typeface="Cabin"/>
-                <a:cs typeface="Cabin"/>
+              <a:rPr lang="en" sz="2000" u="none" strike="noStrike" cap="none">
+                <a:solidFill>
+                  <a:srgbClr val="FFFFFF"/>
+                </a:solidFill>
                 <a:sym typeface="Cabin"/>
               </a:rPr>
               <a:t>It is like type() - it tells us something *about* a variable</a:t>
@@ -28695,13 +28710,10 @@
               <a:buNone/>
             </a:pPr>
             <a:r>
-              <a:rPr lang="en" sz="4600" b="0" i="0" u="none" strike="noStrike" cap="none">
+              <a:rPr lang="en" sz="4600" u="none" strike="noStrike" cap="none">
                 <a:solidFill>
                   <a:srgbClr val="FFD966"/>
                 </a:solidFill>
-                <a:latin typeface="Cabin"/>
-                <a:ea typeface="Cabin"/>
-                <a:cs typeface="Cabin"/>
                 <a:sym typeface="Cabin"/>
               </a:rPr>
               <a:t>Try dir() with a String</a:t>
@@ -29403,64 +29415,40 @@
               <a:buNone/>
             </a:pPr>
             <a:r>
-              <a:rPr lang="en" sz="2200" b="0" i="0" u="none" strike="noStrike" cap="none">
+              <a:rPr lang="en" sz="2200" u="none" strike="noStrike" cap="none">
                 <a:solidFill>
                   <a:srgbClr val="FFFB00"/>
                 </a:solidFill>
-                <a:latin typeface="Cabin"/>
-                <a:ea typeface="Cabin"/>
-                <a:cs typeface="Cabin"/>
+                <a:latin typeface="Arial" charset="0"/>
+                <a:ea typeface="Arial" charset="0"/>
+                <a:cs typeface="Arial" charset="0"/>
                 <a:sym typeface="Cabin"/>
               </a:rPr>
               <a:t>We can use </a:t>
             </a:r>
             <a:r>
-              <a:rPr lang="en" sz="2200" b="0" i="0" u="none" strike="noStrike" cap="none">
+              <a:rPr lang="en" sz="2200" u="none" strike="noStrike" cap="none">
                 <a:solidFill>
                   <a:srgbClr val="FF40FF"/>
                 </a:solidFill>
-                <a:latin typeface="Cabin"/>
-                <a:ea typeface="Cabin"/>
-                <a:cs typeface="Cabin"/>
+                <a:latin typeface="Arial" charset="0"/>
+                <a:ea typeface="Arial" charset="0"/>
+                <a:cs typeface="Arial" charset="0"/>
                 <a:sym typeface="Cabin"/>
               </a:rPr>
               <a:t>dir</a:t>
             </a:r>
             <a:r>
-              <a:rPr lang="en" sz="2200" b="0" i="0" u="none" strike="noStrike" cap="none">
+              <a:rPr lang="en" sz="2200" u="none" strike="noStrike" cap="none">
                 <a:solidFill>
                   <a:srgbClr val="FFFB00"/>
                 </a:solidFill>
-                <a:latin typeface="Cabin"/>
-                <a:ea typeface="Cabin"/>
-                <a:cs typeface="Cabin"/>
-                <a:sym typeface="Cabin"/>
-              </a:rPr>
-              <a:t>() to find the “capabilities” of </a:t>
-            </a:r>
-            <a:r>
-              <a:rPr lang="en" sz="2200" b="0" i="1" u="none" strike="noStrike" cap="none">
-                <a:solidFill>
-                  <a:srgbClr val="FFFB00"/>
-                </a:solidFill>
-                <a:latin typeface="Cabin"/>
-                <a:ea typeface="Cabin"/>
-                <a:cs typeface="Cabin"/>
-                <a:sym typeface="Cabin"/>
-              </a:rPr>
-              <a:t>our</a:t>
-            </a:r>
-            <a:r>
-              <a:rPr lang="en" sz="2200" b="0" i="0" u="none" strike="noStrike" cap="none">
-                <a:solidFill>
-                  <a:srgbClr val="FFFB00"/>
-                </a:solidFill>
-                <a:latin typeface="Cabin"/>
-                <a:ea typeface="Cabin"/>
-                <a:cs typeface="Cabin"/>
-                <a:sym typeface="Cabin"/>
-              </a:rPr>
-              <a:t> newly created class.</a:t>
+                <a:latin typeface="Arial" charset="0"/>
+                <a:ea typeface="Arial" charset="0"/>
+                <a:cs typeface="Arial" charset="0"/>
+                <a:sym typeface="Cabin"/>
+              </a:rPr>
+              <a:t>() to find the “capabilities” of our newly created class.</a:t>
             </a:r>
           </a:p>
         </p:txBody>
@@ -29537,13 +29525,13 @@
               <a:buNone/>
             </a:pPr>
             <a:r>
-              <a:rPr lang="en" sz="4700" b="0" i="0" u="none" strike="noStrike" cap="none">
+              <a:rPr lang="en" sz="4700" u="none" strike="noStrike" cap="none">
                 <a:solidFill>
                   <a:srgbClr val="FFD966"/>
                 </a:solidFill>
-                <a:latin typeface="Cabin"/>
-                <a:ea typeface="Cabin"/>
-                <a:cs typeface="Cabin"/>
+                <a:latin typeface="Arial" charset="0"/>
+                <a:ea typeface="Arial" charset="0"/>
+                <a:cs typeface="Arial" charset="0"/>
                 <a:sym typeface="Cabin"/>
               </a:rPr>
               <a:t>Object Life</a:t>
@@ -29553,17 +29541,20 @@
                 <a:solidFill>
                   <a:srgbClr val="FFD966"/>
                 </a:solidFill>
+                <a:latin typeface="Arial" charset="0"/>
+                <a:ea typeface="Arial" charset="0"/>
+                <a:cs typeface="Arial" charset="0"/>
               </a:rPr>
               <a:t>c</a:t>
             </a:r>
             <a:r>
-              <a:rPr lang="en" sz="4700" b="0" i="0" u="none" strike="noStrike" cap="none">
+              <a:rPr lang="en" sz="4700" u="none" strike="noStrike" cap="none">
                 <a:solidFill>
                   <a:srgbClr val="FFD966"/>
                 </a:solidFill>
-                <a:latin typeface="Cabin"/>
-                <a:ea typeface="Cabin"/>
-                <a:cs typeface="Cabin"/>
+                <a:latin typeface="Arial" charset="0"/>
+                <a:ea typeface="Arial" charset="0"/>
+                <a:cs typeface="Arial" charset="0"/>
                 <a:sym typeface="Cabin"/>
               </a:rPr>
               <a:t>ycle</a:t>
@@ -29618,13 +29609,13 @@
               <a:buNone/>
             </a:pPr>
             <a:r>
-              <a:rPr lang="en" sz="2000" b="0" i="0" u="none" strike="noStrike" cap="none">
-                <a:solidFill>
-                  <a:srgbClr val="FFFFFF"/>
-                </a:solidFill>
-                <a:latin typeface="Cabin"/>
-                <a:ea typeface="Cabin"/>
-                <a:cs typeface="Cabin"/>
+              <a:rPr lang="en" sz="2000" u="none" strike="noStrike" cap="none">
+                <a:solidFill>
+                  <a:srgbClr val="FFFFFF"/>
+                </a:solidFill>
+                <a:latin typeface="Arial" charset="0"/>
+                <a:ea typeface="Arial" charset="0"/>
+                <a:cs typeface="Arial" charset="0"/>
                 <a:sym typeface="Cabin"/>
               </a:rPr>
               <a:t>http://en.wikipedia.org/wiki/Constructor_(computer_science)</a:t>
@@ -29700,13 +29691,13 @@
               <a:buNone/>
             </a:pPr>
             <a:r>
-              <a:rPr lang="en" sz="2300" b="0" i="0" u="none" strike="noStrike" cap="none">
-                <a:solidFill>
-                  <a:srgbClr val="FFFFFF"/>
-                </a:solidFill>
-                <a:latin typeface="Cabin"/>
-                <a:ea typeface="Cabin"/>
-                <a:cs typeface="Cabin"/>
+              <a:rPr lang="en" sz="2300" u="none" strike="noStrike" cap="none">
+                <a:solidFill>
+                  <a:srgbClr val="FFFFFF"/>
+                </a:solidFill>
+                <a:latin typeface="Arial" charset="0"/>
+                <a:ea typeface="Arial" charset="0"/>
+                <a:cs typeface="Arial" charset="0"/>
                 <a:sym typeface="Cabin"/>
               </a:rPr>
               <a:t>https://docs.python.org/2/tutorial/datastructures.html</a:t>
@@ -29839,13 +29830,10 @@
               <a:buNone/>
             </a:pPr>
             <a:r>
-              <a:rPr lang="en" sz="4700" b="0" i="0" u="none" strike="noStrike" cap="none">
+              <a:rPr lang="en" sz="4700" u="none" strike="noStrike" cap="none">
                 <a:solidFill>
                   <a:srgbClr val="FFD966"/>
                 </a:solidFill>
-                <a:latin typeface="Cabin"/>
-                <a:ea typeface="Cabin"/>
-                <a:cs typeface="Cabin"/>
                 <a:sym typeface="Cabin"/>
               </a:rPr>
               <a:t>Object Life</a:t>
@@ -29859,13 +29847,10 @@
               <a:t>c</a:t>
             </a:r>
             <a:r>
-              <a:rPr lang="en" sz="4700" b="0" i="0" u="none" strike="noStrike" cap="none">
+              <a:rPr lang="en" sz="4700" u="none" strike="noStrike" cap="none">
                 <a:solidFill>
                   <a:srgbClr val="FFD966"/>
                 </a:solidFill>
-                <a:latin typeface="Cabin"/>
-                <a:ea typeface="Cabin"/>
-                <a:cs typeface="Cabin"/>
                 <a:sym typeface="Cabin"/>
               </a:rPr>
               <a:t>ycle</a:t>
@@ -29919,13 +29904,10 @@
               <a:buFont typeface="Cabin"/>
             </a:pPr>
             <a:r>
-              <a:rPr lang="en" sz="2400" b="0" i="0" u="none" strike="noStrike" cap="none">
-                <a:solidFill>
-                  <a:srgbClr val="FFFFFF"/>
-                </a:solidFill>
-                <a:latin typeface="Cabin"/>
-                <a:ea typeface="Cabin"/>
-                <a:cs typeface="Cabin"/>
+              <a:rPr lang="en" sz="2400" u="none" strike="noStrike" cap="none">
+                <a:solidFill>
+                  <a:srgbClr val="FFFFFF"/>
+                </a:solidFill>
                 <a:sym typeface="Cabin"/>
               </a:rPr>
               <a:t>Objects are created, used and discarded</a:t>
@@ -29949,13 +29931,10 @@
               <a:buFont typeface="Cabin"/>
             </a:pPr>
             <a:r>
-              <a:rPr lang="en" sz="2400" b="0" i="0" u="none" strike="noStrike" cap="none">
-                <a:solidFill>
-                  <a:srgbClr val="FFFFFF"/>
-                </a:solidFill>
-                <a:latin typeface="Cabin"/>
-                <a:ea typeface="Cabin"/>
-                <a:cs typeface="Cabin"/>
+              <a:rPr lang="en" sz="2400" u="none" strike="noStrike" cap="none">
+                <a:solidFill>
+                  <a:srgbClr val="FFFFFF"/>
+                </a:solidFill>
                 <a:sym typeface="Cabin"/>
               </a:rPr>
               <a:t>We have special blocks of code (methods) that get called</a:t>
@@ -29979,13 +29958,13 @@
               <a:buFont typeface="Cabin"/>
             </a:pPr>
             <a:r>
-              <a:rPr lang="en" sz="2400" b="0" i="0" u="none" strike="noStrike" cap="none">
-                <a:solidFill>
-                  <a:srgbClr val="FFFFFF"/>
-                </a:solidFill>
-                <a:latin typeface="Cabin"/>
-                <a:ea typeface="Cabin"/>
-                <a:cs typeface="Cabin"/>
+              <a:rPr lang="en" sz="2400" u="none" strike="noStrike" cap="none">
+                <a:solidFill>
+                  <a:srgbClr val="FFFFFF"/>
+                </a:solidFill>
+                <a:latin typeface="Arial" charset="0"/>
+                <a:ea typeface="Arial" charset="0"/>
+                <a:cs typeface="Arial" charset="0"/>
                 <a:sym typeface="Cabin"/>
               </a:rPr>
               <a:t>At the moment of creation (constructor)</a:t>
@@ -30009,13 +29988,13 @@
               <a:buFont typeface="Cabin"/>
             </a:pPr>
             <a:r>
-              <a:rPr lang="en" sz="2400" b="0" i="0" u="none" strike="noStrike" cap="none">
-                <a:solidFill>
-                  <a:srgbClr val="FFFFFF"/>
-                </a:solidFill>
-                <a:latin typeface="Cabin"/>
-                <a:ea typeface="Cabin"/>
-                <a:cs typeface="Cabin"/>
+              <a:rPr lang="en" sz="2400" u="none" strike="noStrike" cap="none">
+                <a:solidFill>
+                  <a:srgbClr val="FFFFFF"/>
+                </a:solidFill>
+                <a:latin typeface="Arial" charset="0"/>
+                <a:ea typeface="Arial" charset="0"/>
+                <a:cs typeface="Arial" charset="0"/>
                 <a:sym typeface="Cabin"/>
               </a:rPr>
               <a:t>At the moment of destruction (destructor)</a:t>
@@ -30039,13 +30018,10 @@
               <a:buFont typeface="Cabin"/>
             </a:pPr>
             <a:r>
-              <a:rPr lang="en" sz="2400" b="0" i="0" u="none" strike="noStrike" cap="none">
-                <a:solidFill>
-                  <a:srgbClr val="FFFFFF"/>
-                </a:solidFill>
-                <a:latin typeface="Cabin"/>
-                <a:ea typeface="Cabin"/>
-                <a:cs typeface="Cabin"/>
+              <a:rPr lang="en" sz="2400" u="none" strike="noStrike" cap="none">
+                <a:solidFill>
+                  <a:srgbClr val="FFFFFF"/>
+                </a:solidFill>
                 <a:sym typeface="Cabin"/>
               </a:rPr>
               <a:t>Constructors are used a lot </a:t>
@@ -30069,13 +30045,10 @@
               <a:buFont typeface="Cabin"/>
             </a:pPr>
             <a:r>
-              <a:rPr lang="en" sz="2400" b="0" i="0" u="none" strike="noStrike" cap="none">
-                <a:solidFill>
-                  <a:srgbClr val="FFFFFF"/>
-                </a:solidFill>
-                <a:latin typeface="Cabin"/>
-                <a:ea typeface="Cabin"/>
-                <a:cs typeface="Cabin"/>
+              <a:rPr lang="en" sz="2400" u="none" strike="noStrike" cap="none">
+                <a:solidFill>
+                  <a:srgbClr val="FFFFFF"/>
+                </a:solidFill>
                 <a:sym typeface="Cabin"/>
               </a:rPr>
               <a:t>Destructors are seldom used</a:t>
@@ -30155,13 +30128,10 @@
               <a:buNone/>
             </a:pPr>
             <a:r>
-              <a:rPr lang="en" sz="4700" b="0" i="0" u="none" strike="noStrike" cap="none">
+              <a:rPr lang="en" sz="4700" u="none" strike="noStrike" cap="none">
                 <a:solidFill>
                   <a:srgbClr val="FFD966"/>
                 </a:solidFill>
-                <a:latin typeface="Cabin"/>
-                <a:ea typeface="Cabin"/>
-                <a:cs typeface="Cabin"/>
                 <a:sym typeface="Cabin"/>
               </a:rPr>
               <a:t>Constructor</a:t>
@@ -30216,13 +30186,10 @@
               <a:buChar char="•"/>
             </a:pPr>
             <a:r>
-              <a:rPr lang="en" sz="2300" b="0" i="0" u="none" strike="noStrike" cap="none">
-                <a:solidFill>
-                  <a:srgbClr val="FFFFFF"/>
-                </a:solidFill>
-                <a:latin typeface="Cabin"/>
-                <a:ea typeface="Cabin"/>
-                <a:cs typeface="Cabin"/>
+              <a:rPr lang="en" sz="2300" u="none" strike="noStrike" cap="none">
+                <a:solidFill>
+                  <a:srgbClr val="FFFFFF"/>
+                </a:solidFill>
                 <a:sym typeface="Cabin"/>
               </a:rPr>
               <a:t>The primary purpose of the constructor is to set up some instance variables to have the proper initial values when the object is created</a:t>
@@ -31053,13 +31020,13 @@
               <a:buNone/>
             </a:pPr>
             <a:r>
-              <a:rPr lang="en" sz="2300" b="0" i="0" u="none" strike="noStrike" cap="none">
+              <a:rPr lang="en" sz="2300" u="none" strike="noStrike" cap="none">
                 <a:solidFill>
                   <a:srgbClr val="FFFB00"/>
                 </a:solidFill>
-                <a:latin typeface="Cabin"/>
-                <a:ea typeface="Cabin"/>
-                <a:cs typeface="Cabin"/>
+                <a:latin typeface="Arial" charset="0"/>
+                <a:ea typeface="Arial" charset="0"/>
+                <a:cs typeface="Arial" charset="0"/>
                 <a:sym typeface="Cabin"/>
               </a:rPr>
               <a:t>The constructor and destructor are optional.  The constructor is typically used to set up variables. The destructor is seldom used.</a:t>
@@ -31139,13 +31106,10 @@
               <a:buNone/>
             </a:pPr>
             <a:r>
-              <a:rPr lang="en" sz="4700" b="0" i="0" u="none" strike="noStrike" cap="none">
+              <a:rPr lang="en" sz="4700" u="none" strike="noStrike" cap="none">
                 <a:solidFill>
                   <a:srgbClr val="FFD966"/>
                 </a:solidFill>
-                <a:latin typeface="Cabin"/>
-                <a:ea typeface="Cabin"/>
-                <a:cs typeface="Cabin"/>
                 <a:sym typeface="Cabin"/>
               </a:rPr>
               <a:t>Constructor</a:t>
@@ -31200,25 +31164,19 @@
               <a:buChar char="•"/>
             </a:pPr>
             <a:r>
-              <a:rPr lang="en" sz="2300" b="0" i="0" u="none" strike="noStrike" cap="none">
-                <a:solidFill>
-                  <a:srgbClr val="FFFFFF"/>
-                </a:solidFill>
-                <a:latin typeface="Cabin"/>
-                <a:ea typeface="Cabin"/>
-                <a:cs typeface="Cabin"/>
+              <a:rPr lang="en" sz="2300" u="none" strike="noStrike" cap="none">
+                <a:solidFill>
+                  <a:srgbClr val="FFFFFF"/>
+                </a:solidFill>
                 <a:sym typeface="Cabin"/>
               </a:rPr>
               <a:t>In </a:t>
             </a:r>
             <a:r>
-              <a:rPr lang="en" sz="2300" b="0" i="0" u="none" strike="noStrike" cap="none">
+              <a:rPr lang="en" sz="2300" u="none" strike="noStrike" cap="none">
                 <a:solidFill>
                   <a:srgbClr val="00FDFF"/>
                 </a:solidFill>
-                <a:latin typeface="Cabin"/>
-                <a:ea typeface="Cabin"/>
-                <a:cs typeface="Cabin"/>
                 <a:sym typeface="Cabin"/>
               </a:rPr>
               <a:t>object</a:t>
@@ -31232,61 +31190,46 @@
               <a:t> </a:t>
             </a:r>
             <a:r>
-              <a:rPr lang="en" sz="2300" b="0" i="0" u="none" strike="noStrike" cap="none">
+              <a:rPr lang="en" sz="2300" u="none" strike="noStrike" cap="none">
                 <a:solidFill>
                   <a:srgbClr val="00FDFF"/>
                 </a:solidFill>
-                <a:latin typeface="Cabin"/>
-                <a:ea typeface="Cabin"/>
-                <a:cs typeface="Cabin"/>
                 <a:sym typeface="Cabin"/>
               </a:rPr>
               <a:t>oriented programming</a:t>
             </a:r>
             <a:r>
-              <a:rPr lang="en" sz="2300" b="0" i="0" u="none" strike="noStrike" cap="none">
-                <a:solidFill>
-                  <a:srgbClr val="FFFFFF"/>
-                </a:solidFill>
-                <a:latin typeface="Cabin"/>
-                <a:ea typeface="Cabin"/>
-                <a:cs typeface="Cabin"/>
+              <a:rPr lang="en" sz="2300" u="none" strike="noStrike" cap="none">
+                <a:solidFill>
+                  <a:srgbClr val="FFFFFF"/>
+                </a:solidFill>
                 <a:sym typeface="Cabin"/>
               </a:rPr>
               <a:t>, a </a:t>
             </a:r>
             <a:r>
-              <a:rPr lang="en" sz="2300" b="0" i="0" u="none" strike="noStrike" cap="none">
+              <a:rPr lang="en" sz="2300" u="none" strike="noStrike" cap="none">
                 <a:solidFill>
                   <a:srgbClr val="FFFF00"/>
                 </a:solidFill>
-                <a:latin typeface="Cabin"/>
-                <a:ea typeface="Cabin"/>
-                <a:cs typeface="Cabin"/>
                 <a:sym typeface="Cabin"/>
               </a:rPr>
               <a:t>constructor</a:t>
             </a:r>
             <a:r>
-              <a:rPr lang="en" sz="2300" b="0" i="0" u="none" strike="noStrike" cap="none">
-                <a:solidFill>
-                  <a:srgbClr val="FFFFFF"/>
-                </a:solidFill>
-                <a:latin typeface="Cabin"/>
-                <a:ea typeface="Cabin"/>
-                <a:cs typeface="Cabin"/>
+              <a:rPr lang="en" sz="2300" u="none" strike="noStrike" cap="none">
+                <a:solidFill>
+                  <a:srgbClr val="FFFFFF"/>
+                </a:solidFill>
                 <a:sym typeface="Cabin"/>
               </a:rPr>
               <a:t> in a class is a special block of statements called when an </a:t>
             </a:r>
             <a:r>
-              <a:rPr lang="en" sz="2300" b="0" i="0" u="none" strike="noStrike" cap="none">
+              <a:rPr lang="en" sz="2300" u="none" strike="noStrike" cap="none">
                 <a:solidFill>
                   <a:srgbClr val="00FDFF"/>
                 </a:solidFill>
-                <a:latin typeface="Cabin"/>
-                <a:ea typeface="Cabin"/>
-                <a:cs typeface="Cabin"/>
                 <a:sym typeface="Cabin"/>
               </a:rPr>
               <a:t>object is created</a:t>
@@ -31364,13 +31307,13 @@
               <a:buNone/>
             </a:pPr>
             <a:r>
-              <a:rPr lang="en" sz="2000" b="0" i="0" u="none" strike="noStrike" cap="none">
-                <a:solidFill>
-                  <a:srgbClr val="FFFFFF"/>
-                </a:solidFill>
-                <a:latin typeface="Cabin"/>
-                <a:ea typeface="Cabin"/>
-                <a:cs typeface="Cabin"/>
+              <a:rPr lang="en" sz="2000" u="none" strike="noStrike" cap="none">
+                <a:solidFill>
+                  <a:srgbClr val="FFFFFF"/>
+                </a:solidFill>
+                <a:latin typeface="Arial" charset="0"/>
+                <a:ea typeface="Arial" charset="0"/>
+                <a:cs typeface="Arial" charset="0"/>
                 <a:sym typeface="Cabin"/>
               </a:rPr>
               <a:t>http://en.wikipedia.org/wiki/Constructor_(computer_science)</a:t>
@@ -31450,25 +31393,19 @@
               <a:buNone/>
             </a:pPr>
             <a:r>
-              <a:rPr lang="en" sz="4700" b="0" i="0" u="none" strike="noStrike" cap="none">
-                <a:solidFill>
-                  <a:srgbClr val="FFFFFF"/>
-                </a:solidFill>
-                <a:latin typeface="Cabin"/>
-                <a:ea typeface="Cabin"/>
-                <a:cs typeface="Cabin"/>
+              <a:rPr lang="en" sz="4700" u="none" strike="noStrike" cap="none">
+                <a:solidFill>
+                  <a:srgbClr val="FFFFFF"/>
+                </a:solidFill>
                 <a:sym typeface="Cabin"/>
               </a:rPr>
               <a:t>Many </a:t>
             </a:r>
             <a:r>
-              <a:rPr lang="en" sz="4700" b="0" i="0" u="none" strike="noStrike" cap="none">
+              <a:rPr lang="en" sz="4700" u="none" strike="noStrike" cap="none">
                 <a:solidFill>
                   <a:srgbClr val="FF9300"/>
                 </a:solidFill>
-                <a:latin typeface="Cabin"/>
-                <a:ea typeface="Cabin"/>
-                <a:cs typeface="Cabin"/>
                 <a:sym typeface="Cabin"/>
               </a:rPr>
               <a:t>Instances</a:t>
@@ -31519,37 +31456,28 @@
               <a:buFont typeface="Cabin"/>
             </a:pPr>
             <a:r>
-              <a:rPr lang="en" sz="2300" b="0" i="0" u="none" strike="noStrike" cap="none">
-                <a:solidFill>
-                  <a:srgbClr val="FFFFFF"/>
-                </a:solidFill>
-                <a:latin typeface="Cabin"/>
-                <a:ea typeface="Cabin"/>
-                <a:cs typeface="Cabin"/>
+              <a:rPr lang="en" sz="2300" u="none" strike="noStrike" cap="none">
+                <a:solidFill>
+                  <a:srgbClr val="FFFFFF"/>
+                </a:solidFill>
                 <a:sym typeface="Cabin"/>
               </a:rPr>
               <a:t>We can create </a:t>
             </a:r>
             <a:r>
-              <a:rPr lang="en" sz="2300" b="0" i="0" u="none" strike="noStrike" cap="none">
+              <a:rPr lang="en" sz="2300" u="none" strike="noStrike" cap="none">
                 <a:solidFill>
                   <a:srgbClr val="FF9300"/>
                 </a:solidFill>
-                <a:latin typeface="Cabin"/>
-                <a:ea typeface="Cabin"/>
-                <a:cs typeface="Cabin"/>
                 <a:sym typeface="Cabin"/>
               </a:rPr>
               <a:t>lots of objects</a:t>
             </a:r>
             <a:r>
-              <a:rPr lang="en" sz="2300" b="0" i="0" u="none" strike="noStrike" cap="none">
-                <a:solidFill>
-                  <a:srgbClr val="FFFFFF"/>
-                </a:solidFill>
-                <a:latin typeface="Cabin"/>
-                <a:ea typeface="Cabin"/>
-                <a:cs typeface="Cabin"/>
+              <a:rPr lang="en" sz="2300" u="none" strike="noStrike" cap="none">
+                <a:solidFill>
+                  <a:srgbClr val="FFFFFF"/>
+                </a:solidFill>
                 <a:sym typeface="Cabin"/>
               </a:rPr>
               <a:t> - the class is the template for the object</a:t>
@@ -31570,37 +31498,28 @@
               <a:buFont typeface="Cabin"/>
             </a:pPr>
             <a:r>
-              <a:rPr lang="en" sz="2300" b="0" i="0" u="none" strike="noStrike" cap="none">
-                <a:solidFill>
-                  <a:srgbClr val="FFFFFF"/>
-                </a:solidFill>
-                <a:latin typeface="Cabin"/>
-                <a:ea typeface="Cabin"/>
-                <a:cs typeface="Cabin"/>
+              <a:rPr lang="en" sz="2300" u="none" strike="noStrike" cap="none">
+                <a:solidFill>
+                  <a:srgbClr val="FFFFFF"/>
+                </a:solidFill>
                 <a:sym typeface="Cabin"/>
               </a:rPr>
               <a:t>We can store each </a:t>
             </a:r>
             <a:r>
-              <a:rPr lang="en" sz="2300" b="0" i="0" u="none" strike="noStrike" cap="none">
+              <a:rPr lang="en" sz="2300" u="none" strike="noStrike" cap="none">
                 <a:solidFill>
                   <a:srgbClr val="FF9300"/>
                 </a:solidFill>
-                <a:latin typeface="Cabin"/>
-                <a:ea typeface="Cabin"/>
-                <a:cs typeface="Cabin"/>
                 <a:sym typeface="Cabin"/>
               </a:rPr>
               <a:t>distinct object</a:t>
             </a:r>
             <a:r>
-              <a:rPr lang="en" sz="2300" b="0" i="0" u="none" strike="noStrike" cap="none">
-                <a:solidFill>
-                  <a:srgbClr val="FFFFFF"/>
-                </a:solidFill>
-                <a:latin typeface="Cabin"/>
-                <a:ea typeface="Cabin"/>
-                <a:cs typeface="Cabin"/>
+              <a:rPr lang="en" sz="2300" u="none" strike="noStrike" cap="none">
+                <a:solidFill>
+                  <a:srgbClr val="FFFFFF"/>
+                </a:solidFill>
                 <a:sym typeface="Cabin"/>
               </a:rPr>
               <a:t> in its own variable</a:t>
@@ -31621,37 +31540,28 @@
               <a:buFont typeface="Cabin"/>
             </a:pPr>
             <a:r>
-              <a:rPr lang="en" sz="2300" b="0" i="0" u="none" strike="noStrike" cap="none">
-                <a:solidFill>
-                  <a:srgbClr val="FFFFFF"/>
-                </a:solidFill>
-                <a:latin typeface="Cabin"/>
-                <a:ea typeface="Cabin"/>
-                <a:cs typeface="Cabin"/>
+              <a:rPr lang="en" sz="2300" u="none" strike="noStrike" cap="none">
+                <a:solidFill>
+                  <a:srgbClr val="FFFFFF"/>
+                </a:solidFill>
                 <a:sym typeface="Cabin"/>
               </a:rPr>
               <a:t>We call this having multiple </a:t>
             </a:r>
             <a:r>
-              <a:rPr lang="en" sz="2300" b="0" i="0" u="none" strike="noStrike" cap="none">
+              <a:rPr lang="en" sz="2300" u="none" strike="noStrike" cap="none">
                 <a:solidFill>
                   <a:srgbClr val="FF9300"/>
                 </a:solidFill>
-                <a:latin typeface="Cabin"/>
-                <a:ea typeface="Cabin"/>
-                <a:cs typeface="Cabin"/>
                 <a:sym typeface="Cabin"/>
               </a:rPr>
               <a:t>instances</a:t>
             </a:r>
             <a:r>
-              <a:rPr lang="en" sz="2300" b="0" i="0" u="none" strike="noStrike" cap="none">
-                <a:solidFill>
-                  <a:srgbClr val="FFFFFF"/>
-                </a:solidFill>
-                <a:latin typeface="Cabin"/>
-                <a:ea typeface="Cabin"/>
-                <a:cs typeface="Cabin"/>
+              <a:rPr lang="en" sz="2300" u="none" strike="noStrike" cap="none">
+                <a:solidFill>
+                  <a:srgbClr val="FFFFFF"/>
+                </a:solidFill>
                 <a:sym typeface="Cabin"/>
               </a:rPr>
               <a:t> of the same class</a:t>
@@ -31672,49 +31582,37 @@
               <a:buFont typeface="Cabin"/>
             </a:pPr>
             <a:r>
-              <a:rPr lang="en" sz="2300" b="0" i="0" u="none" strike="noStrike" cap="none">
-                <a:solidFill>
-                  <a:srgbClr val="FFFFFF"/>
-                </a:solidFill>
-                <a:latin typeface="Cabin"/>
-                <a:ea typeface="Cabin"/>
-                <a:cs typeface="Cabin"/>
+              <a:rPr lang="en" sz="2300" u="none" strike="noStrike" cap="none">
+                <a:solidFill>
+                  <a:srgbClr val="FFFFFF"/>
+                </a:solidFill>
                 <a:sym typeface="Cabin"/>
               </a:rPr>
               <a:t>Each </a:t>
             </a:r>
             <a:r>
-              <a:rPr lang="en" sz="2300" b="0" i="0" u="none" strike="noStrike" cap="none">
+              <a:rPr lang="en" sz="2300" u="none" strike="noStrike" cap="none">
                 <a:solidFill>
                   <a:srgbClr val="FF9300"/>
                 </a:solidFill>
-                <a:latin typeface="Cabin"/>
-                <a:ea typeface="Cabin"/>
-                <a:cs typeface="Cabin"/>
                 <a:sym typeface="Cabin"/>
               </a:rPr>
               <a:t>instance</a:t>
             </a:r>
             <a:r>
-              <a:rPr lang="en" sz="2300" b="0" i="0" u="none" strike="noStrike" cap="none">
-                <a:solidFill>
-                  <a:srgbClr val="FFFFFF"/>
-                </a:solidFill>
-                <a:latin typeface="Cabin"/>
-                <a:ea typeface="Cabin"/>
-                <a:cs typeface="Cabin"/>
+              <a:rPr lang="en" sz="2300" u="none" strike="noStrike" cap="none">
+                <a:solidFill>
+                  <a:srgbClr val="FFFFFF"/>
+                </a:solidFill>
                 <a:sym typeface="Cabin"/>
               </a:rPr>
               <a:t> has its own copy of the </a:t>
             </a:r>
             <a:r>
-              <a:rPr lang="en" sz="2300" b="0" i="0" u="none" strike="noStrike" cap="none">
+              <a:rPr lang="en" sz="2300" u="none" strike="noStrike" cap="none">
                 <a:solidFill>
                   <a:srgbClr val="FFFB00"/>
                 </a:solidFill>
-                <a:latin typeface="Cabin"/>
-                <a:ea typeface="Cabin"/>
-                <a:cs typeface="Cabin"/>
                 <a:sym typeface="Cabin"/>
               </a:rPr>
               <a:t>instance variables</a:t>
@@ -32521,73 +32419,73 @@
               <a:buNone/>
             </a:pPr>
             <a:r>
-              <a:rPr lang="en" sz="2300" b="0" i="0" u="none" strike="noStrike" cap="none">
+              <a:rPr lang="en" sz="2300" u="none" strike="noStrike" cap="none">
                 <a:solidFill>
                   <a:srgbClr val="FF40FF"/>
                 </a:solidFill>
-                <a:latin typeface="Cabin"/>
-                <a:ea typeface="Cabin"/>
-                <a:cs typeface="Cabin"/>
+                <a:latin typeface="Arial" charset="0"/>
+                <a:ea typeface="Arial" charset="0"/>
+                <a:cs typeface="Arial" charset="0"/>
                 <a:sym typeface="Cabin"/>
               </a:rPr>
               <a:t>Constructors</a:t>
             </a:r>
             <a:r>
-              <a:rPr lang="en" sz="2300" b="0" i="0" u="none" strike="noStrike" cap="none">
-                <a:solidFill>
-                  <a:srgbClr val="FFFFFF"/>
-                </a:solidFill>
-                <a:latin typeface="Cabin"/>
-                <a:ea typeface="Cabin"/>
-                <a:cs typeface="Cabin"/>
+              <a:rPr lang="en" sz="2300" u="none" strike="noStrike" cap="none">
+                <a:solidFill>
+                  <a:srgbClr val="FFFFFF"/>
+                </a:solidFill>
+                <a:latin typeface="Arial" charset="0"/>
+                <a:ea typeface="Arial" charset="0"/>
+                <a:cs typeface="Arial" charset="0"/>
                 <a:sym typeface="Cabin"/>
               </a:rPr>
               <a:t> can have additional </a:t>
             </a:r>
             <a:r>
-              <a:rPr lang="en" sz="2300" b="0" i="0" u="none" strike="noStrike" cap="none">
+              <a:rPr lang="en" sz="2300" u="none" strike="noStrike" cap="none">
                 <a:solidFill>
                   <a:srgbClr val="00F900"/>
                 </a:solidFill>
-                <a:latin typeface="Cabin"/>
-                <a:ea typeface="Cabin"/>
-                <a:cs typeface="Cabin"/>
+                <a:latin typeface="Arial" charset="0"/>
+                <a:ea typeface="Arial" charset="0"/>
+                <a:cs typeface="Arial" charset="0"/>
                 <a:sym typeface="Cabin"/>
               </a:rPr>
               <a:t>parameters</a:t>
             </a:r>
             <a:r>
-              <a:rPr lang="en" sz="2300" b="0" i="0" u="none" strike="noStrike" cap="none">
-                <a:solidFill>
-                  <a:srgbClr val="FFFFFF"/>
-                </a:solidFill>
-                <a:latin typeface="Cabin"/>
-                <a:ea typeface="Cabin"/>
-                <a:cs typeface="Cabin"/>
+              <a:rPr lang="en" sz="2300" u="none" strike="noStrike" cap="none">
+                <a:solidFill>
+                  <a:srgbClr val="FFFFFF"/>
+                </a:solidFill>
+                <a:latin typeface="Arial" charset="0"/>
+                <a:ea typeface="Arial" charset="0"/>
+                <a:cs typeface="Arial" charset="0"/>
                 <a:sym typeface="Cabin"/>
               </a:rPr>
               <a:t>.  These can be used to set up </a:t>
             </a:r>
             <a:r>
-              <a:rPr lang="en" sz="2300" b="0" i="0" u="none" strike="noStrike" cap="none">
+              <a:rPr lang="en" sz="2300" u="none" strike="noStrike" cap="none">
                 <a:solidFill>
                   <a:srgbClr val="FF9300"/>
                 </a:solidFill>
-                <a:latin typeface="Cabin"/>
-                <a:ea typeface="Cabin"/>
-                <a:cs typeface="Cabin"/>
+                <a:latin typeface="Arial" charset="0"/>
+                <a:ea typeface="Arial" charset="0"/>
+                <a:cs typeface="Arial" charset="0"/>
                 <a:sym typeface="Cabin"/>
               </a:rPr>
               <a:t>instance variables</a:t>
             </a:r>
             <a:r>
-              <a:rPr lang="en" sz="2300" b="0" i="0" u="none" strike="noStrike" cap="none">
-                <a:solidFill>
-                  <a:srgbClr val="FFFFFF"/>
-                </a:solidFill>
-                <a:latin typeface="Cabin"/>
-                <a:ea typeface="Cabin"/>
-                <a:cs typeface="Cabin"/>
+              <a:rPr lang="en" sz="2300" u="none" strike="noStrike" cap="none">
+                <a:solidFill>
+                  <a:srgbClr val="FFFFFF"/>
+                </a:solidFill>
+                <a:latin typeface="Arial" charset="0"/>
+                <a:ea typeface="Arial" charset="0"/>
+                <a:cs typeface="Arial" charset="0"/>
                 <a:sym typeface="Cabin"/>
               </a:rPr>
               <a:t> for the particular instance of the class (i.e., for the particular object).</a:t>
@@ -33416,13 +33314,13 @@
               <a:buFont typeface="Cabin"/>
               <a:buNone/>
             </a:pPr>
-            <a:endParaRPr sz="2300" b="0" i="0" u="none" strike="noStrike" cap="none">
+            <a:endParaRPr sz="2300" u="none" strike="noStrike" cap="none">
               <a:solidFill>
                 <a:srgbClr val="FFFFFF"/>
               </a:solidFill>
-              <a:latin typeface="Cabin"/>
-              <a:ea typeface="Cabin"/>
-              <a:cs typeface="Cabin"/>
+              <a:latin typeface="Arial" charset="0"/>
+              <a:ea typeface="Arial" charset="0"/>
+              <a:cs typeface="Arial" charset="0"/>
               <a:sym typeface="Cabin"/>
             </a:endParaRPr>
           </a:p>
@@ -33479,13 +33377,13 @@
               <a:buFont typeface="Cabin"/>
               <a:buNone/>
             </a:pPr>
-            <a:endParaRPr sz="2300" b="0" i="0" u="none" strike="noStrike" cap="none">
+            <a:endParaRPr sz="2300" u="none" strike="noStrike" cap="none">
               <a:solidFill>
                 <a:srgbClr val="FFFFFF"/>
               </a:solidFill>
-              <a:latin typeface="Cabin"/>
-              <a:ea typeface="Cabin"/>
-              <a:cs typeface="Cabin"/>
+              <a:latin typeface="Arial" charset="0"/>
+              <a:ea typeface="Arial" charset="0"/>
+              <a:cs typeface="Arial" charset="0"/>
               <a:sym typeface="Cabin"/>
             </a:endParaRPr>
           </a:p>
@@ -33558,21 +33456,21 @@
                   <a:solidFill>
                     <a:srgbClr val="FFFFFF"/>
                   </a:solidFill>
-                  <a:latin typeface="Cabin"/>
-                  <a:ea typeface="Cabin"/>
-                  <a:cs typeface="Cabin"/>
+                  <a:latin typeface="Arial" charset="0"/>
+                  <a:ea typeface="Arial" charset="0"/>
+                  <a:cs typeface="Arial" charset="0"/>
                   <a:sym typeface="Cabin"/>
                 </a:rPr>
                 <a:t> </a:t>
               </a:r>
               <a:r>
-                <a:rPr lang="en" sz="2700" b="0" i="0" u="none" strike="noStrike" cap="none">
+                <a:rPr lang="en" sz="2700" u="none" strike="noStrike" cap="none">
                   <a:solidFill>
                     <a:srgbClr val="FFFFFF"/>
                   </a:solidFill>
-                  <a:latin typeface="Cabin"/>
-                  <a:ea typeface="Cabin"/>
-                  <a:cs typeface="Cabin"/>
+                  <a:latin typeface="Arial" charset="0"/>
+                  <a:ea typeface="Arial" charset="0"/>
+                  <a:cs typeface="Arial" charset="0"/>
                   <a:sym typeface="Cabin"/>
                 </a:rPr>
                 <a:t>s</a:t>
@@ -33625,13 +33523,13 @@
                 <a:buNone/>
               </a:pPr>
               <a:r>
-                <a:rPr lang="en" sz="2900" b="0" i="0" u="none" strike="noStrike" cap="none">
+                <a:rPr lang="en" sz="2900" u="none" strike="noStrike" cap="none">
                   <a:solidFill>
                     <a:srgbClr val="000000"/>
                   </a:solidFill>
-                  <a:latin typeface="Cabin"/>
-                  <a:ea typeface="Cabin"/>
-                  <a:cs typeface="Cabin"/>
+                  <a:latin typeface="Arial" charset="0"/>
+                  <a:ea typeface="Arial" charset="0"/>
+                  <a:cs typeface="Arial" charset="0"/>
                   <a:sym typeface="Cabin"/>
                 </a:rPr>
                 <a:t>x</a:t>
@@ -33684,13 +33582,13 @@
                 <a:buNone/>
               </a:pPr>
               <a:r>
-                <a:rPr lang="en" sz="2500" b="0" i="0" u="none" strike="noStrike" cap="none">
+                <a:rPr lang="en" sz="2500" u="none" strike="noStrike" cap="none">
                   <a:solidFill>
                     <a:srgbClr val="000000"/>
                   </a:solidFill>
-                  <a:latin typeface="Cabin"/>
-                  <a:ea typeface="Cabin"/>
-                  <a:cs typeface="Cabin"/>
+                  <a:latin typeface="Arial" charset="0"/>
+                  <a:ea typeface="Arial" charset="0"/>
+                  <a:cs typeface="Arial" charset="0"/>
                   <a:sym typeface="Cabin"/>
                 </a:rPr>
                 <a:t>name:  </a:t>
@@ -33742,13 +33640,13 @@
               <a:buNone/>
             </a:pPr>
             <a:r>
-              <a:rPr lang="en" sz="2300" b="0" i="0" u="none" strike="noStrike" cap="none">
+              <a:rPr lang="en" sz="2300" u="none" strike="noStrike" cap="none">
                 <a:solidFill>
                   <a:srgbClr val="000000"/>
                 </a:solidFill>
-                <a:latin typeface="Cabin"/>
-                <a:ea typeface="Cabin"/>
-                <a:cs typeface="Cabin"/>
+                <a:latin typeface="Arial" charset="0"/>
+                <a:ea typeface="Arial" charset="0"/>
+                <a:cs typeface="Arial" charset="0"/>
                 <a:sym typeface="Cabin"/>
               </a:rPr>
               <a:t>0</a:t>
@@ -33823,21 +33721,21 @@
                   <a:solidFill>
                     <a:srgbClr val="FFFFFF"/>
                   </a:solidFill>
-                  <a:latin typeface="Cabin"/>
-                  <a:ea typeface="Cabin"/>
-                  <a:cs typeface="Cabin"/>
+                  <a:latin typeface="Arial" charset="0"/>
+                  <a:ea typeface="Arial" charset="0"/>
+                  <a:cs typeface="Arial" charset="0"/>
                   <a:sym typeface="Cabin"/>
                 </a:rPr>
                 <a:t> </a:t>
               </a:r>
               <a:r>
-                <a:rPr lang="en" sz="2700" b="0" i="0" u="none" strike="noStrike" cap="none">
+                <a:rPr lang="en" sz="2700" u="none" strike="noStrike" cap="none">
                   <a:solidFill>
                     <a:srgbClr val="FFFFFF"/>
                   </a:solidFill>
-                  <a:latin typeface="Cabin"/>
-                  <a:ea typeface="Cabin"/>
-                  <a:cs typeface="Cabin"/>
+                  <a:latin typeface="Arial" charset="0"/>
+                  <a:ea typeface="Arial" charset="0"/>
+                  <a:cs typeface="Arial" charset="0"/>
                   <a:sym typeface="Cabin"/>
                 </a:rPr>
                 <a:t>j</a:t>
@@ -33890,13 +33788,13 @@
                 <a:buNone/>
               </a:pPr>
               <a:r>
-                <a:rPr lang="en" sz="2900" b="0" i="0" u="none" strike="noStrike" cap="none">
+                <a:rPr lang="en" sz="2900" u="none" strike="noStrike" cap="none">
                   <a:solidFill>
                     <a:srgbClr val="000000"/>
                   </a:solidFill>
-                  <a:latin typeface="Cabin"/>
-                  <a:ea typeface="Cabin"/>
-                  <a:cs typeface="Cabin"/>
+                  <a:latin typeface="Arial" charset="0"/>
+                  <a:ea typeface="Arial" charset="0"/>
+                  <a:cs typeface="Arial" charset="0"/>
                   <a:sym typeface="Cabin"/>
                 </a:rPr>
                 <a:t>x</a:t>
@@ -33949,13 +33847,13 @@
                 <a:buNone/>
               </a:pPr>
               <a:r>
-                <a:rPr lang="en" sz="2500" b="0" i="0" u="none" strike="noStrike" cap="none">
+                <a:rPr lang="en" sz="2500" u="none" strike="noStrike" cap="none">
                   <a:solidFill>
                     <a:srgbClr val="000000"/>
                   </a:solidFill>
-                  <a:latin typeface="Cabin"/>
-                  <a:ea typeface="Cabin"/>
-                  <a:cs typeface="Cabin"/>
+                  <a:latin typeface="Arial" charset="0"/>
+                  <a:ea typeface="Arial" charset="0"/>
+                  <a:cs typeface="Arial" charset="0"/>
                   <a:sym typeface="Cabin"/>
                 </a:rPr>
                 <a:t>name:</a:t>
@@ -34007,13 +33905,13 @@
               <a:buNone/>
             </a:pPr>
             <a:r>
-              <a:rPr lang="en" sz="2300" b="0" i="0" u="none" strike="noStrike" cap="none">
+              <a:rPr lang="en" sz="2300" u="none" strike="noStrike" cap="none">
                 <a:solidFill>
                   <a:srgbClr val="000000"/>
                 </a:solidFill>
-                <a:latin typeface="Cabin"/>
-                <a:ea typeface="Cabin"/>
-                <a:cs typeface="Cabin"/>
+                <a:latin typeface="Arial" charset="0"/>
+                <a:ea typeface="Arial" charset="0"/>
+                <a:cs typeface="Arial" charset="0"/>
                 <a:sym typeface="Cabin"/>
               </a:rPr>
               <a:t>0</a:t>
@@ -34072,13 +33970,13 @@
               <a:buFont typeface="Cabin"/>
               <a:buNone/>
             </a:pPr>
-            <a:endParaRPr sz="2300" b="0" i="0" u="none" strike="noStrike" cap="none">
+            <a:endParaRPr sz="2300" u="none" strike="noStrike" cap="none">
               <a:solidFill>
                 <a:srgbClr val="FFFFFF"/>
               </a:solidFill>
-              <a:latin typeface="Cabin"/>
-              <a:ea typeface="Cabin"/>
-              <a:cs typeface="Cabin"/>
+              <a:latin typeface="Arial" charset="0"/>
+              <a:ea typeface="Arial" charset="0"/>
+              <a:cs typeface="Arial" charset="0"/>
               <a:sym typeface="Cabin"/>
             </a:endParaRPr>
           </a:p>
@@ -34127,13 +34025,13 @@
               <a:buNone/>
             </a:pPr>
             <a:r>
-              <a:rPr lang="en" sz="2300" b="0" i="0" u="none" strike="noStrike" cap="none">
+              <a:rPr lang="en" sz="2300" u="none" strike="noStrike" cap="none">
                 <a:solidFill>
                   <a:srgbClr val="000000"/>
                 </a:solidFill>
-                <a:latin typeface="Cabin"/>
-                <a:ea typeface="Cabin"/>
-                <a:cs typeface="Cabin"/>
+                <a:latin typeface="Arial" charset="0"/>
+                <a:ea typeface="Arial" charset="0"/>
+                <a:cs typeface="Arial" charset="0"/>
                 <a:sym typeface="Cabin"/>
               </a:rPr>
               <a:t>1</a:t>
@@ -34192,13 +34090,13 @@
               <a:buFont typeface="Cabin"/>
               <a:buNone/>
             </a:pPr>
-            <a:endParaRPr sz="2300" b="0" i="0" u="none" strike="noStrike" cap="none">
+            <a:endParaRPr sz="2300" u="none" strike="noStrike" cap="none">
               <a:solidFill>
                 <a:srgbClr val="FFFFFF"/>
               </a:solidFill>
-              <a:latin typeface="Cabin"/>
-              <a:ea typeface="Cabin"/>
-              <a:cs typeface="Cabin"/>
+              <a:latin typeface="Arial" charset="0"/>
+              <a:ea typeface="Arial" charset="0"/>
+              <a:cs typeface="Arial" charset="0"/>
               <a:sym typeface="Cabin"/>
             </a:endParaRPr>
           </a:p>
@@ -34255,13 +34153,13 @@
               <a:buFont typeface="Cabin"/>
               <a:buNone/>
             </a:pPr>
-            <a:endParaRPr sz="2300" b="0" i="0" u="none" strike="noStrike" cap="none">
+            <a:endParaRPr sz="2300" u="none" strike="noStrike" cap="none">
               <a:solidFill>
                 <a:srgbClr val="FFFFFF"/>
               </a:solidFill>
-              <a:latin typeface="Cabin"/>
-              <a:ea typeface="Cabin"/>
-              <a:cs typeface="Cabin"/>
+              <a:latin typeface="Arial" charset="0"/>
+              <a:ea typeface="Arial" charset="0"/>
+              <a:cs typeface="Arial" charset="0"/>
               <a:sym typeface="Cabin"/>
             </a:endParaRPr>
           </a:p>
@@ -34310,13 +34208,13 @@
               <a:buNone/>
             </a:pPr>
             <a:r>
-              <a:rPr lang="en" sz="2300" b="0" i="0" u="none" strike="noStrike" cap="none">
+              <a:rPr lang="en" sz="2300" u="none" strike="noStrike" cap="none">
                 <a:solidFill>
                   <a:srgbClr val="000000"/>
                 </a:solidFill>
-                <a:latin typeface="Cabin"/>
-                <a:ea typeface="Cabin"/>
-                <a:cs typeface="Cabin"/>
+                <a:latin typeface="Arial" charset="0"/>
+                <a:ea typeface="Arial" charset="0"/>
+                <a:cs typeface="Arial" charset="0"/>
                 <a:sym typeface="Cabin"/>
               </a:rPr>
               <a:t>1</a:t>
@@ -34367,13 +34265,13 @@
               <a:buNone/>
             </a:pPr>
             <a:r>
-              <a:rPr lang="en" sz="2300" b="0" i="0" u="none" strike="noStrike" cap="none">
+              <a:rPr lang="en" sz="2300" u="none" strike="noStrike" cap="none">
                 <a:solidFill>
                   <a:srgbClr val="000000"/>
                 </a:solidFill>
-                <a:latin typeface="Cabin"/>
-                <a:ea typeface="Cabin"/>
-                <a:cs typeface="Cabin"/>
+                <a:latin typeface="Arial" charset="0"/>
+                <a:ea typeface="Arial" charset="0"/>
+                <a:cs typeface="Arial" charset="0"/>
                 <a:sym typeface="Cabin"/>
               </a:rPr>
               <a:t>2</a:t>
@@ -34424,13 +34322,13 @@
               <a:buNone/>
             </a:pPr>
             <a:r>
-              <a:rPr lang="en" sz="2300" b="0" i="0" u="none" strike="noStrike" cap="none">
+              <a:rPr lang="en" sz="2300" u="none" strike="noStrike" cap="none">
                 <a:solidFill>
                   <a:srgbClr val="00FDFF"/>
                 </a:solidFill>
-                <a:latin typeface="Cabin"/>
-                <a:ea typeface="Cabin"/>
-                <a:cs typeface="Cabin"/>
+                <a:latin typeface="Arial" charset="0"/>
+                <a:ea typeface="Arial" charset="0"/>
+                <a:cs typeface="Arial" charset="0"/>
                 <a:sym typeface="Cabin"/>
               </a:rPr>
               <a:t>We have two independent instances.</a:t>
@@ -34481,13 +34379,13 @@
               <a:buNone/>
             </a:pPr>
             <a:r>
-              <a:rPr lang="en" sz="2300" b="0" i="0" u="none" strike="noStrike" cap="none">
-                <a:solidFill>
-                  <a:srgbClr val="FFFFFF"/>
-                </a:solidFill>
-                <a:latin typeface="Cabin"/>
-                <a:ea typeface="Cabin"/>
-                <a:cs typeface="Cabin"/>
+              <a:rPr lang="en" sz="2300" u="none" strike="noStrike" cap="none">
+                <a:solidFill>
+                  <a:srgbClr val="FFFFFF"/>
+                </a:solidFill>
+                <a:latin typeface="Arial" charset="0"/>
+                <a:ea typeface="Arial" charset="0"/>
+                <a:cs typeface="Arial" charset="0"/>
                 <a:sym typeface="Cabin"/>
               </a:rPr>
               <a:t>PartyAnimal.party(j)</a:t>
@@ -34538,13 +34436,13 @@
               <a:buNone/>
             </a:pPr>
             <a:r>
-              <a:rPr lang="en" sz="2300" b="0" i="0" u="none" strike="noStrike" cap="none">
+              <a:rPr lang="en" sz="2300" u="none" strike="noStrike" cap="none">
                 <a:solidFill>
                   <a:srgbClr val="000000"/>
                 </a:solidFill>
-                <a:latin typeface="Cabin"/>
-                <a:ea typeface="Cabin"/>
-                <a:cs typeface="Cabin"/>
+                <a:latin typeface="Arial" charset="0"/>
+                <a:ea typeface="Arial" charset="0"/>
+                <a:cs typeface="Arial" charset="0"/>
                 <a:sym typeface="Cabin"/>
               </a:rPr>
               <a:t>Sally</a:t>
@@ -34595,13 +34493,13 @@
               <a:buNone/>
             </a:pPr>
             <a:r>
-              <a:rPr lang="en" sz="2300" b="0" i="0" u="none" strike="noStrike" cap="none">
+              <a:rPr lang="en" sz="2300" u="none" strike="noStrike" cap="none">
                 <a:solidFill>
                   <a:srgbClr val="000000"/>
                 </a:solidFill>
-                <a:latin typeface="Cabin"/>
-                <a:ea typeface="Cabin"/>
-                <a:cs typeface="Cabin"/>
+                <a:latin typeface="Arial" charset="0"/>
+                <a:ea typeface="Arial" charset="0"/>
+                <a:cs typeface="Arial" charset="0"/>
                 <a:sym typeface="Cabin"/>
               </a:rPr>
               <a:t>Jim</a:t>
@@ -34855,13 +34753,10 @@
               <a:buNone/>
             </a:pPr>
             <a:r>
-              <a:rPr lang="en" sz="4700" b="0" i="0" u="none" strike="noStrike" cap="none">
+              <a:rPr lang="en" sz="4700" u="none" strike="noStrike" cap="none">
                 <a:solidFill>
                   <a:srgbClr val="FFD966"/>
                 </a:solidFill>
-                <a:latin typeface="Cabin"/>
-                <a:ea typeface="Cabin"/>
-                <a:cs typeface="Cabin"/>
                 <a:sym typeface="Cabin"/>
               </a:rPr>
               <a:t>Definitions</a:t>
@@ -34912,25 +34807,19 @@
               <a:buFont typeface="Cabin"/>
             </a:pPr>
             <a:r>
-              <a:rPr lang="en" sz="2300" b="0" i="0" u="none" strike="noStrike" cap="none">
+              <a:rPr lang="en" sz="2300" u="none" strike="noStrike" cap="none">
                 <a:solidFill>
                   <a:srgbClr val="FF9300"/>
                 </a:solidFill>
-                <a:latin typeface="Cabin"/>
-                <a:ea typeface="Cabin"/>
-                <a:cs typeface="Cabin"/>
                 <a:sym typeface="Cabin"/>
               </a:rPr>
               <a:t>Class</a:t>
             </a:r>
             <a:r>
-              <a:rPr lang="en" sz="2300" b="0" i="0" u="none" strike="noStrike" cap="none">
-                <a:solidFill>
-                  <a:srgbClr val="FFFFFF"/>
-                </a:solidFill>
-                <a:latin typeface="Cabin"/>
-                <a:ea typeface="Cabin"/>
-                <a:cs typeface="Cabin"/>
+              <a:rPr lang="en" sz="2300" u="none" strike="noStrike" cap="none">
+                <a:solidFill>
+                  <a:srgbClr val="FFFFFF"/>
+                </a:solidFill>
                 <a:sym typeface="Cabin"/>
               </a:rPr>
               <a:t> - a template - Dog</a:t>
@@ -34951,25 +34840,19 @@
               <a:buFont typeface="Cabin"/>
             </a:pPr>
             <a:r>
-              <a:rPr lang="en" sz="2300" b="0" i="0" u="none" strike="noStrike" cap="none">
+              <a:rPr lang="en" sz="2300" u="none" strike="noStrike" cap="none">
                 <a:solidFill>
                   <a:srgbClr val="FF9300"/>
                 </a:solidFill>
-                <a:latin typeface="Cabin"/>
-                <a:ea typeface="Cabin"/>
-                <a:cs typeface="Cabin"/>
                 <a:sym typeface="Cabin"/>
               </a:rPr>
               <a:t>Method or Message </a:t>
             </a:r>
             <a:r>
-              <a:rPr lang="en" sz="2300" b="0" i="0" u="none" strike="noStrike" cap="none">
-                <a:solidFill>
-                  <a:srgbClr val="FFFFFF"/>
-                </a:solidFill>
-                <a:latin typeface="Cabin"/>
-                <a:ea typeface="Cabin"/>
-                <a:cs typeface="Cabin"/>
+              <a:rPr lang="en" sz="2300" u="none" strike="noStrike" cap="none">
+                <a:solidFill>
+                  <a:srgbClr val="FFFFFF"/>
+                </a:solidFill>
                 <a:sym typeface="Cabin"/>
               </a:rPr>
               <a:t>- A defined capability of a class - bark()</a:t>
@@ -34990,25 +34873,19 @@
               <a:buFont typeface="Cabin"/>
             </a:pPr>
             <a:r>
-              <a:rPr lang="en" sz="2300" b="0" i="0" u="none" strike="noStrike" cap="none">
+              <a:rPr lang="en" sz="2300" u="none" strike="noStrike" cap="none">
                 <a:solidFill>
                   <a:srgbClr val="FF9300"/>
                 </a:solidFill>
-                <a:latin typeface="Cabin"/>
-                <a:ea typeface="Cabin"/>
-                <a:cs typeface="Cabin"/>
                 <a:sym typeface="Cabin"/>
               </a:rPr>
               <a:t>Object or Instance</a:t>
             </a:r>
             <a:r>
-              <a:rPr lang="en" sz="2300" b="0" i="0" u="none" strike="noStrike" cap="none">
-                <a:solidFill>
-                  <a:srgbClr val="FFFFFF"/>
-                </a:solidFill>
-                <a:latin typeface="Cabin"/>
-                <a:ea typeface="Cabin"/>
-                <a:cs typeface="Cabin"/>
+              <a:rPr lang="en" sz="2300" u="none" strike="noStrike" cap="none">
+                <a:solidFill>
+                  <a:srgbClr val="FFFFFF"/>
+                </a:solidFill>
                 <a:sym typeface="Cabin"/>
               </a:rPr>
               <a:t> - A particular instance of a class - Lassie</a:t>
@@ -35029,25 +34906,19 @@
               <a:buFont typeface="Cabin"/>
             </a:pPr>
             <a:r>
-              <a:rPr lang="en" sz="2300" b="0" i="0" u="none" strike="noStrike" cap="none">
+              <a:rPr lang="en" sz="2300" u="none" strike="noStrike" cap="none">
                 <a:solidFill>
                   <a:srgbClr val="FF9300"/>
                 </a:solidFill>
-                <a:latin typeface="Cabin"/>
-                <a:ea typeface="Cabin"/>
-                <a:cs typeface="Cabin"/>
                 <a:sym typeface="Cabin"/>
               </a:rPr>
               <a:t>Constructor</a:t>
             </a:r>
             <a:r>
-              <a:rPr lang="en" sz="2300" b="0" i="0" u="none" strike="noStrike" cap="none">
-                <a:solidFill>
-                  <a:srgbClr val="FFFFFF"/>
-                </a:solidFill>
-                <a:latin typeface="Cabin"/>
-                <a:ea typeface="Cabin"/>
-                <a:cs typeface="Cabin"/>
+              <a:rPr lang="en" sz="2300" u="none" strike="noStrike" cap="none">
+                <a:solidFill>
+                  <a:srgbClr val="FFFFFF"/>
+                </a:solidFill>
                 <a:sym typeface="Cabin"/>
               </a:rPr>
               <a:t> - A method which is called when the instance / object is created</a:t>
@@ -35154,13 +35025,13 @@
               <a:buNone/>
             </a:pPr>
             <a:r>
-              <a:rPr lang="en" sz="4700" b="0" i="0" u="none" strike="noStrike" cap="none">
+              <a:rPr lang="en" sz="4700" u="none" strike="noStrike" cap="none">
                 <a:solidFill>
                   <a:srgbClr val="FFD966"/>
                 </a:solidFill>
-                <a:latin typeface="Cabin"/>
-                <a:ea typeface="Cabin"/>
-                <a:cs typeface="Cabin"/>
+                <a:latin typeface="Arial" charset="0"/>
+                <a:ea typeface="Arial" charset="0"/>
+                <a:cs typeface="Arial" charset="0"/>
                 <a:sym typeface="Cabin"/>
               </a:rPr>
               <a:t>Inheritance</a:t>
@@ -35215,13 +35086,13 @@
               <a:buNone/>
             </a:pPr>
             <a:r>
-              <a:rPr lang="en" sz="2000" b="0" i="0" u="none" strike="noStrike" cap="none">
-                <a:solidFill>
-                  <a:srgbClr val="FFFFFF"/>
-                </a:solidFill>
-                <a:latin typeface="Cabin"/>
-                <a:ea typeface="Cabin"/>
-                <a:cs typeface="Cabin"/>
+              <a:rPr lang="en" sz="2000" u="none" strike="noStrike" cap="none">
+                <a:solidFill>
+                  <a:srgbClr val="FFFFFF"/>
+                </a:solidFill>
+                <a:latin typeface="Arial" charset="0"/>
+                <a:ea typeface="Arial" charset="0"/>
+                <a:cs typeface="Arial" charset="0"/>
                 <a:sym typeface="Cabin"/>
               </a:rPr>
               <a:t>http://www.python.org/doc/2.5.2/tut/node11.html</a:t>
@@ -35246,13 +35117,13 @@
               <a:buNone/>
             </a:pPr>
             <a:r>
-              <a:rPr lang="en" sz="2000" b="0" i="0" u="sng" strike="noStrike" cap="none">
-                <a:solidFill>
-                  <a:srgbClr val="FFFFFF"/>
-                </a:solidFill>
-                <a:latin typeface="Cabin"/>
-                <a:ea typeface="Cabin"/>
-                <a:cs typeface="Cabin"/>
+              <a:rPr lang="en" sz="2000" u="sng" strike="noStrike" cap="none">
+                <a:solidFill>
+                  <a:srgbClr val="FFFFFF"/>
+                </a:solidFill>
+                <a:latin typeface="Arial" charset="0"/>
+                <a:ea typeface="Arial" charset="0"/>
+                <a:cs typeface="Arial" charset="0"/>
                 <a:sym typeface="Cabin"/>
               </a:rPr>
               <a:t>http://www.ibiblio.org/g2swap/byteofpython/read/inheritance.html</a:t>
@@ -35332,13 +35203,10 @@
               <a:buNone/>
             </a:pPr>
             <a:r>
-              <a:rPr lang="en" sz="4700" b="0" i="0" u="none" strike="noStrike" cap="none">
+              <a:rPr lang="en" sz="4700" u="none" strike="noStrike" cap="none">
                 <a:solidFill>
                   <a:srgbClr val="FFD966"/>
                 </a:solidFill>
-                <a:latin typeface="Cabin"/>
-                <a:ea typeface="Cabin"/>
-                <a:cs typeface="Cabin"/>
                 <a:sym typeface="Cabin"/>
               </a:rPr>
               <a:t>Inheritance</a:t>
@@ -35389,37 +35257,28 @@
               <a:buFont typeface="Cabin"/>
             </a:pPr>
             <a:r>
-              <a:rPr lang="en" sz="2300" b="0" i="0" u="none" strike="noStrike" cap="none">
-                <a:solidFill>
-                  <a:srgbClr val="FFFFFF"/>
-                </a:solidFill>
-                <a:latin typeface="Cabin"/>
-                <a:ea typeface="Cabin"/>
-                <a:cs typeface="Cabin"/>
+              <a:rPr lang="en" sz="2300" u="none" strike="noStrike" cap="none">
+                <a:solidFill>
+                  <a:srgbClr val="FFFFFF"/>
+                </a:solidFill>
                 <a:sym typeface="Cabin"/>
               </a:rPr>
               <a:t>When we make a new class - we can reuse an existing class and </a:t>
             </a:r>
             <a:r>
-              <a:rPr lang="en" sz="2300" b="0" i="0" u="none" strike="noStrike" cap="none">
+              <a:rPr lang="en" sz="2300" u="none" strike="noStrike" cap="none">
                 <a:solidFill>
                   <a:srgbClr val="FF9300"/>
                 </a:solidFill>
-                <a:latin typeface="Cabin"/>
-                <a:ea typeface="Cabin"/>
-                <a:cs typeface="Cabin"/>
                 <a:sym typeface="Cabin"/>
               </a:rPr>
               <a:t>inherit</a:t>
             </a:r>
             <a:r>
-              <a:rPr lang="en" sz="2300" b="0" i="0" u="none" strike="noStrike" cap="none">
-                <a:solidFill>
-                  <a:srgbClr val="FFFFFF"/>
-                </a:solidFill>
-                <a:latin typeface="Cabin"/>
-                <a:ea typeface="Cabin"/>
-                <a:cs typeface="Cabin"/>
+              <a:rPr lang="en" sz="2300" u="none" strike="noStrike" cap="none">
+                <a:solidFill>
+                  <a:srgbClr val="FFFFFF"/>
+                </a:solidFill>
                 <a:sym typeface="Cabin"/>
               </a:rPr>
               <a:t> all the capabilities of an existing class and then add our own little bit to make our new class</a:t>
@@ -35443,13 +35302,10 @@
               <a:buFont typeface="Cabin"/>
             </a:pPr>
             <a:r>
-              <a:rPr lang="en" sz="2300" b="0" i="0" u="none" strike="noStrike" cap="none">
-                <a:solidFill>
-                  <a:srgbClr val="FFFFFF"/>
-                </a:solidFill>
-                <a:latin typeface="Cabin"/>
-                <a:ea typeface="Cabin"/>
-                <a:cs typeface="Cabin"/>
+              <a:rPr lang="en" sz="2300" u="none" strike="noStrike" cap="none">
+                <a:solidFill>
+                  <a:srgbClr val="FFFFFF"/>
+                </a:solidFill>
                 <a:sym typeface="Cabin"/>
               </a:rPr>
               <a:t>Another form of store and reuse</a:t>
@@ -35473,13 +35329,10 @@
               <a:buFont typeface="Cabin"/>
             </a:pPr>
             <a:r>
-              <a:rPr lang="en" sz="2300" b="0" i="0" u="none" strike="noStrike" cap="none">
-                <a:solidFill>
-                  <a:srgbClr val="FFFFFF"/>
-                </a:solidFill>
-                <a:latin typeface="Cabin"/>
-                <a:ea typeface="Cabin"/>
-                <a:cs typeface="Cabin"/>
+              <a:rPr lang="en" sz="2300" u="none" strike="noStrike" cap="none">
+                <a:solidFill>
+                  <a:srgbClr val="FFFFFF"/>
+                </a:solidFill>
                 <a:sym typeface="Cabin"/>
               </a:rPr>
               <a:t>Write once - reuse many times</a:t>
@@ -35503,13 +35356,10 @@
               <a:buFont typeface="Cabin"/>
             </a:pPr>
             <a:r>
-              <a:rPr lang="en" sz="2300" b="0" i="0" u="none" strike="noStrike" cap="none">
-                <a:solidFill>
-                  <a:srgbClr val="FFFFFF"/>
-                </a:solidFill>
-                <a:latin typeface="Cabin"/>
-                <a:ea typeface="Cabin"/>
-                <a:cs typeface="Cabin"/>
+              <a:rPr lang="en" sz="2300" u="none" strike="noStrike" cap="none">
+                <a:solidFill>
+                  <a:srgbClr val="FFFFFF"/>
+                </a:solidFill>
                 <a:sym typeface="Cabin"/>
               </a:rPr>
               <a:t>The new class (child) has all the capabilities of the old class (parent) - and then some more</a:t>
@@ -35585,13 +35435,13 @@
               <a:buNone/>
             </a:pPr>
             <a:r>
-              <a:rPr lang="en" sz="2300" b="0" i="0" u="none" strike="noStrike" cap="none">
-                <a:solidFill>
-                  <a:srgbClr val="FFFFFF"/>
-                </a:solidFill>
-                <a:latin typeface="Cabin"/>
-                <a:ea typeface="Cabin"/>
-                <a:cs typeface="Cabin"/>
+              <a:rPr lang="en" sz="2300" u="none" strike="noStrike" cap="none">
+                <a:solidFill>
+                  <a:srgbClr val="FFFFFF"/>
+                </a:solidFill>
+                <a:latin typeface="Arial" charset="0"/>
+                <a:ea typeface="Arial" charset="0"/>
+                <a:cs typeface="Arial" charset="0"/>
                 <a:sym typeface="Cabin"/>
               </a:rPr>
               <a:t>https://docs.python.org/2/library/sqlite3.html</a:t>
@@ -35791,25 +35641,19 @@
               <a:buNone/>
             </a:pPr>
             <a:r>
-              <a:rPr lang="en" sz="4700" b="0" i="0" u="none" strike="noStrike" cap="none">
-                <a:solidFill>
-                  <a:srgbClr val="FFFFFF"/>
-                </a:solidFill>
-                <a:latin typeface="Cabin"/>
-                <a:ea typeface="Cabin"/>
-                <a:cs typeface="Cabin"/>
+              <a:rPr lang="en" sz="4700" u="none" strike="noStrike" cap="none">
+                <a:solidFill>
+                  <a:srgbClr val="FFFFFF"/>
+                </a:solidFill>
                 <a:sym typeface="Cabin"/>
               </a:rPr>
               <a:t>Terminology: </a:t>
             </a:r>
             <a:r>
-              <a:rPr lang="en" sz="4700" b="0" i="0" u="none" strike="noStrike" cap="none">
+              <a:rPr lang="en" sz="4700" u="none" strike="noStrike" cap="none">
                 <a:solidFill>
                   <a:srgbClr val="FF9300"/>
                 </a:solidFill>
-                <a:latin typeface="Cabin"/>
-                <a:ea typeface="Cabin"/>
-                <a:cs typeface="Cabin"/>
                 <a:sym typeface="Cabin"/>
               </a:rPr>
               <a:t>Inheritance</a:t>
@@ -35860,13 +35704,13 @@
               <a:buNone/>
             </a:pPr>
             <a:r>
-              <a:rPr lang="en" sz="2300" b="0" i="0" u="none" strike="noStrike" cap="none">
-                <a:solidFill>
-                  <a:srgbClr val="FFFFFF"/>
-                </a:solidFill>
-                <a:latin typeface="Cabin"/>
-                <a:ea typeface="Cabin"/>
-                <a:cs typeface="Cabin"/>
+              <a:rPr lang="en" sz="2300" u="none" strike="noStrike" cap="none">
+                <a:solidFill>
+                  <a:srgbClr val="FFFFFF"/>
+                </a:solidFill>
+                <a:latin typeface="Arial" charset="0"/>
+                <a:ea typeface="Arial" charset="0"/>
+                <a:cs typeface="Arial" charset="0"/>
                 <a:sym typeface="Cabin"/>
               </a:rPr>
               <a:t>http://en.wikipedia.org/wiki/Object-oriented_programming</a:t>
@@ -35917,37 +35761,37 @@
               <a:buNone/>
             </a:pPr>
             <a:r>
-              <a:rPr lang="en" sz="2300" b="0" i="0" u="none" strike="noStrike" cap="none">
-                <a:solidFill>
-                  <a:srgbClr val="FFFFFF"/>
-                </a:solidFill>
-                <a:latin typeface="Cabin"/>
-                <a:ea typeface="Cabin"/>
-                <a:cs typeface="Cabin"/>
+              <a:rPr lang="en" sz="2300" u="none" strike="noStrike" cap="none">
+                <a:solidFill>
+                  <a:srgbClr val="FFFFFF"/>
+                </a:solidFill>
+                <a:latin typeface="Arial" charset="0"/>
+                <a:ea typeface="Arial" charset="0"/>
+                <a:cs typeface="Arial" charset="0"/>
                 <a:sym typeface="Cabin"/>
               </a:rPr>
               <a:t>‘Subclasses’ are more specialized versions of a class, which </a:t>
             </a:r>
             <a:r>
-              <a:rPr lang="en" sz="2300" b="0" i="0" u="none" strike="noStrike" cap="none">
+              <a:rPr lang="en" sz="2300" u="none" strike="noStrike" cap="none">
                 <a:solidFill>
                   <a:srgbClr val="FF9300"/>
                 </a:solidFill>
-                <a:latin typeface="Cabin"/>
-                <a:ea typeface="Cabin"/>
-                <a:cs typeface="Cabin"/>
+                <a:latin typeface="Arial" charset="0"/>
+                <a:ea typeface="Arial" charset="0"/>
+                <a:cs typeface="Arial" charset="0"/>
                 <a:sym typeface="Cabin"/>
               </a:rPr>
               <a:t>inherit</a:t>
             </a:r>
             <a:r>
-              <a:rPr lang="en" sz="2300" b="0" i="0" u="none" strike="noStrike" cap="none">
-                <a:solidFill>
-                  <a:srgbClr val="FFFFFF"/>
-                </a:solidFill>
-                <a:latin typeface="Cabin"/>
-                <a:ea typeface="Cabin"/>
-                <a:cs typeface="Cabin"/>
+              <a:rPr lang="en" sz="2300" u="none" strike="noStrike" cap="none">
+                <a:solidFill>
+                  <a:srgbClr val="FFFFFF"/>
+                </a:solidFill>
+                <a:latin typeface="Arial" charset="0"/>
+                <a:ea typeface="Arial" charset="0"/>
+                <a:cs typeface="Arial" charset="0"/>
                 <a:sym typeface="Cabin"/>
               </a:rPr>
               <a:t> attributes and behaviors from their parent classes, and can introduce their own.  </a:t>
@@ -36595,13 +36439,13 @@
               <a:buNone/>
             </a:pPr>
             <a:r>
-              <a:rPr lang="en" sz="2000" b="0" i="0" u="none" strike="noStrike" cap="none">
-                <a:solidFill>
-                  <a:srgbClr val="FFFFFF"/>
-                </a:solidFill>
-                <a:latin typeface="Cabin"/>
-                <a:ea typeface="Cabin"/>
-                <a:cs typeface="Cabin"/>
+              <a:rPr lang="en" sz="2000" u="none" strike="noStrike" cap="none">
+                <a:solidFill>
+                  <a:srgbClr val="FFFFFF"/>
+                </a:solidFill>
+                <a:latin typeface="Arial" charset="0"/>
+                <a:ea typeface="Arial" charset="0"/>
+                <a:cs typeface="Arial" charset="0"/>
                 <a:sym typeface="Cabin"/>
               </a:rPr>
               <a:t>s = PartyAnimal("Sally")</a:t>
@@ -36626,13 +36470,13 @@
               <a:buNone/>
             </a:pPr>
             <a:r>
-              <a:rPr lang="en" sz="2000" b="0" i="0" u="none" strike="noStrike" cap="none">
-                <a:solidFill>
-                  <a:srgbClr val="FFFFFF"/>
-                </a:solidFill>
-                <a:latin typeface="Cabin"/>
-                <a:ea typeface="Cabin"/>
-                <a:cs typeface="Cabin"/>
+              <a:rPr lang="en" sz="2000" u="none" strike="noStrike" cap="none">
+                <a:solidFill>
+                  <a:srgbClr val="FFFFFF"/>
+                </a:solidFill>
+                <a:latin typeface="Arial" charset="0"/>
+                <a:ea typeface="Arial" charset="0"/>
+                <a:cs typeface="Arial" charset="0"/>
                 <a:sym typeface="Cabin"/>
               </a:rPr>
               <a:t>s.party()</a:t>
@@ -36655,13 +36499,13 @@
               <a:buFont typeface="Cabin"/>
               <a:buNone/>
             </a:pPr>
-            <a:endParaRPr sz="2300" b="0" i="0" u="none" strike="noStrike" cap="none">
+            <a:endParaRPr sz="2300" u="none" strike="noStrike" cap="none">
               <a:solidFill>
                 <a:srgbClr val="FFFFFF"/>
               </a:solidFill>
-              <a:latin typeface="Cabin"/>
-              <a:ea typeface="Cabin"/>
-              <a:cs typeface="Cabin"/>
+              <a:latin typeface="Arial" charset="0"/>
+              <a:ea typeface="Arial" charset="0"/>
+              <a:cs typeface="Arial" charset="0"/>
               <a:sym typeface="Cabin"/>
             </a:endParaRPr>
           </a:p>
@@ -36684,13 +36528,13 @@
               <a:buNone/>
             </a:pPr>
             <a:r>
-              <a:rPr lang="en" sz="2000" b="0" i="0" u="none" strike="noStrike" cap="none">
-                <a:solidFill>
-                  <a:srgbClr val="FFFFFF"/>
-                </a:solidFill>
-                <a:latin typeface="Cabin"/>
-                <a:ea typeface="Cabin"/>
-                <a:cs typeface="Cabin"/>
+              <a:rPr lang="en" sz="2000" u="none" strike="noStrike" cap="none">
+                <a:solidFill>
+                  <a:srgbClr val="FFFFFF"/>
+                </a:solidFill>
+                <a:latin typeface="Arial" charset="0"/>
+                <a:ea typeface="Arial" charset="0"/>
+                <a:cs typeface="Arial" charset="0"/>
                 <a:sym typeface="Cabin"/>
               </a:rPr>
               <a:t>j = FootballFan("Jim")</a:t>
@@ -36715,13 +36559,13 @@
               <a:buNone/>
             </a:pPr>
             <a:r>
-              <a:rPr lang="en" sz="2000" b="0" i="0" u="none" strike="noStrike" cap="none">
-                <a:solidFill>
-                  <a:srgbClr val="FFFFFF"/>
-                </a:solidFill>
-                <a:latin typeface="Cabin"/>
-                <a:ea typeface="Cabin"/>
-                <a:cs typeface="Cabin"/>
+              <a:rPr lang="en" sz="2000" u="none" strike="noStrike" cap="none">
+                <a:solidFill>
+                  <a:srgbClr val="FFFFFF"/>
+                </a:solidFill>
+                <a:latin typeface="Arial" charset="0"/>
+                <a:ea typeface="Arial" charset="0"/>
+                <a:cs typeface="Arial" charset="0"/>
                 <a:sym typeface="Cabin"/>
               </a:rPr>
               <a:t>j.party()</a:t>
@@ -36746,13 +36590,13 @@
               <a:buNone/>
             </a:pPr>
             <a:r>
-              <a:rPr lang="en" sz="2000" b="0" i="0" u="none" strike="noStrike" cap="none">
-                <a:solidFill>
-                  <a:srgbClr val="FFFFFF"/>
-                </a:solidFill>
-                <a:latin typeface="Cabin"/>
-                <a:ea typeface="Cabin"/>
-                <a:cs typeface="Cabin"/>
+              <a:rPr lang="en" sz="2000" u="none" strike="noStrike" cap="none">
+                <a:solidFill>
+                  <a:srgbClr val="FFFFFF"/>
+                </a:solidFill>
+                <a:latin typeface="Arial" charset="0"/>
+                <a:ea typeface="Arial" charset="0"/>
+                <a:cs typeface="Arial" charset="0"/>
                 <a:sym typeface="Cabin"/>
               </a:rPr>
               <a:t>j.touchdown()</a:t>
@@ -36809,85 +36653,85 @@
               <a:buNone/>
             </a:pPr>
             <a:r>
-              <a:rPr lang="en" sz="1800" b="0" i="0" u="none" strike="noStrike" cap="none">
+              <a:rPr lang="en" sz="1800" u="none" strike="noStrike" cap="none">
                 <a:solidFill>
                   <a:srgbClr val="FF40FF"/>
                 </a:solidFill>
-                <a:latin typeface="Cabin"/>
-                <a:ea typeface="Cabin"/>
-                <a:cs typeface="Cabin"/>
+                <a:latin typeface="Arial" charset="0"/>
+                <a:ea typeface="Arial" charset="0"/>
+                <a:cs typeface="Arial" charset="0"/>
                 <a:sym typeface="Cabin"/>
               </a:rPr>
               <a:t>FootballFan</a:t>
             </a:r>
             <a:r>
-              <a:rPr lang="en" sz="1800" b="0" i="0" u="none" strike="noStrike" cap="none">
-                <a:solidFill>
-                  <a:srgbClr val="FFFFFF"/>
-                </a:solidFill>
-                <a:latin typeface="Cabin"/>
-                <a:ea typeface="Cabin"/>
-                <a:cs typeface="Cabin"/>
+              <a:rPr lang="en" sz="1800" u="none" strike="noStrike" cap="none">
+                <a:solidFill>
+                  <a:srgbClr val="FFFFFF"/>
+                </a:solidFill>
+                <a:latin typeface="Arial" charset="0"/>
+                <a:ea typeface="Arial" charset="0"/>
+                <a:cs typeface="Arial" charset="0"/>
                 <a:sym typeface="Cabin"/>
               </a:rPr>
               <a:t> is a class which extends </a:t>
             </a:r>
             <a:r>
-              <a:rPr lang="en" sz="1800" b="0" i="0" u="none" strike="noStrike" cap="none">
+              <a:rPr lang="en" sz="1800" u="none" strike="noStrike" cap="none">
                 <a:solidFill>
                   <a:srgbClr val="FFFB00"/>
                 </a:solidFill>
-                <a:latin typeface="Cabin"/>
-                <a:ea typeface="Cabin"/>
-                <a:cs typeface="Cabin"/>
+                <a:latin typeface="Arial" charset="0"/>
+                <a:ea typeface="Arial" charset="0"/>
+                <a:cs typeface="Arial" charset="0"/>
                 <a:sym typeface="Cabin"/>
               </a:rPr>
               <a:t>PartyAnimal</a:t>
             </a:r>
             <a:r>
-              <a:rPr lang="en" sz="1800" b="0" i="0" u="none" strike="noStrike" cap="none">
-                <a:solidFill>
-                  <a:srgbClr val="FFFFFF"/>
-                </a:solidFill>
-                <a:latin typeface="Cabin"/>
-                <a:ea typeface="Cabin"/>
-                <a:cs typeface="Cabin"/>
+              <a:rPr lang="en" sz="1800" u="none" strike="noStrike" cap="none">
+                <a:solidFill>
+                  <a:srgbClr val="FFFFFF"/>
+                </a:solidFill>
+                <a:latin typeface="Arial" charset="0"/>
+                <a:ea typeface="Arial" charset="0"/>
+                <a:cs typeface="Arial" charset="0"/>
                 <a:sym typeface="Cabin"/>
               </a:rPr>
               <a:t>.  </a:t>
             </a:r>
             <a:r>
-              <a:rPr lang="en" sz="1800" b="0" i="0" u="none" strike="noStrike" cap="none">
+              <a:rPr lang="en" sz="1800" u="none" strike="noStrike" cap="none">
                 <a:solidFill>
                   <a:srgbClr val="FFFB00"/>
                 </a:solidFill>
-                <a:latin typeface="Cabin"/>
-                <a:ea typeface="Cabin"/>
-                <a:cs typeface="Cabin"/>
+                <a:latin typeface="Arial" charset="0"/>
+                <a:ea typeface="Arial" charset="0"/>
+                <a:cs typeface="Arial" charset="0"/>
                 <a:sym typeface="Cabin"/>
               </a:rPr>
               <a:t> It has all the capabilities of PartyAnimal</a:t>
             </a:r>
             <a:r>
-              <a:rPr lang="en" sz="1800" b="0" i="0" u="none" strike="noStrike" cap="none">
-                <a:solidFill>
-                  <a:srgbClr val="FFFFFF"/>
-                </a:solidFill>
-                <a:latin typeface="Cabin"/>
-                <a:ea typeface="Cabin"/>
-                <a:cs typeface="Cabin"/>
+              <a:rPr lang="en" sz="1800" u="none" strike="noStrike" cap="none">
+                <a:solidFill>
+                  <a:srgbClr val="FFFFFF"/>
+                </a:solidFill>
+                <a:latin typeface="Arial" charset="0"/>
+                <a:ea typeface="Arial" charset="0"/>
+                <a:cs typeface="Arial" charset="0"/>
                 <a:sym typeface="Cabin"/>
               </a:rPr>
               <a:t> </a:t>
             </a:r>
             <a:r>
-              <a:rPr lang="en" sz="1800" b="0" i="0" u="none" strike="noStrike" cap="none">
+              <a:rPr lang="en" sz="1800" u="none" strike="noStrike" cap="none">
                 <a:solidFill>
                   <a:srgbClr val="00F900"/>
                 </a:solidFill>
-                <a:latin typeface="Cabin"/>
-                <a:ea typeface="Cabin"/>
-                <a:cs typeface="Cabin"/>
+                <a:latin typeface="Arial" charset="0"/>
+                <a:ea typeface="Arial" charset="0"/>
+                <a:cs typeface="Arial" charset="0"/>
                 <a:sym typeface="Cabin"/>
               </a:rPr>
               <a:t>and more.</a:t>
@@ -36963,13 +36807,13 @@
               <a:buNone/>
             </a:pPr>
             <a:r>
-              <a:rPr lang="en" sz="2000" b="0" i="0" u="none" strike="noStrike" cap="none">
-                <a:solidFill>
-                  <a:srgbClr val="FFFFFF"/>
-                </a:solidFill>
-                <a:latin typeface="Cabin"/>
-                <a:ea typeface="Cabin"/>
-                <a:cs typeface="Cabin"/>
+              <a:rPr lang="en" sz="2000" u="none" strike="noStrike" cap="none">
+                <a:solidFill>
+                  <a:srgbClr val="FFFFFF"/>
+                </a:solidFill>
+                <a:latin typeface="Arial" charset="0"/>
+                <a:ea typeface="Arial" charset="0"/>
+                <a:cs typeface="Arial" charset="0"/>
                 <a:sym typeface="Cabin"/>
               </a:rPr>
               <a:t>s = PartyAnimal("Sally")</a:t>
@@ -36994,13 +36838,13 @@
               <a:buNone/>
             </a:pPr>
             <a:r>
-              <a:rPr lang="en" sz="2000" b="0" i="0" u="none" strike="noStrike" cap="none">
-                <a:solidFill>
-                  <a:srgbClr val="FFFFFF"/>
-                </a:solidFill>
-                <a:latin typeface="Cabin"/>
-                <a:ea typeface="Cabin"/>
-                <a:cs typeface="Cabin"/>
+              <a:rPr lang="en" sz="2000" u="none" strike="noStrike" cap="none">
+                <a:solidFill>
+                  <a:srgbClr val="FFFFFF"/>
+                </a:solidFill>
+                <a:latin typeface="Arial" charset="0"/>
+                <a:ea typeface="Arial" charset="0"/>
+                <a:cs typeface="Arial" charset="0"/>
                 <a:sym typeface="Cabin"/>
               </a:rPr>
               <a:t>s.party()</a:t>
@@ -37023,13 +36867,13 @@
               <a:buFont typeface="Cabin"/>
               <a:buNone/>
             </a:pPr>
-            <a:endParaRPr sz="2300" b="0" i="0" u="none" strike="noStrike" cap="none">
+            <a:endParaRPr sz="2300" u="none" strike="noStrike" cap="none">
               <a:solidFill>
                 <a:srgbClr val="FFFFFF"/>
               </a:solidFill>
-              <a:latin typeface="Cabin"/>
-              <a:ea typeface="Cabin"/>
-              <a:cs typeface="Cabin"/>
+              <a:latin typeface="Arial" charset="0"/>
+              <a:ea typeface="Arial" charset="0"/>
+              <a:cs typeface="Arial" charset="0"/>
               <a:sym typeface="Cabin"/>
             </a:endParaRPr>
           </a:p>
@@ -37052,13 +36896,13 @@
               <a:buNone/>
             </a:pPr>
             <a:r>
-              <a:rPr lang="en" sz="2000" b="0" i="0" u="none" strike="noStrike" cap="none">
-                <a:solidFill>
-                  <a:srgbClr val="FFFFFF"/>
-                </a:solidFill>
-                <a:latin typeface="Cabin"/>
-                <a:ea typeface="Cabin"/>
-                <a:cs typeface="Cabin"/>
+              <a:rPr lang="en" sz="2000" u="none" strike="noStrike" cap="none">
+                <a:solidFill>
+                  <a:srgbClr val="FFFFFF"/>
+                </a:solidFill>
+                <a:latin typeface="Arial" charset="0"/>
+                <a:ea typeface="Arial" charset="0"/>
+                <a:cs typeface="Arial" charset="0"/>
                 <a:sym typeface="Cabin"/>
               </a:rPr>
               <a:t>j = FootballFan("Jim")</a:t>
@@ -37083,13 +36927,13 @@
               <a:buNone/>
             </a:pPr>
             <a:r>
-              <a:rPr lang="en" sz="2000" b="0" i="0" u="none" strike="noStrike" cap="none">
-                <a:solidFill>
-                  <a:srgbClr val="FFFFFF"/>
-                </a:solidFill>
-                <a:latin typeface="Cabin"/>
-                <a:ea typeface="Cabin"/>
-                <a:cs typeface="Cabin"/>
+              <a:rPr lang="en" sz="2000" u="none" strike="noStrike" cap="none">
+                <a:solidFill>
+                  <a:srgbClr val="FFFFFF"/>
+                </a:solidFill>
+                <a:latin typeface="Arial" charset="0"/>
+                <a:ea typeface="Arial" charset="0"/>
+                <a:cs typeface="Arial" charset="0"/>
                 <a:sym typeface="Cabin"/>
               </a:rPr>
               <a:t>j.party()</a:t>
@@ -37114,13 +36958,13 @@
               <a:buNone/>
             </a:pPr>
             <a:r>
-              <a:rPr lang="en" sz="2000" b="0" i="0" u="none" strike="noStrike" cap="none">
-                <a:solidFill>
-                  <a:srgbClr val="FFFFFF"/>
-                </a:solidFill>
-                <a:latin typeface="Cabin"/>
-                <a:ea typeface="Cabin"/>
-                <a:cs typeface="Cabin"/>
+              <a:rPr lang="en" sz="2000" u="none" strike="noStrike" cap="none">
+                <a:solidFill>
+                  <a:srgbClr val="FFFFFF"/>
+                </a:solidFill>
+                <a:latin typeface="Arial" charset="0"/>
+                <a:ea typeface="Arial" charset="0"/>
+                <a:cs typeface="Arial" charset="0"/>
                 <a:sym typeface="Cabin"/>
               </a:rPr>
               <a:t>j.touchdown()</a:t>
@@ -37181,21 +37025,21 @@
                 <a:solidFill>
                   <a:srgbClr val="FFFFFF"/>
                 </a:solidFill>
-                <a:latin typeface="Cabin"/>
-                <a:ea typeface="Cabin"/>
-                <a:cs typeface="Cabin"/>
+                <a:latin typeface="Arial" charset="0"/>
+                <a:ea typeface="Arial" charset="0"/>
+                <a:cs typeface="Arial" charset="0"/>
                 <a:sym typeface="Cabin"/>
               </a:rPr>
               <a:t> </a:t>
             </a:r>
             <a:r>
-              <a:rPr lang="en" sz="2700" b="0" i="0" u="none" strike="noStrike" cap="none">
-                <a:solidFill>
-                  <a:srgbClr val="FFFFFF"/>
-                </a:solidFill>
-                <a:latin typeface="Cabin"/>
-                <a:ea typeface="Cabin"/>
-                <a:cs typeface="Cabin"/>
+              <a:rPr lang="en" sz="2700" u="none" strike="noStrike" cap="none">
+                <a:solidFill>
+                  <a:srgbClr val="FFFFFF"/>
+                </a:solidFill>
+                <a:latin typeface="Arial" charset="0"/>
+                <a:ea typeface="Arial" charset="0"/>
+                <a:cs typeface="Arial" charset="0"/>
                 <a:sym typeface="Cabin"/>
               </a:rPr>
               <a:t>s</a:t>
@@ -37248,13 +37092,13 @@
               <a:buNone/>
             </a:pPr>
             <a:r>
-              <a:rPr lang="en" sz="2900" b="0" i="0" u="none" strike="noStrike" cap="none">
+              <a:rPr lang="en" sz="2900" u="none" strike="noStrike" cap="none">
                 <a:solidFill>
                   <a:srgbClr val="000000"/>
                 </a:solidFill>
-                <a:latin typeface="Cabin"/>
-                <a:ea typeface="Cabin"/>
-                <a:cs typeface="Cabin"/>
+                <a:latin typeface="Arial" charset="0"/>
+                <a:ea typeface="Arial" charset="0"/>
+                <a:cs typeface="Arial" charset="0"/>
                 <a:sym typeface="Cabin"/>
               </a:rPr>
               <a:t> x</a:t>
@@ -37307,13 +37151,13 @@
               <a:buNone/>
             </a:pPr>
             <a:r>
-              <a:rPr lang="en" sz="2500" b="0" i="0" u="none" strike="noStrike" cap="none">
+              <a:rPr lang="en" sz="2500" u="none" strike="noStrike" cap="none">
                 <a:solidFill>
                   <a:srgbClr val="000000"/>
                 </a:solidFill>
-                <a:latin typeface="Cabin"/>
-                <a:ea typeface="Cabin"/>
-                <a:cs typeface="Cabin"/>
+                <a:latin typeface="Arial" charset="0"/>
+                <a:ea typeface="Arial" charset="0"/>
+                <a:cs typeface="Arial" charset="0"/>
                 <a:sym typeface="Cabin"/>
               </a:rPr>
               <a:t> name: Sally</a:t>
@@ -37934,13 +37778,13 @@
               <a:buNone/>
             </a:pPr>
             <a:r>
-              <a:rPr lang="en" sz="2000" b="0" i="0" u="none" strike="noStrike" cap="none">
-                <a:solidFill>
-                  <a:srgbClr val="FFFFFF"/>
-                </a:solidFill>
-                <a:latin typeface="Cabin"/>
-                <a:ea typeface="Cabin"/>
-                <a:cs typeface="Cabin"/>
+              <a:rPr lang="en" sz="2000" u="none" strike="noStrike" cap="none">
+                <a:solidFill>
+                  <a:srgbClr val="FFFFFF"/>
+                </a:solidFill>
+                <a:latin typeface="Arial" charset="0"/>
+                <a:ea typeface="Arial" charset="0"/>
+                <a:cs typeface="Arial" charset="0"/>
                 <a:sym typeface="Cabin"/>
               </a:rPr>
               <a:t>s = PartyAnimal("Sally")</a:t>
@@ -37965,13 +37809,13 @@
               <a:buNone/>
             </a:pPr>
             <a:r>
-              <a:rPr lang="en" sz="2000" b="0" i="0" u="none" strike="noStrike" cap="none">
-                <a:solidFill>
-                  <a:srgbClr val="FFFFFF"/>
-                </a:solidFill>
-                <a:latin typeface="Cabin"/>
-                <a:ea typeface="Cabin"/>
-                <a:cs typeface="Cabin"/>
+              <a:rPr lang="en" sz="2000" u="none" strike="noStrike" cap="none">
+                <a:solidFill>
+                  <a:srgbClr val="FFFFFF"/>
+                </a:solidFill>
+                <a:latin typeface="Arial" charset="0"/>
+                <a:ea typeface="Arial" charset="0"/>
+                <a:cs typeface="Arial" charset="0"/>
                 <a:sym typeface="Cabin"/>
               </a:rPr>
               <a:t>s.party()</a:t>
@@ -37994,13 +37838,13 @@
               <a:buFont typeface="Cabin"/>
               <a:buNone/>
             </a:pPr>
-            <a:endParaRPr sz="2300" b="0" i="0" u="none" strike="noStrike" cap="none">
+            <a:endParaRPr sz="2300" u="none" strike="noStrike" cap="none">
               <a:solidFill>
                 <a:srgbClr val="FFFFFF"/>
               </a:solidFill>
-              <a:latin typeface="Cabin"/>
-              <a:ea typeface="Cabin"/>
-              <a:cs typeface="Cabin"/>
+              <a:latin typeface="Arial" charset="0"/>
+              <a:ea typeface="Arial" charset="0"/>
+              <a:cs typeface="Arial" charset="0"/>
               <a:sym typeface="Cabin"/>
             </a:endParaRPr>
           </a:p>
@@ -38023,13 +37867,13 @@
               <a:buNone/>
             </a:pPr>
             <a:r>
-              <a:rPr lang="en" sz="2000" b="0" i="0" u="none" strike="noStrike" cap="none">
-                <a:solidFill>
-                  <a:srgbClr val="FFFFFF"/>
-                </a:solidFill>
-                <a:latin typeface="Cabin"/>
-                <a:ea typeface="Cabin"/>
-                <a:cs typeface="Cabin"/>
+              <a:rPr lang="en" sz="2000" u="none" strike="noStrike" cap="none">
+                <a:solidFill>
+                  <a:srgbClr val="FFFFFF"/>
+                </a:solidFill>
+                <a:latin typeface="Arial" charset="0"/>
+                <a:ea typeface="Arial" charset="0"/>
+                <a:cs typeface="Arial" charset="0"/>
                 <a:sym typeface="Cabin"/>
               </a:rPr>
               <a:t>j = FootballFan("Jim")</a:t>
@@ -38054,13 +37898,13 @@
               <a:buNone/>
             </a:pPr>
             <a:r>
-              <a:rPr lang="en" sz="2000" b="0" i="0" u="none" strike="noStrike" cap="none">
-                <a:solidFill>
-                  <a:srgbClr val="FFFFFF"/>
-                </a:solidFill>
-                <a:latin typeface="Cabin"/>
-                <a:ea typeface="Cabin"/>
-                <a:cs typeface="Cabin"/>
+              <a:rPr lang="en" sz="2000" u="none" strike="noStrike" cap="none">
+                <a:solidFill>
+                  <a:srgbClr val="FFFFFF"/>
+                </a:solidFill>
+                <a:latin typeface="Arial" charset="0"/>
+                <a:ea typeface="Arial" charset="0"/>
+                <a:cs typeface="Arial" charset="0"/>
                 <a:sym typeface="Cabin"/>
               </a:rPr>
               <a:t>j.party()</a:t>
@@ -38085,13 +37929,13 @@
               <a:buNone/>
             </a:pPr>
             <a:r>
-              <a:rPr lang="en" sz="2000" b="0" i="0" u="none" strike="noStrike" cap="none">
-                <a:solidFill>
-                  <a:srgbClr val="FFFFFF"/>
-                </a:solidFill>
-                <a:latin typeface="Cabin"/>
-                <a:ea typeface="Cabin"/>
-                <a:cs typeface="Cabin"/>
+              <a:rPr lang="en" sz="2000" u="none" strike="noStrike" cap="none">
+                <a:solidFill>
+                  <a:srgbClr val="FFFFFF"/>
+                </a:solidFill>
+                <a:latin typeface="Arial" charset="0"/>
+                <a:ea typeface="Arial" charset="0"/>
+                <a:cs typeface="Arial" charset="0"/>
                 <a:sym typeface="Cabin"/>
               </a:rPr>
               <a:t>j.touchdown()</a:t>
@@ -38152,21 +37996,21 @@
                 <a:solidFill>
                   <a:srgbClr val="FFFFFF"/>
                 </a:solidFill>
-                <a:latin typeface="Cabin"/>
-                <a:ea typeface="Cabin"/>
-                <a:cs typeface="Cabin"/>
+                <a:latin typeface="Arial" charset="0"/>
+                <a:ea typeface="Arial" charset="0"/>
+                <a:cs typeface="Arial" charset="0"/>
                 <a:sym typeface="Cabin"/>
               </a:rPr>
               <a:t> </a:t>
             </a:r>
             <a:r>
-              <a:rPr lang="en" sz="2700" b="0" i="0" u="none" strike="noStrike" cap="none">
-                <a:solidFill>
-                  <a:srgbClr val="FFFFFF"/>
-                </a:solidFill>
-                <a:latin typeface="Cabin"/>
-                <a:ea typeface="Cabin"/>
-                <a:cs typeface="Cabin"/>
+              <a:rPr lang="en" sz="2700" u="none" strike="noStrike" cap="none">
+                <a:solidFill>
+                  <a:srgbClr val="FFFFFF"/>
+                </a:solidFill>
+                <a:latin typeface="Arial" charset="0"/>
+                <a:ea typeface="Arial" charset="0"/>
+                <a:cs typeface="Arial" charset="0"/>
                 <a:sym typeface="Cabin"/>
               </a:rPr>
               <a:t>j</a:t>
@@ -38219,13 +38063,13 @@
               <a:buNone/>
             </a:pPr>
             <a:r>
-              <a:rPr lang="en" sz="2900" b="0" i="0" u="none" strike="noStrike" cap="none">
+              <a:rPr lang="en" sz="2900" u="none" strike="noStrike" cap="none">
                 <a:solidFill>
                   <a:srgbClr val="000000"/>
                 </a:solidFill>
-                <a:latin typeface="Cabin"/>
-                <a:ea typeface="Cabin"/>
-                <a:cs typeface="Cabin"/>
+                <a:latin typeface="Arial" charset="0"/>
+                <a:ea typeface="Arial" charset="0"/>
+                <a:cs typeface="Arial" charset="0"/>
                 <a:sym typeface="Cabin"/>
               </a:rPr>
               <a:t> x</a:t>
@@ -38278,13 +38122,13 @@
               <a:buNone/>
             </a:pPr>
             <a:r>
-              <a:rPr lang="en" sz="2500" b="0" i="0" u="none" strike="noStrike" cap="none">
+              <a:rPr lang="en" sz="2500" u="none" strike="noStrike" cap="none">
                 <a:solidFill>
                   <a:srgbClr val="000000"/>
                 </a:solidFill>
-                <a:latin typeface="Cabin"/>
-                <a:ea typeface="Cabin"/>
-                <a:cs typeface="Cabin"/>
+                <a:latin typeface="Arial" charset="0"/>
+                <a:ea typeface="Arial" charset="0"/>
+                <a:cs typeface="Arial" charset="0"/>
                 <a:sym typeface="Cabin"/>
               </a:rPr>
               <a:t> name: Jim</a:t>
@@ -38337,13 +38181,13 @@
               <a:buNone/>
             </a:pPr>
             <a:r>
-              <a:rPr lang="en" sz="2500" b="0" i="0" u="none" strike="noStrike" cap="none">
+              <a:rPr lang="en" sz="2500" u="none" strike="noStrike" cap="none">
                 <a:solidFill>
                   <a:srgbClr val="000000"/>
                 </a:solidFill>
-                <a:latin typeface="Cabin"/>
-                <a:ea typeface="Cabin"/>
-                <a:cs typeface="Cabin"/>
+                <a:latin typeface="Arial" charset="0"/>
+                <a:ea typeface="Arial" charset="0"/>
+                <a:cs typeface="Arial" charset="0"/>
                 <a:sym typeface="Cabin"/>
               </a:rPr>
               <a:t> points</a:t>
@@ -38968,13 +38812,10 @@
               <a:buNone/>
             </a:pPr>
             <a:r>
-              <a:rPr lang="en" sz="4700" b="0" i="0" u="none" strike="noStrike" cap="none">
+              <a:rPr lang="en" sz="4700" u="none" strike="noStrike" cap="none">
                 <a:solidFill>
                   <a:srgbClr val="FFD966"/>
                 </a:solidFill>
-                <a:latin typeface="Cabin"/>
-                <a:ea typeface="Cabin"/>
-                <a:cs typeface="Cabin"/>
                 <a:sym typeface="Cabin"/>
               </a:rPr>
               <a:t>Definitions</a:t>
@@ -39025,25 +38866,19 @@
               <a:buFont typeface="Cabin"/>
             </a:pPr>
             <a:r>
-              <a:rPr lang="en" sz="3100" b="0" i="0" u="none" strike="noStrike" cap="none" baseline="-25000">
+              <a:rPr lang="en" sz="3100" u="none" strike="noStrike" cap="none" baseline="-25000">
                 <a:solidFill>
                   <a:srgbClr val="FF9300"/>
                 </a:solidFill>
-                <a:latin typeface="Cabin"/>
-                <a:ea typeface="Cabin"/>
-                <a:cs typeface="Cabin"/>
                 <a:sym typeface="Cabin"/>
               </a:rPr>
               <a:t>Class</a:t>
             </a:r>
             <a:r>
-              <a:rPr lang="en" sz="3100" b="0" i="0" u="none" strike="noStrike" cap="none" baseline="-25000">
-                <a:solidFill>
-                  <a:srgbClr val="FFFFFF"/>
-                </a:solidFill>
-                <a:latin typeface="Cabin"/>
-                <a:ea typeface="Cabin"/>
-                <a:cs typeface="Cabin"/>
+              <a:rPr lang="en" sz="3100" u="none" strike="noStrike" cap="none" baseline="-25000">
+                <a:solidFill>
+                  <a:srgbClr val="FFFFFF"/>
+                </a:solidFill>
                 <a:sym typeface="Cabin"/>
               </a:rPr>
               <a:t> - a template - Dog</a:t>
@@ -39064,25 +38899,19 @@
               <a:buFont typeface="Cabin"/>
             </a:pPr>
             <a:r>
-              <a:rPr lang="en" sz="3100" b="0" i="0" u="none" strike="noStrike" cap="none" baseline="-25000">
+              <a:rPr lang="en" sz="3100" u="none" strike="noStrike" cap="none" baseline="-25000">
                 <a:solidFill>
                   <a:srgbClr val="FF9300"/>
                 </a:solidFill>
-                <a:latin typeface="Cabin"/>
-                <a:ea typeface="Cabin"/>
-                <a:cs typeface="Cabin"/>
                 <a:sym typeface="Cabin"/>
               </a:rPr>
               <a:t>Method or Message </a:t>
             </a:r>
             <a:r>
-              <a:rPr lang="en" sz="3100" b="0" i="0" u="none" strike="noStrike" cap="none" baseline="-25000">
-                <a:solidFill>
-                  <a:srgbClr val="FFFFFF"/>
-                </a:solidFill>
-                <a:latin typeface="Cabin"/>
-                <a:ea typeface="Cabin"/>
-                <a:cs typeface="Cabin"/>
+              <a:rPr lang="en" sz="3100" u="none" strike="noStrike" cap="none" baseline="-25000">
+                <a:solidFill>
+                  <a:srgbClr val="FFFFFF"/>
+                </a:solidFill>
                 <a:sym typeface="Cabin"/>
               </a:rPr>
               <a:t>- A defined capability of a class - bark()</a:t>
@@ -39103,25 +38932,19 @@
               <a:buFont typeface="Cabin"/>
             </a:pPr>
             <a:r>
-              <a:rPr lang="en" sz="3100" b="0" i="0" u="none" strike="noStrike" cap="none" baseline="-25000">
+              <a:rPr lang="en" sz="3100" u="none" strike="noStrike" cap="none" baseline="-25000">
                 <a:solidFill>
                   <a:srgbClr val="FF9300"/>
                 </a:solidFill>
-                <a:latin typeface="Cabin"/>
-                <a:ea typeface="Cabin"/>
-                <a:cs typeface="Cabin"/>
                 <a:sym typeface="Cabin"/>
               </a:rPr>
               <a:t>Object or Instance</a:t>
             </a:r>
             <a:r>
-              <a:rPr lang="en" sz="3100" b="0" i="0" u="none" strike="noStrike" cap="none" baseline="-25000">
-                <a:solidFill>
-                  <a:srgbClr val="FFFFFF"/>
-                </a:solidFill>
-                <a:latin typeface="Cabin"/>
-                <a:ea typeface="Cabin"/>
-                <a:cs typeface="Cabin"/>
+              <a:rPr lang="en" sz="3100" u="none" strike="noStrike" cap="none" baseline="-25000">
+                <a:solidFill>
+                  <a:srgbClr val="FFFFFF"/>
+                </a:solidFill>
                 <a:sym typeface="Cabin"/>
               </a:rPr>
               <a:t> - A particular instance of a class - Lassie</a:t>
@@ -39142,25 +38965,19 @@
               <a:buFont typeface="Cabin"/>
             </a:pPr>
             <a:r>
-              <a:rPr lang="en" sz="3100" b="0" i="0" u="none" strike="noStrike" cap="none" baseline="-25000">
+              <a:rPr lang="en" sz="3100" u="none" strike="noStrike" cap="none" baseline="-25000">
                 <a:solidFill>
                   <a:srgbClr val="FF9300"/>
                 </a:solidFill>
-                <a:latin typeface="Cabin"/>
-                <a:ea typeface="Cabin"/>
-                <a:cs typeface="Cabin"/>
                 <a:sym typeface="Cabin"/>
               </a:rPr>
               <a:t>Constructor</a:t>
             </a:r>
             <a:r>
-              <a:rPr lang="en" sz="3100" b="0" i="0" u="none" strike="noStrike" cap="none" baseline="-25000">
-                <a:solidFill>
-                  <a:srgbClr val="FFFFFF"/>
-                </a:solidFill>
-                <a:latin typeface="Cabin"/>
-                <a:ea typeface="Cabin"/>
-                <a:cs typeface="Cabin"/>
+              <a:rPr lang="en" sz="3100" u="none" strike="noStrike" cap="none" baseline="-25000">
+                <a:solidFill>
+                  <a:srgbClr val="FFFFFF"/>
+                </a:solidFill>
                 <a:sym typeface="Cabin"/>
               </a:rPr>
               <a:t> - A method which is called when the instance / object is created</a:t>
@@ -39181,25 +38998,19 @@
               <a:buFont typeface="Cabin"/>
             </a:pPr>
             <a:r>
-              <a:rPr lang="en" sz="3100" b="0" i="0" u="none" strike="noStrike" cap="none" baseline="-25000">
+              <a:rPr lang="en" sz="3100" u="none" strike="noStrike" cap="none" baseline="-25000">
                 <a:solidFill>
                   <a:srgbClr val="FF9300"/>
                 </a:solidFill>
-                <a:latin typeface="Cabin"/>
-                <a:ea typeface="Cabin"/>
-                <a:cs typeface="Cabin"/>
                 <a:sym typeface="Cabin"/>
               </a:rPr>
               <a:t>Inheritance</a:t>
             </a:r>
             <a:r>
-              <a:rPr lang="en" sz="3100" b="0" i="0" u="none" strike="noStrike" cap="none" baseline="-25000">
-                <a:solidFill>
-                  <a:srgbClr val="FFFFFF"/>
-                </a:solidFill>
-                <a:latin typeface="Cabin"/>
-                <a:ea typeface="Cabin"/>
-                <a:cs typeface="Cabin"/>
+              <a:rPr lang="en" sz="3100" u="none" strike="noStrike" cap="none" baseline="-25000">
+                <a:solidFill>
+                  <a:srgbClr val="FFFFFF"/>
+                </a:solidFill>
                 <a:sym typeface="Cabin"/>
               </a:rPr>
               <a:t> - the ability to take a class and extend it to make a new class.</a:t>
@@ -39306,13 +39117,10 @@
               <a:buNone/>
             </a:pPr>
             <a:r>
-              <a:rPr lang="en" sz="4600" b="0" i="0" u="none" strike="noStrike" cap="none">
+              <a:rPr lang="en" sz="4600" u="none" strike="noStrike" cap="none">
                 <a:solidFill>
                   <a:srgbClr val="FFD966"/>
                 </a:solidFill>
-                <a:latin typeface="Cabin"/>
-                <a:ea typeface="Cabin"/>
-                <a:cs typeface="Cabin"/>
                 <a:sym typeface="Cabin"/>
               </a:rPr>
               <a:t>Summary</a:t>
@@ -39366,13 +39174,10 @@
               <a:buFont typeface="Cabin"/>
             </a:pPr>
             <a:r>
-              <a:rPr lang="en" sz="2200" b="0" i="0" u="none" strike="noStrike" cap="none">
-                <a:solidFill>
-                  <a:srgbClr val="FFFFFF"/>
-                </a:solidFill>
-                <a:latin typeface="Cabin"/>
-                <a:ea typeface="Cabin"/>
-                <a:cs typeface="Cabin"/>
+              <a:rPr lang="en" sz="2200" u="none" strike="noStrike" cap="none">
+                <a:solidFill>
+                  <a:srgbClr val="FFFFFF"/>
+                </a:solidFill>
                 <a:sym typeface="Cabin"/>
               </a:rPr>
               <a:t>Object Oriented programming is a very structured approach to code reuse.</a:t>
@@ -39396,13 +39201,10 @@
               <a:buFont typeface="Cabin"/>
             </a:pPr>
             <a:r>
-              <a:rPr lang="en" sz="2200" b="0" i="0" u="none" strike="noStrike" cap="none">
-                <a:solidFill>
-                  <a:srgbClr val="FFFFFF"/>
-                </a:solidFill>
-                <a:latin typeface="Cabin"/>
-                <a:ea typeface="Cabin"/>
-                <a:cs typeface="Cabin"/>
+              <a:rPr lang="en" sz="2200" u="none" strike="noStrike" cap="none">
+                <a:solidFill>
+                  <a:srgbClr val="FFFFFF"/>
+                </a:solidFill>
                 <a:sym typeface="Cabin"/>
               </a:rPr>
               <a:t>We can group data and functionality together and create many independent instances of a class</a:t>
@@ -39482,13 +39284,10 @@
               <a:buNone/>
             </a:pPr>
             <a:r>
-              <a:rPr lang="en" sz="2000" b="0" i="0" u="none" strike="noStrike" cap="none">
+              <a:rPr lang="en" sz="2000" u="none" strike="noStrike" cap="none">
                 <a:solidFill>
                   <a:srgbClr val="FFFF00"/>
                 </a:solidFill>
-                <a:latin typeface="Cabin"/>
-                <a:ea typeface="Cabin"/>
-                <a:cs typeface="Cabin"/>
                 <a:sym typeface="Cabin"/>
               </a:rPr>
               <a:t>Acknowledgements / Contributions</a:t>
@@ -39539,61 +39338,61 @@
               <a:buNone/>
             </a:pPr>
             <a:r>
-              <a:rPr lang="en" sz="1000" b="0" i="0" u="none" strike="noStrike" cap="none">
-                <a:solidFill>
-                  <a:srgbClr val="FFFFFF"/>
-                </a:solidFill>
-                <a:latin typeface="Cabin"/>
-                <a:ea typeface="Cabin"/>
-                <a:cs typeface="Cabin"/>
+              <a:rPr lang="en" sz="1000" u="none" strike="noStrike" cap="none">
+                <a:solidFill>
+                  <a:srgbClr val="FFFFFF"/>
+                </a:solidFill>
+                <a:latin typeface="Arial" charset="0"/>
+                <a:ea typeface="Arial" charset="0"/>
+                <a:cs typeface="Arial" charset="0"/>
                 <a:sym typeface="Cabin"/>
               </a:rPr>
               <a:t>Thes slide are Copyright 2010-  Charles R. Severance (</a:t>
             </a:r>
             <a:r>
-              <a:rPr lang="en" sz="1000" b="0" i="0" u="sng" strike="noStrike" cap="none">
+              <a:rPr lang="en" sz="1000" u="sng" strike="noStrike" cap="none">
                 <a:solidFill>
                   <a:srgbClr val="FFFF00"/>
                 </a:solidFill>
-                <a:latin typeface="Cabin"/>
-                <a:ea typeface="Cabin"/>
-                <a:cs typeface="Cabin"/>
+                <a:latin typeface="Arial" charset="0"/>
+                <a:ea typeface="Arial" charset="0"/>
+                <a:cs typeface="Arial" charset="0"/>
                 <a:sym typeface="Cabin"/>
               </a:rPr>
               <a:t>www.dr-chuck.com</a:t>
             </a:r>
             <a:r>
-              <a:rPr lang="en" sz="1000" b="0" i="0" u="none" strike="noStrike" cap="none">
-                <a:solidFill>
-                  <a:srgbClr val="FFFFFF"/>
-                </a:solidFill>
-                <a:latin typeface="Cabin"/>
-                <a:ea typeface="Cabin"/>
-                <a:cs typeface="Cabin"/>
+              <a:rPr lang="en" sz="1000" u="none" strike="noStrike" cap="none">
+                <a:solidFill>
+                  <a:srgbClr val="FFFFFF"/>
+                </a:solidFill>
+                <a:latin typeface="Arial" charset="0"/>
+                <a:ea typeface="Arial" charset="0"/>
+                <a:cs typeface="Arial" charset="0"/>
                 <a:sym typeface="Cabin"/>
               </a:rPr>
               <a:t>) of the University of Michigan School of Information and </a:t>
             </a:r>
             <a:r>
-              <a:rPr lang="en" sz="1000" b="0" i="0" u="sng" strike="noStrike" cap="none">
+              <a:rPr lang="en" sz="1000" u="sng" strike="noStrike" cap="none">
                 <a:solidFill>
                   <a:srgbClr val="FFFF00"/>
                 </a:solidFill>
-                <a:latin typeface="Cabin"/>
-                <a:ea typeface="Cabin"/>
-                <a:cs typeface="Cabin"/>
+                <a:latin typeface="Arial" charset="0"/>
+                <a:ea typeface="Arial" charset="0"/>
+                <a:cs typeface="Arial" charset="0"/>
                 <a:sym typeface="Cabin"/>
               </a:rPr>
               <a:t>open.umich.edu</a:t>
             </a:r>
             <a:r>
-              <a:rPr lang="en" sz="1000" b="0" i="0" u="none" strike="noStrike" cap="none">
-                <a:solidFill>
-                  <a:srgbClr val="FFFFFF"/>
-                </a:solidFill>
-                <a:latin typeface="Cabin"/>
-                <a:ea typeface="Cabin"/>
-                <a:cs typeface="Cabin"/>
+              <a:rPr lang="en" sz="1000" u="none" strike="noStrike" cap="none">
+                <a:solidFill>
+                  <a:srgbClr val="FFFFFF"/>
+                </a:solidFill>
+                <a:latin typeface="Arial" charset="0"/>
+                <a:ea typeface="Arial" charset="0"/>
+                <a:cs typeface="Arial" charset="0"/>
                 <a:sym typeface="Cabin"/>
               </a:rPr>
               <a:t> and made available under a Creative Commons Attribution 4.0 License.  Please maintain this last slide in all copies of the document to comply with the attribution requirements of the license.  If you make a change, feel free to add your name and organization to the list of contributors on this page as you republish the materials.</a:t>
@@ -39616,13 +39415,13 @@
               <a:buFont typeface="Cabin"/>
               <a:buNone/>
             </a:pPr>
-            <a:endParaRPr sz="1000" b="0" i="0" u="none" strike="noStrike" cap="none">
+            <a:endParaRPr sz="1000" u="none" strike="noStrike" cap="none">
               <a:solidFill>
                 <a:srgbClr val="FFFFFF"/>
               </a:solidFill>
-              <a:latin typeface="Cabin"/>
-              <a:ea typeface="Cabin"/>
-              <a:cs typeface="Cabin"/>
+              <a:latin typeface="Arial" charset="0"/>
+              <a:ea typeface="Arial" charset="0"/>
+              <a:cs typeface="Arial" charset="0"/>
               <a:sym typeface="Cabin"/>
             </a:endParaRPr>
           </a:p>
@@ -39645,13 +39444,13 @@
               <a:buNone/>
             </a:pPr>
             <a:r>
-              <a:rPr lang="en" sz="1000" b="0" i="0" u="none" strike="noStrike" cap="none">
-                <a:solidFill>
-                  <a:srgbClr val="FFFFFF"/>
-                </a:solidFill>
-                <a:latin typeface="Cabin"/>
-                <a:ea typeface="Cabin"/>
-                <a:cs typeface="Cabin"/>
+              <a:rPr lang="en" sz="1000" u="none" strike="noStrike" cap="none">
+                <a:solidFill>
+                  <a:srgbClr val="FFFFFF"/>
+                </a:solidFill>
+                <a:latin typeface="Arial" charset="0"/>
+                <a:ea typeface="Arial" charset="0"/>
+                <a:cs typeface="Arial" charset="0"/>
                 <a:sym typeface="Cabin"/>
               </a:rPr>
               <a:t>Initial Development: Charles Severance, University of Michigan School of Information</a:t>
@@ -39674,13 +39473,13 @@
               <a:buFont typeface="Cabin"/>
               <a:buNone/>
             </a:pPr>
-            <a:endParaRPr sz="1000" b="0" i="0" u="none" strike="noStrike" cap="none">
+            <a:endParaRPr sz="1000" u="none" strike="noStrike" cap="none">
               <a:solidFill>
                 <a:srgbClr val="FFFFFF"/>
               </a:solidFill>
-              <a:latin typeface="Cabin"/>
-              <a:ea typeface="Cabin"/>
-              <a:cs typeface="Cabin"/>
+              <a:latin typeface="Arial" charset="0"/>
+              <a:ea typeface="Arial" charset="0"/>
+              <a:cs typeface="Arial" charset="0"/>
               <a:sym typeface="Cabin"/>
             </a:endParaRPr>
           </a:p>
@@ -39703,13 +39502,13 @@
               <a:buNone/>
             </a:pPr>
             <a:r>
-              <a:rPr lang="en" sz="1000" b="0" i="0" u="none" strike="noStrike" cap="none">
-                <a:solidFill>
-                  <a:srgbClr val="FFFFFF"/>
-                </a:solidFill>
-                <a:latin typeface="Cabin"/>
-                <a:ea typeface="Cabin"/>
-                <a:cs typeface="Cabin"/>
+              <a:rPr lang="en" sz="1000" u="none" strike="noStrike" cap="none">
+                <a:solidFill>
+                  <a:srgbClr val="FFFFFF"/>
+                </a:solidFill>
+                <a:latin typeface="Arial" charset="0"/>
+                <a:ea typeface="Arial" charset="0"/>
+                <a:cs typeface="Arial" charset="0"/>
                 <a:sym typeface="Cabin"/>
               </a:rPr>
               <a:t>… Insert new Contributors here</a:t>
@@ -39814,13 +39613,13 @@
               <a:buNone/>
             </a:pPr>
             <a:r>
-              <a:rPr lang="en" sz="1000" b="0" i="0" u="none" strike="noStrike" cap="none">
-                <a:solidFill>
-                  <a:srgbClr val="FFFFFF"/>
-                </a:solidFill>
-                <a:latin typeface="Cabin"/>
-                <a:ea typeface="Cabin"/>
-                <a:cs typeface="Cabin"/>
+              <a:rPr lang="en" sz="1000" u="none" strike="noStrike" cap="none">
+                <a:solidFill>
+                  <a:srgbClr val="FFFFFF"/>
+                </a:solidFill>
+                <a:latin typeface="Arial" charset="0"/>
+                <a:ea typeface="Arial" charset="0"/>
+                <a:cs typeface="Arial" charset="0"/>
                 <a:sym typeface="Cabin"/>
               </a:rPr>
               <a:t>...</a:t>
@@ -39900,13 +39699,13 @@
               <a:buNone/>
             </a:pPr>
             <a:r>
-              <a:rPr lang="en" sz="4700" b="0" i="0" u="none" strike="noStrike" cap="none">
+              <a:rPr lang="en" sz="4700" u="none" strike="noStrike" cap="none">
                 <a:solidFill>
                   <a:srgbClr val="FFD966"/>
                 </a:solidFill>
-                <a:latin typeface="Cabin"/>
-                <a:ea typeface="Cabin"/>
-                <a:cs typeface="Cabin"/>
+                <a:latin typeface="Arial" charset="0"/>
+                <a:ea typeface="Arial" charset="0"/>
+                <a:cs typeface="Arial" charset="0"/>
                 <a:sym typeface="Cabin"/>
               </a:rPr>
               <a:t>Review of Programs</a:t>
@@ -39982,13 +39781,13 @@
               <a:buNone/>
             </a:pPr>
             <a:r>
-              <a:rPr lang="en" sz="2400" b="0" i="0" u="none" strike="noStrike" cap="none">
+              <a:rPr lang="en" sz="2400" u="none" strike="noStrike" cap="none">
                 <a:solidFill>
                   <a:srgbClr val="00F900"/>
                 </a:solidFill>
-                <a:latin typeface="Cabin"/>
-                <a:ea typeface="Cabin"/>
-                <a:cs typeface="Cabin"/>
+                <a:latin typeface="Arial" charset="0"/>
+                <a:ea typeface="Arial" charset="0"/>
+                <a:cs typeface="Arial" charset="0"/>
                 <a:sym typeface="Cabin"/>
               </a:rPr>
               <a:t>usf = input('Enter the US Floor Number: ')</a:t>
@@ -40013,13 +39812,13 @@
               <a:buNone/>
             </a:pPr>
             <a:r>
-              <a:rPr lang="en" sz="2400" b="0" i="0" u="none" strike="noStrike" cap="none">
+              <a:rPr lang="en" sz="2400" u="none" strike="noStrike" cap="none">
                 <a:solidFill>
                   <a:srgbClr val="FF40FF"/>
                 </a:solidFill>
-                <a:latin typeface="Cabin"/>
-                <a:ea typeface="Cabin"/>
-                <a:cs typeface="Cabin"/>
+                <a:latin typeface="Arial" charset="0"/>
+                <a:ea typeface="Arial" charset="0"/>
+                <a:cs typeface="Arial" charset="0"/>
                 <a:sym typeface="Cabin"/>
               </a:rPr>
               <a:t>wf = usf - 1</a:t>
@@ -40044,13 +39843,13 @@
               <a:buNone/>
             </a:pPr>
             <a:r>
-              <a:rPr lang="en" sz="2400" b="0" i="0" u="none" strike="noStrike" cap="none">
+              <a:rPr lang="en" sz="2400" u="none" strike="noStrike" cap="none">
                 <a:solidFill>
                   <a:srgbClr val="FF9300"/>
                 </a:solidFill>
-                <a:latin typeface="Cabin"/>
-                <a:ea typeface="Cabin"/>
-                <a:cs typeface="Cabin"/>
+                <a:latin typeface="Arial" charset="0"/>
+                <a:ea typeface="Arial" charset="0"/>
+                <a:cs typeface="Arial" charset="0"/>
                 <a:sym typeface="Cabin"/>
               </a:rPr>
               <a:t>print 'Non-US Floor Number is',wf</a:t>
@@ -40103,13 +39902,13 @@
               <a:buNone/>
             </a:pPr>
             <a:r>
-              <a:rPr lang="en" sz="2600" b="0" i="0" u="none" strike="noStrike" cap="none">
+              <a:rPr lang="en" sz="2600" u="none" strike="noStrike" cap="none">
                 <a:solidFill>
                   <a:schemeClr val="dk1"/>
                 </a:solidFill>
-                <a:latin typeface="Cabin"/>
-                <a:ea typeface="Cabin"/>
-                <a:cs typeface="Cabin"/>
+                <a:latin typeface="Arial" charset="0"/>
+                <a:ea typeface="Arial" charset="0"/>
+                <a:cs typeface="Arial" charset="0"/>
                 <a:sym typeface="Cabin"/>
               </a:rPr>
               <a:t>Process</a:t>
@@ -40162,13 +39961,13 @@
               <a:buNone/>
             </a:pPr>
             <a:r>
-              <a:rPr lang="en" sz="2600" b="0" i="0" u="none" strike="noStrike" cap="none">
+              <a:rPr lang="en" sz="2600" u="none" strike="noStrike" cap="none">
                 <a:solidFill>
                   <a:schemeClr val="dk1"/>
                 </a:solidFill>
-                <a:latin typeface="Cabin"/>
-                <a:ea typeface="Cabin"/>
-                <a:cs typeface="Cabin"/>
+                <a:latin typeface="Arial" charset="0"/>
+                <a:ea typeface="Arial" charset="0"/>
+                <a:cs typeface="Arial" charset="0"/>
                 <a:sym typeface="Cabin"/>
               </a:rPr>
               <a:t>Input</a:t>
@@ -40221,13 +40020,13 @@
               <a:buNone/>
             </a:pPr>
             <a:r>
-              <a:rPr lang="en" sz="2600" b="0" i="0" u="none" strike="noStrike" cap="none">
+              <a:rPr lang="en" sz="2600" u="none" strike="noStrike" cap="none">
                 <a:solidFill>
                   <a:schemeClr val="dk1"/>
                 </a:solidFill>
-                <a:latin typeface="Cabin"/>
-                <a:ea typeface="Cabin"/>
-                <a:cs typeface="Cabin"/>
+                <a:latin typeface="Arial" charset="0"/>
+                <a:ea typeface="Arial" charset="0"/>
+                <a:cs typeface="Arial" charset="0"/>
                 <a:sym typeface="Cabin"/>
               </a:rPr>
               <a:t>Output</a:t>
@@ -40336,13 +40135,13 @@
               <a:buNone/>
             </a:pPr>
             <a:r>
-              <a:rPr lang="en" sz="2200" b="0" i="0" u="none" strike="noStrike" cap="none">
+              <a:rPr lang="en" sz="2200" u="none" strike="noStrike" cap="none">
                 <a:solidFill>
                   <a:srgbClr val="FFFB00"/>
                 </a:solidFill>
-                <a:latin typeface="Cabin"/>
-                <a:ea typeface="Cabin"/>
-                <a:cs typeface="Cabin"/>
+                <a:latin typeface="Arial" charset="0"/>
+                <a:ea typeface="Arial" charset="0"/>
+                <a:cs typeface="Arial" charset="0"/>
                 <a:sym typeface="Cabin"/>
               </a:rPr>
               <a:t> python elev.py </a:t>
@@ -40367,25 +40166,25 @@
               <a:buNone/>
             </a:pPr>
             <a:r>
-              <a:rPr lang="en" sz="2200" b="0" i="0" u="none" strike="noStrike" cap="none">
-                <a:solidFill>
-                  <a:srgbClr val="FFFFFF"/>
-                </a:solidFill>
-                <a:latin typeface="Cabin"/>
-                <a:ea typeface="Cabin"/>
-                <a:cs typeface="Cabin"/>
+              <a:rPr lang="en" sz="2200" u="none" strike="noStrike" cap="none">
+                <a:solidFill>
+                  <a:srgbClr val="FFFFFF"/>
+                </a:solidFill>
+                <a:latin typeface="Arial" charset="0"/>
+                <a:ea typeface="Arial" charset="0"/>
+                <a:cs typeface="Arial" charset="0"/>
                 <a:sym typeface="Cabin"/>
               </a:rPr>
               <a:t> Enter the US Floor Number: </a:t>
             </a:r>
             <a:r>
-              <a:rPr lang="en" sz="2200" b="0" i="0" u="none" strike="noStrike" cap="none">
+              <a:rPr lang="en" sz="2200" u="none" strike="noStrike" cap="none">
                 <a:solidFill>
                   <a:srgbClr val="00F900"/>
                 </a:solidFill>
-                <a:latin typeface="Cabin"/>
-                <a:ea typeface="Cabin"/>
-                <a:cs typeface="Cabin"/>
+                <a:latin typeface="Arial" charset="0"/>
+                <a:ea typeface="Arial" charset="0"/>
+                <a:cs typeface="Arial" charset="0"/>
                 <a:sym typeface="Cabin"/>
               </a:rPr>
               <a:t>2</a:t>
@@ -40410,13 +40209,13 @@
               <a:buNone/>
             </a:pPr>
             <a:r>
-              <a:rPr lang="en" sz="2200" b="0" i="0" u="none" strike="noStrike" cap="none">
+              <a:rPr lang="en" sz="2200" u="none" strike="noStrike" cap="none">
                 <a:solidFill>
                   <a:srgbClr val="FF9300"/>
                 </a:solidFill>
-                <a:latin typeface="Cabin"/>
-                <a:ea typeface="Cabin"/>
-                <a:cs typeface="Cabin"/>
+                <a:latin typeface="Arial" charset="0"/>
+                <a:ea typeface="Arial" charset="0"/>
+                <a:cs typeface="Arial" charset="0"/>
                 <a:sym typeface="Cabin"/>
               </a:rPr>
               <a:t> Non-US Floor Number is 1</a:t>
@@ -40523,13 +40322,10 @@
               <a:buNone/>
             </a:pPr>
             <a:r>
-              <a:rPr lang="en" sz="4700" b="0" i="0" u="none" strike="noStrike" cap="none">
+              <a:rPr lang="en" sz="4700" u="none" strike="noStrike" cap="none">
                 <a:solidFill>
                   <a:srgbClr val="FFD966"/>
                 </a:solidFill>
-                <a:latin typeface="Cabin"/>
-                <a:ea typeface="Cabin"/>
-                <a:cs typeface="Cabin"/>
                 <a:sym typeface="Cabin"/>
               </a:rPr>
               <a:t>Object Oriented</a:t>
@@ -40584,13 +40380,10 @@
               <a:buChar char="•"/>
             </a:pPr>
             <a:r>
-              <a:rPr lang="en" sz="2300" b="0" i="0" u="none" strike="noStrike" cap="none">
-                <a:solidFill>
-                  <a:srgbClr val="FFFFFF"/>
-                </a:solidFill>
-                <a:latin typeface="Cabin"/>
-                <a:ea typeface="Cabin"/>
-                <a:cs typeface="Cabin"/>
+              <a:rPr lang="en" sz="2300" u="none" strike="noStrike" cap="none">
+                <a:solidFill>
+                  <a:srgbClr val="FFFFFF"/>
+                </a:solidFill>
                 <a:sym typeface="Cabin"/>
               </a:rPr>
               <a:t>A program is made up of many cooperating objects</a:t>
@@ -40615,13 +40408,10 @@
               <a:buChar char="•"/>
             </a:pPr>
             <a:r>
-              <a:rPr lang="en" sz="2300" b="0" i="0" u="none" strike="noStrike" cap="none">
-                <a:solidFill>
-                  <a:srgbClr val="FFFFFF"/>
-                </a:solidFill>
-                <a:latin typeface="Cabin"/>
-                <a:ea typeface="Cabin"/>
-                <a:cs typeface="Cabin"/>
+              <a:rPr lang="en" sz="2300" u="none" strike="noStrike" cap="none">
+                <a:solidFill>
+                  <a:srgbClr val="FFFFFF"/>
+                </a:solidFill>
                 <a:sym typeface="Cabin"/>
               </a:rPr>
               <a:t>Instead of being the “whole program” - each object is a little “island” within the program and cooperatively working with other objects.</a:t>
@@ -40646,13 +40436,10 @@
               <a:buChar char="•"/>
             </a:pPr>
             <a:r>
-              <a:rPr lang="en" sz="2300" b="0" i="0" u="none" strike="noStrike" cap="none">
-                <a:solidFill>
-                  <a:srgbClr val="FFFFFF"/>
-                </a:solidFill>
-                <a:latin typeface="Cabin"/>
-                <a:ea typeface="Cabin"/>
-                <a:cs typeface="Cabin"/>
+              <a:rPr lang="en" sz="2300" u="none" strike="noStrike" cap="none">
+                <a:solidFill>
+                  <a:srgbClr val="FFFFFF"/>
+                </a:solidFill>
                 <a:sym typeface="Cabin"/>
               </a:rPr>
               <a:t>A program is made up of one or more objects working together - objects make use of each other’s capabilities</a:t>
@@ -40732,13 +40519,10 @@
               <a:buNone/>
             </a:pPr>
             <a:r>
-              <a:rPr lang="en" sz="4700" b="0" i="0" u="none" strike="noStrike" cap="none">
+              <a:rPr lang="en" sz="4700" u="none" strike="noStrike" cap="none">
                 <a:solidFill>
                   <a:srgbClr val="FFD966"/>
                 </a:solidFill>
-                <a:latin typeface="Cabin"/>
-                <a:ea typeface="Cabin"/>
-                <a:cs typeface="Cabin"/>
                 <a:sym typeface="Cabin"/>
               </a:rPr>
               <a:t>Object</a:t>
@@ -40792,13 +40576,10 @@
               <a:buFont typeface="Cabin"/>
             </a:pPr>
             <a:r>
-              <a:rPr lang="en" sz="2200" b="0" i="0" u="none" strike="noStrike" cap="none">
-                <a:solidFill>
-                  <a:srgbClr val="FFFFFF"/>
-                </a:solidFill>
-                <a:latin typeface="Cabin"/>
-                <a:ea typeface="Cabin"/>
-                <a:cs typeface="Cabin"/>
+              <a:rPr lang="en" sz="2200" u="none" strike="noStrike" cap="none">
+                <a:solidFill>
+                  <a:srgbClr val="FFFFFF"/>
+                </a:solidFill>
                 <a:sym typeface="Cabin"/>
               </a:rPr>
               <a:t>An Object is a bit of self-contained Code and Data</a:t>
@@ -40822,13 +40603,10 @@
               <a:buFont typeface="Cabin"/>
             </a:pPr>
             <a:r>
-              <a:rPr lang="en" sz="2200" b="0" i="0" u="none" strike="noStrike" cap="none">
-                <a:solidFill>
-                  <a:srgbClr val="FFFFFF"/>
-                </a:solidFill>
-                <a:latin typeface="Cabin"/>
-                <a:ea typeface="Cabin"/>
-                <a:cs typeface="Cabin"/>
+              <a:rPr lang="en" sz="2200" u="none" strike="noStrike" cap="none">
+                <a:solidFill>
+                  <a:srgbClr val="FFFFFF"/>
+                </a:solidFill>
                 <a:sym typeface="Cabin"/>
               </a:rPr>
               <a:t>A key aspect of the Object approach is to break the problem into smaller understandable parts (divide and conquer)</a:t>
@@ -40852,13 +40630,10 @@
               <a:buFont typeface="Cabin"/>
             </a:pPr>
             <a:r>
-              <a:rPr lang="en" sz="2200" b="0" i="0" u="none" strike="noStrike" cap="none">
-                <a:solidFill>
-                  <a:srgbClr val="FFFFFF"/>
-                </a:solidFill>
-                <a:latin typeface="Cabin"/>
-                <a:ea typeface="Cabin"/>
-                <a:cs typeface="Cabin"/>
+              <a:rPr lang="en" sz="2200" u="none" strike="noStrike" cap="none">
+                <a:solidFill>
+                  <a:srgbClr val="FFFFFF"/>
+                </a:solidFill>
                 <a:sym typeface="Cabin"/>
               </a:rPr>
               <a:t>Objects have boundaries that allow us to ignore un-needed detail</a:t>
@@ -40882,13 +40657,10 @@
               <a:buFont typeface="Cabin"/>
             </a:pPr>
             <a:r>
-              <a:rPr lang="en" sz="2200" b="0" i="0" u="none" strike="noStrike" cap="none">
-                <a:solidFill>
-                  <a:srgbClr val="FFFFFF"/>
-                </a:solidFill>
-                <a:latin typeface="Cabin"/>
-                <a:ea typeface="Cabin"/>
-                <a:cs typeface="Cabin"/>
+              <a:rPr lang="en" sz="2200" u="none" strike="noStrike" cap="none">
+                <a:solidFill>
+                  <a:srgbClr val="FFFFFF"/>
+                </a:solidFill>
                 <a:sym typeface="Cabin"/>
               </a:rPr>
               <a:t>We have been using objects all along: String Objects, Integer Objects, Dictionary Objects, List Objects...</a:t>

--- a/lectures3/Pythonlearn-14-Objects.pptx
+++ b/lectures3/Pythonlearn-14-Objects.pptx
@@ -7405,7 +7405,7 @@
               <a:buNone/>
             </a:pPr>
             <a:r>
-              <a:rPr lang="en" sz="4700" u="none" strike="noStrike" cap="none">
+              <a:rPr lang="en" sz="4700" u="none" strike="noStrike" cap="none" dirty="0">
                 <a:solidFill>
                   <a:srgbClr val="FFD966"/>
                 </a:solidFill>
@@ -7462,7 +7462,7 @@
               <a:buNone/>
             </a:pPr>
             <a:r>
-              <a:rPr lang="en" sz="2000" u="none" strike="noStrike" cap="none">
+              <a:rPr lang="en" sz="2000" u="none" strike="noStrike" cap="none" dirty="0">
                 <a:solidFill>
                   <a:srgbClr val="FFFB00"/>
                 </a:solidFill>
@@ -7471,29 +7471,10 @@
                 <a:cs typeface="Arial" charset="0"/>
                 <a:sym typeface="Cabin"/>
               </a:rPr>
-              <a:t>Charles Severance</a:t>
-            </a:r>
-          </a:p>
-          <a:p>
-            <a:pPr marL="0" marR="0" lvl="0" indent="0" algn="ctr" rtl="0">
-              <a:lnSpc>
-                <a:spcPct val="100000"/>
-              </a:lnSpc>
-              <a:spcBef>
-                <a:spcPts val="0"/>
-              </a:spcBef>
-              <a:spcAft>
-                <a:spcPts val="0"/>
-              </a:spcAft>
-              <a:buClr>
-                <a:srgbClr val="FFFB00"/>
-              </a:buClr>
-              <a:buSzPct val="25000"/>
-              <a:buFont typeface="Cabin"/>
-              <a:buNone/>
-            </a:pPr>
-            <a:r>
-              <a:rPr lang="en" sz="2000" u="none" strike="noStrike" cap="none">
+              <a:t>Charles </a:t>
+            </a:r>
+            <a:r>
+              <a:rPr lang="en" sz="2000" u="none" strike="noStrike" cap="none" dirty="0" smtClean="0">
                 <a:solidFill>
                   <a:srgbClr val="FFFB00"/>
                 </a:solidFill>
@@ -7502,30 +7483,11 @@
                 <a:cs typeface="Arial" charset="0"/>
                 <a:sym typeface="Cabin"/>
               </a:rPr>
-              <a:t>www.pythonlearn.com</a:t>
-            </a:r>
-          </a:p>
-          <a:p>
-            <a:pPr marL="0" marR="0" lvl="0" indent="0" algn="ctr" rtl="0">
-              <a:lnSpc>
-                <a:spcPct val="100000"/>
-              </a:lnSpc>
-              <a:spcBef>
-                <a:spcPts val="0"/>
-              </a:spcBef>
-              <a:spcAft>
-                <a:spcPts val="0"/>
-              </a:spcAft>
-              <a:buClr>
+              <a:t>Severance</a:t>
+            </a:r>
+            <a:endParaRPr lang="en" sz="2000" u="none" strike="noStrike" cap="none" dirty="0">
+              <a:solidFill>
                 <a:srgbClr val="FFFB00"/>
-              </a:buClr>
-              <a:buSzPct val="25000"/>
-              <a:buFont typeface="Cabin"/>
-              <a:buNone/>
-            </a:pPr>
-            <a:endParaRPr sz="2000" u="none" strike="noStrike" cap="none">
-              <a:solidFill>
-                <a:srgbClr val="FFFFFF"/>
               </a:solidFill>
               <a:latin typeface="Arial" charset="0"/>
               <a:ea typeface="Arial" charset="0"/>
@@ -7533,39 +7495,174 @@
               <a:sym typeface="Cabin"/>
             </a:endParaRPr>
           </a:p>
-          <a:p>
-            <a:pPr marL="0" marR="0" lvl="0" indent="0" algn="ctr" rtl="0">
-              <a:lnSpc>
-                <a:spcPct val="100000"/>
-              </a:lnSpc>
-              <a:spcBef>
-                <a:spcPts val="0"/>
-              </a:spcBef>
-              <a:spcAft>
-                <a:spcPts val="0"/>
-              </a:spcAft>
-              <a:buClr>
-                <a:srgbClr val="FFFB00"/>
-              </a:buClr>
-              <a:buSzPct val="25000"/>
-              <a:buFont typeface="Cabin"/>
-              <a:buNone/>
-            </a:pPr>
-            <a:r>
-              <a:rPr lang="en" sz="2000" u="none" strike="noStrike" cap="none">
-                <a:solidFill>
-                  <a:srgbClr val="FFFB00"/>
-                </a:solidFill>
-                <a:latin typeface="Arial" charset="0"/>
-                <a:ea typeface="Arial" charset="0"/>
-                <a:cs typeface="Arial" charset="0"/>
-                <a:sym typeface="Cabin"/>
-              </a:rPr>
-              <a:t>http://en.wikipedia.org/wiki/Object-oriented_programming</a:t>
-            </a:r>
-          </a:p>
         </p:txBody>
       </p:sp>
+      <p:grpSp>
+        <p:nvGrpSpPr>
+          <p:cNvPr id="2" name="Group 1"/>
+          <p:cNvGrpSpPr/>
+          <p:nvPr/>
+        </p:nvGrpSpPr>
+        <p:grpSpPr>
+          <a:xfrm>
+            <a:off x="233081" y="3689514"/>
+            <a:ext cx="8633012" cy="797468"/>
+            <a:chOff x="212560" y="3293268"/>
+            <a:chExt cx="14572387" cy="1346112"/>
+          </a:xfrm>
+        </p:grpSpPr>
+        <p:sp>
+          <p:nvSpPr>
+            <p:cNvPr id="10" name="Shape 206"/>
+            <p:cNvSpPr txBox="1"/>
+            <p:nvPr/>
+          </p:nvSpPr>
+          <p:spPr>
+            <a:xfrm>
+              <a:off x="2676260" y="3612268"/>
+              <a:ext cx="9985799" cy="1016099"/>
+            </a:xfrm>
+            <a:prstGeom prst="rect">
+              <a:avLst/>
+            </a:prstGeom>
+            <a:noFill/>
+            <a:ln>
+              <a:noFill/>
+            </a:ln>
+          </p:spPr>
+          <p:txBody>
+            <a:bodyPr lIns="0" tIns="0" rIns="0" bIns="0" anchor="ctr" anchorCtr="0">
+              <a:noAutofit/>
+            </a:bodyPr>
+            <a:lstStyle/>
+            <a:p>
+              <a:pPr marL="0" marR="0" lvl="0" indent="0" algn="ctr" rtl="0">
+                <a:lnSpc>
+                  <a:spcPct val="100000"/>
+                </a:lnSpc>
+                <a:spcBef>
+                  <a:spcPts val="0"/>
+                </a:spcBef>
+                <a:spcAft>
+                  <a:spcPts val="0"/>
+                </a:spcAft>
+                <a:buClr>
+                  <a:srgbClr val="FFFF00"/>
+                </a:buClr>
+                <a:buSzPct val="25000"/>
+                <a:buFont typeface="Cabin"/>
+                <a:buNone/>
+              </a:pPr>
+              <a:r>
+                <a:rPr lang="en-US" sz="1800" u="none" strike="noStrike" cap="none" dirty="0" smtClean="0">
+                  <a:solidFill>
+                    <a:srgbClr val="FFFF00"/>
+                  </a:solidFill>
+                  <a:latin typeface="Arial Regular" charset="0"/>
+                  <a:ea typeface="Arial Regular" charset="0"/>
+                  <a:cs typeface="Arial Regular" charset="0"/>
+                  <a:sym typeface="Cabin"/>
+                </a:rPr>
+                <a:t>Python for Everybody</a:t>
+              </a:r>
+            </a:p>
+            <a:p>
+              <a:pPr marL="0" marR="0" lvl="0" indent="0" algn="ctr" rtl="0">
+                <a:lnSpc>
+                  <a:spcPct val="100000"/>
+                </a:lnSpc>
+                <a:spcBef>
+                  <a:spcPts val="0"/>
+                </a:spcBef>
+                <a:spcAft>
+                  <a:spcPts val="0"/>
+                </a:spcAft>
+                <a:buClr>
+                  <a:srgbClr val="FFFF00"/>
+                </a:buClr>
+                <a:buSzPct val="25000"/>
+                <a:buFont typeface="Cabin"/>
+                <a:buNone/>
+              </a:pPr>
+              <a:r>
+                <a:rPr lang="en-US" sz="1800" dirty="0" smtClean="0">
+                  <a:solidFill>
+                    <a:srgbClr val="FFFF00"/>
+                  </a:solidFill>
+                  <a:latin typeface="Arial Regular" charset="0"/>
+                  <a:ea typeface="Arial Regular" charset="0"/>
+                  <a:cs typeface="Arial Regular" charset="0"/>
+                  <a:sym typeface="Cabin"/>
+                </a:rPr>
+                <a:t>www.py4e.com</a:t>
+              </a:r>
+              <a:endParaRPr lang="en-US" sz="1800" u="none" strike="noStrike" cap="none" dirty="0">
+                <a:solidFill>
+                  <a:srgbClr val="FFFF00"/>
+                </a:solidFill>
+                <a:latin typeface="Arial Regular" charset="0"/>
+                <a:ea typeface="Arial Regular" charset="0"/>
+                <a:cs typeface="Arial Regular" charset="0"/>
+                <a:sym typeface="Cabin"/>
+              </a:endParaRPr>
+            </a:p>
+          </p:txBody>
+        </p:sp>
+        <p:pic>
+          <p:nvPicPr>
+            <p:cNvPr id="11" name="Shape 207"/>
+            <p:cNvPicPr preferRelativeResize="0"/>
+            <p:nvPr/>
+          </p:nvPicPr>
+          <p:blipFill rotWithShape="1">
+            <a:blip r:embed="rId3">
+              <a:alphaModFix/>
+            </a:blip>
+            <a:srcRect/>
+            <a:stretch/>
+          </p:blipFill>
+          <p:spPr>
+            <a:xfrm>
+              <a:off x="12816447" y="3971043"/>
+              <a:ext cx="1968500" cy="668337"/>
+            </a:xfrm>
+            <a:prstGeom prst="rect">
+              <a:avLst/>
+            </a:prstGeom>
+            <a:noFill/>
+            <a:ln>
+              <a:noFill/>
+            </a:ln>
+          </p:spPr>
+        </p:pic>
+        <p:pic>
+          <p:nvPicPr>
+            <p:cNvPr id="12" name="Shape 208"/>
+            <p:cNvPicPr preferRelativeResize="0"/>
+            <p:nvPr/>
+          </p:nvPicPr>
+          <p:blipFill rotWithShape="1">
+            <a:blip r:embed="rId4">
+              <a:alphaModFix/>
+            </a:blip>
+            <a:srcRect/>
+            <a:stretch/>
+          </p:blipFill>
+          <p:spPr>
+            <a:xfrm>
+              <a:off x="212560" y="3293268"/>
+              <a:ext cx="1346100" cy="1346100"/>
+            </a:xfrm>
+            <a:prstGeom prst="rect">
+              <a:avLst/>
+            </a:prstGeom>
+            <a:noFill/>
+            <a:ln>
+              <a:noFill/>
+            </a:ln>
+          </p:spPr>
+        </p:pic>
+      </p:grpSp>
     </p:spTree>
   </p:cSld>
   <p:clrMapOvr>
@@ -33143,19 +33240,7 @@
                 <a:cs typeface="Courier New"/>
                 <a:sym typeface="Courier New"/>
               </a:rPr>
-              <a:t>input</a:t>
-            </a:r>
-            <a:r>
-              <a:rPr lang="en-US" sz="1575" b="1" dirty="0">
-                <a:solidFill>
-                  <a:srgbClr val="FFFF00"/>
-                </a:solidFill>
-                <a:latin typeface="Courier New"/>
-                <a:ea typeface="Courier New"/>
-                <a:cs typeface="Courier New"/>
-                <a:sym typeface="Courier New"/>
-              </a:rPr>
-              <a:t>(</a:t>
+              <a:t>input(</a:t>
             </a:r>
             <a:r>
               <a:rPr lang="en-US" sz="1575" b="1" dirty="0">
@@ -33327,35 +33412,23 @@
                 <a:cs typeface="Courier New"/>
                 <a:sym typeface="Courier New"/>
               </a:rPr>
-              <a:t>'US </a:t>
+              <a:t>'US floor', </a:t>
+            </a:r>
+            <a:r>
+              <a:rPr lang="en-US" sz="1575" b="1" dirty="0" err="1">
+                <a:solidFill>
+                  <a:srgbClr val="00FF00"/>
+                </a:solidFill>
+                <a:latin typeface="Courier New"/>
+                <a:ea typeface="Courier New"/>
+                <a:cs typeface="Courier New"/>
+                <a:sym typeface="Courier New"/>
+              </a:rPr>
+              <a:t>usf</a:t>
             </a:r>
             <a:r>
               <a:rPr lang="en-US" sz="1575" b="1" dirty="0">
                 <a:solidFill>
-                  <a:schemeClr val="lt1"/>
-                </a:solidFill>
-                <a:latin typeface="Courier New"/>
-                <a:ea typeface="Courier New"/>
-                <a:cs typeface="Courier New"/>
-                <a:sym typeface="Courier New"/>
-              </a:rPr>
-              <a:t>floor', </a:t>
-            </a:r>
-            <a:r>
-              <a:rPr lang="en-US" sz="1575" b="1" dirty="0" err="1">
-                <a:solidFill>
-                  <a:srgbClr val="00FF00"/>
-                </a:solidFill>
-                <a:latin typeface="Courier New"/>
-                <a:ea typeface="Courier New"/>
-                <a:cs typeface="Courier New"/>
-                <a:sym typeface="Courier New"/>
-              </a:rPr>
-              <a:t>usf</a:t>
-            </a:r>
-            <a:r>
-              <a:rPr lang="en-US" sz="1575" b="1" dirty="0">
-                <a:solidFill>
                   <a:srgbClr val="FFFF00"/>
                 </a:solidFill>
                 <a:latin typeface="Courier New"/>
@@ -33365,15 +33438,6 @@
               </a:rPr>
               <a:t>)</a:t>
             </a:r>
-            <a:endParaRPr lang="en-US" sz="1575" b="1" dirty="0">
-              <a:solidFill>
-                <a:srgbClr val="FFFF00"/>
-              </a:solidFill>
-              <a:latin typeface="Courier New"/>
-              <a:ea typeface="Courier New"/>
-              <a:cs typeface="Courier New"/>
-              <a:sym typeface="Courier New"/>
-            </a:endParaRPr>
           </a:p>
         </p:txBody>
       </p:sp>

--- a/lectures3/Pythonlearn-14-Objects.pptx
+++ b/lectures3/Pythonlearn-14-Objects.pptx
@@ -6600,9 +6600,7 @@
             <a:avLst/>
           </a:prstGeom>
           <a:solidFill>
-            <a:schemeClr val="tx1">
-              <a:lumMod val="75000"/>
-            </a:schemeClr>
+            <a:schemeClr val="bg2"/>
           </a:solidFill>
           <a:ln>
             <a:noFill/>
@@ -6752,9 +6750,7 @@
             <a:avLst/>
           </a:prstGeom>
           <a:solidFill>
-            <a:schemeClr val="tx1">
-              <a:lumMod val="75000"/>
-            </a:schemeClr>
+            <a:schemeClr val="bg2"/>
           </a:solidFill>
           <a:ln>
             <a:noFill/>
@@ -13752,8 +13748,8 @@
         </p:nvSpPr>
         <p:spPr>
           <a:xfrm>
-            <a:off x="2807825" y="303699"/>
-            <a:ext cx="3087000" cy="4365599"/>
+            <a:off x="2807825" y="532603"/>
+            <a:ext cx="3087000" cy="4136695"/>
           </a:xfrm>
           <a:prstGeom prst="rect">
             <a:avLst/>
@@ -15046,8 +15042,8 @@
         </p:nvSpPr>
         <p:spPr>
           <a:xfrm>
-            <a:off x="718450" y="392174"/>
-            <a:ext cx="3091200" cy="4409399"/>
+            <a:off x="718450" y="480061"/>
+            <a:ext cx="3091200" cy="4184304"/>
           </a:xfrm>
           <a:prstGeom prst="rect">
             <a:avLst/>
@@ -16280,671 +16276,6 @@
       </p:grpSpPr>
       <p:sp>
         <p:nvSpPr>
-          <p:cNvPr id="355" name="Shape 355"/>
-          <p:cNvSpPr/>
-          <p:nvPr/>
-        </p:nvSpPr>
-        <p:spPr>
-          <a:xfrm>
-            <a:off x="718450" y="393049"/>
-            <a:ext cx="3091200" cy="4375200"/>
-          </a:xfrm>
-          <a:prstGeom prst="rect">
-            <a:avLst/>
-          </a:prstGeom>
-          <a:noFill/>
-          <a:ln w="12700" cap="flat" cmpd="sng">
-            <a:solidFill>
-              <a:srgbClr val="FFFB00"/>
-            </a:solidFill>
-            <a:prstDash val="solid"/>
-            <a:miter/>
-            <a:headEnd type="none" w="med" len="med"/>
-            <a:tailEnd type="none" w="med" len="med"/>
-          </a:ln>
-        </p:spPr>
-        <p:txBody>
-          <a:bodyPr lIns="21050" tIns="21050" rIns="21050" bIns="21050" anchor="ctr" anchorCtr="0">
-            <a:noAutofit/>
-          </a:bodyPr>
-          <a:lstStyle/>
-          <a:p>
-            <a:pPr marL="0" marR="0" lvl="0" indent="0" algn="l" rtl="0">
-              <a:lnSpc>
-                <a:spcPct val="100000"/>
-              </a:lnSpc>
-              <a:spcBef>
-                <a:spcPts val="0"/>
-              </a:spcBef>
-              <a:spcAft>
-                <a:spcPts val="0"/>
-              </a:spcAft>
-              <a:buClr>
-                <a:srgbClr val="00FDFF"/>
-              </a:buClr>
-              <a:buSzPct val="25000"/>
-              <a:buFont typeface="Cabin"/>
-              <a:buNone/>
-            </a:pPr>
-            <a:r>
-              <a:rPr lang="en" sz="2300" u="none" strike="noStrike" cap="none" dirty="0">
-                <a:solidFill>
-                  <a:srgbClr val="00FDFF"/>
-                </a:solidFill>
-                <a:latin typeface="Arial" charset="0"/>
-                <a:ea typeface="Arial" charset="0"/>
-                <a:cs typeface="Arial" charset="0"/>
-                <a:sym typeface="Cabin"/>
-              </a:rPr>
-              <a:t> class </a:t>
-            </a:r>
-            <a:r>
-              <a:rPr lang="en" sz="2300" u="none" strike="noStrike" cap="none" dirty="0" err="1">
-                <a:solidFill>
-                  <a:srgbClr val="00FDFF"/>
-                </a:solidFill>
-                <a:latin typeface="Arial" charset="0"/>
-                <a:ea typeface="Arial" charset="0"/>
-                <a:cs typeface="Arial" charset="0"/>
-                <a:sym typeface="Cabin"/>
-              </a:rPr>
-              <a:t>PartyAnimal</a:t>
-            </a:r>
-            <a:r>
-              <a:rPr lang="en" sz="2300" u="none" strike="noStrike" cap="none" dirty="0">
-                <a:solidFill>
-                  <a:srgbClr val="00FDFF"/>
-                </a:solidFill>
-                <a:latin typeface="Arial" charset="0"/>
-                <a:ea typeface="Arial" charset="0"/>
-                <a:cs typeface="Arial" charset="0"/>
-                <a:sym typeface="Cabin"/>
-              </a:rPr>
-              <a:t>:</a:t>
-            </a:r>
-          </a:p>
-          <a:p>
-            <a:pPr marL="0" marR="0" lvl="0" indent="0" algn="l" rtl="0">
-              <a:lnSpc>
-                <a:spcPct val="100000"/>
-              </a:lnSpc>
-              <a:spcBef>
-                <a:spcPts val="0"/>
-              </a:spcBef>
-              <a:spcAft>
-                <a:spcPts val="0"/>
-              </a:spcAft>
-              <a:buClr>
-                <a:srgbClr val="FFFB00"/>
-              </a:buClr>
-              <a:buSzPct val="25000"/>
-              <a:buFont typeface="Cabin"/>
-              <a:buNone/>
-            </a:pPr>
-            <a:r>
-              <a:rPr lang="en" sz="2300" u="none" strike="noStrike" cap="none" dirty="0">
-                <a:solidFill>
-                  <a:srgbClr val="FFFB00"/>
-                </a:solidFill>
-                <a:latin typeface="Arial" charset="0"/>
-                <a:ea typeface="Arial" charset="0"/>
-                <a:cs typeface="Arial" charset="0"/>
-                <a:sym typeface="Cabin"/>
-              </a:rPr>
-              <a:t>   x = 0</a:t>
-            </a:r>
-          </a:p>
-          <a:p>
-            <a:pPr marL="0" marR="0" lvl="0" indent="0" algn="l" rtl="0">
-              <a:lnSpc>
-                <a:spcPct val="100000"/>
-              </a:lnSpc>
-              <a:spcBef>
-                <a:spcPts val="0"/>
-              </a:spcBef>
-              <a:spcAft>
-                <a:spcPts val="0"/>
-              </a:spcAft>
-              <a:buClr>
-                <a:srgbClr val="FFFFFF"/>
-              </a:buClr>
-              <a:buFont typeface="Cabin"/>
-              <a:buNone/>
-            </a:pPr>
-            <a:endParaRPr sz="2300" u="none" strike="noStrike" cap="none" dirty="0">
-              <a:solidFill>
-                <a:srgbClr val="FFFFFF"/>
-              </a:solidFill>
-              <a:latin typeface="Arial" charset="0"/>
-              <a:ea typeface="Arial" charset="0"/>
-              <a:cs typeface="Arial" charset="0"/>
-              <a:sym typeface="Cabin"/>
-            </a:endParaRPr>
-          </a:p>
-          <a:p>
-            <a:pPr marL="0" marR="0" lvl="0" indent="0" algn="l" rtl="0">
-              <a:lnSpc>
-                <a:spcPct val="100000"/>
-              </a:lnSpc>
-              <a:spcBef>
-                <a:spcPts val="0"/>
-              </a:spcBef>
-              <a:spcAft>
-                <a:spcPts val="0"/>
-              </a:spcAft>
-              <a:buClr>
-                <a:srgbClr val="00F900"/>
-              </a:buClr>
-              <a:buSzPct val="25000"/>
-              <a:buFont typeface="Cabin"/>
-              <a:buNone/>
-            </a:pPr>
-            <a:r>
-              <a:rPr lang="en" sz="2300" u="none" strike="noStrike" cap="none" dirty="0">
-                <a:solidFill>
-                  <a:srgbClr val="00F900"/>
-                </a:solidFill>
-                <a:latin typeface="Arial" charset="0"/>
-                <a:ea typeface="Arial" charset="0"/>
-                <a:cs typeface="Arial" charset="0"/>
-                <a:sym typeface="Cabin"/>
-              </a:rPr>
-              <a:t>   </a:t>
-            </a:r>
-            <a:r>
-              <a:rPr lang="en" sz="2300" u="none" strike="noStrike" cap="none" dirty="0" err="1">
-                <a:solidFill>
-                  <a:srgbClr val="00F900"/>
-                </a:solidFill>
-                <a:latin typeface="Arial" charset="0"/>
-                <a:ea typeface="Arial" charset="0"/>
-                <a:cs typeface="Arial" charset="0"/>
-                <a:sym typeface="Cabin"/>
-              </a:rPr>
-              <a:t>def</a:t>
-            </a:r>
-            <a:r>
-              <a:rPr lang="en" sz="2300" u="none" strike="noStrike" cap="none" dirty="0">
-                <a:solidFill>
-                  <a:srgbClr val="00F900"/>
-                </a:solidFill>
-                <a:latin typeface="Arial" charset="0"/>
-                <a:ea typeface="Arial" charset="0"/>
-                <a:cs typeface="Arial" charset="0"/>
-                <a:sym typeface="Cabin"/>
-              </a:rPr>
-              <a:t> party(self) :</a:t>
-            </a:r>
-          </a:p>
-          <a:p>
-            <a:pPr marL="0" marR="0" lvl="0" indent="0" algn="l" rtl="0">
-              <a:lnSpc>
-                <a:spcPct val="100000"/>
-              </a:lnSpc>
-              <a:spcBef>
-                <a:spcPts val="0"/>
-              </a:spcBef>
-              <a:spcAft>
-                <a:spcPts val="0"/>
-              </a:spcAft>
-              <a:buClr>
-                <a:srgbClr val="00F900"/>
-              </a:buClr>
-              <a:buSzPct val="25000"/>
-              <a:buFont typeface="Cabin"/>
-              <a:buNone/>
-            </a:pPr>
-            <a:r>
-              <a:rPr lang="en" sz="2300" u="none" strike="noStrike" cap="none" dirty="0">
-                <a:solidFill>
-                  <a:srgbClr val="00F900"/>
-                </a:solidFill>
-                <a:latin typeface="Arial" charset="0"/>
-                <a:ea typeface="Arial" charset="0"/>
-                <a:cs typeface="Arial" charset="0"/>
-                <a:sym typeface="Cabin"/>
-              </a:rPr>
-              <a:t>     </a:t>
-            </a:r>
-            <a:r>
-              <a:rPr lang="en" sz="2300" u="none" strike="noStrike" cap="none" dirty="0" err="1">
-                <a:solidFill>
-                  <a:srgbClr val="00F900"/>
-                </a:solidFill>
-                <a:latin typeface="Arial" charset="0"/>
-                <a:ea typeface="Arial" charset="0"/>
-                <a:cs typeface="Arial" charset="0"/>
-                <a:sym typeface="Cabin"/>
-              </a:rPr>
-              <a:t>self.x</a:t>
-            </a:r>
-            <a:r>
-              <a:rPr lang="en" sz="2300" u="none" strike="noStrike" cap="none" dirty="0">
-                <a:solidFill>
-                  <a:srgbClr val="00F900"/>
-                </a:solidFill>
-                <a:latin typeface="Arial" charset="0"/>
-                <a:ea typeface="Arial" charset="0"/>
-                <a:cs typeface="Arial" charset="0"/>
-                <a:sym typeface="Cabin"/>
-              </a:rPr>
-              <a:t> = </a:t>
-            </a:r>
-            <a:r>
-              <a:rPr lang="en" sz="2300" u="none" strike="noStrike" cap="none" dirty="0" err="1">
-                <a:solidFill>
-                  <a:srgbClr val="00F900"/>
-                </a:solidFill>
-                <a:latin typeface="Arial" charset="0"/>
-                <a:ea typeface="Arial" charset="0"/>
-                <a:cs typeface="Arial" charset="0"/>
-                <a:sym typeface="Cabin"/>
-              </a:rPr>
-              <a:t>self.x</a:t>
-            </a:r>
-            <a:r>
-              <a:rPr lang="en" sz="2300" u="none" strike="noStrike" cap="none" dirty="0">
-                <a:solidFill>
-                  <a:srgbClr val="00F900"/>
-                </a:solidFill>
-                <a:latin typeface="Arial" charset="0"/>
-                <a:ea typeface="Arial" charset="0"/>
-                <a:cs typeface="Arial" charset="0"/>
-                <a:sym typeface="Cabin"/>
-              </a:rPr>
-              <a:t> + 1</a:t>
-            </a:r>
-          </a:p>
-          <a:p>
-            <a:pPr marL="0" marR="0" lvl="0" indent="0" algn="l" rtl="0">
-              <a:lnSpc>
-                <a:spcPct val="100000"/>
-              </a:lnSpc>
-              <a:spcBef>
-                <a:spcPts val="0"/>
-              </a:spcBef>
-              <a:spcAft>
-                <a:spcPts val="0"/>
-              </a:spcAft>
-              <a:buClr>
-                <a:srgbClr val="00F900"/>
-              </a:buClr>
-              <a:buSzPct val="25000"/>
-              <a:buFont typeface="Cabin"/>
-              <a:buNone/>
-            </a:pPr>
-            <a:r>
-              <a:rPr lang="en" sz="2300" u="none" strike="noStrike" cap="none" dirty="0">
-                <a:solidFill>
-                  <a:srgbClr val="00F900"/>
-                </a:solidFill>
-                <a:latin typeface="Arial" charset="0"/>
-                <a:ea typeface="Arial" charset="0"/>
-                <a:cs typeface="Arial" charset="0"/>
-                <a:sym typeface="Cabin"/>
-              </a:rPr>
-              <a:t>     </a:t>
-            </a:r>
-            <a:r>
-              <a:rPr lang="en" sz="2300" u="none" strike="noStrike" cap="none" dirty="0" smtClean="0">
-                <a:solidFill>
-                  <a:srgbClr val="00F900"/>
-                </a:solidFill>
-                <a:latin typeface="Arial" charset="0"/>
-                <a:ea typeface="Arial" charset="0"/>
-                <a:cs typeface="Arial" charset="0"/>
-                <a:sym typeface="Cabin"/>
-              </a:rPr>
-              <a:t>print</a:t>
-            </a:r>
-            <a:r>
-              <a:rPr lang="en-US" sz="2300" u="none" strike="noStrike" cap="none" dirty="0" smtClean="0">
-                <a:solidFill>
-                  <a:srgbClr val="00F900"/>
-                </a:solidFill>
-                <a:latin typeface="Arial" charset="0"/>
-                <a:ea typeface="Arial" charset="0"/>
-                <a:cs typeface="Arial" charset="0"/>
-                <a:sym typeface="Cabin"/>
-              </a:rPr>
-              <a:t>(</a:t>
-            </a:r>
-            <a:r>
-              <a:rPr lang="en" sz="2300" u="none" strike="noStrike" cap="none" dirty="0" smtClean="0">
-                <a:solidFill>
-                  <a:srgbClr val="00F900"/>
-                </a:solidFill>
-                <a:latin typeface="Arial" charset="0"/>
-                <a:ea typeface="Arial" charset="0"/>
-                <a:cs typeface="Arial" charset="0"/>
-                <a:sym typeface="Cabin"/>
-              </a:rPr>
-              <a:t>"So </a:t>
-            </a:r>
-            <a:r>
-              <a:rPr lang="en" sz="2300" u="none" strike="noStrike" cap="none" dirty="0">
-                <a:solidFill>
-                  <a:srgbClr val="00F900"/>
-                </a:solidFill>
-                <a:latin typeface="Arial" charset="0"/>
-                <a:ea typeface="Arial" charset="0"/>
-                <a:cs typeface="Arial" charset="0"/>
-                <a:sym typeface="Cabin"/>
-              </a:rPr>
-              <a:t>far",</a:t>
-            </a:r>
-            <a:r>
-              <a:rPr lang="en" sz="2300" u="none" strike="noStrike" cap="none" dirty="0" err="1" smtClean="0">
-                <a:solidFill>
-                  <a:srgbClr val="00F900"/>
-                </a:solidFill>
-                <a:latin typeface="Arial" charset="0"/>
-                <a:ea typeface="Arial" charset="0"/>
-                <a:cs typeface="Arial" charset="0"/>
-                <a:sym typeface="Cabin"/>
-              </a:rPr>
-              <a:t>self.x</a:t>
-            </a:r>
-            <a:r>
-              <a:rPr lang="en-US" sz="2300" u="none" strike="noStrike" cap="none" dirty="0" smtClean="0">
-                <a:solidFill>
-                  <a:srgbClr val="00F900"/>
-                </a:solidFill>
-                <a:latin typeface="Arial" charset="0"/>
-                <a:ea typeface="Arial" charset="0"/>
-                <a:cs typeface="Arial" charset="0"/>
-                <a:sym typeface="Cabin"/>
-              </a:rPr>
-              <a:t>)</a:t>
-            </a:r>
-            <a:endParaRPr lang="en" sz="2300" u="none" strike="noStrike" cap="none" dirty="0">
-              <a:solidFill>
-                <a:srgbClr val="00F900"/>
-              </a:solidFill>
-              <a:latin typeface="Arial" charset="0"/>
-              <a:ea typeface="Arial" charset="0"/>
-              <a:cs typeface="Arial" charset="0"/>
-              <a:sym typeface="Cabin"/>
-            </a:endParaRPr>
-          </a:p>
-          <a:p>
-            <a:pPr marL="0" marR="0" lvl="0" indent="0" algn="l" rtl="0">
-              <a:lnSpc>
-                <a:spcPct val="100000"/>
-              </a:lnSpc>
-              <a:spcBef>
-                <a:spcPts val="0"/>
-              </a:spcBef>
-              <a:spcAft>
-                <a:spcPts val="0"/>
-              </a:spcAft>
-              <a:buClr>
-                <a:srgbClr val="FFFFFF"/>
-              </a:buClr>
-              <a:buFont typeface="Cabin"/>
-              <a:buNone/>
-            </a:pPr>
-            <a:endParaRPr sz="2300" u="none" strike="noStrike" cap="none" dirty="0">
-              <a:solidFill>
-                <a:srgbClr val="FFFFFF"/>
-              </a:solidFill>
-              <a:latin typeface="Arial" charset="0"/>
-              <a:ea typeface="Arial" charset="0"/>
-              <a:cs typeface="Arial" charset="0"/>
-              <a:sym typeface="Cabin"/>
-            </a:endParaRPr>
-          </a:p>
-          <a:p>
-            <a:pPr marL="0" marR="0" lvl="0" indent="0" algn="l" rtl="0">
-              <a:lnSpc>
-                <a:spcPct val="100000"/>
-              </a:lnSpc>
-              <a:spcBef>
-                <a:spcPts val="0"/>
-              </a:spcBef>
-              <a:spcAft>
-                <a:spcPts val="0"/>
-              </a:spcAft>
-              <a:buClr>
-                <a:srgbClr val="FF9300"/>
-              </a:buClr>
-              <a:buSzPct val="25000"/>
-              <a:buFont typeface="Cabin"/>
-              <a:buNone/>
-            </a:pPr>
-            <a:r>
-              <a:rPr lang="en" sz="2300" u="none" strike="noStrike" cap="none" dirty="0">
-                <a:solidFill>
-                  <a:srgbClr val="FF9300"/>
-                </a:solidFill>
-                <a:latin typeface="Arial" charset="0"/>
-                <a:ea typeface="Arial" charset="0"/>
-                <a:cs typeface="Arial" charset="0"/>
-                <a:sym typeface="Cabin"/>
-              </a:rPr>
-              <a:t> an = </a:t>
-            </a:r>
-            <a:r>
-              <a:rPr lang="en" sz="2300" u="none" strike="noStrike" cap="none" dirty="0" err="1">
-                <a:solidFill>
-                  <a:srgbClr val="FF9300"/>
-                </a:solidFill>
-                <a:latin typeface="Arial" charset="0"/>
-                <a:ea typeface="Arial" charset="0"/>
-                <a:cs typeface="Arial" charset="0"/>
-                <a:sym typeface="Cabin"/>
-              </a:rPr>
-              <a:t>PartyAnimal</a:t>
-            </a:r>
-            <a:r>
-              <a:rPr lang="en" sz="2300" u="none" strike="noStrike" cap="none" dirty="0">
-                <a:solidFill>
-                  <a:srgbClr val="FF9300"/>
-                </a:solidFill>
-                <a:latin typeface="Arial" charset="0"/>
-                <a:ea typeface="Arial" charset="0"/>
-                <a:cs typeface="Arial" charset="0"/>
-                <a:sym typeface="Cabin"/>
-              </a:rPr>
-              <a:t>()</a:t>
-            </a:r>
-          </a:p>
-          <a:p>
-            <a:pPr marL="0" marR="0" lvl="0" indent="0" algn="l" rtl="0">
-              <a:lnSpc>
-                <a:spcPct val="100000"/>
-              </a:lnSpc>
-              <a:spcBef>
-                <a:spcPts val="0"/>
-              </a:spcBef>
-              <a:spcAft>
-                <a:spcPts val="0"/>
-              </a:spcAft>
-              <a:buClr>
-                <a:srgbClr val="FF40FF"/>
-              </a:buClr>
-              <a:buFont typeface="Cabin"/>
-              <a:buNone/>
-            </a:pPr>
-            <a:endParaRPr sz="2300" u="none" strike="noStrike" cap="none" dirty="0">
-              <a:solidFill>
-                <a:srgbClr val="FF9300"/>
-              </a:solidFill>
-              <a:latin typeface="Arial" charset="0"/>
-              <a:ea typeface="Arial" charset="0"/>
-              <a:cs typeface="Arial" charset="0"/>
-              <a:sym typeface="Cabin"/>
-            </a:endParaRPr>
-          </a:p>
-          <a:p>
-            <a:pPr marL="0" marR="0" lvl="0" indent="0" algn="l" rtl="0">
-              <a:lnSpc>
-                <a:spcPct val="100000"/>
-              </a:lnSpc>
-              <a:spcBef>
-                <a:spcPts val="0"/>
-              </a:spcBef>
-              <a:spcAft>
-                <a:spcPts val="0"/>
-              </a:spcAft>
-              <a:buClr>
-                <a:srgbClr val="FF40FF"/>
-              </a:buClr>
-              <a:buSzPct val="25000"/>
-              <a:buFont typeface="Cabin"/>
-              <a:buNone/>
-            </a:pPr>
-            <a:r>
-              <a:rPr lang="en" sz="2300" u="none" strike="noStrike" cap="none" dirty="0">
-                <a:solidFill>
-                  <a:srgbClr val="FF40FF"/>
-                </a:solidFill>
-                <a:latin typeface="Arial" charset="0"/>
-                <a:ea typeface="Arial" charset="0"/>
-                <a:cs typeface="Arial" charset="0"/>
-                <a:sym typeface="Cabin"/>
-              </a:rPr>
-              <a:t> </a:t>
-            </a:r>
-            <a:r>
-              <a:rPr lang="en" sz="2300" u="none" strike="noStrike" cap="none" dirty="0" err="1">
-                <a:solidFill>
-                  <a:srgbClr val="FF40FF"/>
-                </a:solidFill>
-                <a:latin typeface="Arial" charset="0"/>
-                <a:ea typeface="Arial" charset="0"/>
-                <a:cs typeface="Arial" charset="0"/>
-                <a:sym typeface="Cabin"/>
-              </a:rPr>
-              <a:t>an.party</a:t>
-            </a:r>
-            <a:r>
-              <a:rPr lang="en" sz="2300" u="none" strike="noStrike" cap="none" dirty="0">
-                <a:solidFill>
-                  <a:srgbClr val="FF40FF"/>
-                </a:solidFill>
-                <a:latin typeface="Arial" charset="0"/>
-                <a:ea typeface="Arial" charset="0"/>
-                <a:cs typeface="Arial" charset="0"/>
-                <a:sym typeface="Cabin"/>
-              </a:rPr>
-              <a:t>()</a:t>
-            </a:r>
-          </a:p>
-          <a:p>
-            <a:pPr marL="0" marR="0" lvl="0" indent="0" algn="l" rtl="0">
-              <a:lnSpc>
-                <a:spcPct val="100000"/>
-              </a:lnSpc>
-              <a:spcBef>
-                <a:spcPts val="0"/>
-              </a:spcBef>
-              <a:spcAft>
-                <a:spcPts val="0"/>
-              </a:spcAft>
-              <a:buClr>
-                <a:srgbClr val="FF40FF"/>
-              </a:buClr>
-              <a:buSzPct val="25000"/>
-              <a:buFont typeface="Cabin"/>
-              <a:buNone/>
-            </a:pPr>
-            <a:r>
-              <a:rPr lang="en" sz="2300" u="none" strike="noStrike" cap="none" dirty="0">
-                <a:solidFill>
-                  <a:srgbClr val="FF40FF"/>
-                </a:solidFill>
-                <a:latin typeface="Arial" charset="0"/>
-                <a:ea typeface="Arial" charset="0"/>
-                <a:cs typeface="Arial" charset="0"/>
-                <a:sym typeface="Cabin"/>
-              </a:rPr>
-              <a:t> </a:t>
-            </a:r>
-            <a:r>
-              <a:rPr lang="en" sz="2300" u="none" strike="noStrike" cap="none" dirty="0" err="1">
-                <a:solidFill>
-                  <a:srgbClr val="FF40FF"/>
-                </a:solidFill>
-                <a:latin typeface="Arial" charset="0"/>
-                <a:ea typeface="Arial" charset="0"/>
-                <a:cs typeface="Arial" charset="0"/>
-                <a:sym typeface="Cabin"/>
-              </a:rPr>
-              <a:t>an.party</a:t>
-            </a:r>
-            <a:r>
-              <a:rPr lang="en" sz="2300" u="none" strike="noStrike" cap="none" dirty="0">
-                <a:solidFill>
-                  <a:srgbClr val="FF40FF"/>
-                </a:solidFill>
-                <a:latin typeface="Arial" charset="0"/>
-                <a:ea typeface="Arial" charset="0"/>
-                <a:cs typeface="Arial" charset="0"/>
-                <a:sym typeface="Cabin"/>
-              </a:rPr>
-              <a:t>()</a:t>
-            </a:r>
-          </a:p>
-          <a:p>
-            <a:pPr marL="0" marR="0" lvl="0" indent="0" algn="l" rtl="0">
-              <a:lnSpc>
-                <a:spcPct val="100000"/>
-              </a:lnSpc>
-              <a:spcBef>
-                <a:spcPts val="0"/>
-              </a:spcBef>
-              <a:spcAft>
-                <a:spcPts val="0"/>
-              </a:spcAft>
-              <a:buClr>
-                <a:srgbClr val="FF40FF"/>
-              </a:buClr>
-              <a:buSzPct val="25000"/>
-              <a:buFont typeface="Cabin"/>
-              <a:buNone/>
-            </a:pPr>
-            <a:r>
-              <a:rPr lang="en" sz="2300" u="none" strike="noStrike" cap="none" dirty="0">
-                <a:solidFill>
-                  <a:srgbClr val="FF40FF"/>
-                </a:solidFill>
-                <a:latin typeface="Arial" charset="0"/>
-                <a:ea typeface="Arial" charset="0"/>
-                <a:cs typeface="Arial" charset="0"/>
-                <a:sym typeface="Cabin"/>
-              </a:rPr>
-              <a:t> </a:t>
-            </a:r>
-            <a:r>
-              <a:rPr lang="en" sz="2300" u="none" strike="noStrike" cap="none" dirty="0" err="1">
-                <a:solidFill>
-                  <a:srgbClr val="FF40FF"/>
-                </a:solidFill>
-                <a:latin typeface="Arial" charset="0"/>
-                <a:ea typeface="Arial" charset="0"/>
-                <a:cs typeface="Arial" charset="0"/>
-                <a:sym typeface="Cabin"/>
-              </a:rPr>
-              <a:t>an.party</a:t>
-            </a:r>
-            <a:r>
-              <a:rPr lang="en" sz="2300" u="none" strike="noStrike" cap="none" dirty="0">
-                <a:solidFill>
-                  <a:srgbClr val="FF40FF"/>
-                </a:solidFill>
-                <a:latin typeface="Arial" charset="0"/>
-                <a:ea typeface="Arial" charset="0"/>
-                <a:cs typeface="Arial" charset="0"/>
-                <a:sym typeface="Cabin"/>
-              </a:rPr>
-              <a:t>()</a:t>
-            </a:r>
-          </a:p>
-        </p:txBody>
-      </p:sp>
-      <p:sp>
-        <p:nvSpPr>
           <p:cNvPr id="356" name="Shape 356"/>
           <p:cNvSpPr/>
           <p:nvPr/>
@@ -17394,6 +16725,671 @@
               <a:cs typeface="Arial" charset="0"/>
               <a:sym typeface="Cabin"/>
             </a:endParaRPr>
+          </a:p>
+        </p:txBody>
+      </p:sp>
+      <p:sp>
+        <p:nvSpPr>
+          <p:cNvPr id="9" name="Shape 371"/>
+          <p:cNvSpPr/>
+          <p:nvPr/>
+        </p:nvSpPr>
+        <p:spPr>
+          <a:xfrm>
+            <a:off x="718450" y="480061"/>
+            <a:ext cx="3091200" cy="4184304"/>
+          </a:xfrm>
+          <a:prstGeom prst="rect">
+            <a:avLst/>
+          </a:prstGeom>
+          <a:noFill/>
+          <a:ln w="12700" cap="flat" cmpd="sng">
+            <a:solidFill>
+              <a:srgbClr val="FFFB00"/>
+            </a:solidFill>
+            <a:prstDash val="solid"/>
+            <a:miter/>
+            <a:headEnd type="none" w="med" len="med"/>
+            <a:tailEnd type="none" w="med" len="med"/>
+          </a:ln>
+        </p:spPr>
+        <p:txBody>
+          <a:bodyPr lIns="21050" tIns="21050" rIns="21050" bIns="21050" anchor="ctr" anchorCtr="0">
+            <a:noAutofit/>
+          </a:bodyPr>
+          <a:lstStyle/>
+          <a:p>
+            <a:pPr marL="0" marR="0" lvl="0" indent="0" algn="l" rtl="0">
+              <a:lnSpc>
+                <a:spcPct val="100000"/>
+              </a:lnSpc>
+              <a:spcBef>
+                <a:spcPts val="0"/>
+              </a:spcBef>
+              <a:spcAft>
+                <a:spcPts val="0"/>
+              </a:spcAft>
+              <a:buClr>
+                <a:srgbClr val="00FDFF"/>
+              </a:buClr>
+              <a:buSzPct val="25000"/>
+              <a:buFont typeface="Cabin"/>
+              <a:buNone/>
+            </a:pPr>
+            <a:r>
+              <a:rPr lang="en" sz="2300" u="none" strike="noStrike" cap="none" dirty="0">
+                <a:solidFill>
+                  <a:srgbClr val="00FDFF"/>
+                </a:solidFill>
+                <a:latin typeface="Arial" charset="0"/>
+                <a:ea typeface="Arial" charset="0"/>
+                <a:cs typeface="Arial" charset="0"/>
+                <a:sym typeface="Cabin"/>
+              </a:rPr>
+              <a:t> class </a:t>
+            </a:r>
+            <a:r>
+              <a:rPr lang="en" sz="2300" u="none" strike="noStrike" cap="none" dirty="0" err="1">
+                <a:solidFill>
+                  <a:srgbClr val="00FDFF"/>
+                </a:solidFill>
+                <a:latin typeface="Arial" charset="0"/>
+                <a:ea typeface="Arial" charset="0"/>
+                <a:cs typeface="Arial" charset="0"/>
+                <a:sym typeface="Cabin"/>
+              </a:rPr>
+              <a:t>PartyAnimal</a:t>
+            </a:r>
+            <a:r>
+              <a:rPr lang="en" sz="2300" u="none" strike="noStrike" cap="none" dirty="0">
+                <a:solidFill>
+                  <a:srgbClr val="00FDFF"/>
+                </a:solidFill>
+                <a:latin typeface="Arial" charset="0"/>
+                <a:ea typeface="Arial" charset="0"/>
+                <a:cs typeface="Arial" charset="0"/>
+                <a:sym typeface="Cabin"/>
+              </a:rPr>
+              <a:t>:</a:t>
+            </a:r>
+          </a:p>
+          <a:p>
+            <a:pPr marL="0" marR="0" lvl="0" indent="0" algn="l" rtl="0">
+              <a:lnSpc>
+                <a:spcPct val="100000"/>
+              </a:lnSpc>
+              <a:spcBef>
+                <a:spcPts val="0"/>
+              </a:spcBef>
+              <a:spcAft>
+                <a:spcPts val="0"/>
+              </a:spcAft>
+              <a:buClr>
+                <a:srgbClr val="FFFB00"/>
+              </a:buClr>
+              <a:buSzPct val="25000"/>
+              <a:buFont typeface="Cabin"/>
+              <a:buNone/>
+            </a:pPr>
+            <a:r>
+              <a:rPr lang="en" sz="2300" u="none" strike="noStrike" cap="none" dirty="0">
+                <a:solidFill>
+                  <a:srgbClr val="FFFB00"/>
+                </a:solidFill>
+                <a:latin typeface="Arial" charset="0"/>
+                <a:ea typeface="Arial" charset="0"/>
+                <a:cs typeface="Arial" charset="0"/>
+                <a:sym typeface="Cabin"/>
+              </a:rPr>
+              <a:t>   x = 0</a:t>
+            </a:r>
+          </a:p>
+          <a:p>
+            <a:pPr marL="0" marR="0" lvl="0" indent="0" algn="l" rtl="0">
+              <a:lnSpc>
+                <a:spcPct val="100000"/>
+              </a:lnSpc>
+              <a:spcBef>
+                <a:spcPts val="0"/>
+              </a:spcBef>
+              <a:spcAft>
+                <a:spcPts val="0"/>
+              </a:spcAft>
+              <a:buClr>
+                <a:srgbClr val="FFFFFF"/>
+              </a:buClr>
+              <a:buFont typeface="Cabin"/>
+              <a:buNone/>
+            </a:pPr>
+            <a:endParaRPr sz="2300" u="none" strike="noStrike" cap="none" dirty="0">
+              <a:solidFill>
+                <a:srgbClr val="FFFFFF"/>
+              </a:solidFill>
+              <a:latin typeface="Arial" charset="0"/>
+              <a:ea typeface="Arial" charset="0"/>
+              <a:cs typeface="Arial" charset="0"/>
+              <a:sym typeface="Cabin"/>
+            </a:endParaRPr>
+          </a:p>
+          <a:p>
+            <a:pPr marL="0" marR="0" lvl="0" indent="0" algn="l" rtl="0">
+              <a:lnSpc>
+                <a:spcPct val="100000"/>
+              </a:lnSpc>
+              <a:spcBef>
+                <a:spcPts val="0"/>
+              </a:spcBef>
+              <a:spcAft>
+                <a:spcPts val="0"/>
+              </a:spcAft>
+              <a:buClr>
+                <a:srgbClr val="00F900"/>
+              </a:buClr>
+              <a:buSzPct val="25000"/>
+              <a:buFont typeface="Cabin"/>
+              <a:buNone/>
+            </a:pPr>
+            <a:r>
+              <a:rPr lang="en" sz="2300" u="none" strike="noStrike" cap="none" dirty="0">
+                <a:solidFill>
+                  <a:srgbClr val="00F900"/>
+                </a:solidFill>
+                <a:latin typeface="Arial" charset="0"/>
+                <a:ea typeface="Arial" charset="0"/>
+                <a:cs typeface="Arial" charset="0"/>
+                <a:sym typeface="Cabin"/>
+              </a:rPr>
+              <a:t>   </a:t>
+            </a:r>
+            <a:r>
+              <a:rPr lang="en" sz="2300" u="none" strike="noStrike" cap="none" dirty="0" err="1">
+                <a:solidFill>
+                  <a:srgbClr val="00F900"/>
+                </a:solidFill>
+                <a:latin typeface="Arial" charset="0"/>
+                <a:ea typeface="Arial" charset="0"/>
+                <a:cs typeface="Arial" charset="0"/>
+                <a:sym typeface="Cabin"/>
+              </a:rPr>
+              <a:t>def</a:t>
+            </a:r>
+            <a:r>
+              <a:rPr lang="en" sz="2300" u="none" strike="noStrike" cap="none" dirty="0">
+                <a:solidFill>
+                  <a:srgbClr val="00F900"/>
+                </a:solidFill>
+                <a:latin typeface="Arial" charset="0"/>
+                <a:ea typeface="Arial" charset="0"/>
+                <a:cs typeface="Arial" charset="0"/>
+                <a:sym typeface="Cabin"/>
+              </a:rPr>
+              <a:t> party(self) :</a:t>
+            </a:r>
+          </a:p>
+          <a:p>
+            <a:pPr marL="0" marR="0" lvl="0" indent="0" algn="l" rtl="0">
+              <a:lnSpc>
+                <a:spcPct val="100000"/>
+              </a:lnSpc>
+              <a:spcBef>
+                <a:spcPts val="0"/>
+              </a:spcBef>
+              <a:spcAft>
+                <a:spcPts val="0"/>
+              </a:spcAft>
+              <a:buClr>
+                <a:srgbClr val="00F900"/>
+              </a:buClr>
+              <a:buSzPct val="25000"/>
+              <a:buFont typeface="Cabin"/>
+              <a:buNone/>
+            </a:pPr>
+            <a:r>
+              <a:rPr lang="en" sz="2300" u="none" strike="noStrike" cap="none" dirty="0">
+                <a:solidFill>
+                  <a:srgbClr val="00F900"/>
+                </a:solidFill>
+                <a:latin typeface="Arial" charset="0"/>
+                <a:ea typeface="Arial" charset="0"/>
+                <a:cs typeface="Arial" charset="0"/>
+                <a:sym typeface="Cabin"/>
+              </a:rPr>
+              <a:t>     </a:t>
+            </a:r>
+            <a:r>
+              <a:rPr lang="en" sz="2300" u="none" strike="noStrike" cap="none" dirty="0" err="1">
+                <a:solidFill>
+                  <a:srgbClr val="00F900"/>
+                </a:solidFill>
+                <a:latin typeface="Arial" charset="0"/>
+                <a:ea typeface="Arial" charset="0"/>
+                <a:cs typeface="Arial" charset="0"/>
+                <a:sym typeface="Cabin"/>
+              </a:rPr>
+              <a:t>self.x</a:t>
+            </a:r>
+            <a:r>
+              <a:rPr lang="en" sz="2300" u="none" strike="noStrike" cap="none" dirty="0">
+                <a:solidFill>
+                  <a:srgbClr val="00F900"/>
+                </a:solidFill>
+                <a:latin typeface="Arial" charset="0"/>
+                <a:ea typeface="Arial" charset="0"/>
+                <a:cs typeface="Arial" charset="0"/>
+                <a:sym typeface="Cabin"/>
+              </a:rPr>
+              <a:t> = </a:t>
+            </a:r>
+            <a:r>
+              <a:rPr lang="en" sz="2300" u="none" strike="noStrike" cap="none" dirty="0" err="1">
+                <a:solidFill>
+                  <a:srgbClr val="00F900"/>
+                </a:solidFill>
+                <a:latin typeface="Arial" charset="0"/>
+                <a:ea typeface="Arial" charset="0"/>
+                <a:cs typeface="Arial" charset="0"/>
+                <a:sym typeface="Cabin"/>
+              </a:rPr>
+              <a:t>self.x</a:t>
+            </a:r>
+            <a:r>
+              <a:rPr lang="en" sz="2300" u="none" strike="noStrike" cap="none" dirty="0">
+                <a:solidFill>
+                  <a:srgbClr val="00F900"/>
+                </a:solidFill>
+                <a:latin typeface="Arial" charset="0"/>
+                <a:ea typeface="Arial" charset="0"/>
+                <a:cs typeface="Arial" charset="0"/>
+                <a:sym typeface="Cabin"/>
+              </a:rPr>
+              <a:t> + 1</a:t>
+            </a:r>
+          </a:p>
+          <a:p>
+            <a:pPr marL="0" marR="0" lvl="0" indent="0" algn="l" rtl="0">
+              <a:lnSpc>
+                <a:spcPct val="100000"/>
+              </a:lnSpc>
+              <a:spcBef>
+                <a:spcPts val="0"/>
+              </a:spcBef>
+              <a:spcAft>
+                <a:spcPts val="0"/>
+              </a:spcAft>
+              <a:buClr>
+                <a:srgbClr val="00F900"/>
+              </a:buClr>
+              <a:buSzPct val="25000"/>
+              <a:buFont typeface="Cabin"/>
+              <a:buNone/>
+            </a:pPr>
+            <a:r>
+              <a:rPr lang="en" sz="2300" u="none" strike="noStrike" cap="none" dirty="0">
+                <a:solidFill>
+                  <a:srgbClr val="00F900"/>
+                </a:solidFill>
+                <a:latin typeface="Arial" charset="0"/>
+                <a:ea typeface="Arial" charset="0"/>
+                <a:cs typeface="Arial" charset="0"/>
+                <a:sym typeface="Cabin"/>
+              </a:rPr>
+              <a:t>     </a:t>
+            </a:r>
+            <a:r>
+              <a:rPr lang="en" sz="2300" u="none" strike="noStrike" cap="none" dirty="0" smtClean="0">
+                <a:solidFill>
+                  <a:srgbClr val="00F900"/>
+                </a:solidFill>
+                <a:latin typeface="Arial" charset="0"/>
+                <a:ea typeface="Arial" charset="0"/>
+                <a:cs typeface="Arial" charset="0"/>
+                <a:sym typeface="Cabin"/>
+              </a:rPr>
+              <a:t>print</a:t>
+            </a:r>
+            <a:r>
+              <a:rPr lang="en-US" sz="2300" u="none" strike="noStrike" cap="none" dirty="0" smtClean="0">
+                <a:solidFill>
+                  <a:srgbClr val="00F900"/>
+                </a:solidFill>
+                <a:latin typeface="Arial" charset="0"/>
+                <a:ea typeface="Arial" charset="0"/>
+                <a:cs typeface="Arial" charset="0"/>
+                <a:sym typeface="Cabin"/>
+              </a:rPr>
+              <a:t>(</a:t>
+            </a:r>
+            <a:r>
+              <a:rPr lang="en" sz="2300" u="none" strike="noStrike" cap="none" dirty="0" smtClean="0">
+                <a:solidFill>
+                  <a:srgbClr val="00F900"/>
+                </a:solidFill>
+                <a:latin typeface="Arial" charset="0"/>
+                <a:ea typeface="Arial" charset="0"/>
+                <a:cs typeface="Arial" charset="0"/>
+                <a:sym typeface="Cabin"/>
+              </a:rPr>
+              <a:t>"So </a:t>
+            </a:r>
+            <a:r>
+              <a:rPr lang="en" sz="2300" u="none" strike="noStrike" cap="none" dirty="0">
+                <a:solidFill>
+                  <a:srgbClr val="00F900"/>
+                </a:solidFill>
+                <a:latin typeface="Arial" charset="0"/>
+                <a:ea typeface="Arial" charset="0"/>
+                <a:cs typeface="Arial" charset="0"/>
+                <a:sym typeface="Cabin"/>
+              </a:rPr>
+              <a:t>far",</a:t>
+            </a:r>
+            <a:r>
+              <a:rPr lang="en" sz="2300" u="none" strike="noStrike" cap="none" dirty="0" err="1" smtClean="0">
+                <a:solidFill>
+                  <a:srgbClr val="00F900"/>
+                </a:solidFill>
+                <a:latin typeface="Arial" charset="0"/>
+                <a:ea typeface="Arial" charset="0"/>
+                <a:cs typeface="Arial" charset="0"/>
+                <a:sym typeface="Cabin"/>
+              </a:rPr>
+              <a:t>self.x</a:t>
+            </a:r>
+            <a:r>
+              <a:rPr lang="en-US" sz="2300" u="none" strike="noStrike" cap="none" dirty="0" smtClean="0">
+                <a:solidFill>
+                  <a:srgbClr val="00F900"/>
+                </a:solidFill>
+                <a:latin typeface="Arial" charset="0"/>
+                <a:ea typeface="Arial" charset="0"/>
+                <a:cs typeface="Arial" charset="0"/>
+                <a:sym typeface="Cabin"/>
+              </a:rPr>
+              <a:t>)</a:t>
+            </a:r>
+            <a:endParaRPr lang="en" sz="2300" u="none" strike="noStrike" cap="none" dirty="0">
+              <a:solidFill>
+                <a:srgbClr val="00F900"/>
+              </a:solidFill>
+              <a:latin typeface="Arial" charset="0"/>
+              <a:ea typeface="Arial" charset="0"/>
+              <a:cs typeface="Arial" charset="0"/>
+              <a:sym typeface="Cabin"/>
+            </a:endParaRPr>
+          </a:p>
+          <a:p>
+            <a:pPr marL="0" marR="0" lvl="0" indent="0" algn="l" rtl="0">
+              <a:lnSpc>
+                <a:spcPct val="100000"/>
+              </a:lnSpc>
+              <a:spcBef>
+                <a:spcPts val="0"/>
+              </a:spcBef>
+              <a:spcAft>
+                <a:spcPts val="0"/>
+              </a:spcAft>
+              <a:buClr>
+                <a:srgbClr val="FFFFFF"/>
+              </a:buClr>
+              <a:buFont typeface="Cabin"/>
+              <a:buNone/>
+            </a:pPr>
+            <a:endParaRPr sz="2300" u="none" strike="noStrike" cap="none" dirty="0">
+              <a:solidFill>
+                <a:srgbClr val="FFFFFF"/>
+              </a:solidFill>
+              <a:latin typeface="Arial" charset="0"/>
+              <a:ea typeface="Arial" charset="0"/>
+              <a:cs typeface="Arial" charset="0"/>
+              <a:sym typeface="Cabin"/>
+            </a:endParaRPr>
+          </a:p>
+          <a:p>
+            <a:pPr marL="0" marR="0" lvl="0" indent="0" algn="l" rtl="0">
+              <a:lnSpc>
+                <a:spcPct val="100000"/>
+              </a:lnSpc>
+              <a:spcBef>
+                <a:spcPts val="0"/>
+              </a:spcBef>
+              <a:spcAft>
+                <a:spcPts val="0"/>
+              </a:spcAft>
+              <a:buClr>
+                <a:srgbClr val="FF9300"/>
+              </a:buClr>
+              <a:buSzPct val="25000"/>
+              <a:buFont typeface="Cabin"/>
+              <a:buNone/>
+            </a:pPr>
+            <a:r>
+              <a:rPr lang="en" sz="2300" u="none" strike="noStrike" cap="none" dirty="0">
+                <a:solidFill>
+                  <a:srgbClr val="FF9300"/>
+                </a:solidFill>
+                <a:latin typeface="Arial" charset="0"/>
+                <a:ea typeface="Arial" charset="0"/>
+                <a:cs typeface="Arial" charset="0"/>
+                <a:sym typeface="Cabin"/>
+              </a:rPr>
+              <a:t> an = </a:t>
+            </a:r>
+            <a:r>
+              <a:rPr lang="en" sz="2300" u="none" strike="noStrike" cap="none" dirty="0" err="1">
+                <a:solidFill>
+                  <a:srgbClr val="FF9300"/>
+                </a:solidFill>
+                <a:latin typeface="Arial" charset="0"/>
+                <a:ea typeface="Arial" charset="0"/>
+                <a:cs typeface="Arial" charset="0"/>
+                <a:sym typeface="Cabin"/>
+              </a:rPr>
+              <a:t>PartyAnimal</a:t>
+            </a:r>
+            <a:r>
+              <a:rPr lang="en" sz="2300" u="none" strike="noStrike" cap="none" dirty="0">
+                <a:solidFill>
+                  <a:srgbClr val="FF9300"/>
+                </a:solidFill>
+                <a:latin typeface="Arial" charset="0"/>
+                <a:ea typeface="Arial" charset="0"/>
+                <a:cs typeface="Arial" charset="0"/>
+                <a:sym typeface="Cabin"/>
+              </a:rPr>
+              <a:t>()</a:t>
+            </a:r>
+          </a:p>
+          <a:p>
+            <a:pPr marL="0" marR="0" lvl="0" indent="0" algn="l" rtl="0">
+              <a:lnSpc>
+                <a:spcPct val="100000"/>
+              </a:lnSpc>
+              <a:spcBef>
+                <a:spcPts val="0"/>
+              </a:spcBef>
+              <a:spcAft>
+                <a:spcPts val="0"/>
+              </a:spcAft>
+              <a:buClr>
+                <a:srgbClr val="FF40FF"/>
+              </a:buClr>
+              <a:buFont typeface="Cabin"/>
+              <a:buNone/>
+            </a:pPr>
+            <a:endParaRPr sz="2300" u="none" strike="noStrike" cap="none" dirty="0">
+              <a:solidFill>
+                <a:srgbClr val="FF9300"/>
+              </a:solidFill>
+              <a:latin typeface="Arial" charset="0"/>
+              <a:ea typeface="Arial" charset="0"/>
+              <a:cs typeface="Arial" charset="0"/>
+              <a:sym typeface="Cabin"/>
+            </a:endParaRPr>
+          </a:p>
+          <a:p>
+            <a:pPr marL="0" marR="0" lvl="0" indent="0" algn="l" rtl="0">
+              <a:lnSpc>
+                <a:spcPct val="100000"/>
+              </a:lnSpc>
+              <a:spcBef>
+                <a:spcPts val="0"/>
+              </a:spcBef>
+              <a:spcAft>
+                <a:spcPts val="0"/>
+              </a:spcAft>
+              <a:buClr>
+                <a:srgbClr val="FF40FF"/>
+              </a:buClr>
+              <a:buSzPct val="25000"/>
+              <a:buFont typeface="Cabin"/>
+              <a:buNone/>
+            </a:pPr>
+            <a:r>
+              <a:rPr lang="en" sz="2300" u="none" strike="noStrike" cap="none" dirty="0">
+                <a:solidFill>
+                  <a:srgbClr val="FF40FF"/>
+                </a:solidFill>
+                <a:latin typeface="Arial" charset="0"/>
+                <a:ea typeface="Arial" charset="0"/>
+                <a:cs typeface="Arial" charset="0"/>
+                <a:sym typeface="Cabin"/>
+              </a:rPr>
+              <a:t> </a:t>
+            </a:r>
+            <a:r>
+              <a:rPr lang="en" sz="2300" u="none" strike="noStrike" cap="none" dirty="0" err="1">
+                <a:solidFill>
+                  <a:srgbClr val="FF40FF"/>
+                </a:solidFill>
+                <a:latin typeface="Arial" charset="0"/>
+                <a:ea typeface="Arial" charset="0"/>
+                <a:cs typeface="Arial" charset="0"/>
+                <a:sym typeface="Cabin"/>
+              </a:rPr>
+              <a:t>an.party</a:t>
+            </a:r>
+            <a:r>
+              <a:rPr lang="en" sz="2300" u="none" strike="noStrike" cap="none" dirty="0">
+                <a:solidFill>
+                  <a:srgbClr val="FF40FF"/>
+                </a:solidFill>
+                <a:latin typeface="Arial" charset="0"/>
+                <a:ea typeface="Arial" charset="0"/>
+                <a:cs typeface="Arial" charset="0"/>
+                <a:sym typeface="Cabin"/>
+              </a:rPr>
+              <a:t>()</a:t>
+            </a:r>
+          </a:p>
+          <a:p>
+            <a:pPr marL="0" marR="0" lvl="0" indent="0" algn="l" rtl="0">
+              <a:lnSpc>
+                <a:spcPct val="100000"/>
+              </a:lnSpc>
+              <a:spcBef>
+                <a:spcPts val="0"/>
+              </a:spcBef>
+              <a:spcAft>
+                <a:spcPts val="0"/>
+              </a:spcAft>
+              <a:buClr>
+                <a:srgbClr val="FF40FF"/>
+              </a:buClr>
+              <a:buSzPct val="25000"/>
+              <a:buFont typeface="Cabin"/>
+              <a:buNone/>
+            </a:pPr>
+            <a:r>
+              <a:rPr lang="en" sz="2300" u="none" strike="noStrike" cap="none" dirty="0">
+                <a:solidFill>
+                  <a:srgbClr val="FF40FF"/>
+                </a:solidFill>
+                <a:latin typeface="Arial" charset="0"/>
+                <a:ea typeface="Arial" charset="0"/>
+                <a:cs typeface="Arial" charset="0"/>
+                <a:sym typeface="Cabin"/>
+              </a:rPr>
+              <a:t> </a:t>
+            </a:r>
+            <a:r>
+              <a:rPr lang="en" sz="2300" u="none" strike="noStrike" cap="none" dirty="0" err="1">
+                <a:solidFill>
+                  <a:srgbClr val="FF40FF"/>
+                </a:solidFill>
+                <a:latin typeface="Arial" charset="0"/>
+                <a:ea typeface="Arial" charset="0"/>
+                <a:cs typeface="Arial" charset="0"/>
+                <a:sym typeface="Cabin"/>
+              </a:rPr>
+              <a:t>an.party</a:t>
+            </a:r>
+            <a:r>
+              <a:rPr lang="en" sz="2300" u="none" strike="noStrike" cap="none" dirty="0">
+                <a:solidFill>
+                  <a:srgbClr val="FF40FF"/>
+                </a:solidFill>
+                <a:latin typeface="Arial" charset="0"/>
+                <a:ea typeface="Arial" charset="0"/>
+                <a:cs typeface="Arial" charset="0"/>
+                <a:sym typeface="Cabin"/>
+              </a:rPr>
+              <a:t>()</a:t>
+            </a:r>
+          </a:p>
+          <a:p>
+            <a:pPr marL="0" marR="0" lvl="0" indent="0" algn="l" rtl="0">
+              <a:lnSpc>
+                <a:spcPct val="100000"/>
+              </a:lnSpc>
+              <a:spcBef>
+                <a:spcPts val="0"/>
+              </a:spcBef>
+              <a:spcAft>
+                <a:spcPts val="0"/>
+              </a:spcAft>
+              <a:buClr>
+                <a:srgbClr val="FF40FF"/>
+              </a:buClr>
+              <a:buSzPct val="25000"/>
+              <a:buFont typeface="Cabin"/>
+              <a:buNone/>
+            </a:pPr>
+            <a:r>
+              <a:rPr lang="en" sz="2300" u="none" strike="noStrike" cap="none" dirty="0">
+                <a:solidFill>
+                  <a:srgbClr val="FF40FF"/>
+                </a:solidFill>
+                <a:latin typeface="Arial" charset="0"/>
+                <a:ea typeface="Arial" charset="0"/>
+                <a:cs typeface="Arial" charset="0"/>
+                <a:sym typeface="Cabin"/>
+              </a:rPr>
+              <a:t> </a:t>
+            </a:r>
+            <a:r>
+              <a:rPr lang="en" sz="2300" u="none" strike="noStrike" cap="none" dirty="0" err="1">
+                <a:solidFill>
+                  <a:srgbClr val="FF40FF"/>
+                </a:solidFill>
+                <a:latin typeface="Arial" charset="0"/>
+                <a:ea typeface="Arial" charset="0"/>
+                <a:cs typeface="Arial" charset="0"/>
+                <a:sym typeface="Cabin"/>
+              </a:rPr>
+              <a:t>an.party</a:t>
+            </a:r>
+            <a:r>
+              <a:rPr lang="en" sz="2300" u="none" strike="noStrike" cap="none" dirty="0">
+                <a:solidFill>
+                  <a:srgbClr val="FF40FF"/>
+                </a:solidFill>
+                <a:latin typeface="Arial" charset="0"/>
+                <a:ea typeface="Arial" charset="0"/>
+                <a:cs typeface="Arial" charset="0"/>
+                <a:sym typeface="Cabin"/>
+              </a:rPr>
+              <a:t>()</a:t>
+            </a:r>
           </a:p>
         </p:txBody>
       </p:sp>
@@ -26162,7 +26158,7 @@
               <a:buNone/>
             </a:pPr>
             <a:r>
-              <a:rPr lang="en" sz="2000" u="none" strike="noStrike" cap="none">
+              <a:rPr lang="en" sz="2000" u="sng" strike="noStrike" cap="none" dirty="0" smtClean="0">
                 <a:solidFill>
                   <a:srgbClr val="FFFFFF"/>
                 </a:solidFill>
@@ -26171,29 +26167,10 @@
                 <a:cs typeface="Arial" charset="0"/>
                 <a:sym typeface="Cabin"/>
               </a:rPr>
-              <a:t>http://www.python.org/doc/2.5.2/tut/node11.html</a:t>
-            </a:r>
-          </a:p>
-          <a:p>
-            <a:pPr marL="0" marR="0" lvl="0" indent="0" algn="ctr" rtl="0">
-              <a:lnSpc>
-                <a:spcPct val="100000"/>
-              </a:lnSpc>
-              <a:spcBef>
-                <a:spcPts val="0"/>
-              </a:spcBef>
-              <a:spcAft>
-                <a:spcPts val="0"/>
-              </a:spcAft>
-              <a:buClr>
-                <a:srgbClr val="FFFFFF"/>
-              </a:buClr>
-              <a:buSzPct val="25000"/>
-              <a:buFont typeface="Cabin"/>
-              <a:buNone/>
-            </a:pPr>
-            <a:r>
-              <a:rPr lang="en" sz="2000" u="sng" strike="noStrike" cap="none">
+              <a:t>http</a:t>
+            </a:r>
+            <a:r>
+              <a:rPr lang="en" sz="2000" u="sng" strike="noStrike" cap="none" dirty="0">
                 <a:solidFill>
                   <a:srgbClr val="FFFFFF"/>
                 </a:solidFill>
@@ -26202,8 +26179,77 @@
                 <a:cs typeface="Arial" charset="0"/>
                 <a:sym typeface="Cabin"/>
               </a:rPr>
-              <a:t>http://www.ibiblio.org/g2swap/byteofpython/read/inheritance.html</a:t>
-            </a:r>
+              <a:t>://</a:t>
+            </a:r>
+            <a:r>
+              <a:rPr lang="en" sz="2000" u="sng" strike="noStrike" cap="none" dirty="0" err="1">
+                <a:solidFill>
+                  <a:srgbClr val="FFFFFF"/>
+                </a:solidFill>
+                <a:latin typeface="Arial" charset="0"/>
+                <a:ea typeface="Arial" charset="0"/>
+                <a:cs typeface="Arial" charset="0"/>
+                <a:sym typeface="Cabin"/>
+              </a:rPr>
+              <a:t>www.ibiblio.org</a:t>
+            </a:r>
+            <a:r>
+              <a:rPr lang="en" sz="2000" u="sng" strike="noStrike" cap="none" dirty="0">
+                <a:solidFill>
+                  <a:srgbClr val="FFFFFF"/>
+                </a:solidFill>
+                <a:latin typeface="Arial" charset="0"/>
+                <a:ea typeface="Arial" charset="0"/>
+                <a:cs typeface="Arial" charset="0"/>
+                <a:sym typeface="Cabin"/>
+              </a:rPr>
+              <a:t>/g2swap/</a:t>
+            </a:r>
+            <a:r>
+              <a:rPr lang="en" sz="2000" u="sng" strike="noStrike" cap="none" dirty="0" err="1">
+                <a:solidFill>
+                  <a:srgbClr val="FFFFFF"/>
+                </a:solidFill>
+                <a:latin typeface="Arial" charset="0"/>
+                <a:ea typeface="Arial" charset="0"/>
+                <a:cs typeface="Arial" charset="0"/>
+                <a:sym typeface="Cabin"/>
+              </a:rPr>
+              <a:t>byteofpython</a:t>
+            </a:r>
+            <a:r>
+              <a:rPr lang="en" sz="2000" u="sng" strike="noStrike" cap="none" dirty="0">
+                <a:solidFill>
+                  <a:srgbClr val="FFFFFF"/>
+                </a:solidFill>
+                <a:latin typeface="Arial" charset="0"/>
+                <a:ea typeface="Arial" charset="0"/>
+                <a:cs typeface="Arial" charset="0"/>
+                <a:sym typeface="Cabin"/>
+              </a:rPr>
+              <a:t>/read/</a:t>
+            </a:r>
+            <a:r>
+              <a:rPr lang="en" sz="2000" u="sng" strike="noStrike" cap="none" dirty="0" err="1">
+                <a:solidFill>
+                  <a:srgbClr val="FFFFFF"/>
+                </a:solidFill>
+                <a:latin typeface="Arial" charset="0"/>
+                <a:ea typeface="Arial" charset="0"/>
+                <a:cs typeface="Arial" charset="0"/>
+                <a:sym typeface="Cabin"/>
+              </a:rPr>
+              <a:t>inheritance.html</a:t>
+            </a:r>
+            <a:endParaRPr lang="en" sz="2000" u="sng" strike="noStrike" cap="none" dirty="0">
+              <a:solidFill>
+                <a:srgbClr val="FFFFFF"/>
+              </a:solidFill>
+              <a:latin typeface="Arial" charset="0"/>
+              <a:ea typeface="Arial" charset="0"/>
+              <a:cs typeface="Arial" charset="0"/>
+              <a:sym typeface="Cabin"/>
+            </a:endParaRPr>
           </a:p>
         </p:txBody>
       </p:sp>

--- a/lectures3/Pythonlearn-14-Objects.pptx
+++ b/lectures3/Pythonlearn-14-Objects.pptx
@@ -577,7 +577,19 @@
               </a:spcBef>
               <a:buNone/>
             </a:pPr>
-            <a:endParaRPr/>
+            <a:r>
+              <a:rPr lang="en-US" dirty="0" smtClean="0">
+                <a:solidFill>
+                  <a:schemeClr val="dk2"/>
+                </a:solidFill>
+              </a:rPr>
+              <a:t>Note from Chuck.  If you are using these materials, you can remove the UM logo and replace it with your own, but please retain the CC-BY logo on the first page as well as the acknowledgement page(s) at the end.</a:t>
+            </a:r>
+            <a:endParaRPr lang="en-US" dirty="0">
+              <a:solidFill>
+                <a:schemeClr val="dk2"/>
+              </a:solidFill>
+            </a:endParaRPr>
           </a:p>
         </p:txBody>
       </p:sp>
@@ -17843,7 +17855,7 @@
               <a:buNone/>
             </a:pPr>
             <a:r>
-              <a:rPr lang="en" sz="4700" u="none" strike="noStrike" cap="none">
+              <a:rPr lang="en" sz="4700" u="none" strike="noStrike" cap="none" dirty="0">
                 <a:solidFill>
                   <a:srgbClr val="FFD966"/>
                 </a:solidFill>
@@ -17855,7 +17867,7 @@
               <a:t>Object Life</a:t>
             </a:r>
             <a:r>
-              <a:rPr lang="en">
+              <a:rPr lang="en" sz="4700" dirty="0">
                 <a:solidFill>
                   <a:srgbClr val="FFD966"/>
                 </a:solidFill>
@@ -17866,7 +17878,7 @@
               <a:t>c</a:t>
             </a:r>
             <a:r>
-              <a:rPr lang="en" sz="4700" u="none" strike="noStrike" cap="none">
+              <a:rPr lang="en" sz="4700" u="none" strike="noStrike" cap="none" dirty="0">
                 <a:solidFill>
                   <a:srgbClr val="FFD966"/>
                 </a:solidFill>
@@ -18005,7 +18017,7 @@
               <a:buNone/>
             </a:pPr>
             <a:r>
-              <a:rPr lang="en" sz="4700" u="none" strike="noStrike" cap="none">
+              <a:rPr lang="en" sz="4700" u="none" strike="noStrike" cap="none" dirty="0">
                 <a:solidFill>
                   <a:srgbClr val="FFD966"/>
                 </a:solidFill>
@@ -18014,7 +18026,7 @@
               <a:t>Object Life</a:t>
             </a:r>
             <a:r>
-              <a:rPr lang="en">
+              <a:rPr lang="en" sz="4800" dirty="0">
                 <a:solidFill>
                   <a:srgbClr val="FFD966"/>
                 </a:solidFill>
@@ -18022,7 +18034,7 @@
               <a:t>c</a:t>
             </a:r>
             <a:r>
-              <a:rPr lang="en" sz="4700" u="none" strike="noStrike" cap="none">
+              <a:rPr lang="en" sz="4700" u="none" strike="noStrike" cap="none" dirty="0">
                 <a:solidFill>
                   <a:srgbClr val="FFD966"/>
                 </a:solidFill>

--- a/lectures3/Pythonlearn-14-Objects.pptx
+++ b/lectures3/Pythonlearn-14-Objects.pptx
@@ -22,9 +22,9 @@
     <p:sldId id="269" r:id="rId13"/>
     <p:sldId id="270" r:id="rId14"/>
     <p:sldId id="271" r:id="rId15"/>
-    <p:sldId id="272" r:id="rId16"/>
-    <p:sldId id="273" r:id="rId17"/>
-    <p:sldId id="274" r:id="rId18"/>
+    <p:sldId id="273" r:id="rId16"/>
+    <p:sldId id="274" r:id="rId17"/>
+    <p:sldId id="308" r:id="rId18"/>
     <p:sldId id="275" r:id="rId19"/>
     <p:sldId id="276" r:id="rId20"/>
     <p:sldId id="305" r:id="rId21"/>
@@ -1202,116 +1202,6 @@
   <p:cSld>
     <p:spTree>
       <p:nvGrpSpPr>
-        <p:cNvPr id="1" name="Shape 303"/>
-        <p:cNvGrpSpPr/>
-        <p:nvPr/>
-      </p:nvGrpSpPr>
-      <p:grpSpPr>
-        <a:xfrm>
-          <a:off x="0" y="0"/>
-          <a:ext cx="0" cy="0"/>
-          <a:chOff x="0" y="0"/>
-          <a:chExt cx="0" cy="0"/>
-        </a:xfrm>
-      </p:grpSpPr>
-      <p:sp>
-        <p:nvSpPr>
-          <p:cNvPr id="304" name="Shape 304"/>
-          <p:cNvSpPr txBox="1">
-            <a:spLocks noGrp="1"/>
-          </p:cNvSpPr>
-          <p:nvPr>
-            <p:ph type="body" idx="1"/>
-          </p:nvPr>
-        </p:nvSpPr>
-        <p:spPr>
-          <a:xfrm>
-            <a:off x="914400" y="4343400"/>
-            <a:ext cx="5029199" cy="4114800"/>
-          </a:xfrm>
-          <a:prstGeom prst="rect">
-            <a:avLst/>
-          </a:prstGeom>
-          <a:noFill/>
-          <a:ln>
-            <a:noFill/>
-          </a:ln>
-        </p:spPr>
-        <p:txBody>
-          <a:bodyPr lIns="91425" tIns="91425" rIns="91425" bIns="91425" anchor="ctr" anchorCtr="0">
-            <a:noAutofit/>
-          </a:bodyPr>
-          <a:lstStyle/>
-          <a:p>
-            <a:pPr lvl="0">
-              <a:spcBef>
-                <a:spcPts val="0"/>
-              </a:spcBef>
-              <a:buNone/>
-            </a:pPr>
-            <a:endParaRPr/>
-          </a:p>
-        </p:txBody>
-      </p:sp>
-      <p:sp>
-        <p:nvSpPr>
-          <p:cNvPr id="305" name="Shape 305"/>
-          <p:cNvSpPr>
-            <a:spLocks noGrp="1" noRot="1" noChangeAspect="1"/>
-          </p:cNvSpPr>
-          <p:nvPr>
-            <p:ph type="sldImg" idx="2"/>
-          </p:nvPr>
-        </p:nvSpPr>
-        <p:spPr>
-          <a:xfrm>
-            <a:off x="381000" y="685800"/>
-            <a:ext cx="6096000" cy="3429000"/>
-          </a:xfrm>
-          <a:custGeom>
-            <a:avLst/>
-            <a:gdLst/>
-            <a:ahLst/>
-            <a:cxnLst/>
-            <a:rect l="0" t="0" r="0" b="0"/>
-            <a:pathLst>
-              <a:path w="120000" h="120000" extrusionOk="0">
-                <a:moveTo>
-                  <a:pt x="0" y="0"/>
-                </a:moveTo>
-                <a:lnTo>
-                  <a:pt x="120000" y="0"/>
-                </a:lnTo>
-                <a:lnTo>
-                  <a:pt x="120000" y="120000"/>
-                </a:lnTo>
-                <a:lnTo>
-                  <a:pt x="0" y="120000"/>
-                </a:lnTo>
-                <a:close/>
-              </a:path>
-            </a:pathLst>
-          </a:custGeom>
-        </p:spPr>
-      </p:sp>
-    </p:spTree>
-    <p:extLst>
-      <p:ext uri="{BB962C8B-B14F-4D97-AF65-F5344CB8AC3E}">
-        <p14:creationId xmlns:p14="http://schemas.microsoft.com/office/powerpoint/2010/main" val="1591611930"/>
-      </p:ext>
-    </p:extLst>
-  </p:cSld>
-  <p:clrMapOvr>
-    <a:masterClrMapping/>
-  </p:clrMapOvr>
-</p:notes>
-</file>
-
-<file path=ppt/notesSlides/notesSlide16.xml><?xml version="1.0" encoding="utf-8"?>
-<p:notes xmlns:a="http://schemas.openxmlformats.org/drawingml/2006/main" xmlns:r="http://schemas.openxmlformats.org/officeDocument/2006/relationships" xmlns:p="http://schemas.openxmlformats.org/presentationml/2006/main" showMasterSp="0" showMasterPhAnim="0">
-  <p:cSld>
-    <p:spTree>
-      <p:nvGrpSpPr>
         <p:cNvPr id="1" name="Shape 312"/>
         <p:cNvGrpSpPr/>
         <p:nvPr/>
@@ -1417,7 +1307,7 @@
 </p:notes>
 </file>
 
-<file path=ppt/notesSlides/notesSlide17.xml><?xml version="1.0" encoding="utf-8"?>
+<file path=ppt/notesSlides/notesSlide16.xml><?xml version="1.0" encoding="utf-8"?>
 <p:notes xmlns:a="http://schemas.openxmlformats.org/drawingml/2006/main" xmlns:r="http://schemas.openxmlformats.org/officeDocument/2006/relationships" xmlns:p="http://schemas.openxmlformats.org/presentationml/2006/main" showMasterSp="0" showMasterPhAnim="0">
   <p:cSld>
     <p:spTree>
@@ -1527,7 +1417,7 @@
 </p:notes>
 </file>
 
-<file path=ppt/notesSlides/notesSlide18.xml><?xml version="1.0" encoding="utf-8"?>
+<file path=ppt/notesSlides/notesSlide17.xml><?xml version="1.0" encoding="utf-8"?>
 <p:notes xmlns:a="http://schemas.openxmlformats.org/drawingml/2006/main" xmlns:r="http://schemas.openxmlformats.org/officeDocument/2006/relationships" xmlns:p="http://schemas.openxmlformats.org/presentationml/2006/main" showMasterSp="0" showMasterPhAnim="0">
   <p:cSld>
     <p:spTree>
@@ -1637,7 +1527,7 @@
 </p:notes>
 </file>
 
-<file path=ppt/notesSlides/notesSlide19.xml><?xml version="1.0" encoding="utf-8"?>
+<file path=ppt/notesSlides/notesSlide18.xml><?xml version="1.0" encoding="utf-8"?>
 <p:notes xmlns:a="http://schemas.openxmlformats.org/drawingml/2006/main" xmlns:r="http://schemas.openxmlformats.org/officeDocument/2006/relationships" xmlns:p="http://schemas.openxmlformats.org/presentationml/2006/main" showMasterSp="0" showMasterPhAnim="0">
   <p:cSld>
     <p:spTree>
@@ -1738,6 +1628,116 @@
     <p:extLst>
       <p:ext uri="{BB962C8B-B14F-4D97-AF65-F5344CB8AC3E}">
         <p14:creationId xmlns:p14="http://schemas.microsoft.com/office/powerpoint/2010/main" val="1429012353"/>
+      </p:ext>
+    </p:extLst>
+  </p:cSld>
+  <p:clrMapOvr>
+    <a:masterClrMapping/>
+  </p:clrMapOvr>
+</p:notes>
+</file>
+
+<file path=ppt/notesSlides/notesSlide19.xml><?xml version="1.0" encoding="utf-8"?>
+<p:notes xmlns:a="http://schemas.openxmlformats.org/drawingml/2006/main" xmlns:r="http://schemas.openxmlformats.org/officeDocument/2006/relationships" xmlns:p="http://schemas.openxmlformats.org/presentationml/2006/main" showMasterSp="0" showMasterPhAnim="0">
+  <p:cSld>
+    <p:spTree>
+      <p:nvGrpSpPr>
+        <p:cNvPr id="1" name="Shape 367"/>
+        <p:cNvGrpSpPr/>
+        <p:nvPr/>
+      </p:nvGrpSpPr>
+      <p:grpSpPr>
+        <a:xfrm>
+          <a:off x="0" y="0"/>
+          <a:ext cx="0" cy="0"/>
+          <a:chOff x="0" y="0"/>
+          <a:chExt cx="0" cy="0"/>
+        </a:xfrm>
+      </p:grpSpPr>
+      <p:sp>
+        <p:nvSpPr>
+          <p:cNvPr id="368" name="Shape 368"/>
+          <p:cNvSpPr txBox="1">
+            <a:spLocks noGrp="1"/>
+          </p:cNvSpPr>
+          <p:nvPr>
+            <p:ph type="body" idx="1"/>
+          </p:nvPr>
+        </p:nvSpPr>
+        <p:spPr>
+          <a:xfrm>
+            <a:off x="914400" y="4343400"/>
+            <a:ext cx="5029199" cy="4114800"/>
+          </a:xfrm>
+          <a:prstGeom prst="rect">
+            <a:avLst/>
+          </a:prstGeom>
+          <a:noFill/>
+          <a:ln>
+            <a:noFill/>
+          </a:ln>
+        </p:spPr>
+        <p:txBody>
+          <a:bodyPr lIns="91425" tIns="91425" rIns="91425" bIns="91425" anchor="ctr" anchorCtr="0">
+            <a:noAutofit/>
+          </a:bodyPr>
+          <a:lstStyle/>
+          <a:p>
+            <a:pPr lvl="0">
+              <a:spcBef>
+                <a:spcPts val="0"/>
+              </a:spcBef>
+              <a:buNone/>
+            </a:pPr>
+            <a:endParaRPr/>
+          </a:p>
+        </p:txBody>
+      </p:sp>
+      <p:sp>
+        <p:nvSpPr>
+          <p:cNvPr id="369" name="Shape 369"/>
+          <p:cNvSpPr>
+            <a:spLocks noGrp="1" noRot="1" noChangeAspect="1"/>
+          </p:cNvSpPr>
+          <p:nvPr>
+            <p:ph type="sldImg" idx="2"/>
+          </p:nvPr>
+        </p:nvSpPr>
+        <p:spPr>
+          <a:xfrm>
+            <a:off x="381000" y="685800"/>
+            <a:ext cx="6096000" cy="3429000"/>
+          </a:xfrm>
+          <a:custGeom>
+            <a:avLst/>
+            <a:gdLst/>
+            <a:ahLst/>
+            <a:cxnLst/>
+            <a:rect l="0" t="0" r="0" b="0"/>
+            <a:pathLst>
+              <a:path w="120000" h="120000" extrusionOk="0">
+                <a:moveTo>
+                  <a:pt x="0" y="0"/>
+                </a:moveTo>
+                <a:lnTo>
+                  <a:pt x="120000" y="0"/>
+                </a:lnTo>
+                <a:lnTo>
+                  <a:pt x="120000" y="120000"/>
+                </a:lnTo>
+                <a:lnTo>
+                  <a:pt x="0" y="120000"/>
+                </a:lnTo>
+                <a:close/>
+              </a:path>
+            </a:pathLst>
+          </a:custGeom>
+        </p:spPr>
+      </p:sp>
+    </p:spTree>
+    <p:extLst>
+      <p:ext uri="{BB962C8B-B14F-4D97-AF65-F5344CB8AC3E}">
+        <p14:creationId xmlns:p14="http://schemas.microsoft.com/office/powerpoint/2010/main" val="500493314"/>
       </p:ext>
     </p:extLst>
   </p:cSld>
@@ -1862,116 +1862,6 @@
   <p:cSld>
     <p:spTree>
       <p:nvGrpSpPr>
-        <p:cNvPr id="1" name="Shape 367"/>
-        <p:cNvGrpSpPr/>
-        <p:nvPr/>
-      </p:nvGrpSpPr>
-      <p:grpSpPr>
-        <a:xfrm>
-          <a:off x="0" y="0"/>
-          <a:ext cx="0" cy="0"/>
-          <a:chOff x="0" y="0"/>
-          <a:chExt cx="0" cy="0"/>
-        </a:xfrm>
-      </p:grpSpPr>
-      <p:sp>
-        <p:nvSpPr>
-          <p:cNvPr id="368" name="Shape 368"/>
-          <p:cNvSpPr txBox="1">
-            <a:spLocks noGrp="1"/>
-          </p:cNvSpPr>
-          <p:nvPr>
-            <p:ph type="body" idx="1"/>
-          </p:nvPr>
-        </p:nvSpPr>
-        <p:spPr>
-          <a:xfrm>
-            <a:off x="914400" y="4343400"/>
-            <a:ext cx="5029199" cy="4114800"/>
-          </a:xfrm>
-          <a:prstGeom prst="rect">
-            <a:avLst/>
-          </a:prstGeom>
-          <a:noFill/>
-          <a:ln>
-            <a:noFill/>
-          </a:ln>
-        </p:spPr>
-        <p:txBody>
-          <a:bodyPr lIns="91425" tIns="91425" rIns="91425" bIns="91425" anchor="ctr" anchorCtr="0">
-            <a:noAutofit/>
-          </a:bodyPr>
-          <a:lstStyle/>
-          <a:p>
-            <a:pPr lvl="0">
-              <a:spcBef>
-                <a:spcPts val="0"/>
-              </a:spcBef>
-              <a:buNone/>
-            </a:pPr>
-            <a:endParaRPr/>
-          </a:p>
-        </p:txBody>
-      </p:sp>
-      <p:sp>
-        <p:nvSpPr>
-          <p:cNvPr id="369" name="Shape 369"/>
-          <p:cNvSpPr>
-            <a:spLocks noGrp="1" noRot="1" noChangeAspect="1"/>
-          </p:cNvSpPr>
-          <p:nvPr>
-            <p:ph type="sldImg" idx="2"/>
-          </p:nvPr>
-        </p:nvSpPr>
-        <p:spPr>
-          <a:xfrm>
-            <a:off x="381000" y="685800"/>
-            <a:ext cx="6096000" cy="3429000"/>
-          </a:xfrm>
-          <a:custGeom>
-            <a:avLst/>
-            <a:gdLst/>
-            <a:ahLst/>
-            <a:cxnLst/>
-            <a:rect l="0" t="0" r="0" b="0"/>
-            <a:pathLst>
-              <a:path w="120000" h="120000" extrusionOk="0">
-                <a:moveTo>
-                  <a:pt x="0" y="0"/>
-                </a:moveTo>
-                <a:lnTo>
-                  <a:pt x="120000" y="0"/>
-                </a:lnTo>
-                <a:lnTo>
-                  <a:pt x="120000" y="120000"/>
-                </a:lnTo>
-                <a:lnTo>
-                  <a:pt x="0" y="120000"/>
-                </a:lnTo>
-                <a:close/>
-              </a:path>
-            </a:pathLst>
-          </a:custGeom>
-        </p:spPr>
-      </p:sp>
-    </p:spTree>
-    <p:extLst>
-      <p:ext uri="{BB962C8B-B14F-4D97-AF65-F5344CB8AC3E}">
-        <p14:creationId xmlns:p14="http://schemas.microsoft.com/office/powerpoint/2010/main" val="500493314"/>
-      </p:ext>
-    </p:extLst>
-  </p:cSld>
-  <p:clrMapOvr>
-    <a:masterClrMapping/>
-  </p:clrMapOvr>
-</p:notes>
-</file>
-
-<file path=ppt/notesSlides/notesSlide21.xml><?xml version="1.0" encoding="utf-8"?>
-<p:notes xmlns:a="http://schemas.openxmlformats.org/drawingml/2006/main" xmlns:r="http://schemas.openxmlformats.org/officeDocument/2006/relationships" xmlns:p="http://schemas.openxmlformats.org/presentationml/2006/main" showMasterSp="0" showMasterPhAnim="0">
-  <p:cSld>
-    <p:spTree>
-      <p:nvGrpSpPr>
         <p:cNvPr id="1" name="Shape 390"/>
         <p:cNvGrpSpPr/>
         <p:nvPr/>
@@ -2077,7 +1967,7 @@
 </p:notes>
 </file>
 
-<file path=ppt/notesSlides/notesSlide22.xml><?xml version="1.0" encoding="utf-8"?>
+<file path=ppt/notesSlides/notesSlide21.xml><?xml version="1.0" encoding="utf-8"?>
 <p:notes xmlns:a="http://schemas.openxmlformats.org/drawingml/2006/main" xmlns:r="http://schemas.openxmlformats.org/officeDocument/2006/relationships" xmlns:p="http://schemas.openxmlformats.org/presentationml/2006/main" showMasterSp="0" showMasterPhAnim="0">
   <p:cSld>
     <p:spTree>
@@ -2187,7 +2077,7 @@
 </p:notes>
 </file>
 
-<file path=ppt/notesSlides/notesSlide23.xml><?xml version="1.0" encoding="utf-8"?>
+<file path=ppt/notesSlides/notesSlide22.xml><?xml version="1.0" encoding="utf-8"?>
 <p:notes xmlns:a="http://schemas.openxmlformats.org/drawingml/2006/main" xmlns:r="http://schemas.openxmlformats.org/officeDocument/2006/relationships" xmlns:p="http://schemas.openxmlformats.org/presentationml/2006/main" showMasterSp="0" showMasterPhAnim="0">
   <p:cSld>
     <p:spTree>
@@ -2297,7 +2187,7 @@
 </p:notes>
 </file>
 
-<file path=ppt/notesSlides/notesSlide24.xml><?xml version="1.0" encoding="utf-8"?>
+<file path=ppt/notesSlides/notesSlide23.xml><?xml version="1.0" encoding="utf-8"?>
 <p:notes xmlns:a="http://schemas.openxmlformats.org/drawingml/2006/main" xmlns:r="http://schemas.openxmlformats.org/officeDocument/2006/relationships" xmlns:p="http://schemas.openxmlformats.org/presentationml/2006/main" showMasterSp="0" showMasterPhAnim="0">
   <p:cSld>
     <p:spTree>
@@ -2407,7 +2297,7 @@
 </p:notes>
 </file>
 
-<file path=ppt/notesSlides/notesSlide25.xml><?xml version="1.0" encoding="utf-8"?>
+<file path=ppt/notesSlides/notesSlide24.xml><?xml version="1.0" encoding="utf-8"?>
 <p:notes xmlns:a="http://schemas.openxmlformats.org/drawingml/2006/main" xmlns:r="http://schemas.openxmlformats.org/officeDocument/2006/relationships" xmlns:p="http://schemas.openxmlformats.org/presentationml/2006/main" showMasterSp="0" showMasterPhAnim="0">
   <p:cSld>
     <p:spTree>
@@ -2517,7 +2407,7 @@
 </p:notes>
 </file>
 
-<file path=ppt/notesSlides/notesSlide26.xml><?xml version="1.0" encoding="utf-8"?>
+<file path=ppt/notesSlides/notesSlide25.xml><?xml version="1.0" encoding="utf-8"?>
 <p:notes xmlns:a="http://schemas.openxmlformats.org/drawingml/2006/main" xmlns:r="http://schemas.openxmlformats.org/officeDocument/2006/relationships" xmlns:p="http://schemas.openxmlformats.org/presentationml/2006/main" showMasterSp="0" showMasterPhAnim="0">
   <p:cSld>
     <p:spTree>
@@ -2627,7 +2517,7 @@
 </p:notes>
 </file>
 
-<file path=ppt/notesSlides/notesSlide27.xml><?xml version="1.0" encoding="utf-8"?>
+<file path=ppt/notesSlides/notesSlide26.xml><?xml version="1.0" encoding="utf-8"?>
 <p:notes xmlns:a="http://schemas.openxmlformats.org/drawingml/2006/main" xmlns:r="http://schemas.openxmlformats.org/officeDocument/2006/relationships" xmlns:p="http://schemas.openxmlformats.org/presentationml/2006/main" showMasterSp="0" showMasterPhAnim="0">
   <p:cSld>
     <p:spTree>
@@ -2737,7 +2627,7 @@
 </p:notes>
 </file>
 
-<file path=ppt/notesSlides/notesSlide28.xml><?xml version="1.0" encoding="utf-8"?>
+<file path=ppt/notesSlides/notesSlide27.xml><?xml version="1.0" encoding="utf-8"?>
 <p:notes xmlns:a="http://schemas.openxmlformats.org/drawingml/2006/main" xmlns:r="http://schemas.openxmlformats.org/officeDocument/2006/relationships" xmlns:p="http://schemas.openxmlformats.org/presentationml/2006/main" showMasterSp="0" showMasterPhAnim="0">
   <p:cSld>
     <p:spTree>
@@ -2847,7 +2737,7 @@
 </p:notes>
 </file>
 
-<file path=ppt/notesSlides/notesSlide29.xml><?xml version="1.0" encoding="utf-8"?>
+<file path=ppt/notesSlides/notesSlide28.xml><?xml version="1.0" encoding="utf-8"?>
 <p:notes xmlns:a="http://schemas.openxmlformats.org/drawingml/2006/main" xmlns:r="http://schemas.openxmlformats.org/officeDocument/2006/relationships" xmlns:p="http://schemas.openxmlformats.org/presentationml/2006/main" showMasterSp="0" showMasterPhAnim="0">
   <p:cSld>
     <p:spTree>
@@ -2948,6 +2838,116 @@
     <p:extLst>
       <p:ext uri="{BB962C8B-B14F-4D97-AF65-F5344CB8AC3E}">
         <p14:creationId xmlns:p14="http://schemas.microsoft.com/office/powerpoint/2010/main" val="76345681"/>
+      </p:ext>
+    </p:extLst>
+  </p:cSld>
+  <p:clrMapOvr>
+    <a:masterClrMapping/>
+  </p:clrMapOvr>
+</p:notes>
+</file>
+
+<file path=ppt/notesSlides/notesSlide29.xml><?xml version="1.0" encoding="utf-8"?>
+<p:notes xmlns:a="http://schemas.openxmlformats.org/drawingml/2006/main" xmlns:r="http://schemas.openxmlformats.org/officeDocument/2006/relationships" xmlns:p="http://schemas.openxmlformats.org/presentationml/2006/main" showMasterSp="0" showMasterPhAnim="0">
+  <p:cSld>
+    <p:spTree>
+      <p:nvGrpSpPr>
+        <p:cNvPr id="1" name="Shape 448"/>
+        <p:cNvGrpSpPr/>
+        <p:nvPr/>
+      </p:nvGrpSpPr>
+      <p:grpSpPr>
+        <a:xfrm>
+          <a:off x="0" y="0"/>
+          <a:ext cx="0" cy="0"/>
+          <a:chOff x="0" y="0"/>
+          <a:chExt cx="0" cy="0"/>
+        </a:xfrm>
+      </p:grpSpPr>
+      <p:sp>
+        <p:nvSpPr>
+          <p:cNvPr id="449" name="Shape 449"/>
+          <p:cNvSpPr txBox="1">
+            <a:spLocks noGrp="1"/>
+          </p:cNvSpPr>
+          <p:nvPr>
+            <p:ph type="body" idx="1"/>
+          </p:nvPr>
+        </p:nvSpPr>
+        <p:spPr>
+          <a:xfrm>
+            <a:off x="914400" y="4343400"/>
+            <a:ext cx="5029199" cy="4114800"/>
+          </a:xfrm>
+          <a:prstGeom prst="rect">
+            <a:avLst/>
+          </a:prstGeom>
+          <a:noFill/>
+          <a:ln>
+            <a:noFill/>
+          </a:ln>
+        </p:spPr>
+        <p:txBody>
+          <a:bodyPr lIns="91425" tIns="91425" rIns="91425" bIns="91425" anchor="ctr" anchorCtr="0">
+            <a:noAutofit/>
+          </a:bodyPr>
+          <a:lstStyle/>
+          <a:p>
+            <a:pPr lvl="0">
+              <a:spcBef>
+                <a:spcPts val="0"/>
+              </a:spcBef>
+              <a:buNone/>
+            </a:pPr>
+            <a:endParaRPr/>
+          </a:p>
+        </p:txBody>
+      </p:sp>
+      <p:sp>
+        <p:nvSpPr>
+          <p:cNvPr id="450" name="Shape 450"/>
+          <p:cNvSpPr>
+            <a:spLocks noGrp="1" noRot="1" noChangeAspect="1"/>
+          </p:cNvSpPr>
+          <p:nvPr>
+            <p:ph type="sldImg" idx="2"/>
+          </p:nvPr>
+        </p:nvSpPr>
+        <p:spPr>
+          <a:xfrm>
+            <a:off x="381000" y="685800"/>
+            <a:ext cx="6096000" cy="3429000"/>
+          </a:xfrm>
+          <a:custGeom>
+            <a:avLst/>
+            <a:gdLst/>
+            <a:ahLst/>
+            <a:cxnLst/>
+            <a:rect l="0" t="0" r="0" b="0"/>
+            <a:pathLst>
+              <a:path w="120000" h="120000" extrusionOk="0">
+                <a:moveTo>
+                  <a:pt x="0" y="0"/>
+                </a:moveTo>
+                <a:lnTo>
+                  <a:pt x="120000" y="0"/>
+                </a:lnTo>
+                <a:lnTo>
+                  <a:pt x="120000" y="120000"/>
+                </a:lnTo>
+                <a:lnTo>
+                  <a:pt x="0" y="120000"/>
+                </a:lnTo>
+                <a:close/>
+              </a:path>
+            </a:pathLst>
+          </a:custGeom>
+        </p:spPr>
+      </p:sp>
+    </p:spTree>
+    <p:extLst>
+      <p:ext uri="{BB962C8B-B14F-4D97-AF65-F5344CB8AC3E}">
+        <p14:creationId xmlns:p14="http://schemas.microsoft.com/office/powerpoint/2010/main" val="1094123308"/>
       </p:ext>
     </p:extLst>
   </p:cSld>
@@ -3072,116 +3072,6 @@
   <p:cSld>
     <p:spTree>
       <p:nvGrpSpPr>
-        <p:cNvPr id="1" name="Shape 448"/>
-        <p:cNvGrpSpPr/>
-        <p:nvPr/>
-      </p:nvGrpSpPr>
-      <p:grpSpPr>
-        <a:xfrm>
-          <a:off x="0" y="0"/>
-          <a:ext cx="0" cy="0"/>
-          <a:chOff x="0" y="0"/>
-          <a:chExt cx="0" cy="0"/>
-        </a:xfrm>
-      </p:grpSpPr>
-      <p:sp>
-        <p:nvSpPr>
-          <p:cNvPr id="449" name="Shape 449"/>
-          <p:cNvSpPr txBox="1">
-            <a:spLocks noGrp="1"/>
-          </p:cNvSpPr>
-          <p:nvPr>
-            <p:ph type="body" idx="1"/>
-          </p:nvPr>
-        </p:nvSpPr>
-        <p:spPr>
-          <a:xfrm>
-            <a:off x="914400" y="4343400"/>
-            <a:ext cx="5029199" cy="4114800"/>
-          </a:xfrm>
-          <a:prstGeom prst="rect">
-            <a:avLst/>
-          </a:prstGeom>
-          <a:noFill/>
-          <a:ln>
-            <a:noFill/>
-          </a:ln>
-        </p:spPr>
-        <p:txBody>
-          <a:bodyPr lIns="91425" tIns="91425" rIns="91425" bIns="91425" anchor="ctr" anchorCtr="0">
-            <a:noAutofit/>
-          </a:bodyPr>
-          <a:lstStyle/>
-          <a:p>
-            <a:pPr lvl="0">
-              <a:spcBef>
-                <a:spcPts val="0"/>
-              </a:spcBef>
-              <a:buNone/>
-            </a:pPr>
-            <a:endParaRPr/>
-          </a:p>
-        </p:txBody>
-      </p:sp>
-      <p:sp>
-        <p:nvSpPr>
-          <p:cNvPr id="450" name="Shape 450"/>
-          <p:cNvSpPr>
-            <a:spLocks noGrp="1" noRot="1" noChangeAspect="1"/>
-          </p:cNvSpPr>
-          <p:nvPr>
-            <p:ph type="sldImg" idx="2"/>
-          </p:nvPr>
-        </p:nvSpPr>
-        <p:spPr>
-          <a:xfrm>
-            <a:off x="381000" y="685800"/>
-            <a:ext cx="6096000" cy="3429000"/>
-          </a:xfrm>
-          <a:custGeom>
-            <a:avLst/>
-            <a:gdLst/>
-            <a:ahLst/>
-            <a:cxnLst/>
-            <a:rect l="0" t="0" r="0" b="0"/>
-            <a:pathLst>
-              <a:path w="120000" h="120000" extrusionOk="0">
-                <a:moveTo>
-                  <a:pt x="0" y="0"/>
-                </a:moveTo>
-                <a:lnTo>
-                  <a:pt x="120000" y="0"/>
-                </a:lnTo>
-                <a:lnTo>
-                  <a:pt x="120000" y="120000"/>
-                </a:lnTo>
-                <a:lnTo>
-                  <a:pt x="0" y="120000"/>
-                </a:lnTo>
-                <a:close/>
-              </a:path>
-            </a:pathLst>
-          </a:custGeom>
-        </p:spPr>
-      </p:sp>
-    </p:spTree>
-    <p:extLst>
-      <p:ext uri="{BB962C8B-B14F-4D97-AF65-F5344CB8AC3E}">
-        <p14:creationId xmlns:p14="http://schemas.microsoft.com/office/powerpoint/2010/main" val="1094123308"/>
-      </p:ext>
-    </p:extLst>
-  </p:cSld>
-  <p:clrMapOvr>
-    <a:masterClrMapping/>
-  </p:clrMapOvr>
-</p:notes>
-</file>
-
-<file path=ppt/notesSlides/notesSlide31.xml><?xml version="1.0" encoding="utf-8"?>
-<p:notes xmlns:a="http://schemas.openxmlformats.org/drawingml/2006/main" xmlns:r="http://schemas.openxmlformats.org/officeDocument/2006/relationships" xmlns:p="http://schemas.openxmlformats.org/presentationml/2006/main" showMasterSp="0" showMasterPhAnim="0">
-  <p:cSld>
-    <p:spTree>
-      <p:nvGrpSpPr>
         <p:cNvPr id="1" name="Shape 454"/>
         <p:cNvGrpSpPr/>
         <p:nvPr/>
@@ -3287,7 +3177,7 @@
 </p:notes>
 </file>
 
-<file path=ppt/notesSlides/notesSlide32.xml><?xml version="1.0" encoding="utf-8"?>
+<file path=ppt/notesSlides/notesSlide31.xml><?xml version="1.0" encoding="utf-8"?>
 <p:notes xmlns:a="http://schemas.openxmlformats.org/drawingml/2006/main" xmlns:r="http://schemas.openxmlformats.org/officeDocument/2006/relationships" xmlns:p="http://schemas.openxmlformats.org/presentationml/2006/main" showMasterSp="0" showMasterPhAnim="0">
   <p:cSld>
     <p:spTree>
@@ -3397,7 +3287,7 @@
 </p:notes>
 </file>
 
-<file path=ppt/notesSlides/notesSlide33.xml><?xml version="1.0" encoding="utf-8"?>
+<file path=ppt/notesSlides/notesSlide32.xml><?xml version="1.0" encoding="utf-8"?>
 <p:notes xmlns:a="http://schemas.openxmlformats.org/drawingml/2006/main" xmlns:r="http://schemas.openxmlformats.org/officeDocument/2006/relationships" xmlns:p="http://schemas.openxmlformats.org/presentationml/2006/main" showMasterSp="0" showMasterPhAnim="0">
   <p:cSld>
     <p:spTree>
@@ -3507,7 +3397,7 @@
 </p:notes>
 </file>
 
-<file path=ppt/notesSlides/notesSlide34.xml><?xml version="1.0" encoding="utf-8"?>
+<file path=ppt/notesSlides/notesSlide33.xml><?xml version="1.0" encoding="utf-8"?>
 <p:notes xmlns:a="http://schemas.openxmlformats.org/drawingml/2006/main" xmlns:r="http://schemas.openxmlformats.org/officeDocument/2006/relationships" xmlns:p="http://schemas.openxmlformats.org/presentationml/2006/main" showMasterSp="0" showMasterPhAnim="0">
   <p:cSld>
     <p:spTree>
@@ -3617,7 +3507,7 @@
 </p:notes>
 </file>
 
-<file path=ppt/notesSlides/notesSlide35.xml><?xml version="1.0" encoding="utf-8"?>
+<file path=ppt/notesSlides/notesSlide34.xml><?xml version="1.0" encoding="utf-8"?>
 <p:notes xmlns:a="http://schemas.openxmlformats.org/drawingml/2006/main" xmlns:r="http://schemas.openxmlformats.org/officeDocument/2006/relationships" xmlns:p="http://schemas.openxmlformats.org/presentationml/2006/main" showMasterSp="0" showMasterPhAnim="0">
   <p:cSld>
     <p:spTree>
@@ -3727,7 +3617,7 @@
 </p:notes>
 </file>
 
-<file path=ppt/notesSlides/notesSlide36.xml><?xml version="1.0" encoding="utf-8"?>
+<file path=ppt/notesSlides/notesSlide35.xml><?xml version="1.0" encoding="utf-8"?>
 <p:notes xmlns:a="http://schemas.openxmlformats.org/drawingml/2006/main" xmlns:r="http://schemas.openxmlformats.org/officeDocument/2006/relationships" xmlns:p="http://schemas.openxmlformats.org/presentationml/2006/main" showMasterSp="0" showMasterPhAnim="0">
   <p:cSld>
     <p:spTree>
@@ -3837,7 +3727,7 @@
 </p:notes>
 </file>
 
-<file path=ppt/notesSlides/notesSlide37.xml><?xml version="1.0" encoding="utf-8"?>
+<file path=ppt/notesSlides/notesSlide36.xml><?xml version="1.0" encoding="utf-8"?>
 <p:notes xmlns:a="http://schemas.openxmlformats.org/drawingml/2006/main" xmlns:r="http://schemas.openxmlformats.org/officeDocument/2006/relationships" xmlns:p="http://schemas.openxmlformats.org/presentationml/2006/main" showMasterSp="0" showMasterPhAnim="0">
   <p:cSld>
     <p:spTree>
@@ -3947,7 +3837,7 @@
 </p:notes>
 </file>
 
-<file path=ppt/notesSlides/notesSlide38.xml><?xml version="1.0" encoding="utf-8"?>
+<file path=ppt/notesSlides/notesSlide37.xml><?xml version="1.0" encoding="utf-8"?>
 <p:notes xmlns:a="http://schemas.openxmlformats.org/drawingml/2006/main" xmlns:r="http://schemas.openxmlformats.org/officeDocument/2006/relationships" xmlns:p="http://schemas.openxmlformats.org/presentationml/2006/main" showMasterSp="0" showMasterPhAnim="0">
   <p:cSld>
     <p:spTree>
@@ -4057,7 +3947,7 @@
 </p:notes>
 </file>
 
-<file path=ppt/notesSlides/notesSlide39.xml><?xml version="1.0" encoding="utf-8"?>
+<file path=ppt/notesSlides/notesSlide38.xml><?xml version="1.0" encoding="utf-8"?>
 <p:notes xmlns:a="http://schemas.openxmlformats.org/drawingml/2006/main" xmlns:r="http://schemas.openxmlformats.org/officeDocument/2006/relationships" xmlns:p="http://schemas.openxmlformats.org/presentationml/2006/main" showMasterSp="0" showMasterPhAnim="0">
   <p:cSld>
     <p:spTree>
@@ -4158,6 +4048,116 @@
     <p:extLst>
       <p:ext uri="{BB962C8B-B14F-4D97-AF65-F5344CB8AC3E}">
         <p14:creationId xmlns:p14="http://schemas.microsoft.com/office/powerpoint/2010/main" val="2007570239"/>
+      </p:ext>
+    </p:extLst>
+  </p:cSld>
+  <p:clrMapOvr>
+    <a:masterClrMapping/>
+  </p:clrMapOvr>
+</p:notes>
+</file>
+
+<file path=ppt/notesSlides/notesSlide39.xml><?xml version="1.0" encoding="utf-8"?>
+<p:notes xmlns:a="http://schemas.openxmlformats.org/drawingml/2006/main" xmlns:r="http://schemas.openxmlformats.org/officeDocument/2006/relationships" xmlns:p="http://schemas.openxmlformats.org/presentationml/2006/main" showMasterSp="0" showMasterPhAnim="0">
+  <p:cSld>
+    <p:spTree>
+      <p:nvGrpSpPr>
+        <p:cNvPr id="1" name="Shape 547"/>
+        <p:cNvGrpSpPr/>
+        <p:nvPr/>
+      </p:nvGrpSpPr>
+      <p:grpSpPr>
+        <a:xfrm>
+          <a:off x="0" y="0"/>
+          <a:ext cx="0" cy="0"/>
+          <a:chOff x="0" y="0"/>
+          <a:chExt cx="0" cy="0"/>
+        </a:xfrm>
+      </p:grpSpPr>
+      <p:sp>
+        <p:nvSpPr>
+          <p:cNvPr id="548" name="Shape 548"/>
+          <p:cNvSpPr txBox="1">
+            <a:spLocks noGrp="1"/>
+          </p:cNvSpPr>
+          <p:nvPr>
+            <p:ph type="body" idx="1"/>
+          </p:nvPr>
+        </p:nvSpPr>
+        <p:spPr>
+          <a:xfrm>
+            <a:off x="914400" y="4343400"/>
+            <a:ext cx="5029199" cy="4114800"/>
+          </a:xfrm>
+          <a:prstGeom prst="rect">
+            <a:avLst/>
+          </a:prstGeom>
+          <a:noFill/>
+          <a:ln>
+            <a:noFill/>
+          </a:ln>
+        </p:spPr>
+        <p:txBody>
+          <a:bodyPr lIns="91425" tIns="91425" rIns="91425" bIns="91425" anchor="ctr" anchorCtr="0">
+            <a:noAutofit/>
+          </a:bodyPr>
+          <a:lstStyle/>
+          <a:p>
+            <a:pPr lvl="0">
+              <a:spcBef>
+                <a:spcPts val="0"/>
+              </a:spcBef>
+              <a:buNone/>
+            </a:pPr>
+            <a:endParaRPr/>
+          </a:p>
+        </p:txBody>
+      </p:sp>
+      <p:sp>
+        <p:nvSpPr>
+          <p:cNvPr id="549" name="Shape 549"/>
+          <p:cNvSpPr>
+            <a:spLocks noGrp="1" noRot="1" noChangeAspect="1"/>
+          </p:cNvSpPr>
+          <p:nvPr>
+            <p:ph type="sldImg" idx="2"/>
+          </p:nvPr>
+        </p:nvSpPr>
+        <p:spPr>
+          <a:xfrm>
+            <a:off x="381000" y="685800"/>
+            <a:ext cx="6096000" cy="3429000"/>
+          </a:xfrm>
+          <a:custGeom>
+            <a:avLst/>
+            <a:gdLst/>
+            <a:ahLst/>
+            <a:cxnLst/>
+            <a:rect l="0" t="0" r="0" b="0"/>
+            <a:pathLst>
+              <a:path w="120000" h="120000" extrusionOk="0">
+                <a:moveTo>
+                  <a:pt x="0" y="0"/>
+                </a:moveTo>
+                <a:lnTo>
+                  <a:pt x="120000" y="0"/>
+                </a:lnTo>
+                <a:lnTo>
+                  <a:pt x="120000" y="120000"/>
+                </a:lnTo>
+                <a:lnTo>
+                  <a:pt x="0" y="120000"/>
+                </a:lnTo>
+                <a:close/>
+              </a:path>
+            </a:pathLst>
+          </a:custGeom>
+        </p:spPr>
+      </p:sp>
+    </p:spTree>
+    <p:extLst>
+      <p:ext uri="{BB962C8B-B14F-4D97-AF65-F5344CB8AC3E}">
+        <p14:creationId xmlns:p14="http://schemas.microsoft.com/office/powerpoint/2010/main" val="2117428856"/>
       </p:ext>
     </p:extLst>
   </p:cSld>
@@ -4278,116 +4278,6 @@
 </file>
 
 <file path=ppt/notesSlides/notesSlide40.xml><?xml version="1.0" encoding="utf-8"?>
-<p:notes xmlns:a="http://schemas.openxmlformats.org/drawingml/2006/main" xmlns:r="http://schemas.openxmlformats.org/officeDocument/2006/relationships" xmlns:p="http://schemas.openxmlformats.org/presentationml/2006/main" showMasterSp="0" showMasterPhAnim="0">
-  <p:cSld>
-    <p:spTree>
-      <p:nvGrpSpPr>
-        <p:cNvPr id="1" name="Shape 547"/>
-        <p:cNvGrpSpPr/>
-        <p:nvPr/>
-      </p:nvGrpSpPr>
-      <p:grpSpPr>
-        <a:xfrm>
-          <a:off x="0" y="0"/>
-          <a:ext cx="0" cy="0"/>
-          <a:chOff x="0" y="0"/>
-          <a:chExt cx="0" cy="0"/>
-        </a:xfrm>
-      </p:grpSpPr>
-      <p:sp>
-        <p:nvSpPr>
-          <p:cNvPr id="548" name="Shape 548"/>
-          <p:cNvSpPr txBox="1">
-            <a:spLocks noGrp="1"/>
-          </p:cNvSpPr>
-          <p:nvPr>
-            <p:ph type="body" idx="1"/>
-          </p:nvPr>
-        </p:nvSpPr>
-        <p:spPr>
-          <a:xfrm>
-            <a:off x="914400" y="4343400"/>
-            <a:ext cx="5029199" cy="4114800"/>
-          </a:xfrm>
-          <a:prstGeom prst="rect">
-            <a:avLst/>
-          </a:prstGeom>
-          <a:noFill/>
-          <a:ln>
-            <a:noFill/>
-          </a:ln>
-        </p:spPr>
-        <p:txBody>
-          <a:bodyPr lIns="91425" tIns="91425" rIns="91425" bIns="91425" anchor="ctr" anchorCtr="0">
-            <a:noAutofit/>
-          </a:bodyPr>
-          <a:lstStyle/>
-          <a:p>
-            <a:pPr lvl="0">
-              <a:spcBef>
-                <a:spcPts val="0"/>
-              </a:spcBef>
-              <a:buNone/>
-            </a:pPr>
-            <a:endParaRPr/>
-          </a:p>
-        </p:txBody>
-      </p:sp>
-      <p:sp>
-        <p:nvSpPr>
-          <p:cNvPr id="549" name="Shape 549"/>
-          <p:cNvSpPr>
-            <a:spLocks noGrp="1" noRot="1" noChangeAspect="1"/>
-          </p:cNvSpPr>
-          <p:nvPr>
-            <p:ph type="sldImg" idx="2"/>
-          </p:nvPr>
-        </p:nvSpPr>
-        <p:spPr>
-          <a:xfrm>
-            <a:off x="381000" y="685800"/>
-            <a:ext cx="6096000" cy="3429000"/>
-          </a:xfrm>
-          <a:custGeom>
-            <a:avLst/>
-            <a:gdLst/>
-            <a:ahLst/>
-            <a:cxnLst/>
-            <a:rect l="0" t="0" r="0" b="0"/>
-            <a:pathLst>
-              <a:path w="120000" h="120000" extrusionOk="0">
-                <a:moveTo>
-                  <a:pt x="0" y="0"/>
-                </a:moveTo>
-                <a:lnTo>
-                  <a:pt x="120000" y="0"/>
-                </a:lnTo>
-                <a:lnTo>
-                  <a:pt x="120000" y="120000"/>
-                </a:lnTo>
-                <a:lnTo>
-                  <a:pt x="0" y="120000"/>
-                </a:lnTo>
-                <a:close/>
-              </a:path>
-            </a:pathLst>
-          </a:custGeom>
-        </p:spPr>
-      </p:sp>
-    </p:spTree>
-    <p:extLst>
-      <p:ext uri="{BB962C8B-B14F-4D97-AF65-F5344CB8AC3E}">
-        <p14:creationId xmlns:p14="http://schemas.microsoft.com/office/powerpoint/2010/main" val="2117428856"/>
-      </p:ext>
-    </p:extLst>
-  </p:cSld>
-  <p:clrMapOvr>
-    <a:masterClrMapping/>
-  </p:clrMapOvr>
-</p:notes>
-</file>
-
-<file path=ppt/notesSlides/notesSlide41.xml><?xml version="1.0" encoding="utf-8"?>
 <p:notes xmlns:a="http://schemas.openxmlformats.org/drawingml/2006/main" xmlns:r="http://schemas.openxmlformats.org/officeDocument/2006/relationships" xmlns:p="http://schemas.openxmlformats.org/presentationml/2006/main" showMasterSp="0" showMasterPhAnim="0">
   <p:cSld>
     <p:spTree>
@@ -10170,393 +10060,6 @@
   <p:cSld>
     <p:spTree>
       <p:nvGrpSpPr>
-        <p:cNvPr id="1" name="Shape 306"/>
-        <p:cNvGrpSpPr/>
-        <p:nvPr/>
-      </p:nvGrpSpPr>
-      <p:grpSpPr>
-        <a:xfrm>
-          <a:off x="0" y="0"/>
-          <a:ext cx="0" cy="0"/>
-          <a:chOff x="0" y="0"/>
-          <a:chExt cx="0" cy="0"/>
-        </a:xfrm>
-      </p:grpSpPr>
-      <p:sp>
-        <p:nvSpPr>
-          <p:cNvPr id="307" name="Shape 307"/>
-          <p:cNvSpPr txBox="1">
-            <a:spLocks noGrp="1"/>
-          </p:cNvSpPr>
-          <p:nvPr>
-            <p:ph type="title"/>
-          </p:nvPr>
-        </p:nvSpPr>
-        <p:spPr>
-          <a:xfrm>
-            <a:off x="650081" y="428625"/>
-            <a:ext cx="6267955" cy="1000069"/>
-          </a:xfrm>
-          <a:prstGeom prst="rect">
-            <a:avLst/>
-          </a:prstGeom>
-          <a:noFill/>
-          <a:ln>
-            <a:noFill/>
-          </a:ln>
-        </p:spPr>
-        <p:txBody>
-          <a:bodyPr lIns="21050" tIns="21050" rIns="21050" bIns="21050" anchor="ctr" anchorCtr="0">
-            <a:noAutofit/>
-          </a:bodyPr>
-          <a:lstStyle/>
-          <a:p>
-            <a:pPr marL="0" marR="0" lvl="0" indent="0" algn="ctr" rtl="0">
-              <a:lnSpc>
-                <a:spcPct val="100000"/>
-              </a:lnSpc>
-              <a:spcBef>
-                <a:spcPts val="0"/>
-              </a:spcBef>
-              <a:spcAft>
-                <a:spcPts val="0"/>
-              </a:spcAft>
-              <a:buClr>
-                <a:srgbClr val="FFFFFF"/>
-              </a:buClr>
-              <a:buSzPct val="25000"/>
-              <a:buFont typeface="Cabin"/>
-              <a:buNone/>
-            </a:pPr>
-            <a:r>
-              <a:rPr lang="en" sz="4700" u="none" strike="noStrike" cap="none">
-                <a:solidFill>
-                  <a:srgbClr val="FFFFFF"/>
-                </a:solidFill>
-                <a:sym typeface="Cabin"/>
-              </a:rPr>
-              <a:t>Terminology: </a:t>
-            </a:r>
-            <a:r>
-              <a:rPr lang="en" sz="4700" u="none" strike="noStrike" cap="none">
-                <a:solidFill>
-                  <a:srgbClr val="FF9300"/>
-                </a:solidFill>
-                <a:sym typeface="Cabin"/>
-              </a:rPr>
-              <a:t>Class</a:t>
-            </a:r>
-          </a:p>
-        </p:txBody>
-      </p:sp>
-      <p:sp>
-        <p:nvSpPr>
-          <p:cNvPr id="308" name="Shape 308"/>
-          <p:cNvSpPr/>
-          <p:nvPr/>
-        </p:nvSpPr>
-        <p:spPr>
-          <a:xfrm>
-            <a:off x="641475" y="4744319"/>
-            <a:ext cx="7911000" cy="352800"/>
-          </a:xfrm>
-          <a:prstGeom prst="rect">
-            <a:avLst/>
-          </a:prstGeom>
-          <a:noFill/>
-          <a:ln>
-            <a:noFill/>
-          </a:ln>
-        </p:spPr>
-        <p:txBody>
-          <a:bodyPr lIns="21050" tIns="21050" rIns="21050" bIns="21050" anchor="ctr" anchorCtr="0">
-            <a:noAutofit/>
-          </a:bodyPr>
-          <a:lstStyle/>
-          <a:p>
-            <a:pPr marL="0" marR="0" lvl="0" indent="0" algn="ctr" rtl="0">
-              <a:lnSpc>
-                <a:spcPct val="100000"/>
-              </a:lnSpc>
-              <a:spcBef>
-                <a:spcPts val="0"/>
-              </a:spcBef>
-              <a:spcAft>
-                <a:spcPts val="0"/>
-              </a:spcAft>
-              <a:buClr>
-                <a:srgbClr val="FFFFFF"/>
-              </a:buClr>
-              <a:buSzPct val="25000"/>
-              <a:buFont typeface="Cabin"/>
-              <a:buNone/>
-            </a:pPr>
-            <a:r>
-              <a:rPr lang="en" sz="2300" u="none" strike="noStrike" cap="none" dirty="0">
-                <a:solidFill>
-                  <a:srgbClr val="FFFFFF"/>
-                </a:solidFill>
-                <a:latin typeface="Arial" charset="0"/>
-                <a:ea typeface="Arial" charset="0"/>
-                <a:cs typeface="Arial" charset="0"/>
-                <a:sym typeface="Cabin"/>
-              </a:rPr>
-              <a:t>http://</a:t>
-            </a:r>
-            <a:r>
-              <a:rPr lang="en" sz="2300" u="none" strike="noStrike" cap="none" dirty="0" err="1">
-                <a:solidFill>
-                  <a:srgbClr val="FFFFFF"/>
-                </a:solidFill>
-                <a:latin typeface="Arial" charset="0"/>
-                <a:ea typeface="Arial" charset="0"/>
-                <a:cs typeface="Arial" charset="0"/>
-                <a:sym typeface="Cabin"/>
-              </a:rPr>
-              <a:t>en.wikipedia.org</a:t>
-            </a:r>
-            <a:r>
-              <a:rPr lang="en" sz="2300" u="none" strike="noStrike" cap="none" dirty="0">
-                <a:solidFill>
-                  <a:srgbClr val="FFFFFF"/>
-                </a:solidFill>
-                <a:latin typeface="Arial" charset="0"/>
-                <a:ea typeface="Arial" charset="0"/>
-                <a:cs typeface="Arial" charset="0"/>
-                <a:sym typeface="Cabin"/>
-              </a:rPr>
-              <a:t>/wiki/Object-</a:t>
-            </a:r>
-            <a:r>
-              <a:rPr lang="en" sz="2300" u="none" strike="noStrike" cap="none" dirty="0" err="1">
-                <a:solidFill>
-                  <a:srgbClr val="FFFFFF"/>
-                </a:solidFill>
-                <a:latin typeface="Arial" charset="0"/>
-                <a:ea typeface="Arial" charset="0"/>
-                <a:cs typeface="Arial" charset="0"/>
-                <a:sym typeface="Cabin"/>
-              </a:rPr>
-              <a:t>oriented_programming</a:t>
-            </a:r>
-            <a:endParaRPr lang="en" sz="2300" u="none" strike="noStrike" cap="none" dirty="0">
-              <a:solidFill>
-                <a:srgbClr val="FFFFFF"/>
-              </a:solidFill>
-              <a:latin typeface="Arial" charset="0"/>
-              <a:ea typeface="Arial" charset="0"/>
-              <a:cs typeface="Arial" charset="0"/>
-              <a:sym typeface="Cabin"/>
-            </a:endParaRPr>
-          </a:p>
-        </p:txBody>
-      </p:sp>
-      <p:sp>
-        <p:nvSpPr>
-          <p:cNvPr id="309" name="Shape 309"/>
-          <p:cNvSpPr/>
-          <p:nvPr/>
-        </p:nvSpPr>
-        <p:spPr>
-          <a:xfrm>
-            <a:off x="3695433" y="1773282"/>
-            <a:ext cx="4963885" cy="2233748"/>
-          </a:xfrm>
-          <a:prstGeom prst="rect">
-            <a:avLst/>
-          </a:prstGeom>
-          <a:noFill/>
-          <a:ln>
-            <a:noFill/>
-          </a:ln>
-        </p:spPr>
-        <p:txBody>
-          <a:bodyPr lIns="21050" tIns="21050" rIns="21050" bIns="21050" anchor="ctr" anchorCtr="0">
-            <a:noAutofit/>
-          </a:bodyPr>
-          <a:lstStyle/>
-          <a:p>
-            <a:pPr marL="0" marR="0" lvl="0" indent="0" algn="ctr" rtl="0">
-              <a:lnSpc>
-                <a:spcPct val="100000"/>
-              </a:lnSpc>
-              <a:spcBef>
-                <a:spcPts val="0"/>
-              </a:spcBef>
-              <a:spcAft>
-                <a:spcPts val="0"/>
-              </a:spcAft>
-              <a:buClr>
-                <a:srgbClr val="FFFFFF"/>
-              </a:buClr>
-              <a:buSzPct val="25000"/>
-              <a:buFont typeface="Cabin"/>
-              <a:buNone/>
-            </a:pPr>
-            <a:r>
-              <a:rPr lang="en" sz="2000" u="none" strike="noStrike" cap="none" dirty="0">
-                <a:solidFill>
-                  <a:srgbClr val="FFFFFF"/>
-                </a:solidFill>
-                <a:latin typeface="Arial" charset="0"/>
-                <a:ea typeface="Arial" charset="0"/>
-                <a:cs typeface="Arial" charset="0"/>
-                <a:sym typeface="Cabin"/>
-              </a:rPr>
-              <a:t>A pattern (exemplar) of a </a:t>
-            </a:r>
-            <a:r>
-              <a:rPr lang="en" sz="2000" u="none" strike="noStrike" cap="none" dirty="0">
-                <a:solidFill>
-                  <a:srgbClr val="FF9300"/>
-                </a:solidFill>
-                <a:latin typeface="Arial" charset="0"/>
-                <a:ea typeface="Arial" charset="0"/>
-                <a:cs typeface="Arial" charset="0"/>
-                <a:sym typeface="Cabin"/>
-              </a:rPr>
-              <a:t>class</a:t>
-            </a:r>
-            <a:r>
-              <a:rPr lang="en" sz="2000" u="none" strike="noStrike" cap="none" dirty="0">
-                <a:solidFill>
-                  <a:srgbClr val="FFFFFF"/>
-                </a:solidFill>
-                <a:latin typeface="Arial" charset="0"/>
-                <a:ea typeface="Arial" charset="0"/>
-                <a:cs typeface="Arial" charset="0"/>
-                <a:sym typeface="Cabin"/>
-              </a:rPr>
-              <a:t>. The </a:t>
-            </a:r>
-            <a:r>
-              <a:rPr lang="en" sz="2000" u="none" strike="noStrike" cap="none" dirty="0">
-                <a:solidFill>
-                  <a:srgbClr val="FF9300"/>
-                </a:solidFill>
-                <a:latin typeface="Arial" charset="0"/>
-                <a:ea typeface="Arial" charset="0"/>
-                <a:cs typeface="Arial" charset="0"/>
-                <a:sym typeface="Cabin"/>
-              </a:rPr>
-              <a:t>class</a:t>
-            </a:r>
-            <a:r>
-              <a:rPr lang="en" sz="2000" u="none" strike="noStrike" cap="none" dirty="0">
-                <a:solidFill>
-                  <a:srgbClr val="FFFFFF"/>
-                </a:solidFill>
-                <a:latin typeface="Arial" charset="0"/>
-                <a:ea typeface="Arial" charset="0"/>
-                <a:cs typeface="Arial" charset="0"/>
-                <a:sym typeface="Cabin"/>
-              </a:rPr>
-              <a:t> of Dog defines all possible dogs by listing the characteristics and behaviors they can have; the object Lassie is one particular dog, with particular versions of the characteristics. A Dog has fur; Lassie has brown-and-white fur.</a:t>
-            </a:r>
-          </a:p>
-        </p:txBody>
-      </p:sp>
-      <p:pic>
-        <p:nvPicPr>
-          <p:cNvPr id="311" name="Shape 311"/>
-          <p:cNvPicPr preferRelativeResize="0"/>
-          <p:nvPr/>
-        </p:nvPicPr>
-        <p:blipFill rotWithShape="1">
-          <a:blip r:embed="rId3">
-            <a:alphaModFix/>
-          </a:blip>
-          <a:srcRect/>
-          <a:stretch/>
-        </p:blipFill>
-        <p:spPr>
-          <a:xfrm>
-            <a:off x="641479" y="1797775"/>
-            <a:ext cx="2863721" cy="2130878"/>
-          </a:xfrm>
-          <a:prstGeom prst="rect">
-            <a:avLst/>
-          </a:prstGeom>
-          <a:noFill/>
-          <a:ln>
-            <a:noFill/>
-          </a:ln>
-        </p:spPr>
-      </p:pic>
-      <p:pic>
-        <p:nvPicPr>
-          <p:cNvPr id="8" name="Picture 4"/>
-          <p:cNvPicPr>
-            <a:picLocks noChangeAspect="1"/>
-          </p:cNvPicPr>
-          <p:nvPr/>
-        </p:nvPicPr>
-        <p:blipFill>
-          <a:blip r:embed="rId4">
-            <a:extLst>
-              <a:ext uri="{28A0092B-C50C-407E-A947-70E740481C1C}">
-                <a14:useLocalDpi xmlns:a14="http://schemas.microsoft.com/office/drawing/2010/main" val="0"/>
-              </a:ext>
-            </a:extLst>
-          </a:blip>
-          <a:srcRect/>
-          <a:stretch>
-            <a:fillRect/>
-          </a:stretch>
-        </p:blipFill>
-        <p:spPr bwMode="auto">
-          <a:xfrm>
-            <a:off x="7010400" y="666750"/>
-            <a:ext cx="1498600" cy="998538"/>
-          </a:xfrm>
-          <a:prstGeom prst="rect">
-            <a:avLst/>
-          </a:prstGeom>
-          <a:noFill/>
-          <a:ln>
-            <a:noFill/>
-          </a:ln>
-          <a:extLst>
-            <a:ext uri="{909E8E84-426E-40DD-AFC4-6F175D3DCCD1}">
-              <a14:hiddenFill xmlns:a14="http://schemas.microsoft.com/office/drawing/2010/main">
-                <a:solidFill>
-                  <a:srgbClr val="FFFFFF"/>
-                </a:solidFill>
-              </a14:hiddenFill>
-            </a:ext>
-            <a:ext uri="{91240B29-F687-4F45-9708-019B960494DF}">
-              <a14:hiddenLine xmlns:a14="http://schemas.microsoft.com/office/drawing/2010/main" w="9525">
-                <a:solidFill>
-                  <a:srgbClr val="000000"/>
-                </a:solidFill>
-                <a:miter lim="800000"/>
-                <a:headEnd/>
-                <a:tailEnd/>
-              </a14:hiddenLine>
-            </a:ext>
-          </a:extLst>
-        </p:spPr>
-      </p:pic>
-    </p:spTree>
-  </p:cSld>
-  <p:clrMapOvr>
-    <a:masterClrMapping/>
-  </p:clrMapOvr>
-  <p:timing>
-    <p:tnLst>
-      <p:par>
-        <p:cTn id="1" dur="indefinite" restart="never" nodeType="tmRoot"/>
-      </p:par>
-    </p:tnLst>
-  </p:timing>
-</p:sld>
-</file>
-
-<file path=ppt/slides/slide16.xml><?xml version="1.0" encoding="utf-8"?>
-<p:sld xmlns:a="http://schemas.openxmlformats.org/drawingml/2006/main" xmlns:r="http://schemas.openxmlformats.org/officeDocument/2006/relationships" xmlns:p="http://schemas.openxmlformats.org/presentationml/2006/main">
-  <p:cSld>
-    <p:spTree>
-      <p:nvGrpSpPr>
         <p:cNvPr id="1" name="Shape 315"/>
         <p:cNvGrpSpPr/>
         <p:nvPr/>
@@ -11065,7 +10568,7 @@
 </p:sld>
 </file>
 
-<file path=ppt/slides/slide17.xml><?xml version="1.0" encoding="utf-8"?>
+<file path=ppt/slides/slide16.xml><?xml version="1.0" encoding="utf-8"?>
 <p:sld xmlns:a="http://schemas.openxmlformats.org/drawingml/2006/main" xmlns:r="http://schemas.openxmlformats.org/officeDocument/2006/relationships" xmlns:p="http://schemas.openxmlformats.org/presentationml/2006/main">
   <p:cSld>
     <p:spTree>
@@ -11527,6 +11030,1232 @@
       </p:par>
     </p:tnLst>
   </p:timing>
+</p:sld>
+</file>
+
+<file path=ppt/slides/slide17.xml><?xml version="1.0" encoding="utf-8"?>
+<p:sld xmlns:a="http://schemas.openxmlformats.org/drawingml/2006/main" xmlns:r="http://schemas.openxmlformats.org/officeDocument/2006/relationships" xmlns:p="http://schemas.openxmlformats.org/presentationml/2006/main">
+  <p:cSld>
+    <p:spTree>
+      <p:nvGrpSpPr>
+        <p:cNvPr id="1" name=""/>
+        <p:cNvGrpSpPr/>
+        <p:nvPr/>
+      </p:nvGrpSpPr>
+      <p:grpSpPr>
+        <a:xfrm>
+          <a:off x="0" y="0"/>
+          <a:ext cx="0" cy="0"/>
+          <a:chOff x="0" y="0"/>
+          <a:chExt cx="0" cy="0"/>
+        </a:xfrm>
+      </p:grpSpPr>
+      <p:sp>
+        <p:nvSpPr>
+          <p:cNvPr id="2" name="Title 1"/>
+          <p:cNvSpPr>
+            <a:spLocks noGrp="1"/>
+          </p:cNvSpPr>
+          <p:nvPr>
+            <p:ph type="title"/>
+          </p:nvPr>
+        </p:nvSpPr>
+        <p:spPr/>
+        <p:txBody>
+          <a:bodyPr/>
+          <a:lstStyle/>
+          <a:p>
+            <a:r>
+              <a:rPr lang="en-US" sz="4800" dirty="0" smtClean="0">
+                <a:solidFill>
+                  <a:srgbClr val="FFC000"/>
+                </a:solidFill>
+              </a:rPr>
+              <a:t>Some Python Objects</a:t>
+            </a:r>
+            <a:endParaRPr lang="en-US" sz="4800" dirty="0">
+              <a:solidFill>
+                <a:srgbClr val="FFC000"/>
+              </a:solidFill>
+            </a:endParaRPr>
+          </a:p>
+        </p:txBody>
+      </p:sp>
+      <p:sp>
+        <p:nvSpPr>
+          <p:cNvPr id="3" name="TextBox 2"/>
+          <p:cNvSpPr txBox="1"/>
+          <p:nvPr/>
+        </p:nvSpPr>
+        <p:spPr>
+          <a:xfrm>
+            <a:off x="596348" y="1483811"/>
+            <a:ext cx="1675459" cy="3079689"/>
+          </a:xfrm>
+          <a:prstGeom prst="rect">
+            <a:avLst/>
+          </a:prstGeom>
+          <a:noFill/>
+        </p:spPr>
+        <p:txBody>
+          <a:bodyPr wrap="none" rtlCol="0">
+            <a:spAutoFit/>
+          </a:bodyPr>
+          <a:lstStyle/>
+          <a:p>
+            <a:r>
+              <a:rPr lang="en-US" sz="1294" b="1" dirty="0">
+                <a:solidFill>
+                  <a:schemeClr val="bg1"/>
+                </a:solidFill>
+                <a:latin typeface="Courier" charset="0"/>
+                <a:ea typeface="Courier" charset="0"/>
+                <a:cs typeface="Courier" charset="0"/>
+              </a:rPr>
+              <a:t>&gt;&gt;&gt; x = '</a:t>
+            </a:r>
+            <a:r>
+              <a:rPr lang="en-US" sz="1294" b="1" dirty="0" err="1">
+                <a:solidFill>
+                  <a:schemeClr val="bg1"/>
+                </a:solidFill>
+                <a:latin typeface="Courier" charset="0"/>
+                <a:ea typeface="Courier" charset="0"/>
+                <a:cs typeface="Courier" charset="0"/>
+              </a:rPr>
+              <a:t>abc</a:t>
+            </a:r>
+            <a:r>
+              <a:rPr lang="en-US" sz="1294" b="1" dirty="0">
+                <a:solidFill>
+                  <a:schemeClr val="bg1"/>
+                </a:solidFill>
+                <a:latin typeface="Courier" charset="0"/>
+                <a:ea typeface="Courier" charset="0"/>
+                <a:cs typeface="Courier" charset="0"/>
+              </a:rPr>
+              <a:t>'</a:t>
+            </a:r>
+          </a:p>
+          <a:p>
+            <a:r>
+              <a:rPr lang="en-US" sz="1294" b="1" dirty="0">
+                <a:solidFill>
+                  <a:schemeClr val="bg1"/>
+                </a:solidFill>
+                <a:latin typeface="Courier" charset="0"/>
+                <a:ea typeface="Courier" charset="0"/>
+                <a:cs typeface="Courier" charset="0"/>
+              </a:rPr>
+              <a:t>&gt;&gt;&gt; type(x)</a:t>
+            </a:r>
+            <a:endParaRPr lang="en-US" sz="1294" b="1" dirty="0">
+              <a:solidFill>
+                <a:schemeClr val="bg1"/>
+              </a:solidFill>
+              <a:latin typeface="Courier" charset="0"/>
+              <a:ea typeface="Courier" charset="0"/>
+              <a:cs typeface="Courier" charset="0"/>
+            </a:endParaRPr>
+          </a:p>
+          <a:p>
+            <a:r>
+              <a:rPr lang="en-US" sz="1294" b="1" dirty="0">
+                <a:solidFill>
+                  <a:schemeClr val="bg1"/>
+                </a:solidFill>
+                <a:latin typeface="Courier" charset="0"/>
+                <a:ea typeface="Courier" charset="0"/>
+                <a:cs typeface="Courier" charset="0"/>
+              </a:rPr>
+              <a:t>&lt;</a:t>
+            </a:r>
+            <a:r>
+              <a:rPr lang="en-US" sz="1294" b="1" dirty="0">
+                <a:solidFill>
+                  <a:srgbClr val="00FA00"/>
+                </a:solidFill>
+                <a:latin typeface="Courier" charset="0"/>
+                <a:ea typeface="Courier" charset="0"/>
+                <a:cs typeface="Courier" charset="0"/>
+              </a:rPr>
+              <a:t>class</a:t>
+            </a:r>
+            <a:r>
+              <a:rPr lang="en-US" sz="1294" b="1" dirty="0">
+                <a:solidFill>
+                  <a:schemeClr val="bg1"/>
+                </a:solidFill>
+                <a:latin typeface="Courier" charset="0"/>
+                <a:ea typeface="Courier" charset="0"/>
+                <a:cs typeface="Courier" charset="0"/>
+              </a:rPr>
+              <a:t> '</a:t>
+            </a:r>
+            <a:r>
+              <a:rPr lang="en-US" sz="1294" b="1" dirty="0" err="1">
+                <a:solidFill>
+                  <a:schemeClr val="bg1"/>
+                </a:solidFill>
+                <a:latin typeface="Courier" charset="0"/>
+                <a:ea typeface="Courier" charset="0"/>
+                <a:cs typeface="Courier" charset="0"/>
+              </a:rPr>
+              <a:t>str</a:t>
+            </a:r>
+            <a:r>
+              <a:rPr lang="en-US" sz="1294" b="1" dirty="0">
+                <a:solidFill>
+                  <a:schemeClr val="bg1"/>
+                </a:solidFill>
+                <a:latin typeface="Courier" charset="0"/>
+                <a:ea typeface="Courier" charset="0"/>
+                <a:cs typeface="Courier" charset="0"/>
+              </a:rPr>
+              <a:t>'&gt;</a:t>
+            </a:r>
+          </a:p>
+          <a:p>
+            <a:r>
+              <a:rPr lang="en-US" sz="1294" b="1" dirty="0">
+                <a:solidFill>
+                  <a:schemeClr val="bg1"/>
+                </a:solidFill>
+                <a:latin typeface="Courier" charset="0"/>
+                <a:ea typeface="Courier" charset="0"/>
+                <a:cs typeface="Courier" charset="0"/>
+              </a:rPr>
+              <a:t>&gt;&gt;&gt; type(2.5)</a:t>
+            </a:r>
+          </a:p>
+          <a:p>
+            <a:r>
+              <a:rPr lang="en-US" sz="1294" b="1" dirty="0">
+                <a:solidFill>
+                  <a:schemeClr val="bg1"/>
+                </a:solidFill>
+                <a:latin typeface="Courier" charset="0"/>
+                <a:ea typeface="Courier" charset="0"/>
+                <a:cs typeface="Courier" charset="0"/>
+              </a:rPr>
+              <a:t>&lt;</a:t>
+            </a:r>
+            <a:r>
+              <a:rPr lang="en-US" sz="1294" b="1" dirty="0">
+                <a:solidFill>
+                  <a:srgbClr val="00FA00"/>
+                </a:solidFill>
+                <a:latin typeface="Courier" charset="0"/>
+                <a:ea typeface="Courier" charset="0"/>
+                <a:cs typeface="Courier" charset="0"/>
+              </a:rPr>
+              <a:t>class</a:t>
+            </a:r>
+            <a:r>
+              <a:rPr lang="en-US" sz="1294" b="1" dirty="0">
+                <a:solidFill>
+                  <a:schemeClr val="bg1"/>
+                </a:solidFill>
+                <a:latin typeface="Courier" charset="0"/>
+                <a:ea typeface="Courier" charset="0"/>
+                <a:cs typeface="Courier" charset="0"/>
+              </a:rPr>
+              <a:t> 'float'&gt;</a:t>
+            </a:r>
+          </a:p>
+          <a:p>
+            <a:r>
+              <a:rPr lang="en-US" sz="1294" b="1" dirty="0">
+                <a:solidFill>
+                  <a:schemeClr val="bg1"/>
+                </a:solidFill>
+                <a:latin typeface="Courier" charset="0"/>
+                <a:ea typeface="Courier" charset="0"/>
+                <a:cs typeface="Courier" charset="0"/>
+              </a:rPr>
+              <a:t>&gt;&gt;&gt; type(2)</a:t>
+            </a:r>
+          </a:p>
+          <a:p>
+            <a:r>
+              <a:rPr lang="en-US" sz="1294" b="1" dirty="0">
+                <a:solidFill>
+                  <a:schemeClr val="bg1"/>
+                </a:solidFill>
+                <a:latin typeface="Courier" charset="0"/>
+                <a:ea typeface="Courier" charset="0"/>
+                <a:cs typeface="Courier" charset="0"/>
+              </a:rPr>
+              <a:t>&lt;</a:t>
+            </a:r>
+            <a:r>
+              <a:rPr lang="en-US" sz="1294" b="1" dirty="0">
+                <a:solidFill>
+                  <a:srgbClr val="00FA00"/>
+                </a:solidFill>
+                <a:latin typeface="Courier" charset="0"/>
+                <a:ea typeface="Courier" charset="0"/>
+                <a:cs typeface="Courier" charset="0"/>
+              </a:rPr>
+              <a:t>class </a:t>
+            </a:r>
+            <a:r>
+              <a:rPr lang="en-US" sz="1294" b="1" dirty="0">
+                <a:solidFill>
+                  <a:schemeClr val="bg1"/>
+                </a:solidFill>
+                <a:latin typeface="Courier" charset="0"/>
+                <a:ea typeface="Courier" charset="0"/>
+                <a:cs typeface="Courier" charset="0"/>
+              </a:rPr>
+              <a:t>'</a:t>
+            </a:r>
+            <a:r>
+              <a:rPr lang="en-US" sz="1294" b="1" dirty="0" err="1">
+                <a:solidFill>
+                  <a:schemeClr val="bg1"/>
+                </a:solidFill>
+                <a:latin typeface="Courier" charset="0"/>
+                <a:ea typeface="Courier" charset="0"/>
+                <a:cs typeface="Courier" charset="0"/>
+              </a:rPr>
+              <a:t>int</a:t>
+            </a:r>
+            <a:r>
+              <a:rPr lang="en-US" sz="1294" b="1" dirty="0">
+                <a:solidFill>
+                  <a:schemeClr val="bg1"/>
+                </a:solidFill>
+                <a:latin typeface="Courier" charset="0"/>
+                <a:ea typeface="Courier" charset="0"/>
+                <a:cs typeface="Courier" charset="0"/>
+              </a:rPr>
+              <a:t>'&gt;</a:t>
+            </a:r>
+          </a:p>
+          <a:p>
+            <a:r>
+              <a:rPr lang="en-US" sz="1294" b="1" dirty="0">
+                <a:solidFill>
+                  <a:schemeClr val="bg1"/>
+                </a:solidFill>
+                <a:latin typeface="Courier" charset="0"/>
+                <a:ea typeface="Courier" charset="0"/>
+                <a:cs typeface="Courier" charset="0"/>
+              </a:rPr>
+              <a:t>&gt;&gt;&gt; y = list()</a:t>
+            </a:r>
+          </a:p>
+          <a:p>
+            <a:r>
+              <a:rPr lang="en-US" sz="1294" b="1" dirty="0">
+                <a:solidFill>
+                  <a:schemeClr val="bg1"/>
+                </a:solidFill>
+                <a:latin typeface="Courier" charset="0"/>
+                <a:ea typeface="Courier" charset="0"/>
+                <a:cs typeface="Courier" charset="0"/>
+              </a:rPr>
+              <a:t>&gt;&gt;&gt; type(y)</a:t>
+            </a:r>
+          </a:p>
+          <a:p>
+            <a:r>
+              <a:rPr lang="en-US" sz="1294" b="1" dirty="0">
+                <a:solidFill>
+                  <a:schemeClr val="bg1"/>
+                </a:solidFill>
+                <a:latin typeface="Courier" charset="0"/>
+                <a:ea typeface="Courier" charset="0"/>
+                <a:cs typeface="Courier" charset="0"/>
+              </a:rPr>
+              <a:t>&lt;</a:t>
+            </a:r>
+            <a:r>
+              <a:rPr lang="en-US" sz="1294" b="1" dirty="0">
+                <a:solidFill>
+                  <a:srgbClr val="00FA00"/>
+                </a:solidFill>
+                <a:latin typeface="Courier" charset="0"/>
+                <a:ea typeface="Courier" charset="0"/>
+                <a:cs typeface="Courier" charset="0"/>
+              </a:rPr>
+              <a:t>class </a:t>
+            </a:r>
+            <a:r>
+              <a:rPr lang="en-US" sz="1294" b="1" dirty="0">
+                <a:solidFill>
+                  <a:schemeClr val="bg1"/>
+                </a:solidFill>
+                <a:latin typeface="Courier" charset="0"/>
+                <a:ea typeface="Courier" charset="0"/>
+                <a:cs typeface="Courier" charset="0"/>
+              </a:rPr>
+              <a:t>'list'&gt;</a:t>
+            </a:r>
+          </a:p>
+          <a:p>
+            <a:r>
+              <a:rPr lang="en-US" sz="1294" b="1" dirty="0">
+                <a:solidFill>
+                  <a:schemeClr val="bg1"/>
+                </a:solidFill>
+                <a:latin typeface="Courier" charset="0"/>
+                <a:ea typeface="Courier" charset="0"/>
+                <a:cs typeface="Courier" charset="0"/>
+              </a:rPr>
+              <a:t>&gt;&gt;&gt; z = </a:t>
+            </a:r>
+            <a:r>
+              <a:rPr lang="en-US" sz="1294" b="1" dirty="0" err="1">
+                <a:solidFill>
+                  <a:schemeClr val="bg1"/>
+                </a:solidFill>
+                <a:latin typeface="Courier" charset="0"/>
+                <a:ea typeface="Courier" charset="0"/>
+                <a:cs typeface="Courier" charset="0"/>
+              </a:rPr>
+              <a:t>dict</a:t>
+            </a:r>
+            <a:r>
+              <a:rPr lang="en-US" sz="1294" b="1" dirty="0">
+                <a:solidFill>
+                  <a:schemeClr val="bg1"/>
+                </a:solidFill>
+                <a:latin typeface="Courier" charset="0"/>
+                <a:ea typeface="Courier" charset="0"/>
+                <a:cs typeface="Courier" charset="0"/>
+              </a:rPr>
+              <a:t>()</a:t>
+            </a:r>
+          </a:p>
+          <a:p>
+            <a:r>
+              <a:rPr lang="en-US" sz="1294" b="1" dirty="0">
+                <a:solidFill>
+                  <a:schemeClr val="bg1"/>
+                </a:solidFill>
+                <a:latin typeface="Courier" charset="0"/>
+                <a:ea typeface="Courier" charset="0"/>
+                <a:cs typeface="Courier" charset="0"/>
+              </a:rPr>
+              <a:t>&gt;&gt;&gt; type(y)</a:t>
+            </a:r>
+          </a:p>
+          <a:p>
+            <a:r>
+              <a:rPr lang="en-US" sz="1294" b="1" dirty="0">
+                <a:solidFill>
+                  <a:schemeClr val="bg1"/>
+                </a:solidFill>
+                <a:latin typeface="Courier" charset="0"/>
+                <a:ea typeface="Courier" charset="0"/>
+                <a:cs typeface="Courier" charset="0"/>
+              </a:rPr>
+              <a:t>&lt;</a:t>
+            </a:r>
+            <a:r>
+              <a:rPr lang="en-US" sz="1294" b="1" dirty="0">
+                <a:solidFill>
+                  <a:srgbClr val="00FA00"/>
+                </a:solidFill>
+                <a:latin typeface="Courier" charset="0"/>
+                <a:ea typeface="Courier" charset="0"/>
+                <a:cs typeface="Courier" charset="0"/>
+              </a:rPr>
+              <a:t>class</a:t>
+            </a:r>
+            <a:r>
+              <a:rPr lang="en-US" sz="1294" b="1" dirty="0">
+                <a:solidFill>
+                  <a:schemeClr val="bg1"/>
+                </a:solidFill>
+                <a:latin typeface="Courier" charset="0"/>
+                <a:ea typeface="Courier" charset="0"/>
+                <a:cs typeface="Courier" charset="0"/>
+              </a:rPr>
+              <a:t> 'list'&gt;</a:t>
+            </a:r>
+          </a:p>
+          <a:p>
+            <a:r>
+              <a:rPr lang="en-US" sz="1294" b="1" dirty="0">
+                <a:solidFill>
+                  <a:schemeClr val="bg1"/>
+                </a:solidFill>
+                <a:latin typeface="Courier" charset="0"/>
+                <a:ea typeface="Courier" charset="0"/>
+                <a:cs typeface="Courier" charset="0"/>
+              </a:rPr>
+              <a:t>&gt;&gt;&gt; type(z)</a:t>
+            </a:r>
+          </a:p>
+          <a:p>
+            <a:r>
+              <a:rPr lang="en-US" sz="1294" b="1" dirty="0">
+                <a:solidFill>
+                  <a:schemeClr val="bg1"/>
+                </a:solidFill>
+                <a:latin typeface="Courier" charset="0"/>
+                <a:ea typeface="Courier" charset="0"/>
+                <a:cs typeface="Courier" charset="0"/>
+              </a:rPr>
+              <a:t>&lt;</a:t>
+            </a:r>
+            <a:r>
+              <a:rPr lang="en-US" sz="1294" b="1" dirty="0">
+                <a:solidFill>
+                  <a:srgbClr val="00FA00"/>
+                </a:solidFill>
+                <a:latin typeface="Courier" charset="0"/>
+                <a:ea typeface="Courier" charset="0"/>
+                <a:cs typeface="Courier" charset="0"/>
+              </a:rPr>
+              <a:t>class</a:t>
+            </a:r>
+            <a:r>
+              <a:rPr lang="en-US" sz="1294" b="1" dirty="0">
+                <a:solidFill>
+                  <a:schemeClr val="bg1"/>
+                </a:solidFill>
+                <a:latin typeface="Courier" charset="0"/>
+                <a:ea typeface="Courier" charset="0"/>
+                <a:cs typeface="Courier" charset="0"/>
+              </a:rPr>
+              <a:t> '</a:t>
+            </a:r>
+            <a:r>
+              <a:rPr lang="en-US" sz="1294" b="1" dirty="0" err="1">
+                <a:solidFill>
+                  <a:schemeClr val="bg1"/>
+                </a:solidFill>
+                <a:latin typeface="Courier" charset="0"/>
+                <a:ea typeface="Courier" charset="0"/>
+                <a:cs typeface="Courier" charset="0"/>
+              </a:rPr>
+              <a:t>dict</a:t>
+            </a:r>
+            <a:r>
+              <a:rPr lang="en-US" sz="1294" b="1" dirty="0">
+                <a:solidFill>
+                  <a:schemeClr val="bg1"/>
+                </a:solidFill>
+                <a:latin typeface="Courier" charset="0"/>
+                <a:ea typeface="Courier" charset="0"/>
+                <a:cs typeface="Courier" charset="0"/>
+              </a:rPr>
+              <a:t>'&gt;</a:t>
+            </a:r>
+            <a:endParaRPr lang="en-US" sz="1294" b="1" dirty="0">
+              <a:solidFill>
+                <a:schemeClr val="bg1"/>
+              </a:solidFill>
+              <a:latin typeface="Courier" charset="0"/>
+              <a:ea typeface="Courier" charset="0"/>
+              <a:cs typeface="Courier" charset="0"/>
+            </a:endParaRPr>
+          </a:p>
+        </p:txBody>
+      </p:sp>
+      <p:sp>
+        <p:nvSpPr>
+          <p:cNvPr id="4" name="TextBox 3"/>
+          <p:cNvSpPr txBox="1"/>
+          <p:nvPr/>
+        </p:nvSpPr>
+        <p:spPr>
+          <a:xfrm>
+            <a:off x="3507985" y="1384274"/>
+            <a:ext cx="5235111" cy="3278846"/>
+          </a:xfrm>
+          <a:prstGeom prst="rect">
+            <a:avLst/>
+          </a:prstGeom>
+          <a:noFill/>
+        </p:spPr>
+        <p:txBody>
+          <a:bodyPr wrap="square" rtlCol="0">
+            <a:spAutoFit/>
+          </a:bodyPr>
+          <a:lstStyle/>
+          <a:p>
+            <a:r>
+              <a:rPr lang="en-US" sz="1294" b="1" dirty="0">
+                <a:solidFill>
+                  <a:schemeClr val="bg1"/>
+                </a:solidFill>
+                <a:latin typeface="Courier" charset="0"/>
+                <a:ea typeface="Courier" charset="0"/>
+                <a:cs typeface="Courier" charset="0"/>
+              </a:rPr>
+              <a:t>&gt;&gt;&gt; </a:t>
+            </a:r>
+            <a:r>
+              <a:rPr lang="en-US" sz="1294" b="1" dirty="0" err="1">
+                <a:solidFill>
+                  <a:schemeClr val="bg1"/>
+                </a:solidFill>
+                <a:latin typeface="Courier" charset="0"/>
+                <a:ea typeface="Courier" charset="0"/>
+                <a:cs typeface="Courier" charset="0"/>
+              </a:rPr>
+              <a:t>dir</a:t>
+            </a:r>
+            <a:r>
+              <a:rPr lang="en-US" sz="1294" b="1" dirty="0">
+                <a:solidFill>
+                  <a:schemeClr val="bg1"/>
+                </a:solidFill>
+                <a:latin typeface="Courier" charset="0"/>
+                <a:ea typeface="Courier" charset="0"/>
+                <a:cs typeface="Courier" charset="0"/>
+              </a:rPr>
+              <a:t>(x)</a:t>
+            </a:r>
+          </a:p>
+          <a:p>
+            <a:r>
+              <a:rPr lang="en-US" sz="1294" b="1" dirty="0">
+                <a:solidFill>
+                  <a:schemeClr val="bg1"/>
+                </a:solidFill>
+                <a:latin typeface="Courier" charset="0"/>
+                <a:ea typeface="Courier" charset="0"/>
+                <a:cs typeface="Courier" charset="0"/>
+              </a:rPr>
+              <a:t>[ </a:t>
+            </a:r>
+            <a:r>
+              <a:rPr lang="is-IS" sz="1294" b="1" dirty="0">
+                <a:solidFill>
+                  <a:schemeClr val="bg1"/>
+                </a:solidFill>
+                <a:latin typeface="Courier" charset="0"/>
+                <a:ea typeface="Courier" charset="0"/>
+                <a:cs typeface="Courier" charset="0"/>
+              </a:rPr>
+              <a:t>… </a:t>
+            </a:r>
+            <a:r>
+              <a:rPr lang="en-US" sz="1294" b="1" dirty="0">
+                <a:solidFill>
+                  <a:srgbClr val="FFFF00"/>
+                </a:solidFill>
+                <a:latin typeface="Courier" charset="0"/>
+                <a:ea typeface="Courier" charset="0"/>
+                <a:cs typeface="Courier" charset="0"/>
+              </a:rPr>
+              <a:t>'capitalize', '</a:t>
+            </a:r>
+            <a:r>
+              <a:rPr lang="en-US" sz="1294" b="1" dirty="0" err="1">
+                <a:solidFill>
+                  <a:srgbClr val="FFFF00"/>
+                </a:solidFill>
+                <a:latin typeface="Courier" charset="0"/>
+                <a:ea typeface="Courier" charset="0"/>
+                <a:cs typeface="Courier" charset="0"/>
+              </a:rPr>
+              <a:t>casefold</a:t>
+            </a:r>
+            <a:r>
+              <a:rPr lang="en-US" sz="1294" b="1" dirty="0">
+                <a:solidFill>
+                  <a:srgbClr val="FFFF00"/>
+                </a:solidFill>
+                <a:latin typeface="Courier" charset="0"/>
+                <a:ea typeface="Courier" charset="0"/>
+                <a:cs typeface="Courier" charset="0"/>
+              </a:rPr>
+              <a:t>', 'center', 'count', 'encode', '</a:t>
+            </a:r>
+            <a:r>
+              <a:rPr lang="en-US" sz="1294" b="1" dirty="0" err="1">
+                <a:solidFill>
+                  <a:srgbClr val="FFFF00"/>
+                </a:solidFill>
+                <a:latin typeface="Courier" charset="0"/>
+                <a:ea typeface="Courier" charset="0"/>
+                <a:cs typeface="Courier" charset="0"/>
+              </a:rPr>
+              <a:t>endswith</a:t>
+            </a:r>
+            <a:r>
+              <a:rPr lang="en-US" sz="1294" b="1" dirty="0">
+                <a:solidFill>
+                  <a:srgbClr val="FFFF00"/>
+                </a:solidFill>
+                <a:latin typeface="Courier" charset="0"/>
+                <a:ea typeface="Courier" charset="0"/>
+                <a:cs typeface="Courier" charset="0"/>
+              </a:rPr>
+              <a:t>', '</a:t>
+            </a:r>
+            <a:r>
+              <a:rPr lang="en-US" sz="1294" b="1" dirty="0" err="1">
+                <a:solidFill>
+                  <a:srgbClr val="FFFF00"/>
+                </a:solidFill>
+                <a:latin typeface="Courier" charset="0"/>
+                <a:ea typeface="Courier" charset="0"/>
+                <a:cs typeface="Courier" charset="0"/>
+              </a:rPr>
+              <a:t>expandtabs</a:t>
+            </a:r>
+            <a:r>
+              <a:rPr lang="en-US" sz="1294" b="1" dirty="0">
+                <a:solidFill>
+                  <a:srgbClr val="FFFF00"/>
+                </a:solidFill>
+                <a:latin typeface="Courier" charset="0"/>
+                <a:ea typeface="Courier" charset="0"/>
+                <a:cs typeface="Courier" charset="0"/>
+              </a:rPr>
+              <a:t>', 'find', 'format', </a:t>
+            </a:r>
+            <a:r>
+              <a:rPr lang="is-IS" sz="1294" b="1" dirty="0">
+                <a:solidFill>
+                  <a:srgbClr val="FFFF00"/>
+                </a:solidFill>
+                <a:latin typeface="Courier" charset="0"/>
+                <a:ea typeface="Courier" charset="0"/>
+                <a:cs typeface="Courier" charset="0"/>
+              </a:rPr>
+              <a:t>… </a:t>
+            </a:r>
+            <a:r>
+              <a:rPr lang="en-US" sz="1294" b="1" dirty="0">
+                <a:solidFill>
+                  <a:srgbClr val="FFFF00"/>
+                </a:solidFill>
+                <a:latin typeface="Courier" charset="0"/>
+                <a:ea typeface="Courier" charset="0"/>
+                <a:cs typeface="Courier" charset="0"/>
+              </a:rPr>
+              <a:t>'lower', '</a:t>
+            </a:r>
+            <a:r>
+              <a:rPr lang="en-US" sz="1294" b="1" dirty="0" err="1">
+                <a:solidFill>
+                  <a:srgbClr val="FFFF00"/>
+                </a:solidFill>
+                <a:latin typeface="Courier" charset="0"/>
+                <a:ea typeface="Courier" charset="0"/>
+                <a:cs typeface="Courier" charset="0"/>
+              </a:rPr>
+              <a:t>lstrip</a:t>
+            </a:r>
+            <a:r>
+              <a:rPr lang="en-US" sz="1294" b="1" dirty="0">
+                <a:solidFill>
+                  <a:srgbClr val="FFFF00"/>
+                </a:solidFill>
+                <a:latin typeface="Courier" charset="0"/>
+                <a:ea typeface="Courier" charset="0"/>
+                <a:cs typeface="Courier" charset="0"/>
+              </a:rPr>
+              <a:t>', '</a:t>
+            </a:r>
+            <a:r>
+              <a:rPr lang="en-US" sz="1294" b="1" dirty="0" err="1">
+                <a:solidFill>
+                  <a:srgbClr val="FFFF00"/>
+                </a:solidFill>
+                <a:latin typeface="Courier" charset="0"/>
+                <a:ea typeface="Courier" charset="0"/>
+                <a:cs typeface="Courier" charset="0"/>
+              </a:rPr>
+              <a:t>maketrans</a:t>
+            </a:r>
+            <a:r>
+              <a:rPr lang="en-US" sz="1294" b="1" dirty="0">
+                <a:solidFill>
+                  <a:srgbClr val="FFFF00"/>
+                </a:solidFill>
+                <a:latin typeface="Courier" charset="0"/>
+                <a:ea typeface="Courier" charset="0"/>
+                <a:cs typeface="Courier" charset="0"/>
+              </a:rPr>
+              <a:t>', 'partition', 'replace', '</a:t>
+            </a:r>
+            <a:r>
+              <a:rPr lang="en-US" sz="1294" b="1" dirty="0" err="1">
+                <a:solidFill>
+                  <a:srgbClr val="FFFF00"/>
+                </a:solidFill>
+                <a:latin typeface="Courier" charset="0"/>
+                <a:ea typeface="Courier" charset="0"/>
+                <a:cs typeface="Courier" charset="0"/>
+              </a:rPr>
+              <a:t>rfind</a:t>
+            </a:r>
+            <a:r>
+              <a:rPr lang="en-US" sz="1294" b="1" dirty="0">
+                <a:solidFill>
+                  <a:srgbClr val="FFFF00"/>
+                </a:solidFill>
+                <a:latin typeface="Courier" charset="0"/>
+                <a:ea typeface="Courier" charset="0"/>
+                <a:cs typeface="Courier" charset="0"/>
+              </a:rPr>
+              <a:t>', '</a:t>
+            </a:r>
+            <a:r>
+              <a:rPr lang="en-US" sz="1294" b="1" dirty="0" err="1">
+                <a:solidFill>
+                  <a:srgbClr val="FFFF00"/>
+                </a:solidFill>
+                <a:latin typeface="Courier" charset="0"/>
+                <a:ea typeface="Courier" charset="0"/>
+                <a:cs typeface="Courier" charset="0"/>
+              </a:rPr>
+              <a:t>rindex</a:t>
+            </a:r>
+            <a:r>
+              <a:rPr lang="en-US" sz="1294" b="1" dirty="0">
+                <a:solidFill>
+                  <a:srgbClr val="FFFF00"/>
+                </a:solidFill>
+                <a:latin typeface="Courier" charset="0"/>
+                <a:ea typeface="Courier" charset="0"/>
+                <a:cs typeface="Courier" charset="0"/>
+              </a:rPr>
+              <a:t>', '</a:t>
+            </a:r>
+            <a:r>
+              <a:rPr lang="en-US" sz="1294" b="1" dirty="0" err="1">
+                <a:solidFill>
+                  <a:srgbClr val="FFFF00"/>
+                </a:solidFill>
+                <a:latin typeface="Courier" charset="0"/>
+                <a:ea typeface="Courier" charset="0"/>
+                <a:cs typeface="Courier" charset="0"/>
+              </a:rPr>
+              <a:t>rjust</a:t>
+            </a:r>
+            <a:r>
+              <a:rPr lang="en-US" sz="1294" b="1" dirty="0">
+                <a:solidFill>
+                  <a:srgbClr val="FFFF00"/>
+                </a:solidFill>
+                <a:latin typeface="Courier" charset="0"/>
+                <a:ea typeface="Courier" charset="0"/>
+                <a:cs typeface="Courier" charset="0"/>
+              </a:rPr>
+              <a:t>', '</a:t>
+            </a:r>
+            <a:r>
+              <a:rPr lang="en-US" sz="1294" b="1" dirty="0" err="1">
+                <a:solidFill>
+                  <a:srgbClr val="FFFF00"/>
+                </a:solidFill>
+                <a:latin typeface="Courier" charset="0"/>
+                <a:ea typeface="Courier" charset="0"/>
+                <a:cs typeface="Courier" charset="0"/>
+              </a:rPr>
+              <a:t>rpartition</a:t>
+            </a:r>
+            <a:r>
+              <a:rPr lang="en-US" sz="1294" b="1" dirty="0">
+                <a:solidFill>
+                  <a:srgbClr val="FFFF00"/>
+                </a:solidFill>
+                <a:latin typeface="Courier" charset="0"/>
+                <a:ea typeface="Courier" charset="0"/>
+                <a:cs typeface="Courier" charset="0"/>
+              </a:rPr>
+              <a:t>', '</a:t>
+            </a:r>
+            <a:r>
+              <a:rPr lang="en-US" sz="1294" b="1" dirty="0" err="1">
+                <a:solidFill>
+                  <a:srgbClr val="FFFF00"/>
+                </a:solidFill>
+                <a:latin typeface="Courier" charset="0"/>
+                <a:ea typeface="Courier" charset="0"/>
+                <a:cs typeface="Courier" charset="0"/>
+              </a:rPr>
+              <a:t>rsplit</a:t>
+            </a:r>
+            <a:r>
+              <a:rPr lang="en-US" sz="1294" b="1" dirty="0">
+                <a:solidFill>
+                  <a:srgbClr val="FFFF00"/>
+                </a:solidFill>
+                <a:latin typeface="Courier" charset="0"/>
+                <a:ea typeface="Courier" charset="0"/>
+                <a:cs typeface="Courier" charset="0"/>
+              </a:rPr>
+              <a:t>', '</a:t>
+            </a:r>
+            <a:r>
+              <a:rPr lang="en-US" sz="1294" b="1" dirty="0" err="1">
+                <a:solidFill>
+                  <a:srgbClr val="FFFF00"/>
+                </a:solidFill>
+                <a:latin typeface="Courier" charset="0"/>
+                <a:ea typeface="Courier" charset="0"/>
+                <a:cs typeface="Courier" charset="0"/>
+              </a:rPr>
+              <a:t>rstrip</a:t>
+            </a:r>
+            <a:r>
+              <a:rPr lang="en-US" sz="1294" b="1" dirty="0">
+                <a:solidFill>
+                  <a:srgbClr val="FFFF00"/>
+                </a:solidFill>
+                <a:latin typeface="Courier" charset="0"/>
+                <a:ea typeface="Courier" charset="0"/>
+                <a:cs typeface="Courier" charset="0"/>
+              </a:rPr>
+              <a:t>', 'split', '</a:t>
+            </a:r>
+            <a:r>
+              <a:rPr lang="en-US" sz="1294" b="1" dirty="0" err="1">
+                <a:solidFill>
+                  <a:srgbClr val="FFFF00"/>
+                </a:solidFill>
+                <a:latin typeface="Courier" charset="0"/>
+                <a:ea typeface="Courier" charset="0"/>
+                <a:cs typeface="Courier" charset="0"/>
+              </a:rPr>
+              <a:t>splitlines</a:t>
+            </a:r>
+            <a:r>
+              <a:rPr lang="en-US" sz="1294" b="1" dirty="0">
+                <a:solidFill>
+                  <a:srgbClr val="FFFF00"/>
+                </a:solidFill>
+                <a:latin typeface="Courier" charset="0"/>
+                <a:ea typeface="Courier" charset="0"/>
+                <a:cs typeface="Courier" charset="0"/>
+              </a:rPr>
+              <a:t>', '</a:t>
+            </a:r>
+            <a:r>
+              <a:rPr lang="en-US" sz="1294" b="1" dirty="0" err="1">
+                <a:solidFill>
+                  <a:srgbClr val="FFFF00"/>
+                </a:solidFill>
+                <a:latin typeface="Courier" charset="0"/>
+                <a:ea typeface="Courier" charset="0"/>
+                <a:cs typeface="Courier" charset="0"/>
+              </a:rPr>
+              <a:t>startswith</a:t>
+            </a:r>
+            <a:r>
+              <a:rPr lang="en-US" sz="1294" b="1" dirty="0">
+                <a:solidFill>
+                  <a:srgbClr val="FFFF00"/>
+                </a:solidFill>
+                <a:latin typeface="Courier" charset="0"/>
+                <a:ea typeface="Courier" charset="0"/>
+                <a:cs typeface="Courier" charset="0"/>
+              </a:rPr>
+              <a:t>', 'strip', '</a:t>
+            </a:r>
+            <a:r>
+              <a:rPr lang="en-US" sz="1294" b="1" dirty="0" err="1">
+                <a:solidFill>
+                  <a:srgbClr val="FFFF00"/>
+                </a:solidFill>
+                <a:latin typeface="Courier" charset="0"/>
+                <a:ea typeface="Courier" charset="0"/>
+                <a:cs typeface="Courier" charset="0"/>
+              </a:rPr>
+              <a:t>swapcase</a:t>
+            </a:r>
+            <a:r>
+              <a:rPr lang="en-US" sz="1294" b="1" dirty="0">
+                <a:solidFill>
+                  <a:srgbClr val="FFFF00"/>
+                </a:solidFill>
+                <a:latin typeface="Courier" charset="0"/>
+                <a:ea typeface="Courier" charset="0"/>
+                <a:cs typeface="Courier" charset="0"/>
+              </a:rPr>
+              <a:t>', 'title', 'translate', 'upper', '</a:t>
+            </a:r>
+            <a:r>
+              <a:rPr lang="en-US" sz="1294" b="1" dirty="0" err="1">
+                <a:solidFill>
+                  <a:srgbClr val="FFFF00"/>
+                </a:solidFill>
+                <a:latin typeface="Courier" charset="0"/>
+                <a:ea typeface="Courier" charset="0"/>
+                <a:cs typeface="Courier" charset="0"/>
+              </a:rPr>
+              <a:t>zfill</a:t>
+            </a:r>
+            <a:r>
+              <a:rPr lang="en-US" sz="1294" b="1" dirty="0">
+                <a:solidFill>
+                  <a:srgbClr val="FFFF00"/>
+                </a:solidFill>
+                <a:latin typeface="Courier" charset="0"/>
+                <a:ea typeface="Courier" charset="0"/>
+                <a:cs typeface="Courier" charset="0"/>
+              </a:rPr>
+              <a:t>'</a:t>
+            </a:r>
+            <a:r>
+              <a:rPr lang="en-US" sz="1294" b="1" dirty="0">
+                <a:solidFill>
+                  <a:schemeClr val="bg1"/>
+                </a:solidFill>
+                <a:latin typeface="Courier" charset="0"/>
+                <a:ea typeface="Courier" charset="0"/>
+                <a:cs typeface="Courier" charset="0"/>
+              </a:rPr>
+              <a:t>]</a:t>
+            </a:r>
+          </a:p>
+          <a:p>
+            <a:r>
+              <a:rPr lang="en-US" sz="1294" b="1" dirty="0">
+                <a:solidFill>
+                  <a:schemeClr val="bg1"/>
+                </a:solidFill>
+                <a:latin typeface="Courier" charset="0"/>
+                <a:ea typeface="Courier" charset="0"/>
+                <a:cs typeface="Courier" charset="0"/>
+              </a:rPr>
+              <a:t>&gt;&gt;&gt; </a:t>
+            </a:r>
+            <a:r>
+              <a:rPr lang="en-US" sz="1294" b="1" dirty="0" err="1">
+                <a:solidFill>
+                  <a:schemeClr val="bg1"/>
+                </a:solidFill>
+                <a:latin typeface="Courier" charset="0"/>
+                <a:ea typeface="Courier" charset="0"/>
+                <a:cs typeface="Courier" charset="0"/>
+              </a:rPr>
+              <a:t>dir</a:t>
+            </a:r>
+            <a:r>
+              <a:rPr lang="en-US" sz="1294" b="1" dirty="0">
+                <a:solidFill>
+                  <a:schemeClr val="bg1"/>
+                </a:solidFill>
+                <a:latin typeface="Courier" charset="0"/>
+                <a:ea typeface="Courier" charset="0"/>
+                <a:cs typeface="Courier" charset="0"/>
+              </a:rPr>
+              <a:t>(y)</a:t>
+            </a:r>
+          </a:p>
+          <a:p>
+            <a:r>
+              <a:rPr lang="en-US" sz="1294" b="1" dirty="0">
+                <a:solidFill>
+                  <a:schemeClr val="bg1"/>
+                </a:solidFill>
+                <a:latin typeface="Courier" charset="0"/>
+                <a:ea typeface="Courier" charset="0"/>
+                <a:cs typeface="Courier" charset="0"/>
+              </a:rPr>
+              <a:t>[</a:t>
+            </a:r>
+            <a:r>
+              <a:rPr lang="is-IS" sz="1294" b="1" dirty="0">
+                <a:solidFill>
+                  <a:schemeClr val="bg1"/>
+                </a:solidFill>
+                <a:latin typeface="Courier" charset="0"/>
+                <a:ea typeface="Courier" charset="0"/>
+                <a:cs typeface="Courier" charset="0"/>
+              </a:rPr>
+              <a:t>… </a:t>
+            </a:r>
+            <a:r>
+              <a:rPr lang="en-US" sz="1294" b="1" dirty="0">
+                <a:solidFill>
+                  <a:srgbClr val="FFFF00"/>
+                </a:solidFill>
+                <a:latin typeface="Courier" charset="0"/>
+                <a:ea typeface="Courier" charset="0"/>
+                <a:cs typeface="Courier" charset="0"/>
+              </a:rPr>
+              <a:t>'append', 'clear', 'copy', 'count', 'extend', 'index', 'insert', 'pop', 'remove', 'reverse', 'sort']</a:t>
+            </a:r>
+          </a:p>
+          <a:p>
+            <a:r>
+              <a:rPr lang="en-US" sz="1294" b="1" dirty="0">
+                <a:solidFill>
+                  <a:schemeClr val="bg1"/>
+                </a:solidFill>
+                <a:latin typeface="Courier" charset="0"/>
+                <a:ea typeface="Courier" charset="0"/>
+                <a:cs typeface="Courier" charset="0"/>
+              </a:rPr>
+              <a:t>&gt;&gt;&gt; </a:t>
+            </a:r>
+            <a:r>
+              <a:rPr lang="en-US" sz="1294" b="1" dirty="0" err="1">
+                <a:solidFill>
+                  <a:schemeClr val="bg1"/>
+                </a:solidFill>
+                <a:latin typeface="Courier" charset="0"/>
+                <a:ea typeface="Courier" charset="0"/>
+                <a:cs typeface="Courier" charset="0"/>
+              </a:rPr>
+              <a:t>dir</a:t>
+            </a:r>
+            <a:r>
+              <a:rPr lang="en-US" sz="1294" b="1" dirty="0">
+                <a:solidFill>
+                  <a:schemeClr val="bg1"/>
+                </a:solidFill>
+                <a:latin typeface="Courier" charset="0"/>
+                <a:ea typeface="Courier" charset="0"/>
+                <a:cs typeface="Courier" charset="0"/>
+              </a:rPr>
+              <a:t>(z)</a:t>
+            </a:r>
+            <a:endParaRPr lang="en-US" sz="1294" b="1" dirty="0">
+              <a:solidFill>
+                <a:schemeClr val="bg1"/>
+              </a:solidFill>
+              <a:latin typeface="Courier" charset="0"/>
+              <a:ea typeface="Courier" charset="0"/>
+              <a:cs typeface="Courier" charset="0"/>
+            </a:endParaRPr>
+          </a:p>
+          <a:p>
+            <a:r>
+              <a:rPr lang="is-IS" sz="1294" b="1" dirty="0">
+                <a:solidFill>
+                  <a:schemeClr val="bg1"/>
+                </a:solidFill>
+                <a:latin typeface="Courier" charset="0"/>
+                <a:ea typeface="Courier" charset="0"/>
+                <a:cs typeface="Courier" charset="0"/>
+              </a:rPr>
+              <a:t>[…</a:t>
+            </a:r>
+            <a:r>
+              <a:rPr lang="en-US" sz="1294" b="1" dirty="0">
+                <a:solidFill>
+                  <a:schemeClr val="bg1"/>
+                </a:solidFill>
+                <a:latin typeface="Courier" charset="0"/>
+                <a:ea typeface="Courier" charset="0"/>
+                <a:cs typeface="Courier" charset="0"/>
+              </a:rPr>
+              <a:t>, </a:t>
+            </a:r>
+            <a:r>
+              <a:rPr lang="en-US" sz="1294" b="1" dirty="0">
+                <a:solidFill>
+                  <a:srgbClr val="FFFF00"/>
+                </a:solidFill>
+                <a:latin typeface="Courier" charset="0"/>
+                <a:ea typeface="Courier" charset="0"/>
+                <a:cs typeface="Courier" charset="0"/>
+              </a:rPr>
+              <a:t>'clear', 'copy', '</a:t>
+            </a:r>
+            <a:r>
+              <a:rPr lang="en-US" sz="1294" b="1" dirty="0" err="1">
+                <a:solidFill>
+                  <a:srgbClr val="FFFF00"/>
+                </a:solidFill>
+                <a:latin typeface="Courier" charset="0"/>
+                <a:ea typeface="Courier" charset="0"/>
+                <a:cs typeface="Courier" charset="0"/>
+              </a:rPr>
+              <a:t>fromkeys</a:t>
+            </a:r>
+            <a:r>
+              <a:rPr lang="en-US" sz="1294" b="1" dirty="0">
+                <a:solidFill>
+                  <a:srgbClr val="FFFF00"/>
+                </a:solidFill>
+                <a:latin typeface="Courier" charset="0"/>
+                <a:ea typeface="Courier" charset="0"/>
+                <a:cs typeface="Courier" charset="0"/>
+              </a:rPr>
+              <a:t>', 'get', 'items', 'keys', 'pop', '</a:t>
+            </a:r>
+            <a:r>
+              <a:rPr lang="en-US" sz="1294" b="1" dirty="0" err="1">
+                <a:solidFill>
+                  <a:srgbClr val="FFFF00"/>
+                </a:solidFill>
+                <a:latin typeface="Courier" charset="0"/>
+                <a:ea typeface="Courier" charset="0"/>
+                <a:cs typeface="Courier" charset="0"/>
+              </a:rPr>
+              <a:t>popitem</a:t>
+            </a:r>
+            <a:r>
+              <a:rPr lang="en-US" sz="1294" b="1" dirty="0">
+                <a:solidFill>
+                  <a:srgbClr val="FFFF00"/>
+                </a:solidFill>
+                <a:latin typeface="Courier" charset="0"/>
+                <a:ea typeface="Courier" charset="0"/>
+                <a:cs typeface="Courier" charset="0"/>
+              </a:rPr>
+              <a:t>', '</a:t>
+            </a:r>
+            <a:r>
+              <a:rPr lang="en-US" sz="1294" b="1" dirty="0" err="1">
+                <a:solidFill>
+                  <a:srgbClr val="FFFF00"/>
+                </a:solidFill>
+                <a:latin typeface="Courier" charset="0"/>
+                <a:ea typeface="Courier" charset="0"/>
+                <a:cs typeface="Courier" charset="0"/>
+              </a:rPr>
+              <a:t>setdefault</a:t>
+            </a:r>
+            <a:r>
+              <a:rPr lang="en-US" sz="1294" b="1" dirty="0">
+                <a:solidFill>
+                  <a:srgbClr val="FFFF00"/>
+                </a:solidFill>
+                <a:latin typeface="Courier" charset="0"/>
+                <a:ea typeface="Courier" charset="0"/>
+                <a:cs typeface="Courier" charset="0"/>
+              </a:rPr>
+              <a:t>', 'update', 'values</a:t>
+            </a:r>
+            <a:r>
+              <a:rPr lang="en-US" sz="1294" b="1" dirty="0">
+                <a:solidFill>
+                  <a:srgbClr val="FFFF00"/>
+                </a:solidFill>
+                <a:latin typeface="Courier" charset="0"/>
+                <a:ea typeface="Courier" charset="0"/>
+                <a:cs typeface="Courier" charset="0"/>
+              </a:rPr>
+              <a:t>']</a:t>
+            </a:r>
+            <a:endParaRPr lang="en-US" sz="1294" b="1" dirty="0">
+              <a:solidFill>
+                <a:srgbClr val="FFFF00"/>
+              </a:solidFill>
+              <a:latin typeface="Courier" charset="0"/>
+              <a:ea typeface="Courier" charset="0"/>
+              <a:cs typeface="Courier" charset="0"/>
+            </a:endParaRPr>
+          </a:p>
+        </p:txBody>
+      </p:sp>
+    </p:spTree>
+    <p:extLst>
+      <p:ext uri="{BB962C8B-B14F-4D97-AF65-F5344CB8AC3E}">
+        <p14:creationId xmlns:p14="http://schemas.microsoft.com/office/powerpoint/2010/main" val="12380940"/>
+      </p:ext>
+    </p:extLst>
+  </p:cSld>
+  <p:clrMapOvr>
+    <a:masterClrMapping/>
+  </p:clrMapOvr>
 </p:sld>
 </file>
 
@@ -15130,6 +15859,30 @@
               <a:t>&gt;&gt;&gt; </a:t>
             </a:r>
             <a:r>
+              <a:rPr lang="en-US" b="1" i="0" u="none" strike="noStrike" cap="none" dirty="0" smtClean="0">
+                <a:solidFill>
+                  <a:srgbClr val="FFFB00"/>
+                </a:solidFill>
+                <a:latin typeface="Courier New"/>
+                <a:ea typeface="Courier New"/>
+                <a:cs typeface="Courier New"/>
+                <a:sym typeface="Courier New"/>
+              </a:rPr>
+              <a:t>y</a:t>
+            </a:r>
+            <a:r>
+              <a:rPr lang="en" b="1" i="0" u="none" strike="noStrike" cap="none" dirty="0" smtClean="0">
+                <a:solidFill>
+                  <a:srgbClr val="FFFB00"/>
+                </a:solidFill>
+                <a:latin typeface="Courier New"/>
+                <a:ea typeface="Courier New"/>
+                <a:cs typeface="Courier New"/>
+                <a:sym typeface="Courier New"/>
+              </a:rPr>
+              <a:t> </a:t>
+            </a:r>
+            <a:r>
               <a:rPr lang="en" b="1" i="0" u="none" strike="noStrike" cap="none" dirty="0">
                 <a:solidFill>
                   <a:srgbClr val="FFFB00"/>
@@ -15139,7 +15892,7 @@
                 <a:cs typeface="Courier New"/>
                 <a:sym typeface="Courier New"/>
               </a:rPr>
-              <a:t>x = list()</a:t>
+              <a:t>= list()</a:t>
             </a:r>
           </a:p>
           <a:p>
@@ -15181,8 +15934,53 @@
                 <a:cs typeface="Courier New"/>
                 <a:sym typeface="Courier New"/>
               </a:rPr>
-              <a:t> type(x)</a:t>
-            </a:r>
+              <a:t> </a:t>
+            </a:r>
+            <a:r>
+              <a:rPr lang="en" b="1" i="0" u="none" strike="noStrike" cap="none" dirty="0" smtClean="0">
+                <a:solidFill>
+                  <a:srgbClr val="FFFB00"/>
+                </a:solidFill>
+                <a:latin typeface="Courier New"/>
+                <a:ea typeface="Courier New"/>
+                <a:cs typeface="Courier New"/>
+                <a:sym typeface="Courier New"/>
+              </a:rPr>
+              <a:t>type(</a:t>
+            </a:r>
+            <a:r>
+              <a:rPr lang="en-US" b="1" i="0" u="none" strike="noStrike" cap="none" dirty="0" smtClean="0">
+                <a:solidFill>
+                  <a:srgbClr val="FFFB00"/>
+                </a:solidFill>
+                <a:latin typeface="Courier New"/>
+                <a:ea typeface="Courier New"/>
+                <a:cs typeface="Courier New"/>
+                <a:sym typeface="Courier New"/>
+              </a:rPr>
+              <a:t>y</a:t>
+            </a:r>
+            <a:r>
+              <a:rPr lang="en" b="1" i="0" u="none" strike="noStrike" cap="none" dirty="0" smtClean="0">
+                <a:solidFill>
+                  <a:srgbClr val="FFFB00"/>
+                </a:solidFill>
+                <a:latin typeface="Courier New"/>
+                <a:ea typeface="Courier New"/>
+                <a:cs typeface="Courier New"/>
+                <a:sym typeface="Courier New"/>
+              </a:rPr>
+              <a:t>)</a:t>
+            </a:r>
+            <a:endParaRPr lang="en" b="1" i="0" u="none" strike="noStrike" cap="none" dirty="0">
+              <a:solidFill>
+                <a:srgbClr val="FFFB00"/>
+              </a:solidFill>
+              <a:latin typeface="Courier New"/>
+              <a:ea typeface="Courier New"/>
+              <a:cs typeface="Courier New"/>
+              <a:sym typeface="Courier New"/>
+            </a:endParaRPr>
           </a:p>
           <a:p>
             <a:pPr marL="0" marR="0" lvl="0" indent="0" algn="l" rtl="0">
@@ -15269,6 +16067,253 @@
             </a:r>
           </a:p>
           <a:p>
+            <a:pPr>
+              <a:buClr>
+                <a:srgbClr val="FFFFFF"/>
+              </a:buClr>
+            </a:pPr>
+            <a:r>
+              <a:rPr lang="en" b="1" dirty="0">
+                <a:solidFill>
+                  <a:srgbClr val="FFFFFF"/>
+                </a:solidFill>
+                <a:latin typeface="Courier New"/>
+                <a:ea typeface="Courier New"/>
+                <a:cs typeface="Courier New"/>
+                <a:sym typeface="Courier New"/>
+              </a:rPr>
+              <a:t>[</a:t>
+            </a:r>
+            <a:r>
+              <a:rPr lang="en" b="1" dirty="0">
+                <a:solidFill>
+                  <a:srgbClr val="00FDFF"/>
+                </a:solidFill>
+                <a:latin typeface="Courier New"/>
+                <a:ea typeface="Courier New"/>
+                <a:cs typeface="Courier New"/>
+                <a:sym typeface="Courier New"/>
+              </a:rPr>
+              <a:t>'__add__', '__class__', '__contains__', '__</a:t>
+            </a:r>
+            <a:r>
+              <a:rPr lang="en" b="1" dirty="0" err="1">
+                <a:solidFill>
+                  <a:srgbClr val="00FDFF"/>
+                </a:solidFill>
+                <a:latin typeface="Courier New"/>
+                <a:ea typeface="Courier New"/>
+                <a:cs typeface="Courier New"/>
+                <a:sym typeface="Courier New"/>
+              </a:rPr>
+              <a:t>delattr</a:t>
+            </a:r>
+            <a:r>
+              <a:rPr lang="en" b="1" dirty="0">
+                <a:solidFill>
+                  <a:srgbClr val="00FDFF"/>
+                </a:solidFill>
+                <a:latin typeface="Courier New"/>
+                <a:ea typeface="Courier New"/>
+                <a:cs typeface="Courier New"/>
+                <a:sym typeface="Courier New"/>
+              </a:rPr>
+              <a:t>__', '__</a:t>
+            </a:r>
+            <a:r>
+              <a:rPr lang="en" b="1" dirty="0" err="1">
+                <a:solidFill>
+                  <a:srgbClr val="00FDFF"/>
+                </a:solidFill>
+                <a:latin typeface="Courier New"/>
+                <a:ea typeface="Courier New"/>
+                <a:cs typeface="Courier New"/>
+                <a:sym typeface="Courier New"/>
+              </a:rPr>
+              <a:t>delitem</a:t>
+            </a:r>
+            <a:r>
+              <a:rPr lang="en" b="1" dirty="0">
+                <a:solidFill>
+                  <a:srgbClr val="00FDFF"/>
+                </a:solidFill>
+                <a:latin typeface="Courier New"/>
+                <a:ea typeface="Courier New"/>
+                <a:cs typeface="Courier New"/>
+                <a:sym typeface="Courier New"/>
+              </a:rPr>
+              <a:t>__', '__</a:t>
+            </a:r>
+            <a:r>
+              <a:rPr lang="en" b="1" dirty="0" err="1">
+                <a:solidFill>
+                  <a:srgbClr val="00FDFF"/>
+                </a:solidFill>
+                <a:latin typeface="Courier New"/>
+                <a:ea typeface="Courier New"/>
+                <a:cs typeface="Courier New"/>
+                <a:sym typeface="Courier New"/>
+              </a:rPr>
+              <a:t>delslice</a:t>
+            </a:r>
+            <a:r>
+              <a:rPr lang="en" b="1" dirty="0">
+                <a:solidFill>
+                  <a:srgbClr val="00FDFF"/>
+                </a:solidFill>
+                <a:latin typeface="Courier New"/>
+                <a:ea typeface="Courier New"/>
+                <a:cs typeface="Courier New"/>
+                <a:sym typeface="Courier New"/>
+              </a:rPr>
+              <a:t>__', '__doc__', </a:t>
+            </a:r>
+            <a:r>
+              <a:rPr lang="is-IS" b="1" dirty="0">
+                <a:solidFill>
+                  <a:srgbClr val="00FDFF"/>
+                </a:solidFill>
+                <a:latin typeface="Courier New"/>
+                <a:ea typeface="Courier New"/>
+                <a:cs typeface="Courier New"/>
+                <a:sym typeface="Courier New"/>
+              </a:rPr>
+              <a:t>… </a:t>
+            </a:r>
+            <a:r>
+              <a:rPr lang="en" b="1" dirty="0">
+                <a:solidFill>
+                  <a:srgbClr val="00FDFF"/>
+                </a:solidFill>
+                <a:latin typeface="Courier New"/>
+                <a:ea typeface="Courier New"/>
+                <a:cs typeface="Courier New"/>
+                <a:sym typeface="Courier New"/>
+              </a:rPr>
+              <a:t>'__</a:t>
+            </a:r>
+            <a:r>
+              <a:rPr lang="en" b="1" dirty="0" err="1">
+                <a:solidFill>
+                  <a:srgbClr val="00FDFF"/>
+                </a:solidFill>
+                <a:latin typeface="Courier New"/>
+                <a:ea typeface="Courier New"/>
+                <a:cs typeface="Courier New"/>
+                <a:sym typeface="Courier New"/>
+              </a:rPr>
+              <a:t>setitem</a:t>
+            </a:r>
+            <a:r>
+              <a:rPr lang="en" b="1" dirty="0">
+                <a:solidFill>
+                  <a:srgbClr val="00FDFF"/>
+                </a:solidFill>
+                <a:latin typeface="Courier New"/>
+                <a:ea typeface="Courier New"/>
+                <a:cs typeface="Courier New"/>
+                <a:sym typeface="Courier New"/>
+              </a:rPr>
+              <a:t>__', '__</a:t>
+            </a:r>
+            <a:r>
+              <a:rPr lang="en" b="1" dirty="0" err="1">
+                <a:solidFill>
+                  <a:srgbClr val="00FDFF"/>
+                </a:solidFill>
+                <a:latin typeface="Courier New"/>
+                <a:ea typeface="Courier New"/>
+                <a:cs typeface="Courier New"/>
+                <a:sym typeface="Courier New"/>
+              </a:rPr>
+              <a:t>setslice</a:t>
+            </a:r>
+            <a:r>
+              <a:rPr lang="en" b="1" dirty="0">
+                <a:solidFill>
+                  <a:srgbClr val="00FDFF"/>
+                </a:solidFill>
+                <a:latin typeface="Courier New"/>
+                <a:ea typeface="Courier New"/>
+                <a:cs typeface="Courier New"/>
+                <a:sym typeface="Courier New"/>
+              </a:rPr>
+              <a:t>__', '__</a:t>
+            </a:r>
+            <a:r>
+              <a:rPr lang="en" b="1" dirty="0" err="1">
+                <a:solidFill>
+                  <a:srgbClr val="00FDFF"/>
+                </a:solidFill>
+                <a:latin typeface="Courier New"/>
+                <a:ea typeface="Courier New"/>
+                <a:cs typeface="Courier New"/>
+                <a:sym typeface="Courier New"/>
+              </a:rPr>
+              <a:t>str</a:t>
+            </a:r>
+            <a:r>
+              <a:rPr lang="en" b="1" dirty="0">
+                <a:solidFill>
+                  <a:srgbClr val="00FDFF"/>
+                </a:solidFill>
+                <a:latin typeface="Courier New"/>
+                <a:ea typeface="Courier New"/>
+                <a:cs typeface="Courier New"/>
+                <a:sym typeface="Courier New"/>
+              </a:rPr>
+              <a:t>__', </a:t>
+            </a:r>
+            <a:r>
+              <a:rPr lang="en" b="1" dirty="0">
+                <a:solidFill>
+                  <a:srgbClr val="00F900"/>
+                </a:solidFill>
+                <a:latin typeface="Courier New"/>
+                <a:ea typeface="Courier New"/>
+                <a:cs typeface="Courier New"/>
+                <a:sym typeface="Courier New"/>
+              </a:rPr>
+              <a:t>'append', </a:t>
+            </a:r>
+            <a:r>
+              <a:rPr lang="en-US" b="1" dirty="0">
+                <a:solidFill>
+                  <a:srgbClr val="00F900"/>
+                </a:solidFill>
+                <a:latin typeface="Courier New"/>
+                <a:ea typeface="Courier New"/>
+                <a:cs typeface="Courier New"/>
+                <a:sym typeface="Courier New"/>
+              </a:rPr>
+              <a:t>'clear', 'copy', </a:t>
+            </a:r>
+            <a:r>
+              <a:rPr lang="en" b="1" dirty="0">
+                <a:solidFill>
+                  <a:srgbClr val="00F900"/>
+                </a:solidFill>
+                <a:latin typeface="Courier New"/>
+                <a:ea typeface="Courier New"/>
+                <a:cs typeface="Courier New"/>
+                <a:sym typeface="Courier New"/>
+              </a:rPr>
+              <a:t>'count', 'extend', 'index', 'insert', 'pop', 'remove', 'reverse', 'sort'</a:t>
+            </a:r>
+            <a:r>
+              <a:rPr lang="en" b="1" dirty="0">
+                <a:solidFill>
+                  <a:srgbClr val="FFFFFF"/>
+                </a:solidFill>
+                <a:latin typeface="Courier New"/>
+                <a:ea typeface="Courier New"/>
+                <a:cs typeface="Courier New"/>
+                <a:sym typeface="Courier New"/>
+              </a:rPr>
+              <a:t>]</a:t>
+            </a:r>
+          </a:p>
+          <a:p>
             <a:pPr marL="0" marR="0" lvl="0" indent="0" algn="l" rtl="0">
               <a:lnSpc>
                 <a:spcPct val="100000"/>
@@ -15286,251 +16331,26 @@
               <a:buNone/>
             </a:pPr>
             <a:r>
-              <a:rPr lang="en" b="1" i="0" u="none" strike="noStrike" cap="none" dirty="0">
-                <a:solidFill>
-                  <a:srgbClr val="FFFFFF"/>
-                </a:solidFill>
-                <a:latin typeface="Courier New"/>
-                <a:ea typeface="Courier New"/>
-                <a:cs typeface="Courier New"/>
-                <a:sym typeface="Courier New"/>
-              </a:rPr>
-              <a:t>[</a:t>
-            </a:r>
-            <a:r>
-              <a:rPr lang="en" b="1" i="0" u="none" strike="noStrike" cap="none" dirty="0">
-                <a:solidFill>
-                  <a:srgbClr val="00FDFF"/>
-                </a:solidFill>
-                <a:latin typeface="Courier New"/>
-                <a:ea typeface="Courier New"/>
-                <a:cs typeface="Courier New"/>
-                <a:sym typeface="Courier New"/>
-              </a:rPr>
-              <a:t>'__add__', '__class__', '__contains__', '__</a:t>
-            </a:r>
-            <a:r>
-              <a:rPr lang="en" b="1" i="0" u="none" strike="noStrike" cap="none" dirty="0" err="1">
-                <a:solidFill>
-                  <a:srgbClr val="00FDFF"/>
-                </a:solidFill>
-                <a:latin typeface="Courier New"/>
-                <a:ea typeface="Courier New"/>
-                <a:cs typeface="Courier New"/>
-                <a:sym typeface="Courier New"/>
-              </a:rPr>
-              <a:t>delattr</a:t>
-            </a:r>
-            <a:r>
-              <a:rPr lang="en" b="1" i="0" u="none" strike="noStrike" cap="none" dirty="0">
-                <a:solidFill>
-                  <a:srgbClr val="00FDFF"/>
-                </a:solidFill>
-                <a:latin typeface="Courier New"/>
-                <a:ea typeface="Courier New"/>
-                <a:cs typeface="Courier New"/>
-                <a:sym typeface="Courier New"/>
-              </a:rPr>
-              <a:t>__', '__</a:t>
-            </a:r>
-            <a:r>
-              <a:rPr lang="en" b="1" i="0" u="none" strike="noStrike" cap="none" dirty="0" err="1">
-                <a:solidFill>
-                  <a:srgbClr val="00FDFF"/>
-                </a:solidFill>
-                <a:latin typeface="Courier New"/>
-                <a:ea typeface="Courier New"/>
-                <a:cs typeface="Courier New"/>
-                <a:sym typeface="Courier New"/>
-              </a:rPr>
-              <a:t>delitem</a:t>
-            </a:r>
-            <a:r>
-              <a:rPr lang="en" b="1" i="0" u="none" strike="noStrike" cap="none" dirty="0">
-                <a:solidFill>
-                  <a:srgbClr val="00FDFF"/>
-                </a:solidFill>
-                <a:latin typeface="Courier New"/>
-                <a:ea typeface="Courier New"/>
-                <a:cs typeface="Courier New"/>
-                <a:sym typeface="Courier New"/>
-              </a:rPr>
-              <a:t>__', '__</a:t>
-            </a:r>
-            <a:r>
-              <a:rPr lang="en" b="1" i="0" u="none" strike="noStrike" cap="none" dirty="0" err="1">
-                <a:solidFill>
-                  <a:srgbClr val="00FDFF"/>
-                </a:solidFill>
-                <a:latin typeface="Courier New"/>
-                <a:ea typeface="Courier New"/>
-                <a:cs typeface="Courier New"/>
-                <a:sym typeface="Courier New"/>
-              </a:rPr>
-              <a:t>delslice</a:t>
-            </a:r>
-            <a:r>
-              <a:rPr lang="en" b="1" i="0" u="none" strike="noStrike" cap="none" dirty="0">
-                <a:solidFill>
-                  <a:srgbClr val="00FDFF"/>
-                </a:solidFill>
-                <a:latin typeface="Courier New"/>
-                <a:ea typeface="Courier New"/>
-                <a:cs typeface="Courier New"/>
-                <a:sym typeface="Courier New"/>
-              </a:rPr>
-              <a:t>__', '__doc__', '__</a:t>
-            </a:r>
-            <a:r>
-              <a:rPr lang="en" b="1" i="0" u="none" strike="noStrike" cap="none" dirty="0" err="1">
-                <a:solidFill>
-                  <a:srgbClr val="00FDFF"/>
-                </a:solidFill>
-                <a:latin typeface="Courier New"/>
-                <a:ea typeface="Courier New"/>
-                <a:cs typeface="Courier New"/>
-                <a:sym typeface="Courier New"/>
-              </a:rPr>
-              <a:t>eq</a:t>
-            </a:r>
-            <a:r>
-              <a:rPr lang="en" b="1" i="0" u="none" strike="noStrike" cap="none" dirty="0">
-                <a:solidFill>
-                  <a:srgbClr val="00FDFF"/>
-                </a:solidFill>
-                <a:latin typeface="Courier New"/>
-                <a:ea typeface="Courier New"/>
-                <a:cs typeface="Courier New"/>
-                <a:sym typeface="Courier New"/>
-              </a:rPr>
-              <a:t>__', '__</a:t>
-            </a:r>
-            <a:r>
-              <a:rPr lang="en" b="1" i="0" u="none" strike="noStrike" cap="none" dirty="0" err="1">
-                <a:solidFill>
-                  <a:srgbClr val="00FDFF"/>
-                </a:solidFill>
-                <a:latin typeface="Courier New"/>
-                <a:ea typeface="Courier New"/>
-                <a:cs typeface="Courier New"/>
-                <a:sym typeface="Courier New"/>
-              </a:rPr>
-              <a:t>setitem</a:t>
-            </a:r>
-            <a:r>
-              <a:rPr lang="en" b="1" i="0" u="none" strike="noStrike" cap="none" dirty="0">
-                <a:solidFill>
-                  <a:srgbClr val="00FDFF"/>
-                </a:solidFill>
-                <a:latin typeface="Courier New"/>
-                <a:ea typeface="Courier New"/>
-                <a:cs typeface="Courier New"/>
-                <a:sym typeface="Courier New"/>
-              </a:rPr>
-              <a:t>__', '__</a:t>
-            </a:r>
-            <a:r>
-              <a:rPr lang="en" b="1" i="0" u="none" strike="noStrike" cap="none" dirty="0" err="1">
-                <a:solidFill>
-                  <a:srgbClr val="00FDFF"/>
-                </a:solidFill>
-                <a:latin typeface="Courier New"/>
-                <a:ea typeface="Courier New"/>
-                <a:cs typeface="Courier New"/>
-                <a:sym typeface="Courier New"/>
-              </a:rPr>
-              <a:t>setslice</a:t>
-            </a:r>
-            <a:r>
-              <a:rPr lang="en" b="1" i="0" u="none" strike="noStrike" cap="none" dirty="0">
-                <a:solidFill>
-                  <a:srgbClr val="00FDFF"/>
-                </a:solidFill>
-                <a:latin typeface="Courier New"/>
-                <a:ea typeface="Courier New"/>
-                <a:cs typeface="Courier New"/>
-                <a:sym typeface="Courier New"/>
-              </a:rPr>
-              <a:t>__', '__</a:t>
-            </a:r>
-            <a:r>
-              <a:rPr lang="en" b="1" i="0" u="none" strike="noStrike" cap="none" dirty="0" err="1">
-                <a:solidFill>
-                  <a:srgbClr val="00FDFF"/>
-                </a:solidFill>
-                <a:latin typeface="Courier New"/>
-                <a:ea typeface="Courier New"/>
-                <a:cs typeface="Courier New"/>
-                <a:sym typeface="Courier New"/>
-              </a:rPr>
-              <a:t>str</a:t>
-            </a:r>
-            <a:r>
-              <a:rPr lang="en" b="1" i="0" u="none" strike="noStrike" cap="none" dirty="0">
-                <a:solidFill>
-                  <a:srgbClr val="00FDFF"/>
-                </a:solidFill>
-                <a:latin typeface="Courier New"/>
-                <a:ea typeface="Courier New"/>
-                <a:cs typeface="Courier New"/>
-                <a:sym typeface="Courier New"/>
-              </a:rPr>
-              <a:t>__', </a:t>
-            </a:r>
-            <a:r>
-              <a:rPr lang="en" b="1" i="0" u="none" strike="noStrike" cap="none" dirty="0">
-                <a:solidFill>
-                  <a:srgbClr val="00F900"/>
-                </a:solidFill>
-                <a:latin typeface="Courier New"/>
-                <a:ea typeface="Courier New"/>
-                <a:cs typeface="Courier New"/>
-                <a:sym typeface="Courier New"/>
-              </a:rPr>
-              <a:t>'append', 'count', 'extend', 'index', 'insert', 'pop', 'remove', 'reverse', 'sort'</a:t>
-            </a:r>
-            <a:r>
-              <a:rPr lang="en" b="1" i="0" u="none" strike="noStrike" cap="none" dirty="0">
-                <a:solidFill>
-                  <a:srgbClr val="FFFFFF"/>
-                </a:solidFill>
-                <a:latin typeface="Courier New"/>
-                <a:ea typeface="Courier New"/>
-                <a:cs typeface="Courier New"/>
-                <a:sym typeface="Courier New"/>
-              </a:rPr>
-              <a:t>]</a:t>
-            </a:r>
-          </a:p>
-          <a:p>
-            <a:pPr marL="0" marR="0" lvl="0" indent="0" algn="l" rtl="0">
-              <a:lnSpc>
-                <a:spcPct val="100000"/>
-              </a:lnSpc>
-              <a:spcBef>
-                <a:spcPts val="0"/>
-              </a:spcBef>
-              <a:spcAft>
-                <a:spcPts val="0"/>
-              </a:spcAft>
-              <a:buClr>
+              <a:rPr lang="en" b="1" i="0" u="none" strike="noStrike" cap="none" dirty="0" smtClean="0">
+                <a:solidFill>
+                  <a:srgbClr val="FFFFFF"/>
+                </a:solidFill>
+                <a:latin typeface="Courier New"/>
+                <a:ea typeface="Courier New"/>
+                <a:cs typeface="Courier New"/>
+                <a:sym typeface="Courier New"/>
+              </a:rPr>
+              <a:t>&gt;&gt;&gt; </a:t>
+            </a:r>
+            <a:endParaRPr lang="en" b="1" i="0" u="none" strike="noStrike" cap="none" dirty="0">
+              <a:solidFill>
                 <a:srgbClr val="FFFFFF"/>
-              </a:buClr>
-              <a:buFont typeface="Cabin"/>
-              <a:buNone/>
-            </a:pPr>
-            <a:r>
-              <a:rPr lang="en" b="1" i="0" u="none" strike="noStrike" cap="none" dirty="0">
-                <a:solidFill>
-                  <a:srgbClr val="FFFFFF"/>
-                </a:solidFill>
-                <a:latin typeface="Courier New"/>
-                <a:ea typeface="Courier New"/>
-                <a:cs typeface="Courier New"/>
-                <a:sym typeface="Courier New"/>
-              </a:rPr>
-              <a:t>&gt;&gt;&gt; </a:t>
-            </a:r>
+              </a:solidFill>
+              <a:latin typeface="Courier New"/>
+              <a:ea typeface="Courier New"/>
+              <a:cs typeface="Courier New"/>
+              <a:sym typeface="Courier New"/>
+            </a:endParaRPr>
           </a:p>
         </p:txBody>
       </p:sp>
@@ -15683,7 +16503,43 @@
                 <a:cs typeface="Courier New"/>
                 <a:sym typeface="Courier New"/>
               </a:rPr>
-              <a:t> y = </a:t>
+              <a:t> </a:t>
+            </a:r>
+            <a:r>
+              <a:rPr lang="en-US" b="1" i="0" u="none" strike="noStrike" cap="none" dirty="0" smtClean="0">
+                <a:solidFill>
+                  <a:srgbClr val="FFFB00"/>
+                </a:solidFill>
+                <a:latin typeface="Courier New"/>
+                <a:ea typeface="Courier New"/>
+                <a:cs typeface="Courier New"/>
+                <a:sym typeface="Courier New"/>
+              </a:rPr>
+              <a:t>x</a:t>
+            </a:r>
+            <a:r>
+              <a:rPr lang="en" b="1" i="0" u="none" strike="noStrike" cap="none" dirty="0" smtClean="0">
+                <a:solidFill>
+                  <a:srgbClr val="FFFB00"/>
+                </a:solidFill>
+                <a:latin typeface="Courier New"/>
+                <a:ea typeface="Courier New"/>
+                <a:cs typeface="Courier New"/>
+                <a:sym typeface="Courier New"/>
+              </a:rPr>
+              <a:t> </a:t>
+            </a:r>
+            <a:r>
+              <a:rPr lang="en" b="1" i="0" u="none" strike="noStrike" cap="none" dirty="0">
+                <a:solidFill>
+                  <a:srgbClr val="FFFB00"/>
+                </a:solidFill>
+                <a:latin typeface="Courier New"/>
+                <a:ea typeface="Courier New"/>
+                <a:cs typeface="Courier New"/>
+                <a:sym typeface="Courier New"/>
+              </a:rPr>
+              <a:t>= </a:t>
             </a:r>
             <a:r>
               <a:rPr lang="en-US" b="1" i="0" u="none" strike="noStrike" cap="none" dirty="0" smtClean="0">
@@ -15761,7 +16617,7 @@
               <a:t>&gt;&gt;&gt; </a:t>
             </a:r>
             <a:r>
-              <a:rPr lang="en" b="1" i="0" u="none" strike="noStrike" cap="none" dirty="0" err="1">
+              <a:rPr lang="en" b="1" i="0" u="none" strike="noStrike" cap="none" dirty="0" err="1" smtClean="0">
                 <a:solidFill>
                   <a:srgbClr val="FFFB00"/>
                 </a:solidFill>
@@ -15773,7 +16629,7 @@
               <a:t>dir</a:t>
             </a:r>
             <a:r>
-              <a:rPr lang="en" b="1" i="0" u="none" strike="noStrike" cap="none" dirty="0">
+              <a:rPr lang="en" b="1" i="0" u="none" strike="noStrike" cap="none" dirty="0" smtClean="0">
                 <a:solidFill>
                   <a:srgbClr val="FFFB00"/>
                 </a:solidFill>
@@ -15782,8 +16638,41 @@
                 <a:cs typeface="Courier New"/>
                 <a:sym typeface="Courier New"/>
               </a:rPr>
-              <a:t>(y)</a:t>
-            </a:r>
+              <a:t>(</a:t>
+            </a:r>
+            <a:r>
+              <a:rPr lang="en-US" b="1" i="0" u="none" strike="noStrike" cap="none" smtClean="0">
+                <a:solidFill>
+                  <a:srgbClr val="FFFB00"/>
+                </a:solidFill>
+                <a:latin typeface="Courier New"/>
+                <a:ea typeface="Courier New"/>
+                <a:cs typeface="Courier New"/>
+                <a:sym typeface="Courier New"/>
+              </a:rPr>
+              <a:t>x</a:t>
+            </a:r>
+            <a:r>
+              <a:rPr lang="en" b="1" i="0" u="none" strike="noStrike" cap="none" smtClean="0">
+                <a:solidFill>
+                  <a:srgbClr val="FFFB00"/>
+                </a:solidFill>
+                <a:latin typeface="Courier New"/>
+                <a:ea typeface="Courier New"/>
+                <a:cs typeface="Courier New"/>
+                <a:sym typeface="Courier New"/>
+              </a:rPr>
+              <a:t>)</a:t>
+            </a:r>
+            <a:endParaRPr lang="en" b="1" i="0" u="none" strike="noStrike" cap="none" dirty="0">
+              <a:solidFill>
+                <a:srgbClr val="FFFB00"/>
+              </a:solidFill>
+              <a:latin typeface="Courier New"/>
+              <a:ea typeface="Courier New"/>
+              <a:cs typeface="Courier New"/>
+              <a:sym typeface="Courier New"/>
+            </a:endParaRPr>
           </a:p>
           <a:p>
             <a:pPr marL="0" marR="0" lvl="0" indent="0" algn="l" rtl="0">
@@ -30297,7 +31186,7 @@
               <a:buNone/>
             </a:pPr>
             <a:r>
-              <a:rPr lang="en" sz="4700" u="none" strike="noStrike" cap="none">
+              <a:rPr lang="en-US" sz="4700" u="none" strike="noStrike" cap="none" dirty="0" smtClean="0">
                 <a:solidFill>
                   <a:srgbClr val="FFD966"/>
                 </a:solidFill>
@@ -30306,8 +31195,17 @@
                 <a:cs typeface="Arial" charset="0"/>
                 <a:sym typeface="Cabin"/>
               </a:rPr>
-              <a:t>Review of Programs</a:t>
-            </a:r>
+              <a:t>Lets Start with Programs</a:t>
+            </a:r>
+            <a:endParaRPr lang="en" sz="4700" u="none" strike="noStrike" cap="none" dirty="0">
+              <a:solidFill>
+                <a:srgbClr val="FFD966"/>
+              </a:solidFill>
+              <a:latin typeface="Arial" charset="0"/>
+              <a:ea typeface="Arial" charset="0"/>
+              <a:cs typeface="Arial" charset="0"/>
+              <a:sym typeface="Cabin"/>
+            </a:endParaRPr>
           </a:p>
         </p:txBody>
       </p:sp>
@@ -31293,7 +32191,7 @@
             <a:r>
               <a:rPr lang="en" sz="2200" u="none" strike="noStrike" cap="none" dirty="0">
                 <a:solidFill>
-                  <a:srgbClr val="FFFFFF"/>
+                  <a:srgbClr val="00FA00"/>
                 </a:solidFill>
                 <a:sym typeface="Cabin"/>
               </a:rPr>

--- a/lectures3/Pythonlearn-14-Objects.pptx
+++ b/lectures3/Pythonlearn-14-Objects.pptx
@@ -11149,14 +11149,6 @@
               </a:rPr>
               <a:t>&gt;&gt;&gt; type(x)</a:t>
             </a:r>
-            <a:endParaRPr lang="en-US" sz="1294" b="1" dirty="0">
-              <a:solidFill>
-                <a:schemeClr val="bg1"/>
-              </a:solidFill>
-              <a:latin typeface="Courier" charset="0"/>
-              <a:ea typeface="Courier" charset="0"/>
-              <a:cs typeface="Courier" charset="0"/>
-            </a:endParaRPr>
           </a:p>
           <a:p>
             <a:r>
@@ -11546,14 +11538,6 @@
               </a:rPr>
               <a:t>'&gt;</a:t>
             </a:r>
-            <a:endParaRPr lang="en-US" sz="1294" b="1" dirty="0">
-              <a:solidFill>
-                <a:schemeClr val="bg1"/>
-              </a:solidFill>
-              <a:latin typeface="Courier" charset="0"/>
-              <a:ea typeface="Courier" charset="0"/>
-              <a:cs typeface="Courier" charset="0"/>
-            </a:endParaRPr>
           </a:p>
         </p:txBody>
       </p:sp>
@@ -12115,14 +12099,6 @@
               </a:rPr>
               <a:t>(z)</a:t>
             </a:r>
-            <a:endParaRPr lang="en-US" sz="1294" b="1" dirty="0">
-              <a:solidFill>
-                <a:schemeClr val="bg1"/>
-              </a:solidFill>
-              <a:latin typeface="Courier" charset="0"/>
-              <a:ea typeface="Courier" charset="0"/>
-              <a:cs typeface="Courier" charset="0"/>
-            </a:endParaRPr>
           </a:p>
           <a:p>
             <a:r>
@@ -12222,27 +12198,8 @@
                 <a:ea typeface="Courier" charset="0"/>
                 <a:cs typeface="Courier" charset="0"/>
               </a:rPr>
-              <a:t>', 'update', 'values</a:t>
-            </a:r>
-            <a:r>
-              <a:rPr lang="en-US" sz="1294" b="1" dirty="0">
-                <a:solidFill>
-                  <a:srgbClr val="FFFF00"/>
-                </a:solidFill>
-                <a:latin typeface="Courier" charset="0"/>
-                <a:ea typeface="Courier" charset="0"/>
-                <a:cs typeface="Courier" charset="0"/>
-              </a:rPr>
-              <a:t>']</a:t>
-            </a:r>
-            <a:endParaRPr lang="en-US" sz="1294" b="1" dirty="0">
-              <a:solidFill>
-                <a:srgbClr val="FFFF00"/>
-              </a:solidFill>
-              <a:latin typeface="Courier" charset="0"/>
-              <a:ea typeface="Courier" charset="0"/>
-              <a:cs typeface="Courier" charset="0"/>
-            </a:endParaRPr>
+              <a:t>', 'update', 'values']</a:t>
+            </a:r>
           </a:p>
         </p:txBody>
       </p:sp>
@@ -16000,6 +15957,42 @@
               <a:buNone/>
             </a:pPr>
             <a:r>
+              <a:rPr lang="en" b="1" i="0" u="none" strike="noStrike" cap="none" dirty="0" smtClean="0">
+                <a:solidFill>
+                  <a:srgbClr val="FFFFFF"/>
+                </a:solidFill>
+                <a:latin typeface="Courier New"/>
+                <a:ea typeface="Courier New"/>
+                <a:cs typeface="Courier New"/>
+                <a:sym typeface="Courier New"/>
+              </a:rPr>
+              <a:t>&lt;</a:t>
+            </a:r>
+            <a:r>
+              <a:rPr lang="en-US" b="1" i="0" u="none" strike="noStrike" cap="none" smtClean="0">
+                <a:solidFill>
+                  <a:srgbClr val="FFFFFF"/>
+                </a:solidFill>
+                <a:latin typeface="Courier New"/>
+                <a:ea typeface="Courier New"/>
+                <a:cs typeface="Courier New"/>
+                <a:sym typeface="Courier New"/>
+              </a:rPr>
+              <a:t>class </a:t>
+            </a:r>
+            <a:r>
+              <a:rPr lang="en" b="1" i="0" u="none" strike="noStrike" cap="none" smtClean="0">
+                <a:solidFill>
+                  <a:srgbClr val="FFFFFF"/>
+                </a:solidFill>
+                <a:latin typeface="Courier New"/>
+                <a:ea typeface="Courier New"/>
+                <a:cs typeface="Courier New"/>
+                <a:sym typeface="Courier New"/>
+              </a:rPr>
+              <a:t>'list</a:t>
+            </a:r>
+            <a:r>
               <a:rPr lang="en" b="1" i="0" u="none" strike="noStrike" cap="none" dirty="0">
                 <a:solidFill>
                   <a:srgbClr val="FFFFFF"/>
@@ -16009,7 +16002,7 @@
                 <a:cs typeface="Courier New"/>
                 <a:sym typeface="Courier New"/>
               </a:rPr>
-              <a:t>&lt;type 'list'&gt;</a:t>
+              <a:t>'&gt;</a:t>
             </a:r>
           </a:p>
           <a:p>

--- a/lectures3/Pythonlearn-14-Objects.pptx
+++ b/lectures3/Pythonlearn-14-Objects.pptx
@@ -11090,7 +11090,7 @@
         <p:spPr>
           <a:xfrm>
             <a:off x="596348" y="1483811"/>
-            <a:ext cx="1675459" cy="3079689"/>
+            <a:ext cx="1675459" cy="2681375"/>
           </a:xfrm>
           <a:prstGeom prst="rect">
             <a:avLst/>
@@ -11423,7 +11423,7 @@
           </a:p>
           <a:p>
             <a:r>
-              <a:rPr lang="en-US" sz="1294" b="1" dirty="0">
+              <a:rPr lang="en-US" sz="1294" b="1" smtClean="0">
                 <a:solidFill>
                   <a:schemeClr val="bg1"/>
                 </a:solidFill>
@@ -11431,10 +11431,8 @@
                 <a:ea typeface="Courier" charset="0"/>
                 <a:cs typeface="Courier" charset="0"/>
               </a:rPr>
-              <a:t>&gt;&gt;&gt; type(y)</a:t>
-            </a:r>
-          </a:p>
-          <a:p>
+              <a:t>&gt;&gt;&gt; </a:t>
+            </a:r>
             <a:r>
               <a:rPr lang="en-US" sz="1294" b="1" dirty="0">
                 <a:solidFill>
@@ -11444,42 +11442,7 @@
                 <a:ea typeface="Courier" charset="0"/>
                 <a:cs typeface="Courier" charset="0"/>
               </a:rPr>
-              <a:t>&lt;</a:t>
-            </a:r>
-            <a:r>
-              <a:rPr lang="en-US" sz="1294" b="1" dirty="0">
-                <a:solidFill>
-                  <a:srgbClr val="00FA00"/>
-                </a:solidFill>
-                <a:latin typeface="Courier" charset="0"/>
-                <a:ea typeface="Courier" charset="0"/>
-                <a:cs typeface="Courier" charset="0"/>
-              </a:rPr>
-              <a:t>class</a:t>
-            </a:r>
-            <a:r>
-              <a:rPr lang="en-US" sz="1294" b="1" dirty="0">
-                <a:solidFill>
-                  <a:schemeClr val="bg1"/>
-                </a:solidFill>
-                <a:latin typeface="Courier" charset="0"/>
-                <a:ea typeface="Courier" charset="0"/>
-                <a:cs typeface="Courier" charset="0"/>
-              </a:rPr>
-              <a:t> 'list'&gt;</a:t>
-            </a:r>
-          </a:p>
-          <a:p>
-            <a:r>
-              <a:rPr lang="en-US" sz="1294" b="1" dirty="0">
-                <a:solidFill>
-                  <a:schemeClr val="bg1"/>
-                </a:solidFill>
-                <a:latin typeface="Courier" charset="0"/>
-                <a:ea typeface="Courier" charset="0"/>
-                <a:cs typeface="Courier" charset="0"/>
-              </a:rPr>
-              <a:t>&gt;&gt;&gt; type(z)</a:t>
+              <a:t>type(z)</a:t>
             </a:r>
           </a:p>
           <a:p>

--- a/lectures3/Pythonlearn-14-Objects.pptx
+++ b/lectures3/Pythonlearn-14-Objects.pptx
@@ -10139,14 +10139,14 @@
           </a:ln>
           <a:extLst>
             <a:ext uri="{909E8E84-426E-40dd-AFC4-6F175D3DCCD1}">
-              <a14:hiddenFill xmlns:a14="http://schemas.microsoft.com/office/drawing/2010/main" xmlns="">
+              <a14:hiddenFill xmlns="" xmlns:a14="http://schemas.microsoft.com/office/drawing/2010/main">
                 <a:solidFill>
                   <a:srgbClr val="FFFFFF"/>
                 </a:solidFill>
               </a14:hiddenFill>
             </a:ext>
             <a:ext uri="{91240B29-F687-4f45-9708-019B960494DF}">
-              <a14:hiddenLine xmlns:a14="http://schemas.microsoft.com/office/drawing/2010/main" xmlns="" w="9525">
+              <a14:hiddenLine xmlns="" xmlns:a14="http://schemas.microsoft.com/office/drawing/2010/main" w="9525">
                 <a:solidFill>
                   <a:srgbClr val="000000"/>
                 </a:solidFill>
@@ -10595,14 +10595,14 @@
           </a:ln>
           <a:extLst>
             <a:ext uri="{909E8E84-426E-40dd-AFC4-6F175D3DCCD1}">
-              <a14:hiddenFill xmlns:a14="http://schemas.microsoft.com/office/drawing/2010/main" xmlns="">
+              <a14:hiddenFill xmlns="" xmlns:a14="http://schemas.microsoft.com/office/drawing/2010/main">
                 <a:solidFill>
                   <a:srgbClr val="FFFFFF"/>
                 </a:solidFill>
               </a14:hiddenFill>
             </a:ext>
             <a:ext uri="{91240B29-F687-4f45-9708-019B960494DF}">
-              <a14:hiddenLine xmlns:a14="http://schemas.microsoft.com/office/drawing/2010/main" xmlns="" w="9525">
+              <a14:hiddenLine xmlns="" xmlns:a14="http://schemas.microsoft.com/office/drawing/2010/main" w="9525">
                 <a:solidFill>
                   <a:srgbClr val="000000"/>
                 </a:solidFill>
@@ -11108,14 +11108,14 @@
           </a:ln>
           <a:extLst>
             <a:ext uri="{909E8E84-426E-40dd-AFC4-6F175D3DCCD1}">
-              <a14:hiddenFill xmlns:a14="http://schemas.microsoft.com/office/drawing/2010/main" xmlns="">
+              <a14:hiddenFill xmlns="" xmlns:a14="http://schemas.microsoft.com/office/drawing/2010/main">
                 <a:solidFill>
                   <a:srgbClr val="FFFFFF"/>
                 </a:solidFill>
               </a14:hiddenFill>
             </a:ext>
             <a:ext uri="{91240B29-F687-4f45-9708-019B960494DF}">
-              <a14:hiddenLine xmlns:a14="http://schemas.microsoft.com/office/drawing/2010/main" xmlns="" w="9525">
+              <a14:hiddenLine xmlns="" xmlns:a14="http://schemas.microsoft.com/office/drawing/2010/main" w="9525">
                 <a:solidFill>
                   <a:srgbClr val="000000"/>
                 </a:solidFill>
@@ -11471,14 +11471,14 @@
           </a:ln>
           <a:extLst>
             <a:ext uri="{909E8E84-426E-40dd-AFC4-6F175D3DCCD1}">
-              <a14:hiddenFill xmlns:a14="http://schemas.microsoft.com/office/drawing/2010/main" xmlns="">
+              <a14:hiddenFill xmlns="" xmlns:a14="http://schemas.microsoft.com/office/drawing/2010/main">
                 <a:solidFill>
                   <a:srgbClr val="FFFFFF"/>
                 </a:solidFill>
               </a14:hiddenFill>
             </a:ext>
             <a:ext uri="{91240B29-F687-4f45-9708-019B960494DF}">
-              <a14:hiddenLine xmlns:a14="http://schemas.microsoft.com/office/drawing/2010/main" xmlns="" w="9525">
+              <a14:hiddenLine xmlns="" xmlns:a14="http://schemas.microsoft.com/office/drawing/2010/main" w="9525">
                 <a:solidFill>
                   <a:srgbClr val="000000"/>
                 </a:solidFill>
@@ -12871,14 +12871,14 @@
           </a:ln>
           <a:extLst>
             <a:ext uri="{909E8E84-426E-40dd-AFC4-6F175D3DCCD1}">
-              <a14:hiddenFill xmlns:a14="http://schemas.microsoft.com/office/drawing/2010/main" xmlns="">
+              <a14:hiddenFill xmlns="" xmlns:a14="http://schemas.microsoft.com/office/drawing/2010/main">
                 <a:solidFill>
                   <a:srgbClr val="FFFFFF"/>
                 </a:solidFill>
               </a14:hiddenFill>
             </a:ext>
             <a:ext uri="{91240B29-F687-4f45-9708-019B960494DF}">
-              <a14:hiddenLine xmlns:a14="http://schemas.microsoft.com/office/drawing/2010/main" xmlns="" w="9525">
+              <a14:hiddenLine xmlns="" xmlns:a14="http://schemas.microsoft.com/office/drawing/2010/main" w="9525">
                 <a:solidFill>
                   <a:srgbClr val="000000"/>
                 </a:solidFill>
@@ -18896,7 +18896,7 @@
               <a:t>&lt;</a:t>
             </a:r>
             <a:r>
-              <a:rPr lang="en-US" sz="1600" i="0" u="none" strike="noStrike" cap="none" smtClean="0">
+              <a:rPr lang="en-US" sz="1600" i="0" u="none" strike="noStrike" cap="none" dirty="0" smtClean="0">
                 <a:solidFill>
                   <a:srgbClr val="FFFFFF"/>
                 </a:solidFill>
@@ -18908,7 +18908,7 @@
               <a:t>class </a:t>
             </a:r>
             <a:r>
-              <a:rPr lang="en" sz="1600" i="0" u="none" strike="noStrike" cap="none" smtClean="0">
+              <a:rPr lang="en" sz="1600" i="0" u="none" strike="noStrike" cap="none" dirty="0" smtClean="0">
                 <a:solidFill>
                   <a:srgbClr val="FFFFFF"/>
                 </a:solidFill>
@@ -18962,7 +18962,7 @@
               <a:t>&gt;&gt;&gt; </a:t>
             </a:r>
             <a:r>
-              <a:rPr lang="en" sz="1600" i="0" u="none" strike="noStrike" cap="none" dirty="0" err="1">
+              <a:rPr lang="en" sz="1600" i="0" u="none" strike="noStrike" cap="none" dirty="0" err="1" smtClean="0">
                 <a:solidFill>
                   <a:srgbClr val="DE6A10"/>
                 </a:solidFill>
@@ -18974,7 +18974,7 @@
               <a:t>dir</a:t>
             </a:r>
             <a:r>
-              <a:rPr lang="en" sz="1600" i="0" u="none" strike="noStrike" cap="none" dirty="0">
+              <a:rPr lang="en" sz="1600" i="0" u="none" strike="noStrike" cap="none" dirty="0" smtClean="0">
                 <a:solidFill>
                   <a:srgbClr val="DE6A10"/>
                 </a:solidFill>
@@ -18983,8 +18983,41 @@
                 <a:cs typeface="Courier"/>
                 <a:sym typeface="Courier New"/>
               </a:rPr>
-              <a:t>(x)</a:t>
-            </a:r>
+              <a:t>(</a:t>
+            </a:r>
+            <a:r>
+              <a:rPr lang="en-US" sz="1600" i="0" u="none" strike="noStrike" cap="none" smtClean="0">
+                <a:solidFill>
+                  <a:srgbClr val="DE6A10"/>
+                </a:solidFill>
+                <a:latin typeface="Courier"/>
+                <a:ea typeface="Courier New"/>
+                <a:cs typeface="Courier"/>
+                <a:sym typeface="Courier New"/>
+              </a:rPr>
+              <a:t>y</a:t>
+            </a:r>
+            <a:r>
+              <a:rPr lang="en" sz="1600" i="0" u="none" strike="noStrike" cap="none" smtClean="0">
+                <a:solidFill>
+                  <a:srgbClr val="DE6A10"/>
+                </a:solidFill>
+                <a:latin typeface="Courier"/>
+                <a:ea typeface="Courier New"/>
+                <a:cs typeface="Courier"/>
+                <a:sym typeface="Courier New"/>
+              </a:rPr>
+              <a:t>)</a:t>
+            </a:r>
+            <a:endParaRPr lang="en" sz="1600" i="0" u="none" strike="noStrike" cap="none" dirty="0">
+              <a:solidFill>
+                <a:srgbClr val="DE6A10"/>
+              </a:solidFill>
+              <a:latin typeface="Courier"/>
+              <a:ea typeface="Courier New"/>
+              <a:cs typeface="Courier"/>
+              <a:sym typeface="Courier New"/>
+            </a:endParaRPr>
           </a:p>
           <a:p>
             <a:pPr>
@@ -23543,14 +23576,14 @@
           </a:ln>
           <a:extLst>
             <a:ext uri="{909E8E84-426E-40dd-AFC4-6F175D3DCCD1}">
-              <a14:hiddenFill xmlns:a14="http://schemas.microsoft.com/office/drawing/2010/main" xmlns="">
+              <a14:hiddenFill xmlns="" xmlns:a14="http://schemas.microsoft.com/office/drawing/2010/main">
                 <a:solidFill>
                   <a:srgbClr val="FFFFFF"/>
                 </a:solidFill>
               </a14:hiddenFill>
             </a:ext>
             <a:ext uri="{91240B29-F687-4f45-9708-019B960494DF}">
-              <a14:hiddenLine xmlns:a14="http://schemas.microsoft.com/office/drawing/2010/main" xmlns="" w="9525">
+              <a14:hiddenLine xmlns="" xmlns:a14="http://schemas.microsoft.com/office/drawing/2010/main" w="9525">
                 <a:solidFill>
                   <a:srgbClr val="000000"/>
                 </a:solidFill>
@@ -30961,15 +30994,6 @@
               </a:rPr>
               <a:t>party count 2</a:t>
             </a:r>
-            <a:endParaRPr lang="en" dirty="0">
-              <a:solidFill>
-                <a:srgbClr val="FFFFFF"/>
-              </a:solidFill>
-              <a:latin typeface="Courier"/>
-              <a:ea typeface="Courier New"/>
-              <a:cs typeface="Courier"/>
-              <a:sym typeface="Courier New"/>
-            </a:endParaRPr>
           </a:p>
         </p:txBody>
       </p:sp>
@@ -31933,14 +31957,14 @@
           </a:ln>
           <a:extLst>
             <a:ext uri="{909E8E84-426E-40dd-AFC4-6F175D3DCCD1}">
-              <a14:hiddenFill xmlns:a14="http://schemas.microsoft.com/office/drawing/2010/main" xmlns="">
+              <a14:hiddenFill xmlns="" xmlns:a14="http://schemas.microsoft.com/office/drawing/2010/main">
                 <a:solidFill>
                   <a:srgbClr val="FFFFFF"/>
                 </a:solidFill>
               </a14:hiddenFill>
             </a:ext>
             <a:ext uri="{91240B29-F687-4f45-9708-019B960494DF}">
-              <a14:hiddenLine xmlns:a14="http://schemas.microsoft.com/office/drawing/2010/main" xmlns="" w="9525">
+              <a14:hiddenLine xmlns="" xmlns:a14="http://schemas.microsoft.com/office/drawing/2010/main" w="9525">
                 <a:solidFill>
                   <a:srgbClr val="000000"/>
                 </a:solidFill>
@@ -37624,14 +37648,14 @@
           </a:ln>
           <a:extLst>
             <a:ext uri="{909E8E84-426E-40dd-AFC4-6F175D3DCCD1}">
-              <a14:hiddenFill xmlns:a14="http://schemas.microsoft.com/office/drawing/2010/main" xmlns="">
+              <a14:hiddenFill xmlns="" xmlns:a14="http://schemas.microsoft.com/office/drawing/2010/main">
                 <a:solidFill>
                   <a:srgbClr val="FFFFFF"/>
                 </a:solidFill>
               </a14:hiddenFill>
             </a:ext>
             <a:ext uri="{91240B29-F687-4f45-9708-019B960494DF}">
-              <a14:hiddenLine xmlns:a14="http://schemas.microsoft.com/office/drawing/2010/main" xmlns="" w="9525">
+              <a14:hiddenLine xmlns="" xmlns:a14="http://schemas.microsoft.com/office/drawing/2010/main" w="9525">
                 <a:solidFill>
                   <a:srgbClr val="000000"/>
                 </a:solidFill>

--- a/lectures3/Pythonlearn-14-Objects.pptx
+++ b/lectures3/Pythonlearn-14-Objects.pptx
@@ -10050,14 +10050,14 @@
           </a:ln>
           <a:extLst>
             <a:ext uri="{909E8E84-426E-40dd-AFC4-6F175D3DCCD1}">
-              <a14:hiddenFill xmlns="" xmlns:a14="http://schemas.microsoft.com/office/drawing/2010/main">
+              <a14:hiddenFill xmlns:a14="http://schemas.microsoft.com/office/drawing/2010/main" xmlns="">
                 <a:solidFill>
                   <a:srgbClr val="FFFFFF"/>
                 </a:solidFill>
               </a14:hiddenFill>
             </a:ext>
             <a:ext uri="{91240B29-F687-4f45-9708-019B960494DF}">
-              <a14:hiddenLine xmlns="" xmlns:a14="http://schemas.microsoft.com/office/drawing/2010/main" w="9525">
+              <a14:hiddenLine xmlns:a14="http://schemas.microsoft.com/office/drawing/2010/main" xmlns="" w="9525">
                 <a:solidFill>
                   <a:srgbClr val="000000"/>
                 </a:solidFill>
@@ -10499,14 +10499,14 @@
           </a:ln>
           <a:extLst>
             <a:ext uri="{909E8E84-426E-40dd-AFC4-6F175D3DCCD1}">
-              <a14:hiddenFill xmlns="" xmlns:a14="http://schemas.microsoft.com/office/drawing/2010/main">
+              <a14:hiddenFill xmlns:a14="http://schemas.microsoft.com/office/drawing/2010/main" xmlns="">
                 <a:solidFill>
                   <a:srgbClr val="FFFFFF"/>
                 </a:solidFill>
               </a14:hiddenFill>
             </a:ext>
             <a:ext uri="{91240B29-F687-4f45-9708-019B960494DF}">
-              <a14:hiddenLine xmlns="" xmlns:a14="http://schemas.microsoft.com/office/drawing/2010/main" w="9525">
+              <a14:hiddenLine xmlns:a14="http://schemas.microsoft.com/office/drawing/2010/main" xmlns="" w="9525">
                 <a:solidFill>
                   <a:srgbClr val="000000"/>
                 </a:solidFill>
@@ -11005,14 +11005,14 @@
           </a:ln>
           <a:extLst>
             <a:ext uri="{909E8E84-426E-40dd-AFC4-6F175D3DCCD1}">
-              <a14:hiddenFill xmlns="" xmlns:a14="http://schemas.microsoft.com/office/drawing/2010/main">
+              <a14:hiddenFill xmlns:a14="http://schemas.microsoft.com/office/drawing/2010/main" xmlns="">
                 <a:solidFill>
                   <a:srgbClr val="FFFFFF"/>
                 </a:solidFill>
               </a14:hiddenFill>
             </a:ext>
             <a:ext uri="{91240B29-F687-4f45-9708-019B960494DF}">
-              <a14:hiddenLine xmlns="" xmlns:a14="http://schemas.microsoft.com/office/drawing/2010/main" w="9525">
+              <a14:hiddenLine xmlns:a14="http://schemas.microsoft.com/office/drawing/2010/main" xmlns="" w="9525">
                 <a:solidFill>
                   <a:srgbClr val="000000"/>
                 </a:solidFill>
@@ -11361,14 +11361,14 @@
           </a:ln>
           <a:extLst>
             <a:ext uri="{909E8E84-426E-40dd-AFC4-6F175D3DCCD1}">
-              <a14:hiddenFill xmlns="" xmlns:a14="http://schemas.microsoft.com/office/drawing/2010/main">
+              <a14:hiddenFill xmlns:a14="http://schemas.microsoft.com/office/drawing/2010/main" xmlns="">
                 <a:solidFill>
                   <a:srgbClr val="FFFFFF"/>
                 </a:solidFill>
               </a14:hiddenFill>
             </a:ext>
             <a:ext uri="{91240B29-F687-4f45-9708-019B960494DF}">
-              <a14:hiddenLine xmlns="" xmlns:a14="http://schemas.microsoft.com/office/drawing/2010/main" w="9525">
+              <a14:hiddenLine xmlns:a14="http://schemas.microsoft.com/office/drawing/2010/main" xmlns="" w="9525">
                 <a:solidFill>
                   <a:srgbClr val="000000"/>
                 </a:solidFill>
@@ -12733,14 +12733,14 @@
           </a:ln>
           <a:extLst>
             <a:ext uri="{909E8E84-426E-40dd-AFC4-6F175D3DCCD1}">
-              <a14:hiddenFill xmlns="" xmlns:a14="http://schemas.microsoft.com/office/drawing/2010/main">
+              <a14:hiddenFill xmlns:a14="http://schemas.microsoft.com/office/drawing/2010/main" xmlns="">
                 <a:solidFill>
                   <a:srgbClr val="FFFFFF"/>
                 </a:solidFill>
               </a14:hiddenFill>
             </a:ext>
             <a:ext uri="{91240B29-F687-4f45-9708-019B960494DF}">
-              <a14:hiddenLine xmlns="" xmlns:a14="http://schemas.microsoft.com/office/drawing/2010/main" w="9525">
+              <a14:hiddenLine xmlns:a14="http://schemas.microsoft.com/office/drawing/2010/main" xmlns="" w="9525">
                 <a:solidFill>
                   <a:srgbClr val="000000"/>
                 </a:solidFill>
@@ -12779,14 +12779,14 @@
       </p:grpSpPr>
       <p:sp>
         <p:nvSpPr>
-          <p:cNvPr id="341" name="Shape 341"/>
+          <p:cNvPr id="342" name="Shape 342"/>
           <p:cNvSpPr/>
           <p:nvPr/>
         </p:nvSpPr>
         <p:spPr>
           <a:xfrm>
-            <a:off x="6518830" y="359722"/>
-            <a:ext cx="2342635" cy="1036767"/>
+            <a:off x="75933" y="532602"/>
+            <a:ext cx="2250030" cy="1036767"/>
           </a:xfrm>
           <a:prstGeom prst="rect">
             <a:avLst/>
@@ -12813,7 +12813,7 @@
                 <a:spcPts val="0"/>
               </a:spcAft>
               <a:buClr>
-                <a:srgbClr val="00FDFF"/>
+                <a:srgbClr val="FFFFFF"/>
               </a:buClr>
               <a:buSzPct val="25000"/>
               <a:buFont typeface="Cabin"/>
@@ -12822,52 +12822,28 @@
             <a:r>
               <a:rPr lang="en" sz="1800" u="none" strike="noStrike" cap="none" dirty="0">
                 <a:solidFill>
-                  <a:srgbClr val="00FDFF"/>
+                  <a:srgbClr val="FFFFFF"/>
                 </a:solidFill>
                 <a:latin typeface="Arial" charset="0"/>
                 <a:ea typeface="Arial" charset="0"/>
                 <a:cs typeface="Arial" charset="0"/>
                 <a:sym typeface="Cabin"/>
               </a:rPr>
-              <a:t>This is the template for making </a:t>
-            </a:r>
-            <a:r>
-              <a:rPr lang="en" sz="1800" u="none" strike="noStrike" cap="none" dirty="0" err="1">
-                <a:solidFill>
-                  <a:srgbClr val="00FDFF"/>
-                </a:solidFill>
-                <a:latin typeface="Arial" charset="0"/>
-                <a:ea typeface="Arial" charset="0"/>
-                <a:cs typeface="Arial" charset="0"/>
-                <a:sym typeface="Cabin"/>
-              </a:rPr>
-              <a:t>PartyAnimal</a:t>
-            </a:r>
-            <a:r>
-              <a:rPr lang="en" sz="1800" u="none" strike="noStrike" cap="none" dirty="0">
-                <a:solidFill>
-                  <a:srgbClr val="00FDFF"/>
-                </a:solidFill>
-                <a:latin typeface="Arial" charset="0"/>
-                <a:ea typeface="Arial" charset="0"/>
-                <a:cs typeface="Arial" charset="0"/>
-                <a:sym typeface="Cabin"/>
-              </a:rPr>
-              <a:t> objects</a:t>
+              <a:t>class is a reserved word  that defines a template for making objects</a:t>
             </a:r>
           </a:p>
         </p:txBody>
       </p:sp>
       <p:sp>
         <p:nvSpPr>
-          <p:cNvPr id="342" name="Shape 342"/>
+          <p:cNvPr id="343" name="Shape 343"/>
           <p:cNvSpPr/>
           <p:nvPr/>
         </p:nvSpPr>
         <p:spPr>
           <a:xfrm>
-            <a:off x="75933" y="532603"/>
-            <a:ext cx="2250030" cy="666205"/>
+            <a:off x="6592101" y="588151"/>
+            <a:ext cx="2196092" cy="1096574"/>
           </a:xfrm>
           <a:prstGeom prst="rect">
             <a:avLst/>
@@ -12894,7 +12870,7 @@
                 <a:spcPts val="0"/>
               </a:spcAft>
               <a:buClr>
-                <a:srgbClr val="FFFFFF"/>
+                <a:srgbClr val="FFFB00"/>
               </a:buClr>
               <a:buSzPct val="25000"/>
               <a:buFont typeface="Cabin"/>
@@ -12903,95 +12879,14 @@
             <a:r>
               <a:rPr lang="en" sz="1800" u="none" strike="noStrike" cap="none" dirty="0">
                 <a:solidFill>
-                  <a:srgbClr val="FFFFFF"/>
+                  <a:srgbClr val="FF9300"/>
                 </a:solidFill>
                 <a:latin typeface="Arial" charset="0"/>
                 <a:ea typeface="Arial" charset="0"/>
                 <a:cs typeface="Arial" charset="0"/>
                 <a:sym typeface="Cabin"/>
               </a:rPr>
-              <a:t>class is a reserved word</a:t>
-            </a:r>
-          </a:p>
-        </p:txBody>
-      </p:sp>
-      <p:sp>
-        <p:nvSpPr>
-          <p:cNvPr id="343" name="Shape 343"/>
-          <p:cNvSpPr/>
-          <p:nvPr/>
-        </p:nvSpPr>
-        <p:spPr>
-          <a:xfrm>
-            <a:off x="6592101" y="1592035"/>
-            <a:ext cx="2196092" cy="979714"/>
-          </a:xfrm>
-          <a:prstGeom prst="rect">
-            <a:avLst/>
-          </a:prstGeom>
-          <a:noFill/>
-          <a:ln>
-            <a:noFill/>
-          </a:ln>
-        </p:spPr>
-        <p:txBody>
-          <a:bodyPr lIns="21050" tIns="21050" rIns="21050" bIns="21050" anchor="ctr" anchorCtr="0">
-            <a:noAutofit/>
-          </a:bodyPr>
-          <a:lstStyle/>
-          <a:p>
-            <a:pPr marL="0" marR="0" lvl="0" indent="0" algn="ctr" rtl="0">
-              <a:lnSpc>
-                <a:spcPct val="100000"/>
-              </a:lnSpc>
-              <a:spcBef>
-                <a:spcPts val="0"/>
-              </a:spcBef>
-              <a:spcAft>
-                <a:spcPts val="0"/>
-              </a:spcAft>
-              <a:buClr>
-                <a:srgbClr val="FFFB00"/>
-              </a:buClr>
-              <a:buSzPct val="25000"/>
-              <a:buFont typeface="Cabin"/>
-              <a:buNone/>
-            </a:pPr>
-            <a:r>
-              <a:rPr lang="en" sz="1800" u="none" strike="noStrike" cap="none" dirty="0">
-                <a:solidFill>
-                  <a:srgbClr val="FFFB00"/>
-                </a:solidFill>
-                <a:latin typeface="Arial" charset="0"/>
-                <a:ea typeface="Arial" charset="0"/>
-                <a:cs typeface="Arial" charset="0"/>
-                <a:sym typeface="Cabin"/>
-              </a:rPr>
-              <a:t>Each </a:t>
-            </a:r>
-            <a:r>
-              <a:rPr lang="en" sz="1800" u="none" strike="noStrike" cap="none" dirty="0" err="1">
-                <a:solidFill>
-                  <a:srgbClr val="FFFB00"/>
-                </a:solidFill>
-                <a:latin typeface="Arial" charset="0"/>
-                <a:ea typeface="Arial" charset="0"/>
-                <a:cs typeface="Arial" charset="0"/>
-                <a:sym typeface="Cabin"/>
-              </a:rPr>
-              <a:t>PartyAnimal</a:t>
-            </a:r>
-            <a:r>
-              <a:rPr lang="en" sz="1800" u="none" strike="noStrike" cap="none" dirty="0">
-                <a:solidFill>
-                  <a:srgbClr val="FFFB00"/>
-                </a:solidFill>
-                <a:latin typeface="Arial" charset="0"/>
-                <a:ea typeface="Arial" charset="0"/>
-                <a:cs typeface="Arial" charset="0"/>
-                <a:sym typeface="Cabin"/>
-              </a:rPr>
-              <a:t> object has a bit of data</a:t>
+              <a:t>A specially named method is called to allocate and initialize attributes.</a:t>
             </a:r>
           </a:p>
         </p:txBody>
@@ -13061,7 +12956,7 @@
         </p:nvSpPr>
         <p:spPr>
           <a:xfrm>
-            <a:off x="6592101" y="2627283"/>
+            <a:off x="6592101" y="2480180"/>
             <a:ext cx="2196092" cy="894937"/>
           </a:xfrm>
           <a:prstGeom prst="rect">
@@ -13556,31 +13451,43 @@
                 <a:cs typeface="Courier New" panose="02070309020205020404" pitchFamily="49" charset="0"/>
                 <a:sym typeface="Cabin"/>
               </a:rPr>
-              <a:t>   def __</a:t>
-            </a:r>
-            <a:r>
-              <a:rPr lang="en" sz="1600" b="1" u="none" strike="noStrike" cap="none" dirty="0" err="1">
-                <a:solidFill>
-                  <a:srgbClr val="00F900"/>
+              <a:t>   </a:t>
+            </a:r>
+            <a:r>
+              <a:rPr lang="en" sz="1600" b="1" u="none" strike="noStrike" cap="none" dirty="0">
+                <a:solidFill>
+                  <a:srgbClr val="FF9300"/>
                 </a:solidFill>
                 <a:latin typeface="Courier New" panose="02070309020205020404" pitchFamily="49" charset="0"/>
                 <a:ea typeface="Arial" charset="0"/>
                 <a:cs typeface="Courier New" panose="02070309020205020404" pitchFamily="49" charset="0"/>
                 <a:sym typeface="Cabin"/>
               </a:rPr>
-              <a:t>init</a:t>
-            </a:r>
-            <a:r>
-              <a:rPr lang="en" sz="1600" b="1" u="none" strike="noStrike" cap="none" dirty="0">
-                <a:solidFill>
-                  <a:srgbClr val="00F900"/>
+              <a:t>def __</a:t>
+            </a:r>
+            <a:r>
+              <a:rPr lang="en" sz="1600" b="1" u="none" strike="noStrike" cap="none" dirty="0" err="1">
+                <a:solidFill>
+                  <a:srgbClr val="FF9300"/>
                 </a:solidFill>
                 <a:latin typeface="Courier New" panose="02070309020205020404" pitchFamily="49" charset="0"/>
                 <a:ea typeface="Arial" charset="0"/>
                 <a:cs typeface="Courier New" panose="02070309020205020404" pitchFamily="49" charset="0"/>
                 <a:sym typeface="Cabin"/>
               </a:rPr>
-              <a:t>()__:</a:t>
+              <a:t>init</a:t>
+            </a:r>
+            <a:r>
+              <a:rPr lang="en" sz="1600" b="1" u="none" strike="noStrike" cap="none" dirty="0">
+                <a:solidFill>
+                  <a:srgbClr val="FF9300"/>
+                </a:solidFill>
+                <a:latin typeface="Courier New" panose="02070309020205020404" pitchFamily="49" charset="0"/>
+                <a:ea typeface="Arial" charset="0"/>
+                <a:cs typeface="Courier New" panose="02070309020205020404" pitchFamily="49" charset="0"/>
+                <a:sym typeface="Cabin"/>
+              </a:rPr>
+              <a:t>(self)__:</a:t>
             </a:r>
           </a:p>
           <a:p>
@@ -13616,55 +13523,31 @@
             <a:r>
               <a:rPr lang="en" sz="1600" b="1" u="none" strike="noStrike" cap="none" dirty="0" err="1">
                 <a:solidFill>
-                  <a:schemeClr val="bg1"/>
+                  <a:srgbClr val="FF9300"/>
                 </a:solidFill>
                 <a:latin typeface="Courier New" panose="02070309020205020404" pitchFamily="49" charset="0"/>
                 <a:ea typeface="Arial" charset="0"/>
                 <a:cs typeface="Courier New" panose="02070309020205020404" pitchFamily="49" charset="0"/>
                 <a:sym typeface="Cabin"/>
               </a:rPr>
-              <a:t>self</a:t>
-            </a:r>
-            <a:r>
-              <a:rPr lang="en" sz="1600" b="1" u="none" strike="noStrike" cap="none" dirty="0" err="1">
-                <a:solidFill>
-                  <a:srgbClr val="00F900"/>
+              <a:t>self.x</a:t>
+            </a:r>
+            <a:r>
+              <a:rPr lang="en" sz="1600" b="1" u="none" strike="noStrike" cap="none" dirty="0">
+                <a:solidFill>
+                  <a:srgbClr val="FF9300"/>
                 </a:solidFill>
                 <a:latin typeface="Courier New" panose="02070309020205020404" pitchFamily="49" charset="0"/>
                 <a:ea typeface="Arial" charset="0"/>
                 <a:cs typeface="Courier New" panose="02070309020205020404" pitchFamily="49" charset="0"/>
                 <a:sym typeface="Cabin"/>
               </a:rPr>
-              <a:t>.</a:t>
-            </a:r>
-            <a:r>
-              <a:rPr lang="en" sz="1600" b="1" u="none" strike="noStrike" cap="none" dirty="0" err="1">
-                <a:solidFill>
-                  <a:srgbClr val="FFFF00"/>
-                </a:solidFill>
-                <a:latin typeface="Courier New" panose="02070309020205020404" pitchFamily="49" charset="0"/>
-                <a:ea typeface="Arial" charset="0"/>
-                <a:cs typeface="Courier New" panose="02070309020205020404" pitchFamily="49" charset="0"/>
-                <a:sym typeface="Cabin"/>
-              </a:rPr>
-              <a:t>x</a:t>
-            </a:r>
-            <a:r>
-              <a:rPr lang="en" sz="1600" b="1" u="none" strike="noStrike" cap="none" dirty="0">
-                <a:solidFill>
-                  <a:srgbClr val="00F900"/>
-                </a:solidFill>
-                <a:latin typeface="Courier New" panose="02070309020205020404" pitchFamily="49" charset="0"/>
-                <a:ea typeface="Arial" charset="0"/>
-                <a:cs typeface="Courier New" panose="02070309020205020404" pitchFamily="49" charset="0"/>
-                <a:sym typeface="Cabin"/>
-              </a:rPr>
               <a:t> =</a:t>
             </a:r>
             <a:r>
               <a:rPr lang="en" sz="1600" b="1" dirty="0">
                 <a:solidFill>
-                  <a:srgbClr val="00F900"/>
+                  <a:srgbClr val="FF9300"/>
                 </a:solidFill>
                 <a:latin typeface="Courier New" panose="02070309020205020404" pitchFamily="49" charset="0"/>
                 <a:ea typeface="Arial" charset="0"/>
@@ -14726,7 +14609,7 @@
                 <a:cs typeface="Courier New" panose="02070309020205020404" pitchFamily="49" charset="0"/>
                 <a:sym typeface="Cabin"/>
               </a:rPr>
-              <a:t>()__:</a:t>
+              <a:t>(self)__:</a:t>
             </a:r>
           </a:p>
           <a:p>
@@ -16158,7 +16041,7 @@
                 <a:cs typeface="Courier New" panose="02070309020205020404" pitchFamily="49" charset="0"/>
                 <a:sym typeface="Cabin"/>
               </a:rPr>
-              <a:t>()__:</a:t>
+              <a:t>(self)__:</a:t>
             </a:r>
           </a:p>
           <a:p>
@@ -17886,7 +17769,7 @@
                 <a:cs typeface="Courier New" panose="02070309020205020404" pitchFamily="49" charset="0"/>
                 <a:sym typeface="Cabin"/>
               </a:rPr>
-              <a:t>()__:</a:t>
+              <a:t>(self)__:</a:t>
             </a:r>
           </a:p>
           <a:p>
@@ -23800,14 +23683,14 @@
           </a:ln>
           <a:extLst>
             <a:ext uri="{909E8E84-426E-40dd-AFC4-6F175D3DCCD1}">
-              <a14:hiddenFill xmlns="" xmlns:a14="http://schemas.microsoft.com/office/drawing/2010/main">
+              <a14:hiddenFill xmlns:a14="http://schemas.microsoft.com/office/drawing/2010/main" xmlns="">
                 <a:solidFill>
                   <a:srgbClr val="FFFFFF"/>
                 </a:solidFill>
               </a14:hiddenFill>
             </a:ext>
             <a:ext uri="{91240B29-F687-4f45-9708-019B960494DF}">
-              <a14:hiddenLine xmlns="" xmlns:a14="http://schemas.microsoft.com/office/drawing/2010/main" w="9525">
+              <a14:hiddenLine xmlns:a14="http://schemas.microsoft.com/office/drawing/2010/main" xmlns="" w="9525">
                 <a:solidFill>
                   <a:srgbClr val="000000"/>
                 </a:solidFill>
@@ -31650,14 +31533,14 @@
           </a:ln>
           <a:extLst>
             <a:ext uri="{909E8E84-426E-40dd-AFC4-6F175D3DCCD1}">
-              <a14:hiddenFill xmlns="" xmlns:a14="http://schemas.microsoft.com/office/drawing/2010/main">
+              <a14:hiddenFill xmlns:a14="http://schemas.microsoft.com/office/drawing/2010/main" xmlns="">
                 <a:solidFill>
                   <a:srgbClr val="FFFFFF"/>
                 </a:solidFill>
               </a14:hiddenFill>
             </a:ext>
             <a:ext uri="{91240B29-F687-4f45-9708-019B960494DF}">
-              <a14:hiddenLine xmlns="" xmlns:a14="http://schemas.microsoft.com/office/drawing/2010/main" w="9525">
+              <a14:hiddenLine xmlns:a14="http://schemas.microsoft.com/office/drawing/2010/main" xmlns="" w="9525">
                 <a:solidFill>
                   <a:srgbClr val="000000"/>
                 </a:solidFill>
@@ -31791,15 +31674,18 @@
               <a:buFont typeface="Cabin"/>
               <a:buNone/>
             </a:pPr>
-            <a:endParaRPr lang="en" sz="1600" b="1" i="0" u="none" strike="noStrike" cap="none" dirty="0">
-              <a:solidFill>
-                <a:srgbClr val="FFFB00"/>
-              </a:solidFill>
-              <a:latin typeface="Courier"/>
-              <a:ea typeface="Courier New"/>
-              <a:cs typeface="Courier"/>
-              <a:sym typeface="Courier New"/>
-            </a:endParaRPr>
+            <a:r>
+              <a:rPr lang="en" sz="1600" b="1" i="0" u="none" strike="noStrike" cap="none" dirty="0">
+                <a:solidFill>
+                  <a:srgbClr val="FFFB00"/>
+                </a:solidFill>
+                <a:latin typeface="Courier"/>
+                <a:ea typeface="Courier New"/>
+                <a:cs typeface="Courier"/>
+                <a:sym typeface="Courier New"/>
+              </a:rPr>
+              <a:t>  </a:t>
+            </a:r>
           </a:p>
           <a:p>
             <a:pPr marL="0" marR="0" lvl="0" indent="0" algn="l" rtl="0">
@@ -31829,7 +31715,7 @@
                 <a:cs typeface="Courier"/>
                 <a:sym typeface="Courier New"/>
               </a:rPr>
-              <a:t>def __</a:t>
+              <a:t>   def __</a:t>
             </a:r>
             <a:r>
               <a:rPr lang="en" sz="1600" b="1" i="0" u="none" strike="noStrike" cap="none" dirty="0" err="1">
@@ -33372,7 +33258,7 @@
                 <a:cs typeface="Courier"/>
                 <a:sym typeface="Courier New"/>
               </a:rPr>
-              <a:t>def __</a:t>
+              <a:t>   def __</a:t>
             </a:r>
             <a:r>
               <a:rPr lang="en" sz="1600" b="1" i="0" u="none" strike="noStrike" cap="none" dirty="0" err="1">
@@ -35038,7 +34924,7 @@
                 <a:cs typeface="Courier"/>
                 <a:sym typeface="Courier New"/>
               </a:rPr>
-              <a:t>def __</a:t>
+              <a:t>   def __</a:t>
             </a:r>
             <a:r>
               <a:rPr lang="en" sz="1600" b="1" i="0" u="none" strike="noStrike" cap="none" dirty="0" err="1">
@@ -37076,14 +36962,14 @@
           </a:ln>
           <a:extLst>
             <a:ext uri="{909E8E84-426E-40dd-AFC4-6F175D3DCCD1}">
-              <a14:hiddenFill xmlns="" xmlns:a14="http://schemas.microsoft.com/office/drawing/2010/main">
+              <a14:hiddenFill xmlns:a14="http://schemas.microsoft.com/office/drawing/2010/main" xmlns="">
                 <a:solidFill>
                   <a:srgbClr val="FFFFFF"/>
                 </a:solidFill>
               </a14:hiddenFill>
             </a:ext>
             <a:ext uri="{91240B29-F687-4f45-9708-019B960494DF}">
-              <a14:hiddenLine xmlns="" xmlns:a14="http://schemas.microsoft.com/office/drawing/2010/main" w="9525">
+              <a14:hiddenLine xmlns:a14="http://schemas.microsoft.com/office/drawing/2010/main" xmlns="" w="9525">
                 <a:solidFill>
                   <a:srgbClr val="000000"/>
                 </a:solidFill>

--- a/lectures3/Pythonlearn-14-Objects.pptx
+++ b/lectures3/Pythonlearn-14-Objects.pptx
@@ -12843,7 +12843,7 @@
         <p:spPr>
           <a:xfrm>
             <a:off x="6592101" y="588151"/>
-            <a:ext cx="2196092" cy="1096574"/>
+            <a:ext cx="2196092" cy="1680916"/>
           </a:xfrm>
           <a:prstGeom prst="rect">
             <a:avLst/>
@@ -12886,7 +12886,43 @@
                 <a:cs typeface="Arial" charset="0"/>
                 <a:sym typeface="Cabin"/>
               </a:rPr>
-              <a:t>A specially named method is called to allocate and initialize attributes.</a:t>
+              <a:t>W</a:t>
+            </a:r>
+            <a:r>
+              <a:rPr lang="en-US" sz="1800" u="none" strike="noStrike" cap="none" dirty="0">
+                <a:solidFill>
+                  <a:srgbClr val="FF9300"/>
+                </a:solidFill>
+                <a:latin typeface="Arial" charset="0"/>
+                <a:ea typeface="Arial" charset="0"/>
+                <a:cs typeface="Arial" charset="0"/>
+                <a:sym typeface="Cabin"/>
+              </a:rPr>
+              <a:t>h</a:t>
+            </a:r>
+            <a:r>
+              <a:rPr lang="en" sz="1800" u="none" strike="noStrike" cap="none" dirty="0" err="1">
+                <a:solidFill>
+                  <a:srgbClr val="FF9300"/>
+                </a:solidFill>
+                <a:latin typeface="Arial" charset="0"/>
+                <a:ea typeface="Arial" charset="0"/>
+                <a:cs typeface="Arial" charset="0"/>
+                <a:sym typeface="Cabin"/>
+              </a:rPr>
+              <a:t>en</a:t>
+            </a:r>
+            <a:r>
+              <a:rPr lang="en" sz="1800" u="none" strike="noStrike" cap="none" dirty="0">
+                <a:solidFill>
+                  <a:srgbClr val="FF9300"/>
+                </a:solidFill>
+                <a:latin typeface="Arial" charset="0"/>
+                <a:ea typeface="Arial" charset="0"/>
+                <a:cs typeface="Arial" charset="0"/>
+                <a:sym typeface="Cabin"/>
+              </a:rPr>
+              <a:t> the object is constructed, a  specially named method is called to allocate and initialize attributes.</a:t>
             </a:r>
           </a:p>
         </p:txBody>
@@ -20576,6 +20612,48 @@
                 <a:sym typeface="Cabin"/>
               </a:rPr>
               <a:t>() to find the “capabilities” of our newly created class.</a:t>
+            </a:r>
+          </a:p>
+        </p:txBody>
+      </p:sp>
+      <p:sp>
+        <p:nvSpPr>
+          <p:cNvPr id="2" name="TextBox 1">
+            <a:extLst>
+              <a:ext uri="{FF2B5EF4-FFF2-40B4-BE49-F238E27FC236}">
+                <a16:creationId xmlns:a16="http://schemas.microsoft.com/office/drawing/2014/main" id="{EC03E2DD-CA6A-247A-6525-9155D6E008B1}"/>
+              </a:ext>
+            </a:extLst>
+          </p:cNvPr>
+          <p:cNvSpPr txBox="1"/>
+          <p:nvPr/>
+        </p:nvSpPr>
+        <p:spPr>
+          <a:xfrm>
+            <a:off x="7672489" y="4331855"/>
+            <a:ext cx="1151277" cy="307777"/>
+          </a:xfrm>
+          <a:prstGeom prst="rect">
+            <a:avLst/>
+          </a:prstGeom>
+          <a:noFill/>
+        </p:spPr>
+        <p:txBody>
+          <a:bodyPr wrap="none" rtlCol="0">
+            <a:spAutoFit/>
+          </a:bodyPr>
+          <a:lstStyle/>
+          <a:p>
+            <a:r>
+              <a:rPr lang="en-US" b="1" dirty="0">
+                <a:solidFill>
+                  <a:schemeClr val="bg1"/>
+                </a:solidFill>
+                <a:latin typeface="Courier" charset="0"/>
+                <a:ea typeface="Courier" charset="0"/>
+                <a:cs typeface="Courier" charset="0"/>
+              </a:rPr>
+              <a:t>party3.py</a:t>
             </a:r>
           </a:p>
         </p:txBody>
@@ -24990,6 +25068,38 @@
               </a:rPr>
               <a:t>)</a:t>
             </a:r>
+          </a:p>
+          <a:p>
+            <a:pPr>
+              <a:buClr>
+                <a:srgbClr val="FFFFFF"/>
+              </a:buClr>
+              <a:buSzPct val="25000"/>
+            </a:pPr>
+            <a:r>
+              <a:rPr lang="en" sz="1600" b="1" dirty="0" err="1">
+                <a:solidFill>
+                  <a:srgbClr val="FFFFFF"/>
+                </a:solidFill>
+                <a:latin typeface="Courier"/>
+                <a:ea typeface="Courier New"/>
+                <a:cs typeface="Courier"/>
+                <a:sym typeface="Courier New"/>
+              </a:rPr>
+              <a:t>s.party</a:t>
+            </a:r>
+            <a:r>
+              <a:rPr lang="en" sz="1600" b="1" dirty="0">
+                <a:solidFill>
+                  <a:srgbClr val="FFFFFF"/>
+                </a:solidFill>
+                <a:latin typeface="Courier"/>
+                <a:ea typeface="Courier New"/>
+                <a:cs typeface="Courier"/>
+                <a:sym typeface="Courier New"/>
+              </a:rPr>
+              <a:t>()</a:t>
+            </a:r>
             <a:endParaRPr sz="1600" b="1" i="0" u="none" strike="noStrike" cap="none" dirty="0">
               <a:solidFill>
                 <a:srgbClr val="FFFFFF"/>
@@ -25107,47 +25217,6 @@
               <a:buNone/>
             </a:pPr>
             <a:endParaRPr lang="en-US" sz="1600" b="1" dirty="0">
-              <a:solidFill>
-                <a:srgbClr val="FFFFFF"/>
-              </a:solidFill>
-              <a:latin typeface="Courier"/>
-              <a:ea typeface="Courier New"/>
-              <a:cs typeface="Courier"/>
-              <a:sym typeface="Courier New"/>
-            </a:endParaRPr>
-          </a:p>
-          <a:p>
-            <a:pPr>
-              <a:buClr>
-                <a:srgbClr val="FFFFFF"/>
-              </a:buClr>
-              <a:buSzPct val="25000"/>
-            </a:pPr>
-            <a:r>
-              <a:rPr lang="en" sz="1600" b="1" dirty="0" err="1">
-                <a:solidFill>
-                  <a:srgbClr val="FFFFFF"/>
-                </a:solidFill>
-                <a:latin typeface="Courier"/>
-                <a:ea typeface="Courier New"/>
-                <a:cs typeface="Courier"/>
-                <a:sym typeface="Courier New"/>
-              </a:rPr>
-              <a:t>s.party</a:t>
-            </a:r>
-            <a:r>
-              <a:rPr lang="en" sz="1600" b="1" dirty="0">
-                <a:solidFill>
-                  <a:srgbClr val="FFFFFF"/>
-                </a:solidFill>
-                <a:latin typeface="Courier"/>
-                <a:ea typeface="Courier New"/>
-                <a:cs typeface="Courier"/>
-                <a:sym typeface="Courier New"/>
-              </a:rPr>
-              <a:t>()</a:t>
-            </a:r>
-            <a:endParaRPr lang="en" sz="1600" b="1" i="0" u="none" strike="noStrike" cap="none" dirty="0">
               <a:solidFill>
                 <a:srgbClr val="FFFFFF"/>
               </a:solidFill>
@@ -26077,6 +26146,38 @@
               </a:rPr>
               <a:t>)</a:t>
             </a:r>
+          </a:p>
+          <a:p>
+            <a:pPr>
+              <a:buClr>
+                <a:srgbClr val="FFFFFF"/>
+              </a:buClr>
+              <a:buSzPct val="25000"/>
+            </a:pPr>
+            <a:r>
+              <a:rPr lang="en" sz="1600" b="1" dirty="0" err="1">
+                <a:solidFill>
+                  <a:srgbClr val="FFFFFF"/>
+                </a:solidFill>
+                <a:latin typeface="Courier"/>
+                <a:ea typeface="Courier New"/>
+                <a:cs typeface="Courier"/>
+                <a:sym typeface="Courier New"/>
+              </a:rPr>
+              <a:t>s.party</a:t>
+            </a:r>
+            <a:r>
+              <a:rPr lang="en" sz="1600" b="1" dirty="0">
+                <a:solidFill>
+                  <a:srgbClr val="FFFFFF"/>
+                </a:solidFill>
+                <a:latin typeface="Courier"/>
+                <a:ea typeface="Courier New"/>
+                <a:cs typeface="Courier"/>
+                <a:sym typeface="Courier New"/>
+              </a:rPr>
+              <a:t>()</a:t>
+            </a:r>
             <a:endParaRPr sz="1600" b="1" i="0" u="none" strike="noStrike" cap="none" dirty="0">
               <a:solidFill>
                 <a:srgbClr val="FFFFFF"/>
@@ -26194,47 +26295,6 @@
               <a:buNone/>
             </a:pPr>
             <a:endParaRPr lang="en-US" sz="1600" b="1" i="0" u="none" strike="noStrike" cap="none" dirty="0">
-              <a:solidFill>
-                <a:srgbClr val="FFFFFF"/>
-              </a:solidFill>
-              <a:latin typeface="Courier"/>
-              <a:ea typeface="Courier New"/>
-              <a:cs typeface="Courier"/>
-              <a:sym typeface="Courier New"/>
-            </a:endParaRPr>
-          </a:p>
-          <a:p>
-            <a:pPr>
-              <a:buClr>
-                <a:srgbClr val="FFFFFF"/>
-              </a:buClr>
-              <a:buSzPct val="25000"/>
-            </a:pPr>
-            <a:r>
-              <a:rPr lang="en" sz="1600" b="1" dirty="0" err="1">
-                <a:solidFill>
-                  <a:srgbClr val="FFFFFF"/>
-                </a:solidFill>
-                <a:latin typeface="Courier"/>
-                <a:ea typeface="Courier New"/>
-                <a:cs typeface="Courier"/>
-                <a:sym typeface="Courier New"/>
-              </a:rPr>
-              <a:t>s.party</a:t>
-            </a:r>
-            <a:r>
-              <a:rPr lang="en" sz="1600" b="1" dirty="0">
-                <a:solidFill>
-                  <a:srgbClr val="FFFFFF"/>
-                </a:solidFill>
-                <a:latin typeface="Courier"/>
-                <a:ea typeface="Courier New"/>
-                <a:cs typeface="Courier"/>
-                <a:sym typeface="Courier New"/>
-              </a:rPr>
-              <a:t>()</a:t>
-            </a:r>
-            <a:endParaRPr lang="en" sz="1600" b="1" i="0" u="none" strike="noStrike" cap="none" dirty="0">
               <a:solidFill>
                 <a:srgbClr val="FFFFFF"/>
               </a:solidFill>
@@ -27169,6 +27229,38 @@
               </a:rPr>
               <a:t>)</a:t>
             </a:r>
+          </a:p>
+          <a:p>
+            <a:pPr>
+              <a:buClr>
+                <a:srgbClr val="FFFFFF"/>
+              </a:buClr>
+              <a:buSzPct val="25000"/>
+            </a:pPr>
+            <a:r>
+              <a:rPr lang="en" sz="1600" b="1" dirty="0" err="1">
+                <a:solidFill>
+                  <a:srgbClr val="FFFFFF"/>
+                </a:solidFill>
+                <a:latin typeface="Courier"/>
+                <a:ea typeface="Courier New"/>
+                <a:cs typeface="Courier"/>
+                <a:sym typeface="Courier New"/>
+              </a:rPr>
+              <a:t>s.party</a:t>
+            </a:r>
+            <a:r>
+              <a:rPr lang="en" sz="1600" b="1" dirty="0">
+                <a:solidFill>
+                  <a:srgbClr val="FFFFFF"/>
+                </a:solidFill>
+                <a:latin typeface="Courier"/>
+                <a:ea typeface="Courier New"/>
+                <a:cs typeface="Courier"/>
+                <a:sym typeface="Courier New"/>
+              </a:rPr>
+              <a:t>()</a:t>
+            </a:r>
             <a:endParaRPr sz="1600" b="1" i="0" u="none" strike="noStrike" cap="none" dirty="0">
               <a:solidFill>
                 <a:srgbClr val="FFFFFF"/>
@@ -27286,47 +27378,6 @@
               <a:buNone/>
             </a:pPr>
             <a:endParaRPr lang="en-US" sz="1600" b="1" i="0" u="none" strike="noStrike" cap="none" dirty="0">
-              <a:solidFill>
-                <a:srgbClr val="FFFFFF"/>
-              </a:solidFill>
-              <a:latin typeface="Courier"/>
-              <a:ea typeface="Courier New"/>
-              <a:cs typeface="Courier"/>
-              <a:sym typeface="Courier New"/>
-            </a:endParaRPr>
-          </a:p>
-          <a:p>
-            <a:pPr>
-              <a:buClr>
-                <a:srgbClr val="FFFFFF"/>
-              </a:buClr>
-              <a:buSzPct val="25000"/>
-            </a:pPr>
-            <a:r>
-              <a:rPr lang="en" sz="1600" b="1" dirty="0" err="1">
-                <a:solidFill>
-                  <a:srgbClr val="FFFFFF"/>
-                </a:solidFill>
-                <a:latin typeface="Courier"/>
-                <a:ea typeface="Courier New"/>
-                <a:cs typeface="Courier"/>
-                <a:sym typeface="Courier New"/>
-              </a:rPr>
-              <a:t>s.party</a:t>
-            </a:r>
-            <a:r>
-              <a:rPr lang="en" sz="1600" b="1" dirty="0">
-                <a:solidFill>
-                  <a:srgbClr val="FFFFFF"/>
-                </a:solidFill>
-                <a:latin typeface="Courier"/>
-                <a:ea typeface="Courier New"/>
-                <a:cs typeface="Courier"/>
-                <a:sym typeface="Courier New"/>
-              </a:rPr>
-              <a:t>()</a:t>
-            </a:r>
-            <a:endParaRPr lang="en" sz="1600" b="1" i="0" u="none" strike="noStrike" cap="none" dirty="0">
               <a:solidFill>
                 <a:srgbClr val="FFFFFF"/>
               </a:solidFill>
@@ -28514,6 +28565,38 @@
               </a:rPr>
               <a:t>)</a:t>
             </a:r>
+          </a:p>
+          <a:p>
+            <a:pPr>
+              <a:buClr>
+                <a:srgbClr val="FFFFFF"/>
+              </a:buClr>
+              <a:buSzPct val="25000"/>
+            </a:pPr>
+            <a:r>
+              <a:rPr lang="en" sz="1600" b="1" dirty="0" err="1">
+                <a:solidFill>
+                  <a:srgbClr val="FFFFFF"/>
+                </a:solidFill>
+                <a:latin typeface="Courier"/>
+                <a:ea typeface="Courier New"/>
+                <a:cs typeface="Courier"/>
+                <a:sym typeface="Courier New"/>
+              </a:rPr>
+              <a:t>s.party</a:t>
+            </a:r>
+            <a:r>
+              <a:rPr lang="en" sz="1600" b="1" dirty="0">
+                <a:solidFill>
+                  <a:srgbClr val="FFFFFF"/>
+                </a:solidFill>
+                <a:latin typeface="Courier"/>
+                <a:ea typeface="Courier New"/>
+                <a:cs typeface="Courier"/>
+                <a:sym typeface="Courier New"/>
+              </a:rPr>
+              <a:t>()</a:t>
+            </a:r>
             <a:endParaRPr sz="1600" b="1" i="0" u="none" strike="noStrike" cap="none" dirty="0">
               <a:solidFill>
                 <a:srgbClr val="FFFFFF"/>
@@ -28631,47 +28714,6 @@
               <a:buNone/>
             </a:pPr>
             <a:endParaRPr lang="en-US" sz="1600" b="1" i="0" u="none" strike="noStrike" cap="none" dirty="0">
-              <a:solidFill>
-                <a:srgbClr val="FFFFFF"/>
-              </a:solidFill>
-              <a:latin typeface="Courier"/>
-              <a:ea typeface="Courier New"/>
-              <a:cs typeface="Courier"/>
-              <a:sym typeface="Courier New"/>
-            </a:endParaRPr>
-          </a:p>
-          <a:p>
-            <a:pPr>
-              <a:buClr>
-                <a:srgbClr val="FFFFFF"/>
-              </a:buClr>
-              <a:buSzPct val="25000"/>
-            </a:pPr>
-            <a:r>
-              <a:rPr lang="en" sz="1600" b="1" dirty="0" err="1">
-                <a:solidFill>
-                  <a:srgbClr val="FFFFFF"/>
-                </a:solidFill>
-                <a:latin typeface="Courier"/>
-                <a:ea typeface="Courier New"/>
-                <a:cs typeface="Courier"/>
-                <a:sym typeface="Courier New"/>
-              </a:rPr>
-              <a:t>s.party</a:t>
-            </a:r>
-            <a:r>
-              <a:rPr lang="en" sz="1600" b="1" dirty="0">
-                <a:solidFill>
-                  <a:srgbClr val="FFFFFF"/>
-                </a:solidFill>
-                <a:latin typeface="Courier"/>
-                <a:ea typeface="Courier New"/>
-                <a:cs typeface="Courier"/>
-                <a:sym typeface="Courier New"/>
-              </a:rPr>
-              <a:t>()</a:t>
-            </a:r>
-            <a:endParaRPr lang="en" sz="1600" b="1" i="0" u="none" strike="noStrike" cap="none" dirty="0">
               <a:solidFill>
                 <a:srgbClr val="FFFFFF"/>
               </a:solidFill>
@@ -29320,63 +29362,6 @@
           </p:txBody>
         </p:sp>
       </p:grpSp>
-      <p:sp>
-        <p:nvSpPr>
-          <p:cNvPr id="483" name="Shape 483"/>
-          <p:cNvSpPr/>
-          <p:nvPr/>
-        </p:nvSpPr>
-        <p:spPr>
-          <a:xfrm>
-            <a:off x="3589585" y="3473952"/>
-            <a:ext cx="2427514" cy="1036767"/>
-          </a:xfrm>
-          <a:prstGeom prst="rect">
-            <a:avLst/>
-          </a:prstGeom>
-          <a:noFill/>
-          <a:ln>
-            <a:noFill/>
-          </a:ln>
-        </p:spPr>
-        <p:txBody>
-          <a:bodyPr lIns="21050" tIns="21050" rIns="21050" bIns="21050" anchor="ctr" anchorCtr="0">
-            <a:noAutofit/>
-          </a:bodyPr>
-          <a:lstStyle/>
-          <a:p>
-            <a:pPr marL="0" marR="0" lvl="0" indent="0" algn="ctr" rtl="0">
-              <a:lnSpc>
-                <a:spcPct val="100000"/>
-              </a:lnSpc>
-              <a:spcBef>
-                <a:spcPts val="0"/>
-              </a:spcBef>
-              <a:spcAft>
-                <a:spcPts val="0"/>
-              </a:spcAft>
-              <a:buClr>
-                <a:srgbClr val="00FDFF"/>
-              </a:buClr>
-              <a:buSzPct val="25000"/>
-              <a:buFont typeface="Cabin"/>
-              <a:buNone/>
-            </a:pPr>
-            <a:r>
-              <a:rPr lang="en" sz="2300" u="none" strike="noStrike" cap="none" dirty="0">
-                <a:solidFill>
-                  <a:srgbClr val="00FDFF"/>
-                </a:solidFill>
-                <a:latin typeface="Arial" charset="0"/>
-                <a:ea typeface="Arial" charset="0"/>
-                <a:cs typeface="Arial" charset="0"/>
-                <a:sym typeface="Cabin"/>
-              </a:rPr>
-              <a:t>We have two independent instances</a:t>
-            </a:r>
-          </a:p>
-        </p:txBody>
-      </p:sp>
     </p:spTree>
   </p:cSld>
   <p:clrMapOvr>
@@ -30209,6 +30194,38 @@
               </a:rPr>
               <a:t>)</a:t>
             </a:r>
+          </a:p>
+          <a:p>
+            <a:pPr>
+              <a:buClr>
+                <a:srgbClr val="FFFFFF"/>
+              </a:buClr>
+              <a:buSzPct val="25000"/>
+            </a:pPr>
+            <a:r>
+              <a:rPr lang="en" sz="1600" b="1" dirty="0" err="1">
+                <a:solidFill>
+                  <a:srgbClr val="FFFFFF"/>
+                </a:solidFill>
+                <a:latin typeface="Courier"/>
+                <a:ea typeface="Courier New"/>
+                <a:cs typeface="Courier"/>
+                <a:sym typeface="Courier New"/>
+              </a:rPr>
+              <a:t>s.party</a:t>
+            </a:r>
+            <a:r>
+              <a:rPr lang="en" sz="1600" b="1" dirty="0">
+                <a:solidFill>
+                  <a:srgbClr val="FFFFFF"/>
+                </a:solidFill>
+                <a:latin typeface="Courier"/>
+                <a:ea typeface="Courier New"/>
+                <a:cs typeface="Courier"/>
+                <a:sym typeface="Courier New"/>
+              </a:rPr>
+              <a:t>()</a:t>
+            </a:r>
             <a:endParaRPr sz="1600" b="1" i="0" u="none" strike="noStrike" cap="none" dirty="0">
               <a:solidFill>
                 <a:srgbClr val="FFFFFF"/>
@@ -30326,47 +30343,6 @@
               <a:buNone/>
             </a:pPr>
             <a:endParaRPr lang="en-US" sz="1600" b="1" i="0" u="none" strike="noStrike" cap="none" dirty="0">
-              <a:solidFill>
-                <a:srgbClr val="FFFFFF"/>
-              </a:solidFill>
-              <a:latin typeface="Courier"/>
-              <a:ea typeface="Courier New"/>
-              <a:cs typeface="Courier"/>
-              <a:sym typeface="Courier New"/>
-            </a:endParaRPr>
-          </a:p>
-          <a:p>
-            <a:pPr>
-              <a:buClr>
-                <a:srgbClr val="FFFFFF"/>
-              </a:buClr>
-              <a:buSzPct val="25000"/>
-            </a:pPr>
-            <a:r>
-              <a:rPr lang="en" sz="1600" b="1" dirty="0" err="1">
-                <a:solidFill>
-                  <a:srgbClr val="FFFFFF"/>
-                </a:solidFill>
-                <a:latin typeface="Courier"/>
-                <a:ea typeface="Courier New"/>
-                <a:cs typeface="Courier"/>
-                <a:sym typeface="Courier New"/>
-              </a:rPr>
-              <a:t>s.party</a:t>
-            </a:r>
-            <a:r>
-              <a:rPr lang="en" sz="1600" b="1" dirty="0">
-                <a:solidFill>
-                  <a:srgbClr val="FFFFFF"/>
-                </a:solidFill>
-                <a:latin typeface="Courier"/>
-                <a:ea typeface="Courier New"/>
-                <a:cs typeface="Courier"/>
-                <a:sym typeface="Courier New"/>
-              </a:rPr>
-              <a:t>()</a:t>
-            </a:r>
-            <a:endParaRPr lang="en" sz="1600" b="1" i="0" u="none" strike="noStrike" cap="none" dirty="0">
               <a:solidFill>
                 <a:srgbClr val="FFFFFF"/>
               </a:solidFill>
@@ -30503,6 +30479,26 @@
               </a:rPr>
               <a:t>Sally constructed</a:t>
             </a:r>
+          </a:p>
+          <a:p>
+            <a:pPr>
+              <a:buClr>
+                <a:srgbClr val="FFFFFF"/>
+              </a:buClr>
+              <a:buSzPct val="25000"/>
+            </a:pPr>
+            <a:r>
+              <a:rPr lang="en" b="1" dirty="0">
+                <a:solidFill>
+                  <a:srgbClr val="FFFFFF"/>
+                </a:solidFill>
+                <a:latin typeface="Courier"/>
+                <a:ea typeface="Courier New"/>
+                <a:cs typeface="Courier"/>
+                <a:sym typeface="Courier New"/>
+              </a:rPr>
+              <a:t>Sally party count 1</a:t>
+            </a:r>
             <a:endParaRPr lang="en-US" b="1" dirty="0">
               <a:solidFill>
                 <a:srgbClr val="FFFFFF"/>
@@ -30531,35 +30527,6 @@
                 <a:sym typeface="Courier New"/>
               </a:rPr>
               <a:t>Jim constructed</a:t>
-            </a:r>
-            <a:endParaRPr lang="en-US" b="1" dirty="0">
-              <a:solidFill>
-                <a:srgbClr val="FFFFFF"/>
-              </a:solidFill>
-              <a:latin typeface="Courier"/>
-              <a:ea typeface="Courier New"/>
-              <a:cs typeface="Courier"/>
-              <a:sym typeface="Courier New"/>
-            </a:endParaRPr>
-          </a:p>
-          <a:p>
-            <a:pPr lvl="0">
-              <a:buClr>
-                <a:srgbClr val="FFFFFF"/>
-              </a:buClr>
-              <a:buSzPct val="25000"/>
-            </a:pPr>
-            <a:r>
-              <a:rPr lang="en" b="1" dirty="0">
-                <a:solidFill>
-                  <a:srgbClr val="FFFFFF"/>
-                </a:solidFill>
-                <a:latin typeface="Courier"/>
-                <a:ea typeface="Courier New"/>
-                <a:cs typeface="Courier"/>
-                <a:sym typeface="Courier New"/>
-              </a:rPr>
-              <a:t>Sally party count 1</a:t>
             </a:r>
             <a:endParaRPr lang="en-US" b="1" dirty="0">
               <a:solidFill>
@@ -31620,7 +31587,7 @@
               <a:buNone/>
             </a:pPr>
             <a:r>
-              <a:rPr lang="en" sz="1600" b="1" i="0" u="none" strike="noStrike" cap="none" dirty="0">
+              <a:rPr lang="en" sz="1500" b="1" i="0" u="none" strike="noStrike" cap="none" dirty="0">
                 <a:solidFill>
                   <a:srgbClr val="FFFB00"/>
                 </a:solidFill>
@@ -31632,7 +31599,7 @@
               <a:t>class </a:t>
             </a:r>
             <a:r>
-              <a:rPr lang="en" sz="1600" b="1" i="0" u="none" strike="noStrike" cap="none" dirty="0" err="1">
+              <a:rPr lang="en" sz="1500" b="1" i="0" u="none" strike="noStrike" cap="none" dirty="0" err="1">
                 <a:solidFill>
                   <a:srgbClr val="FFFB00"/>
                 </a:solidFill>
@@ -31644,7 +31611,7 @@
               <a:t>PartyAnimal</a:t>
             </a:r>
             <a:r>
-              <a:rPr lang="en" sz="1600" b="1" i="0" u="none" strike="noStrike" cap="none" dirty="0">
+              <a:rPr lang="en" sz="1500" b="1" i="0" u="none" strike="noStrike" cap="none" dirty="0">
                 <a:solidFill>
                   <a:srgbClr val="FFFB00"/>
                 </a:solidFill>
@@ -31675,7 +31642,7 @@
               <a:buNone/>
             </a:pPr>
             <a:r>
-              <a:rPr lang="en" sz="1600" b="1" i="0" u="none" strike="noStrike" cap="none" dirty="0">
+              <a:rPr lang="en" sz="1500" b="1" i="0" u="none" strike="noStrike" cap="none" dirty="0">
                 <a:solidFill>
                   <a:srgbClr val="FFFB00"/>
                 </a:solidFill>
@@ -31706,7 +31673,7 @@
               <a:buNone/>
             </a:pPr>
             <a:r>
-              <a:rPr lang="en" sz="1600" b="1" i="0" u="none" strike="noStrike" cap="none" dirty="0">
+              <a:rPr lang="en" sz="1500" b="1" i="0" u="none" strike="noStrike" cap="none" dirty="0">
                 <a:solidFill>
                   <a:srgbClr val="FFFB00"/>
                 </a:solidFill>
@@ -31718,7 +31685,7 @@
               <a:t>   def __</a:t>
             </a:r>
             <a:r>
-              <a:rPr lang="en" sz="1600" b="1" i="0" u="none" strike="noStrike" cap="none" dirty="0" err="1">
+              <a:rPr lang="en" sz="1500" b="1" i="0" u="none" strike="noStrike" cap="none" dirty="0" err="1">
                 <a:solidFill>
                   <a:srgbClr val="FFFB00"/>
                 </a:solidFill>
@@ -31730,7 +31697,7 @@
               <a:t>init</a:t>
             </a:r>
             <a:r>
-              <a:rPr lang="en" sz="1600" b="1" i="0" u="none" strike="noStrike" cap="none" dirty="0">
+              <a:rPr lang="en" sz="1500" b="1" i="0" u="none" strike="noStrike" cap="none" dirty="0">
                 <a:solidFill>
                   <a:srgbClr val="FFFB00"/>
                 </a:solidFill>
@@ -31742,7 +31709,7 @@
               <a:t>__(self, </a:t>
             </a:r>
             <a:r>
-              <a:rPr lang="en" sz="1600" b="1" i="0" u="none" strike="noStrike" cap="none" dirty="0" err="1">
+              <a:rPr lang="en" sz="1500" b="1" i="0" u="none" strike="noStrike" cap="none" dirty="0" err="1">
                 <a:solidFill>
                   <a:srgbClr val="FFFB00"/>
                 </a:solidFill>
@@ -31754,7 +31721,7 @@
               <a:t>nam</a:t>
             </a:r>
             <a:r>
-              <a:rPr lang="en" sz="1600" b="1" i="0" u="none" strike="noStrike" cap="none" dirty="0">
+              <a:rPr lang="en" sz="1500" b="1" i="0" u="none" strike="noStrike" cap="none" dirty="0">
                 <a:solidFill>
                   <a:srgbClr val="FFFB00"/>
                 </a:solidFill>
@@ -31785,7 +31752,7 @@
               <a:buNone/>
             </a:pPr>
             <a:r>
-              <a:rPr lang="en" sz="1600" b="1" dirty="0">
+              <a:rPr lang="en" sz="1500" b="1" dirty="0">
                 <a:solidFill>
                   <a:srgbClr val="FFFB00"/>
                 </a:solidFill>
@@ -31797,7 +31764,7 @@
               <a:t>     </a:t>
             </a:r>
             <a:r>
-              <a:rPr lang="en" sz="1600" b="1" dirty="0" err="1">
+              <a:rPr lang="en" sz="1500" b="1" dirty="0" err="1">
                 <a:solidFill>
                   <a:srgbClr val="FFFB00"/>
                 </a:solidFill>
@@ -31809,7 +31776,7 @@
               <a:t>self.x</a:t>
             </a:r>
             <a:r>
-              <a:rPr lang="en" sz="1600" b="1" dirty="0">
+              <a:rPr lang="en" sz="1500" b="1" dirty="0">
                 <a:solidFill>
                   <a:srgbClr val="FFFB00"/>
                 </a:solidFill>
@@ -31820,7 +31787,7 @@
               </a:rPr>
               <a:t> = 0</a:t>
             </a:r>
-            <a:endParaRPr lang="en" sz="1600" b="1" i="0" u="none" strike="noStrike" cap="none" dirty="0">
+            <a:endParaRPr lang="en" sz="1500" b="1" i="0" u="none" strike="noStrike" cap="none" dirty="0">
               <a:solidFill>
                 <a:srgbClr val="FFFB00"/>
               </a:solidFill>
@@ -31849,7 +31816,7 @@
               <a:buNone/>
             </a:pPr>
             <a:r>
-              <a:rPr lang="en" sz="1600" b="1" i="0" u="none" strike="noStrike" cap="none" dirty="0">
+              <a:rPr lang="en" sz="1500" b="1" i="0" u="none" strike="noStrike" cap="none" dirty="0">
                 <a:solidFill>
                   <a:srgbClr val="FFFB00"/>
                 </a:solidFill>
@@ -31861,7 +31828,7 @@
               <a:t>     </a:t>
             </a:r>
             <a:r>
-              <a:rPr lang="en" sz="1600" b="1" i="0" u="none" strike="noStrike" cap="none" dirty="0" err="1">
+              <a:rPr lang="en" sz="1500" b="1" i="0" u="none" strike="noStrike" cap="none" dirty="0" err="1">
                 <a:solidFill>
                   <a:srgbClr val="FFFB00"/>
                 </a:solidFill>
@@ -31873,7 +31840,7 @@
               <a:t>self.name</a:t>
             </a:r>
             <a:r>
-              <a:rPr lang="en" sz="1600" b="1" i="0" u="none" strike="noStrike" cap="none" dirty="0">
+              <a:rPr lang="en" sz="1500" b="1" i="0" u="none" strike="noStrike" cap="none" dirty="0">
                 <a:solidFill>
                   <a:srgbClr val="FFFB00"/>
                 </a:solidFill>
@@ -31885,7 +31852,7 @@
               <a:t> = </a:t>
             </a:r>
             <a:r>
-              <a:rPr lang="en" sz="1600" b="1" i="0" u="none" strike="noStrike" cap="none" dirty="0" err="1">
+              <a:rPr lang="en" sz="1500" b="1" i="0" u="none" strike="noStrike" cap="none" dirty="0" err="1">
                 <a:solidFill>
                   <a:srgbClr val="FFFB00"/>
                 </a:solidFill>
@@ -31896,7 +31863,7 @@
               </a:rPr>
               <a:t>nam</a:t>
             </a:r>
-            <a:endParaRPr lang="en" sz="1600" b="1" i="0" u="none" strike="noStrike" cap="none" dirty="0">
+            <a:endParaRPr lang="en" sz="1500" b="1" i="0" u="none" strike="noStrike" cap="none" dirty="0">
               <a:solidFill>
                 <a:srgbClr val="FFFB00"/>
               </a:solidFill>
@@ -31925,7 +31892,7 @@
               <a:buNone/>
             </a:pPr>
             <a:r>
-              <a:rPr lang="en" sz="1600" b="1" i="0" u="none" strike="noStrike" cap="none" dirty="0">
+              <a:rPr lang="en" sz="1500" b="1" i="0" u="none" strike="noStrike" cap="none" dirty="0">
                 <a:solidFill>
                   <a:srgbClr val="FFFB00"/>
                 </a:solidFill>
@@ -31937,7 +31904,7 @@
               <a:t>     print</a:t>
             </a:r>
             <a:r>
-              <a:rPr lang="en-US" sz="1600" b="1" i="0" u="none" strike="noStrike" cap="none" dirty="0">
+              <a:rPr lang="en-US" sz="1500" b="1" i="0" u="none" strike="noStrike" cap="none" dirty="0">
                 <a:solidFill>
                   <a:srgbClr val="FFFB00"/>
                 </a:solidFill>
@@ -31949,7 +31916,7 @@
               <a:t>(</a:t>
             </a:r>
             <a:r>
-              <a:rPr lang="en" sz="1600" b="1" i="0" u="none" strike="noStrike" cap="none" dirty="0" err="1">
+              <a:rPr lang="en" sz="1500" b="1" i="0" u="none" strike="noStrike" cap="none" dirty="0" err="1">
                 <a:solidFill>
                   <a:srgbClr val="FFFB00"/>
                 </a:solidFill>
@@ -31961,7 +31928,7 @@
               <a:t>self.name,"constructed</a:t>
             </a:r>
             <a:r>
-              <a:rPr lang="en" sz="1600" b="1" i="0" u="none" strike="noStrike" cap="none" dirty="0">
+              <a:rPr lang="en" sz="1500" b="1" i="0" u="none" strike="noStrike" cap="none" dirty="0">
                 <a:solidFill>
                   <a:srgbClr val="FFFB00"/>
                 </a:solidFill>
@@ -31973,7 +31940,7 @@
               <a:t>"</a:t>
             </a:r>
             <a:r>
-              <a:rPr lang="en-US" sz="1600" b="1" i="0" u="none" strike="noStrike" cap="none" dirty="0">
+              <a:rPr lang="en-US" sz="1500" b="1" i="0" u="none" strike="noStrike" cap="none" dirty="0">
                 <a:solidFill>
                   <a:srgbClr val="FFFB00"/>
                 </a:solidFill>
@@ -31984,7 +31951,7 @@
               </a:rPr>
               <a:t>)</a:t>
             </a:r>
-            <a:endParaRPr lang="en" sz="1600" b="1" i="0" u="none" strike="noStrike" cap="none" dirty="0">
+            <a:endParaRPr lang="en" sz="1500" b="1" i="0" u="none" strike="noStrike" cap="none" dirty="0">
               <a:solidFill>
                 <a:srgbClr val="FFFB00"/>
               </a:solidFill>
@@ -32011,7 +31978,7 @@
               <a:buFont typeface="Cabin"/>
               <a:buNone/>
             </a:pPr>
-            <a:endParaRPr sz="1600" b="1" i="0" u="none" strike="noStrike" cap="none" dirty="0">
+            <a:endParaRPr sz="1500" b="1" i="0" u="none" strike="noStrike" cap="none" dirty="0">
               <a:solidFill>
                 <a:srgbClr val="FFFFFF"/>
               </a:solidFill>
@@ -32040,7 +32007,7 @@
               <a:buNone/>
             </a:pPr>
             <a:r>
-              <a:rPr lang="en" sz="1600" b="1" i="0" u="none" strike="noStrike" cap="none" dirty="0">
+              <a:rPr lang="en" sz="1500" b="1" i="0" u="none" strike="noStrike" cap="none" dirty="0">
                 <a:solidFill>
                   <a:srgbClr val="FFFB00"/>
                 </a:solidFill>
@@ -32052,7 +32019,7 @@
               <a:t>   </a:t>
             </a:r>
             <a:r>
-              <a:rPr lang="en" sz="1600" b="1" i="0" u="none" strike="noStrike" cap="none" dirty="0" err="1">
+              <a:rPr lang="en" sz="1500" b="1" i="0" u="none" strike="noStrike" cap="none" dirty="0" err="1">
                 <a:solidFill>
                   <a:srgbClr val="FFFB00"/>
                 </a:solidFill>
@@ -32064,7 +32031,7 @@
               <a:t>def</a:t>
             </a:r>
             <a:r>
-              <a:rPr lang="en" sz="1600" b="1" i="0" u="none" strike="noStrike" cap="none" dirty="0">
+              <a:rPr lang="en" sz="1500" b="1" i="0" u="none" strike="noStrike" cap="none" dirty="0">
                 <a:solidFill>
                   <a:srgbClr val="FFFB00"/>
                 </a:solidFill>
@@ -32095,7 +32062,7 @@
               <a:buNone/>
             </a:pPr>
             <a:r>
-              <a:rPr lang="en" sz="1600" b="1" i="0" u="none" strike="noStrike" cap="none" dirty="0">
+              <a:rPr lang="en" sz="1500" b="1" i="0" u="none" strike="noStrike" cap="none" dirty="0">
                 <a:solidFill>
                   <a:srgbClr val="FFFB00"/>
                 </a:solidFill>
@@ -32107,7 +32074,7 @@
               <a:t>     </a:t>
             </a:r>
             <a:r>
-              <a:rPr lang="en" sz="1600" b="1" i="0" u="none" strike="noStrike" cap="none" dirty="0" err="1">
+              <a:rPr lang="en" sz="1500" b="1" i="0" u="none" strike="noStrike" cap="none" dirty="0" err="1">
                 <a:solidFill>
                   <a:srgbClr val="FFFB00"/>
                 </a:solidFill>
@@ -32119,7 +32086,7 @@
               <a:t>self.x</a:t>
             </a:r>
             <a:r>
-              <a:rPr lang="en" sz="1600" b="1" i="0" u="none" strike="noStrike" cap="none" dirty="0">
+              <a:rPr lang="en" sz="1500" b="1" i="0" u="none" strike="noStrike" cap="none" dirty="0">
                 <a:solidFill>
                   <a:srgbClr val="FFFB00"/>
                 </a:solidFill>
@@ -32131,7 +32098,7 @@
               <a:t> = </a:t>
             </a:r>
             <a:r>
-              <a:rPr lang="en" sz="1600" b="1" i="0" u="none" strike="noStrike" cap="none" dirty="0" err="1">
+              <a:rPr lang="en" sz="1500" b="1" i="0" u="none" strike="noStrike" cap="none" dirty="0" err="1">
                 <a:solidFill>
                   <a:srgbClr val="FFFB00"/>
                 </a:solidFill>
@@ -32143,7 +32110,7 @@
               <a:t>self.x</a:t>
             </a:r>
             <a:r>
-              <a:rPr lang="en" sz="1600" b="1" i="0" u="none" strike="noStrike" cap="none" dirty="0">
+              <a:rPr lang="en" sz="1500" b="1" i="0" u="none" strike="noStrike" cap="none" dirty="0">
                 <a:solidFill>
                   <a:srgbClr val="FFFB00"/>
                 </a:solidFill>
@@ -32174,7 +32141,7 @@
               <a:buNone/>
             </a:pPr>
             <a:r>
-              <a:rPr lang="en" sz="1600" b="1" i="0" u="none" strike="noStrike" cap="none" dirty="0">
+              <a:rPr lang="en" sz="1500" b="1" i="0" u="none" strike="noStrike" cap="none" dirty="0">
                 <a:solidFill>
                   <a:srgbClr val="FFFB00"/>
                 </a:solidFill>
@@ -32186,7 +32153,7 @@
               <a:t>     print</a:t>
             </a:r>
             <a:r>
-              <a:rPr lang="en-US" sz="1600" b="1" i="0" u="none" strike="noStrike" cap="none" dirty="0">
+              <a:rPr lang="en-US" sz="1500" b="1" i="0" u="none" strike="noStrike" cap="none" dirty="0">
                 <a:solidFill>
                   <a:srgbClr val="FFFB00"/>
                 </a:solidFill>
@@ -32198,7 +32165,7 @@
               <a:t>(</a:t>
             </a:r>
             <a:r>
-              <a:rPr lang="en" sz="1600" b="1" i="0" u="none" strike="noStrike" cap="none" dirty="0" err="1">
+              <a:rPr lang="en" sz="1500" b="1" i="0" u="none" strike="noStrike" cap="none" dirty="0" err="1">
                 <a:solidFill>
                   <a:srgbClr val="FFFB00"/>
                 </a:solidFill>
@@ -32210,7 +32177,7 @@
               <a:t>self.name,"party</a:t>
             </a:r>
             <a:r>
-              <a:rPr lang="en" sz="1600" b="1" i="0" u="none" strike="noStrike" cap="none" dirty="0">
+              <a:rPr lang="en" sz="1500" b="1" i="0" u="none" strike="noStrike" cap="none" dirty="0">
                 <a:solidFill>
                   <a:srgbClr val="FFFB00"/>
                 </a:solidFill>
@@ -32222,7 +32189,7 @@
               <a:t> count",</a:t>
             </a:r>
             <a:r>
-              <a:rPr lang="en" sz="1600" b="1" i="0" u="none" strike="noStrike" cap="none" dirty="0" err="1">
+              <a:rPr lang="en" sz="1500" b="1" i="0" u="none" strike="noStrike" cap="none" dirty="0" err="1">
                 <a:solidFill>
                   <a:srgbClr val="FFFB00"/>
                 </a:solidFill>
@@ -32234,7 +32201,7 @@
               <a:t>self.x</a:t>
             </a:r>
             <a:r>
-              <a:rPr lang="en-US" sz="1600" b="1" i="0" u="none" strike="noStrike" cap="none" dirty="0">
+              <a:rPr lang="en-US" sz="1500" b="1" i="0" u="none" strike="noStrike" cap="none" dirty="0">
                 <a:solidFill>
                   <a:srgbClr val="FFFB00"/>
                 </a:solidFill>
@@ -32245,7 +32212,7 @@
               </a:rPr>
               <a:t>)</a:t>
             </a:r>
-            <a:endParaRPr lang="en" sz="1600" b="1" i="0" u="none" strike="noStrike" cap="none" dirty="0">
+            <a:endParaRPr lang="en" sz="1500" b="1" i="0" u="none" strike="noStrike" cap="none" dirty="0">
               <a:solidFill>
                 <a:srgbClr val="FFFB00"/>
               </a:solidFill>
@@ -32272,7 +32239,7 @@
               <a:buFont typeface="Cabin"/>
               <a:buNone/>
             </a:pPr>
-            <a:endParaRPr sz="1600" b="1" i="0" u="none" strike="noStrike" cap="none" dirty="0">
+            <a:endParaRPr sz="1500" b="1" i="0" u="none" strike="noStrike" cap="none" dirty="0">
               <a:solidFill>
                 <a:srgbClr val="FFFFFF"/>
               </a:solidFill>
@@ -32301,7 +32268,7 @@
               <a:buNone/>
             </a:pPr>
             <a:r>
-              <a:rPr lang="en" sz="1600" b="1" i="0" u="none" strike="noStrike" cap="none" dirty="0">
+              <a:rPr lang="en" sz="1500" b="1" i="0" u="none" strike="noStrike" cap="none" dirty="0">
                 <a:solidFill>
                   <a:srgbClr val="FF40FF"/>
                 </a:solidFill>
@@ -32313,7 +32280,7 @@
               <a:t>class </a:t>
             </a:r>
             <a:r>
-              <a:rPr lang="en" sz="1600" b="1" i="0" u="none" strike="noStrike" cap="none" dirty="0" err="1">
+              <a:rPr lang="en" sz="1500" b="1" i="0" u="none" strike="noStrike" cap="none" dirty="0" err="1">
                 <a:solidFill>
                   <a:srgbClr val="FF40FF"/>
                 </a:solidFill>
@@ -32325,7 +32292,7 @@
               <a:t>FootballFan</a:t>
             </a:r>
             <a:r>
-              <a:rPr lang="en" sz="1600" b="1" i="0" u="none" strike="noStrike" cap="none" dirty="0">
+              <a:rPr lang="en" sz="1500" b="1" i="0" u="none" strike="noStrike" cap="none" dirty="0">
                 <a:solidFill>
                   <a:srgbClr val="FF40FF"/>
                 </a:solidFill>
@@ -32337,7 +32304,7 @@
               <a:t>(</a:t>
             </a:r>
             <a:r>
-              <a:rPr lang="en" sz="1600" b="1" i="0" u="none" strike="noStrike" cap="none" dirty="0" err="1">
+              <a:rPr lang="en" sz="1500" b="1" i="0" u="none" strike="noStrike" cap="none" dirty="0" err="1">
                 <a:solidFill>
                   <a:srgbClr val="FF40FF"/>
                 </a:solidFill>
@@ -32349,7 +32316,7 @@
               <a:t>PartyAnimal</a:t>
             </a:r>
             <a:r>
-              <a:rPr lang="en" sz="1600" b="1" i="0" u="none" strike="noStrike" cap="none" dirty="0">
+              <a:rPr lang="en" sz="1500" b="1" i="0" u="none" strike="noStrike" cap="none" dirty="0">
                 <a:solidFill>
                   <a:srgbClr val="FF40FF"/>
                 </a:solidFill>
@@ -32373,24 +32340,21 @@
                 <a:spcPts val="0"/>
               </a:spcAft>
               <a:buClr>
-                <a:srgbClr val="00F900"/>
+                <a:srgbClr val="FF40FF"/>
               </a:buClr>
               <a:buSzPct val="25000"/>
               <a:buFont typeface="Cabin"/>
               <a:buNone/>
             </a:pPr>
-            <a:r>
-              <a:rPr lang="en" sz="1600" b="1" i="0" u="none" strike="noStrike" cap="none" dirty="0">
-                <a:solidFill>
-                  <a:srgbClr val="00F900"/>
-                </a:solidFill>
-                <a:latin typeface="Courier"/>
-                <a:ea typeface="Courier New"/>
-                <a:cs typeface="Courier"/>
-                <a:sym typeface="Courier New"/>
-              </a:rPr>
-              <a:t>   points = 0</a:t>
-            </a:r>
+            <a:endParaRPr lang="en" sz="1500" b="1" i="0" u="none" strike="noStrike" cap="none" dirty="0">
+              <a:solidFill>
+                <a:srgbClr val="FF40FF"/>
+              </a:solidFill>
+              <a:latin typeface="Courier"/>
+              <a:ea typeface="Courier New"/>
+              <a:cs typeface="Courier"/>
+              <a:sym typeface="Courier New"/>
+            </a:endParaRPr>
           </a:p>
           <a:p>
             <a:pPr marL="0" marR="0" lvl="0" indent="0" algn="l" rtl="0">
@@ -32411,7 +32375,7 @@
               <a:buNone/>
             </a:pPr>
             <a:r>
-              <a:rPr lang="en" sz="1600" b="1" i="0" u="none" strike="noStrike" cap="none" dirty="0">
+              <a:rPr lang="en-US" sz="1500" b="1" i="0" u="none" strike="noStrike" cap="none" dirty="0">
                 <a:solidFill>
                   <a:srgbClr val="00F900"/>
                 </a:solidFill>
@@ -32420,10 +32384,10 @@
                 <a:cs typeface="Courier"/>
                 <a:sym typeface="Courier New"/>
               </a:rPr>
-              <a:t>   </a:t>
-            </a:r>
-            <a:r>
-              <a:rPr lang="en" sz="1600" b="1" i="0" u="none" strike="noStrike" cap="none" dirty="0" err="1">
+              <a:t>   def __</a:t>
+            </a:r>
+            <a:r>
+              <a:rPr lang="en-US" sz="1500" b="1" i="0" u="none" strike="noStrike" cap="none" dirty="0" err="1">
                 <a:solidFill>
                   <a:srgbClr val="00F900"/>
                 </a:solidFill>
@@ -32432,10 +32396,10 @@
                 <a:cs typeface="Courier"/>
                 <a:sym typeface="Courier New"/>
               </a:rPr>
-              <a:t>def</a:t>
-            </a:r>
-            <a:r>
-              <a:rPr lang="en" sz="1600" b="1" i="0" u="none" strike="noStrike" cap="none" dirty="0">
+              <a:t>init</a:t>
+            </a:r>
+            <a:r>
+              <a:rPr lang="en-US" sz="1500" b="1" i="0" u="none" strike="noStrike" cap="none" dirty="0">
                 <a:solidFill>
                   <a:srgbClr val="00F900"/>
                 </a:solidFill>
@@ -32444,7 +32408,31 @@
                 <a:cs typeface="Courier"/>
                 <a:sym typeface="Courier New"/>
               </a:rPr>
-              <a:t> touchdown(self):</a:t>
+              <a:t>__(self, </a:t>
+            </a:r>
+            <a:r>
+              <a:rPr lang="en-US" sz="1500" b="1" i="0" u="none" strike="noStrike" cap="none" dirty="0" err="1">
+                <a:solidFill>
+                  <a:srgbClr val="00F900"/>
+                </a:solidFill>
+                <a:latin typeface="Courier"/>
+                <a:ea typeface="Courier New"/>
+                <a:cs typeface="Courier"/>
+                <a:sym typeface="Courier New"/>
+              </a:rPr>
+              <a:t>nam</a:t>
+            </a:r>
+            <a:r>
+              <a:rPr lang="en-US" sz="1500" b="1" i="0" u="none" strike="noStrike" cap="none" dirty="0">
+                <a:solidFill>
+                  <a:srgbClr val="00F900"/>
+                </a:solidFill>
+                <a:latin typeface="Courier"/>
+                <a:ea typeface="Courier New"/>
+                <a:cs typeface="Courier"/>
+                <a:sym typeface="Courier New"/>
+              </a:rPr>
+              <a:t>) :</a:t>
             </a:r>
           </a:p>
           <a:p>
@@ -32466,7 +32454,7 @@
               <a:buNone/>
             </a:pPr>
             <a:r>
-              <a:rPr lang="en" sz="1600" b="1" i="0" u="none" strike="noStrike" cap="none" dirty="0">
+              <a:rPr lang="en-US" sz="1500" b="1" i="0" u="none" strike="noStrike" cap="none" dirty="0">
                 <a:solidFill>
                   <a:srgbClr val="00F900"/>
                 </a:solidFill>
@@ -32475,10 +32463,10 @@
                 <a:cs typeface="Courier"/>
                 <a:sym typeface="Courier New"/>
               </a:rPr>
-              <a:t>      </a:t>
-            </a:r>
-            <a:r>
-              <a:rPr lang="en" sz="1600" b="1" i="0" u="none" strike="noStrike" cap="none" dirty="0" err="1">
+              <a:t>       super().__</a:t>
+            </a:r>
+            <a:r>
+              <a:rPr lang="en-US" sz="1500" b="1" i="0" u="none" strike="noStrike" cap="none" dirty="0" err="1">
                 <a:solidFill>
                   <a:srgbClr val="00F900"/>
                 </a:solidFill>
@@ -32487,10 +32475,10 @@
                 <a:cs typeface="Courier"/>
                 <a:sym typeface="Courier New"/>
               </a:rPr>
-              <a:t>self.points</a:t>
-            </a:r>
-            <a:r>
-              <a:rPr lang="en" sz="1600" b="1" i="0" u="none" strike="noStrike" cap="none" dirty="0">
+              <a:t>init</a:t>
+            </a:r>
+            <a:r>
+              <a:rPr lang="en-US" sz="1500" b="1" i="0" u="none" strike="noStrike" cap="none" dirty="0">
                 <a:solidFill>
                   <a:srgbClr val="00F900"/>
                 </a:solidFill>
@@ -32499,10 +32487,10 @@
                 <a:cs typeface="Courier"/>
                 <a:sym typeface="Courier New"/>
               </a:rPr>
-              <a:t> = </a:t>
-            </a:r>
-            <a:r>
-              <a:rPr lang="en" sz="1600" b="1" i="0" u="none" strike="noStrike" cap="none" dirty="0" err="1">
+              <a:t>__(</a:t>
+            </a:r>
+            <a:r>
+              <a:rPr lang="en-US" sz="1500" b="1" i="0" u="none" strike="noStrike" cap="none" dirty="0" err="1">
                 <a:solidFill>
                   <a:srgbClr val="00F900"/>
                 </a:solidFill>
@@ -32511,10 +32499,10 @@
                 <a:cs typeface="Courier"/>
                 <a:sym typeface="Courier New"/>
               </a:rPr>
-              <a:t>self.points</a:t>
-            </a:r>
-            <a:r>
-              <a:rPr lang="en" sz="1600" b="1" i="0" u="none" strike="noStrike" cap="none" dirty="0">
+              <a:t>nam</a:t>
+            </a:r>
+            <a:r>
+              <a:rPr lang="en-US" sz="1500" b="1" i="0" u="none" strike="noStrike" cap="none" dirty="0">
                 <a:solidFill>
                   <a:srgbClr val="00F900"/>
                 </a:solidFill>
@@ -32523,7 +32511,7 @@
                 <a:cs typeface="Courier"/>
                 <a:sym typeface="Courier New"/>
               </a:rPr>
-              <a:t> + 7</a:t>
+              <a:t>)</a:t>
             </a:r>
           </a:p>
           <a:p>
@@ -32545,7 +32533,7 @@
               <a:buNone/>
             </a:pPr>
             <a:r>
-              <a:rPr lang="en" sz="1600" b="1" i="0" u="none" strike="noStrike" cap="none" dirty="0">
+              <a:rPr lang="en-US" sz="1500" b="1" i="0" u="none" strike="noStrike" cap="none" dirty="0">
                 <a:solidFill>
                   <a:srgbClr val="00F900"/>
                 </a:solidFill>
@@ -32554,10 +32542,10 @@
                 <a:cs typeface="Courier"/>
                 <a:sym typeface="Courier New"/>
               </a:rPr>
-              <a:t>      </a:t>
-            </a:r>
-            <a:r>
-              <a:rPr lang="en" sz="1600" b="1" i="0" u="none" strike="noStrike" cap="none" dirty="0" err="1">
+              <a:t>       </a:t>
+            </a:r>
+            <a:r>
+              <a:rPr lang="en-US" sz="1500" b="1" i="0" u="none" strike="noStrike" cap="none" dirty="0" err="1">
                 <a:solidFill>
                   <a:srgbClr val="00F900"/>
                 </a:solidFill>
@@ -32566,10 +32554,10 @@
                 <a:cs typeface="Courier"/>
                 <a:sym typeface="Courier New"/>
               </a:rPr>
-              <a:t>self.party</a:t>
-            </a:r>
-            <a:r>
-              <a:rPr lang="en" sz="1600" b="1" i="0" u="none" strike="noStrike" cap="none" dirty="0">
+              <a:t>self.points</a:t>
+            </a:r>
+            <a:r>
+              <a:rPr lang="en-US" sz="1500" b="1" i="0" u="none" strike="noStrike" cap="none" dirty="0">
                 <a:solidFill>
                   <a:srgbClr val="00F900"/>
                 </a:solidFill>
@@ -32578,8 +32566,17 @@
                 <a:cs typeface="Courier"/>
                 <a:sym typeface="Courier New"/>
               </a:rPr>
-              <a:t>()</a:t>
-            </a:r>
+              <a:t> = 0</a:t>
+            </a:r>
+            <a:endParaRPr lang="en" sz="1500" b="1" dirty="0">
+              <a:solidFill>
+                <a:srgbClr val="00F900"/>
+              </a:solidFill>
+              <a:latin typeface="Courier"/>
+              <a:ea typeface="Courier New"/>
+              <a:cs typeface="Courier"/>
+              <a:sym typeface="Courier New"/>
+            </a:endParaRPr>
           </a:p>
           <a:p>
             <a:pPr marL="0" marR="0" lvl="0" indent="0" algn="l" rtl="0">
@@ -32599,8 +32596,36 @@
               <a:buFont typeface="Cabin"/>
               <a:buNone/>
             </a:pPr>
-            <a:r>
-              <a:rPr lang="en" sz="1600" b="1" i="0" u="none" strike="noStrike" cap="none" dirty="0">
+            <a:endParaRPr lang="en" sz="1500" b="1" i="0" u="none" strike="noStrike" cap="none" dirty="0">
+              <a:solidFill>
+                <a:srgbClr val="00F900"/>
+              </a:solidFill>
+              <a:latin typeface="Courier"/>
+              <a:ea typeface="Courier New"/>
+              <a:cs typeface="Courier"/>
+              <a:sym typeface="Courier New"/>
+            </a:endParaRPr>
+          </a:p>
+          <a:p>
+            <a:pPr marL="0" marR="0" lvl="0" indent="0" algn="l" rtl="0">
+              <a:lnSpc>
+                <a:spcPct val="100000"/>
+              </a:lnSpc>
+              <a:spcBef>
+                <a:spcPts val="0"/>
+              </a:spcBef>
+              <a:spcAft>
+                <a:spcPts val="0"/>
+              </a:spcAft>
+              <a:buClr>
+                <a:srgbClr val="00F900"/>
+              </a:buClr>
+              <a:buSzPct val="25000"/>
+              <a:buFont typeface="Cabin"/>
+              <a:buNone/>
+            </a:pPr>
+            <a:r>
+              <a:rPr lang="en" sz="1500" b="1" i="0" u="none" strike="noStrike" cap="none" dirty="0">
                 <a:solidFill>
                   <a:srgbClr val="00F900"/>
                 </a:solidFill>
@@ -32609,10 +32634,199 @@
                 <a:cs typeface="Courier"/>
                 <a:sym typeface="Courier New"/>
               </a:rPr>
+              <a:t>   </a:t>
+            </a:r>
+            <a:r>
+              <a:rPr lang="en" sz="1500" b="1" i="0" u="none" strike="noStrike" cap="none" dirty="0" err="1">
+                <a:solidFill>
+                  <a:srgbClr val="00F900"/>
+                </a:solidFill>
+                <a:latin typeface="Courier"/>
+                <a:ea typeface="Courier New"/>
+                <a:cs typeface="Courier"/>
+                <a:sym typeface="Courier New"/>
+              </a:rPr>
+              <a:t>def</a:t>
+            </a:r>
+            <a:r>
+              <a:rPr lang="en" sz="1500" b="1" i="0" u="none" strike="noStrike" cap="none" dirty="0">
+                <a:solidFill>
+                  <a:srgbClr val="00F900"/>
+                </a:solidFill>
+                <a:latin typeface="Courier"/>
+                <a:ea typeface="Courier New"/>
+                <a:cs typeface="Courier"/>
+                <a:sym typeface="Courier New"/>
+              </a:rPr>
+              <a:t> touchdown(self):</a:t>
+            </a:r>
+          </a:p>
+          <a:p>
+            <a:pPr marL="0" marR="0" lvl="0" indent="0" algn="l" rtl="0">
+              <a:lnSpc>
+                <a:spcPct val="100000"/>
+              </a:lnSpc>
+              <a:spcBef>
+                <a:spcPts val="0"/>
+              </a:spcBef>
+              <a:spcAft>
+                <a:spcPts val="0"/>
+              </a:spcAft>
+              <a:buClr>
+                <a:srgbClr val="00F900"/>
+              </a:buClr>
+              <a:buSzPct val="25000"/>
+              <a:buFont typeface="Cabin"/>
+              <a:buNone/>
+            </a:pPr>
+            <a:r>
+              <a:rPr lang="en" sz="1500" b="1" i="0" u="none" strike="noStrike" cap="none" dirty="0">
+                <a:solidFill>
+                  <a:srgbClr val="00F900"/>
+                </a:solidFill>
+                <a:latin typeface="Courier"/>
+                <a:ea typeface="Courier New"/>
+                <a:cs typeface="Courier"/>
+                <a:sym typeface="Courier New"/>
+              </a:rPr>
+              <a:t>      </a:t>
+            </a:r>
+            <a:r>
+              <a:rPr lang="en" sz="1500" b="1" i="0" u="none" strike="noStrike" cap="none" dirty="0" err="1">
+                <a:solidFill>
+                  <a:srgbClr val="00F900"/>
+                </a:solidFill>
+                <a:latin typeface="Courier"/>
+                <a:ea typeface="Courier New"/>
+                <a:cs typeface="Courier"/>
+                <a:sym typeface="Courier New"/>
+              </a:rPr>
+              <a:t>self.points</a:t>
+            </a:r>
+            <a:r>
+              <a:rPr lang="en" sz="1500" b="1" i="0" u="none" strike="noStrike" cap="none" dirty="0">
+                <a:solidFill>
+                  <a:srgbClr val="00F900"/>
+                </a:solidFill>
+                <a:latin typeface="Courier"/>
+                <a:ea typeface="Courier New"/>
+                <a:cs typeface="Courier"/>
+                <a:sym typeface="Courier New"/>
+              </a:rPr>
+              <a:t> = </a:t>
+            </a:r>
+            <a:r>
+              <a:rPr lang="en" sz="1500" b="1" i="0" u="none" strike="noStrike" cap="none" dirty="0" err="1">
+                <a:solidFill>
+                  <a:srgbClr val="00F900"/>
+                </a:solidFill>
+                <a:latin typeface="Courier"/>
+                <a:ea typeface="Courier New"/>
+                <a:cs typeface="Courier"/>
+                <a:sym typeface="Courier New"/>
+              </a:rPr>
+              <a:t>self.points</a:t>
+            </a:r>
+            <a:r>
+              <a:rPr lang="en" sz="1500" b="1" i="0" u="none" strike="noStrike" cap="none" dirty="0">
+                <a:solidFill>
+                  <a:srgbClr val="00F900"/>
+                </a:solidFill>
+                <a:latin typeface="Courier"/>
+                <a:ea typeface="Courier New"/>
+                <a:cs typeface="Courier"/>
+                <a:sym typeface="Courier New"/>
+              </a:rPr>
+              <a:t> + 7</a:t>
+            </a:r>
+          </a:p>
+          <a:p>
+            <a:pPr marL="0" marR="0" lvl="0" indent="0" algn="l" rtl="0">
+              <a:lnSpc>
+                <a:spcPct val="100000"/>
+              </a:lnSpc>
+              <a:spcBef>
+                <a:spcPts val="0"/>
+              </a:spcBef>
+              <a:spcAft>
+                <a:spcPts val="0"/>
+              </a:spcAft>
+              <a:buClr>
+                <a:srgbClr val="00F900"/>
+              </a:buClr>
+              <a:buSzPct val="25000"/>
+              <a:buFont typeface="Cabin"/>
+              <a:buNone/>
+            </a:pPr>
+            <a:r>
+              <a:rPr lang="en" sz="1500" b="1" i="0" u="none" strike="noStrike" cap="none" dirty="0">
+                <a:solidFill>
+                  <a:srgbClr val="00F900"/>
+                </a:solidFill>
+                <a:latin typeface="Courier"/>
+                <a:ea typeface="Courier New"/>
+                <a:cs typeface="Courier"/>
+                <a:sym typeface="Courier New"/>
+              </a:rPr>
+              <a:t>      </a:t>
+            </a:r>
+            <a:r>
+              <a:rPr lang="en" sz="1500" b="1" i="0" u="none" strike="noStrike" cap="none" dirty="0" err="1">
+                <a:solidFill>
+                  <a:srgbClr val="00F900"/>
+                </a:solidFill>
+                <a:latin typeface="Courier"/>
+                <a:ea typeface="Courier New"/>
+                <a:cs typeface="Courier"/>
+                <a:sym typeface="Courier New"/>
+              </a:rPr>
+              <a:t>self.party</a:t>
+            </a:r>
+            <a:r>
+              <a:rPr lang="en" sz="1500" b="1" i="0" u="none" strike="noStrike" cap="none" dirty="0">
+                <a:solidFill>
+                  <a:srgbClr val="00F900"/>
+                </a:solidFill>
+                <a:latin typeface="Courier"/>
+                <a:ea typeface="Courier New"/>
+                <a:cs typeface="Courier"/>
+                <a:sym typeface="Courier New"/>
+              </a:rPr>
+              <a:t>()</a:t>
+            </a:r>
+          </a:p>
+          <a:p>
+            <a:pPr marL="0" marR="0" lvl="0" indent="0" algn="l" rtl="0">
+              <a:lnSpc>
+                <a:spcPct val="100000"/>
+              </a:lnSpc>
+              <a:spcBef>
+                <a:spcPts val="0"/>
+              </a:spcBef>
+              <a:spcAft>
+                <a:spcPts val="0"/>
+              </a:spcAft>
+              <a:buClr>
+                <a:srgbClr val="00F900"/>
+              </a:buClr>
+              <a:buSzPct val="25000"/>
+              <a:buFont typeface="Cabin"/>
+              <a:buNone/>
+            </a:pPr>
+            <a:r>
+              <a:rPr lang="en" sz="1500" b="1" i="0" u="none" strike="noStrike" cap="none" dirty="0">
+                <a:solidFill>
+                  <a:srgbClr val="00F900"/>
+                </a:solidFill>
+                <a:latin typeface="Courier"/>
+                <a:ea typeface="Courier New"/>
+                <a:cs typeface="Courier"/>
+                <a:sym typeface="Courier New"/>
+              </a:rPr>
               <a:t>      print</a:t>
             </a:r>
             <a:r>
-              <a:rPr lang="en-US" sz="1600" b="1" i="0" u="none" strike="noStrike" cap="none" dirty="0">
+              <a:rPr lang="en-US" sz="1500" b="1" i="0" u="none" strike="noStrike" cap="none" dirty="0">
                 <a:solidFill>
                   <a:srgbClr val="00F900"/>
                 </a:solidFill>
@@ -32624,7 +32838,7 @@
               <a:t>(</a:t>
             </a:r>
             <a:r>
-              <a:rPr lang="en" sz="1600" b="1" i="0" u="none" strike="noStrike" cap="none" dirty="0">
+              <a:rPr lang="en" sz="1500" b="1" i="0" u="none" strike="noStrike" cap="none" dirty="0">
                 <a:solidFill>
                   <a:srgbClr val="00F900"/>
                 </a:solidFill>
@@ -32636,7 +32850,7 @@
               <a:t>self.name,"points",</a:t>
             </a:r>
             <a:r>
-              <a:rPr lang="en" sz="1600" b="1" i="0" u="none" strike="noStrike" cap="none" dirty="0" err="1">
+              <a:rPr lang="en" sz="1500" b="1" i="0" u="none" strike="noStrike" cap="none" dirty="0" err="1">
                 <a:solidFill>
                   <a:srgbClr val="00F900"/>
                 </a:solidFill>
@@ -32648,7 +32862,7 @@
               <a:t>self.points</a:t>
             </a:r>
             <a:r>
-              <a:rPr lang="en-US" sz="1600" b="1" i="0" u="none" strike="noStrike" cap="none" dirty="0">
+              <a:rPr lang="en-US" sz="1500" b="1" i="0" u="none" strike="noStrike" cap="none" dirty="0">
                 <a:solidFill>
                   <a:srgbClr val="00F900"/>
                 </a:solidFill>
@@ -32659,7 +32873,7 @@
               </a:rPr>
               <a:t>)</a:t>
             </a:r>
-            <a:endParaRPr lang="en" sz="1600" b="1" i="0" u="none" strike="noStrike" cap="none" dirty="0">
+            <a:endParaRPr lang="en" sz="1500" b="1" i="0" u="none" strike="noStrike" cap="none" dirty="0">
               <a:solidFill>
                 <a:srgbClr val="00F900"/>
               </a:solidFill>
@@ -33098,6 +33312,48 @@
           </a:p>
         </p:txBody>
       </p:sp>
+      <p:sp>
+        <p:nvSpPr>
+          <p:cNvPr id="2" name="TextBox 1">
+            <a:extLst>
+              <a:ext uri="{FF2B5EF4-FFF2-40B4-BE49-F238E27FC236}">
+                <a16:creationId xmlns:a16="http://schemas.microsoft.com/office/drawing/2014/main" id="{D7AAAE45-A784-8128-9ACF-D60CCEC85265}"/>
+              </a:ext>
+            </a:extLst>
+          </p:cNvPr>
+          <p:cNvSpPr txBox="1"/>
+          <p:nvPr/>
+        </p:nvSpPr>
+        <p:spPr>
+          <a:xfrm>
+            <a:off x="7672489" y="4331855"/>
+            <a:ext cx="1151277" cy="307777"/>
+          </a:xfrm>
+          <a:prstGeom prst="rect">
+            <a:avLst/>
+          </a:prstGeom>
+          <a:noFill/>
+        </p:spPr>
+        <p:txBody>
+          <a:bodyPr wrap="none" rtlCol="0">
+            <a:spAutoFit/>
+          </a:bodyPr>
+          <a:lstStyle/>
+          <a:p>
+            <a:r>
+              <a:rPr lang="en-US" b="1" dirty="0">
+                <a:solidFill>
+                  <a:schemeClr val="bg1"/>
+                </a:solidFill>
+                <a:latin typeface="Courier" charset="0"/>
+                <a:ea typeface="Courier" charset="0"/>
+                <a:cs typeface="Courier" charset="0"/>
+              </a:rPr>
+              <a:t>party7.py</a:t>
+            </a:r>
+          </a:p>
+        </p:txBody>
+      </p:sp>
     </p:spTree>
   </p:cSld>
   <p:clrMapOvr>
@@ -33123,1097 +33379,6 @@
           <a:chExt cx="0" cy="0"/>
         </a:xfrm>
       </p:grpSpPr>
-      <p:sp>
-        <p:nvSpPr>
-          <p:cNvPr id="518" name="Shape 518"/>
-          <p:cNvSpPr/>
-          <p:nvPr/>
-        </p:nvSpPr>
-        <p:spPr>
-          <a:xfrm>
-            <a:off x="237698" y="154250"/>
-            <a:ext cx="5352300" cy="4702499"/>
-          </a:xfrm>
-          <a:prstGeom prst="rect">
-            <a:avLst/>
-          </a:prstGeom>
-          <a:noFill/>
-          <a:ln>
-            <a:noFill/>
-          </a:ln>
-        </p:spPr>
-        <p:txBody>
-          <a:bodyPr lIns="21050" tIns="21050" rIns="21050" bIns="21050" anchor="ctr" anchorCtr="0">
-            <a:noAutofit/>
-          </a:bodyPr>
-          <a:lstStyle/>
-          <a:p>
-            <a:pPr marL="0" marR="0" lvl="0" indent="0" algn="l" rtl="0">
-              <a:lnSpc>
-                <a:spcPct val="100000"/>
-              </a:lnSpc>
-              <a:spcBef>
-                <a:spcPts val="0"/>
-              </a:spcBef>
-              <a:spcAft>
-                <a:spcPts val="0"/>
-              </a:spcAft>
-              <a:buClr>
-                <a:srgbClr val="FFFB00"/>
-              </a:buClr>
-              <a:buSzPct val="25000"/>
-              <a:buFont typeface="Cabin"/>
-              <a:buNone/>
-            </a:pPr>
-            <a:r>
-              <a:rPr lang="en" sz="1600" b="1" i="0" u="none" strike="noStrike" cap="none" dirty="0">
-                <a:solidFill>
-                  <a:srgbClr val="FFFB00"/>
-                </a:solidFill>
-                <a:latin typeface="Courier"/>
-                <a:ea typeface="Courier New"/>
-                <a:cs typeface="Courier"/>
-                <a:sym typeface="Courier New"/>
-              </a:rPr>
-              <a:t>class </a:t>
-            </a:r>
-            <a:r>
-              <a:rPr lang="en" sz="1600" b="1" i="0" u="none" strike="noStrike" cap="none" dirty="0" err="1">
-                <a:solidFill>
-                  <a:srgbClr val="FFFB00"/>
-                </a:solidFill>
-                <a:latin typeface="Courier"/>
-                <a:ea typeface="Courier New"/>
-                <a:cs typeface="Courier"/>
-                <a:sym typeface="Courier New"/>
-              </a:rPr>
-              <a:t>PartyAnimal</a:t>
-            </a:r>
-            <a:r>
-              <a:rPr lang="en" sz="1600" b="1" i="0" u="none" strike="noStrike" cap="none" dirty="0">
-                <a:solidFill>
-                  <a:srgbClr val="FFFB00"/>
-                </a:solidFill>
-                <a:latin typeface="Courier"/>
-                <a:ea typeface="Courier New"/>
-                <a:cs typeface="Courier"/>
-                <a:sym typeface="Courier New"/>
-              </a:rPr>
-              <a:t>:</a:t>
-            </a:r>
-          </a:p>
-          <a:p>
-            <a:pPr marL="0" marR="0" lvl="0" indent="0" algn="l" rtl="0">
-              <a:lnSpc>
-                <a:spcPct val="100000"/>
-              </a:lnSpc>
-              <a:spcBef>
-                <a:spcPts val="0"/>
-              </a:spcBef>
-              <a:spcAft>
-                <a:spcPts val="0"/>
-              </a:spcAft>
-              <a:buClr>
-                <a:srgbClr val="FFFB00"/>
-              </a:buClr>
-              <a:buSzPct val="25000"/>
-              <a:buFont typeface="Cabin"/>
-              <a:buNone/>
-            </a:pPr>
-            <a:endParaRPr lang="en" sz="1600" b="1" i="0" u="none" strike="noStrike" cap="none" dirty="0">
-              <a:solidFill>
-                <a:srgbClr val="FFFB00"/>
-              </a:solidFill>
-              <a:latin typeface="Courier"/>
-              <a:ea typeface="Courier New"/>
-              <a:cs typeface="Courier"/>
-              <a:sym typeface="Courier New"/>
-            </a:endParaRPr>
-          </a:p>
-          <a:p>
-            <a:pPr marL="0" marR="0" lvl="0" indent="0" algn="l" rtl="0">
-              <a:lnSpc>
-                <a:spcPct val="100000"/>
-              </a:lnSpc>
-              <a:spcBef>
-                <a:spcPts val="0"/>
-              </a:spcBef>
-              <a:spcAft>
-                <a:spcPts val="0"/>
-              </a:spcAft>
-              <a:buClr>
-                <a:srgbClr val="FFFB00"/>
-              </a:buClr>
-              <a:buSzPct val="25000"/>
-              <a:buFont typeface="Cabin"/>
-              <a:buNone/>
-            </a:pPr>
-            <a:r>
-              <a:rPr lang="en" sz="1600" b="1" i="0" u="none" strike="noStrike" cap="none" dirty="0">
-                <a:solidFill>
-                  <a:srgbClr val="FFFB00"/>
-                </a:solidFill>
-                <a:latin typeface="Courier"/>
-                <a:ea typeface="Courier New"/>
-                <a:cs typeface="Courier"/>
-                <a:sym typeface="Courier New"/>
-              </a:rPr>
-              <a:t>   def __</a:t>
-            </a:r>
-            <a:r>
-              <a:rPr lang="en" sz="1600" b="1" i="0" u="none" strike="noStrike" cap="none" dirty="0" err="1">
-                <a:solidFill>
-                  <a:srgbClr val="FFFB00"/>
-                </a:solidFill>
-                <a:latin typeface="Courier"/>
-                <a:ea typeface="Courier New"/>
-                <a:cs typeface="Courier"/>
-                <a:sym typeface="Courier New"/>
-              </a:rPr>
-              <a:t>init</a:t>
-            </a:r>
-            <a:r>
-              <a:rPr lang="en" sz="1600" b="1" i="0" u="none" strike="noStrike" cap="none" dirty="0">
-                <a:solidFill>
-                  <a:srgbClr val="FFFB00"/>
-                </a:solidFill>
-                <a:latin typeface="Courier"/>
-                <a:ea typeface="Courier New"/>
-                <a:cs typeface="Courier"/>
-                <a:sym typeface="Courier New"/>
-              </a:rPr>
-              <a:t>__(self, </a:t>
-            </a:r>
-            <a:r>
-              <a:rPr lang="en" sz="1600" b="1" i="0" u="none" strike="noStrike" cap="none" dirty="0" err="1">
-                <a:solidFill>
-                  <a:srgbClr val="FFFB00"/>
-                </a:solidFill>
-                <a:latin typeface="Courier"/>
-                <a:ea typeface="Courier New"/>
-                <a:cs typeface="Courier"/>
-                <a:sym typeface="Courier New"/>
-              </a:rPr>
-              <a:t>nam</a:t>
-            </a:r>
-            <a:r>
-              <a:rPr lang="en" sz="1600" b="1" i="0" u="none" strike="noStrike" cap="none" dirty="0">
-                <a:solidFill>
-                  <a:srgbClr val="FFFB00"/>
-                </a:solidFill>
-                <a:latin typeface="Courier"/>
-                <a:ea typeface="Courier New"/>
-                <a:cs typeface="Courier"/>
-                <a:sym typeface="Courier New"/>
-              </a:rPr>
-              <a:t>):</a:t>
-            </a:r>
-          </a:p>
-          <a:p>
-            <a:pPr marL="0" marR="0" lvl="0" indent="0" algn="l" rtl="0">
-              <a:lnSpc>
-                <a:spcPct val="100000"/>
-              </a:lnSpc>
-              <a:spcBef>
-                <a:spcPts val="0"/>
-              </a:spcBef>
-              <a:spcAft>
-                <a:spcPts val="0"/>
-              </a:spcAft>
-              <a:buClr>
-                <a:srgbClr val="FFFB00"/>
-              </a:buClr>
-              <a:buSzPct val="25000"/>
-              <a:buFont typeface="Cabin"/>
-              <a:buNone/>
-            </a:pPr>
-            <a:r>
-              <a:rPr lang="en" sz="1600" b="1" dirty="0">
-                <a:solidFill>
-                  <a:srgbClr val="FFFB00"/>
-                </a:solidFill>
-                <a:latin typeface="Courier"/>
-                <a:ea typeface="Courier New"/>
-                <a:cs typeface="Courier"/>
-                <a:sym typeface="Courier New"/>
-              </a:rPr>
-              <a:t>     </a:t>
-            </a:r>
-            <a:r>
-              <a:rPr lang="en" sz="1600" b="1" dirty="0" err="1">
-                <a:solidFill>
-                  <a:srgbClr val="FFFB00"/>
-                </a:solidFill>
-                <a:latin typeface="Courier"/>
-                <a:ea typeface="Courier New"/>
-                <a:cs typeface="Courier"/>
-                <a:sym typeface="Courier New"/>
-              </a:rPr>
-              <a:t>self.x</a:t>
-            </a:r>
-            <a:r>
-              <a:rPr lang="en" sz="1600" b="1" dirty="0">
-                <a:solidFill>
-                  <a:srgbClr val="FFFB00"/>
-                </a:solidFill>
-                <a:latin typeface="Courier"/>
-                <a:ea typeface="Courier New"/>
-                <a:cs typeface="Courier"/>
-                <a:sym typeface="Courier New"/>
-              </a:rPr>
-              <a:t> = 0</a:t>
-            </a:r>
-            <a:endParaRPr lang="en" sz="1600" b="1" i="0" u="none" strike="noStrike" cap="none" dirty="0">
-              <a:solidFill>
-                <a:srgbClr val="FFFB00"/>
-              </a:solidFill>
-              <a:latin typeface="Courier"/>
-              <a:ea typeface="Courier New"/>
-              <a:cs typeface="Courier"/>
-              <a:sym typeface="Courier New"/>
-            </a:endParaRPr>
-          </a:p>
-          <a:p>
-            <a:pPr marL="0" marR="0" lvl="0" indent="0" algn="l" rtl="0">
-              <a:lnSpc>
-                <a:spcPct val="100000"/>
-              </a:lnSpc>
-              <a:spcBef>
-                <a:spcPts val="0"/>
-              </a:spcBef>
-              <a:spcAft>
-                <a:spcPts val="0"/>
-              </a:spcAft>
-              <a:buClr>
-                <a:srgbClr val="FFFB00"/>
-              </a:buClr>
-              <a:buSzPct val="25000"/>
-              <a:buFont typeface="Cabin"/>
-              <a:buNone/>
-            </a:pPr>
-            <a:r>
-              <a:rPr lang="en" sz="1600" b="1" i="0" u="none" strike="noStrike" cap="none" dirty="0">
-                <a:solidFill>
-                  <a:srgbClr val="FFFB00"/>
-                </a:solidFill>
-                <a:latin typeface="Courier"/>
-                <a:ea typeface="Courier New"/>
-                <a:cs typeface="Courier"/>
-                <a:sym typeface="Courier New"/>
-              </a:rPr>
-              <a:t>     </a:t>
-            </a:r>
-            <a:r>
-              <a:rPr lang="en" sz="1600" b="1" i="0" u="none" strike="noStrike" cap="none" dirty="0" err="1">
-                <a:solidFill>
-                  <a:srgbClr val="FFFB00"/>
-                </a:solidFill>
-                <a:latin typeface="Courier"/>
-                <a:ea typeface="Courier New"/>
-                <a:cs typeface="Courier"/>
-                <a:sym typeface="Courier New"/>
-              </a:rPr>
-              <a:t>self.name</a:t>
-            </a:r>
-            <a:r>
-              <a:rPr lang="en" sz="1600" b="1" i="0" u="none" strike="noStrike" cap="none" dirty="0">
-                <a:solidFill>
-                  <a:srgbClr val="FFFB00"/>
-                </a:solidFill>
-                <a:latin typeface="Courier"/>
-                <a:ea typeface="Courier New"/>
-                <a:cs typeface="Courier"/>
-                <a:sym typeface="Courier New"/>
-              </a:rPr>
-              <a:t> = </a:t>
-            </a:r>
-            <a:r>
-              <a:rPr lang="en" sz="1600" b="1" i="0" u="none" strike="noStrike" cap="none" dirty="0" err="1">
-                <a:solidFill>
-                  <a:srgbClr val="FFFB00"/>
-                </a:solidFill>
-                <a:latin typeface="Courier"/>
-                <a:ea typeface="Courier New"/>
-                <a:cs typeface="Courier"/>
-                <a:sym typeface="Courier New"/>
-              </a:rPr>
-              <a:t>nam</a:t>
-            </a:r>
-            <a:endParaRPr lang="en" sz="1600" b="1" i="0" u="none" strike="noStrike" cap="none" dirty="0">
-              <a:solidFill>
-                <a:srgbClr val="FFFB00"/>
-              </a:solidFill>
-              <a:latin typeface="Courier"/>
-              <a:ea typeface="Courier New"/>
-              <a:cs typeface="Courier"/>
-              <a:sym typeface="Courier New"/>
-            </a:endParaRPr>
-          </a:p>
-          <a:p>
-            <a:pPr marL="0" marR="0" lvl="0" indent="0" algn="l" rtl="0">
-              <a:lnSpc>
-                <a:spcPct val="100000"/>
-              </a:lnSpc>
-              <a:spcBef>
-                <a:spcPts val="0"/>
-              </a:spcBef>
-              <a:spcAft>
-                <a:spcPts val="0"/>
-              </a:spcAft>
-              <a:buClr>
-                <a:srgbClr val="FFFB00"/>
-              </a:buClr>
-              <a:buSzPct val="25000"/>
-              <a:buFont typeface="Cabin"/>
-              <a:buNone/>
-            </a:pPr>
-            <a:r>
-              <a:rPr lang="en" sz="1600" b="1" i="0" u="none" strike="noStrike" cap="none" dirty="0">
-                <a:solidFill>
-                  <a:srgbClr val="FFFB00"/>
-                </a:solidFill>
-                <a:latin typeface="Courier"/>
-                <a:ea typeface="Courier New"/>
-                <a:cs typeface="Courier"/>
-                <a:sym typeface="Courier New"/>
-              </a:rPr>
-              <a:t>     print</a:t>
-            </a:r>
-            <a:r>
-              <a:rPr lang="en-US" sz="1600" b="1" i="0" u="none" strike="noStrike" cap="none" dirty="0">
-                <a:solidFill>
-                  <a:srgbClr val="FFFB00"/>
-                </a:solidFill>
-                <a:latin typeface="Courier"/>
-                <a:ea typeface="Courier New"/>
-                <a:cs typeface="Courier"/>
-                <a:sym typeface="Courier New"/>
-              </a:rPr>
-              <a:t>(</a:t>
-            </a:r>
-            <a:r>
-              <a:rPr lang="en" sz="1600" b="1" i="0" u="none" strike="noStrike" cap="none" dirty="0" err="1">
-                <a:solidFill>
-                  <a:srgbClr val="FFFB00"/>
-                </a:solidFill>
-                <a:latin typeface="Courier"/>
-                <a:ea typeface="Courier New"/>
-                <a:cs typeface="Courier"/>
-                <a:sym typeface="Courier New"/>
-              </a:rPr>
-              <a:t>self.name,"constructed</a:t>
-            </a:r>
-            <a:r>
-              <a:rPr lang="en" sz="1600" b="1" i="0" u="none" strike="noStrike" cap="none" dirty="0">
-                <a:solidFill>
-                  <a:srgbClr val="FFFB00"/>
-                </a:solidFill>
-                <a:latin typeface="Courier"/>
-                <a:ea typeface="Courier New"/>
-                <a:cs typeface="Courier"/>
-                <a:sym typeface="Courier New"/>
-              </a:rPr>
-              <a:t>"</a:t>
-            </a:r>
-            <a:r>
-              <a:rPr lang="en-US" sz="1600" b="1" i="0" u="none" strike="noStrike" cap="none" dirty="0">
-                <a:solidFill>
-                  <a:srgbClr val="FFFB00"/>
-                </a:solidFill>
-                <a:latin typeface="Courier"/>
-                <a:ea typeface="Courier New"/>
-                <a:cs typeface="Courier"/>
-                <a:sym typeface="Courier New"/>
-              </a:rPr>
-              <a:t>)</a:t>
-            </a:r>
-            <a:endParaRPr lang="en" sz="1600" b="1" i="0" u="none" strike="noStrike" cap="none" dirty="0">
-              <a:solidFill>
-                <a:srgbClr val="FFFB00"/>
-              </a:solidFill>
-              <a:latin typeface="Courier"/>
-              <a:ea typeface="Courier New"/>
-              <a:cs typeface="Courier"/>
-              <a:sym typeface="Courier New"/>
-            </a:endParaRPr>
-          </a:p>
-          <a:p>
-            <a:pPr marL="0" marR="0" lvl="0" indent="0" algn="l" rtl="0">
-              <a:lnSpc>
-                <a:spcPct val="100000"/>
-              </a:lnSpc>
-              <a:spcBef>
-                <a:spcPts val="0"/>
-              </a:spcBef>
-              <a:spcAft>
-                <a:spcPts val="0"/>
-              </a:spcAft>
-              <a:buClr>
-                <a:srgbClr val="FFFB00"/>
-              </a:buClr>
-              <a:buFont typeface="Cabin"/>
-              <a:buNone/>
-            </a:pPr>
-            <a:endParaRPr sz="1600" b="1" i="0" u="none" strike="noStrike" cap="none" dirty="0">
-              <a:solidFill>
-                <a:srgbClr val="FFFFFF"/>
-              </a:solidFill>
-              <a:latin typeface="Courier"/>
-              <a:ea typeface="Courier New"/>
-              <a:cs typeface="Courier"/>
-              <a:sym typeface="Courier New"/>
-            </a:endParaRPr>
-          </a:p>
-          <a:p>
-            <a:pPr marL="0" marR="0" lvl="0" indent="0" algn="l" rtl="0">
-              <a:lnSpc>
-                <a:spcPct val="100000"/>
-              </a:lnSpc>
-              <a:spcBef>
-                <a:spcPts val="0"/>
-              </a:spcBef>
-              <a:spcAft>
-                <a:spcPts val="0"/>
-              </a:spcAft>
-              <a:buClr>
-                <a:srgbClr val="FFFB00"/>
-              </a:buClr>
-              <a:buSzPct val="25000"/>
-              <a:buFont typeface="Cabin"/>
-              <a:buNone/>
-            </a:pPr>
-            <a:r>
-              <a:rPr lang="en" sz="1600" b="1" i="0" u="none" strike="noStrike" cap="none" dirty="0">
-                <a:solidFill>
-                  <a:srgbClr val="FFFB00"/>
-                </a:solidFill>
-                <a:latin typeface="Courier"/>
-                <a:ea typeface="Courier New"/>
-                <a:cs typeface="Courier"/>
-                <a:sym typeface="Courier New"/>
-              </a:rPr>
-              <a:t>   </a:t>
-            </a:r>
-            <a:r>
-              <a:rPr lang="en" sz="1600" b="1" i="0" u="none" strike="noStrike" cap="none" dirty="0" err="1">
-                <a:solidFill>
-                  <a:srgbClr val="FFFB00"/>
-                </a:solidFill>
-                <a:latin typeface="Courier"/>
-                <a:ea typeface="Courier New"/>
-                <a:cs typeface="Courier"/>
-                <a:sym typeface="Courier New"/>
-              </a:rPr>
-              <a:t>def</a:t>
-            </a:r>
-            <a:r>
-              <a:rPr lang="en" sz="1600" b="1" i="0" u="none" strike="noStrike" cap="none" dirty="0">
-                <a:solidFill>
-                  <a:srgbClr val="FFFB00"/>
-                </a:solidFill>
-                <a:latin typeface="Courier"/>
-                <a:ea typeface="Courier New"/>
-                <a:cs typeface="Courier"/>
-                <a:sym typeface="Courier New"/>
-              </a:rPr>
-              <a:t> party(self) :</a:t>
-            </a:r>
-          </a:p>
-          <a:p>
-            <a:pPr marL="0" marR="0" lvl="0" indent="0" algn="l" rtl="0">
-              <a:lnSpc>
-                <a:spcPct val="100000"/>
-              </a:lnSpc>
-              <a:spcBef>
-                <a:spcPts val="0"/>
-              </a:spcBef>
-              <a:spcAft>
-                <a:spcPts val="0"/>
-              </a:spcAft>
-              <a:buClr>
-                <a:srgbClr val="FFFB00"/>
-              </a:buClr>
-              <a:buSzPct val="25000"/>
-              <a:buFont typeface="Cabin"/>
-              <a:buNone/>
-            </a:pPr>
-            <a:r>
-              <a:rPr lang="en" sz="1600" b="1" i="0" u="none" strike="noStrike" cap="none" dirty="0">
-                <a:solidFill>
-                  <a:srgbClr val="FFFB00"/>
-                </a:solidFill>
-                <a:latin typeface="Courier"/>
-                <a:ea typeface="Courier New"/>
-                <a:cs typeface="Courier"/>
-                <a:sym typeface="Courier New"/>
-              </a:rPr>
-              <a:t>     </a:t>
-            </a:r>
-            <a:r>
-              <a:rPr lang="en" sz="1600" b="1" i="0" u="none" strike="noStrike" cap="none" dirty="0" err="1">
-                <a:solidFill>
-                  <a:srgbClr val="FFFB00"/>
-                </a:solidFill>
-                <a:latin typeface="Courier"/>
-                <a:ea typeface="Courier New"/>
-                <a:cs typeface="Courier"/>
-                <a:sym typeface="Courier New"/>
-              </a:rPr>
-              <a:t>self.x</a:t>
-            </a:r>
-            <a:r>
-              <a:rPr lang="en" sz="1600" b="1" i="0" u="none" strike="noStrike" cap="none" dirty="0">
-                <a:solidFill>
-                  <a:srgbClr val="FFFB00"/>
-                </a:solidFill>
-                <a:latin typeface="Courier"/>
-                <a:ea typeface="Courier New"/>
-                <a:cs typeface="Courier"/>
-                <a:sym typeface="Courier New"/>
-              </a:rPr>
-              <a:t> = </a:t>
-            </a:r>
-            <a:r>
-              <a:rPr lang="en" sz="1600" b="1" i="0" u="none" strike="noStrike" cap="none" dirty="0" err="1">
-                <a:solidFill>
-                  <a:srgbClr val="FFFB00"/>
-                </a:solidFill>
-                <a:latin typeface="Courier"/>
-                <a:ea typeface="Courier New"/>
-                <a:cs typeface="Courier"/>
-                <a:sym typeface="Courier New"/>
-              </a:rPr>
-              <a:t>self.x</a:t>
-            </a:r>
-            <a:r>
-              <a:rPr lang="en" sz="1600" b="1" i="0" u="none" strike="noStrike" cap="none" dirty="0">
-                <a:solidFill>
-                  <a:srgbClr val="FFFB00"/>
-                </a:solidFill>
-                <a:latin typeface="Courier"/>
-                <a:ea typeface="Courier New"/>
-                <a:cs typeface="Courier"/>
-                <a:sym typeface="Courier New"/>
-              </a:rPr>
-              <a:t> + 1</a:t>
-            </a:r>
-          </a:p>
-          <a:p>
-            <a:pPr marL="0" marR="0" lvl="0" indent="0" algn="l" rtl="0">
-              <a:lnSpc>
-                <a:spcPct val="100000"/>
-              </a:lnSpc>
-              <a:spcBef>
-                <a:spcPts val="0"/>
-              </a:spcBef>
-              <a:spcAft>
-                <a:spcPts val="0"/>
-              </a:spcAft>
-              <a:buClr>
-                <a:srgbClr val="FFFB00"/>
-              </a:buClr>
-              <a:buSzPct val="25000"/>
-              <a:buFont typeface="Cabin"/>
-              <a:buNone/>
-            </a:pPr>
-            <a:r>
-              <a:rPr lang="en" sz="1600" b="1" i="0" u="none" strike="noStrike" cap="none" dirty="0">
-                <a:solidFill>
-                  <a:srgbClr val="FFFB00"/>
-                </a:solidFill>
-                <a:latin typeface="Courier"/>
-                <a:ea typeface="Courier New"/>
-                <a:cs typeface="Courier"/>
-                <a:sym typeface="Courier New"/>
-              </a:rPr>
-              <a:t>     print</a:t>
-            </a:r>
-            <a:r>
-              <a:rPr lang="en-US" sz="1600" b="1" i="0" u="none" strike="noStrike" cap="none" dirty="0">
-                <a:solidFill>
-                  <a:srgbClr val="FFFB00"/>
-                </a:solidFill>
-                <a:latin typeface="Courier"/>
-                <a:ea typeface="Courier New"/>
-                <a:cs typeface="Courier"/>
-                <a:sym typeface="Courier New"/>
-              </a:rPr>
-              <a:t>(</a:t>
-            </a:r>
-            <a:r>
-              <a:rPr lang="en" sz="1600" b="1" i="0" u="none" strike="noStrike" cap="none" dirty="0" err="1">
-                <a:solidFill>
-                  <a:srgbClr val="FFFB00"/>
-                </a:solidFill>
-                <a:latin typeface="Courier"/>
-                <a:ea typeface="Courier New"/>
-                <a:cs typeface="Courier"/>
-                <a:sym typeface="Courier New"/>
-              </a:rPr>
-              <a:t>self.name,"party</a:t>
-            </a:r>
-            <a:r>
-              <a:rPr lang="en" sz="1600" b="1" i="0" u="none" strike="noStrike" cap="none" dirty="0">
-                <a:solidFill>
-                  <a:srgbClr val="FFFB00"/>
-                </a:solidFill>
-                <a:latin typeface="Courier"/>
-                <a:ea typeface="Courier New"/>
-                <a:cs typeface="Courier"/>
-                <a:sym typeface="Courier New"/>
-              </a:rPr>
-              <a:t> count",</a:t>
-            </a:r>
-            <a:r>
-              <a:rPr lang="en" sz="1600" b="1" i="0" u="none" strike="noStrike" cap="none" dirty="0" err="1">
-                <a:solidFill>
-                  <a:srgbClr val="FFFB00"/>
-                </a:solidFill>
-                <a:latin typeface="Courier"/>
-                <a:ea typeface="Courier New"/>
-                <a:cs typeface="Courier"/>
-                <a:sym typeface="Courier New"/>
-              </a:rPr>
-              <a:t>self.x</a:t>
-            </a:r>
-            <a:r>
-              <a:rPr lang="en-US" sz="1600" b="1" i="0" u="none" strike="noStrike" cap="none" dirty="0">
-                <a:solidFill>
-                  <a:srgbClr val="FFFB00"/>
-                </a:solidFill>
-                <a:latin typeface="Courier"/>
-                <a:ea typeface="Courier New"/>
-                <a:cs typeface="Courier"/>
-                <a:sym typeface="Courier New"/>
-              </a:rPr>
-              <a:t>)</a:t>
-            </a:r>
-            <a:endParaRPr lang="en" sz="1600" b="1" i="0" u="none" strike="noStrike" cap="none" dirty="0">
-              <a:solidFill>
-                <a:srgbClr val="FFFB00"/>
-              </a:solidFill>
-              <a:latin typeface="Courier"/>
-              <a:ea typeface="Courier New"/>
-              <a:cs typeface="Courier"/>
-              <a:sym typeface="Courier New"/>
-            </a:endParaRPr>
-          </a:p>
-          <a:p>
-            <a:pPr marL="0" marR="0" lvl="0" indent="0" algn="l" rtl="0">
-              <a:lnSpc>
-                <a:spcPct val="100000"/>
-              </a:lnSpc>
-              <a:spcBef>
-                <a:spcPts val="0"/>
-              </a:spcBef>
-              <a:spcAft>
-                <a:spcPts val="0"/>
-              </a:spcAft>
-              <a:buClr>
-                <a:srgbClr val="FF40FF"/>
-              </a:buClr>
-              <a:buFont typeface="Cabin"/>
-              <a:buNone/>
-            </a:pPr>
-            <a:endParaRPr sz="1600" b="1" i="0" u="none" strike="noStrike" cap="none" dirty="0">
-              <a:solidFill>
-                <a:srgbClr val="FFFFFF"/>
-              </a:solidFill>
-              <a:latin typeface="Courier"/>
-              <a:ea typeface="Courier New"/>
-              <a:cs typeface="Courier"/>
-              <a:sym typeface="Courier New"/>
-            </a:endParaRPr>
-          </a:p>
-          <a:p>
-            <a:pPr marL="0" marR="0" lvl="0" indent="0" algn="l" rtl="0">
-              <a:lnSpc>
-                <a:spcPct val="100000"/>
-              </a:lnSpc>
-              <a:spcBef>
-                <a:spcPts val="0"/>
-              </a:spcBef>
-              <a:spcAft>
-                <a:spcPts val="0"/>
-              </a:spcAft>
-              <a:buClr>
-                <a:srgbClr val="FF40FF"/>
-              </a:buClr>
-              <a:buSzPct val="25000"/>
-              <a:buFont typeface="Cabin"/>
-              <a:buNone/>
-            </a:pPr>
-            <a:r>
-              <a:rPr lang="en" sz="1600" b="1" i="0" u="none" strike="noStrike" cap="none" dirty="0">
-                <a:solidFill>
-                  <a:srgbClr val="FF40FF"/>
-                </a:solidFill>
-                <a:latin typeface="Courier"/>
-                <a:ea typeface="Courier New"/>
-                <a:cs typeface="Courier"/>
-                <a:sym typeface="Courier New"/>
-              </a:rPr>
-              <a:t>class </a:t>
-            </a:r>
-            <a:r>
-              <a:rPr lang="en" sz="1600" b="1" i="0" u="none" strike="noStrike" cap="none" dirty="0" err="1">
-                <a:solidFill>
-                  <a:srgbClr val="FF40FF"/>
-                </a:solidFill>
-                <a:latin typeface="Courier"/>
-                <a:ea typeface="Courier New"/>
-                <a:cs typeface="Courier"/>
-                <a:sym typeface="Courier New"/>
-              </a:rPr>
-              <a:t>FootballFan</a:t>
-            </a:r>
-            <a:r>
-              <a:rPr lang="en" sz="1600" b="1" i="0" u="none" strike="noStrike" cap="none" dirty="0">
-                <a:solidFill>
-                  <a:srgbClr val="FF40FF"/>
-                </a:solidFill>
-                <a:latin typeface="Courier"/>
-                <a:ea typeface="Courier New"/>
-                <a:cs typeface="Courier"/>
-                <a:sym typeface="Courier New"/>
-              </a:rPr>
-              <a:t>(</a:t>
-            </a:r>
-            <a:r>
-              <a:rPr lang="en" sz="1600" b="1" i="0" u="none" strike="noStrike" cap="none" dirty="0" err="1">
-                <a:solidFill>
-                  <a:srgbClr val="FF40FF"/>
-                </a:solidFill>
-                <a:latin typeface="Courier"/>
-                <a:ea typeface="Courier New"/>
-                <a:cs typeface="Courier"/>
-                <a:sym typeface="Courier New"/>
-              </a:rPr>
-              <a:t>PartyAnimal</a:t>
-            </a:r>
-            <a:r>
-              <a:rPr lang="en" sz="1600" b="1" i="0" u="none" strike="noStrike" cap="none" dirty="0">
-                <a:solidFill>
-                  <a:srgbClr val="FF40FF"/>
-                </a:solidFill>
-                <a:latin typeface="Courier"/>
-                <a:ea typeface="Courier New"/>
-                <a:cs typeface="Courier"/>
-                <a:sym typeface="Courier New"/>
-              </a:rPr>
-              <a:t>):</a:t>
-            </a:r>
-          </a:p>
-          <a:p>
-            <a:pPr marL="0" marR="0" lvl="0" indent="0" algn="l" rtl="0">
-              <a:lnSpc>
-                <a:spcPct val="100000"/>
-              </a:lnSpc>
-              <a:spcBef>
-                <a:spcPts val="0"/>
-              </a:spcBef>
-              <a:spcAft>
-                <a:spcPts val="0"/>
-              </a:spcAft>
-              <a:buClr>
-                <a:srgbClr val="00F900"/>
-              </a:buClr>
-              <a:buSzPct val="25000"/>
-              <a:buFont typeface="Cabin"/>
-              <a:buNone/>
-            </a:pPr>
-            <a:r>
-              <a:rPr lang="en" sz="1600" b="1" i="0" u="none" strike="noStrike" cap="none" dirty="0">
-                <a:solidFill>
-                  <a:srgbClr val="00F900"/>
-                </a:solidFill>
-                <a:latin typeface="Courier"/>
-                <a:ea typeface="Courier New"/>
-                <a:cs typeface="Courier"/>
-                <a:sym typeface="Courier New"/>
-              </a:rPr>
-              <a:t>   points = 0</a:t>
-            </a:r>
-          </a:p>
-          <a:p>
-            <a:pPr marL="0" marR="0" lvl="0" indent="0" algn="l" rtl="0">
-              <a:lnSpc>
-                <a:spcPct val="100000"/>
-              </a:lnSpc>
-              <a:spcBef>
-                <a:spcPts val="0"/>
-              </a:spcBef>
-              <a:spcAft>
-                <a:spcPts val="0"/>
-              </a:spcAft>
-              <a:buClr>
-                <a:srgbClr val="00F900"/>
-              </a:buClr>
-              <a:buSzPct val="25000"/>
-              <a:buFont typeface="Cabin"/>
-              <a:buNone/>
-            </a:pPr>
-            <a:r>
-              <a:rPr lang="en" sz="1600" b="1" i="0" u="none" strike="noStrike" cap="none" dirty="0">
-                <a:solidFill>
-                  <a:srgbClr val="00F900"/>
-                </a:solidFill>
-                <a:latin typeface="Courier"/>
-                <a:ea typeface="Courier New"/>
-                <a:cs typeface="Courier"/>
-                <a:sym typeface="Courier New"/>
-              </a:rPr>
-              <a:t>   </a:t>
-            </a:r>
-            <a:r>
-              <a:rPr lang="en" sz="1600" b="1" i="0" u="none" strike="noStrike" cap="none" dirty="0" err="1">
-                <a:solidFill>
-                  <a:srgbClr val="00F900"/>
-                </a:solidFill>
-                <a:latin typeface="Courier"/>
-                <a:ea typeface="Courier New"/>
-                <a:cs typeface="Courier"/>
-                <a:sym typeface="Courier New"/>
-              </a:rPr>
-              <a:t>def</a:t>
-            </a:r>
-            <a:r>
-              <a:rPr lang="en" sz="1600" b="1" i="0" u="none" strike="noStrike" cap="none" dirty="0">
-                <a:solidFill>
-                  <a:srgbClr val="00F900"/>
-                </a:solidFill>
-                <a:latin typeface="Courier"/>
-                <a:ea typeface="Courier New"/>
-                <a:cs typeface="Courier"/>
-                <a:sym typeface="Courier New"/>
-              </a:rPr>
-              <a:t> touchdown(self):</a:t>
-            </a:r>
-          </a:p>
-          <a:p>
-            <a:pPr marL="0" marR="0" lvl="0" indent="0" algn="l" rtl="0">
-              <a:lnSpc>
-                <a:spcPct val="100000"/>
-              </a:lnSpc>
-              <a:spcBef>
-                <a:spcPts val="0"/>
-              </a:spcBef>
-              <a:spcAft>
-                <a:spcPts val="0"/>
-              </a:spcAft>
-              <a:buClr>
-                <a:srgbClr val="00F900"/>
-              </a:buClr>
-              <a:buSzPct val="25000"/>
-              <a:buFont typeface="Cabin"/>
-              <a:buNone/>
-            </a:pPr>
-            <a:r>
-              <a:rPr lang="en" sz="1600" b="1" i="0" u="none" strike="noStrike" cap="none" dirty="0">
-                <a:solidFill>
-                  <a:srgbClr val="00F900"/>
-                </a:solidFill>
-                <a:latin typeface="Courier"/>
-                <a:ea typeface="Courier New"/>
-                <a:cs typeface="Courier"/>
-                <a:sym typeface="Courier New"/>
-              </a:rPr>
-              <a:t>      </a:t>
-            </a:r>
-            <a:r>
-              <a:rPr lang="en" sz="1600" b="1" i="0" u="none" strike="noStrike" cap="none" dirty="0" err="1">
-                <a:solidFill>
-                  <a:srgbClr val="00F900"/>
-                </a:solidFill>
-                <a:latin typeface="Courier"/>
-                <a:ea typeface="Courier New"/>
-                <a:cs typeface="Courier"/>
-                <a:sym typeface="Courier New"/>
-              </a:rPr>
-              <a:t>self.points</a:t>
-            </a:r>
-            <a:r>
-              <a:rPr lang="en" sz="1600" b="1" i="0" u="none" strike="noStrike" cap="none" dirty="0">
-                <a:solidFill>
-                  <a:srgbClr val="00F900"/>
-                </a:solidFill>
-                <a:latin typeface="Courier"/>
-                <a:ea typeface="Courier New"/>
-                <a:cs typeface="Courier"/>
-                <a:sym typeface="Courier New"/>
-              </a:rPr>
-              <a:t> = </a:t>
-            </a:r>
-            <a:r>
-              <a:rPr lang="en" sz="1600" b="1" i="0" u="none" strike="noStrike" cap="none" dirty="0" err="1">
-                <a:solidFill>
-                  <a:srgbClr val="00F900"/>
-                </a:solidFill>
-                <a:latin typeface="Courier"/>
-                <a:ea typeface="Courier New"/>
-                <a:cs typeface="Courier"/>
-                <a:sym typeface="Courier New"/>
-              </a:rPr>
-              <a:t>self.points</a:t>
-            </a:r>
-            <a:r>
-              <a:rPr lang="en" sz="1600" b="1" i="0" u="none" strike="noStrike" cap="none" dirty="0">
-                <a:solidFill>
-                  <a:srgbClr val="00F900"/>
-                </a:solidFill>
-                <a:latin typeface="Courier"/>
-                <a:ea typeface="Courier New"/>
-                <a:cs typeface="Courier"/>
-                <a:sym typeface="Courier New"/>
-              </a:rPr>
-              <a:t> + 7</a:t>
-            </a:r>
-          </a:p>
-          <a:p>
-            <a:pPr marL="0" marR="0" lvl="0" indent="0" algn="l" rtl="0">
-              <a:lnSpc>
-                <a:spcPct val="100000"/>
-              </a:lnSpc>
-              <a:spcBef>
-                <a:spcPts val="0"/>
-              </a:spcBef>
-              <a:spcAft>
-                <a:spcPts val="0"/>
-              </a:spcAft>
-              <a:buClr>
-                <a:srgbClr val="00F900"/>
-              </a:buClr>
-              <a:buSzPct val="25000"/>
-              <a:buFont typeface="Cabin"/>
-              <a:buNone/>
-            </a:pPr>
-            <a:r>
-              <a:rPr lang="en" sz="1600" b="1" i="0" u="none" strike="noStrike" cap="none" dirty="0">
-                <a:solidFill>
-                  <a:srgbClr val="00F900"/>
-                </a:solidFill>
-                <a:latin typeface="Courier"/>
-                <a:ea typeface="Courier New"/>
-                <a:cs typeface="Courier"/>
-                <a:sym typeface="Courier New"/>
-              </a:rPr>
-              <a:t>      </a:t>
-            </a:r>
-            <a:r>
-              <a:rPr lang="en" sz="1600" b="1" i="0" u="none" strike="noStrike" cap="none" dirty="0" err="1">
-                <a:solidFill>
-                  <a:srgbClr val="00F900"/>
-                </a:solidFill>
-                <a:latin typeface="Courier"/>
-                <a:ea typeface="Courier New"/>
-                <a:cs typeface="Courier"/>
-                <a:sym typeface="Courier New"/>
-              </a:rPr>
-              <a:t>self.party</a:t>
-            </a:r>
-            <a:r>
-              <a:rPr lang="en" sz="1600" b="1" i="0" u="none" strike="noStrike" cap="none" dirty="0">
-                <a:solidFill>
-                  <a:srgbClr val="00F900"/>
-                </a:solidFill>
-                <a:latin typeface="Courier"/>
-                <a:ea typeface="Courier New"/>
-                <a:cs typeface="Courier"/>
-                <a:sym typeface="Courier New"/>
-              </a:rPr>
-              <a:t>()</a:t>
-            </a:r>
-          </a:p>
-          <a:p>
-            <a:pPr marL="0" marR="0" lvl="0" indent="0" algn="l" rtl="0">
-              <a:lnSpc>
-                <a:spcPct val="100000"/>
-              </a:lnSpc>
-              <a:spcBef>
-                <a:spcPts val="0"/>
-              </a:spcBef>
-              <a:spcAft>
-                <a:spcPts val="0"/>
-              </a:spcAft>
-              <a:buClr>
-                <a:srgbClr val="00F900"/>
-              </a:buClr>
-              <a:buSzPct val="25000"/>
-              <a:buFont typeface="Cabin"/>
-              <a:buNone/>
-            </a:pPr>
-            <a:r>
-              <a:rPr lang="en" sz="1600" b="1" i="0" u="none" strike="noStrike" cap="none" dirty="0">
-                <a:solidFill>
-                  <a:srgbClr val="00F900"/>
-                </a:solidFill>
-                <a:latin typeface="Courier"/>
-                <a:ea typeface="Courier New"/>
-                <a:cs typeface="Courier"/>
-                <a:sym typeface="Courier New"/>
-              </a:rPr>
-              <a:t>      print</a:t>
-            </a:r>
-            <a:r>
-              <a:rPr lang="en-US" sz="1600" b="1" i="0" u="none" strike="noStrike" cap="none" dirty="0">
-                <a:solidFill>
-                  <a:srgbClr val="00F900"/>
-                </a:solidFill>
-                <a:latin typeface="Courier"/>
-                <a:ea typeface="Courier New"/>
-                <a:cs typeface="Courier"/>
-                <a:sym typeface="Courier New"/>
-              </a:rPr>
-              <a:t>(</a:t>
-            </a:r>
-            <a:r>
-              <a:rPr lang="en" sz="1600" b="1" i="0" u="none" strike="noStrike" cap="none" dirty="0">
-                <a:solidFill>
-                  <a:srgbClr val="00F900"/>
-                </a:solidFill>
-                <a:latin typeface="Courier"/>
-                <a:ea typeface="Courier New"/>
-                <a:cs typeface="Courier"/>
-                <a:sym typeface="Courier New"/>
-              </a:rPr>
-              <a:t>self.name,"points",</a:t>
-            </a:r>
-            <a:r>
-              <a:rPr lang="en" sz="1600" b="1" i="0" u="none" strike="noStrike" cap="none" dirty="0" err="1">
-                <a:solidFill>
-                  <a:srgbClr val="00F900"/>
-                </a:solidFill>
-                <a:latin typeface="Courier"/>
-                <a:ea typeface="Courier New"/>
-                <a:cs typeface="Courier"/>
-                <a:sym typeface="Courier New"/>
-              </a:rPr>
-              <a:t>self.points</a:t>
-            </a:r>
-            <a:r>
-              <a:rPr lang="en-US" sz="1600" b="1" i="0" u="none" strike="noStrike" cap="none" dirty="0">
-                <a:solidFill>
-                  <a:srgbClr val="00F900"/>
-                </a:solidFill>
-                <a:latin typeface="Courier"/>
-                <a:ea typeface="Courier New"/>
-                <a:cs typeface="Courier"/>
-                <a:sym typeface="Courier New"/>
-              </a:rPr>
-              <a:t>)</a:t>
-            </a:r>
-            <a:endParaRPr lang="en" sz="1600" b="1" i="0" u="none" strike="noStrike" cap="none" dirty="0">
-              <a:solidFill>
-                <a:srgbClr val="00F900"/>
-              </a:solidFill>
-              <a:latin typeface="Courier"/>
-              <a:ea typeface="Courier New"/>
-              <a:cs typeface="Courier"/>
-              <a:sym typeface="Courier New"/>
-            </a:endParaRPr>
-          </a:p>
-        </p:txBody>
-      </p:sp>
       <p:sp>
         <p:nvSpPr>
           <p:cNvPr id="519" name="Shape 519"/>
@@ -34755,6 +33920,1353 @@
               </a:solidFill>
               <a:latin typeface="Courier New" panose="02070309020205020404" pitchFamily="49" charset="0"/>
               <a:cs typeface="Courier New" panose="02070309020205020404" pitchFamily="49" charset="0"/>
+            </a:endParaRPr>
+          </a:p>
+        </p:txBody>
+      </p:sp>
+      <p:sp>
+        <p:nvSpPr>
+          <p:cNvPr id="3" name="Shape 518">
+            <a:extLst>
+              <a:ext uri="{FF2B5EF4-FFF2-40B4-BE49-F238E27FC236}">
+                <a16:creationId xmlns:a16="http://schemas.microsoft.com/office/drawing/2014/main" id="{C68F4F39-64B7-823B-7663-FAAF60A83038}"/>
+              </a:ext>
+            </a:extLst>
+          </p:cNvPr>
+          <p:cNvSpPr/>
+          <p:nvPr/>
+        </p:nvSpPr>
+        <p:spPr>
+          <a:xfrm>
+            <a:off x="237698" y="154250"/>
+            <a:ext cx="5352300" cy="4702499"/>
+          </a:xfrm>
+          <a:prstGeom prst="rect">
+            <a:avLst/>
+          </a:prstGeom>
+          <a:noFill/>
+          <a:ln>
+            <a:noFill/>
+          </a:ln>
+        </p:spPr>
+        <p:txBody>
+          <a:bodyPr lIns="21050" tIns="21050" rIns="21050" bIns="21050" anchor="ctr" anchorCtr="0">
+            <a:noAutofit/>
+          </a:bodyPr>
+          <a:lstStyle/>
+          <a:p>
+            <a:pPr marL="0" marR="0" lvl="0" indent="0" algn="l" rtl="0">
+              <a:lnSpc>
+                <a:spcPct val="100000"/>
+              </a:lnSpc>
+              <a:spcBef>
+                <a:spcPts val="0"/>
+              </a:spcBef>
+              <a:spcAft>
+                <a:spcPts val="0"/>
+              </a:spcAft>
+              <a:buClr>
+                <a:srgbClr val="FFFB00"/>
+              </a:buClr>
+              <a:buSzPct val="25000"/>
+              <a:buFont typeface="Cabin"/>
+              <a:buNone/>
+            </a:pPr>
+            <a:r>
+              <a:rPr lang="en" sz="1500" b="1" i="0" u="none" strike="noStrike" cap="none" dirty="0">
+                <a:solidFill>
+                  <a:srgbClr val="FFFB00"/>
+                </a:solidFill>
+                <a:latin typeface="Courier"/>
+                <a:ea typeface="Courier New"/>
+                <a:cs typeface="Courier"/>
+                <a:sym typeface="Courier New"/>
+              </a:rPr>
+              <a:t>class </a:t>
+            </a:r>
+            <a:r>
+              <a:rPr lang="en" sz="1500" b="1" i="0" u="none" strike="noStrike" cap="none" dirty="0" err="1">
+                <a:solidFill>
+                  <a:srgbClr val="FFFB00"/>
+                </a:solidFill>
+                <a:latin typeface="Courier"/>
+                <a:ea typeface="Courier New"/>
+                <a:cs typeface="Courier"/>
+                <a:sym typeface="Courier New"/>
+              </a:rPr>
+              <a:t>PartyAnimal</a:t>
+            </a:r>
+            <a:r>
+              <a:rPr lang="en" sz="1500" b="1" i="0" u="none" strike="noStrike" cap="none" dirty="0">
+                <a:solidFill>
+                  <a:srgbClr val="FFFB00"/>
+                </a:solidFill>
+                <a:latin typeface="Courier"/>
+                <a:ea typeface="Courier New"/>
+                <a:cs typeface="Courier"/>
+                <a:sym typeface="Courier New"/>
+              </a:rPr>
+              <a:t>:</a:t>
+            </a:r>
+          </a:p>
+          <a:p>
+            <a:pPr marL="0" marR="0" lvl="0" indent="0" algn="l" rtl="0">
+              <a:lnSpc>
+                <a:spcPct val="100000"/>
+              </a:lnSpc>
+              <a:spcBef>
+                <a:spcPts val="0"/>
+              </a:spcBef>
+              <a:spcAft>
+                <a:spcPts val="0"/>
+              </a:spcAft>
+              <a:buClr>
+                <a:srgbClr val="FFFB00"/>
+              </a:buClr>
+              <a:buSzPct val="25000"/>
+              <a:buFont typeface="Cabin"/>
+              <a:buNone/>
+            </a:pPr>
+            <a:r>
+              <a:rPr lang="en" sz="1500" b="1" i="0" u="none" strike="noStrike" cap="none" dirty="0">
+                <a:solidFill>
+                  <a:srgbClr val="FFFB00"/>
+                </a:solidFill>
+                <a:latin typeface="Courier"/>
+                <a:ea typeface="Courier New"/>
+                <a:cs typeface="Courier"/>
+                <a:sym typeface="Courier New"/>
+              </a:rPr>
+              <a:t>  </a:t>
+            </a:r>
+          </a:p>
+          <a:p>
+            <a:pPr marL="0" marR="0" lvl="0" indent="0" algn="l" rtl="0">
+              <a:lnSpc>
+                <a:spcPct val="100000"/>
+              </a:lnSpc>
+              <a:spcBef>
+                <a:spcPts val="0"/>
+              </a:spcBef>
+              <a:spcAft>
+                <a:spcPts val="0"/>
+              </a:spcAft>
+              <a:buClr>
+                <a:srgbClr val="FFFB00"/>
+              </a:buClr>
+              <a:buSzPct val="25000"/>
+              <a:buFont typeface="Cabin"/>
+              <a:buNone/>
+            </a:pPr>
+            <a:r>
+              <a:rPr lang="en" sz="1500" b="1" i="0" u="none" strike="noStrike" cap="none" dirty="0">
+                <a:solidFill>
+                  <a:srgbClr val="FFFB00"/>
+                </a:solidFill>
+                <a:latin typeface="Courier"/>
+                <a:ea typeface="Courier New"/>
+                <a:cs typeface="Courier"/>
+                <a:sym typeface="Courier New"/>
+              </a:rPr>
+              <a:t>   def __</a:t>
+            </a:r>
+            <a:r>
+              <a:rPr lang="en" sz="1500" b="1" i="0" u="none" strike="noStrike" cap="none" dirty="0" err="1">
+                <a:solidFill>
+                  <a:srgbClr val="FFFB00"/>
+                </a:solidFill>
+                <a:latin typeface="Courier"/>
+                <a:ea typeface="Courier New"/>
+                <a:cs typeface="Courier"/>
+                <a:sym typeface="Courier New"/>
+              </a:rPr>
+              <a:t>init</a:t>
+            </a:r>
+            <a:r>
+              <a:rPr lang="en" sz="1500" b="1" i="0" u="none" strike="noStrike" cap="none" dirty="0">
+                <a:solidFill>
+                  <a:srgbClr val="FFFB00"/>
+                </a:solidFill>
+                <a:latin typeface="Courier"/>
+                <a:ea typeface="Courier New"/>
+                <a:cs typeface="Courier"/>
+                <a:sym typeface="Courier New"/>
+              </a:rPr>
+              <a:t>__(self, </a:t>
+            </a:r>
+            <a:r>
+              <a:rPr lang="en" sz="1500" b="1" i="0" u="none" strike="noStrike" cap="none" dirty="0" err="1">
+                <a:solidFill>
+                  <a:srgbClr val="FFFB00"/>
+                </a:solidFill>
+                <a:latin typeface="Courier"/>
+                <a:ea typeface="Courier New"/>
+                <a:cs typeface="Courier"/>
+                <a:sym typeface="Courier New"/>
+              </a:rPr>
+              <a:t>nam</a:t>
+            </a:r>
+            <a:r>
+              <a:rPr lang="en" sz="1500" b="1" i="0" u="none" strike="noStrike" cap="none" dirty="0">
+                <a:solidFill>
+                  <a:srgbClr val="FFFB00"/>
+                </a:solidFill>
+                <a:latin typeface="Courier"/>
+                <a:ea typeface="Courier New"/>
+                <a:cs typeface="Courier"/>
+                <a:sym typeface="Courier New"/>
+              </a:rPr>
+              <a:t>):</a:t>
+            </a:r>
+          </a:p>
+          <a:p>
+            <a:pPr marL="0" marR="0" lvl="0" indent="0" algn="l" rtl="0">
+              <a:lnSpc>
+                <a:spcPct val="100000"/>
+              </a:lnSpc>
+              <a:spcBef>
+                <a:spcPts val="0"/>
+              </a:spcBef>
+              <a:spcAft>
+                <a:spcPts val="0"/>
+              </a:spcAft>
+              <a:buClr>
+                <a:srgbClr val="FFFB00"/>
+              </a:buClr>
+              <a:buSzPct val="25000"/>
+              <a:buFont typeface="Cabin"/>
+              <a:buNone/>
+            </a:pPr>
+            <a:r>
+              <a:rPr lang="en" sz="1500" b="1" dirty="0">
+                <a:solidFill>
+                  <a:srgbClr val="FFFB00"/>
+                </a:solidFill>
+                <a:latin typeface="Courier"/>
+                <a:ea typeface="Courier New"/>
+                <a:cs typeface="Courier"/>
+                <a:sym typeface="Courier New"/>
+              </a:rPr>
+              <a:t>     </a:t>
+            </a:r>
+            <a:r>
+              <a:rPr lang="en" sz="1500" b="1" dirty="0" err="1">
+                <a:solidFill>
+                  <a:srgbClr val="FFFB00"/>
+                </a:solidFill>
+                <a:latin typeface="Courier"/>
+                <a:ea typeface="Courier New"/>
+                <a:cs typeface="Courier"/>
+                <a:sym typeface="Courier New"/>
+              </a:rPr>
+              <a:t>self.x</a:t>
+            </a:r>
+            <a:r>
+              <a:rPr lang="en" sz="1500" b="1" dirty="0">
+                <a:solidFill>
+                  <a:srgbClr val="FFFB00"/>
+                </a:solidFill>
+                <a:latin typeface="Courier"/>
+                <a:ea typeface="Courier New"/>
+                <a:cs typeface="Courier"/>
+                <a:sym typeface="Courier New"/>
+              </a:rPr>
+              <a:t> = 0</a:t>
+            </a:r>
+            <a:endParaRPr lang="en" sz="1500" b="1" i="0" u="none" strike="noStrike" cap="none" dirty="0">
+              <a:solidFill>
+                <a:srgbClr val="FFFB00"/>
+              </a:solidFill>
+              <a:latin typeface="Courier"/>
+              <a:ea typeface="Courier New"/>
+              <a:cs typeface="Courier"/>
+              <a:sym typeface="Courier New"/>
+            </a:endParaRPr>
+          </a:p>
+          <a:p>
+            <a:pPr marL="0" marR="0" lvl="0" indent="0" algn="l" rtl="0">
+              <a:lnSpc>
+                <a:spcPct val="100000"/>
+              </a:lnSpc>
+              <a:spcBef>
+                <a:spcPts val="0"/>
+              </a:spcBef>
+              <a:spcAft>
+                <a:spcPts val="0"/>
+              </a:spcAft>
+              <a:buClr>
+                <a:srgbClr val="FFFB00"/>
+              </a:buClr>
+              <a:buSzPct val="25000"/>
+              <a:buFont typeface="Cabin"/>
+              <a:buNone/>
+            </a:pPr>
+            <a:r>
+              <a:rPr lang="en" sz="1500" b="1" i="0" u="none" strike="noStrike" cap="none" dirty="0">
+                <a:solidFill>
+                  <a:srgbClr val="FFFB00"/>
+                </a:solidFill>
+                <a:latin typeface="Courier"/>
+                <a:ea typeface="Courier New"/>
+                <a:cs typeface="Courier"/>
+                <a:sym typeface="Courier New"/>
+              </a:rPr>
+              <a:t>     </a:t>
+            </a:r>
+            <a:r>
+              <a:rPr lang="en" sz="1500" b="1" i="0" u="none" strike="noStrike" cap="none" dirty="0" err="1">
+                <a:solidFill>
+                  <a:srgbClr val="FFFB00"/>
+                </a:solidFill>
+                <a:latin typeface="Courier"/>
+                <a:ea typeface="Courier New"/>
+                <a:cs typeface="Courier"/>
+                <a:sym typeface="Courier New"/>
+              </a:rPr>
+              <a:t>self.name</a:t>
+            </a:r>
+            <a:r>
+              <a:rPr lang="en" sz="1500" b="1" i="0" u="none" strike="noStrike" cap="none" dirty="0">
+                <a:solidFill>
+                  <a:srgbClr val="FFFB00"/>
+                </a:solidFill>
+                <a:latin typeface="Courier"/>
+                <a:ea typeface="Courier New"/>
+                <a:cs typeface="Courier"/>
+                <a:sym typeface="Courier New"/>
+              </a:rPr>
+              <a:t> = </a:t>
+            </a:r>
+            <a:r>
+              <a:rPr lang="en" sz="1500" b="1" i="0" u="none" strike="noStrike" cap="none" dirty="0" err="1">
+                <a:solidFill>
+                  <a:srgbClr val="FFFB00"/>
+                </a:solidFill>
+                <a:latin typeface="Courier"/>
+                <a:ea typeface="Courier New"/>
+                <a:cs typeface="Courier"/>
+                <a:sym typeface="Courier New"/>
+              </a:rPr>
+              <a:t>nam</a:t>
+            </a:r>
+            <a:endParaRPr lang="en" sz="1500" b="1" i="0" u="none" strike="noStrike" cap="none" dirty="0">
+              <a:solidFill>
+                <a:srgbClr val="FFFB00"/>
+              </a:solidFill>
+              <a:latin typeface="Courier"/>
+              <a:ea typeface="Courier New"/>
+              <a:cs typeface="Courier"/>
+              <a:sym typeface="Courier New"/>
+            </a:endParaRPr>
+          </a:p>
+          <a:p>
+            <a:pPr marL="0" marR="0" lvl="0" indent="0" algn="l" rtl="0">
+              <a:lnSpc>
+                <a:spcPct val="100000"/>
+              </a:lnSpc>
+              <a:spcBef>
+                <a:spcPts val="0"/>
+              </a:spcBef>
+              <a:spcAft>
+                <a:spcPts val="0"/>
+              </a:spcAft>
+              <a:buClr>
+                <a:srgbClr val="FFFB00"/>
+              </a:buClr>
+              <a:buSzPct val="25000"/>
+              <a:buFont typeface="Cabin"/>
+              <a:buNone/>
+            </a:pPr>
+            <a:r>
+              <a:rPr lang="en" sz="1500" b="1" i="0" u="none" strike="noStrike" cap="none" dirty="0">
+                <a:solidFill>
+                  <a:srgbClr val="FFFB00"/>
+                </a:solidFill>
+                <a:latin typeface="Courier"/>
+                <a:ea typeface="Courier New"/>
+                <a:cs typeface="Courier"/>
+                <a:sym typeface="Courier New"/>
+              </a:rPr>
+              <a:t>     print</a:t>
+            </a:r>
+            <a:r>
+              <a:rPr lang="en-US" sz="1500" b="1" i="0" u="none" strike="noStrike" cap="none" dirty="0">
+                <a:solidFill>
+                  <a:srgbClr val="FFFB00"/>
+                </a:solidFill>
+                <a:latin typeface="Courier"/>
+                <a:ea typeface="Courier New"/>
+                <a:cs typeface="Courier"/>
+                <a:sym typeface="Courier New"/>
+              </a:rPr>
+              <a:t>(</a:t>
+            </a:r>
+            <a:r>
+              <a:rPr lang="en" sz="1500" b="1" i="0" u="none" strike="noStrike" cap="none" dirty="0" err="1">
+                <a:solidFill>
+                  <a:srgbClr val="FFFB00"/>
+                </a:solidFill>
+                <a:latin typeface="Courier"/>
+                <a:ea typeface="Courier New"/>
+                <a:cs typeface="Courier"/>
+                <a:sym typeface="Courier New"/>
+              </a:rPr>
+              <a:t>self.name,"constructed</a:t>
+            </a:r>
+            <a:r>
+              <a:rPr lang="en" sz="1500" b="1" i="0" u="none" strike="noStrike" cap="none" dirty="0">
+                <a:solidFill>
+                  <a:srgbClr val="FFFB00"/>
+                </a:solidFill>
+                <a:latin typeface="Courier"/>
+                <a:ea typeface="Courier New"/>
+                <a:cs typeface="Courier"/>
+                <a:sym typeface="Courier New"/>
+              </a:rPr>
+              <a:t>"</a:t>
+            </a:r>
+            <a:r>
+              <a:rPr lang="en-US" sz="1500" b="1" i="0" u="none" strike="noStrike" cap="none" dirty="0">
+                <a:solidFill>
+                  <a:srgbClr val="FFFB00"/>
+                </a:solidFill>
+                <a:latin typeface="Courier"/>
+                <a:ea typeface="Courier New"/>
+                <a:cs typeface="Courier"/>
+                <a:sym typeface="Courier New"/>
+              </a:rPr>
+              <a:t>)</a:t>
+            </a:r>
+            <a:endParaRPr lang="en" sz="1500" b="1" i="0" u="none" strike="noStrike" cap="none" dirty="0">
+              <a:solidFill>
+                <a:srgbClr val="FFFB00"/>
+              </a:solidFill>
+              <a:latin typeface="Courier"/>
+              <a:ea typeface="Courier New"/>
+              <a:cs typeface="Courier"/>
+              <a:sym typeface="Courier New"/>
+            </a:endParaRPr>
+          </a:p>
+          <a:p>
+            <a:pPr marL="0" marR="0" lvl="0" indent="0" algn="l" rtl="0">
+              <a:lnSpc>
+                <a:spcPct val="100000"/>
+              </a:lnSpc>
+              <a:spcBef>
+                <a:spcPts val="0"/>
+              </a:spcBef>
+              <a:spcAft>
+                <a:spcPts val="0"/>
+              </a:spcAft>
+              <a:buClr>
+                <a:srgbClr val="FFFB00"/>
+              </a:buClr>
+              <a:buFont typeface="Cabin"/>
+              <a:buNone/>
+            </a:pPr>
+            <a:endParaRPr sz="1500" b="1" i="0" u="none" strike="noStrike" cap="none" dirty="0">
+              <a:solidFill>
+                <a:srgbClr val="FFFFFF"/>
+              </a:solidFill>
+              <a:latin typeface="Courier"/>
+              <a:ea typeface="Courier New"/>
+              <a:cs typeface="Courier"/>
+              <a:sym typeface="Courier New"/>
+            </a:endParaRPr>
+          </a:p>
+          <a:p>
+            <a:pPr marL="0" marR="0" lvl="0" indent="0" algn="l" rtl="0">
+              <a:lnSpc>
+                <a:spcPct val="100000"/>
+              </a:lnSpc>
+              <a:spcBef>
+                <a:spcPts val="0"/>
+              </a:spcBef>
+              <a:spcAft>
+                <a:spcPts val="0"/>
+              </a:spcAft>
+              <a:buClr>
+                <a:srgbClr val="FFFB00"/>
+              </a:buClr>
+              <a:buSzPct val="25000"/>
+              <a:buFont typeface="Cabin"/>
+              <a:buNone/>
+            </a:pPr>
+            <a:r>
+              <a:rPr lang="en" sz="1500" b="1" i="0" u="none" strike="noStrike" cap="none" dirty="0">
+                <a:solidFill>
+                  <a:srgbClr val="FFFB00"/>
+                </a:solidFill>
+                <a:latin typeface="Courier"/>
+                <a:ea typeface="Courier New"/>
+                <a:cs typeface="Courier"/>
+                <a:sym typeface="Courier New"/>
+              </a:rPr>
+              <a:t>   </a:t>
+            </a:r>
+            <a:r>
+              <a:rPr lang="en" sz="1500" b="1" i="0" u="none" strike="noStrike" cap="none" dirty="0" err="1">
+                <a:solidFill>
+                  <a:srgbClr val="FFFB00"/>
+                </a:solidFill>
+                <a:latin typeface="Courier"/>
+                <a:ea typeface="Courier New"/>
+                <a:cs typeface="Courier"/>
+                <a:sym typeface="Courier New"/>
+              </a:rPr>
+              <a:t>def</a:t>
+            </a:r>
+            <a:r>
+              <a:rPr lang="en" sz="1500" b="1" i="0" u="none" strike="noStrike" cap="none" dirty="0">
+                <a:solidFill>
+                  <a:srgbClr val="FFFB00"/>
+                </a:solidFill>
+                <a:latin typeface="Courier"/>
+                <a:ea typeface="Courier New"/>
+                <a:cs typeface="Courier"/>
+                <a:sym typeface="Courier New"/>
+              </a:rPr>
+              <a:t> party(self) :</a:t>
+            </a:r>
+          </a:p>
+          <a:p>
+            <a:pPr marL="0" marR="0" lvl="0" indent="0" algn="l" rtl="0">
+              <a:lnSpc>
+                <a:spcPct val="100000"/>
+              </a:lnSpc>
+              <a:spcBef>
+                <a:spcPts val="0"/>
+              </a:spcBef>
+              <a:spcAft>
+                <a:spcPts val="0"/>
+              </a:spcAft>
+              <a:buClr>
+                <a:srgbClr val="FFFB00"/>
+              </a:buClr>
+              <a:buSzPct val="25000"/>
+              <a:buFont typeface="Cabin"/>
+              <a:buNone/>
+            </a:pPr>
+            <a:r>
+              <a:rPr lang="en" sz="1500" b="1" i="0" u="none" strike="noStrike" cap="none" dirty="0">
+                <a:solidFill>
+                  <a:srgbClr val="FFFB00"/>
+                </a:solidFill>
+                <a:latin typeface="Courier"/>
+                <a:ea typeface="Courier New"/>
+                <a:cs typeface="Courier"/>
+                <a:sym typeface="Courier New"/>
+              </a:rPr>
+              <a:t>     </a:t>
+            </a:r>
+            <a:r>
+              <a:rPr lang="en" sz="1500" b="1" i="0" u="none" strike="noStrike" cap="none" dirty="0" err="1">
+                <a:solidFill>
+                  <a:srgbClr val="FFFB00"/>
+                </a:solidFill>
+                <a:latin typeface="Courier"/>
+                <a:ea typeface="Courier New"/>
+                <a:cs typeface="Courier"/>
+                <a:sym typeface="Courier New"/>
+              </a:rPr>
+              <a:t>self.x</a:t>
+            </a:r>
+            <a:r>
+              <a:rPr lang="en" sz="1500" b="1" i="0" u="none" strike="noStrike" cap="none" dirty="0">
+                <a:solidFill>
+                  <a:srgbClr val="FFFB00"/>
+                </a:solidFill>
+                <a:latin typeface="Courier"/>
+                <a:ea typeface="Courier New"/>
+                <a:cs typeface="Courier"/>
+                <a:sym typeface="Courier New"/>
+              </a:rPr>
+              <a:t> = </a:t>
+            </a:r>
+            <a:r>
+              <a:rPr lang="en" sz="1500" b="1" i="0" u="none" strike="noStrike" cap="none" dirty="0" err="1">
+                <a:solidFill>
+                  <a:srgbClr val="FFFB00"/>
+                </a:solidFill>
+                <a:latin typeface="Courier"/>
+                <a:ea typeface="Courier New"/>
+                <a:cs typeface="Courier"/>
+                <a:sym typeface="Courier New"/>
+              </a:rPr>
+              <a:t>self.x</a:t>
+            </a:r>
+            <a:r>
+              <a:rPr lang="en" sz="1500" b="1" i="0" u="none" strike="noStrike" cap="none" dirty="0">
+                <a:solidFill>
+                  <a:srgbClr val="FFFB00"/>
+                </a:solidFill>
+                <a:latin typeface="Courier"/>
+                <a:ea typeface="Courier New"/>
+                <a:cs typeface="Courier"/>
+                <a:sym typeface="Courier New"/>
+              </a:rPr>
+              <a:t> + 1</a:t>
+            </a:r>
+          </a:p>
+          <a:p>
+            <a:pPr marL="0" marR="0" lvl="0" indent="0" algn="l" rtl="0">
+              <a:lnSpc>
+                <a:spcPct val="100000"/>
+              </a:lnSpc>
+              <a:spcBef>
+                <a:spcPts val="0"/>
+              </a:spcBef>
+              <a:spcAft>
+                <a:spcPts val="0"/>
+              </a:spcAft>
+              <a:buClr>
+                <a:srgbClr val="FFFB00"/>
+              </a:buClr>
+              <a:buSzPct val="25000"/>
+              <a:buFont typeface="Cabin"/>
+              <a:buNone/>
+            </a:pPr>
+            <a:r>
+              <a:rPr lang="en" sz="1500" b="1" i="0" u="none" strike="noStrike" cap="none" dirty="0">
+                <a:solidFill>
+                  <a:srgbClr val="FFFB00"/>
+                </a:solidFill>
+                <a:latin typeface="Courier"/>
+                <a:ea typeface="Courier New"/>
+                <a:cs typeface="Courier"/>
+                <a:sym typeface="Courier New"/>
+              </a:rPr>
+              <a:t>     print</a:t>
+            </a:r>
+            <a:r>
+              <a:rPr lang="en-US" sz="1500" b="1" i="0" u="none" strike="noStrike" cap="none" dirty="0">
+                <a:solidFill>
+                  <a:srgbClr val="FFFB00"/>
+                </a:solidFill>
+                <a:latin typeface="Courier"/>
+                <a:ea typeface="Courier New"/>
+                <a:cs typeface="Courier"/>
+                <a:sym typeface="Courier New"/>
+              </a:rPr>
+              <a:t>(</a:t>
+            </a:r>
+            <a:r>
+              <a:rPr lang="en" sz="1500" b="1" i="0" u="none" strike="noStrike" cap="none" dirty="0" err="1">
+                <a:solidFill>
+                  <a:srgbClr val="FFFB00"/>
+                </a:solidFill>
+                <a:latin typeface="Courier"/>
+                <a:ea typeface="Courier New"/>
+                <a:cs typeface="Courier"/>
+                <a:sym typeface="Courier New"/>
+              </a:rPr>
+              <a:t>self.name,"party</a:t>
+            </a:r>
+            <a:r>
+              <a:rPr lang="en" sz="1500" b="1" i="0" u="none" strike="noStrike" cap="none" dirty="0">
+                <a:solidFill>
+                  <a:srgbClr val="FFFB00"/>
+                </a:solidFill>
+                <a:latin typeface="Courier"/>
+                <a:ea typeface="Courier New"/>
+                <a:cs typeface="Courier"/>
+                <a:sym typeface="Courier New"/>
+              </a:rPr>
+              <a:t> count",</a:t>
+            </a:r>
+            <a:r>
+              <a:rPr lang="en" sz="1500" b="1" i="0" u="none" strike="noStrike" cap="none" dirty="0" err="1">
+                <a:solidFill>
+                  <a:srgbClr val="FFFB00"/>
+                </a:solidFill>
+                <a:latin typeface="Courier"/>
+                <a:ea typeface="Courier New"/>
+                <a:cs typeface="Courier"/>
+                <a:sym typeface="Courier New"/>
+              </a:rPr>
+              <a:t>self.x</a:t>
+            </a:r>
+            <a:r>
+              <a:rPr lang="en-US" sz="1500" b="1" i="0" u="none" strike="noStrike" cap="none" dirty="0">
+                <a:solidFill>
+                  <a:srgbClr val="FFFB00"/>
+                </a:solidFill>
+                <a:latin typeface="Courier"/>
+                <a:ea typeface="Courier New"/>
+                <a:cs typeface="Courier"/>
+                <a:sym typeface="Courier New"/>
+              </a:rPr>
+              <a:t>)</a:t>
+            </a:r>
+            <a:endParaRPr lang="en" sz="1500" b="1" i="0" u="none" strike="noStrike" cap="none" dirty="0">
+              <a:solidFill>
+                <a:srgbClr val="FFFB00"/>
+              </a:solidFill>
+              <a:latin typeface="Courier"/>
+              <a:ea typeface="Courier New"/>
+              <a:cs typeface="Courier"/>
+              <a:sym typeface="Courier New"/>
+            </a:endParaRPr>
+          </a:p>
+          <a:p>
+            <a:pPr marL="0" marR="0" lvl="0" indent="0" algn="l" rtl="0">
+              <a:lnSpc>
+                <a:spcPct val="100000"/>
+              </a:lnSpc>
+              <a:spcBef>
+                <a:spcPts val="0"/>
+              </a:spcBef>
+              <a:spcAft>
+                <a:spcPts val="0"/>
+              </a:spcAft>
+              <a:buClr>
+                <a:srgbClr val="FF40FF"/>
+              </a:buClr>
+              <a:buFont typeface="Cabin"/>
+              <a:buNone/>
+            </a:pPr>
+            <a:endParaRPr sz="1500" b="1" i="0" u="none" strike="noStrike" cap="none" dirty="0">
+              <a:solidFill>
+                <a:srgbClr val="FFFFFF"/>
+              </a:solidFill>
+              <a:latin typeface="Courier"/>
+              <a:ea typeface="Courier New"/>
+              <a:cs typeface="Courier"/>
+              <a:sym typeface="Courier New"/>
+            </a:endParaRPr>
+          </a:p>
+          <a:p>
+            <a:pPr marL="0" marR="0" lvl="0" indent="0" algn="l" rtl="0">
+              <a:lnSpc>
+                <a:spcPct val="100000"/>
+              </a:lnSpc>
+              <a:spcBef>
+                <a:spcPts val="0"/>
+              </a:spcBef>
+              <a:spcAft>
+                <a:spcPts val="0"/>
+              </a:spcAft>
+              <a:buClr>
+                <a:srgbClr val="FF40FF"/>
+              </a:buClr>
+              <a:buSzPct val="25000"/>
+              <a:buFont typeface="Cabin"/>
+              <a:buNone/>
+            </a:pPr>
+            <a:r>
+              <a:rPr lang="en" sz="1500" b="1" i="0" u="none" strike="noStrike" cap="none" dirty="0">
+                <a:solidFill>
+                  <a:srgbClr val="FF40FF"/>
+                </a:solidFill>
+                <a:latin typeface="Courier"/>
+                <a:ea typeface="Courier New"/>
+                <a:cs typeface="Courier"/>
+                <a:sym typeface="Courier New"/>
+              </a:rPr>
+              <a:t>class </a:t>
+            </a:r>
+            <a:r>
+              <a:rPr lang="en" sz="1500" b="1" i="0" u="none" strike="noStrike" cap="none" dirty="0" err="1">
+                <a:solidFill>
+                  <a:srgbClr val="FF40FF"/>
+                </a:solidFill>
+                <a:latin typeface="Courier"/>
+                <a:ea typeface="Courier New"/>
+                <a:cs typeface="Courier"/>
+                <a:sym typeface="Courier New"/>
+              </a:rPr>
+              <a:t>FootballFan</a:t>
+            </a:r>
+            <a:r>
+              <a:rPr lang="en" sz="1500" b="1" i="0" u="none" strike="noStrike" cap="none" dirty="0">
+                <a:solidFill>
+                  <a:srgbClr val="FF40FF"/>
+                </a:solidFill>
+                <a:latin typeface="Courier"/>
+                <a:ea typeface="Courier New"/>
+                <a:cs typeface="Courier"/>
+                <a:sym typeface="Courier New"/>
+              </a:rPr>
+              <a:t>(</a:t>
+            </a:r>
+            <a:r>
+              <a:rPr lang="en" sz="1500" b="1" i="0" u="none" strike="noStrike" cap="none" dirty="0" err="1">
+                <a:solidFill>
+                  <a:srgbClr val="FF40FF"/>
+                </a:solidFill>
+                <a:latin typeface="Courier"/>
+                <a:ea typeface="Courier New"/>
+                <a:cs typeface="Courier"/>
+                <a:sym typeface="Courier New"/>
+              </a:rPr>
+              <a:t>PartyAnimal</a:t>
+            </a:r>
+            <a:r>
+              <a:rPr lang="en" sz="1500" b="1" i="0" u="none" strike="noStrike" cap="none" dirty="0">
+                <a:solidFill>
+                  <a:srgbClr val="FF40FF"/>
+                </a:solidFill>
+                <a:latin typeface="Courier"/>
+                <a:ea typeface="Courier New"/>
+                <a:cs typeface="Courier"/>
+                <a:sym typeface="Courier New"/>
+              </a:rPr>
+              <a:t>):</a:t>
+            </a:r>
+          </a:p>
+          <a:p>
+            <a:pPr marL="0" marR="0" lvl="0" indent="0" algn="l" rtl="0">
+              <a:lnSpc>
+                <a:spcPct val="100000"/>
+              </a:lnSpc>
+              <a:spcBef>
+                <a:spcPts val="0"/>
+              </a:spcBef>
+              <a:spcAft>
+                <a:spcPts val="0"/>
+              </a:spcAft>
+              <a:buClr>
+                <a:srgbClr val="FF40FF"/>
+              </a:buClr>
+              <a:buSzPct val="25000"/>
+              <a:buFont typeface="Cabin"/>
+              <a:buNone/>
+            </a:pPr>
+            <a:endParaRPr lang="en" sz="1500" b="1" i="0" u="none" strike="noStrike" cap="none" dirty="0">
+              <a:solidFill>
+                <a:srgbClr val="FF40FF"/>
+              </a:solidFill>
+              <a:latin typeface="Courier"/>
+              <a:ea typeface="Courier New"/>
+              <a:cs typeface="Courier"/>
+              <a:sym typeface="Courier New"/>
+            </a:endParaRPr>
+          </a:p>
+          <a:p>
+            <a:pPr marL="0" marR="0" lvl="0" indent="0" algn="l" rtl="0">
+              <a:lnSpc>
+                <a:spcPct val="100000"/>
+              </a:lnSpc>
+              <a:spcBef>
+                <a:spcPts val="0"/>
+              </a:spcBef>
+              <a:spcAft>
+                <a:spcPts val="0"/>
+              </a:spcAft>
+              <a:buClr>
+                <a:srgbClr val="00F900"/>
+              </a:buClr>
+              <a:buSzPct val="25000"/>
+              <a:buFont typeface="Cabin"/>
+              <a:buNone/>
+            </a:pPr>
+            <a:r>
+              <a:rPr lang="en-US" sz="1500" b="1" i="0" u="none" strike="noStrike" cap="none" dirty="0">
+                <a:solidFill>
+                  <a:srgbClr val="00F900"/>
+                </a:solidFill>
+                <a:latin typeface="Courier"/>
+                <a:ea typeface="Courier New"/>
+                <a:cs typeface="Courier"/>
+                <a:sym typeface="Courier New"/>
+              </a:rPr>
+              <a:t>   def __</a:t>
+            </a:r>
+            <a:r>
+              <a:rPr lang="en-US" sz="1500" b="1" i="0" u="none" strike="noStrike" cap="none" dirty="0" err="1">
+                <a:solidFill>
+                  <a:srgbClr val="00F900"/>
+                </a:solidFill>
+                <a:latin typeface="Courier"/>
+                <a:ea typeface="Courier New"/>
+                <a:cs typeface="Courier"/>
+                <a:sym typeface="Courier New"/>
+              </a:rPr>
+              <a:t>init</a:t>
+            </a:r>
+            <a:r>
+              <a:rPr lang="en-US" sz="1500" b="1" i="0" u="none" strike="noStrike" cap="none" dirty="0">
+                <a:solidFill>
+                  <a:srgbClr val="00F900"/>
+                </a:solidFill>
+                <a:latin typeface="Courier"/>
+                <a:ea typeface="Courier New"/>
+                <a:cs typeface="Courier"/>
+                <a:sym typeface="Courier New"/>
+              </a:rPr>
+              <a:t>__(self, </a:t>
+            </a:r>
+            <a:r>
+              <a:rPr lang="en-US" sz="1500" b="1" i="0" u="none" strike="noStrike" cap="none" dirty="0" err="1">
+                <a:solidFill>
+                  <a:srgbClr val="00F900"/>
+                </a:solidFill>
+                <a:latin typeface="Courier"/>
+                <a:ea typeface="Courier New"/>
+                <a:cs typeface="Courier"/>
+                <a:sym typeface="Courier New"/>
+              </a:rPr>
+              <a:t>nam</a:t>
+            </a:r>
+            <a:r>
+              <a:rPr lang="en-US" sz="1500" b="1" i="0" u="none" strike="noStrike" cap="none" dirty="0">
+                <a:solidFill>
+                  <a:srgbClr val="00F900"/>
+                </a:solidFill>
+                <a:latin typeface="Courier"/>
+                <a:ea typeface="Courier New"/>
+                <a:cs typeface="Courier"/>
+                <a:sym typeface="Courier New"/>
+              </a:rPr>
+              <a:t>) :</a:t>
+            </a:r>
+          </a:p>
+          <a:p>
+            <a:pPr marL="0" marR="0" lvl="0" indent="0" algn="l" rtl="0">
+              <a:lnSpc>
+                <a:spcPct val="100000"/>
+              </a:lnSpc>
+              <a:spcBef>
+                <a:spcPts val="0"/>
+              </a:spcBef>
+              <a:spcAft>
+                <a:spcPts val="0"/>
+              </a:spcAft>
+              <a:buClr>
+                <a:srgbClr val="00F900"/>
+              </a:buClr>
+              <a:buSzPct val="25000"/>
+              <a:buFont typeface="Cabin"/>
+              <a:buNone/>
+            </a:pPr>
+            <a:r>
+              <a:rPr lang="en-US" sz="1500" b="1" i="0" u="none" strike="noStrike" cap="none" dirty="0">
+                <a:solidFill>
+                  <a:srgbClr val="00F900"/>
+                </a:solidFill>
+                <a:latin typeface="Courier"/>
+                <a:ea typeface="Courier New"/>
+                <a:cs typeface="Courier"/>
+                <a:sym typeface="Courier New"/>
+              </a:rPr>
+              <a:t>       super().__</a:t>
+            </a:r>
+            <a:r>
+              <a:rPr lang="en-US" sz="1500" b="1" i="0" u="none" strike="noStrike" cap="none" dirty="0" err="1">
+                <a:solidFill>
+                  <a:srgbClr val="00F900"/>
+                </a:solidFill>
+                <a:latin typeface="Courier"/>
+                <a:ea typeface="Courier New"/>
+                <a:cs typeface="Courier"/>
+                <a:sym typeface="Courier New"/>
+              </a:rPr>
+              <a:t>init</a:t>
+            </a:r>
+            <a:r>
+              <a:rPr lang="en-US" sz="1500" b="1" i="0" u="none" strike="noStrike" cap="none" dirty="0">
+                <a:solidFill>
+                  <a:srgbClr val="00F900"/>
+                </a:solidFill>
+                <a:latin typeface="Courier"/>
+                <a:ea typeface="Courier New"/>
+                <a:cs typeface="Courier"/>
+                <a:sym typeface="Courier New"/>
+              </a:rPr>
+              <a:t>__(</a:t>
+            </a:r>
+            <a:r>
+              <a:rPr lang="en-US" sz="1500" b="1" i="0" u="none" strike="noStrike" cap="none" dirty="0" err="1">
+                <a:solidFill>
+                  <a:srgbClr val="00F900"/>
+                </a:solidFill>
+                <a:latin typeface="Courier"/>
+                <a:ea typeface="Courier New"/>
+                <a:cs typeface="Courier"/>
+                <a:sym typeface="Courier New"/>
+              </a:rPr>
+              <a:t>nam</a:t>
+            </a:r>
+            <a:r>
+              <a:rPr lang="en-US" sz="1500" b="1" i="0" u="none" strike="noStrike" cap="none" dirty="0">
+                <a:solidFill>
+                  <a:srgbClr val="00F900"/>
+                </a:solidFill>
+                <a:latin typeface="Courier"/>
+                <a:ea typeface="Courier New"/>
+                <a:cs typeface="Courier"/>
+                <a:sym typeface="Courier New"/>
+              </a:rPr>
+              <a:t>)</a:t>
+            </a:r>
+          </a:p>
+          <a:p>
+            <a:pPr marL="0" marR="0" lvl="0" indent="0" algn="l" rtl="0">
+              <a:lnSpc>
+                <a:spcPct val="100000"/>
+              </a:lnSpc>
+              <a:spcBef>
+                <a:spcPts val="0"/>
+              </a:spcBef>
+              <a:spcAft>
+                <a:spcPts val="0"/>
+              </a:spcAft>
+              <a:buClr>
+                <a:srgbClr val="00F900"/>
+              </a:buClr>
+              <a:buSzPct val="25000"/>
+              <a:buFont typeface="Cabin"/>
+              <a:buNone/>
+            </a:pPr>
+            <a:r>
+              <a:rPr lang="en-US" sz="1500" b="1" i="0" u="none" strike="noStrike" cap="none" dirty="0">
+                <a:solidFill>
+                  <a:srgbClr val="00F900"/>
+                </a:solidFill>
+                <a:latin typeface="Courier"/>
+                <a:ea typeface="Courier New"/>
+                <a:cs typeface="Courier"/>
+                <a:sym typeface="Courier New"/>
+              </a:rPr>
+              <a:t>       </a:t>
+            </a:r>
+            <a:r>
+              <a:rPr lang="en-US" sz="1500" b="1" i="0" u="none" strike="noStrike" cap="none" dirty="0" err="1">
+                <a:solidFill>
+                  <a:srgbClr val="00F900"/>
+                </a:solidFill>
+                <a:latin typeface="Courier"/>
+                <a:ea typeface="Courier New"/>
+                <a:cs typeface="Courier"/>
+                <a:sym typeface="Courier New"/>
+              </a:rPr>
+              <a:t>self.points</a:t>
+            </a:r>
+            <a:r>
+              <a:rPr lang="en-US" sz="1500" b="1" i="0" u="none" strike="noStrike" cap="none" dirty="0">
+                <a:solidFill>
+                  <a:srgbClr val="00F900"/>
+                </a:solidFill>
+                <a:latin typeface="Courier"/>
+                <a:ea typeface="Courier New"/>
+                <a:cs typeface="Courier"/>
+                <a:sym typeface="Courier New"/>
+              </a:rPr>
+              <a:t> = 0</a:t>
+            </a:r>
+            <a:endParaRPr lang="en" sz="1500" b="1" dirty="0">
+              <a:solidFill>
+                <a:srgbClr val="00F900"/>
+              </a:solidFill>
+              <a:latin typeface="Courier"/>
+              <a:ea typeface="Courier New"/>
+              <a:cs typeface="Courier"/>
+              <a:sym typeface="Courier New"/>
+            </a:endParaRPr>
+          </a:p>
+          <a:p>
+            <a:pPr marL="0" marR="0" lvl="0" indent="0" algn="l" rtl="0">
+              <a:lnSpc>
+                <a:spcPct val="100000"/>
+              </a:lnSpc>
+              <a:spcBef>
+                <a:spcPts val="0"/>
+              </a:spcBef>
+              <a:spcAft>
+                <a:spcPts val="0"/>
+              </a:spcAft>
+              <a:buClr>
+                <a:srgbClr val="00F900"/>
+              </a:buClr>
+              <a:buSzPct val="25000"/>
+              <a:buFont typeface="Cabin"/>
+              <a:buNone/>
+            </a:pPr>
+            <a:endParaRPr lang="en" sz="1500" b="1" i="0" u="none" strike="noStrike" cap="none" dirty="0">
+              <a:solidFill>
+                <a:srgbClr val="00F900"/>
+              </a:solidFill>
+              <a:latin typeface="Courier"/>
+              <a:ea typeface="Courier New"/>
+              <a:cs typeface="Courier"/>
+              <a:sym typeface="Courier New"/>
+            </a:endParaRPr>
+          </a:p>
+          <a:p>
+            <a:pPr marL="0" marR="0" lvl="0" indent="0" algn="l" rtl="0">
+              <a:lnSpc>
+                <a:spcPct val="100000"/>
+              </a:lnSpc>
+              <a:spcBef>
+                <a:spcPts val="0"/>
+              </a:spcBef>
+              <a:spcAft>
+                <a:spcPts val="0"/>
+              </a:spcAft>
+              <a:buClr>
+                <a:srgbClr val="00F900"/>
+              </a:buClr>
+              <a:buSzPct val="25000"/>
+              <a:buFont typeface="Cabin"/>
+              <a:buNone/>
+            </a:pPr>
+            <a:r>
+              <a:rPr lang="en" sz="1500" b="1" i="0" u="none" strike="noStrike" cap="none" dirty="0">
+                <a:solidFill>
+                  <a:srgbClr val="00F900"/>
+                </a:solidFill>
+                <a:latin typeface="Courier"/>
+                <a:ea typeface="Courier New"/>
+                <a:cs typeface="Courier"/>
+                <a:sym typeface="Courier New"/>
+              </a:rPr>
+              <a:t>   </a:t>
+            </a:r>
+            <a:r>
+              <a:rPr lang="en" sz="1500" b="1" i="0" u="none" strike="noStrike" cap="none" dirty="0" err="1">
+                <a:solidFill>
+                  <a:srgbClr val="00F900"/>
+                </a:solidFill>
+                <a:latin typeface="Courier"/>
+                <a:ea typeface="Courier New"/>
+                <a:cs typeface="Courier"/>
+                <a:sym typeface="Courier New"/>
+              </a:rPr>
+              <a:t>def</a:t>
+            </a:r>
+            <a:r>
+              <a:rPr lang="en" sz="1500" b="1" i="0" u="none" strike="noStrike" cap="none" dirty="0">
+                <a:solidFill>
+                  <a:srgbClr val="00F900"/>
+                </a:solidFill>
+                <a:latin typeface="Courier"/>
+                <a:ea typeface="Courier New"/>
+                <a:cs typeface="Courier"/>
+                <a:sym typeface="Courier New"/>
+              </a:rPr>
+              <a:t> touchdown(self):</a:t>
+            </a:r>
+          </a:p>
+          <a:p>
+            <a:pPr marL="0" marR="0" lvl="0" indent="0" algn="l" rtl="0">
+              <a:lnSpc>
+                <a:spcPct val="100000"/>
+              </a:lnSpc>
+              <a:spcBef>
+                <a:spcPts val="0"/>
+              </a:spcBef>
+              <a:spcAft>
+                <a:spcPts val="0"/>
+              </a:spcAft>
+              <a:buClr>
+                <a:srgbClr val="00F900"/>
+              </a:buClr>
+              <a:buSzPct val="25000"/>
+              <a:buFont typeface="Cabin"/>
+              <a:buNone/>
+            </a:pPr>
+            <a:r>
+              <a:rPr lang="en" sz="1500" b="1" i="0" u="none" strike="noStrike" cap="none" dirty="0">
+                <a:solidFill>
+                  <a:srgbClr val="00F900"/>
+                </a:solidFill>
+                <a:latin typeface="Courier"/>
+                <a:ea typeface="Courier New"/>
+                <a:cs typeface="Courier"/>
+                <a:sym typeface="Courier New"/>
+              </a:rPr>
+              <a:t>      </a:t>
+            </a:r>
+            <a:r>
+              <a:rPr lang="en" sz="1500" b="1" i="0" u="none" strike="noStrike" cap="none" dirty="0" err="1">
+                <a:solidFill>
+                  <a:srgbClr val="00F900"/>
+                </a:solidFill>
+                <a:latin typeface="Courier"/>
+                <a:ea typeface="Courier New"/>
+                <a:cs typeface="Courier"/>
+                <a:sym typeface="Courier New"/>
+              </a:rPr>
+              <a:t>self.points</a:t>
+            </a:r>
+            <a:r>
+              <a:rPr lang="en" sz="1500" b="1" i="0" u="none" strike="noStrike" cap="none" dirty="0">
+                <a:solidFill>
+                  <a:srgbClr val="00F900"/>
+                </a:solidFill>
+                <a:latin typeface="Courier"/>
+                <a:ea typeface="Courier New"/>
+                <a:cs typeface="Courier"/>
+                <a:sym typeface="Courier New"/>
+              </a:rPr>
+              <a:t> = </a:t>
+            </a:r>
+            <a:r>
+              <a:rPr lang="en" sz="1500" b="1" i="0" u="none" strike="noStrike" cap="none" dirty="0" err="1">
+                <a:solidFill>
+                  <a:srgbClr val="00F900"/>
+                </a:solidFill>
+                <a:latin typeface="Courier"/>
+                <a:ea typeface="Courier New"/>
+                <a:cs typeface="Courier"/>
+                <a:sym typeface="Courier New"/>
+              </a:rPr>
+              <a:t>self.points</a:t>
+            </a:r>
+            <a:r>
+              <a:rPr lang="en" sz="1500" b="1" i="0" u="none" strike="noStrike" cap="none" dirty="0">
+                <a:solidFill>
+                  <a:srgbClr val="00F900"/>
+                </a:solidFill>
+                <a:latin typeface="Courier"/>
+                <a:ea typeface="Courier New"/>
+                <a:cs typeface="Courier"/>
+                <a:sym typeface="Courier New"/>
+              </a:rPr>
+              <a:t> + 7</a:t>
+            </a:r>
+          </a:p>
+          <a:p>
+            <a:pPr marL="0" marR="0" lvl="0" indent="0" algn="l" rtl="0">
+              <a:lnSpc>
+                <a:spcPct val="100000"/>
+              </a:lnSpc>
+              <a:spcBef>
+                <a:spcPts val="0"/>
+              </a:spcBef>
+              <a:spcAft>
+                <a:spcPts val="0"/>
+              </a:spcAft>
+              <a:buClr>
+                <a:srgbClr val="00F900"/>
+              </a:buClr>
+              <a:buSzPct val="25000"/>
+              <a:buFont typeface="Cabin"/>
+              <a:buNone/>
+            </a:pPr>
+            <a:r>
+              <a:rPr lang="en" sz="1500" b="1" i="0" u="none" strike="noStrike" cap="none" dirty="0">
+                <a:solidFill>
+                  <a:srgbClr val="00F900"/>
+                </a:solidFill>
+                <a:latin typeface="Courier"/>
+                <a:ea typeface="Courier New"/>
+                <a:cs typeface="Courier"/>
+                <a:sym typeface="Courier New"/>
+              </a:rPr>
+              <a:t>      </a:t>
+            </a:r>
+            <a:r>
+              <a:rPr lang="en" sz="1500" b="1" i="0" u="none" strike="noStrike" cap="none" dirty="0" err="1">
+                <a:solidFill>
+                  <a:srgbClr val="00F900"/>
+                </a:solidFill>
+                <a:latin typeface="Courier"/>
+                <a:ea typeface="Courier New"/>
+                <a:cs typeface="Courier"/>
+                <a:sym typeface="Courier New"/>
+              </a:rPr>
+              <a:t>self.party</a:t>
+            </a:r>
+            <a:r>
+              <a:rPr lang="en" sz="1500" b="1" i="0" u="none" strike="noStrike" cap="none" dirty="0">
+                <a:solidFill>
+                  <a:srgbClr val="00F900"/>
+                </a:solidFill>
+                <a:latin typeface="Courier"/>
+                <a:ea typeface="Courier New"/>
+                <a:cs typeface="Courier"/>
+                <a:sym typeface="Courier New"/>
+              </a:rPr>
+              <a:t>()</a:t>
+            </a:r>
+          </a:p>
+          <a:p>
+            <a:pPr marL="0" marR="0" lvl="0" indent="0" algn="l" rtl="0">
+              <a:lnSpc>
+                <a:spcPct val="100000"/>
+              </a:lnSpc>
+              <a:spcBef>
+                <a:spcPts val="0"/>
+              </a:spcBef>
+              <a:spcAft>
+                <a:spcPts val="0"/>
+              </a:spcAft>
+              <a:buClr>
+                <a:srgbClr val="00F900"/>
+              </a:buClr>
+              <a:buSzPct val="25000"/>
+              <a:buFont typeface="Cabin"/>
+              <a:buNone/>
+            </a:pPr>
+            <a:r>
+              <a:rPr lang="en" sz="1500" b="1" i="0" u="none" strike="noStrike" cap="none" dirty="0">
+                <a:solidFill>
+                  <a:srgbClr val="00F900"/>
+                </a:solidFill>
+                <a:latin typeface="Courier"/>
+                <a:ea typeface="Courier New"/>
+                <a:cs typeface="Courier"/>
+                <a:sym typeface="Courier New"/>
+              </a:rPr>
+              <a:t>      print</a:t>
+            </a:r>
+            <a:r>
+              <a:rPr lang="en-US" sz="1500" b="1" i="0" u="none" strike="noStrike" cap="none" dirty="0">
+                <a:solidFill>
+                  <a:srgbClr val="00F900"/>
+                </a:solidFill>
+                <a:latin typeface="Courier"/>
+                <a:ea typeface="Courier New"/>
+                <a:cs typeface="Courier"/>
+                <a:sym typeface="Courier New"/>
+              </a:rPr>
+              <a:t>(</a:t>
+            </a:r>
+            <a:r>
+              <a:rPr lang="en" sz="1500" b="1" i="0" u="none" strike="noStrike" cap="none" dirty="0">
+                <a:solidFill>
+                  <a:srgbClr val="00F900"/>
+                </a:solidFill>
+                <a:latin typeface="Courier"/>
+                <a:ea typeface="Courier New"/>
+                <a:cs typeface="Courier"/>
+                <a:sym typeface="Courier New"/>
+              </a:rPr>
+              <a:t>self.name,"points",</a:t>
+            </a:r>
+            <a:r>
+              <a:rPr lang="en" sz="1500" b="1" i="0" u="none" strike="noStrike" cap="none" dirty="0" err="1">
+                <a:solidFill>
+                  <a:srgbClr val="00F900"/>
+                </a:solidFill>
+                <a:latin typeface="Courier"/>
+                <a:ea typeface="Courier New"/>
+                <a:cs typeface="Courier"/>
+                <a:sym typeface="Courier New"/>
+              </a:rPr>
+              <a:t>self.points</a:t>
+            </a:r>
+            <a:r>
+              <a:rPr lang="en-US" sz="1500" b="1" i="0" u="none" strike="noStrike" cap="none" dirty="0">
+                <a:solidFill>
+                  <a:srgbClr val="00F900"/>
+                </a:solidFill>
+                <a:latin typeface="Courier"/>
+                <a:ea typeface="Courier New"/>
+                <a:cs typeface="Courier"/>
+                <a:sym typeface="Courier New"/>
+              </a:rPr>
+              <a:t>)</a:t>
+            </a:r>
+            <a:endParaRPr lang="en" sz="1500" b="1" i="0" u="none" strike="noStrike" cap="none" dirty="0">
+              <a:solidFill>
+                <a:srgbClr val="00F900"/>
+              </a:solidFill>
+              <a:latin typeface="Courier"/>
+              <a:ea typeface="Courier New"/>
+              <a:cs typeface="Courier"/>
+              <a:sym typeface="Courier New"/>
             </a:endParaRPr>
           </a:p>
         </p:txBody>
@@ -34791,1097 +35303,6 @@
       </p:grpSpPr>
       <p:sp>
         <p:nvSpPr>
-          <p:cNvPr id="518" name="Shape 518"/>
-          <p:cNvSpPr/>
-          <p:nvPr/>
-        </p:nvSpPr>
-        <p:spPr>
-          <a:xfrm>
-            <a:off x="237698" y="154250"/>
-            <a:ext cx="5352300" cy="4702499"/>
-          </a:xfrm>
-          <a:prstGeom prst="rect">
-            <a:avLst/>
-          </a:prstGeom>
-          <a:noFill/>
-          <a:ln>
-            <a:noFill/>
-          </a:ln>
-        </p:spPr>
-        <p:txBody>
-          <a:bodyPr lIns="21050" tIns="21050" rIns="21050" bIns="21050" anchor="ctr" anchorCtr="0">
-            <a:noAutofit/>
-          </a:bodyPr>
-          <a:lstStyle/>
-          <a:p>
-            <a:pPr marL="0" marR="0" lvl="0" indent="0" algn="l" rtl="0">
-              <a:lnSpc>
-                <a:spcPct val="100000"/>
-              </a:lnSpc>
-              <a:spcBef>
-                <a:spcPts val="0"/>
-              </a:spcBef>
-              <a:spcAft>
-                <a:spcPts val="0"/>
-              </a:spcAft>
-              <a:buClr>
-                <a:srgbClr val="FFFB00"/>
-              </a:buClr>
-              <a:buSzPct val="25000"/>
-              <a:buFont typeface="Cabin"/>
-              <a:buNone/>
-            </a:pPr>
-            <a:r>
-              <a:rPr lang="en" sz="1600" b="1" i="0" u="none" strike="noStrike" cap="none" dirty="0">
-                <a:solidFill>
-                  <a:srgbClr val="FFFB00"/>
-                </a:solidFill>
-                <a:latin typeface="Courier"/>
-                <a:ea typeface="Courier New"/>
-                <a:cs typeface="Courier"/>
-                <a:sym typeface="Courier New"/>
-              </a:rPr>
-              <a:t>class </a:t>
-            </a:r>
-            <a:r>
-              <a:rPr lang="en" sz="1600" b="1" i="0" u="none" strike="noStrike" cap="none" dirty="0" err="1">
-                <a:solidFill>
-                  <a:srgbClr val="FFFB00"/>
-                </a:solidFill>
-                <a:latin typeface="Courier"/>
-                <a:ea typeface="Courier New"/>
-                <a:cs typeface="Courier"/>
-                <a:sym typeface="Courier New"/>
-              </a:rPr>
-              <a:t>PartyAnimal</a:t>
-            </a:r>
-            <a:r>
-              <a:rPr lang="en" sz="1600" b="1" i="0" u="none" strike="noStrike" cap="none" dirty="0">
-                <a:solidFill>
-                  <a:srgbClr val="FFFB00"/>
-                </a:solidFill>
-                <a:latin typeface="Courier"/>
-                <a:ea typeface="Courier New"/>
-                <a:cs typeface="Courier"/>
-                <a:sym typeface="Courier New"/>
-              </a:rPr>
-              <a:t>:</a:t>
-            </a:r>
-          </a:p>
-          <a:p>
-            <a:pPr marL="0" marR="0" lvl="0" indent="0" algn="l" rtl="0">
-              <a:lnSpc>
-                <a:spcPct val="100000"/>
-              </a:lnSpc>
-              <a:spcBef>
-                <a:spcPts val="0"/>
-              </a:spcBef>
-              <a:spcAft>
-                <a:spcPts val="0"/>
-              </a:spcAft>
-              <a:buClr>
-                <a:srgbClr val="FFFB00"/>
-              </a:buClr>
-              <a:buSzPct val="25000"/>
-              <a:buFont typeface="Cabin"/>
-              <a:buNone/>
-            </a:pPr>
-            <a:endParaRPr lang="en" sz="1600" b="1" i="0" u="none" strike="noStrike" cap="none" dirty="0">
-              <a:solidFill>
-                <a:srgbClr val="FFFB00"/>
-              </a:solidFill>
-              <a:latin typeface="Courier"/>
-              <a:ea typeface="Courier New"/>
-              <a:cs typeface="Courier"/>
-              <a:sym typeface="Courier New"/>
-            </a:endParaRPr>
-          </a:p>
-          <a:p>
-            <a:pPr marL="0" marR="0" lvl="0" indent="0" algn="l" rtl="0">
-              <a:lnSpc>
-                <a:spcPct val="100000"/>
-              </a:lnSpc>
-              <a:spcBef>
-                <a:spcPts val="0"/>
-              </a:spcBef>
-              <a:spcAft>
-                <a:spcPts val="0"/>
-              </a:spcAft>
-              <a:buClr>
-                <a:srgbClr val="FFFB00"/>
-              </a:buClr>
-              <a:buSzPct val="25000"/>
-              <a:buFont typeface="Cabin"/>
-              <a:buNone/>
-            </a:pPr>
-            <a:r>
-              <a:rPr lang="en" sz="1600" b="1" i="0" u="none" strike="noStrike" cap="none" dirty="0">
-                <a:solidFill>
-                  <a:srgbClr val="FFFB00"/>
-                </a:solidFill>
-                <a:latin typeface="Courier"/>
-                <a:ea typeface="Courier New"/>
-                <a:cs typeface="Courier"/>
-                <a:sym typeface="Courier New"/>
-              </a:rPr>
-              <a:t>   def __</a:t>
-            </a:r>
-            <a:r>
-              <a:rPr lang="en" sz="1600" b="1" i="0" u="none" strike="noStrike" cap="none" dirty="0" err="1">
-                <a:solidFill>
-                  <a:srgbClr val="FFFB00"/>
-                </a:solidFill>
-                <a:latin typeface="Courier"/>
-                <a:ea typeface="Courier New"/>
-                <a:cs typeface="Courier"/>
-                <a:sym typeface="Courier New"/>
-              </a:rPr>
-              <a:t>init</a:t>
-            </a:r>
-            <a:r>
-              <a:rPr lang="en" sz="1600" b="1" i="0" u="none" strike="noStrike" cap="none" dirty="0">
-                <a:solidFill>
-                  <a:srgbClr val="FFFB00"/>
-                </a:solidFill>
-                <a:latin typeface="Courier"/>
-                <a:ea typeface="Courier New"/>
-                <a:cs typeface="Courier"/>
-                <a:sym typeface="Courier New"/>
-              </a:rPr>
-              <a:t>__(self, </a:t>
-            </a:r>
-            <a:r>
-              <a:rPr lang="en" sz="1600" b="1" i="0" u="none" strike="noStrike" cap="none" dirty="0" err="1">
-                <a:solidFill>
-                  <a:srgbClr val="FFFB00"/>
-                </a:solidFill>
-                <a:latin typeface="Courier"/>
-                <a:ea typeface="Courier New"/>
-                <a:cs typeface="Courier"/>
-                <a:sym typeface="Courier New"/>
-              </a:rPr>
-              <a:t>nam</a:t>
-            </a:r>
-            <a:r>
-              <a:rPr lang="en" sz="1600" b="1" i="0" u="none" strike="noStrike" cap="none" dirty="0">
-                <a:solidFill>
-                  <a:srgbClr val="FFFB00"/>
-                </a:solidFill>
-                <a:latin typeface="Courier"/>
-                <a:ea typeface="Courier New"/>
-                <a:cs typeface="Courier"/>
-                <a:sym typeface="Courier New"/>
-              </a:rPr>
-              <a:t>):</a:t>
-            </a:r>
-          </a:p>
-          <a:p>
-            <a:pPr marL="0" marR="0" lvl="0" indent="0" algn="l" rtl="0">
-              <a:lnSpc>
-                <a:spcPct val="100000"/>
-              </a:lnSpc>
-              <a:spcBef>
-                <a:spcPts val="0"/>
-              </a:spcBef>
-              <a:spcAft>
-                <a:spcPts val="0"/>
-              </a:spcAft>
-              <a:buClr>
-                <a:srgbClr val="FFFB00"/>
-              </a:buClr>
-              <a:buSzPct val="25000"/>
-              <a:buFont typeface="Cabin"/>
-              <a:buNone/>
-            </a:pPr>
-            <a:r>
-              <a:rPr lang="en" sz="1600" b="1" dirty="0">
-                <a:solidFill>
-                  <a:srgbClr val="FFFB00"/>
-                </a:solidFill>
-                <a:latin typeface="Courier"/>
-                <a:ea typeface="Courier New"/>
-                <a:cs typeface="Courier"/>
-                <a:sym typeface="Courier New"/>
-              </a:rPr>
-              <a:t>     </a:t>
-            </a:r>
-            <a:r>
-              <a:rPr lang="en" sz="1600" b="1" dirty="0" err="1">
-                <a:solidFill>
-                  <a:srgbClr val="FFFB00"/>
-                </a:solidFill>
-                <a:latin typeface="Courier"/>
-                <a:ea typeface="Courier New"/>
-                <a:cs typeface="Courier"/>
-                <a:sym typeface="Courier New"/>
-              </a:rPr>
-              <a:t>self.x</a:t>
-            </a:r>
-            <a:r>
-              <a:rPr lang="en" sz="1600" b="1" dirty="0">
-                <a:solidFill>
-                  <a:srgbClr val="FFFB00"/>
-                </a:solidFill>
-                <a:latin typeface="Courier"/>
-                <a:ea typeface="Courier New"/>
-                <a:cs typeface="Courier"/>
-                <a:sym typeface="Courier New"/>
-              </a:rPr>
-              <a:t> = 0</a:t>
-            </a:r>
-            <a:endParaRPr lang="en" sz="1600" b="1" i="0" u="none" strike="noStrike" cap="none" dirty="0">
-              <a:solidFill>
-                <a:srgbClr val="FFFB00"/>
-              </a:solidFill>
-              <a:latin typeface="Courier"/>
-              <a:ea typeface="Courier New"/>
-              <a:cs typeface="Courier"/>
-              <a:sym typeface="Courier New"/>
-            </a:endParaRPr>
-          </a:p>
-          <a:p>
-            <a:pPr marL="0" marR="0" lvl="0" indent="0" algn="l" rtl="0">
-              <a:lnSpc>
-                <a:spcPct val="100000"/>
-              </a:lnSpc>
-              <a:spcBef>
-                <a:spcPts val="0"/>
-              </a:spcBef>
-              <a:spcAft>
-                <a:spcPts val="0"/>
-              </a:spcAft>
-              <a:buClr>
-                <a:srgbClr val="FFFB00"/>
-              </a:buClr>
-              <a:buSzPct val="25000"/>
-              <a:buFont typeface="Cabin"/>
-              <a:buNone/>
-            </a:pPr>
-            <a:r>
-              <a:rPr lang="en" sz="1600" b="1" i="0" u="none" strike="noStrike" cap="none" dirty="0">
-                <a:solidFill>
-                  <a:srgbClr val="FFFB00"/>
-                </a:solidFill>
-                <a:latin typeface="Courier"/>
-                <a:ea typeface="Courier New"/>
-                <a:cs typeface="Courier"/>
-                <a:sym typeface="Courier New"/>
-              </a:rPr>
-              <a:t>     </a:t>
-            </a:r>
-            <a:r>
-              <a:rPr lang="en" sz="1600" b="1" i="0" u="none" strike="noStrike" cap="none" dirty="0" err="1">
-                <a:solidFill>
-                  <a:srgbClr val="FFFB00"/>
-                </a:solidFill>
-                <a:latin typeface="Courier"/>
-                <a:ea typeface="Courier New"/>
-                <a:cs typeface="Courier"/>
-                <a:sym typeface="Courier New"/>
-              </a:rPr>
-              <a:t>self.name</a:t>
-            </a:r>
-            <a:r>
-              <a:rPr lang="en" sz="1600" b="1" i="0" u="none" strike="noStrike" cap="none" dirty="0">
-                <a:solidFill>
-                  <a:srgbClr val="FFFB00"/>
-                </a:solidFill>
-                <a:latin typeface="Courier"/>
-                <a:ea typeface="Courier New"/>
-                <a:cs typeface="Courier"/>
-                <a:sym typeface="Courier New"/>
-              </a:rPr>
-              <a:t> = </a:t>
-            </a:r>
-            <a:r>
-              <a:rPr lang="en" sz="1600" b="1" i="0" u="none" strike="noStrike" cap="none" dirty="0" err="1">
-                <a:solidFill>
-                  <a:srgbClr val="FFFB00"/>
-                </a:solidFill>
-                <a:latin typeface="Courier"/>
-                <a:ea typeface="Courier New"/>
-                <a:cs typeface="Courier"/>
-                <a:sym typeface="Courier New"/>
-              </a:rPr>
-              <a:t>nam</a:t>
-            </a:r>
-            <a:endParaRPr lang="en" sz="1600" b="1" i="0" u="none" strike="noStrike" cap="none" dirty="0">
-              <a:solidFill>
-                <a:srgbClr val="FFFB00"/>
-              </a:solidFill>
-              <a:latin typeface="Courier"/>
-              <a:ea typeface="Courier New"/>
-              <a:cs typeface="Courier"/>
-              <a:sym typeface="Courier New"/>
-            </a:endParaRPr>
-          </a:p>
-          <a:p>
-            <a:pPr marL="0" marR="0" lvl="0" indent="0" algn="l" rtl="0">
-              <a:lnSpc>
-                <a:spcPct val="100000"/>
-              </a:lnSpc>
-              <a:spcBef>
-                <a:spcPts val="0"/>
-              </a:spcBef>
-              <a:spcAft>
-                <a:spcPts val="0"/>
-              </a:spcAft>
-              <a:buClr>
-                <a:srgbClr val="FFFB00"/>
-              </a:buClr>
-              <a:buSzPct val="25000"/>
-              <a:buFont typeface="Cabin"/>
-              <a:buNone/>
-            </a:pPr>
-            <a:r>
-              <a:rPr lang="en" sz="1600" b="1" i="0" u="none" strike="noStrike" cap="none" dirty="0">
-                <a:solidFill>
-                  <a:srgbClr val="FFFB00"/>
-                </a:solidFill>
-                <a:latin typeface="Courier"/>
-                <a:ea typeface="Courier New"/>
-                <a:cs typeface="Courier"/>
-                <a:sym typeface="Courier New"/>
-              </a:rPr>
-              <a:t>     print</a:t>
-            </a:r>
-            <a:r>
-              <a:rPr lang="en-US" sz="1600" b="1" i="0" u="none" strike="noStrike" cap="none" dirty="0">
-                <a:solidFill>
-                  <a:srgbClr val="FFFB00"/>
-                </a:solidFill>
-                <a:latin typeface="Courier"/>
-                <a:ea typeface="Courier New"/>
-                <a:cs typeface="Courier"/>
-                <a:sym typeface="Courier New"/>
-              </a:rPr>
-              <a:t>(</a:t>
-            </a:r>
-            <a:r>
-              <a:rPr lang="en" sz="1600" b="1" i="0" u="none" strike="noStrike" cap="none" dirty="0" err="1">
-                <a:solidFill>
-                  <a:srgbClr val="FFFB00"/>
-                </a:solidFill>
-                <a:latin typeface="Courier"/>
-                <a:ea typeface="Courier New"/>
-                <a:cs typeface="Courier"/>
-                <a:sym typeface="Courier New"/>
-              </a:rPr>
-              <a:t>self.name,"constructed</a:t>
-            </a:r>
-            <a:r>
-              <a:rPr lang="en" sz="1600" b="1" i="0" u="none" strike="noStrike" cap="none" dirty="0">
-                <a:solidFill>
-                  <a:srgbClr val="FFFB00"/>
-                </a:solidFill>
-                <a:latin typeface="Courier"/>
-                <a:ea typeface="Courier New"/>
-                <a:cs typeface="Courier"/>
-                <a:sym typeface="Courier New"/>
-              </a:rPr>
-              <a:t>"</a:t>
-            </a:r>
-            <a:r>
-              <a:rPr lang="en-US" sz="1600" b="1" i="0" u="none" strike="noStrike" cap="none" dirty="0">
-                <a:solidFill>
-                  <a:srgbClr val="FFFB00"/>
-                </a:solidFill>
-                <a:latin typeface="Courier"/>
-                <a:ea typeface="Courier New"/>
-                <a:cs typeface="Courier"/>
-                <a:sym typeface="Courier New"/>
-              </a:rPr>
-              <a:t>)</a:t>
-            </a:r>
-            <a:endParaRPr lang="en" sz="1600" b="1" i="0" u="none" strike="noStrike" cap="none" dirty="0">
-              <a:solidFill>
-                <a:srgbClr val="FFFB00"/>
-              </a:solidFill>
-              <a:latin typeface="Courier"/>
-              <a:ea typeface="Courier New"/>
-              <a:cs typeface="Courier"/>
-              <a:sym typeface="Courier New"/>
-            </a:endParaRPr>
-          </a:p>
-          <a:p>
-            <a:pPr marL="0" marR="0" lvl="0" indent="0" algn="l" rtl="0">
-              <a:lnSpc>
-                <a:spcPct val="100000"/>
-              </a:lnSpc>
-              <a:spcBef>
-                <a:spcPts val="0"/>
-              </a:spcBef>
-              <a:spcAft>
-                <a:spcPts val="0"/>
-              </a:spcAft>
-              <a:buClr>
-                <a:srgbClr val="FFFB00"/>
-              </a:buClr>
-              <a:buFont typeface="Cabin"/>
-              <a:buNone/>
-            </a:pPr>
-            <a:endParaRPr sz="1600" b="1" i="0" u="none" strike="noStrike" cap="none" dirty="0">
-              <a:solidFill>
-                <a:srgbClr val="FFFFFF"/>
-              </a:solidFill>
-              <a:latin typeface="Courier"/>
-              <a:ea typeface="Courier New"/>
-              <a:cs typeface="Courier"/>
-              <a:sym typeface="Courier New"/>
-            </a:endParaRPr>
-          </a:p>
-          <a:p>
-            <a:pPr marL="0" marR="0" lvl="0" indent="0" algn="l" rtl="0">
-              <a:lnSpc>
-                <a:spcPct val="100000"/>
-              </a:lnSpc>
-              <a:spcBef>
-                <a:spcPts val="0"/>
-              </a:spcBef>
-              <a:spcAft>
-                <a:spcPts val="0"/>
-              </a:spcAft>
-              <a:buClr>
-                <a:srgbClr val="FFFB00"/>
-              </a:buClr>
-              <a:buSzPct val="25000"/>
-              <a:buFont typeface="Cabin"/>
-              <a:buNone/>
-            </a:pPr>
-            <a:r>
-              <a:rPr lang="en" sz="1600" b="1" i="0" u="none" strike="noStrike" cap="none" dirty="0">
-                <a:solidFill>
-                  <a:srgbClr val="FFFB00"/>
-                </a:solidFill>
-                <a:latin typeface="Courier"/>
-                <a:ea typeface="Courier New"/>
-                <a:cs typeface="Courier"/>
-                <a:sym typeface="Courier New"/>
-              </a:rPr>
-              <a:t>   </a:t>
-            </a:r>
-            <a:r>
-              <a:rPr lang="en" sz="1600" b="1" i="0" u="none" strike="noStrike" cap="none" dirty="0" err="1">
-                <a:solidFill>
-                  <a:srgbClr val="FFFB00"/>
-                </a:solidFill>
-                <a:latin typeface="Courier"/>
-                <a:ea typeface="Courier New"/>
-                <a:cs typeface="Courier"/>
-                <a:sym typeface="Courier New"/>
-              </a:rPr>
-              <a:t>def</a:t>
-            </a:r>
-            <a:r>
-              <a:rPr lang="en" sz="1600" b="1" i="0" u="none" strike="noStrike" cap="none" dirty="0">
-                <a:solidFill>
-                  <a:srgbClr val="FFFB00"/>
-                </a:solidFill>
-                <a:latin typeface="Courier"/>
-                <a:ea typeface="Courier New"/>
-                <a:cs typeface="Courier"/>
-                <a:sym typeface="Courier New"/>
-              </a:rPr>
-              <a:t> party(self) :</a:t>
-            </a:r>
-          </a:p>
-          <a:p>
-            <a:pPr marL="0" marR="0" lvl="0" indent="0" algn="l" rtl="0">
-              <a:lnSpc>
-                <a:spcPct val="100000"/>
-              </a:lnSpc>
-              <a:spcBef>
-                <a:spcPts val="0"/>
-              </a:spcBef>
-              <a:spcAft>
-                <a:spcPts val="0"/>
-              </a:spcAft>
-              <a:buClr>
-                <a:srgbClr val="FFFB00"/>
-              </a:buClr>
-              <a:buSzPct val="25000"/>
-              <a:buFont typeface="Cabin"/>
-              <a:buNone/>
-            </a:pPr>
-            <a:r>
-              <a:rPr lang="en" sz="1600" b="1" i="0" u="none" strike="noStrike" cap="none" dirty="0">
-                <a:solidFill>
-                  <a:srgbClr val="FFFB00"/>
-                </a:solidFill>
-                <a:latin typeface="Courier"/>
-                <a:ea typeface="Courier New"/>
-                <a:cs typeface="Courier"/>
-                <a:sym typeface="Courier New"/>
-              </a:rPr>
-              <a:t>     </a:t>
-            </a:r>
-            <a:r>
-              <a:rPr lang="en" sz="1600" b="1" i="0" u="none" strike="noStrike" cap="none" dirty="0" err="1">
-                <a:solidFill>
-                  <a:srgbClr val="FFFB00"/>
-                </a:solidFill>
-                <a:latin typeface="Courier"/>
-                <a:ea typeface="Courier New"/>
-                <a:cs typeface="Courier"/>
-                <a:sym typeface="Courier New"/>
-              </a:rPr>
-              <a:t>self.x</a:t>
-            </a:r>
-            <a:r>
-              <a:rPr lang="en" sz="1600" b="1" i="0" u="none" strike="noStrike" cap="none" dirty="0">
-                <a:solidFill>
-                  <a:srgbClr val="FFFB00"/>
-                </a:solidFill>
-                <a:latin typeface="Courier"/>
-                <a:ea typeface="Courier New"/>
-                <a:cs typeface="Courier"/>
-                <a:sym typeface="Courier New"/>
-              </a:rPr>
-              <a:t> = </a:t>
-            </a:r>
-            <a:r>
-              <a:rPr lang="en" sz="1600" b="1" i="0" u="none" strike="noStrike" cap="none" dirty="0" err="1">
-                <a:solidFill>
-                  <a:srgbClr val="FFFB00"/>
-                </a:solidFill>
-                <a:latin typeface="Courier"/>
-                <a:ea typeface="Courier New"/>
-                <a:cs typeface="Courier"/>
-                <a:sym typeface="Courier New"/>
-              </a:rPr>
-              <a:t>self.x</a:t>
-            </a:r>
-            <a:r>
-              <a:rPr lang="en" sz="1600" b="1" i="0" u="none" strike="noStrike" cap="none" dirty="0">
-                <a:solidFill>
-                  <a:srgbClr val="FFFB00"/>
-                </a:solidFill>
-                <a:latin typeface="Courier"/>
-                <a:ea typeface="Courier New"/>
-                <a:cs typeface="Courier"/>
-                <a:sym typeface="Courier New"/>
-              </a:rPr>
-              <a:t> + 1</a:t>
-            </a:r>
-          </a:p>
-          <a:p>
-            <a:pPr marL="0" marR="0" lvl="0" indent="0" algn="l" rtl="0">
-              <a:lnSpc>
-                <a:spcPct val="100000"/>
-              </a:lnSpc>
-              <a:spcBef>
-                <a:spcPts val="0"/>
-              </a:spcBef>
-              <a:spcAft>
-                <a:spcPts val="0"/>
-              </a:spcAft>
-              <a:buClr>
-                <a:srgbClr val="FFFB00"/>
-              </a:buClr>
-              <a:buSzPct val="25000"/>
-              <a:buFont typeface="Cabin"/>
-              <a:buNone/>
-            </a:pPr>
-            <a:r>
-              <a:rPr lang="en" sz="1600" b="1" i="0" u="none" strike="noStrike" cap="none" dirty="0">
-                <a:solidFill>
-                  <a:srgbClr val="FFFB00"/>
-                </a:solidFill>
-                <a:latin typeface="Courier"/>
-                <a:ea typeface="Courier New"/>
-                <a:cs typeface="Courier"/>
-                <a:sym typeface="Courier New"/>
-              </a:rPr>
-              <a:t>     print</a:t>
-            </a:r>
-            <a:r>
-              <a:rPr lang="en-US" sz="1600" b="1" i="0" u="none" strike="noStrike" cap="none" dirty="0">
-                <a:solidFill>
-                  <a:srgbClr val="FFFB00"/>
-                </a:solidFill>
-                <a:latin typeface="Courier"/>
-                <a:ea typeface="Courier New"/>
-                <a:cs typeface="Courier"/>
-                <a:sym typeface="Courier New"/>
-              </a:rPr>
-              <a:t>(</a:t>
-            </a:r>
-            <a:r>
-              <a:rPr lang="en" sz="1600" b="1" i="0" u="none" strike="noStrike" cap="none" dirty="0" err="1">
-                <a:solidFill>
-                  <a:srgbClr val="FFFB00"/>
-                </a:solidFill>
-                <a:latin typeface="Courier"/>
-                <a:ea typeface="Courier New"/>
-                <a:cs typeface="Courier"/>
-                <a:sym typeface="Courier New"/>
-              </a:rPr>
-              <a:t>self.name,"party</a:t>
-            </a:r>
-            <a:r>
-              <a:rPr lang="en" sz="1600" b="1" i="0" u="none" strike="noStrike" cap="none" dirty="0">
-                <a:solidFill>
-                  <a:srgbClr val="FFFB00"/>
-                </a:solidFill>
-                <a:latin typeface="Courier"/>
-                <a:ea typeface="Courier New"/>
-                <a:cs typeface="Courier"/>
-                <a:sym typeface="Courier New"/>
-              </a:rPr>
-              <a:t> count",</a:t>
-            </a:r>
-            <a:r>
-              <a:rPr lang="en" sz="1600" b="1" i="0" u="none" strike="noStrike" cap="none" dirty="0" err="1">
-                <a:solidFill>
-                  <a:srgbClr val="FFFB00"/>
-                </a:solidFill>
-                <a:latin typeface="Courier"/>
-                <a:ea typeface="Courier New"/>
-                <a:cs typeface="Courier"/>
-                <a:sym typeface="Courier New"/>
-              </a:rPr>
-              <a:t>self.x</a:t>
-            </a:r>
-            <a:r>
-              <a:rPr lang="en-US" sz="1600" b="1" i="0" u="none" strike="noStrike" cap="none" dirty="0">
-                <a:solidFill>
-                  <a:srgbClr val="FFFB00"/>
-                </a:solidFill>
-                <a:latin typeface="Courier"/>
-                <a:ea typeface="Courier New"/>
-                <a:cs typeface="Courier"/>
-                <a:sym typeface="Courier New"/>
-              </a:rPr>
-              <a:t>)</a:t>
-            </a:r>
-            <a:endParaRPr lang="en" sz="1600" b="1" i="0" u="none" strike="noStrike" cap="none" dirty="0">
-              <a:solidFill>
-                <a:srgbClr val="FFFB00"/>
-              </a:solidFill>
-              <a:latin typeface="Courier"/>
-              <a:ea typeface="Courier New"/>
-              <a:cs typeface="Courier"/>
-              <a:sym typeface="Courier New"/>
-            </a:endParaRPr>
-          </a:p>
-          <a:p>
-            <a:pPr marL="0" marR="0" lvl="0" indent="0" algn="l" rtl="0">
-              <a:lnSpc>
-                <a:spcPct val="100000"/>
-              </a:lnSpc>
-              <a:spcBef>
-                <a:spcPts val="0"/>
-              </a:spcBef>
-              <a:spcAft>
-                <a:spcPts val="0"/>
-              </a:spcAft>
-              <a:buClr>
-                <a:srgbClr val="FF40FF"/>
-              </a:buClr>
-              <a:buFont typeface="Cabin"/>
-              <a:buNone/>
-            </a:pPr>
-            <a:endParaRPr sz="1600" b="1" i="0" u="none" strike="noStrike" cap="none" dirty="0">
-              <a:solidFill>
-                <a:srgbClr val="FFFFFF"/>
-              </a:solidFill>
-              <a:latin typeface="Courier"/>
-              <a:ea typeface="Courier New"/>
-              <a:cs typeface="Courier"/>
-              <a:sym typeface="Courier New"/>
-            </a:endParaRPr>
-          </a:p>
-          <a:p>
-            <a:pPr marL="0" marR="0" lvl="0" indent="0" algn="l" rtl="0">
-              <a:lnSpc>
-                <a:spcPct val="100000"/>
-              </a:lnSpc>
-              <a:spcBef>
-                <a:spcPts val="0"/>
-              </a:spcBef>
-              <a:spcAft>
-                <a:spcPts val="0"/>
-              </a:spcAft>
-              <a:buClr>
-                <a:srgbClr val="FF40FF"/>
-              </a:buClr>
-              <a:buSzPct val="25000"/>
-              <a:buFont typeface="Cabin"/>
-              <a:buNone/>
-            </a:pPr>
-            <a:r>
-              <a:rPr lang="en" sz="1600" b="1" i="0" u="none" strike="noStrike" cap="none" dirty="0">
-                <a:solidFill>
-                  <a:srgbClr val="FF40FF"/>
-                </a:solidFill>
-                <a:latin typeface="Courier"/>
-                <a:ea typeface="Courier New"/>
-                <a:cs typeface="Courier"/>
-                <a:sym typeface="Courier New"/>
-              </a:rPr>
-              <a:t>class </a:t>
-            </a:r>
-            <a:r>
-              <a:rPr lang="en" sz="1600" b="1" i="0" u="none" strike="noStrike" cap="none" dirty="0" err="1">
-                <a:solidFill>
-                  <a:srgbClr val="FF40FF"/>
-                </a:solidFill>
-                <a:latin typeface="Courier"/>
-                <a:ea typeface="Courier New"/>
-                <a:cs typeface="Courier"/>
-                <a:sym typeface="Courier New"/>
-              </a:rPr>
-              <a:t>FootballFan</a:t>
-            </a:r>
-            <a:r>
-              <a:rPr lang="en" sz="1600" b="1" i="0" u="none" strike="noStrike" cap="none" dirty="0">
-                <a:solidFill>
-                  <a:srgbClr val="FF40FF"/>
-                </a:solidFill>
-                <a:latin typeface="Courier"/>
-                <a:ea typeface="Courier New"/>
-                <a:cs typeface="Courier"/>
-                <a:sym typeface="Courier New"/>
-              </a:rPr>
-              <a:t>(</a:t>
-            </a:r>
-            <a:r>
-              <a:rPr lang="en" sz="1600" b="1" i="0" u="none" strike="noStrike" cap="none" dirty="0" err="1">
-                <a:solidFill>
-                  <a:srgbClr val="FF40FF"/>
-                </a:solidFill>
-                <a:latin typeface="Courier"/>
-                <a:ea typeface="Courier New"/>
-                <a:cs typeface="Courier"/>
-                <a:sym typeface="Courier New"/>
-              </a:rPr>
-              <a:t>PartyAnimal</a:t>
-            </a:r>
-            <a:r>
-              <a:rPr lang="en" sz="1600" b="1" i="0" u="none" strike="noStrike" cap="none" dirty="0">
-                <a:solidFill>
-                  <a:srgbClr val="FF40FF"/>
-                </a:solidFill>
-                <a:latin typeface="Courier"/>
-                <a:ea typeface="Courier New"/>
-                <a:cs typeface="Courier"/>
-                <a:sym typeface="Courier New"/>
-              </a:rPr>
-              <a:t>):</a:t>
-            </a:r>
-          </a:p>
-          <a:p>
-            <a:pPr marL="0" marR="0" lvl="0" indent="0" algn="l" rtl="0">
-              <a:lnSpc>
-                <a:spcPct val="100000"/>
-              </a:lnSpc>
-              <a:spcBef>
-                <a:spcPts val="0"/>
-              </a:spcBef>
-              <a:spcAft>
-                <a:spcPts val="0"/>
-              </a:spcAft>
-              <a:buClr>
-                <a:srgbClr val="00F900"/>
-              </a:buClr>
-              <a:buSzPct val="25000"/>
-              <a:buFont typeface="Cabin"/>
-              <a:buNone/>
-            </a:pPr>
-            <a:r>
-              <a:rPr lang="en" sz="1600" b="1" i="0" u="none" strike="noStrike" cap="none" dirty="0">
-                <a:solidFill>
-                  <a:srgbClr val="00F900"/>
-                </a:solidFill>
-                <a:latin typeface="Courier"/>
-                <a:ea typeface="Courier New"/>
-                <a:cs typeface="Courier"/>
-                <a:sym typeface="Courier New"/>
-              </a:rPr>
-              <a:t>   points = 0</a:t>
-            </a:r>
-          </a:p>
-          <a:p>
-            <a:pPr marL="0" marR="0" lvl="0" indent="0" algn="l" rtl="0">
-              <a:lnSpc>
-                <a:spcPct val="100000"/>
-              </a:lnSpc>
-              <a:spcBef>
-                <a:spcPts val="0"/>
-              </a:spcBef>
-              <a:spcAft>
-                <a:spcPts val="0"/>
-              </a:spcAft>
-              <a:buClr>
-                <a:srgbClr val="00F900"/>
-              </a:buClr>
-              <a:buSzPct val="25000"/>
-              <a:buFont typeface="Cabin"/>
-              <a:buNone/>
-            </a:pPr>
-            <a:r>
-              <a:rPr lang="en" sz="1600" b="1" i="0" u="none" strike="noStrike" cap="none" dirty="0">
-                <a:solidFill>
-                  <a:srgbClr val="00F900"/>
-                </a:solidFill>
-                <a:latin typeface="Courier"/>
-                <a:ea typeface="Courier New"/>
-                <a:cs typeface="Courier"/>
-                <a:sym typeface="Courier New"/>
-              </a:rPr>
-              <a:t>   </a:t>
-            </a:r>
-            <a:r>
-              <a:rPr lang="en" sz="1600" b="1" i="0" u="none" strike="noStrike" cap="none" dirty="0" err="1">
-                <a:solidFill>
-                  <a:srgbClr val="00F900"/>
-                </a:solidFill>
-                <a:latin typeface="Courier"/>
-                <a:ea typeface="Courier New"/>
-                <a:cs typeface="Courier"/>
-                <a:sym typeface="Courier New"/>
-              </a:rPr>
-              <a:t>def</a:t>
-            </a:r>
-            <a:r>
-              <a:rPr lang="en" sz="1600" b="1" i="0" u="none" strike="noStrike" cap="none" dirty="0">
-                <a:solidFill>
-                  <a:srgbClr val="00F900"/>
-                </a:solidFill>
-                <a:latin typeface="Courier"/>
-                <a:ea typeface="Courier New"/>
-                <a:cs typeface="Courier"/>
-                <a:sym typeface="Courier New"/>
-              </a:rPr>
-              <a:t> touchdown(self):</a:t>
-            </a:r>
-          </a:p>
-          <a:p>
-            <a:pPr marL="0" marR="0" lvl="0" indent="0" algn="l" rtl="0">
-              <a:lnSpc>
-                <a:spcPct val="100000"/>
-              </a:lnSpc>
-              <a:spcBef>
-                <a:spcPts val="0"/>
-              </a:spcBef>
-              <a:spcAft>
-                <a:spcPts val="0"/>
-              </a:spcAft>
-              <a:buClr>
-                <a:srgbClr val="00F900"/>
-              </a:buClr>
-              <a:buSzPct val="25000"/>
-              <a:buFont typeface="Cabin"/>
-              <a:buNone/>
-            </a:pPr>
-            <a:r>
-              <a:rPr lang="en" sz="1600" b="1" i="0" u="none" strike="noStrike" cap="none" dirty="0">
-                <a:solidFill>
-                  <a:srgbClr val="00F900"/>
-                </a:solidFill>
-                <a:latin typeface="Courier"/>
-                <a:ea typeface="Courier New"/>
-                <a:cs typeface="Courier"/>
-                <a:sym typeface="Courier New"/>
-              </a:rPr>
-              <a:t>      </a:t>
-            </a:r>
-            <a:r>
-              <a:rPr lang="en" sz="1600" b="1" i="0" u="none" strike="noStrike" cap="none" dirty="0" err="1">
-                <a:solidFill>
-                  <a:srgbClr val="00F900"/>
-                </a:solidFill>
-                <a:latin typeface="Courier"/>
-                <a:ea typeface="Courier New"/>
-                <a:cs typeface="Courier"/>
-                <a:sym typeface="Courier New"/>
-              </a:rPr>
-              <a:t>self.points</a:t>
-            </a:r>
-            <a:r>
-              <a:rPr lang="en" sz="1600" b="1" i="0" u="none" strike="noStrike" cap="none" dirty="0">
-                <a:solidFill>
-                  <a:srgbClr val="00F900"/>
-                </a:solidFill>
-                <a:latin typeface="Courier"/>
-                <a:ea typeface="Courier New"/>
-                <a:cs typeface="Courier"/>
-                <a:sym typeface="Courier New"/>
-              </a:rPr>
-              <a:t> = </a:t>
-            </a:r>
-            <a:r>
-              <a:rPr lang="en" sz="1600" b="1" i="0" u="none" strike="noStrike" cap="none" dirty="0" err="1">
-                <a:solidFill>
-                  <a:srgbClr val="00F900"/>
-                </a:solidFill>
-                <a:latin typeface="Courier"/>
-                <a:ea typeface="Courier New"/>
-                <a:cs typeface="Courier"/>
-                <a:sym typeface="Courier New"/>
-              </a:rPr>
-              <a:t>self.points</a:t>
-            </a:r>
-            <a:r>
-              <a:rPr lang="en" sz="1600" b="1" i="0" u="none" strike="noStrike" cap="none" dirty="0">
-                <a:solidFill>
-                  <a:srgbClr val="00F900"/>
-                </a:solidFill>
-                <a:latin typeface="Courier"/>
-                <a:ea typeface="Courier New"/>
-                <a:cs typeface="Courier"/>
-                <a:sym typeface="Courier New"/>
-              </a:rPr>
-              <a:t> + 7</a:t>
-            </a:r>
-          </a:p>
-          <a:p>
-            <a:pPr marL="0" marR="0" lvl="0" indent="0" algn="l" rtl="0">
-              <a:lnSpc>
-                <a:spcPct val="100000"/>
-              </a:lnSpc>
-              <a:spcBef>
-                <a:spcPts val="0"/>
-              </a:spcBef>
-              <a:spcAft>
-                <a:spcPts val="0"/>
-              </a:spcAft>
-              <a:buClr>
-                <a:srgbClr val="00F900"/>
-              </a:buClr>
-              <a:buSzPct val="25000"/>
-              <a:buFont typeface="Cabin"/>
-              <a:buNone/>
-            </a:pPr>
-            <a:r>
-              <a:rPr lang="en" sz="1600" b="1" i="0" u="none" strike="noStrike" cap="none" dirty="0">
-                <a:solidFill>
-                  <a:srgbClr val="00F900"/>
-                </a:solidFill>
-                <a:latin typeface="Courier"/>
-                <a:ea typeface="Courier New"/>
-                <a:cs typeface="Courier"/>
-                <a:sym typeface="Courier New"/>
-              </a:rPr>
-              <a:t>      </a:t>
-            </a:r>
-            <a:r>
-              <a:rPr lang="en" sz="1600" b="1" i="0" u="none" strike="noStrike" cap="none" dirty="0" err="1">
-                <a:solidFill>
-                  <a:srgbClr val="00F900"/>
-                </a:solidFill>
-                <a:latin typeface="Courier"/>
-                <a:ea typeface="Courier New"/>
-                <a:cs typeface="Courier"/>
-                <a:sym typeface="Courier New"/>
-              </a:rPr>
-              <a:t>self.party</a:t>
-            </a:r>
-            <a:r>
-              <a:rPr lang="en" sz="1600" b="1" i="0" u="none" strike="noStrike" cap="none" dirty="0">
-                <a:solidFill>
-                  <a:srgbClr val="00F900"/>
-                </a:solidFill>
-                <a:latin typeface="Courier"/>
-                <a:ea typeface="Courier New"/>
-                <a:cs typeface="Courier"/>
-                <a:sym typeface="Courier New"/>
-              </a:rPr>
-              <a:t>()</a:t>
-            </a:r>
-          </a:p>
-          <a:p>
-            <a:pPr marL="0" marR="0" lvl="0" indent="0" algn="l" rtl="0">
-              <a:lnSpc>
-                <a:spcPct val="100000"/>
-              </a:lnSpc>
-              <a:spcBef>
-                <a:spcPts val="0"/>
-              </a:spcBef>
-              <a:spcAft>
-                <a:spcPts val="0"/>
-              </a:spcAft>
-              <a:buClr>
-                <a:srgbClr val="00F900"/>
-              </a:buClr>
-              <a:buSzPct val="25000"/>
-              <a:buFont typeface="Cabin"/>
-              <a:buNone/>
-            </a:pPr>
-            <a:r>
-              <a:rPr lang="en" sz="1600" b="1" i="0" u="none" strike="noStrike" cap="none" dirty="0">
-                <a:solidFill>
-                  <a:srgbClr val="00F900"/>
-                </a:solidFill>
-                <a:latin typeface="Courier"/>
-                <a:ea typeface="Courier New"/>
-                <a:cs typeface="Courier"/>
-                <a:sym typeface="Courier New"/>
-              </a:rPr>
-              <a:t>      print</a:t>
-            </a:r>
-            <a:r>
-              <a:rPr lang="en-US" sz="1600" b="1" i="0" u="none" strike="noStrike" cap="none" dirty="0">
-                <a:solidFill>
-                  <a:srgbClr val="00F900"/>
-                </a:solidFill>
-                <a:latin typeface="Courier"/>
-                <a:ea typeface="Courier New"/>
-                <a:cs typeface="Courier"/>
-                <a:sym typeface="Courier New"/>
-              </a:rPr>
-              <a:t>(</a:t>
-            </a:r>
-            <a:r>
-              <a:rPr lang="en" sz="1600" b="1" i="0" u="none" strike="noStrike" cap="none" dirty="0">
-                <a:solidFill>
-                  <a:srgbClr val="00F900"/>
-                </a:solidFill>
-                <a:latin typeface="Courier"/>
-                <a:ea typeface="Courier New"/>
-                <a:cs typeface="Courier"/>
-                <a:sym typeface="Courier New"/>
-              </a:rPr>
-              <a:t>self.name,"points",</a:t>
-            </a:r>
-            <a:r>
-              <a:rPr lang="en" sz="1600" b="1" i="0" u="none" strike="noStrike" cap="none" dirty="0" err="1">
-                <a:solidFill>
-                  <a:srgbClr val="00F900"/>
-                </a:solidFill>
-                <a:latin typeface="Courier"/>
-                <a:ea typeface="Courier New"/>
-                <a:cs typeface="Courier"/>
-                <a:sym typeface="Courier New"/>
-              </a:rPr>
-              <a:t>self.points</a:t>
-            </a:r>
-            <a:r>
-              <a:rPr lang="en-US" sz="1600" b="1" i="0" u="none" strike="noStrike" cap="none" dirty="0">
-                <a:solidFill>
-                  <a:srgbClr val="00F900"/>
-                </a:solidFill>
-                <a:latin typeface="Courier"/>
-                <a:ea typeface="Courier New"/>
-                <a:cs typeface="Courier"/>
-                <a:sym typeface="Courier New"/>
-              </a:rPr>
-              <a:t>)</a:t>
-            </a:r>
-            <a:endParaRPr lang="en" sz="1600" b="1" i="0" u="none" strike="noStrike" cap="none" dirty="0">
-              <a:solidFill>
-                <a:srgbClr val="00F900"/>
-              </a:solidFill>
-              <a:latin typeface="Courier"/>
-              <a:ea typeface="Courier New"/>
-              <a:cs typeface="Courier"/>
-              <a:sym typeface="Courier New"/>
-            </a:endParaRPr>
-          </a:p>
-        </p:txBody>
-      </p:sp>
-      <p:sp>
-        <p:nvSpPr>
           <p:cNvPr id="519" name="Shape 519"/>
           <p:cNvSpPr/>
           <p:nvPr/>
@@ -36502,6 +35923,1353 @@
               </a:solidFill>
               <a:latin typeface="Courier New" panose="02070309020205020404" pitchFamily="49" charset="0"/>
               <a:cs typeface="Courier New" panose="02070309020205020404" pitchFamily="49" charset="0"/>
+            </a:endParaRPr>
+          </a:p>
+        </p:txBody>
+      </p:sp>
+      <p:sp>
+        <p:nvSpPr>
+          <p:cNvPr id="2" name="Shape 518">
+            <a:extLst>
+              <a:ext uri="{FF2B5EF4-FFF2-40B4-BE49-F238E27FC236}">
+                <a16:creationId xmlns:a16="http://schemas.microsoft.com/office/drawing/2014/main" id="{CC72AEC2-767A-24A6-C3A7-D09A8CF12CAF}"/>
+              </a:ext>
+            </a:extLst>
+          </p:cNvPr>
+          <p:cNvSpPr/>
+          <p:nvPr/>
+        </p:nvSpPr>
+        <p:spPr>
+          <a:xfrm>
+            <a:off x="237698" y="154250"/>
+            <a:ext cx="5352300" cy="4702499"/>
+          </a:xfrm>
+          <a:prstGeom prst="rect">
+            <a:avLst/>
+          </a:prstGeom>
+          <a:noFill/>
+          <a:ln>
+            <a:noFill/>
+          </a:ln>
+        </p:spPr>
+        <p:txBody>
+          <a:bodyPr lIns="21050" tIns="21050" rIns="21050" bIns="21050" anchor="ctr" anchorCtr="0">
+            <a:noAutofit/>
+          </a:bodyPr>
+          <a:lstStyle/>
+          <a:p>
+            <a:pPr marL="0" marR="0" lvl="0" indent="0" algn="l" rtl="0">
+              <a:lnSpc>
+                <a:spcPct val="100000"/>
+              </a:lnSpc>
+              <a:spcBef>
+                <a:spcPts val="0"/>
+              </a:spcBef>
+              <a:spcAft>
+                <a:spcPts val="0"/>
+              </a:spcAft>
+              <a:buClr>
+                <a:srgbClr val="FFFB00"/>
+              </a:buClr>
+              <a:buSzPct val="25000"/>
+              <a:buFont typeface="Cabin"/>
+              <a:buNone/>
+            </a:pPr>
+            <a:r>
+              <a:rPr lang="en" sz="1500" b="1" i="0" u="none" strike="noStrike" cap="none" dirty="0">
+                <a:solidFill>
+                  <a:srgbClr val="FFFB00"/>
+                </a:solidFill>
+                <a:latin typeface="Courier"/>
+                <a:ea typeface="Courier New"/>
+                <a:cs typeface="Courier"/>
+                <a:sym typeface="Courier New"/>
+              </a:rPr>
+              <a:t>class </a:t>
+            </a:r>
+            <a:r>
+              <a:rPr lang="en" sz="1500" b="1" i="0" u="none" strike="noStrike" cap="none" dirty="0" err="1">
+                <a:solidFill>
+                  <a:srgbClr val="FFFB00"/>
+                </a:solidFill>
+                <a:latin typeface="Courier"/>
+                <a:ea typeface="Courier New"/>
+                <a:cs typeface="Courier"/>
+                <a:sym typeface="Courier New"/>
+              </a:rPr>
+              <a:t>PartyAnimal</a:t>
+            </a:r>
+            <a:r>
+              <a:rPr lang="en" sz="1500" b="1" i="0" u="none" strike="noStrike" cap="none" dirty="0">
+                <a:solidFill>
+                  <a:srgbClr val="FFFB00"/>
+                </a:solidFill>
+                <a:latin typeface="Courier"/>
+                <a:ea typeface="Courier New"/>
+                <a:cs typeface="Courier"/>
+                <a:sym typeface="Courier New"/>
+              </a:rPr>
+              <a:t>:</a:t>
+            </a:r>
+          </a:p>
+          <a:p>
+            <a:pPr marL="0" marR="0" lvl="0" indent="0" algn="l" rtl="0">
+              <a:lnSpc>
+                <a:spcPct val="100000"/>
+              </a:lnSpc>
+              <a:spcBef>
+                <a:spcPts val="0"/>
+              </a:spcBef>
+              <a:spcAft>
+                <a:spcPts val="0"/>
+              </a:spcAft>
+              <a:buClr>
+                <a:srgbClr val="FFFB00"/>
+              </a:buClr>
+              <a:buSzPct val="25000"/>
+              <a:buFont typeface="Cabin"/>
+              <a:buNone/>
+            </a:pPr>
+            <a:r>
+              <a:rPr lang="en" sz="1500" b="1" i="0" u="none" strike="noStrike" cap="none" dirty="0">
+                <a:solidFill>
+                  <a:srgbClr val="FFFB00"/>
+                </a:solidFill>
+                <a:latin typeface="Courier"/>
+                <a:ea typeface="Courier New"/>
+                <a:cs typeface="Courier"/>
+                <a:sym typeface="Courier New"/>
+              </a:rPr>
+              <a:t>  </a:t>
+            </a:r>
+          </a:p>
+          <a:p>
+            <a:pPr marL="0" marR="0" lvl="0" indent="0" algn="l" rtl="0">
+              <a:lnSpc>
+                <a:spcPct val="100000"/>
+              </a:lnSpc>
+              <a:spcBef>
+                <a:spcPts val="0"/>
+              </a:spcBef>
+              <a:spcAft>
+                <a:spcPts val="0"/>
+              </a:spcAft>
+              <a:buClr>
+                <a:srgbClr val="FFFB00"/>
+              </a:buClr>
+              <a:buSzPct val="25000"/>
+              <a:buFont typeface="Cabin"/>
+              <a:buNone/>
+            </a:pPr>
+            <a:r>
+              <a:rPr lang="en" sz="1500" b="1" i="0" u="none" strike="noStrike" cap="none" dirty="0">
+                <a:solidFill>
+                  <a:srgbClr val="FFFB00"/>
+                </a:solidFill>
+                <a:latin typeface="Courier"/>
+                <a:ea typeface="Courier New"/>
+                <a:cs typeface="Courier"/>
+                <a:sym typeface="Courier New"/>
+              </a:rPr>
+              <a:t>   def __</a:t>
+            </a:r>
+            <a:r>
+              <a:rPr lang="en" sz="1500" b="1" i="0" u="none" strike="noStrike" cap="none" dirty="0" err="1">
+                <a:solidFill>
+                  <a:srgbClr val="FFFB00"/>
+                </a:solidFill>
+                <a:latin typeface="Courier"/>
+                <a:ea typeface="Courier New"/>
+                <a:cs typeface="Courier"/>
+                <a:sym typeface="Courier New"/>
+              </a:rPr>
+              <a:t>init</a:t>
+            </a:r>
+            <a:r>
+              <a:rPr lang="en" sz="1500" b="1" i="0" u="none" strike="noStrike" cap="none" dirty="0">
+                <a:solidFill>
+                  <a:srgbClr val="FFFB00"/>
+                </a:solidFill>
+                <a:latin typeface="Courier"/>
+                <a:ea typeface="Courier New"/>
+                <a:cs typeface="Courier"/>
+                <a:sym typeface="Courier New"/>
+              </a:rPr>
+              <a:t>__(self, </a:t>
+            </a:r>
+            <a:r>
+              <a:rPr lang="en" sz="1500" b="1" i="0" u="none" strike="noStrike" cap="none" dirty="0" err="1">
+                <a:solidFill>
+                  <a:srgbClr val="FFFB00"/>
+                </a:solidFill>
+                <a:latin typeface="Courier"/>
+                <a:ea typeface="Courier New"/>
+                <a:cs typeface="Courier"/>
+                <a:sym typeface="Courier New"/>
+              </a:rPr>
+              <a:t>nam</a:t>
+            </a:r>
+            <a:r>
+              <a:rPr lang="en" sz="1500" b="1" i="0" u="none" strike="noStrike" cap="none" dirty="0">
+                <a:solidFill>
+                  <a:srgbClr val="FFFB00"/>
+                </a:solidFill>
+                <a:latin typeface="Courier"/>
+                <a:ea typeface="Courier New"/>
+                <a:cs typeface="Courier"/>
+                <a:sym typeface="Courier New"/>
+              </a:rPr>
+              <a:t>):</a:t>
+            </a:r>
+          </a:p>
+          <a:p>
+            <a:pPr marL="0" marR="0" lvl="0" indent="0" algn="l" rtl="0">
+              <a:lnSpc>
+                <a:spcPct val="100000"/>
+              </a:lnSpc>
+              <a:spcBef>
+                <a:spcPts val="0"/>
+              </a:spcBef>
+              <a:spcAft>
+                <a:spcPts val="0"/>
+              </a:spcAft>
+              <a:buClr>
+                <a:srgbClr val="FFFB00"/>
+              </a:buClr>
+              <a:buSzPct val="25000"/>
+              <a:buFont typeface="Cabin"/>
+              <a:buNone/>
+            </a:pPr>
+            <a:r>
+              <a:rPr lang="en" sz="1500" b="1" dirty="0">
+                <a:solidFill>
+                  <a:srgbClr val="FFFB00"/>
+                </a:solidFill>
+                <a:latin typeface="Courier"/>
+                <a:ea typeface="Courier New"/>
+                <a:cs typeface="Courier"/>
+                <a:sym typeface="Courier New"/>
+              </a:rPr>
+              <a:t>     </a:t>
+            </a:r>
+            <a:r>
+              <a:rPr lang="en" sz="1500" b="1" dirty="0" err="1">
+                <a:solidFill>
+                  <a:srgbClr val="FFFB00"/>
+                </a:solidFill>
+                <a:latin typeface="Courier"/>
+                <a:ea typeface="Courier New"/>
+                <a:cs typeface="Courier"/>
+                <a:sym typeface="Courier New"/>
+              </a:rPr>
+              <a:t>self.x</a:t>
+            </a:r>
+            <a:r>
+              <a:rPr lang="en" sz="1500" b="1" dirty="0">
+                <a:solidFill>
+                  <a:srgbClr val="FFFB00"/>
+                </a:solidFill>
+                <a:latin typeface="Courier"/>
+                <a:ea typeface="Courier New"/>
+                <a:cs typeface="Courier"/>
+                <a:sym typeface="Courier New"/>
+              </a:rPr>
+              <a:t> = 0</a:t>
+            </a:r>
+            <a:endParaRPr lang="en" sz="1500" b="1" i="0" u="none" strike="noStrike" cap="none" dirty="0">
+              <a:solidFill>
+                <a:srgbClr val="FFFB00"/>
+              </a:solidFill>
+              <a:latin typeface="Courier"/>
+              <a:ea typeface="Courier New"/>
+              <a:cs typeface="Courier"/>
+              <a:sym typeface="Courier New"/>
+            </a:endParaRPr>
+          </a:p>
+          <a:p>
+            <a:pPr marL="0" marR="0" lvl="0" indent="0" algn="l" rtl="0">
+              <a:lnSpc>
+                <a:spcPct val="100000"/>
+              </a:lnSpc>
+              <a:spcBef>
+                <a:spcPts val="0"/>
+              </a:spcBef>
+              <a:spcAft>
+                <a:spcPts val="0"/>
+              </a:spcAft>
+              <a:buClr>
+                <a:srgbClr val="FFFB00"/>
+              </a:buClr>
+              <a:buSzPct val="25000"/>
+              <a:buFont typeface="Cabin"/>
+              <a:buNone/>
+            </a:pPr>
+            <a:r>
+              <a:rPr lang="en" sz="1500" b="1" i="0" u="none" strike="noStrike" cap="none" dirty="0">
+                <a:solidFill>
+                  <a:srgbClr val="FFFB00"/>
+                </a:solidFill>
+                <a:latin typeface="Courier"/>
+                <a:ea typeface="Courier New"/>
+                <a:cs typeface="Courier"/>
+                <a:sym typeface="Courier New"/>
+              </a:rPr>
+              <a:t>     </a:t>
+            </a:r>
+            <a:r>
+              <a:rPr lang="en" sz="1500" b="1" i="0" u="none" strike="noStrike" cap="none" dirty="0" err="1">
+                <a:solidFill>
+                  <a:srgbClr val="FFFB00"/>
+                </a:solidFill>
+                <a:latin typeface="Courier"/>
+                <a:ea typeface="Courier New"/>
+                <a:cs typeface="Courier"/>
+                <a:sym typeface="Courier New"/>
+              </a:rPr>
+              <a:t>self.name</a:t>
+            </a:r>
+            <a:r>
+              <a:rPr lang="en" sz="1500" b="1" i="0" u="none" strike="noStrike" cap="none" dirty="0">
+                <a:solidFill>
+                  <a:srgbClr val="FFFB00"/>
+                </a:solidFill>
+                <a:latin typeface="Courier"/>
+                <a:ea typeface="Courier New"/>
+                <a:cs typeface="Courier"/>
+                <a:sym typeface="Courier New"/>
+              </a:rPr>
+              <a:t> = </a:t>
+            </a:r>
+            <a:r>
+              <a:rPr lang="en" sz="1500" b="1" i="0" u="none" strike="noStrike" cap="none" dirty="0" err="1">
+                <a:solidFill>
+                  <a:srgbClr val="FFFB00"/>
+                </a:solidFill>
+                <a:latin typeface="Courier"/>
+                <a:ea typeface="Courier New"/>
+                <a:cs typeface="Courier"/>
+                <a:sym typeface="Courier New"/>
+              </a:rPr>
+              <a:t>nam</a:t>
+            </a:r>
+            <a:endParaRPr lang="en" sz="1500" b="1" i="0" u="none" strike="noStrike" cap="none" dirty="0">
+              <a:solidFill>
+                <a:srgbClr val="FFFB00"/>
+              </a:solidFill>
+              <a:latin typeface="Courier"/>
+              <a:ea typeface="Courier New"/>
+              <a:cs typeface="Courier"/>
+              <a:sym typeface="Courier New"/>
+            </a:endParaRPr>
+          </a:p>
+          <a:p>
+            <a:pPr marL="0" marR="0" lvl="0" indent="0" algn="l" rtl="0">
+              <a:lnSpc>
+                <a:spcPct val="100000"/>
+              </a:lnSpc>
+              <a:spcBef>
+                <a:spcPts val="0"/>
+              </a:spcBef>
+              <a:spcAft>
+                <a:spcPts val="0"/>
+              </a:spcAft>
+              <a:buClr>
+                <a:srgbClr val="FFFB00"/>
+              </a:buClr>
+              <a:buSzPct val="25000"/>
+              <a:buFont typeface="Cabin"/>
+              <a:buNone/>
+            </a:pPr>
+            <a:r>
+              <a:rPr lang="en" sz="1500" b="1" i="0" u="none" strike="noStrike" cap="none" dirty="0">
+                <a:solidFill>
+                  <a:srgbClr val="FFFB00"/>
+                </a:solidFill>
+                <a:latin typeface="Courier"/>
+                <a:ea typeface="Courier New"/>
+                <a:cs typeface="Courier"/>
+                <a:sym typeface="Courier New"/>
+              </a:rPr>
+              <a:t>     print</a:t>
+            </a:r>
+            <a:r>
+              <a:rPr lang="en-US" sz="1500" b="1" i="0" u="none" strike="noStrike" cap="none" dirty="0">
+                <a:solidFill>
+                  <a:srgbClr val="FFFB00"/>
+                </a:solidFill>
+                <a:latin typeface="Courier"/>
+                <a:ea typeface="Courier New"/>
+                <a:cs typeface="Courier"/>
+                <a:sym typeface="Courier New"/>
+              </a:rPr>
+              <a:t>(</a:t>
+            </a:r>
+            <a:r>
+              <a:rPr lang="en" sz="1500" b="1" i="0" u="none" strike="noStrike" cap="none" dirty="0" err="1">
+                <a:solidFill>
+                  <a:srgbClr val="FFFB00"/>
+                </a:solidFill>
+                <a:latin typeface="Courier"/>
+                <a:ea typeface="Courier New"/>
+                <a:cs typeface="Courier"/>
+                <a:sym typeface="Courier New"/>
+              </a:rPr>
+              <a:t>self.name,"constructed</a:t>
+            </a:r>
+            <a:r>
+              <a:rPr lang="en" sz="1500" b="1" i="0" u="none" strike="noStrike" cap="none" dirty="0">
+                <a:solidFill>
+                  <a:srgbClr val="FFFB00"/>
+                </a:solidFill>
+                <a:latin typeface="Courier"/>
+                <a:ea typeface="Courier New"/>
+                <a:cs typeface="Courier"/>
+                <a:sym typeface="Courier New"/>
+              </a:rPr>
+              <a:t>"</a:t>
+            </a:r>
+            <a:r>
+              <a:rPr lang="en-US" sz="1500" b="1" i="0" u="none" strike="noStrike" cap="none" dirty="0">
+                <a:solidFill>
+                  <a:srgbClr val="FFFB00"/>
+                </a:solidFill>
+                <a:latin typeface="Courier"/>
+                <a:ea typeface="Courier New"/>
+                <a:cs typeface="Courier"/>
+                <a:sym typeface="Courier New"/>
+              </a:rPr>
+              <a:t>)</a:t>
+            </a:r>
+            <a:endParaRPr lang="en" sz="1500" b="1" i="0" u="none" strike="noStrike" cap="none" dirty="0">
+              <a:solidFill>
+                <a:srgbClr val="FFFB00"/>
+              </a:solidFill>
+              <a:latin typeface="Courier"/>
+              <a:ea typeface="Courier New"/>
+              <a:cs typeface="Courier"/>
+              <a:sym typeface="Courier New"/>
+            </a:endParaRPr>
+          </a:p>
+          <a:p>
+            <a:pPr marL="0" marR="0" lvl="0" indent="0" algn="l" rtl="0">
+              <a:lnSpc>
+                <a:spcPct val="100000"/>
+              </a:lnSpc>
+              <a:spcBef>
+                <a:spcPts val="0"/>
+              </a:spcBef>
+              <a:spcAft>
+                <a:spcPts val="0"/>
+              </a:spcAft>
+              <a:buClr>
+                <a:srgbClr val="FFFB00"/>
+              </a:buClr>
+              <a:buFont typeface="Cabin"/>
+              <a:buNone/>
+            </a:pPr>
+            <a:endParaRPr sz="1500" b="1" i="0" u="none" strike="noStrike" cap="none" dirty="0">
+              <a:solidFill>
+                <a:srgbClr val="FFFFFF"/>
+              </a:solidFill>
+              <a:latin typeface="Courier"/>
+              <a:ea typeface="Courier New"/>
+              <a:cs typeface="Courier"/>
+              <a:sym typeface="Courier New"/>
+            </a:endParaRPr>
+          </a:p>
+          <a:p>
+            <a:pPr marL="0" marR="0" lvl="0" indent="0" algn="l" rtl="0">
+              <a:lnSpc>
+                <a:spcPct val="100000"/>
+              </a:lnSpc>
+              <a:spcBef>
+                <a:spcPts val="0"/>
+              </a:spcBef>
+              <a:spcAft>
+                <a:spcPts val="0"/>
+              </a:spcAft>
+              <a:buClr>
+                <a:srgbClr val="FFFB00"/>
+              </a:buClr>
+              <a:buSzPct val="25000"/>
+              <a:buFont typeface="Cabin"/>
+              <a:buNone/>
+            </a:pPr>
+            <a:r>
+              <a:rPr lang="en" sz="1500" b="1" i="0" u="none" strike="noStrike" cap="none" dirty="0">
+                <a:solidFill>
+                  <a:srgbClr val="FFFB00"/>
+                </a:solidFill>
+                <a:latin typeface="Courier"/>
+                <a:ea typeface="Courier New"/>
+                <a:cs typeface="Courier"/>
+                <a:sym typeface="Courier New"/>
+              </a:rPr>
+              <a:t>   </a:t>
+            </a:r>
+            <a:r>
+              <a:rPr lang="en" sz="1500" b="1" i="0" u="none" strike="noStrike" cap="none" dirty="0" err="1">
+                <a:solidFill>
+                  <a:srgbClr val="FFFB00"/>
+                </a:solidFill>
+                <a:latin typeface="Courier"/>
+                <a:ea typeface="Courier New"/>
+                <a:cs typeface="Courier"/>
+                <a:sym typeface="Courier New"/>
+              </a:rPr>
+              <a:t>def</a:t>
+            </a:r>
+            <a:r>
+              <a:rPr lang="en" sz="1500" b="1" i="0" u="none" strike="noStrike" cap="none" dirty="0">
+                <a:solidFill>
+                  <a:srgbClr val="FFFB00"/>
+                </a:solidFill>
+                <a:latin typeface="Courier"/>
+                <a:ea typeface="Courier New"/>
+                <a:cs typeface="Courier"/>
+                <a:sym typeface="Courier New"/>
+              </a:rPr>
+              <a:t> party(self) :</a:t>
+            </a:r>
+          </a:p>
+          <a:p>
+            <a:pPr marL="0" marR="0" lvl="0" indent="0" algn="l" rtl="0">
+              <a:lnSpc>
+                <a:spcPct val="100000"/>
+              </a:lnSpc>
+              <a:spcBef>
+                <a:spcPts val="0"/>
+              </a:spcBef>
+              <a:spcAft>
+                <a:spcPts val="0"/>
+              </a:spcAft>
+              <a:buClr>
+                <a:srgbClr val="FFFB00"/>
+              </a:buClr>
+              <a:buSzPct val="25000"/>
+              <a:buFont typeface="Cabin"/>
+              <a:buNone/>
+            </a:pPr>
+            <a:r>
+              <a:rPr lang="en" sz="1500" b="1" i="0" u="none" strike="noStrike" cap="none" dirty="0">
+                <a:solidFill>
+                  <a:srgbClr val="FFFB00"/>
+                </a:solidFill>
+                <a:latin typeface="Courier"/>
+                <a:ea typeface="Courier New"/>
+                <a:cs typeface="Courier"/>
+                <a:sym typeface="Courier New"/>
+              </a:rPr>
+              <a:t>     </a:t>
+            </a:r>
+            <a:r>
+              <a:rPr lang="en" sz="1500" b="1" i="0" u="none" strike="noStrike" cap="none" dirty="0" err="1">
+                <a:solidFill>
+                  <a:srgbClr val="FFFB00"/>
+                </a:solidFill>
+                <a:latin typeface="Courier"/>
+                <a:ea typeface="Courier New"/>
+                <a:cs typeface="Courier"/>
+                <a:sym typeface="Courier New"/>
+              </a:rPr>
+              <a:t>self.x</a:t>
+            </a:r>
+            <a:r>
+              <a:rPr lang="en" sz="1500" b="1" i="0" u="none" strike="noStrike" cap="none" dirty="0">
+                <a:solidFill>
+                  <a:srgbClr val="FFFB00"/>
+                </a:solidFill>
+                <a:latin typeface="Courier"/>
+                <a:ea typeface="Courier New"/>
+                <a:cs typeface="Courier"/>
+                <a:sym typeface="Courier New"/>
+              </a:rPr>
+              <a:t> = </a:t>
+            </a:r>
+            <a:r>
+              <a:rPr lang="en" sz="1500" b="1" i="0" u="none" strike="noStrike" cap="none" dirty="0" err="1">
+                <a:solidFill>
+                  <a:srgbClr val="FFFB00"/>
+                </a:solidFill>
+                <a:latin typeface="Courier"/>
+                <a:ea typeface="Courier New"/>
+                <a:cs typeface="Courier"/>
+                <a:sym typeface="Courier New"/>
+              </a:rPr>
+              <a:t>self.x</a:t>
+            </a:r>
+            <a:r>
+              <a:rPr lang="en" sz="1500" b="1" i="0" u="none" strike="noStrike" cap="none" dirty="0">
+                <a:solidFill>
+                  <a:srgbClr val="FFFB00"/>
+                </a:solidFill>
+                <a:latin typeface="Courier"/>
+                <a:ea typeface="Courier New"/>
+                <a:cs typeface="Courier"/>
+                <a:sym typeface="Courier New"/>
+              </a:rPr>
+              <a:t> + 1</a:t>
+            </a:r>
+          </a:p>
+          <a:p>
+            <a:pPr marL="0" marR="0" lvl="0" indent="0" algn="l" rtl="0">
+              <a:lnSpc>
+                <a:spcPct val="100000"/>
+              </a:lnSpc>
+              <a:spcBef>
+                <a:spcPts val="0"/>
+              </a:spcBef>
+              <a:spcAft>
+                <a:spcPts val="0"/>
+              </a:spcAft>
+              <a:buClr>
+                <a:srgbClr val="FFFB00"/>
+              </a:buClr>
+              <a:buSzPct val="25000"/>
+              <a:buFont typeface="Cabin"/>
+              <a:buNone/>
+            </a:pPr>
+            <a:r>
+              <a:rPr lang="en" sz="1500" b="1" i="0" u="none" strike="noStrike" cap="none" dirty="0">
+                <a:solidFill>
+                  <a:srgbClr val="FFFB00"/>
+                </a:solidFill>
+                <a:latin typeface="Courier"/>
+                <a:ea typeface="Courier New"/>
+                <a:cs typeface="Courier"/>
+                <a:sym typeface="Courier New"/>
+              </a:rPr>
+              <a:t>     print</a:t>
+            </a:r>
+            <a:r>
+              <a:rPr lang="en-US" sz="1500" b="1" i="0" u="none" strike="noStrike" cap="none" dirty="0">
+                <a:solidFill>
+                  <a:srgbClr val="FFFB00"/>
+                </a:solidFill>
+                <a:latin typeface="Courier"/>
+                <a:ea typeface="Courier New"/>
+                <a:cs typeface="Courier"/>
+                <a:sym typeface="Courier New"/>
+              </a:rPr>
+              <a:t>(</a:t>
+            </a:r>
+            <a:r>
+              <a:rPr lang="en" sz="1500" b="1" i="0" u="none" strike="noStrike" cap="none" dirty="0" err="1">
+                <a:solidFill>
+                  <a:srgbClr val="FFFB00"/>
+                </a:solidFill>
+                <a:latin typeface="Courier"/>
+                <a:ea typeface="Courier New"/>
+                <a:cs typeface="Courier"/>
+                <a:sym typeface="Courier New"/>
+              </a:rPr>
+              <a:t>self.name,"party</a:t>
+            </a:r>
+            <a:r>
+              <a:rPr lang="en" sz="1500" b="1" i="0" u="none" strike="noStrike" cap="none" dirty="0">
+                <a:solidFill>
+                  <a:srgbClr val="FFFB00"/>
+                </a:solidFill>
+                <a:latin typeface="Courier"/>
+                <a:ea typeface="Courier New"/>
+                <a:cs typeface="Courier"/>
+                <a:sym typeface="Courier New"/>
+              </a:rPr>
+              <a:t> count",</a:t>
+            </a:r>
+            <a:r>
+              <a:rPr lang="en" sz="1500" b="1" i="0" u="none" strike="noStrike" cap="none" dirty="0" err="1">
+                <a:solidFill>
+                  <a:srgbClr val="FFFB00"/>
+                </a:solidFill>
+                <a:latin typeface="Courier"/>
+                <a:ea typeface="Courier New"/>
+                <a:cs typeface="Courier"/>
+                <a:sym typeface="Courier New"/>
+              </a:rPr>
+              <a:t>self.x</a:t>
+            </a:r>
+            <a:r>
+              <a:rPr lang="en-US" sz="1500" b="1" i="0" u="none" strike="noStrike" cap="none" dirty="0">
+                <a:solidFill>
+                  <a:srgbClr val="FFFB00"/>
+                </a:solidFill>
+                <a:latin typeface="Courier"/>
+                <a:ea typeface="Courier New"/>
+                <a:cs typeface="Courier"/>
+                <a:sym typeface="Courier New"/>
+              </a:rPr>
+              <a:t>)</a:t>
+            </a:r>
+            <a:endParaRPr lang="en" sz="1500" b="1" i="0" u="none" strike="noStrike" cap="none" dirty="0">
+              <a:solidFill>
+                <a:srgbClr val="FFFB00"/>
+              </a:solidFill>
+              <a:latin typeface="Courier"/>
+              <a:ea typeface="Courier New"/>
+              <a:cs typeface="Courier"/>
+              <a:sym typeface="Courier New"/>
+            </a:endParaRPr>
+          </a:p>
+          <a:p>
+            <a:pPr marL="0" marR="0" lvl="0" indent="0" algn="l" rtl="0">
+              <a:lnSpc>
+                <a:spcPct val="100000"/>
+              </a:lnSpc>
+              <a:spcBef>
+                <a:spcPts val="0"/>
+              </a:spcBef>
+              <a:spcAft>
+                <a:spcPts val="0"/>
+              </a:spcAft>
+              <a:buClr>
+                <a:srgbClr val="FF40FF"/>
+              </a:buClr>
+              <a:buFont typeface="Cabin"/>
+              <a:buNone/>
+            </a:pPr>
+            <a:endParaRPr sz="1500" b="1" i="0" u="none" strike="noStrike" cap="none" dirty="0">
+              <a:solidFill>
+                <a:srgbClr val="FFFFFF"/>
+              </a:solidFill>
+              <a:latin typeface="Courier"/>
+              <a:ea typeface="Courier New"/>
+              <a:cs typeface="Courier"/>
+              <a:sym typeface="Courier New"/>
+            </a:endParaRPr>
+          </a:p>
+          <a:p>
+            <a:pPr marL="0" marR="0" lvl="0" indent="0" algn="l" rtl="0">
+              <a:lnSpc>
+                <a:spcPct val="100000"/>
+              </a:lnSpc>
+              <a:spcBef>
+                <a:spcPts val="0"/>
+              </a:spcBef>
+              <a:spcAft>
+                <a:spcPts val="0"/>
+              </a:spcAft>
+              <a:buClr>
+                <a:srgbClr val="FF40FF"/>
+              </a:buClr>
+              <a:buSzPct val="25000"/>
+              <a:buFont typeface="Cabin"/>
+              <a:buNone/>
+            </a:pPr>
+            <a:r>
+              <a:rPr lang="en" sz="1500" b="1" i="0" u="none" strike="noStrike" cap="none" dirty="0">
+                <a:solidFill>
+                  <a:srgbClr val="FF40FF"/>
+                </a:solidFill>
+                <a:latin typeface="Courier"/>
+                <a:ea typeface="Courier New"/>
+                <a:cs typeface="Courier"/>
+                <a:sym typeface="Courier New"/>
+              </a:rPr>
+              <a:t>class </a:t>
+            </a:r>
+            <a:r>
+              <a:rPr lang="en" sz="1500" b="1" i="0" u="none" strike="noStrike" cap="none" dirty="0" err="1">
+                <a:solidFill>
+                  <a:srgbClr val="FF40FF"/>
+                </a:solidFill>
+                <a:latin typeface="Courier"/>
+                <a:ea typeface="Courier New"/>
+                <a:cs typeface="Courier"/>
+                <a:sym typeface="Courier New"/>
+              </a:rPr>
+              <a:t>FootballFan</a:t>
+            </a:r>
+            <a:r>
+              <a:rPr lang="en" sz="1500" b="1" i="0" u="none" strike="noStrike" cap="none" dirty="0">
+                <a:solidFill>
+                  <a:srgbClr val="FF40FF"/>
+                </a:solidFill>
+                <a:latin typeface="Courier"/>
+                <a:ea typeface="Courier New"/>
+                <a:cs typeface="Courier"/>
+                <a:sym typeface="Courier New"/>
+              </a:rPr>
+              <a:t>(</a:t>
+            </a:r>
+            <a:r>
+              <a:rPr lang="en" sz="1500" b="1" i="0" u="none" strike="noStrike" cap="none" dirty="0" err="1">
+                <a:solidFill>
+                  <a:srgbClr val="FF40FF"/>
+                </a:solidFill>
+                <a:latin typeface="Courier"/>
+                <a:ea typeface="Courier New"/>
+                <a:cs typeface="Courier"/>
+                <a:sym typeface="Courier New"/>
+              </a:rPr>
+              <a:t>PartyAnimal</a:t>
+            </a:r>
+            <a:r>
+              <a:rPr lang="en" sz="1500" b="1" i="0" u="none" strike="noStrike" cap="none" dirty="0">
+                <a:solidFill>
+                  <a:srgbClr val="FF40FF"/>
+                </a:solidFill>
+                <a:latin typeface="Courier"/>
+                <a:ea typeface="Courier New"/>
+                <a:cs typeface="Courier"/>
+                <a:sym typeface="Courier New"/>
+              </a:rPr>
+              <a:t>):</a:t>
+            </a:r>
+          </a:p>
+          <a:p>
+            <a:pPr marL="0" marR="0" lvl="0" indent="0" algn="l" rtl="0">
+              <a:lnSpc>
+                <a:spcPct val="100000"/>
+              </a:lnSpc>
+              <a:spcBef>
+                <a:spcPts val="0"/>
+              </a:spcBef>
+              <a:spcAft>
+                <a:spcPts val="0"/>
+              </a:spcAft>
+              <a:buClr>
+                <a:srgbClr val="FF40FF"/>
+              </a:buClr>
+              <a:buSzPct val="25000"/>
+              <a:buFont typeface="Cabin"/>
+              <a:buNone/>
+            </a:pPr>
+            <a:endParaRPr lang="en" sz="1500" b="1" i="0" u="none" strike="noStrike" cap="none" dirty="0">
+              <a:solidFill>
+                <a:srgbClr val="FF40FF"/>
+              </a:solidFill>
+              <a:latin typeface="Courier"/>
+              <a:ea typeface="Courier New"/>
+              <a:cs typeface="Courier"/>
+              <a:sym typeface="Courier New"/>
+            </a:endParaRPr>
+          </a:p>
+          <a:p>
+            <a:pPr marL="0" marR="0" lvl="0" indent="0" algn="l" rtl="0">
+              <a:lnSpc>
+                <a:spcPct val="100000"/>
+              </a:lnSpc>
+              <a:spcBef>
+                <a:spcPts val="0"/>
+              </a:spcBef>
+              <a:spcAft>
+                <a:spcPts val="0"/>
+              </a:spcAft>
+              <a:buClr>
+                <a:srgbClr val="00F900"/>
+              </a:buClr>
+              <a:buSzPct val="25000"/>
+              <a:buFont typeface="Cabin"/>
+              <a:buNone/>
+            </a:pPr>
+            <a:r>
+              <a:rPr lang="en-US" sz="1500" b="1" i="0" u="none" strike="noStrike" cap="none" dirty="0">
+                <a:solidFill>
+                  <a:srgbClr val="00F900"/>
+                </a:solidFill>
+                <a:latin typeface="Courier"/>
+                <a:ea typeface="Courier New"/>
+                <a:cs typeface="Courier"/>
+                <a:sym typeface="Courier New"/>
+              </a:rPr>
+              <a:t>   def __</a:t>
+            </a:r>
+            <a:r>
+              <a:rPr lang="en-US" sz="1500" b="1" i="0" u="none" strike="noStrike" cap="none" dirty="0" err="1">
+                <a:solidFill>
+                  <a:srgbClr val="00F900"/>
+                </a:solidFill>
+                <a:latin typeface="Courier"/>
+                <a:ea typeface="Courier New"/>
+                <a:cs typeface="Courier"/>
+                <a:sym typeface="Courier New"/>
+              </a:rPr>
+              <a:t>init</a:t>
+            </a:r>
+            <a:r>
+              <a:rPr lang="en-US" sz="1500" b="1" i="0" u="none" strike="noStrike" cap="none" dirty="0">
+                <a:solidFill>
+                  <a:srgbClr val="00F900"/>
+                </a:solidFill>
+                <a:latin typeface="Courier"/>
+                <a:ea typeface="Courier New"/>
+                <a:cs typeface="Courier"/>
+                <a:sym typeface="Courier New"/>
+              </a:rPr>
+              <a:t>__(self, </a:t>
+            </a:r>
+            <a:r>
+              <a:rPr lang="en-US" sz="1500" b="1" i="0" u="none" strike="noStrike" cap="none" dirty="0" err="1">
+                <a:solidFill>
+                  <a:srgbClr val="00F900"/>
+                </a:solidFill>
+                <a:latin typeface="Courier"/>
+                <a:ea typeface="Courier New"/>
+                <a:cs typeface="Courier"/>
+                <a:sym typeface="Courier New"/>
+              </a:rPr>
+              <a:t>nam</a:t>
+            </a:r>
+            <a:r>
+              <a:rPr lang="en-US" sz="1500" b="1" i="0" u="none" strike="noStrike" cap="none" dirty="0">
+                <a:solidFill>
+                  <a:srgbClr val="00F900"/>
+                </a:solidFill>
+                <a:latin typeface="Courier"/>
+                <a:ea typeface="Courier New"/>
+                <a:cs typeface="Courier"/>
+                <a:sym typeface="Courier New"/>
+              </a:rPr>
+              <a:t>) :</a:t>
+            </a:r>
+          </a:p>
+          <a:p>
+            <a:pPr marL="0" marR="0" lvl="0" indent="0" algn="l" rtl="0">
+              <a:lnSpc>
+                <a:spcPct val="100000"/>
+              </a:lnSpc>
+              <a:spcBef>
+                <a:spcPts val="0"/>
+              </a:spcBef>
+              <a:spcAft>
+                <a:spcPts val="0"/>
+              </a:spcAft>
+              <a:buClr>
+                <a:srgbClr val="00F900"/>
+              </a:buClr>
+              <a:buSzPct val="25000"/>
+              <a:buFont typeface="Cabin"/>
+              <a:buNone/>
+            </a:pPr>
+            <a:r>
+              <a:rPr lang="en-US" sz="1500" b="1" i="0" u="none" strike="noStrike" cap="none" dirty="0">
+                <a:solidFill>
+                  <a:srgbClr val="00F900"/>
+                </a:solidFill>
+                <a:latin typeface="Courier"/>
+                <a:ea typeface="Courier New"/>
+                <a:cs typeface="Courier"/>
+                <a:sym typeface="Courier New"/>
+              </a:rPr>
+              <a:t>       super().__</a:t>
+            </a:r>
+            <a:r>
+              <a:rPr lang="en-US" sz="1500" b="1" i="0" u="none" strike="noStrike" cap="none" dirty="0" err="1">
+                <a:solidFill>
+                  <a:srgbClr val="00F900"/>
+                </a:solidFill>
+                <a:latin typeface="Courier"/>
+                <a:ea typeface="Courier New"/>
+                <a:cs typeface="Courier"/>
+                <a:sym typeface="Courier New"/>
+              </a:rPr>
+              <a:t>init</a:t>
+            </a:r>
+            <a:r>
+              <a:rPr lang="en-US" sz="1500" b="1" i="0" u="none" strike="noStrike" cap="none" dirty="0">
+                <a:solidFill>
+                  <a:srgbClr val="00F900"/>
+                </a:solidFill>
+                <a:latin typeface="Courier"/>
+                <a:ea typeface="Courier New"/>
+                <a:cs typeface="Courier"/>
+                <a:sym typeface="Courier New"/>
+              </a:rPr>
+              <a:t>__(</a:t>
+            </a:r>
+            <a:r>
+              <a:rPr lang="en-US" sz="1500" b="1" i="0" u="none" strike="noStrike" cap="none" dirty="0" err="1">
+                <a:solidFill>
+                  <a:srgbClr val="00F900"/>
+                </a:solidFill>
+                <a:latin typeface="Courier"/>
+                <a:ea typeface="Courier New"/>
+                <a:cs typeface="Courier"/>
+                <a:sym typeface="Courier New"/>
+              </a:rPr>
+              <a:t>nam</a:t>
+            </a:r>
+            <a:r>
+              <a:rPr lang="en-US" sz="1500" b="1" i="0" u="none" strike="noStrike" cap="none" dirty="0">
+                <a:solidFill>
+                  <a:srgbClr val="00F900"/>
+                </a:solidFill>
+                <a:latin typeface="Courier"/>
+                <a:ea typeface="Courier New"/>
+                <a:cs typeface="Courier"/>
+                <a:sym typeface="Courier New"/>
+              </a:rPr>
+              <a:t>)</a:t>
+            </a:r>
+          </a:p>
+          <a:p>
+            <a:pPr marL="0" marR="0" lvl="0" indent="0" algn="l" rtl="0">
+              <a:lnSpc>
+                <a:spcPct val="100000"/>
+              </a:lnSpc>
+              <a:spcBef>
+                <a:spcPts val="0"/>
+              </a:spcBef>
+              <a:spcAft>
+                <a:spcPts val="0"/>
+              </a:spcAft>
+              <a:buClr>
+                <a:srgbClr val="00F900"/>
+              </a:buClr>
+              <a:buSzPct val="25000"/>
+              <a:buFont typeface="Cabin"/>
+              <a:buNone/>
+            </a:pPr>
+            <a:r>
+              <a:rPr lang="en-US" sz="1500" b="1" i="0" u="none" strike="noStrike" cap="none" dirty="0">
+                <a:solidFill>
+                  <a:srgbClr val="00F900"/>
+                </a:solidFill>
+                <a:latin typeface="Courier"/>
+                <a:ea typeface="Courier New"/>
+                <a:cs typeface="Courier"/>
+                <a:sym typeface="Courier New"/>
+              </a:rPr>
+              <a:t>       </a:t>
+            </a:r>
+            <a:r>
+              <a:rPr lang="en-US" sz="1500" b="1" i="0" u="none" strike="noStrike" cap="none" dirty="0" err="1">
+                <a:solidFill>
+                  <a:srgbClr val="00F900"/>
+                </a:solidFill>
+                <a:latin typeface="Courier"/>
+                <a:ea typeface="Courier New"/>
+                <a:cs typeface="Courier"/>
+                <a:sym typeface="Courier New"/>
+              </a:rPr>
+              <a:t>self.points</a:t>
+            </a:r>
+            <a:r>
+              <a:rPr lang="en-US" sz="1500" b="1" i="0" u="none" strike="noStrike" cap="none" dirty="0">
+                <a:solidFill>
+                  <a:srgbClr val="00F900"/>
+                </a:solidFill>
+                <a:latin typeface="Courier"/>
+                <a:ea typeface="Courier New"/>
+                <a:cs typeface="Courier"/>
+                <a:sym typeface="Courier New"/>
+              </a:rPr>
+              <a:t> = 0</a:t>
+            </a:r>
+            <a:endParaRPr lang="en" sz="1500" b="1" dirty="0">
+              <a:solidFill>
+                <a:srgbClr val="00F900"/>
+              </a:solidFill>
+              <a:latin typeface="Courier"/>
+              <a:ea typeface="Courier New"/>
+              <a:cs typeface="Courier"/>
+              <a:sym typeface="Courier New"/>
+            </a:endParaRPr>
+          </a:p>
+          <a:p>
+            <a:pPr marL="0" marR="0" lvl="0" indent="0" algn="l" rtl="0">
+              <a:lnSpc>
+                <a:spcPct val="100000"/>
+              </a:lnSpc>
+              <a:spcBef>
+                <a:spcPts val="0"/>
+              </a:spcBef>
+              <a:spcAft>
+                <a:spcPts val="0"/>
+              </a:spcAft>
+              <a:buClr>
+                <a:srgbClr val="00F900"/>
+              </a:buClr>
+              <a:buSzPct val="25000"/>
+              <a:buFont typeface="Cabin"/>
+              <a:buNone/>
+            </a:pPr>
+            <a:endParaRPr lang="en" sz="1500" b="1" i="0" u="none" strike="noStrike" cap="none" dirty="0">
+              <a:solidFill>
+                <a:srgbClr val="00F900"/>
+              </a:solidFill>
+              <a:latin typeface="Courier"/>
+              <a:ea typeface="Courier New"/>
+              <a:cs typeface="Courier"/>
+              <a:sym typeface="Courier New"/>
+            </a:endParaRPr>
+          </a:p>
+          <a:p>
+            <a:pPr marL="0" marR="0" lvl="0" indent="0" algn="l" rtl="0">
+              <a:lnSpc>
+                <a:spcPct val="100000"/>
+              </a:lnSpc>
+              <a:spcBef>
+                <a:spcPts val="0"/>
+              </a:spcBef>
+              <a:spcAft>
+                <a:spcPts val="0"/>
+              </a:spcAft>
+              <a:buClr>
+                <a:srgbClr val="00F900"/>
+              </a:buClr>
+              <a:buSzPct val="25000"/>
+              <a:buFont typeface="Cabin"/>
+              <a:buNone/>
+            </a:pPr>
+            <a:r>
+              <a:rPr lang="en" sz="1500" b="1" i="0" u="none" strike="noStrike" cap="none" dirty="0">
+                <a:solidFill>
+                  <a:srgbClr val="00F900"/>
+                </a:solidFill>
+                <a:latin typeface="Courier"/>
+                <a:ea typeface="Courier New"/>
+                <a:cs typeface="Courier"/>
+                <a:sym typeface="Courier New"/>
+              </a:rPr>
+              <a:t>   </a:t>
+            </a:r>
+            <a:r>
+              <a:rPr lang="en" sz="1500" b="1" i="0" u="none" strike="noStrike" cap="none" dirty="0" err="1">
+                <a:solidFill>
+                  <a:srgbClr val="00F900"/>
+                </a:solidFill>
+                <a:latin typeface="Courier"/>
+                <a:ea typeface="Courier New"/>
+                <a:cs typeface="Courier"/>
+                <a:sym typeface="Courier New"/>
+              </a:rPr>
+              <a:t>def</a:t>
+            </a:r>
+            <a:r>
+              <a:rPr lang="en" sz="1500" b="1" i="0" u="none" strike="noStrike" cap="none" dirty="0">
+                <a:solidFill>
+                  <a:srgbClr val="00F900"/>
+                </a:solidFill>
+                <a:latin typeface="Courier"/>
+                <a:ea typeface="Courier New"/>
+                <a:cs typeface="Courier"/>
+                <a:sym typeface="Courier New"/>
+              </a:rPr>
+              <a:t> touchdown(self):</a:t>
+            </a:r>
+          </a:p>
+          <a:p>
+            <a:pPr marL="0" marR="0" lvl="0" indent="0" algn="l" rtl="0">
+              <a:lnSpc>
+                <a:spcPct val="100000"/>
+              </a:lnSpc>
+              <a:spcBef>
+                <a:spcPts val="0"/>
+              </a:spcBef>
+              <a:spcAft>
+                <a:spcPts val="0"/>
+              </a:spcAft>
+              <a:buClr>
+                <a:srgbClr val="00F900"/>
+              </a:buClr>
+              <a:buSzPct val="25000"/>
+              <a:buFont typeface="Cabin"/>
+              <a:buNone/>
+            </a:pPr>
+            <a:r>
+              <a:rPr lang="en" sz="1500" b="1" i="0" u="none" strike="noStrike" cap="none" dirty="0">
+                <a:solidFill>
+                  <a:srgbClr val="00F900"/>
+                </a:solidFill>
+                <a:latin typeface="Courier"/>
+                <a:ea typeface="Courier New"/>
+                <a:cs typeface="Courier"/>
+                <a:sym typeface="Courier New"/>
+              </a:rPr>
+              <a:t>      </a:t>
+            </a:r>
+            <a:r>
+              <a:rPr lang="en" sz="1500" b="1" i="0" u="none" strike="noStrike" cap="none" dirty="0" err="1">
+                <a:solidFill>
+                  <a:srgbClr val="00F900"/>
+                </a:solidFill>
+                <a:latin typeface="Courier"/>
+                <a:ea typeface="Courier New"/>
+                <a:cs typeface="Courier"/>
+                <a:sym typeface="Courier New"/>
+              </a:rPr>
+              <a:t>self.points</a:t>
+            </a:r>
+            <a:r>
+              <a:rPr lang="en" sz="1500" b="1" i="0" u="none" strike="noStrike" cap="none" dirty="0">
+                <a:solidFill>
+                  <a:srgbClr val="00F900"/>
+                </a:solidFill>
+                <a:latin typeface="Courier"/>
+                <a:ea typeface="Courier New"/>
+                <a:cs typeface="Courier"/>
+                <a:sym typeface="Courier New"/>
+              </a:rPr>
+              <a:t> = </a:t>
+            </a:r>
+            <a:r>
+              <a:rPr lang="en" sz="1500" b="1" i="0" u="none" strike="noStrike" cap="none" dirty="0" err="1">
+                <a:solidFill>
+                  <a:srgbClr val="00F900"/>
+                </a:solidFill>
+                <a:latin typeface="Courier"/>
+                <a:ea typeface="Courier New"/>
+                <a:cs typeface="Courier"/>
+                <a:sym typeface="Courier New"/>
+              </a:rPr>
+              <a:t>self.points</a:t>
+            </a:r>
+            <a:r>
+              <a:rPr lang="en" sz="1500" b="1" i="0" u="none" strike="noStrike" cap="none" dirty="0">
+                <a:solidFill>
+                  <a:srgbClr val="00F900"/>
+                </a:solidFill>
+                <a:latin typeface="Courier"/>
+                <a:ea typeface="Courier New"/>
+                <a:cs typeface="Courier"/>
+                <a:sym typeface="Courier New"/>
+              </a:rPr>
+              <a:t> + 7</a:t>
+            </a:r>
+          </a:p>
+          <a:p>
+            <a:pPr marL="0" marR="0" lvl="0" indent="0" algn="l" rtl="0">
+              <a:lnSpc>
+                <a:spcPct val="100000"/>
+              </a:lnSpc>
+              <a:spcBef>
+                <a:spcPts val="0"/>
+              </a:spcBef>
+              <a:spcAft>
+                <a:spcPts val="0"/>
+              </a:spcAft>
+              <a:buClr>
+                <a:srgbClr val="00F900"/>
+              </a:buClr>
+              <a:buSzPct val="25000"/>
+              <a:buFont typeface="Cabin"/>
+              <a:buNone/>
+            </a:pPr>
+            <a:r>
+              <a:rPr lang="en" sz="1500" b="1" i="0" u="none" strike="noStrike" cap="none" dirty="0">
+                <a:solidFill>
+                  <a:srgbClr val="00F900"/>
+                </a:solidFill>
+                <a:latin typeface="Courier"/>
+                <a:ea typeface="Courier New"/>
+                <a:cs typeface="Courier"/>
+                <a:sym typeface="Courier New"/>
+              </a:rPr>
+              <a:t>      </a:t>
+            </a:r>
+            <a:r>
+              <a:rPr lang="en" sz="1500" b="1" i="0" u="none" strike="noStrike" cap="none" dirty="0" err="1">
+                <a:solidFill>
+                  <a:srgbClr val="00F900"/>
+                </a:solidFill>
+                <a:latin typeface="Courier"/>
+                <a:ea typeface="Courier New"/>
+                <a:cs typeface="Courier"/>
+                <a:sym typeface="Courier New"/>
+              </a:rPr>
+              <a:t>self.party</a:t>
+            </a:r>
+            <a:r>
+              <a:rPr lang="en" sz="1500" b="1" i="0" u="none" strike="noStrike" cap="none" dirty="0">
+                <a:solidFill>
+                  <a:srgbClr val="00F900"/>
+                </a:solidFill>
+                <a:latin typeface="Courier"/>
+                <a:ea typeface="Courier New"/>
+                <a:cs typeface="Courier"/>
+                <a:sym typeface="Courier New"/>
+              </a:rPr>
+              <a:t>()</a:t>
+            </a:r>
+          </a:p>
+          <a:p>
+            <a:pPr marL="0" marR="0" lvl="0" indent="0" algn="l" rtl="0">
+              <a:lnSpc>
+                <a:spcPct val="100000"/>
+              </a:lnSpc>
+              <a:spcBef>
+                <a:spcPts val="0"/>
+              </a:spcBef>
+              <a:spcAft>
+                <a:spcPts val="0"/>
+              </a:spcAft>
+              <a:buClr>
+                <a:srgbClr val="00F900"/>
+              </a:buClr>
+              <a:buSzPct val="25000"/>
+              <a:buFont typeface="Cabin"/>
+              <a:buNone/>
+            </a:pPr>
+            <a:r>
+              <a:rPr lang="en" sz="1500" b="1" i="0" u="none" strike="noStrike" cap="none" dirty="0">
+                <a:solidFill>
+                  <a:srgbClr val="00F900"/>
+                </a:solidFill>
+                <a:latin typeface="Courier"/>
+                <a:ea typeface="Courier New"/>
+                <a:cs typeface="Courier"/>
+                <a:sym typeface="Courier New"/>
+              </a:rPr>
+              <a:t>      print</a:t>
+            </a:r>
+            <a:r>
+              <a:rPr lang="en-US" sz="1500" b="1" i="0" u="none" strike="noStrike" cap="none" dirty="0">
+                <a:solidFill>
+                  <a:srgbClr val="00F900"/>
+                </a:solidFill>
+                <a:latin typeface="Courier"/>
+                <a:ea typeface="Courier New"/>
+                <a:cs typeface="Courier"/>
+                <a:sym typeface="Courier New"/>
+              </a:rPr>
+              <a:t>(</a:t>
+            </a:r>
+            <a:r>
+              <a:rPr lang="en" sz="1500" b="1" i="0" u="none" strike="noStrike" cap="none" dirty="0">
+                <a:solidFill>
+                  <a:srgbClr val="00F900"/>
+                </a:solidFill>
+                <a:latin typeface="Courier"/>
+                <a:ea typeface="Courier New"/>
+                <a:cs typeface="Courier"/>
+                <a:sym typeface="Courier New"/>
+              </a:rPr>
+              <a:t>self.name,"points",</a:t>
+            </a:r>
+            <a:r>
+              <a:rPr lang="en" sz="1500" b="1" i="0" u="none" strike="noStrike" cap="none" dirty="0" err="1">
+                <a:solidFill>
+                  <a:srgbClr val="00F900"/>
+                </a:solidFill>
+                <a:latin typeface="Courier"/>
+                <a:ea typeface="Courier New"/>
+                <a:cs typeface="Courier"/>
+                <a:sym typeface="Courier New"/>
+              </a:rPr>
+              <a:t>self.points</a:t>
+            </a:r>
+            <a:r>
+              <a:rPr lang="en-US" sz="1500" b="1" i="0" u="none" strike="noStrike" cap="none" dirty="0">
+                <a:solidFill>
+                  <a:srgbClr val="00F900"/>
+                </a:solidFill>
+                <a:latin typeface="Courier"/>
+                <a:ea typeface="Courier New"/>
+                <a:cs typeface="Courier"/>
+                <a:sym typeface="Courier New"/>
+              </a:rPr>
+              <a:t>)</a:t>
+            </a:r>
+            <a:endParaRPr lang="en" sz="1500" b="1" i="0" u="none" strike="noStrike" cap="none" dirty="0">
+              <a:solidFill>
+                <a:srgbClr val="00F900"/>
+              </a:solidFill>
+              <a:latin typeface="Courier"/>
+              <a:ea typeface="Courier New"/>
+              <a:cs typeface="Courier"/>
+              <a:sym typeface="Courier New"/>
             </a:endParaRPr>
           </a:p>
         </p:txBody>

--- a/lectures3/Pythonlearn-14-Objects.pptx
+++ b/lectures3/Pythonlearn-14-Objects.pptx
@@ -10050,14 +10050,14 @@
           </a:ln>
           <a:extLst>
             <a:ext uri="{909E8E84-426E-40dd-AFC4-6F175D3DCCD1}">
-              <a14:hiddenFill xmlns:a14="http://schemas.microsoft.com/office/drawing/2010/main" xmlns="">
+              <a14:hiddenFill xmlns="" xmlns:a14="http://schemas.microsoft.com/office/drawing/2010/main">
                 <a:solidFill>
                   <a:srgbClr val="FFFFFF"/>
                 </a:solidFill>
               </a14:hiddenFill>
             </a:ext>
             <a:ext uri="{91240B29-F687-4f45-9708-019B960494DF}">
-              <a14:hiddenLine xmlns:a14="http://schemas.microsoft.com/office/drawing/2010/main" xmlns="" w="9525">
+              <a14:hiddenLine xmlns="" xmlns:a14="http://schemas.microsoft.com/office/drawing/2010/main" w="9525">
                 <a:solidFill>
                   <a:srgbClr val="000000"/>
                 </a:solidFill>
@@ -10499,14 +10499,14 @@
           </a:ln>
           <a:extLst>
             <a:ext uri="{909E8E84-426E-40dd-AFC4-6F175D3DCCD1}">
-              <a14:hiddenFill xmlns:a14="http://schemas.microsoft.com/office/drawing/2010/main" xmlns="">
+              <a14:hiddenFill xmlns="" xmlns:a14="http://schemas.microsoft.com/office/drawing/2010/main">
                 <a:solidFill>
                   <a:srgbClr val="FFFFFF"/>
                 </a:solidFill>
               </a14:hiddenFill>
             </a:ext>
             <a:ext uri="{91240B29-F687-4f45-9708-019B960494DF}">
-              <a14:hiddenLine xmlns:a14="http://schemas.microsoft.com/office/drawing/2010/main" xmlns="" w="9525">
+              <a14:hiddenLine xmlns="" xmlns:a14="http://schemas.microsoft.com/office/drawing/2010/main" w="9525">
                 <a:solidFill>
                   <a:srgbClr val="000000"/>
                 </a:solidFill>
@@ -11005,14 +11005,14 @@
           </a:ln>
           <a:extLst>
             <a:ext uri="{909E8E84-426E-40dd-AFC4-6F175D3DCCD1}">
-              <a14:hiddenFill xmlns:a14="http://schemas.microsoft.com/office/drawing/2010/main" xmlns="">
+              <a14:hiddenFill xmlns="" xmlns:a14="http://schemas.microsoft.com/office/drawing/2010/main">
                 <a:solidFill>
                   <a:srgbClr val="FFFFFF"/>
                 </a:solidFill>
               </a14:hiddenFill>
             </a:ext>
             <a:ext uri="{91240B29-F687-4f45-9708-019B960494DF}">
-              <a14:hiddenLine xmlns:a14="http://schemas.microsoft.com/office/drawing/2010/main" xmlns="" w="9525">
+              <a14:hiddenLine xmlns="" xmlns:a14="http://schemas.microsoft.com/office/drawing/2010/main" w="9525">
                 <a:solidFill>
                   <a:srgbClr val="000000"/>
                 </a:solidFill>
@@ -11361,14 +11361,14 @@
           </a:ln>
           <a:extLst>
             <a:ext uri="{909E8E84-426E-40dd-AFC4-6F175D3DCCD1}">
-              <a14:hiddenFill xmlns:a14="http://schemas.microsoft.com/office/drawing/2010/main" xmlns="">
+              <a14:hiddenFill xmlns="" xmlns:a14="http://schemas.microsoft.com/office/drawing/2010/main">
                 <a:solidFill>
                   <a:srgbClr val="FFFFFF"/>
                 </a:solidFill>
               </a14:hiddenFill>
             </a:ext>
             <a:ext uri="{91240B29-F687-4f45-9708-019B960494DF}">
-              <a14:hiddenLine xmlns:a14="http://schemas.microsoft.com/office/drawing/2010/main" xmlns="" w="9525">
+              <a14:hiddenLine xmlns="" xmlns:a14="http://schemas.microsoft.com/office/drawing/2010/main" w="9525">
                 <a:solidFill>
                   <a:srgbClr val="000000"/>
                 </a:solidFill>
@@ -12733,14 +12733,14 @@
           </a:ln>
           <a:extLst>
             <a:ext uri="{909E8E84-426E-40dd-AFC4-6F175D3DCCD1}">
-              <a14:hiddenFill xmlns:a14="http://schemas.microsoft.com/office/drawing/2010/main" xmlns="">
+              <a14:hiddenFill xmlns="" xmlns:a14="http://schemas.microsoft.com/office/drawing/2010/main">
                 <a:solidFill>
                   <a:srgbClr val="FFFFFF"/>
                 </a:solidFill>
               </a14:hiddenFill>
             </a:ext>
             <a:ext uri="{91240B29-F687-4f45-9708-019B960494DF}">
-              <a14:hiddenLine xmlns:a14="http://schemas.microsoft.com/office/drawing/2010/main" xmlns="" w="9525">
+              <a14:hiddenLine xmlns="" xmlns:a14="http://schemas.microsoft.com/office/drawing/2010/main" w="9525">
                 <a:solidFill>
                   <a:srgbClr val="000000"/>
                 </a:solidFill>
@@ -18653,7 +18653,7 @@
               <a:buNone/>
             </a:pPr>
             <a:r>
-              <a:rPr lang="en" sz="4100" u="none" strike="noStrike" cap="none">
+              <a:rPr lang="en" sz="4100" u="none" strike="noStrike" cap="none" dirty="0">
                 <a:solidFill>
                   <a:srgbClr val="FFD966"/>
                 </a:solidFill>
@@ -19121,6 +19121,114 @@
               <a:t>[</a:t>
             </a:r>
             <a:r>
+              <a:rPr lang="en-US" sz="1600" b="1" dirty="0">
+                <a:solidFill>
+                  <a:srgbClr val="00FDFF"/>
+                </a:solidFill>
+                <a:latin typeface="Courier"/>
+                <a:ea typeface="Courier New"/>
+                <a:cs typeface="Courier"/>
+                <a:sym typeface="Courier New"/>
+              </a:rPr>
+              <a:t>'__add__', '__class__', '__</a:t>
+            </a:r>
+            <a:r>
+              <a:rPr lang="en-US" sz="1600" b="1" dirty="0" err="1">
+                <a:solidFill>
+                  <a:srgbClr val="00FDFF"/>
+                </a:solidFill>
+                <a:latin typeface="Courier"/>
+                <a:ea typeface="Courier New"/>
+                <a:cs typeface="Courier"/>
+                <a:sym typeface="Courier New"/>
+              </a:rPr>
+              <a:t>class_getitem</a:t>
+            </a:r>
+            <a:r>
+              <a:rPr lang="en-US" sz="1600" b="1" dirty="0">
+                <a:solidFill>
+                  <a:srgbClr val="00FDFF"/>
+                </a:solidFill>
+                <a:latin typeface="Courier"/>
+                <a:ea typeface="Courier New"/>
+                <a:cs typeface="Courier"/>
+                <a:sym typeface="Courier New"/>
+              </a:rPr>
+              <a:t>__', '__contains__', '__</a:t>
+            </a:r>
+            <a:r>
+              <a:rPr lang="en-US" sz="1600" b="1" dirty="0" err="1">
+                <a:solidFill>
+                  <a:srgbClr val="00FDFF"/>
+                </a:solidFill>
+                <a:latin typeface="Courier"/>
+                <a:ea typeface="Courier New"/>
+                <a:cs typeface="Courier"/>
+                <a:sym typeface="Courier New"/>
+              </a:rPr>
+              <a:t>delattr</a:t>
+            </a:r>
+            <a:r>
+              <a:rPr lang="en-US" sz="1600" b="1" dirty="0">
+                <a:solidFill>
+                  <a:srgbClr val="00FDFF"/>
+                </a:solidFill>
+                <a:latin typeface="Courier"/>
+                <a:ea typeface="Courier New"/>
+                <a:cs typeface="Courier"/>
+                <a:sym typeface="Courier New"/>
+              </a:rPr>
+              <a:t>__', '__</a:t>
+            </a:r>
+            <a:r>
+              <a:rPr lang="en-US" sz="1600" b="1" dirty="0" err="1">
+                <a:solidFill>
+                  <a:srgbClr val="00FDFF"/>
+                </a:solidFill>
+                <a:latin typeface="Courier"/>
+                <a:ea typeface="Courier New"/>
+                <a:cs typeface="Courier"/>
+                <a:sym typeface="Courier New"/>
+              </a:rPr>
+              <a:t>delitem</a:t>
+            </a:r>
+            <a:r>
+              <a:rPr lang="en-US" sz="1600" b="1" dirty="0">
+                <a:solidFill>
+                  <a:srgbClr val="00FDFF"/>
+                </a:solidFill>
+                <a:latin typeface="Courier"/>
+                <a:ea typeface="Courier New"/>
+                <a:cs typeface="Courier"/>
+                <a:sym typeface="Courier New"/>
+              </a:rPr>
+              <a:t>__', '__</a:t>
+            </a:r>
+            <a:r>
+              <a:rPr lang="en-US" sz="1600" b="1" dirty="0" err="1">
+                <a:solidFill>
+                  <a:srgbClr val="00FDFF"/>
+                </a:solidFill>
+                <a:latin typeface="Courier"/>
+                <a:ea typeface="Courier New"/>
+                <a:cs typeface="Courier"/>
+                <a:sym typeface="Courier New"/>
+              </a:rPr>
+              <a:t>dir</a:t>
+            </a:r>
+            <a:r>
+              <a:rPr lang="en-US" sz="1600" b="1" dirty="0">
+                <a:solidFill>
+                  <a:srgbClr val="00FDFF"/>
+                </a:solidFill>
+                <a:latin typeface="Courier"/>
+                <a:ea typeface="Courier New"/>
+                <a:cs typeface="Courier"/>
+                <a:sym typeface="Courier New"/>
+              </a:rPr>
+              <a:t>__', '__doc__', '__eq__', ...</a:t>
+            </a:r>
+            <a:r>
               <a:rPr lang="en" sz="1600" b="1" dirty="0">
                 <a:solidFill>
                   <a:srgbClr val="00FDFF"/>
@@ -19130,179 +19238,35 @@
                 <a:cs typeface="Courier"/>
                 <a:sym typeface="Courier New"/>
               </a:rPr>
-              <a:t>'__add__', '__class__', '__contains__', '__</a:t>
-            </a:r>
-            <a:r>
-              <a:rPr lang="en" sz="1600" b="1" dirty="0" err="1">
-                <a:solidFill>
-                  <a:srgbClr val="00FDFF"/>
-                </a:solidFill>
-                <a:latin typeface="Courier"/>
-                <a:ea typeface="Courier New"/>
-                <a:cs typeface="Courier"/>
-                <a:sym typeface="Courier New"/>
-              </a:rPr>
-              <a:t>delattr</a:t>
+              <a:t> </a:t>
             </a:r>
             <a:r>
               <a:rPr lang="en" sz="1600" b="1" dirty="0">
                 <a:solidFill>
-                  <a:srgbClr val="00FDFF"/>
-                </a:solidFill>
-                <a:latin typeface="Courier"/>
-                <a:ea typeface="Courier New"/>
-                <a:cs typeface="Courier"/>
-                <a:sym typeface="Courier New"/>
-              </a:rPr>
-              <a:t>__', '__</a:t>
-            </a:r>
-            <a:r>
-              <a:rPr lang="en" sz="1600" b="1" dirty="0" err="1">
-                <a:solidFill>
-                  <a:srgbClr val="00FDFF"/>
-                </a:solidFill>
-                <a:latin typeface="Courier"/>
-                <a:ea typeface="Courier New"/>
-                <a:cs typeface="Courier"/>
-                <a:sym typeface="Courier New"/>
-              </a:rPr>
-              <a:t>delitem</a:t>
+                  <a:srgbClr val="00F900"/>
+                </a:solidFill>
+                <a:latin typeface="Courier"/>
+                <a:ea typeface="Courier New"/>
+                <a:cs typeface="Courier"/>
+                <a:sym typeface="Courier New"/>
+              </a:rPr>
+              <a:t>'</a:t>
+            </a:r>
+            <a:r>
+              <a:rPr lang="en-US" sz="1600" b="1" dirty="0">
+                <a:solidFill>
+                  <a:srgbClr val="00F900"/>
+                </a:solidFill>
+                <a:latin typeface="Courier"/>
+                <a:ea typeface="Courier New"/>
+                <a:cs typeface="Courier"/>
+                <a:sym typeface="Courier New"/>
+              </a:rPr>
+              <a:t>append', 'clear', 'copy', 'count', 'extend', 'index', 'insert', 'pop', 'remove', 'reverse', 'sort</a:t>
             </a:r>
             <a:r>
               <a:rPr lang="en" sz="1600" b="1" dirty="0">
                 <a:solidFill>
-                  <a:srgbClr val="00FDFF"/>
-                </a:solidFill>
-                <a:latin typeface="Courier"/>
-                <a:ea typeface="Courier New"/>
-                <a:cs typeface="Courier"/>
-                <a:sym typeface="Courier New"/>
-              </a:rPr>
-              <a:t>__', '__</a:t>
-            </a:r>
-            <a:r>
-              <a:rPr lang="en" sz="1600" b="1" dirty="0" err="1">
-                <a:solidFill>
-                  <a:srgbClr val="00FDFF"/>
-                </a:solidFill>
-                <a:latin typeface="Courier"/>
-                <a:ea typeface="Courier New"/>
-                <a:cs typeface="Courier"/>
-                <a:sym typeface="Courier New"/>
-              </a:rPr>
-              <a:t>delslice</a:t>
-            </a:r>
-            <a:r>
-              <a:rPr lang="en" sz="1600" b="1" dirty="0">
-                <a:solidFill>
-                  <a:srgbClr val="00FDFF"/>
-                </a:solidFill>
-                <a:latin typeface="Courier"/>
-                <a:ea typeface="Courier New"/>
-                <a:cs typeface="Courier"/>
-                <a:sym typeface="Courier New"/>
-              </a:rPr>
-              <a:t>__', '__doc__', </a:t>
-            </a:r>
-            <a:r>
-              <a:rPr lang="is-IS" sz="1600" b="1" dirty="0">
-                <a:solidFill>
-                  <a:srgbClr val="00FDFF"/>
-                </a:solidFill>
-                <a:latin typeface="Courier"/>
-                <a:ea typeface="Courier New"/>
-                <a:cs typeface="Courier"/>
-                <a:sym typeface="Courier New"/>
-              </a:rPr>
-              <a:t>… </a:t>
-            </a:r>
-            <a:r>
-              <a:rPr lang="en" sz="1600" b="1" dirty="0">
-                <a:solidFill>
-                  <a:srgbClr val="00FDFF"/>
-                </a:solidFill>
-                <a:latin typeface="Courier"/>
-                <a:ea typeface="Courier New"/>
-                <a:cs typeface="Courier"/>
-                <a:sym typeface="Courier New"/>
-              </a:rPr>
-              <a:t>'__</a:t>
-            </a:r>
-            <a:r>
-              <a:rPr lang="en" sz="1600" b="1" dirty="0" err="1">
-                <a:solidFill>
-                  <a:srgbClr val="00FDFF"/>
-                </a:solidFill>
-                <a:latin typeface="Courier"/>
-                <a:ea typeface="Courier New"/>
-                <a:cs typeface="Courier"/>
-                <a:sym typeface="Courier New"/>
-              </a:rPr>
-              <a:t>setitem</a:t>
-            </a:r>
-            <a:r>
-              <a:rPr lang="en" sz="1600" b="1" dirty="0">
-                <a:solidFill>
-                  <a:srgbClr val="00FDFF"/>
-                </a:solidFill>
-                <a:latin typeface="Courier"/>
-                <a:ea typeface="Courier New"/>
-                <a:cs typeface="Courier"/>
-                <a:sym typeface="Courier New"/>
-              </a:rPr>
-              <a:t>__', '__</a:t>
-            </a:r>
-            <a:r>
-              <a:rPr lang="en" sz="1600" b="1" dirty="0" err="1">
-                <a:solidFill>
-                  <a:srgbClr val="00FDFF"/>
-                </a:solidFill>
-                <a:latin typeface="Courier"/>
-                <a:ea typeface="Courier New"/>
-                <a:cs typeface="Courier"/>
-                <a:sym typeface="Courier New"/>
-              </a:rPr>
-              <a:t>setslice</a:t>
-            </a:r>
-            <a:r>
-              <a:rPr lang="en" sz="1600" b="1" dirty="0">
-                <a:solidFill>
-                  <a:srgbClr val="00FDFF"/>
-                </a:solidFill>
-                <a:latin typeface="Courier"/>
-                <a:ea typeface="Courier New"/>
-                <a:cs typeface="Courier"/>
-                <a:sym typeface="Courier New"/>
-              </a:rPr>
-              <a:t>__', '__</a:t>
-            </a:r>
-            <a:r>
-              <a:rPr lang="en" sz="1600" b="1" dirty="0" err="1">
-                <a:solidFill>
-                  <a:srgbClr val="00FDFF"/>
-                </a:solidFill>
-                <a:latin typeface="Courier"/>
-                <a:ea typeface="Courier New"/>
-                <a:cs typeface="Courier"/>
-                <a:sym typeface="Courier New"/>
-              </a:rPr>
-              <a:t>str</a:t>
-            </a:r>
-            <a:r>
-              <a:rPr lang="en" sz="1600" b="1" dirty="0">
-                <a:solidFill>
-                  <a:srgbClr val="00FDFF"/>
-                </a:solidFill>
-                <a:latin typeface="Courier"/>
-                <a:ea typeface="Courier New"/>
-                <a:cs typeface="Courier"/>
-                <a:sym typeface="Courier New"/>
-              </a:rPr>
-              <a:t>__', </a:t>
-            </a:r>
-            <a:r>
-              <a:rPr lang="en" sz="1600" b="1" dirty="0">
-                <a:solidFill>
                   <a:srgbClr val="00F900"/>
                 </a:solidFill>
                 <a:latin typeface="Courier"/>
@@ -19310,31 +19274,7 @@
                 <a:cs typeface="Courier"/>
                 <a:sym typeface="Courier New"/>
               </a:rPr>
-              <a:t>'append', </a:t>
-            </a:r>
-            <a:r>
-              <a:rPr lang="en-US" sz="1600" b="1" dirty="0">
-                <a:solidFill>
-                  <a:srgbClr val="00F900"/>
-                </a:solidFill>
-                <a:latin typeface="Courier"/>
-                <a:ea typeface="Courier New"/>
-                <a:cs typeface="Courier"/>
-                <a:sym typeface="Courier New"/>
-              </a:rPr>
-              <a:t>'clear', 'copy', </a:t>
-            </a:r>
-            <a:r>
-              <a:rPr lang="en" sz="1600" b="1" dirty="0">
-                <a:solidFill>
-                  <a:srgbClr val="00F900"/>
-                </a:solidFill>
-                <a:latin typeface="Courier"/>
-                <a:ea typeface="Courier New"/>
-                <a:cs typeface="Courier"/>
-                <a:sym typeface="Courier New"/>
-              </a:rPr>
-              <a:t>'count', 'extend', 'index', 'insert', 'pop', 'remove', 'reverse', 'sort'</a:t>
+              <a:t>'</a:t>
             </a:r>
             <a:r>
               <a:rPr lang="en" sz="1600" b="1" dirty="0">
@@ -20977,10 +20917,22 @@
                 <a:cs typeface="Courier"/>
                 <a:sym typeface="Courier New"/>
               </a:rPr>
-              <a:t>['__add__', '__class__', '__contains__', '__</a:t>
-            </a:r>
-            <a:r>
-              <a:rPr lang="en" sz="1600" b="1" i="0" u="none" strike="noStrike" cap="none" dirty="0" err="1">
+              <a:t>[</a:t>
+            </a:r>
+            <a:r>
+              <a:rPr lang="en-US" sz="1600" b="1" i="0" u="none" strike="noStrike" cap="none" dirty="0">
+                <a:solidFill>
+                  <a:srgbClr val="FFFFFF"/>
+                </a:solidFill>
+                <a:latin typeface="Courier"/>
+                <a:ea typeface="Courier New"/>
+                <a:cs typeface="Courier"/>
+                <a:sym typeface="Courier New"/>
+              </a:rPr>
+              <a:t>'__add__', '__class__', '__contains__', '__</a:t>
+            </a:r>
+            <a:r>
+              <a:rPr lang="en-US" sz="1600" b="1" i="0" u="none" strike="noStrike" cap="none" dirty="0" err="1">
                 <a:solidFill>
                   <a:srgbClr val="FFFFFF"/>
                 </a:solidFill>
@@ -20992,31 +20944,7 @@
               <a:t>delattr</a:t>
             </a:r>
             <a:r>
-              <a:rPr lang="en" sz="1600" b="1" i="0" u="none" strike="noStrike" cap="none" dirty="0">
-                <a:solidFill>
-                  <a:srgbClr val="FFFFFF"/>
-                </a:solidFill>
-                <a:latin typeface="Courier"/>
-                <a:ea typeface="Courier New"/>
-                <a:cs typeface="Courier"/>
-                <a:sym typeface="Courier New"/>
-              </a:rPr>
-              <a:t>__', '__doc__', '__</a:t>
-            </a:r>
-            <a:r>
-              <a:rPr lang="en" sz="1600" b="1" i="0" u="none" strike="noStrike" cap="none" dirty="0" err="1">
-                <a:solidFill>
-                  <a:srgbClr val="FFFFFF"/>
-                </a:solidFill>
-                <a:latin typeface="Courier"/>
-                <a:ea typeface="Courier New"/>
-                <a:cs typeface="Courier"/>
-                <a:sym typeface="Courier New"/>
-              </a:rPr>
-              <a:t>eq</a:t>
-            </a:r>
-            <a:r>
-              <a:rPr lang="en" sz="1600" b="1" i="0" u="none" strike="noStrike" cap="none" dirty="0">
+              <a:rPr lang="en-US" sz="1600" b="1" i="0" u="none" strike="noStrike" cap="none" dirty="0">
                 <a:solidFill>
                   <a:srgbClr val="FFFFFF"/>
                 </a:solidFill>
@@ -21028,7 +20956,31 @@
               <a:t>__', '__</a:t>
             </a:r>
             <a:r>
-              <a:rPr lang="en" sz="1600" b="1" i="0" u="none" strike="noStrike" cap="none" dirty="0" err="1">
+              <a:rPr lang="en-US" sz="1600" b="1" i="0" u="none" strike="noStrike" cap="none" dirty="0" err="1">
+                <a:solidFill>
+                  <a:srgbClr val="FFFFFF"/>
+                </a:solidFill>
+                <a:latin typeface="Courier"/>
+                <a:ea typeface="Courier New"/>
+                <a:cs typeface="Courier"/>
+                <a:sym typeface="Courier New"/>
+              </a:rPr>
+              <a:t>dir</a:t>
+            </a:r>
+            <a:r>
+              <a:rPr lang="en-US" sz="1600" b="1" i="0" u="none" strike="noStrike" cap="none" dirty="0">
+                <a:solidFill>
+                  <a:srgbClr val="FFFFFF"/>
+                </a:solidFill>
+                <a:latin typeface="Courier"/>
+                <a:ea typeface="Courier New"/>
+                <a:cs typeface="Courier"/>
+                <a:sym typeface="Courier New"/>
+              </a:rPr>
+              <a:t>__', '__doc__', '__eq__', '__format__', '__</a:t>
+            </a:r>
+            <a:r>
+              <a:rPr lang="en-US" sz="1600" b="1" i="0" u="none" strike="noStrike" cap="none" dirty="0" err="1">
                 <a:solidFill>
                   <a:srgbClr val="FFFFFF"/>
                 </a:solidFill>
@@ -21040,7 +20992,7 @@
               <a:t>ge</a:t>
             </a:r>
             <a:r>
-              <a:rPr lang="en" sz="1600" b="1" i="0" u="none" strike="noStrike" cap="none" dirty="0">
+              <a:rPr lang="en-US" sz="1600" b="1" i="0" u="none" strike="noStrike" cap="none" dirty="0">
                 <a:solidFill>
                   <a:srgbClr val="FFFFFF"/>
                 </a:solidFill>
@@ -21052,7 +21004,7 @@
               <a:t>__', '__</a:t>
             </a:r>
             <a:r>
-              <a:rPr lang="en" sz="1600" b="1" i="0" u="none" strike="noStrike" cap="none" dirty="0" err="1">
+              <a:rPr lang="en-US" sz="1600" b="1" i="0" u="none" strike="noStrike" cap="none" dirty="0" err="1">
                 <a:solidFill>
                   <a:srgbClr val="FFFFFF"/>
                 </a:solidFill>
@@ -21064,7 +21016,7 @@
               <a:t>getattribute</a:t>
             </a:r>
             <a:r>
-              <a:rPr lang="en" sz="1600" b="1" i="0" u="none" strike="noStrike" cap="none" dirty="0">
+              <a:rPr lang="en-US" sz="1600" b="1" i="0" u="none" strike="noStrike" cap="none" dirty="0">
                 <a:solidFill>
                   <a:srgbClr val="FFFFFF"/>
                 </a:solidFill>
@@ -21076,7 +21028,7 @@
               <a:t>__', '__</a:t>
             </a:r>
             <a:r>
-              <a:rPr lang="en" sz="1600" b="1" i="0" u="none" strike="noStrike" cap="none" dirty="0" err="1">
+              <a:rPr lang="en-US" sz="1600" b="1" i="0" u="none" strike="noStrike" cap="none" dirty="0" err="1">
                 <a:solidFill>
                   <a:srgbClr val="FFFFFF"/>
                 </a:solidFill>
@@ -21088,7 +21040,7 @@
               <a:t>getitem</a:t>
             </a:r>
             <a:r>
-              <a:rPr lang="en" sz="1600" b="1" i="0" u="none" strike="noStrike" cap="none" dirty="0">
+              <a:rPr lang="en-US" sz="1600" b="1" i="0" u="none" strike="noStrike" cap="none" dirty="0">
                 <a:solidFill>
                   <a:srgbClr val="FFFFFF"/>
                 </a:solidFill>
@@ -21100,7 +21052,7 @@
               <a:t>__', '__</a:t>
             </a:r>
             <a:r>
-              <a:rPr lang="en" sz="1600" b="1" i="0" u="none" strike="noStrike" cap="none" dirty="0" err="1">
+              <a:rPr lang="en-US" sz="1600" b="1" i="0" u="none" strike="noStrike" cap="none" dirty="0" err="1">
                 <a:solidFill>
                   <a:srgbClr val="FFFFFF"/>
                 </a:solidFill>
@@ -21112,7 +21064,7 @@
               <a:t>getnewargs</a:t>
             </a:r>
             <a:r>
-              <a:rPr lang="en" sz="1600" b="1" i="0" u="none" strike="noStrike" cap="none" dirty="0">
+              <a:rPr lang="en-US" sz="1600" b="1" i="0" u="none" strike="noStrike" cap="none" dirty="0">
                 <a:solidFill>
                   <a:srgbClr val="FFFFFF"/>
                 </a:solidFill>
@@ -21124,19 +21076,19 @@
               <a:t>__', '__</a:t>
             </a:r>
             <a:r>
-              <a:rPr lang="en" sz="1600" b="1" i="0" u="none" strike="noStrike" cap="none" dirty="0" err="1">
-                <a:solidFill>
-                  <a:srgbClr val="FFFFFF"/>
-                </a:solidFill>
-                <a:latin typeface="Courier"/>
-                <a:ea typeface="Courier New"/>
-                <a:cs typeface="Courier"/>
-                <a:sym typeface="Courier New"/>
-              </a:rPr>
-              <a:t>getslice</a:t>
-            </a:r>
-            <a:r>
-              <a:rPr lang="en" sz="1600" b="1" i="0" u="none" strike="noStrike" cap="none" dirty="0">
+              <a:rPr lang="en-US" sz="1600" b="1" i="0" u="none" strike="noStrike" cap="none" dirty="0" err="1">
+                <a:solidFill>
+                  <a:srgbClr val="FFFFFF"/>
+                </a:solidFill>
+                <a:latin typeface="Courier"/>
+                <a:ea typeface="Courier New"/>
+                <a:cs typeface="Courier"/>
+                <a:sym typeface="Courier New"/>
+              </a:rPr>
+              <a:t>getstate</a:t>
+            </a:r>
+            <a:r>
+              <a:rPr lang="en-US" sz="1600" b="1" i="0" u="none" strike="noStrike" cap="none" dirty="0">
                 <a:solidFill>
                   <a:srgbClr val="FFFFFF"/>
                 </a:solidFill>
@@ -21148,7 +21100,7 @@
               <a:t>__', '__</a:t>
             </a:r>
             <a:r>
-              <a:rPr lang="en" sz="1600" b="1" i="0" u="none" strike="noStrike" cap="none" dirty="0" err="1">
+              <a:rPr lang="en-US" sz="1600" b="1" i="0" u="none" strike="noStrike" cap="none" dirty="0" err="1">
                 <a:solidFill>
                   <a:srgbClr val="FFFFFF"/>
                 </a:solidFill>
@@ -21160,7 +21112,7 @@
               <a:t>gt</a:t>
             </a:r>
             <a:r>
-              <a:rPr lang="en" sz="1600" b="1" i="0" u="none" strike="noStrike" cap="none" dirty="0">
+              <a:rPr lang="en-US" sz="1600" b="1" i="0" u="none" strike="noStrike" cap="none" dirty="0">
                 <a:solidFill>
                   <a:srgbClr val="FFFFFF"/>
                 </a:solidFill>
@@ -21172,7 +21124,7 @@
               <a:t>__', '__hash__', '__</a:t>
             </a:r>
             <a:r>
-              <a:rPr lang="en" sz="1600" b="1" i="0" u="none" strike="noStrike" cap="none" dirty="0" err="1">
+              <a:rPr lang="en-US" sz="1600" b="1" i="0" u="none" strike="noStrike" cap="none" dirty="0" err="1">
                 <a:solidFill>
                   <a:srgbClr val="FFFFFF"/>
                 </a:solidFill>
@@ -21184,31 +21136,7 @@
               <a:t>init</a:t>
             </a:r>
             <a:r>
-              <a:rPr lang="en" sz="1600" b="1" i="0" u="none" strike="noStrike" cap="none" dirty="0">
-                <a:solidFill>
-                  <a:srgbClr val="FFFFFF"/>
-                </a:solidFill>
-                <a:latin typeface="Courier"/>
-                <a:ea typeface="Courier New"/>
-                <a:cs typeface="Courier"/>
-                <a:sym typeface="Courier New"/>
-              </a:rPr>
-              <a:t>__', '__le__', '__</a:t>
-            </a:r>
-            <a:r>
-              <a:rPr lang="en" sz="1600" b="1" i="0" u="none" strike="noStrike" cap="none" dirty="0" err="1">
-                <a:solidFill>
-                  <a:srgbClr val="FFFFFF"/>
-                </a:solidFill>
-                <a:latin typeface="Courier"/>
-                <a:ea typeface="Courier New"/>
-                <a:cs typeface="Courier"/>
-                <a:sym typeface="Courier New"/>
-              </a:rPr>
-              <a:t>len</a:t>
-            </a:r>
-            <a:r>
-              <a:rPr lang="en" sz="1600" b="1" i="0" u="none" strike="noStrike" cap="none" dirty="0">
+              <a:rPr lang="en-US" sz="1600" b="1" i="0" u="none" strike="noStrike" cap="none" dirty="0">
                 <a:solidFill>
                   <a:srgbClr val="FFFFFF"/>
                 </a:solidFill>
@@ -21220,151 +21148,55 @@
               <a:t>__', '__</a:t>
             </a:r>
             <a:r>
-              <a:rPr lang="en" sz="1600" b="1" i="0" u="none" strike="noStrike" cap="none" dirty="0" err="1">
-                <a:solidFill>
-                  <a:srgbClr val="FFFFFF"/>
-                </a:solidFill>
-                <a:latin typeface="Courier"/>
-                <a:ea typeface="Courier New"/>
-                <a:cs typeface="Courier"/>
-                <a:sym typeface="Courier New"/>
-              </a:rPr>
-              <a:t>lt</a:t>
-            </a:r>
-            <a:r>
-              <a:rPr lang="en" sz="1600" b="1" i="0" u="none" strike="noStrike" cap="none" dirty="0">
-                <a:solidFill>
-                  <a:srgbClr val="FFFFFF"/>
-                </a:solidFill>
-                <a:latin typeface="Courier"/>
-                <a:ea typeface="Courier New"/>
-                <a:cs typeface="Courier"/>
-                <a:sym typeface="Courier New"/>
-              </a:rPr>
-              <a:t>__', '__</a:t>
-            </a:r>
-            <a:r>
-              <a:rPr lang="en" sz="1600" b="1" i="0" u="none" strike="noStrike" cap="none" dirty="0" err="1">
-                <a:solidFill>
-                  <a:srgbClr val="FFFFFF"/>
-                </a:solidFill>
-                <a:latin typeface="Courier"/>
-                <a:ea typeface="Courier New"/>
-                <a:cs typeface="Courier"/>
-                <a:sym typeface="Courier New"/>
-              </a:rPr>
-              <a:t>repr</a:t>
-            </a:r>
-            <a:r>
-              <a:rPr lang="en" sz="1600" b="1" i="0" u="none" strike="noStrike" cap="none" dirty="0">
-                <a:solidFill>
-                  <a:srgbClr val="FFFFFF"/>
-                </a:solidFill>
-                <a:latin typeface="Courier"/>
-                <a:ea typeface="Courier New"/>
-                <a:cs typeface="Courier"/>
-                <a:sym typeface="Courier New"/>
-              </a:rPr>
-              <a:t>__', '__</a:t>
-            </a:r>
-            <a:r>
-              <a:rPr lang="en" sz="1600" b="1" i="0" u="none" strike="noStrike" cap="none" dirty="0" err="1">
-                <a:solidFill>
-                  <a:srgbClr val="FFFFFF"/>
-                </a:solidFill>
-                <a:latin typeface="Courier"/>
-                <a:ea typeface="Courier New"/>
-                <a:cs typeface="Courier"/>
-                <a:sym typeface="Courier New"/>
-              </a:rPr>
-              <a:t>rmod</a:t>
-            </a:r>
-            <a:r>
-              <a:rPr lang="en" sz="1600" b="1" i="0" u="none" strike="noStrike" cap="none" dirty="0">
-                <a:solidFill>
-                  <a:srgbClr val="FFFFFF"/>
-                </a:solidFill>
-                <a:latin typeface="Courier"/>
-                <a:ea typeface="Courier New"/>
-                <a:cs typeface="Courier"/>
-                <a:sym typeface="Courier New"/>
-              </a:rPr>
-              <a:t>__', '__</a:t>
-            </a:r>
-            <a:r>
-              <a:rPr lang="en" sz="1600" b="1" i="0" u="none" strike="noStrike" cap="none" dirty="0" err="1">
-                <a:solidFill>
-                  <a:srgbClr val="FFFFFF"/>
-                </a:solidFill>
-                <a:latin typeface="Courier"/>
-                <a:ea typeface="Courier New"/>
-                <a:cs typeface="Courier"/>
-                <a:sym typeface="Courier New"/>
-              </a:rPr>
-              <a:t>rmul</a:t>
-            </a:r>
-            <a:r>
-              <a:rPr lang="en" sz="1600" b="1" i="0" u="none" strike="noStrike" cap="none" dirty="0">
-                <a:solidFill>
-                  <a:srgbClr val="FFFFFF"/>
-                </a:solidFill>
-                <a:latin typeface="Courier"/>
-                <a:ea typeface="Courier New"/>
-                <a:cs typeface="Courier"/>
-                <a:sym typeface="Courier New"/>
-              </a:rPr>
-              <a:t>__', '__</a:t>
-            </a:r>
-            <a:r>
-              <a:rPr lang="en" sz="1600" b="1" i="0" u="none" strike="noStrike" cap="none" dirty="0" err="1">
-                <a:solidFill>
-                  <a:srgbClr val="FFFFFF"/>
-                </a:solidFill>
-                <a:latin typeface="Courier"/>
-                <a:ea typeface="Courier New"/>
-                <a:cs typeface="Courier"/>
-                <a:sym typeface="Courier New"/>
-              </a:rPr>
-              <a:t>setattr</a:t>
-            </a:r>
-            <a:r>
-              <a:rPr lang="en" sz="1600" b="1" i="0" u="none" strike="noStrike" cap="none" dirty="0">
-                <a:solidFill>
-                  <a:srgbClr val="FFFFFF"/>
-                </a:solidFill>
-                <a:latin typeface="Courier"/>
-                <a:ea typeface="Courier New"/>
-                <a:cs typeface="Courier"/>
-                <a:sym typeface="Courier New"/>
-              </a:rPr>
-              <a:t>__', '__</a:t>
-            </a:r>
-            <a:r>
-              <a:rPr lang="en" sz="1600" b="1" i="0" u="none" strike="noStrike" cap="none" dirty="0" err="1">
-                <a:solidFill>
-                  <a:srgbClr val="FFFFFF"/>
-                </a:solidFill>
-                <a:latin typeface="Courier"/>
-                <a:ea typeface="Courier New"/>
-                <a:cs typeface="Courier"/>
-                <a:sym typeface="Courier New"/>
-              </a:rPr>
-              <a:t>str</a:t>
-            </a:r>
-            <a:r>
-              <a:rPr lang="en" sz="1600" b="1" i="0" u="none" strike="noStrike" cap="none" dirty="0">
-                <a:solidFill>
-                  <a:srgbClr val="FFFFFF"/>
-                </a:solidFill>
-                <a:latin typeface="Courier"/>
-                <a:ea typeface="Courier New"/>
-                <a:cs typeface="Courier"/>
-                <a:sym typeface="Courier New"/>
-              </a:rPr>
-              <a:t>__', 'capitalize', 'center', 'count', 'decode', 'encode', '</a:t>
-            </a:r>
-            <a:r>
-              <a:rPr lang="en" sz="1600" b="1" i="0" u="none" strike="noStrike" cap="none" dirty="0" err="1">
+              <a:rPr lang="en-US" sz="1600" b="1" i="0" u="none" strike="noStrike" cap="none" dirty="0" err="1">
+                <a:solidFill>
+                  <a:srgbClr val="FFFFFF"/>
+                </a:solidFill>
+                <a:latin typeface="Courier"/>
+                <a:ea typeface="Courier New"/>
+                <a:cs typeface="Courier"/>
+                <a:sym typeface="Courier New"/>
+              </a:rPr>
+              <a:t>init_subclass</a:t>
+            </a:r>
+            <a:r>
+              <a:rPr lang="en-US" sz="1600" b="1" i="0" u="none" strike="noStrike" cap="none" dirty="0">
+                <a:solidFill>
+                  <a:srgbClr val="FFFFFF"/>
+                </a:solidFill>
+                <a:latin typeface="Courier"/>
+                <a:ea typeface="Courier New"/>
+                <a:cs typeface="Courier"/>
+                <a:sym typeface="Courier New"/>
+              </a:rPr>
+              <a:t>__', ...'capitalize', '</a:t>
+            </a:r>
+            <a:r>
+              <a:rPr lang="en-US" sz="1600" b="1" i="0" u="none" strike="noStrike" cap="none" dirty="0" err="1">
+                <a:solidFill>
+                  <a:srgbClr val="FFFFFF"/>
+                </a:solidFill>
+                <a:latin typeface="Courier"/>
+                <a:ea typeface="Courier New"/>
+                <a:cs typeface="Courier"/>
+                <a:sym typeface="Courier New"/>
+              </a:rPr>
+              <a:t>casefold</a:t>
+            </a:r>
+            <a:r>
+              <a:rPr lang="en-US" sz="1600" b="1" i="0" u="none" strike="noStrike" cap="none" dirty="0">
+                <a:solidFill>
+                  <a:srgbClr val="FFFFFF"/>
+                </a:solidFill>
+                <a:latin typeface="Courier"/>
+                <a:ea typeface="Courier New"/>
+                <a:cs typeface="Courier"/>
+                <a:sym typeface="Courier New"/>
+              </a:rPr>
+              <a:t>', 'center', 'count', 'encode', '</a:t>
+            </a:r>
+            <a:r>
+              <a:rPr lang="en-US" sz="1600" b="1" i="0" u="none" strike="noStrike" cap="none" dirty="0" err="1">
                 <a:solidFill>
                   <a:srgbClr val="FFFFFF"/>
                 </a:solidFill>
@@ -21376,7 +21208,7 @@
               <a:t>endswith</a:t>
             </a:r>
             <a:r>
-              <a:rPr lang="en" sz="1600" b="1" i="0" u="none" strike="noStrike" cap="none" dirty="0">
+              <a:rPr lang="en-US" sz="1600" b="1" i="0" u="none" strike="noStrike" cap="none" dirty="0">
                 <a:solidFill>
                   <a:srgbClr val="FFFFFF"/>
                 </a:solidFill>
@@ -21388,7 +21220,7 @@
               <a:t>', '</a:t>
             </a:r>
             <a:r>
-              <a:rPr lang="en" sz="1600" b="1" i="0" u="none" strike="noStrike" cap="none" dirty="0" err="1">
+              <a:rPr lang="en-US" sz="1600" b="1" i="0" u="none" strike="noStrike" cap="none" dirty="0" err="1">
                 <a:solidFill>
                   <a:srgbClr val="FFFFFF"/>
                 </a:solidFill>
@@ -21400,19 +21232,43 @@
               <a:t>expandtabs</a:t>
             </a:r>
             <a:r>
-              <a:rPr lang="en" sz="1600" b="1" i="0" u="none" strike="noStrike" cap="none" dirty="0">
-                <a:solidFill>
-                  <a:srgbClr val="FFFFFF"/>
-                </a:solidFill>
-                <a:latin typeface="Courier"/>
-                <a:ea typeface="Courier New"/>
-                <a:cs typeface="Courier"/>
-                <a:sym typeface="Courier New"/>
-              </a:rPr>
-              <a:t>', 'find', 'index', '</a:t>
-            </a:r>
-            <a:r>
-              <a:rPr lang="en" sz="1600" b="1" i="0" u="none" strike="noStrike" cap="none" dirty="0" err="1">
+              <a:rPr lang="en-US" sz="1600" b="1" i="0" u="none" strike="noStrike" cap="none" dirty="0">
+                <a:solidFill>
+                  <a:srgbClr val="FFFFFF"/>
+                </a:solidFill>
+                <a:latin typeface="Courier"/>
+                <a:ea typeface="Courier New"/>
+                <a:cs typeface="Courier"/>
+                <a:sym typeface="Courier New"/>
+              </a:rPr>
+              <a:t>', 'find', 'format', '</a:t>
+            </a:r>
+            <a:r>
+              <a:rPr lang="en-US" sz="1600" b="1" i="0" u="none" strike="noStrike" cap="none" dirty="0" err="1">
+                <a:solidFill>
+                  <a:srgbClr val="FFFFFF"/>
+                </a:solidFill>
+                <a:latin typeface="Courier"/>
+                <a:ea typeface="Courier New"/>
+                <a:cs typeface="Courier"/>
+                <a:sym typeface="Courier New"/>
+              </a:rPr>
+              <a:t>format_map</a:t>
+            </a:r>
+            <a:r>
+              <a:rPr lang="en-US" sz="1600" b="1" i="0" u="none" strike="noStrike" cap="none" dirty="0">
+                <a:solidFill>
+                  <a:srgbClr val="FFFFFF"/>
+                </a:solidFill>
+                <a:latin typeface="Courier"/>
+                <a:ea typeface="Courier New"/>
+                <a:cs typeface="Courier"/>
+                <a:sym typeface="Courier New"/>
+              </a:rPr>
+              <a:t>', 'index', '</a:t>
+            </a:r>
+            <a:r>
+              <a:rPr lang="en-US" sz="1600" b="1" i="0" u="none" strike="noStrike" cap="none" dirty="0" err="1">
                 <a:solidFill>
                   <a:srgbClr val="FFFFFF"/>
                 </a:solidFill>
@@ -21424,7 +21280,7 @@
               <a:t>isalnum</a:t>
             </a:r>
             <a:r>
-              <a:rPr lang="en" sz="1600" b="1" i="0" u="none" strike="noStrike" cap="none" dirty="0">
+              <a:rPr lang="en-US" sz="1600" b="1" i="0" u="none" strike="noStrike" cap="none" dirty="0">
                 <a:solidFill>
                   <a:srgbClr val="FFFFFF"/>
                 </a:solidFill>
@@ -21436,7 +21292,7 @@
               <a:t>', '</a:t>
             </a:r>
             <a:r>
-              <a:rPr lang="en" sz="1600" b="1" i="0" u="none" strike="noStrike" cap="none" dirty="0" err="1">
+              <a:rPr lang="en-US" sz="1600" b="1" i="0" u="none" strike="noStrike" cap="none" dirty="0" err="1">
                 <a:solidFill>
                   <a:srgbClr val="FFFFFF"/>
                 </a:solidFill>
@@ -21448,7 +21304,7 @@
               <a:t>isalpha</a:t>
             </a:r>
             <a:r>
-              <a:rPr lang="en" sz="1600" b="1" i="0" u="none" strike="noStrike" cap="none" dirty="0">
+              <a:rPr lang="en-US" sz="1600" b="1" i="0" u="none" strike="noStrike" cap="none" dirty="0">
                 <a:solidFill>
                   <a:srgbClr val="FFFFFF"/>
                 </a:solidFill>
@@ -21460,7 +21316,55 @@
               <a:t>', '</a:t>
             </a:r>
             <a:r>
-              <a:rPr lang="en" sz="1600" b="1" i="0" u="none" strike="noStrike" cap="none" dirty="0" err="1">
+              <a:rPr lang="en-US" sz="1600" b="1" i="0" u="none" strike="noStrike" cap="none" dirty="0" err="1">
+                <a:solidFill>
+                  <a:srgbClr val="FFFFFF"/>
+                </a:solidFill>
+                <a:latin typeface="Courier"/>
+                <a:ea typeface="Courier New"/>
+                <a:cs typeface="Courier"/>
+                <a:sym typeface="Courier New"/>
+              </a:rPr>
+              <a:t>isascii</a:t>
+            </a:r>
+            <a:r>
+              <a:rPr lang="en-US" sz="1600" b="1" i="0" u="none" strike="noStrike" cap="none" dirty="0">
+                <a:solidFill>
+                  <a:srgbClr val="FFFFFF"/>
+                </a:solidFill>
+                <a:latin typeface="Courier"/>
+                <a:ea typeface="Courier New"/>
+                <a:cs typeface="Courier"/>
+                <a:sym typeface="Courier New"/>
+              </a:rPr>
+              <a:t>', '</a:t>
+            </a:r>
+            <a:r>
+              <a:rPr lang="en-US" sz="1600" b="1" i="0" u="none" strike="noStrike" cap="none" dirty="0" err="1">
+                <a:solidFill>
+                  <a:srgbClr val="FFFFFF"/>
+                </a:solidFill>
+                <a:latin typeface="Courier"/>
+                <a:ea typeface="Courier New"/>
+                <a:cs typeface="Courier"/>
+                <a:sym typeface="Courier New"/>
+              </a:rPr>
+              <a:t>isdecimal</a:t>
+            </a:r>
+            <a:r>
+              <a:rPr lang="en-US" sz="1600" b="1" i="0" u="none" strike="noStrike" cap="none" dirty="0">
+                <a:solidFill>
+                  <a:srgbClr val="FFFFFF"/>
+                </a:solidFill>
+                <a:latin typeface="Courier"/>
+                <a:ea typeface="Courier New"/>
+                <a:cs typeface="Courier"/>
+                <a:sym typeface="Courier New"/>
+              </a:rPr>
+              <a:t>', '</a:t>
+            </a:r>
+            <a:r>
+              <a:rPr lang="en-US" sz="1600" b="1" i="0" u="none" strike="noStrike" cap="none" dirty="0" err="1">
                 <a:solidFill>
                   <a:srgbClr val="FFFFFF"/>
                 </a:solidFill>
@@ -21472,7 +21376,7 @@
               <a:t>isdigit</a:t>
             </a:r>
             <a:r>
-              <a:rPr lang="en" sz="1600" b="1" i="0" u="none" strike="noStrike" cap="none" dirty="0">
+              <a:rPr lang="en-US" sz="1600" b="1" i="0" u="none" strike="noStrike" cap="none" dirty="0">
                 <a:solidFill>
                   <a:srgbClr val="FFFFFF"/>
                 </a:solidFill>
@@ -21484,7 +21388,31 @@
               <a:t>', '</a:t>
             </a:r>
             <a:r>
-              <a:rPr lang="en" sz="1600" b="1" i="0" u="none" strike="noStrike" cap="none" dirty="0" err="1">
+              <a:rPr lang="en-US" sz="1600" b="1" i="0" u="none" strike="noStrike" cap="none" dirty="0" err="1">
+                <a:solidFill>
+                  <a:srgbClr val="FFFFFF"/>
+                </a:solidFill>
+                <a:latin typeface="Courier"/>
+                <a:ea typeface="Courier New"/>
+                <a:cs typeface="Courier"/>
+                <a:sym typeface="Courier New"/>
+              </a:rPr>
+              <a:t>isidentifier</a:t>
+            </a:r>
+            <a:r>
+              <a:rPr lang="en-US" sz="1600" b="1" i="0" u="none" strike="noStrike" cap="none" dirty="0">
+                <a:solidFill>
+                  <a:srgbClr val="FFFFFF"/>
+                </a:solidFill>
+                <a:latin typeface="Courier"/>
+                <a:ea typeface="Courier New"/>
+                <a:cs typeface="Courier"/>
+                <a:sym typeface="Courier New"/>
+              </a:rPr>
+              <a:t>', '</a:t>
+            </a:r>
+            <a:r>
+              <a:rPr lang="en-US" sz="1600" b="1" i="0" u="none" strike="noStrike" cap="none" dirty="0" err="1">
                 <a:solidFill>
                   <a:srgbClr val="FFFFFF"/>
                 </a:solidFill>
@@ -21496,7 +21424,7 @@
               <a:t>islower</a:t>
             </a:r>
             <a:r>
-              <a:rPr lang="en" sz="1600" b="1" i="0" u="none" strike="noStrike" cap="none" dirty="0">
+              <a:rPr lang="en-US" sz="1600" b="1" i="0" u="none" strike="noStrike" cap="none" dirty="0">
                 <a:solidFill>
                   <a:srgbClr val="FFFFFF"/>
                 </a:solidFill>
@@ -21508,7 +21436,55 @@
               <a:t>', '</a:t>
             </a:r>
             <a:r>
-              <a:rPr lang="en" sz="1600" b="1" i="0" u="none" strike="noStrike" cap="none" dirty="0" err="1">
+              <a:rPr lang="en-US" sz="1600" b="1" i="0" u="none" strike="noStrike" cap="none" dirty="0" err="1">
+                <a:solidFill>
+                  <a:srgbClr val="FFFFFF"/>
+                </a:solidFill>
+                <a:latin typeface="Courier"/>
+                <a:ea typeface="Courier New"/>
+                <a:cs typeface="Courier"/>
+                <a:sym typeface="Courier New"/>
+              </a:rPr>
+              <a:t>isnumeric</a:t>
+            </a:r>
+            <a:r>
+              <a:rPr lang="en-US" sz="1600" b="1" i="0" u="none" strike="noStrike" cap="none" dirty="0">
+                <a:solidFill>
+                  <a:srgbClr val="FFFFFF"/>
+                </a:solidFill>
+                <a:latin typeface="Courier"/>
+                <a:ea typeface="Courier New"/>
+                <a:cs typeface="Courier"/>
+                <a:sym typeface="Courier New"/>
+              </a:rPr>
+              <a:t>', '</a:t>
+            </a:r>
+            <a:r>
+              <a:rPr lang="en-US" sz="1600" b="1" i="0" u="none" strike="noStrike" cap="none" dirty="0" err="1">
+                <a:solidFill>
+                  <a:srgbClr val="FFFFFF"/>
+                </a:solidFill>
+                <a:latin typeface="Courier"/>
+                <a:ea typeface="Courier New"/>
+                <a:cs typeface="Courier"/>
+                <a:sym typeface="Courier New"/>
+              </a:rPr>
+              <a:t>isprintable</a:t>
+            </a:r>
+            <a:r>
+              <a:rPr lang="en-US" sz="1600" b="1" i="0" u="none" strike="noStrike" cap="none" dirty="0">
+                <a:solidFill>
+                  <a:srgbClr val="FFFFFF"/>
+                </a:solidFill>
+                <a:latin typeface="Courier"/>
+                <a:ea typeface="Courier New"/>
+                <a:cs typeface="Courier"/>
+                <a:sym typeface="Courier New"/>
+              </a:rPr>
+              <a:t>', '</a:t>
+            </a:r>
+            <a:r>
+              <a:rPr lang="en-US" sz="1600" b="1" i="0" u="none" strike="noStrike" cap="none" dirty="0" err="1">
                 <a:solidFill>
                   <a:srgbClr val="FFFFFF"/>
                 </a:solidFill>
@@ -21520,7 +21496,7 @@
               <a:t>isspace</a:t>
             </a:r>
             <a:r>
-              <a:rPr lang="en" sz="1600" b="1" i="0" u="none" strike="noStrike" cap="none" dirty="0">
+              <a:rPr lang="en-US" sz="1600" b="1" i="0" u="none" strike="noStrike" cap="none" dirty="0">
                 <a:solidFill>
                   <a:srgbClr val="FFFFFF"/>
                 </a:solidFill>
@@ -21532,7 +21508,7 @@
               <a:t>', '</a:t>
             </a:r>
             <a:r>
-              <a:rPr lang="en" sz="1600" b="1" i="0" u="none" strike="noStrike" cap="none" dirty="0" err="1">
+              <a:rPr lang="en-US" sz="1600" b="1" i="0" u="none" strike="noStrike" cap="none" dirty="0" err="1">
                 <a:solidFill>
                   <a:srgbClr val="FFFFFF"/>
                 </a:solidFill>
@@ -21544,7 +21520,7 @@
               <a:t>istitle</a:t>
             </a:r>
             <a:r>
-              <a:rPr lang="en" sz="1600" b="1" i="0" u="none" strike="noStrike" cap="none" dirty="0">
+              <a:rPr lang="en-US" sz="1600" b="1" i="0" u="none" strike="noStrike" cap="none" dirty="0">
                 <a:solidFill>
                   <a:srgbClr val="FFFFFF"/>
                 </a:solidFill>
@@ -21556,7 +21532,7 @@
               <a:t>', '</a:t>
             </a:r>
             <a:r>
-              <a:rPr lang="en" sz="1600" b="1" i="0" u="none" strike="noStrike" cap="none" dirty="0" err="1">
+              <a:rPr lang="en-US" sz="1600" b="1" i="0" u="none" strike="noStrike" cap="none" dirty="0" err="1">
                 <a:solidFill>
                   <a:srgbClr val="FFFFFF"/>
                 </a:solidFill>
@@ -21568,67 +21544,43 @@
               <a:t>isupper</a:t>
             </a:r>
             <a:r>
-              <a:rPr lang="en" sz="1600" b="1" i="0" u="none" strike="noStrike" cap="none" dirty="0">
-                <a:solidFill>
-                  <a:srgbClr val="FFFFFF"/>
-                </a:solidFill>
-                <a:latin typeface="Courier"/>
-                <a:ea typeface="Courier New"/>
-                <a:cs typeface="Courier"/>
-                <a:sym typeface="Courier New"/>
-              </a:rPr>
-              <a:t>', 'join', '</a:t>
-            </a:r>
-            <a:r>
-              <a:rPr lang="en" sz="1600" b="1" i="0" u="none" strike="noStrike" cap="none" dirty="0" err="1">
-                <a:solidFill>
-                  <a:srgbClr val="FFFFFF"/>
-                </a:solidFill>
-                <a:latin typeface="Courier"/>
-                <a:ea typeface="Courier New"/>
-                <a:cs typeface="Courier"/>
-                <a:sym typeface="Courier New"/>
-              </a:rPr>
-              <a:t>ljust</a:t>
-            </a:r>
-            <a:r>
-              <a:rPr lang="en" sz="1600" b="1" i="0" u="none" strike="noStrike" cap="none" dirty="0">
-                <a:solidFill>
-                  <a:srgbClr val="FFFFFF"/>
-                </a:solidFill>
-                <a:latin typeface="Courier"/>
-                <a:ea typeface="Courier New"/>
-                <a:cs typeface="Courier"/>
-                <a:sym typeface="Courier New"/>
-              </a:rPr>
-              <a:t>', 'lower', '</a:t>
-            </a:r>
-            <a:r>
-              <a:rPr lang="en" sz="1600" b="1" i="0" u="none" strike="noStrike" cap="none" dirty="0" err="1">
-                <a:solidFill>
-                  <a:srgbClr val="FFFFFF"/>
-                </a:solidFill>
-                <a:latin typeface="Courier"/>
-                <a:ea typeface="Courier New"/>
-                <a:cs typeface="Courier"/>
-                <a:sym typeface="Courier New"/>
-              </a:rPr>
-              <a:t>lstrip</a:t>
-            </a:r>
-            <a:r>
-              <a:rPr lang="en" sz="1600" b="1" i="0" u="none" strike="noStrike" cap="none" dirty="0">
-                <a:solidFill>
-                  <a:srgbClr val="FFFFFF"/>
-                </a:solidFill>
-                <a:latin typeface="Courier"/>
-                <a:ea typeface="Courier New"/>
-                <a:cs typeface="Courier"/>
-                <a:sym typeface="Courier New"/>
-              </a:rPr>
-              <a:t>', 'partition', 'replace', '</a:t>
-            </a:r>
-            <a:r>
-              <a:rPr lang="en" sz="1600" b="1" i="0" u="none" strike="noStrike" cap="none" dirty="0" err="1">
+              <a:rPr lang="en-US" sz="1600" b="1" i="0" u="none" strike="noStrike" cap="none" dirty="0">
+                <a:solidFill>
+                  <a:srgbClr val="FFFFFF"/>
+                </a:solidFill>
+                <a:latin typeface="Courier"/>
+                <a:ea typeface="Courier New"/>
+                <a:cs typeface="Courier"/>
+                <a:sym typeface="Courier New"/>
+              </a:rPr>
+              <a:t>', '</a:t>
+            </a:r>
+            <a:r>
+              <a:rPr lang="en-US" sz="1600" b="1" i="0" u="none" strike="noStrike" cap="none" dirty="0" err="1">
+                <a:solidFill>
+                  <a:srgbClr val="FFFFFF"/>
+                </a:solidFill>
+                <a:latin typeface="Courier"/>
+                <a:ea typeface="Courier New"/>
+                <a:cs typeface="Courier"/>
+                <a:sym typeface="Courier New"/>
+              </a:rPr>
+              <a:t>removesuffix</a:t>
+            </a:r>
+            <a:r>
+              <a:rPr lang="en-US" sz="1600" b="1" i="0" u="none" strike="noStrike" cap="none" dirty="0">
+                <a:solidFill>
+                  <a:srgbClr val="FFFFFF"/>
+                </a:solidFill>
+                <a:latin typeface="Courier"/>
+                <a:ea typeface="Courier New"/>
+                <a:cs typeface="Courier"/>
+                <a:sym typeface="Courier New"/>
+              </a:rPr>
+              <a:t>', 'replace', '</a:t>
+            </a:r>
+            <a:r>
+              <a:rPr lang="en-US" sz="1600" b="1" i="0" u="none" strike="noStrike" cap="none" dirty="0" err="1">
                 <a:solidFill>
                   <a:srgbClr val="FFFFFF"/>
                 </a:solidFill>
@@ -21640,7 +21592,7 @@
               <a:t>rfind</a:t>
             </a:r>
             <a:r>
-              <a:rPr lang="en" sz="1600" b="1" i="0" u="none" strike="noStrike" cap="none" dirty="0">
+              <a:rPr lang="en-US" sz="1600" b="1" i="0" u="none" strike="noStrike" cap="none" dirty="0">
                 <a:solidFill>
                   <a:srgbClr val="FFFFFF"/>
                 </a:solidFill>
@@ -21652,7 +21604,7 @@
               <a:t>', '</a:t>
             </a:r>
             <a:r>
-              <a:rPr lang="en" sz="1600" b="1" i="0" u="none" strike="noStrike" cap="none" dirty="0" err="1">
+              <a:rPr lang="en-US" sz="1600" b="1" i="0" u="none" strike="noStrike" cap="none" dirty="0" err="1">
                 <a:solidFill>
                   <a:srgbClr val="FFFFFF"/>
                 </a:solidFill>
@@ -21664,7 +21616,7 @@
               <a:t>rindex</a:t>
             </a:r>
             <a:r>
-              <a:rPr lang="en" sz="1600" b="1" i="0" u="none" strike="noStrike" cap="none" dirty="0">
+              <a:rPr lang="en-US" sz="1600" b="1" i="0" u="none" strike="noStrike" cap="none" dirty="0">
                 <a:solidFill>
                   <a:srgbClr val="FFFFFF"/>
                 </a:solidFill>
@@ -21676,7 +21628,7 @@
               <a:t>', '</a:t>
             </a:r>
             <a:r>
-              <a:rPr lang="en" sz="1600" b="1" i="0" u="none" strike="noStrike" cap="none" dirty="0" err="1">
+              <a:rPr lang="en-US" sz="1600" b="1" i="0" u="none" strike="noStrike" cap="none" dirty="0" err="1">
                 <a:solidFill>
                   <a:srgbClr val="FFFFFF"/>
                 </a:solidFill>
@@ -21688,7 +21640,7 @@
               <a:t>rjust</a:t>
             </a:r>
             <a:r>
-              <a:rPr lang="en" sz="1600" b="1" i="0" u="none" strike="noStrike" cap="none" dirty="0">
+              <a:rPr lang="en-US" sz="1600" b="1" i="0" u="none" strike="noStrike" cap="none" dirty="0">
                 <a:solidFill>
                   <a:srgbClr val="FFFFFF"/>
                 </a:solidFill>
@@ -21700,7 +21652,7 @@
               <a:t>', '</a:t>
             </a:r>
             <a:r>
-              <a:rPr lang="en" sz="1600" b="1" i="0" u="none" strike="noStrike" cap="none" dirty="0" err="1">
+              <a:rPr lang="en-US" sz="1600" b="1" i="0" u="none" strike="noStrike" cap="none" dirty="0" err="1">
                 <a:solidFill>
                   <a:srgbClr val="FFFFFF"/>
                 </a:solidFill>
@@ -21712,7 +21664,7 @@
               <a:t>rpartition</a:t>
             </a:r>
             <a:r>
-              <a:rPr lang="en" sz="1600" b="1" i="0" u="none" strike="noStrike" cap="none" dirty="0">
+              <a:rPr lang="en-US" sz="1600" b="1" i="0" u="none" strike="noStrike" cap="none" dirty="0">
                 <a:solidFill>
                   <a:srgbClr val="FFFFFF"/>
                 </a:solidFill>
@@ -21724,7 +21676,7 @@
               <a:t>', '</a:t>
             </a:r>
             <a:r>
-              <a:rPr lang="en" sz="1600" b="1" i="0" u="none" strike="noStrike" cap="none" dirty="0" err="1">
+              <a:rPr lang="en-US" sz="1600" b="1" i="0" u="none" strike="noStrike" cap="none" dirty="0" err="1">
                 <a:solidFill>
                   <a:srgbClr val="FFFFFF"/>
                 </a:solidFill>
@@ -21736,7 +21688,7 @@
               <a:t>rsplit</a:t>
             </a:r>
             <a:r>
-              <a:rPr lang="en" sz="1600" b="1" i="0" u="none" strike="noStrike" cap="none" dirty="0">
+              <a:rPr lang="en-US" sz="1600" b="1" i="0" u="none" strike="noStrike" cap="none" dirty="0">
                 <a:solidFill>
                   <a:srgbClr val="FFFFFF"/>
                 </a:solidFill>
@@ -21748,7 +21700,7 @@
               <a:t>', '</a:t>
             </a:r>
             <a:r>
-              <a:rPr lang="en" sz="1600" b="1" i="0" u="none" strike="noStrike" cap="none" dirty="0" err="1">
+              <a:rPr lang="en-US" sz="1600" b="1" i="0" u="none" strike="noStrike" cap="none" dirty="0" err="1">
                 <a:solidFill>
                   <a:srgbClr val="FFFFFF"/>
                 </a:solidFill>
@@ -21760,7 +21712,7 @@
               <a:t>rstrip</a:t>
             </a:r>
             <a:r>
-              <a:rPr lang="en" sz="1600" b="1" i="0" u="none" strike="noStrike" cap="none" dirty="0">
+              <a:rPr lang="en-US" sz="1600" b="1" i="0" u="none" strike="noStrike" cap="none" dirty="0">
                 <a:solidFill>
                   <a:srgbClr val="FFFFFF"/>
                 </a:solidFill>
@@ -21772,7 +21724,7 @@
               <a:t>', 'split', '</a:t>
             </a:r>
             <a:r>
-              <a:rPr lang="en" sz="1600" b="1" i="0" u="none" strike="noStrike" cap="none" dirty="0" err="1">
+              <a:rPr lang="en-US" sz="1600" b="1" i="0" u="none" strike="noStrike" cap="none" dirty="0" err="1">
                 <a:solidFill>
                   <a:srgbClr val="FFFFFF"/>
                 </a:solidFill>
@@ -21784,7 +21736,7 @@
               <a:t>splitlines</a:t>
             </a:r>
             <a:r>
-              <a:rPr lang="en" sz="1600" b="1" i="0" u="none" strike="noStrike" cap="none" dirty="0">
+              <a:rPr lang="en-US" sz="1600" b="1" i="0" u="none" strike="noStrike" cap="none" dirty="0">
                 <a:solidFill>
                   <a:srgbClr val="FFFFFF"/>
                 </a:solidFill>
@@ -21796,7 +21748,7 @@
               <a:t>', '</a:t>
             </a:r>
             <a:r>
-              <a:rPr lang="en" sz="1600" b="1" i="0" u="none" strike="noStrike" cap="none" dirty="0" err="1">
+              <a:rPr lang="en-US" sz="1600" b="1" i="0" u="none" strike="noStrike" cap="none" dirty="0" err="1">
                 <a:solidFill>
                   <a:srgbClr val="FFFFFF"/>
                 </a:solidFill>
@@ -21808,7 +21760,7 @@
               <a:t>startswith</a:t>
             </a:r>
             <a:r>
-              <a:rPr lang="en" sz="1600" b="1" i="0" u="none" strike="noStrike" cap="none" dirty="0">
+              <a:rPr lang="en-US" sz="1600" b="1" i="0" u="none" strike="noStrike" cap="none" dirty="0">
                 <a:solidFill>
                   <a:srgbClr val="FFFFFF"/>
                 </a:solidFill>
@@ -21820,7 +21772,7 @@
               <a:t>', 'strip', '</a:t>
             </a:r>
             <a:r>
-              <a:rPr lang="en" sz="1600" b="1" i="0" u="none" strike="noStrike" cap="none" dirty="0" err="1">
+              <a:rPr lang="en-US" sz="1600" b="1" i="0" u="none" strike="noStrike" cap="none" dirty="0" err="1">
                 <a:solidFill>
                   <a:srgbClr val="FFFFFF"/>
                 </a:solidFill>
@@ -21832,7 +21784,7 @@
               <a:t>swapcase</a:t>
             </a:r>
             <a:r>
-              <a:rPr lang="en" sz="1600" b="1" i="0" u="none" strike="noStrike" cap="none" dirty="0">
+              <a:rPr lang="en-US" sz="1600" b="1" i="0" u="none" strike="noStrike" cap="none" dirty="0">
                 <a:solidFill>
                   <a:srgbClr val="FFFFFF"/>
                 </a:solidFill>
@@ -21844,7 +21796,7 @@
               <a:t>', 'title', 'translate', 'upper', '</a:t>
             </a:r>
             <a:r>
-              <a:rPr lang="en" sz="1600" b="1" i="0" u="none" strike="noStrike" cap="none" dirty="0" err="1">
+              <a:rPr lang="en-US" sz="1600" b="1" i="0" u="none" strike="noStrike" cap="none" dirty="0" err="1">
                 <a:solidFill>
                   <a:srgbClr val="FFFFFF"/>
                 </a:solidFill>
@@ -21856,7 +21808,7 @@
               <a:t>zfill</a:t>
             </a:r>
             <a:r>
-              <a:rPr lang="en" sz="1600" b="1" i="0" u="none" strike="noStrike" cap="none" dirty="0">
+              <a:rPr lang="en-US" sz="1600" b="1" i="0" u="none" strike="noStrike" cap="none" dirty="0">
                 <a:solidFill>
                   <a:srgbClr val="FFFFFF"/>
                 </a:solidFill>
@@ -21867,6 +21819,15 @@
               </a:rPr>
               <a:t>']</a:t>
             </a:r>
+            <a:endParaRPr lang="en" sz="1600" b="1" i="0" u="none" strike="noStrike" cap="none" dirty="0">
+              <a:solidFill>
+                <a:srgbClr val="FFFFFF"/>
+              </a:solidFill>
+              <a:latin typeface="Courier"/>
+              <a:ea typeface="Courier New"/>
+              <a:cs typeface="Courier"/>
+              <a:sym typeface="Courier New"/>
+            </a:endParaRPr>
           </a:p>
         </p:txBody>
       </p:sp>
@@ -23761,14 +23722,14 @@
           </a:ln>
           <a:extLst>
             <a:ext uri="{909E8E84-426E-40dd-AFC4-6F175D3DCCD1}">
-              <a14:hiddenFill xmlns:a14="http://schemas.microsoft.com/office/drawing/2010/main" xmlns="">
+              <a14:hiddenFill xmlns="" xmlns:a14="http://schemas.microsoft.com/office/drawing/2010/main">
                 <a:solidFill>
                   <a:srgbClr val="FFFFFF"/>
                 </a:solidFill>
               </a14:hiddenFill>
             </a:ext>
             <a:ext uri="{91240B29-F687-4f45-9708-019B960494DF}">
-              <a14:hiddenLine xmlns:a14="http://schemas.microsoft.com/office/drawing/2010/main" xmlns="" w="9525">
+              <a14:hiddenLine xmlns="" xmlns:a14="http://schemas.microsoft.com/office/drawing/2010/main" w="9525">
                 <a:solidFill>
                   <a:srgbClr val="000000"/>
                 </a:solidFill>
@@ -31500,14 +31461,14 @@
           </a:ln>
           <a:extLst>
             <a:ext uri="{909E8E84-426E-40dd-AFC4-6F175D3DCCD1}">
-              <a14:hiddenFill xmlns:a14="http://schemas.microsoft.com/office/drawing/2010/main" xmlns="">
+              <a14:hiddenFill xmlns="" xmlns:a14="http://schemas.microsoft.com/office/drawing/2010/main">
                 <a:solidFill>
                   <a:srgbClr val="FFFFFF"/>
                 </a:solidFill>
               </a14:hiddenFill>
             </a:ext>
             <a:ext uri="{91240B29-F687-4f45-9708-019B960494DF}">
-              <a14:hiddenLine xmlns:a14="http://schemas.microsoft.com/office/drawing/2010/main" xmlns="" w="9525">
+              <a14:hiddenLine xmlns="" xmlns:a14="http://schemas.microsoft.com/office/drawing/2010/main" w="9525">
                 <a:solidFill>
                   <a:srgbClr val="000000"/>
                 </a:solidFill>
@@ -37730,14 +37691,14 @@
           </a:ln>
           <a:extLst>
             <a:ext uri="{909E8E84-426E-40dd-AFC4-6F175D3DCCD1}">
-              <a14:hiddenFill xmlns:a14="http://schemas.microsoft.com/office/drawing/2010/main" xmlns="">
+              <a14:hiddenFill xmlns="" xmlns:a14="http://schemas.microsoft.com/office/drawing/2010/main">
                 <a:solidFill>
                   <a:srgbClr val="FFFFFF"/>
                 </a:solidFill>
               </a14:hiddenFill>
             </a:ext>
             <a:ext uri="{91240B29-F687-4f45-9708-019B960494DF}">
-              <a14:hiddenLine xmlns:a14="http://schemas.microsoft.com/office/drawing/2010/main" xmlns="" w="9525">
+              <a14:hiddenLine xmlns="" xmlns:a14="http://schemas.microsoft.com/office/drawing/2010/main" w="9525">
                 <a:solidFill>
                   <a:srgbClr val="000000"/>
                 </a:solidFill>
